--- a/PnP Transformation Process/Samples/PnP Transformation - Solution Assessment Report - Contoso.pptx
+++ b/PnP Transformation Process/Samples/PnP Transformation - Solution Assessment Report - Contoso.pptx
@@ -388,7 +388,7 @@
           <a:p>
             <a:fld id="{DE219B1A-AE41-483B-A766-69B9363DDA6A}" type="datetimeFigureOut">
               <a:rPr lang="en-US" smtClean="0"/>
-              <a:t>5/27/2015</a:t>
+              <a:t>5/28/2015</a:t>
             </a:fld>
             <a:endParaRPr lang="en-US"/>
           </a:p>
@@ -597,7 +597,7 @@
           <a:p>
             <a:fld id="{D51B1278-D92B-4AF3-A9C1-71DD298190CE}" type="datetimeFigureOut">
               <a:rPr lang="en-US" smtClean="0"/>
-              <a:t>5/27/2015</a:t>
+              <a:t>5/28/2015</a:t>
             </a:fld>
             <a:endParaRPr lang="en-US"/>
           </a:p>
@@ -1042,7 +1042,7 @@
                 </a:solidFill>
               </a:rPr>
               <a:pPr/>
-              <a:t>5/27/2015</a:t>
+              <a:t>5/28/2015</a:t>
             </a:fld>
             <a:endParaRPr lang="en-US" dirty="0">
               <a:solidFill>
@@ -1277,7 +1277,7 @@
           <a:p>
             <a:fld id="{4AE8C4F7-4397-4161-9F22-0B4AD96909C7}" type="datetime1">
               <a:rPr lang="en-US" smtClean="0"/>
-              <a:t>5/27/2015</a:t>
+              <a:t>5/28/2015</a:t>
             </a:fld>
             <a:endParaRPr lang="en-US"/>
           </a:p>
@@ -1300,7 +1300,7 @@
           <a:p>
             <a:fld id="{B4008EB6-D09E-4580-8CD6-DDB14511944F}" type="slidenum">
               <a:rPr lang="en-US" smtClean="0"/>
-              <a:t>23</a:t>
+              <a:t>20</a:t>
             </a:fld>
             <a:endParaRPr lang="en-US" dirty="0"/>
           </a:p>
@@ -1408,7 +1408,7 @@
     </p:spTree>
     <p:extLst>
       <p:ext uri="{BB962C8B-B14F-4D97-AF65-F5344CB8AC3E}">
-        <p14:creationId xmlns:p14="http://schemas.microsoft.com/office/powerpoint/2010/main" val="1185253499"/>
+        <p14:creationId xmlns:p14="http://schemas.microsoft.com/office/powerpoint/2010/main" val="182120952"/>
       </p:ext>
     </p:extLst>
   </p:cSld>
@@ -1481,9 +1481,9 @@
           <a:bodyPr/>
           <a:lstStyle/>
           <a:p>
-            <a:fld id="{D1138656-1104-4895-916A-3F46DB26BB9D}" type="datetime1">
+            <a:fld id="{4AE8C4F7-4397-4161-9F22-0B4AD96909C7}" type="datetime1">
               <a:rPr lang="en-US" smtClean="0"/>
-              <a:t>5/27/2015</a:t>
+              <a:t>5/28/2015</a:t>
             </a:fld>
             <a:endParaRPr lang="en-US"/>
           </a:p>
@@ -1506,7 +1506,7 @@
           <a:p>
             <a:fld id="{B4008EB6-D09E-4580-8CD6-DDB14511944F}" type="slidenum">
               <a:rPr lang="en-US" smtClean="0"/>
-              <a:t>25</a:t>
+              <a:t>21</a:t>
             </a:fld>
             <a:endParaRPr lang="en-US" dirty="0"/>
           </a:p>
@@ -1614,7 +1614,7 @@
     </p:spTree>
     <p:extLst>
       <p:ext uri="{BB962C8B-B14F-4D97-AF65-F5344CB8AC3E}">
-        <p14:creationId xmlns:p14="http://schemas.microsoft.com/office/powerpoint/2010/main" val="2087666507"/>
+        <p14:creationId xmlns:p14="http://schemas.microsoft.com/office/powerpoint/2010/main" val="2114422433"/>
       </p:ext>
     </p:extLst>
   </p:cSld>
@@ -1687,9 +1687,9 @@
           <a:bodyPr/>
           <a:lstStyle/>
           <a:p>
-            <a:fld id="{D1138656-1104-4895-916A-3F46DB26BB9D}" type="datetime1">
+            <a:fld id="{4AE8C4F7-4397-4161-9F22-0B4AD96909C7}" type="datetime1">
               <a:rPr lang="en-US" smtClean="0"/>
-              <a:t>5/27/2015</a:t>
+              <a:t>5/28/2015</a:t>
             </a:fld>
             <a:endParaRPr lang="en-US"/>
           </a:p>
@@ -1712,7 +1712,7 @@
           <a:p>
             <a:fld id="{B4008EB6-D09E-4580-8CD6-DDB14511944F}" type="slidenum">
               <a:rPr lang="en-US" smtClean="0"/>
-              <a:t>26</a:t>
+              <a:t>23</a:t>
             </a:fld>
             <a:endParaRPr lang="en-US" dirty="0"/>
           </a:p>
@@ -1820,7 +1820,7 @@
     </p:spTree>
     <p:extLst>
       <p:ext uri="{BB962C8B-B14F-4D97-AF65-F5344CB8AC3E}">
-        <p14:creationId xmlns:p14="http://schemas.microsoft.com/office/powerpoint/2010/main" val="2316888093"/>
+        <p14:creationId xmlns:p14="http://schemas.microsoft.com/office/powerpoint/2010/main" val="1185253499"/>
       </p:ext>
     </p:extLst>
   </p:cSld>
@@ -1893,9 +1893,9 @@
           <a:bodyPr/>
           <a:lstStyle/>
           <a:p>
-            <a:fld id="{AA3AF75D-25C3-42E7-9971-69168E23937F}" type="datetime1">
+            <a:fld id="{D1138656-1104-4895-916A-3F46DB26BB9D}" type="datetime1">
               <a:rPr lang="en-US" smtClean="0"/>
-              <a:t>5/27/2015</a:t>
+              <a:t>5/28/2015</a:t>
             </a:fld>
             <a:endParaRPr lang="en-US"/>
           </a:p>
@@ -1918,7 +1918,7 @@
           <a:p>
             <a:fld id="{B4008EB6-D09E-4580-8CD6-DDB14511944F}" type="slidenum">
               <a:rPr lang="en-US" smtClean="0"/>
-              <a:t>27</a:t>
+              <a:t>25</a:t>
             </a:fld>
             <a:endParaRPr lang="en-US" dirty="0"/>
           </a:p>
@@ -2026,7 +2026,7 @@
     </p:spTree>
     <p:extLst>
       <p:ext uri="{BB962C8B-B14F-4D97-AF65-F5344CB8AC3E}">
-        <p14:creationId xmlns:p14="http://schemas.microsoft.com/office/powerpoint/2010/main" val="1502876893"/>
+        <p14:creationId xmlns:p14="http://schemas.microsoft.com/office/powerpoint/2010/main" val="2087666507"/>
       </p:ext>
     </p:extLst>
   </p:cSld>
@@ -2099,9 +2099,9 @@
           <a:bodyPr/>
           <a:lstStyle/>
           <a:p>
-            <a:fld id="{AA3AF75D-25C3-42E7-9971-69168E23937F}" type="datetime1">
+            <a:fld id="{D1138656-1104-4895-916A-3F46DB26BB9D}" type="datetime1">
               <a:rPr lang="en-US" smtClean="0"/>
-              <a:t>5/27/2015</a:t>
+              <a:t>5/28/2015</a:t>
             </a:fld>
             <a:endParaRPr lang="en-US"/>
           </a:p>
@@ -2124,7 +2124,7 @@
           <a:p>
             <a:fld id="{B4008EB6-D09E-4580-8CD6-DDB14511944F}" type="slidenum">
               <a:rPr lang="en-US" smtClean="0"/>
-              <a:t>29</a:t>
+              <a:t>26</a:t>
             </a:fld>
             <a:endParaRPr lang="en-US" dirty="0"/>
           </a:p>
@@ -2232,7 +2232,7 @@
     </p:spTree>
     <p:extLst>
       <p:ext uri="{BB962C8B-B14F-4D97-AF65-F5344CB8AC3E}">
-        <p14:creationId xmlns:p14="http://schemas.microsoft.com/office/powerpoint/2010/main" val="3226384395"/>
+        <p14:creationId xmlns:p14="http://schemas.microsoft.com/office/powerpoint/2010/main" val="2316888093"/>
       </p:ext>
     </p:extLst>
   </p:cSld>
@@ -2286,10 +2286,6 @@
           <a:bodyPr/>
           <a:lstStyle/>
           <a:p>
-            <a:r>
-              <a:rPr lang="en-NZ" dirty="0" smtClean="0"/>
-              <a:t>CDN – Content Delivery Network</a:t>
-            </a:r>
             <a:endParaRPr lang="en-NZ" dirty="0"/>
           </a:p>
         </p:txBody>
@@ -2309,9 +2305,9 @@
           <a:bodyPr/>
           <a:lstStyle/>
           <a:p>
-            <a:fld id="{309E6654-814A-4856-A67A-9683B5A2AE45}" type="datetime1">
+            <a:fld id="{AA3AF75D-25C3-42E7-9971-69168E23937F}" type="datetime1">
               <a:rPr lang="en-US" smtClean="0"/>
-              <a:t>5/27/2015</a:t>
+              <a:t>5/28/2015</a:t>
             </a:fld>
             <a:endParaRPr lang="en-US"/>
           </a:p>
@@ -2334,7 +2330,7 @@
           <a:p>
             <a:fld id="{B4008EB6-D09E-4580-8CD6-DDB14511944F}" type="slidenum">
               <a:rPr lang="en-US" smtClean="0"/>
-              <a:t>35</a:t>
+              <a:t>27</a:t>
             </a:fld>
             <a:endParaRPr lang="en-US" dirty="0"/>
           </a:p>
@@ -2442,7 +2438,7 @@
     </p:spTree>
     <p:extLst>
       <p:ext uri="{BB962C8B-B14F-4D97-AF65-F5344CB8AC3E}">
-        <p14:creationId xmlns:p14="http://schemas.microsoft.com/office/powerpoint/2010/main" val="2545386351"/>
+        <p14:creationId xmlns:p14="http://schemas.microsoft.com/office/powerpoint/2010/main" val="1502876893"/>
       </p:ext>
     </p:extLst>
   </p:cSld>
@@ -2515,9 +2511,9 @@
           <a:bodyPr/>
           <a:lstStyle/>
           <a:p>
-            <a:fld id="{B8A7FB5A-0EC6-493F-BBA2-9886F4EE2DA7}" type="datetime1">
+            <a:fld id="{BE6AF0E1-8DCE-4BBE-B246-BFB736357904}" type="datetime1">
               <a:rPr lang="en-US" smtClean="0"/>
-              <a:t>5/27/2015</a:t>
+              <a:t>5/28/2015</a:t>
             </a:fld>
             <a:endParaRPr lang="en-US"/>
           </a:p>
@@ -2540,7 +2536,7 @@
           <a:p>
             <a:fld id="{B4008EB6-D09E-4580-8CD6-DDB14511944F}" type="slidenum">
               <a:rPr lang="en-US" smtClean="0"/>
-              <a:t>39</a:t>
+              <a:t>28</a:t>
             </a:fld>
             <a:endParaRPr lang="en-US" dirty="0"/>
           </a:p>
@@ -2648,7 +2644,7 @@
     </p:spTree>
     <p:extLst>
       <p:ext uri="{BB962C8B-B14F-4D97-AF65-F5344CB8AC3E}">
-        <p14:creationId xmlns:p14="http://schemas.microsoft.com/office/powerpoint/2010/main" val="1440496008"/>
+        <p14:creationId xmlns:p14="http://schemas.microsoft.com/office/powerpoint/2010/main" val="4052077378"/>
       </p:ext>
     </p:extLst>
   </p:cSld>
@@ -2702,10 +2698,6 @@
           <a:bodyPr/>
           <a:lstStyle/>
           <a:p>
-            <a:r>
-              <a:rPr lang="en-NZ" dirty="0" smtClean="0"/>
-              <a:t>FTC: Full Trust Code</a:t>
-            </a:r>
             <a:endParaRPr lang="en-NZ" dirty="0"/>
           </a:p>
         </p:txBody>
@@ -2725,9 +2717,9 @@
           <a:bodyPr/>
           <a:lstStyle/>
           <a:p>
-            <a:fld id="{CE1B21AF-5CDF-4A97-B0F4-5C0D3A9A2110}" type="datetime1">
+            <a:fld id="{AA3AF75D-25C3-42E7-9971-69168E23937F}" type="datetime1">
               <a:rPr lang="en-US" smtClean="0"/>
-              <a:t>5/27/2015</a:t>
+              <a:t>5/28/2015</a:t>
             </a:fld>
             <a:endParaRPr lang="en-US"/>
           </a:p>
@@ -2750,7 +2742,7 @@
           <a:p>
             <a:fld id="{B4008EB6-D09E-4580-8CD6-DDB14511944F}" type="slidenum">
               <a:rPr lang="en-US" smtClean="0"/>
-              <a:t>43</a:t>
+              <a:t>29</a:t>
             </a:fld>
             <a:endParaRPr lang="en-US" dirty="0"/>
           </a:p>
@@ -2858,7 +2850,7 @@
     </p:spTree>
     <p:extLst>
       <p:ext uri="{BB962C8B-B14F-4D97-AF65-F5344CB8AC3E}">
-        <p14:creationId xmlns:p14="http://schemas.microsoft.com/office/powerpoint/2010/main" val="1574737983"/>
+        <p14:creationId xmlns:p14="http://schemas.microsoft.com/office/powerpoint/2010/main" val="3226384395"/>
       </p:ext>
     </p:extLst>
   </p:cSld>
@@ -2912,60 +2904,163 @@
           <a:bodyPr/>
           <a:lstStyle/>
           <a:p>
-            <a:endParaRPr lang="en-US" baseline="0" dirty="0" smtClean="0"/>
-          </a:p>
-          <a:p>
-            <a:r>
-              <a:rPr lang="en-US" baseline="0" dirty="0" smtClean="0"/>
-              <a:t>FTC: Full Trust Code</a:t>
-            </a:r>
-          </a:p>
-          <a:p>
-            <a:r>
-              <a:rPr lang="en-US" baseline="0" dirty="0" smtClean="0"/>
-              <a:t>SOW: Statement of Work</a:t>
-            </a:r>
-          </a:p>
-          <a:p>
-            <a:endParaRPr lang="en-US" baseline="0" dirty="0" smtClean="0"/>
+            <a:r>
+              <a:rPr lang="en-NZ" dirty="0" smtClean="0"/>
+              <a:t>CDN – Content Delivery Network</a:t>
+            </a:r>
+            <a:endParaRPr lang="en-NZ" dirty="0"/>
           </a:p>
         </p:txBody>
       </p:sp>
       <p:sp>
         <p:nvSpPr>
-          <p:cNvPr id="4" name="Slide Number Placeholder 3"/>
+          <p:cNvPr id="4" name="Date Placeholder 3"/>
           <p:cNvSpPr>
             <a:spLocks noGrp="1"/>
           </p:cNvSpPr>
           <p:nvPr>
-            <p:ph type="sldNum" sz="quarter" idx="10"/>
+            <p:ph type="dt" idx="10"/>
           </p:nvPr>
         </p:nvSpPr>
-        <p:spPr>
-          <a:xfrm>
-            <a:off x="6051570" y="8842030"/>
-            <a:ext cx="969904" cy="465455"/>
-          </a:xfrm>
-          <a:prstGeom prst="rect">
-            <a:avLst/>
-          </a:prstGeom>
-        </p:spPr>
+        <p:spPr/>
         <p:txBody>
           <a:bodyPr/>
           <a:lstStyle/>
           <a:p>
-            <a:fld id="{69A3D4EF-FC77-4542-8C22-63DD037305B0}" type="slidenum">
+            <a:fld id="{309E6654-814A-4856-A67A-9683B5A2AE45}" type="datetime1">
               <a:rPr lang="en-US" smtClean="0"/>
-              <a:t>51</a:t>
+              <a:t>5/28/2015</a:t>
+            </a:fld>
+            <a:endParaRPr lang="en-US"/>
+          </a:p>
+        </p:txBody>
+      </p:sp>
+      <p:sp>
+        <p:nvSpPr>
+          <p:cNvPr id="5" name="Slide Number Placeholder 4"/>
+          <p:cNvSpPr>
+            <a:spLocks noGrp="1"/>
+          </p:cNvSpPr>
+          <p:nvPr>
+            <p:ph type="sldNum" sz="quarter" idx="11"/>
+          </p:nvPr>
+        </p:nvSpPr>
+        <p:spPr/>
+        <p:txBody>
+          <a:bodyPr/>
+          <a:lstStyle/>
+          <a:p>
+            <a:fld id="{B4008EB6-D09E-4580-8CD6-DDB14511944F}" type="slidenum">
+              <a:rPr lang="en-US" smtClean="0"/>
+              <a:t>35</a:t>
             </a:fld>
             <a:endParaRPr lang="en-US" dirty="0"/>
+          </a:p>
+        </p:txBody>
+      </p:sp>
+      <p:sp>
+        <p:nvSpPr>
+          <p:cNvPr id="6" name="Header Placeholder 5"/>
+          <p:cNvSpPr>
+            <a:spLocks noGrp="1"/>
+          </p:cNvSpPr>
+          <p:nvPr>
+            <p:ph type="hdr" sz="quarter" idx="12"/>
+          </p:nvPr>
+        </p:nvSpPr>
+        <p:spPr/>
+        <p:txBody>
+          <a:bodyPr/>
+          <a:lstStyle/>
+          <a:p>
+            <a:r>
+              <a:rPr lang="en-US" smtClean="0"/>
+              <a:t>Microsoft Office</a:t>
+            </a:r>
+            <a:endParaRPr lang="en-US" dirty="0"/>
+          </a:p>
+        </p:txBody>
+      </p:sp>
+      <p:sp>
+        <p:nvSpPr>
+          <p:cNvPr id="7" name="Footer Placeholder 6"/>
+          <p:cNvSpPr>
+            <a:spLocks noGrp="1"/>
+          </p:cNvSpPr>
+          <p:nvPr>
+            <p:ph type="ftr" sz="quarter" idx="13"/>
+          </p:nvPr>
+        </p:nvSpPr>
+        <p:spPr/>
+        <p:txBody>
+          <a:bodyPr/>
+          <a:lstStyle/>
+          <a:p>
+            <a:pPr marL="238375" defTabSz="940130" eaLnBrk="0" hangingPunct="0"/>
+            <a:r>
+              <a:rPr lang="en-US" sz="500" smtClean="0">
+                <a:gradFill>
+                  <a:gsLst>
+                    <a:gs pos="0">
+                      <a:schemeClr val="tx1"/>
+                    </a:gs>
+                    <a:gs pos="100000">
+                      <a:schemeClr val="tx1"/>
+                    </a:gs>
+                  </a:gsLst>
+                  <a:lin ang="5400000" scaled="0"/>
+                </a:gradFill>
+                <a:latin typeface="Segoe UI" pitchFamily="34" charset="0"/>
+                <a:ea typeface="Segoe UI" pitchFamily="34" charset="0"/>
+                <a:cs typeface="Segoe UI" pitchFamily="34" charset="0"/>
+              </a:rPr>
+              <a:t>© 2012 Microsoft Corporation. All rights reserved. Microsoft, Windows, and other product names are or may be registered trademarks and/or trademarks in the U.S. and/or other countries.</a:t>
+            </a:r>
+          </a:p>
+          <a:p>
+            <a:pPr marL="238375" defTabSz="940130" eaLnBrk="0" hangingPunct="0"/>
+            <a:r>
+              <a:rPr lang="en-US" sz="500" smtClean="0">
+                <a:gradFill>
+                  <a:gsLst>
+                    <a:gs pos="0">
+                      <a:schemeClr val="tx1"/>
+                    </a:gs>
+                    <a:gs pos="100000">
+                      <a:schemeClr val="tx1"/>
+                    </a:gs>
+                  </a:gsLst>
+                  <a:lin ang="5400000" scaled="0"/>
+                </a:gradFill>
+                <a:latin typeface="Segoe UI" pitchFamily="34" charset="0"/>
+                <a:ea typeface="Segoe UI" pitchFamily="34" charset="0"/>
+                <a:cs typeface="Segoe UI" pitchFamily="34" charset="0"/>
+              </a:rPr>
+              <a:t>The information herein is for informational purposes only and represents the current view of Microsoft Corporation as of the date of this presentation.  Because Microsoft must respond to changing market conditions, it should not be interpreted to be a commitment on the part of Microsoft, and Microsoft cannot guarantee the accuracy of any information provided after the date of this presentation.  MICROSOFT MAKES NO WARRANTIES, EXPRESS, IMPLIED OR STATUTORY, AS TO THE INFORMATION IN THIS PRESENTATION.</a:t>
+            </a:r>
+            <a:endParaRPr lang="en-US" sz="500" dirty="0">
+              <a:gradFill>
+                <a:gsLst>
+                  <a:gs pos="0">
+                    <a:schemeClr val="tx1"/>
+                  </a:gs>
+                  <a:gs pos="100000">
+                    <a:schemeClr val="tx1"/>
+                  </a:gs>
+                </a:gsLst>
+                <a:lin ang="5400000" scaled="0"/>
+              </a:gradFill>
+              <a:latin typeface="Segoe UI" pitchFamily="34" charset="0"/>
+              <a:ea typeface="Segoe UI" pitchFamily="34" charset="0"/>
+              <a:cs typeface="Segoe UI" pitchFamily="34" charset="0"/>
+            </a:endParaRPr>
           </a:p>
         </p:txBody>
       </p:sp>
     </p:spTree>
     <p:extLst>
       <p:ext uri="{BB962C8B-B14F-4D97-AF65-F5344CB8AC3E}">
-        <p14:creationId xmlns:p14="http://schemas.microsoft.com/office/powerpoint/2010/main" val="2899938266"/>
+        <p14:creationId xmlns:p14="http://schemas.microsoft.com/office/powerpoint/2010/main" val="2545386351"/>
       </p:ext>
     </p:extLst>
   </p:cSld>
@@ -3019,14 +3114,159 @@
           <a:bodyPr/>
           <a:lstStyle/>
           <a:p>
+            <a:endParaRPr lang="en-NZ" dirty="0"/>
+          </a:p>
+        </p:txBody>
+      </p:sp>
+      <p:sp>
+        <p:nvSpPr>
+          <p:cNvPr id="4" name="Date Placeholder 3"/>
+          <p:cNvSpPr>
+            <a:spLocks noGrp="1"/>
+          </p:cNvSpPr>
+          <p:nvPr>
+            <p:ph type="dt" idx="10"/>
+          </p:nvPr>
+        </p:nvSpPr>
+        <p:spPr/>
+        <p:txBody>
+          <a:bodyPr/>
+          <a:lstStyle/>
+          <a:p>
+            <a:fld id="{B8A7FB5A-0EC6-493F-BBA2-9886F4EE2DA7}" type="datetime1">
+              <a:rPr lang="en-US" smtClean="0"/>
+              <a:t>5/28/2015</a:t>
+            </a:fld>
             <a:endParaRPr lang="en-US"/>
+          </a:p>
+        </p:txBody>
+      </p:sp>
+      <p:sp>
+        <p:nvSpPr>
+          <p:cNvPr id="5" name="Slide Number Placeholder 4"/>
+          <p:cNvSpPr>
+            <a:spLocks noGrp="1"/>
+          </p:cNvSpPr>
+          <p:nvPr>
+            <p:ph type="sldNum" sz="quarter" idx="11"/>
+          </p:nvPr>
+        </p:nvSpPr>
+        <p:spPr/>
+        <p:txBody>
+          <a:bodyPr/>
+          <a:lstStyle/>
+          <a:p>
+            <a:fld id="{B4008EB6-D09E-4580-8CD6-DDB14511944F}" type="slidenum">
+              <a:rPr lang="en-US" smtClean="0"/>
+              <a:t>39</a:t>
+            </a:fld>
+            <a:endParaRPr lang="en-US" dirty="0"/>
+          </a:p>
+        </p:txBody>
+      </p:sp>
+      <p:sp>
+        <p:nvSpPr>
+          <p:cNvPr id="6" name="Header Placeholder 5"/>
+          <p:cNvSpPr>
+            <a:spLocks noGrp="1"/>
+          </p:cNvSpPr>
+          <p:nvPr>
+            <p:ph type="hdr" sz="quarter" idx="12"/>
+          </p:nvPr>
+        </p:nvSpPr>
+        <p:spPr/>
+        <p:txBody>
+          <a:bodyPr/>
+          <a:lstStyle/>
+          <a:p>
+            <a:r>
+              <a:rPr lang="en-US" smtClean="0"/>
+              <a:t>Microsoft Office</a:t>
+            </a:r>
+            <a:endParaRPr lang="en-US" dirty="0"/>
+          </a:p>
+        </p:txBody>
+      </p:sp>
+      <p:sp>
+        <p:nvSpPr>
+          <p:cNvPr id="7" name="Footer Placeholder 6"/>
+          <p:cNvSpPr>
+            <a:spLocks noGrp="1"/>
+          </p:cNvSpPr>
+          <p:nvPr>
+            <p:ph type="ftr" sz="quarter" idx="13"/>
+          </p:nvPr>
+        </p:nvSpPr>
+        <p:spPr/>
+        <p:txBody>
+          <a:bodyPr/>
+          <a:lstStyle/>
+          <a:p>
+            <a:pPr marL="238375" defTabSz="940130" eaLnBrk="0" hangingPunct="0"/>
+            <a:r>
+              <a:rPr lang="en-US" sz="500" smtClean="0">
+                <a:gradFill>
+                  <a:gsLst>
+                    <a:gs pos="0">
+                      <a:schemeClr val="tx1"/>
+                    </a:gs>
+                    <a:gs pos="100000">
+                      <a:schemeClr val="tx1"/>
+                    </a:gs>
+                  </a:gsLst>
+                  <a:lin ang="5400000" scaled="0"/>
+                </a:gradFill>
+                <a:latin typeface="Segoe UI" pitchFamily="34" charset="0"/>
+                <a:ea typeface="Segoe UI" pitchFamily="34" charset="0"/>
+                <a:cs typeface="Segoe UI" pitchFamily="34" charset="0"/>
+              </a:rPr>
+              <a:t>© 2012 Microsoft Corporation. All rights reserved. Microsoft, Windows, and other product names are or may be registered trademarks and/or trademarks in the U.S. and/or other countries.</a:t>
+            </a:r>
+          </a:p>
+          <a:p>
+            <a:pPr marL="238375" defTabSz="940130" eaLnBrk="0" hangingPunct="0"/>
+            <a:r>
+              <a:rPr lang="en-US" sz="500" smtClean="0">
+                <a:gradFill>
+                  <a:gsLst>
+                    <a:gs pos="0">
+                      <a:schemeClr val="tx1"/>
+                    </a:gs>
+                    <a:gs pos="100000">
+                      <a:schemeClr val="tx1"/>
+                    </a:gs>
+                  </a:gsLst>
+                  <a:lin ang="5400000" scaled="0"/>
+                </a:gradFill>
+                <a:latin typeface="Segoe UI" pitchFamily="34" charset="0"/>
+                <a:ea typeface="Segoe UI" pitchFamily="34" charset="0"/>
+                <a:cs typeface="Segoe UI" pitchFamily="34" charset="0"/>
+              </a:rPr>
+              <a:t>The information herein is for informational purposes only and represents the current view of Microsoft Corporation as of the date of this presentation.  Because Microsoft must respond to changing market conditions, it should not be interpreted to be a commitment on the part of Microsoft, and Microsoft cannot guarantee the accuracy of any information provided after the date of this presentation.  MICROSOFT MAKES NO WARRANTIES, EXPRESS, IMPLIED OR STATUTORY, AS TO THE INFORMATION IN THIS PRESENTATION.</a:t>
+            </a:r>
+            <a:endParaRPr lang="en-US" sz="500" dirty="0">
+              <a:gradFill>
+                <a:gsLst>
+                  <a:gs pos="0">
+                    <a:schemeClr val="tx1"/>
+                  </a:gs>
+                  <a:gs pos="100000">
+                    <a:schemeClr val="tx1"/>
+                  </a:gs>
+                </a:gsLst>
+                <a:lin ang="5400000" scaled="0"/>
+              </a:gradFill>
+              <a:latin typeface="Segoe UI" pitchFamily="34" charset="0"/>
+              <a:ea typeface="Segoe UI" pitchFamily="34" charset="0"/>
+              <a:cs typeface="Segoe UI" pitchFamily="34" charset="0"/>
+            </a:endParaRPr>
           </a:p>
         </p:txBody>
       </p:sp>
     </p:spTree>
     <p:extLst>
       <p:ext uri="{BB962C8B-B14F-4D97-AF65-F5344CB8AC3E}">
-        <p14:creationId xmlns:p14="http://schemas.microsoft.com/office/powerpoint/2010/main" val="1613658290"/>
+        <p14:creationId xmlns:p14="http://schemas.microsoft.com/office/powerpoint/2010/main" val="1440496008"/>
       </p:ext>
     </p:extLst>
   </p:cSld>
@@ -3144,6 +3384,384 @@
 </file>
 
 <file path=ppt/notesSlides/notesSlide20.xml><?xml version="1.0" encoding="utf-8"?>
+<p:notes xmlns:a="http://schemas.openxmlformats.org/drawingml/2006/main" xmlns:r="http://schemas.openxmlformats.org/officeDocument/2006/relationships" xmlns:p="http://schemas.openxmlformats.org/presentationml/2006/main">
+  <p:cSld>
+    <p:spTree>
+      <p:nvGrpSpPr>
+        <p:cNvPr id="1" name=""/>
+        <p:cNvGrpSpPr/>
+        <p:nvPr/>
+      </p:nvGrpSpPr>
+      <p:grpSpPr>
+        <a:xfrm>
+          <a:off x="0" y="0"/>
+          <a:ext cx="0" cy="0"/>
+          <a:chOff x="0" y="0"/>
+          <a:chExt cx="0" cy="0"/>
+        </a:xfrm>
+      </p:grpSpPr>
+      <p:sp>
+        <p:nvSpPr>
+          <p:cNvPr id="2" name="Slide Image Placeholder 1"/>
+          <p:cNvSpPr>
+            <a:spLocks noGrp="1" noRot="1" noChangeAspect="1"/>
+          </p:cNvSpPr>
+          <p:nvPr>
+            <p:ph type="sldImg"/>
+          </p:nvPr>
+        </p:nvSpPr>
+        <p:spPr/>
+      </p:sp>
+      <p:sp>
+        <p:nvSpPr>
+          <p:cNvPr id="3" name="Notes Placeholder 2"/>
+          <p:cNvSpPr>
+            <a:spLocks noGrp="1"/>
+          </p:cNvSpPr>
+          <p:nvPr>
+            <p:ph type="body" idx="1"/>
+          </p:nvPr>
+        </p:nvSpPr>
+        <p:spPr/>
+        <p:txBody>
+          <a:bodyPr/>
+          <a:lstStyle/>
+          <a:p>
+            <a:r>
+              <a:rPr lang="en-NZ" dirty="0" smtClean="0"/>
+              <a:t>FTC: Full Trust Code</a:t>
+            </a:r>
+            <a:endParaRPr lang="en-NZ" dirty="0"/>
+          </a:p>
+        </p:txBody>
+      </p:sp>
+      <p:sp>
+        <p:nvSpPr>
+          <p:cNvPr id="4" name="Date Placeholder 3"/>
+          <p:cNvSpPr>
+            <a:spLocks noGrp="1"/>
+          </p:cNvSpPr>
+          <p:nvPr>
+            <p:ph type="dt" idx="10"/>
+          </p:nvPr>
+        </p:nvSpPr>
+        <p:spPr/>
+        <p:txBody>
+          <a:bodyPr/>
+          <a:lstStyle/>
+          <a:p>
+            <a:fld id="{CE1B21AF-5CDF-4A97-B0F4-5C0D3A9A2110}" type="datetime1">
+              <a:rPr lang="en-US" smtClean="0"/>
+              <a:t>5/28/2015</a:t>
+            </a:fld>
+            <a:endParaRPr lang="en-US"/>
+          </a:p>
+        </p:txBody>
+      </p:sp>
+      <p:sp>
+        <p:nvSpPr>
+          <p:cNvPr id="5" name="Slide Number Placeholder 4"/>
+          <p:cNvSpPr>
+            <a:spLocks noGrp="1"/>
+          </p:cNvSpPr>
+          <p:nvPr>
+            <p:ph type="sldNum" sz="quarter" idx="11"/>
+          </p:nvPr>
+        </p:nvSpPr>
+        <p:spPr/>
+        <p:txBody>
+          <a:bodyPr/>
+          <a:lstStyle/>
+          <a:p>
+            <a:fld id="{B4008EB6-D09E-4580-8CD6-DDB14511944F}" type="slidenum">
+              <a:rPr lang="en-US" smtClean="0"/>
+              <a:t>43</a:t>
+            </a:fld>
+            <a:endParaRPr lang="en-US" dirty="0"/>
+          </a:p>
+        </p:txBody>
+      </p:sp>
+      <p:sp>
+        <p:nvSpPr>
+          <p:cNvPr id="6" name="Header Placeholder 5"/>
+          <p:cNvSpPr>
+            <a:spLocks noGrp="1"/>
+          </p:cNvSpPr>
+          <p:nvPr>
+            <p:ph type="hdr" sz="quarter" idx="12"/>
+          </p:nvPr>
+        </p:nvSpPr>
+        <p:spPr/>
+        <p:txBody>
+          <a:bodyPr/>
+          <a:lstStyle/>
+          <a:p>
+            <a:r>
+              <a:rPr lang="en-US" smtClean="0"/>
+              <a:t>Microsoft Office</a:t>
+            </a:r>
+            <a:endParaRPr lang="en-US" dirty="0"/>
+          </a:p>
+        </p:txBody>
+      </p:sp>
+      <p:sp>
+        <p:nvSpPr>
+          <p:cNvPr id="7" name="Footer Placeholder 6"/>
+          <p:cNvSpPr>
+            <a:spLocks noGrp="1"/>
+          </p:cNvSpPr>
+          <p:nvPr>
+            <p:ph type="ftr" sz="quarter" idx="13"/>
+          </p:nvPr>
+        </p:nvSpPr>
+        <p:spPr/>
+        <p:txBody>
+          <a:bodyPr/>
+          <a:lstStyle/>
+          <a:p>
+            <a:pPr marL="238375" defTabSz="940130" eaLnBrk="0" hangingPunct="0"/>
+            <a:r>
+              <a:rPr lang="en-US" sz="500" smtClean="0">
+                <a:gradFill>
+                  <a:gsLst>
+                    <a:gs pos="0">
+                      <a:schemeClr val="tx1"/>
+                    </a:gs>
+                    <a:gs pos="100000">
+                      <a:schemeClr val="tx1"/>
+                    </a:gs>
+                  </a:gsLst>
+                  <a:lin ang="5400000" scaled="0"/>
+                </a:gradFill>
+                <a:latin typeface="Segoe UI" pitchFamily="34" charset="0"/>
+                <a:ea typeface="Segoe UI" pitchFamily="34" charset="0"/>
+                <a:cs typeface="Segoe UI" pitchFamily="34" charset="0"/>
+              </a:rPr>
+              <a:t>© 2012 Microsoft Corporation. All rights reserved. Microsoft, Windows, and other product names are or may be registered trademarks and/or trademarks in the U.S. and/or other countries.</a:t>
+            </a:r>
+          </a:p>
+          <a:p>
+            <a:pPr marL="238375" defTabSz="940130" eaLnBrk="0" hangingPunct="0"/>
+            <a:r>
+              <a:rPr lang="en-US" sz="500" smtClean="0">
+                <a:gradFill>
+                  <a:gsLst>
+                    <a:gs pos="0">
+                      <a:schemeClr val="tx1"/>
+                    </a:gs>
+                    <a:gs pos="100000">
+                      <a:schemeClr val="tx1"/>
+                    </a:gs>
+                  </a:gsLst>
+                  <a:lin ang="5400000" scaled="0"/>
+                </a:gradFill>
+                <a:latin typeface="Segoe UI" pitchFamily="34" charset="0"/>
+                <a:ea typeface="Segoe UI" pitchFamily="34" charset="0"/>
+                <a:cs typeface="Segoe UI" pitchFamily="34" charset="0"/>
+              </a:rPr>
+              <a:t>The information herein is for informational purposes only and represents the current view of Microsoft Corporation as of the date of this presentation.  Because Microsoft must respond to changing market conditions, it should not be interpreted to be a commitment on the part of Microsoft, and Microsoft cannot guarantee the accuracy of any information provided after the date of this presentation.  MICROSOFT MAKES NO WARRANTIES, EXPRESS, IMPLIED OR STATUTORY, AS TO THE INFORMATION IN THIS PRESENTATION.</a:t>
+            </a:r>
+            <a:endParaRPr lang="en-US" sz="500" dirty="0">
+              <a:gradFill>
+                <a:gsLst>
+                  <a:gs pos="0">
+                    <a:schemeClr val="tx1"/>
+                  </a:gs>
+                  <a:gs pos="100000">
+                    <a:schemeClr val="tx1"/>
+                  </a:gs>
+                </a:gsLst>
+                <a:lin ang="5400000" scaled="0"/>
+              </a:gradFill>
+              <a:latin typeface="Segoe UI" pitchFamily="34" charset="0"/>
+              <a:ea typeface="Segoe UI" pitchFamily="34" charset="0"/>
+              <a:cs typeface="Segoe UI" pitchFamily="34" charset="0"/>
+            </a:endParaRPr>
+          </a:p>
+        </p:txBody>
+      </p:sp>
+    </p:spTree>
+    <p:extLst>
+      <p:ext uri="{BB962C8B-B14F-4D97-AF65-F5344CB8AC3E}">
+        <p14:creationId xmlns:p14="http://schemas.microsoft.com/office/powerpoint/2010/main" val="1574737983"/>
+      </p:ext>
+    </p:extLst>
+  </p:cSld>
+  <p:clrMapOvr>
+    <a:masterClrMapping/>
+  </p:clrMapOvr>
+</p:notes>
+</file>
+
+<file path=ppt/notesSlides/notesSlide21.xml><?xml version="1.0" encoding="utf-8"?>
+<p:notes xmlns:a="http://schemas.openxmlformats.org/drawingml/2006/main" xmlns:r="http://schemas.openxmlformats.org/officeDocument/2006/relationships" xmlns:p="http://schemas.openxmlformats.org/presentationml/2006/main">
+  <p:cSld>
+    <p:spTree>
+      <p:nvGrpSpPr>
+        <p:cNvPr id="1" name=""/>
+        <p:cNvGrpSpPr/>
+        <p:nvPr/>
+      </p:nvGrpSpPr>
+      <p:grpSpPr>
+        <a:xfrm>
+          <a:off x="0" y="0"/>
+          <a:ext cx="0" cy="0"/>
+          <a:chOff x="0" y="0"/>
+          <a:chExt cx="0" cy="0"/>
+        </a:xfrm>
+      </p:grpSpPr>
+      <p:sp>
+        <p:nvSpPr>
+          <p:cNvPr id="2" name="Slide Image Placeholder 1"/>
+          <p:cNvSpPr>
+            <a:spLocks noGrp="1" noRot="1" noChangeAspect="1"/>
+          </p:cNvSpPr>
+          <p:nvPr>
+            <p:ph type="sldImg"/>
+          </p:nvPr>
+        </p:nvSpPr>
+        <p:spPr/>
+      </p:sp>
+      <p:sp>
+        <p:nvSpPr>
+          <p:cNvPr id="3" name="Notes Placeholder 2"/>
+          <p:cNvSpPr>
+            <a:spLocks noGrp="1"/>
+          </p:cNvSpPr>
+          <p:nvPr>
+            <p:ph type="body" idx="1"/>
+          </p:nvPr>
+        </p:nvSpPr>
+        <p:spPr/>
+        <p:txBody>
+          <a:bodyPr/>
+          <a:lstStyle/>
+          <a:p>
+            <a:endParaRPr lang="en-US" baseline="0" dirty="0" smtClean="0"/>
+          </a:p>
+          <a:p>
+            <a:r>
+              <a:rPr lang="en-US" baseline="0" dirty="0" smtClean="0"/>
+              <a:t>FTC: Full Trust Code</a:t>
+            </a:r>
+          </a:p>
+          <a:p>
+            <a:r>
+              <a:rPr lang="en-US" baseline="0" dirty="0" smtClean="0"/>
+              <a:t>SOW: Statement of Work</a:t>
+            </a:r>
+          </a:p>
+          <a:p>
+            <a:endParaRPr lang="en-US" baseline="0" dirty="0" smtClean="0"/>
+          </a:p>
+        </p:txBody>
+      </p:sp>
+      <p:sp>
+        <p:nvSpPr>
+          <p:cNvPr id="4" name="Slide Number Placeholder 3"/>
+          <p:cNvSpPr>
+            <a:spLocks noGrp="1"/>
+          </p:cNvSpPr>
+          <p:nvPr>
+            <p:ph type="sldNum" sz="quarter" idx="10"/>
+          </p:nvPr>
+        </p:nvSpPr>
+        <p:spPr>
+          <a:xfrm>
+            <a:off x="6051570" y="8842030"/>
+            <a:ext cx="969904" cy="465455"/>
+          </a:xfrm>
+          <a:prstGeom prst="rect">
+            <a:avLst/>
+          </a:prstGeom>
+        </p:spPr>
+        <p:txBody>
+          <a:bodyPr/>
+          <a:lstStyle/>
+          <a:p>
+            <a:fld id="{69A3D4EF-FC77-4542-8C22-63DD037305B0}" type="slidenum">
+              <a:rPr lang="en-US" smtClean="0"/>
+              <a:t>51</a:t>
+            </a:fld>
+            <a:endParaRPr lang="en-US" dirty="0"/>
+          </a:p>
+        </p:txBody>
+      </p:sp>
+    </p:spTree>
+    <p:extLst>
+      <p:ext uri="{BB962C8B-B14F-4D97-AF65-F5344CB8AC3E}">
+        <p14:creationId xmlns:p14="http://schemas.microsoft.com/office/powerpoint/2010/main" val="2899938266"/>
+      </p:ext>
+    </p:extLst>
+  </p:cSld>
+  <p:clrMapOvr>
+    <a:masterClrMapping/>
+  </p:clrMapOvr>
+</p:notes>
+</file>
+
+<file path=ppt/notesSlides/notesSlide22.xml><?xml version="1.0" encoding="utf-8"?>
+<p:notes xmlns:a="http://schemas.openxmlformats.org/drawingml/2006/main" xmlns:r="http://schemas.openxmlformats.org/officeDocument/2006/relationships" xmlns:p="http://schemas.openxmlformats.org/presentationml/2006/main">
+  <p:cSld>
+    <p:spTree>
+      <p:nvGrpSpPr>
+        <p:cNvPr id="1" name=""/>
+        <p:cNvGrpSpPr/>
+        <p:nvPr/>
+      </p:nvGrpSpPr>
+      <p:grpSpPr>
+        <a:xfrm>
+          <a:off x="0" y="0"/>
+          <a:ext cx="0" cy="0"/>
+          <a:chOff x="0" y="0"/>
+          <a:chExt cx="0" cy="0"/>
+        </a:xfrm>
+      </p:grpSpPr>
+      <p:sp>
+        <p:nvSpPr>
+          <p:cNvPr id="2" name="Slide Image Placeholder 1"/>
+          <p:cNvSpPr>
+            <a:spLocks noGrp="1" noRot="1" noChangeAspect="1"/>
+          </p:cNvSpPr>
+          <p:nvPr>
+            <p:ph type="sldImg"/>
+          </p:nvPr>
+        </p:nvSpPr>
+        <p:spPr/>
+      </p:sp>
+      <p:sp>
+        <p:nvSpPr>
+          <p:cNvPr id="3" name="Notes Placeholder 2"/>
+          <p:cNvSpPr>
+            <a:spLocks noGrp="1"/>
+          </p:cNvSpPr>
+          <p:nvPr>
+            <p:ph type="body" idx="1"/>
+          </p:nvPr>
+        </p:nvSpPr>
+        <p:spPr/>
+        <p:txBody>
+          <a:bodyPr/>
+          <a:lstStyle/>
+          <a:p>
+            <a:endParaRPr lang="en-US"/>
+          </a:p>
+        </p:txBody>
+      </p:sp>
+    </p:spTree>
+    <p:extLst>
+      <p:ext uri="{BB962C8B-B14F-4D97-AF65-F5344CB8AC3E}">
+        <p14:creationId xmlns:p14="http://schemas.microsoft.com/office/powerpoint/2010/main" val="1613658290"/>
+      </p:ext>
+    </p:extLst>
+  </p:cSld>
+  <p:clrMapOvr>
+    <a:masterClrMapping/>
+  </p:clrMapOvr>
+</p:notes>
+</file>
+
+<file path=ppt/notesSlides/notesSlide23.xml><?xml version="1.0" encoding="utf-8"?>
 <p:notes xmlns:a="http://schemas.openxmlformats.org/drawingml/2006/main" xmlns:r="http://schemas.openxmlformats.org/officeDocument/2006/relationships" xmlns:p="http://schemas.openxmlformats.org/presentationml/2006/main">
   <p:cSld>
     <p:spTree>
@@ -3292,7 +3910,7 @@
           <a:p>
             <a:fld id="{296C1CD7-3CE0-494C-9AEC-31D6728171B4}" type="datetime1">
               <a:rPr lang="en-US" smtClean="0"/>
-              <a:t>5/27/2015</a:t>
+              <a:t>5/28/2015</a:t>
             </a:fld>
             <a:endParaRPr lang="en-US"/>
           </a:p>
@@ -3626,7 +4244,7 @@
           <a:p>
             <a:fld id="{374D8680-9FDE-45BD-89DC-85FB6DA54DDA}" type="datetime1">
               <a:rPr lang="en-US" smtClean="0"/>
-              <a:t>5/27/2015</a:t>
+              <a:t>5/28/2015</a:t>
             </a:fld>
             <a:endParaRPr lang="en-US"/>
           </a:p>
@@ -3860,7 +4478,7 @@
           <a:p>
             <a:fld id="{E52A3622-CF2A-4CD0-83D5-292746669CDE}" type="datetime1">
               <a:rPr lang="en-US" smtClean="0"/>
-              <a:t>5/27/2015</a:t>
+              <a:t>5/28/2015</a:t>
             </a:fld>
             <a:endParaRPr lang="en-US" dirty="0"/>
           </a:p>
@@ -4066,7 +4684,7 @@
           <a:p>
             <a:fld id="{68473890-5369-4E69-B44C-90DD4CAB69AD}" type="datetime1">
               <a:rPr lang="en-US" smtClean="0"/>
-              <a:t>5/27/2015</a:t>
+              <a:t>5/28/2015</a:t>
             </a:fld>
             <a:endParaRPr lang="en-US"/>
           </a:p>
@@ -4263,29 +4881,46 @@
             </a:r>
           </a:p>
           <a:p>
-            <a:pPr marL="0" marR="0" indent="0" algn="l" defTabSz="914363" rtl="0" eaLnBrk="1" fontAlgn="auto" latinLnBrk="0" hangingPunct="1">
-              <a:lnSpc>
-                <a:spcPct val="90000"/>
-              </a:lnSpc>
-              <a:spcBef>
-                <a:spcPts val="0"/>
-              </a:spcBef>
-              <a:spcAft>
-                <a:spcPts val="333"/>
-              </a:spcAft>
-              <a:buClrTx/>
-              <a:buSzTx/>
-              <a:buFontTx/>
-              <a:buNone/>
-              <a:tabLst/>
-              <a:defRPr/>
-            </a:pPr>
+            <a:endParaRPr lang="en-NZ" dirty="0" smtClean="0"/>
+          </a:p>
+          <a:p>
             <a:r>
               <a:rPr lang="en-NZ" dirty="0" smtClean="0"/>
-              <a:t>3 - For solutions that are already using App model techniques</a:t>
-            </a:r>
-          </a:p>
-          <a:p>
+              <a:t>From the </a:t>
+            </a:r>
+            <a:r>
+              <a:rPr lang="en-NZ" dirty="0" smtClean="0"/>
+              <a:t>kick-off</a:t>
+            </a:r>
+            <a:r>
+              <a:rPr lang="en-NZ" baseline="0" dirty="0" smtClean="0"/>
+              <a:t> </a:t>
+            </a:r>
+            <a:r>
+              <a:rPr lang="en-NZ" baseline="0" dirty="0" smtClean="0"/>
+              <a:t>meeting we have gathered that </a:t>
+            </a:r>
+            <a:r>
+              <a:rPr lang="en-NZ" dirty="0" smtClean="0"/>
+              <a:t>Contoso</a:t>
+            </a:r>
+            <a:r>
+              <a:rPr lang="en-NZ" baseline="0" dirty="0" smtClean="0"/>
+              <a:t> is prepared to transform the solutions to Office 365 friendly model. </a:t>
+            </a:r>
+          </a:p>
+          <a:p>
+            <a:endParaRPr lang="en-NZ" dirty="0" smtClean="0"/>
+          </a:p>
+          <a:p>
+            <a:r>
+              <a:rPr lang="en-NZ" dirty="0" smtClean="0"/>
+              <a:t>Contoso is using full trust solutions for Branding, Provisioning. These cannot be moved to the Office 365 model as is.</a:t>
+            </a:r>
+            <a:r>
+              <a:rPr lang="en-NZ" baseline="0" dirty="0" smtClean="0"/>
+              <a:t> These solutions will have to be transformed using the proven App model techniques.</a:t>
+            </a:r>
             <a:endParaRPr lang="en-NZ" dirty="0"/>
           </a:p>
         </p:txBody>
@@ -4307,7 +4942,7 @@
           <a:p>
             <a:fld id="{152427C8-1870-4D04-BF1C-4B85DC18AB6D}" type="datetime1">
               <a:rPr lang="en-US" smtClean="0"/>
-              <a:t>5/27/2015</a:t>
+              <a:t>5/28/2015</a:t>
             </a:fld>
             <a:endParaRPr lang="en-US"/>
           </a:p>
@@ -4492,6 +5127,14 @@
           <a:bodyPr/>
           <a:lstStyle/>
           <a:p>
+            <a:r>
+              <a:rPr lang="en-NZ" dirty="0" smtClean="0"/>
+              <a:t>News alerts feature</a:t>
+            </a:r>
+            <a:r>
+              <a:rPr lang="en-NZ" baseline="0" dirty="0" smtClean="0"/>
+              <a:t> will be abandoned since Yammer can fulfil Contoso’s requirements natively.</a:t>
+            </a:r>
             <a:endParaRPr lang="en-NZ" dirty="0"/>
           </a:p>
         </p:txBody>
@@ -4511,9 +5154,9 @@
           <a:bodyPr/>
           <a:lstStyle/>
           <a:p>
-            <a:fld id="{4AE8C4F7-4397-4161-9F22-0B4AD96909C7}" type="datetime1">
+            <a:fld id="{610543A5-0CF9-4E2E-A715-69AA16194555}" type="datetime1">
               <a:rPr lang="en-US" smtClean="0"/>
-              <a:t>5/27/2015</a:t>
+              <a:t>5/28/2015</a:t>
             </a:fld>
             <a:endParaRPr lang="en-US"/>
           </a:p>
@@ -4536,7 +5179,7 @@
           <a:p>
             <a:fld id="{B4008EB6-D09E-4580-8CD6-DDB14511944F}" type="slidenum">
               <a:rPr lang="en-US" smtClean="0"/>
-              <a:t>20</a:t>
+              <a:t>17</a:t>
             </a:fld>
             <a:endParaRPr lang="en-US" dirty="0"/>
           </a:p>
@@ -4644,7 +5287,7 @@
     </p:spTree>
     <p:extLst>
       <p:ext uri="{BB962C8B-B14F-4D97-AF65-F5344CB8AC3E}">
-        <p14:creationId xmlns:p14="http://schemas.microsoft.com/office/powerpoint/2010/main" val="182120952"/>
+        <p14:creationId xmlns:p14="http://schemas.microsoft.com/office/powerpoint/2010/main" val="4032925918"/>
       </p:ext>
     </p:extLst>
   </p:cSld>
@@ -4698,6 +5341,14 @@
           <a:bodyPr/>
           <a:lstStyle/>
           <a:p>
+            <a:r>
+              <a:rPr lang="en-NZ" dirty="0" smtClean="0"/>
+              <a:t>Migration helper solution cannot be transformed. Contoso needs to evaluate</a:t>
+            </a:r>
+            <a:r>
+              <a:rPr lang="en-NZ" baseline="0" dirty="0" smtClean="0"/>
+              <a:t> other third party offerings that make use of SharePoint web service to migrate data.</a:t>
+            </a:r>
             <a:endParaRPr lang="en-NZ" dirty="0"/>
           </a:p>
         </p:txBody>
@@ -4717,9 +5368,9 @@
           <a:bodyPr/>
           <a:lstStyle/>
           <a:p>
-            <a:fld id="{4AE8C4F7-4397-4161-9F22-0B4AD96909C7}" type="datetime1">
+            <a:fld id="{719B440B-D65B-4D2A-9030-577938CDA5B7}" type="datetime1">
               <a:rPr lang="en-US" smtClean="0"/>
-              <a:t>5/27/2015</a:t>
+              <a:t>5/28/2015</a:t>
             </a:fld>
             <a:endParaRPr lang="en-US"/>
           </a:p>
@@ -4742,7 +5393,7 @@
           <a:p>
             <a:fld id="{B4008EB6-D09E-4580-8CD6-DDB14511944F}" type="slidenum">
               <a:rPr lang="en-US" smtClean="0"/>
-              <a:t>21</a:t>
+              <a:t>18</a:t>
             </a:fld>
             <a:endParaRPr lang="en-US" dirty="0"/>
           </a:p>
@@ -4850,7 +5501,7 @@
     </p:spTree>
     <p:extLst>
       <p:ext uri="{BB962C8B-B14F-4D97-AF65-F5344CB8AC3E}">
-        <p14:creationId xmlns:p14="http://schemas.microsoft.com/office/powerpoint/2010/main" val="2114422433"/>
+        <p14:creationId xmlns:p14="http://schemas.microsoft.com/office/powerpoint/2010/main" val="4284474187"/>
       </p:ext>
     </p:extLst>
   </p:cSld>
@@ -19823,7 +20474,7 @@
               <p:nvPr/>
             </p:nvPicPr>
             <p:blipFill>
-              <a:blip r:embed="rId2"/>
+              <a:blip r:embed="rId3"/>
               <a:stretch>
                 <a:fillRect/>
               </a:stretch>
@@ -19847,7 +20498,7 @@
               <p:nvPr/>
             </p:nvPicPr>
             <p:blipFill>
-              <a:blip r:embed="rId3"/>
+              <a:blip r:embed="rId4"/>
               <a:stretch>
                 <a:fillRect/>
               </a:stretch>
@@ -19871,7 +20522,7 @@
               <p:nvPr/>
             </p:nvPicPr>
             <p:blipFill>
-              <a:blip r:embed="rId4"/>
+              <a:blip r:embed="rId5"/>
               <a:stretch>
                 <a:fillRect/>
               </a:stretch>
@@ -20350,7 +21001,7 @@
           <p:nvPr/>
         </p:nvPicPr>
         <p:blipFill>
-          <a:blip r:embed="rId3"/>
+          <a:blip r:embed="rId4"/>
           <a:stretch>
             <a:fillRect/>
           </a:stretch>
@@ -20374,7 +21025,7 @@
           <p:nvPr/>
         </p:nvPicPr>
         <p:blipFill>
-          <a:blip r:embed="rId3"/>
+          <a:blip r:embed="rId4"/>
           <a:stretch>
             <a:fillRect/>
           </a:stretch>
@@ -20398,7 +21049,7 @@
           <p:nvPr/>
         </p:nvPicPr>
         <p:blipFill>
-          <a:blip r:embed="rId3"/>
+          <a:blip r:embed="rId4"/>
           <a:stretch>
             <a:fillRect/>
           </a:stretch>
@@ -20422,7 +21073,7 @@
           <p:nvPr/>
         </p:nvPicPr>
         <p:blipFill>
-          <a:blip r:embed="rId2"/>
+          <a:blip r:embed="rId3"/>
           <a:stretch>
             <a:fillRect/>
           </a:stretch>
@@ -20446,7 +21097,7 @@
           <p:nvPr/>
         </p:nvPicPr>
         <p:blipFill>
-          <a:blip r:embed="rId3"/>
+          <a:blip r:embed="rId4"/>
           <a:stretch>
             <a:fillRect/>
           </a:stretch>
@@ -20470,7 +21121,7 @@
           <p:nvPr/>
         </p:nvPicPr>
         <p:blipFill>
-          <a:blip r:embed="rId3"/>
+          <a:blip r:embed="rId4"/>
           <a:stretch>
             <a:fillRect/>
           </a:stretch>
@@ -21225,7 +21876,7 @@
           <p:nvPr/>
         </p:nvPicPr>
         <p:blipFill>
-          <a:blip r:embed="rId2"/>
+          <a:blip r:embed="rId3"/>
           <a:stretch>
             <a:fillRect/>
           </a:stretch>
@@ -21621,7 +22272,7 @@
               <p:nvPr/>
             </p:nvPicPr>
             <p:blipFill>
-              <a:blip r:embed="rId3"/>
+              <a:blip r:embed="rId4"/>
               <a:stretch>
                 <a:fillRect/>
               </a:stretch>
@@ -21645,7 +22296,7 @@
               <p:nvPr/>
             </p:nvPicPr>
             <p:blipFill>
-              <a:blip r:embed="rId2"/>
+              <a:blip r:embed="rId3"/>
               <a:stretch>
                 <a:fillRect/>
               </a:stretch>
@@ -21669,7 +22320,7 @@
               <p:nvPr/>
             </p:nvPicPr>
             <p:blipFill>
-              <a:blip r:embed="rId4"/>
+              <a:blip r:embed="rId5"/>
               <a:stretch>
                 <a:fillRect/>
               </a:stretch>
@@ -22148,7 +22799,7 @@
           <p:nvPr/>
         </p:nvPicPr>
         <p:blipFill>
-          <a:blip r:embed="rId2"/>
+          <a:blip r:embed="rId3"/>
           <a:stretch>
             <a:fillRect/>
           </a:stretch>
@@ -22172,7 +22823,7 @@
           <p:nvPr/>
         </p:nvPicPr>
         <p:blipFill>
-          <a:blip r:embed="rId3"/>
+          <a:blip r:embed="rId4"/>
           <a:stretch>
             <a:fillRect/>
           </a:stretch>
@@ -22196,7 +22847,7 @@
           <p:nvPr/>
         </p:nvPicPr>
         <p:blipFill>
-          <a:blip r:embed="rId2"/>
+          <a:blip r:embed="rId3"/>
           <a:stretch>
             <a:fillRect/>
           </a:stretch>
@@ -30307,7 +30958,7 @@
           <p:nvPr>
             <p:extLst>
               <p:ext uri="{D42A27DB-BD31-4B8C-83A1-F6EECF244321}">
-                <p14:modId xmlns:p14="http://schemas.microsoft.com/office/powerpoint/2010/main" val="698977503"/>
+                <p14:modId xmlns:p14="http://schemas.microsoft.com/office/powerpoint/2010/main" val="162798841"/>
               </p:ext>
             </p:extLst>
           </p:nvPr>
@@ -30467,7 +31118,7 @@
                             <a:schemeClr val="bg1"/>
                           </a:solidFill>
                         </a:rPr>
-                        <a:t>Medium</a:t>
+                        <a:t>Easy</a:t>
                       </a:r>
                       <a:endParaRPr lang="nl-BE" dirty="0">
                         <a:solidFill>
@@ -30522,7 +31173,7 @@
                       <a:prstDash val="solid"/>
                     </a:lnBlToTr>
                     <a:solidFill>
-                      <a:schemeClr val="accent2"/>
+                      <a:srgbClr val="00B050"/>
                     </a:solidFill>
                   </a:tcPr>
                 </a:tc>
@@ -30873,7 +31524,7 @@
           <p:nvPr/>
         </p:nvPicPr>
         <p:blipFill>
-          <a:blip r:embed="rId2">
+          <a:blip r:embed="rId3">
             <a:extLst>
               <a:ext uri="{28A0092B-C50C-407E-A947-70E740481C1C}">
                 <a14:useLocalDpi xmlns:a14="http://schemas.microsoft.com/office/drawing/2010/main" val="0"/>
@@ -35581,29 +36232,7 @@
                 </a:solidFill>
                 <a:cs typeface="Segoe UI" panose="020B0502040204020203" pitchFamily="34" charset="0"/>
               </a:rPr>
-              <a:t>Currently features are spread across </a:t>
-            </a:r>
-            <a:r>
-              <a:rPr lang="en-US" sz="1400" dirty="0" err="1" smtClean="0">
-                <a:solidFill>
-                  <a:schemeClr val="bg2">
-                    <a:lumMod val="50000"/>
-                  </a:schemeClr>
-                </a:solidFill>
-                <a:cs typeface="Segoe UI" panose="020B0502040204020203" pitchFamily="34" charset="0"/>
-              </a:rPr>
-              <a:t>mutiple</a:t>
-            </a:r>
-            <a:r>
-              <a:rPr lang="en-US" sz="1400" dirty="0" smtClean="0">
-                <a:solidFill>
-                  <a:schemeClr val="bg2">
-                    <a:lumMod val="50000"/>
-                  </a:schemeClr>
-                </a:solidFill>
-                <a:cs typeface="Segoe UI" panose="020B0502040204020203" pitchFamily="34" charset="0"/>
-              </a:rPr>
-              <a:t> solutions. </a:t>
+              <a:t>Currently features are spread across multiple solutions. </a:t>
             </a:r>
           </a:p>
           <a:p>
@@ -36521,7 +37150,7 @@
                 </a:solidFill>
                 <a:cs typeface="Segoe UI" panose="020B0502040204020203" pitchFamily="34" charset="0"/>
               </a:rPr>
-              <a:t> Require cross multiple solutions to perform disconnected asynchronous operations.</a:t>
+              <a:t>Timer jobs should be replaced by Azure Web jobs.</a:t>
             </a:r>
           </a:p>
         </p:txBody>
@@ -36621,7 +37250,7 @@
                 </a:solidFill>
                 <a:cs typeface="Segoe UI" panose="020B0502040204020203" pitchFamily="34" charset="0"/>
               </a:rPr>
-              <a:t>Example: Needed JavaScript for header and footer capability in the Branding solution to avoid custom master page</a:t>
+              <a:t>Example: Use JavaScript for header and footer capability in the Branding solution to avoid need of custom master page</a:t>
             </a:r>
           </a:p>
           <a:p>
@@ -36988,13 +37617,6 @@
             <a:r>
               <a:rPr lang="en-US" dirty="0" smtClean="0"/>
               <a:t>Adding web parts</a:t>
-            </a:r>
-          </a:p>
-          <a:p>
-            <a:pPr lvl="1"/>
-            <a:r>
-              <a:rPr lang="en-US" dirty="0" smtClean="0"/>
-              <a:t>…</a:t>
             </a:r>
           </a:p>
           <a:p>
@@ -39482,7 +40104,7 @@
           <a:p>
             <a:r>
               <a:rPr lang="en-US" sz="3600" dirty="0" smtClean="0"/>
-              <a:t>Shared tooling to address FTC to app model transition cross all solutions and projects</a:t>
+              <a:t>Shared tooling to address FTC to app model transition across all solutions and projects</a:t>
             </a:r>
           </a:p>
           <a:p>
@@ -39502,7 +40124,7 @@
             <a:pPr lvl="1"/>
             <a:r>
               <a:rPr lang="en-US" sz="2000" dirty="0" smtClean="0"/>
-              <a:t>Does not have to be months and months project, rather first high level documentation</a:t>
+              <a:t>Does not have to be month long project, rather just high level documentation</a:t>
             </a:r>
           </a:p>
           <a:p>
@@ -39708,14 +40330,19 @@
             <a:pPr lvl="1"/>
             <a:r>
               <a:rPr lang="en-US" sz="2000" dirty="0"/>
-              <a:t>One search center for all languages (TBC)</a:t>
-            </a:r>
+              <a:t>One search center for all languages </a:t>
+            </a:r>
+            <a:endParaRPr lang="en-US" sz="2000" dirty="0" smtClean="0"/>
           </a:p>
           <a:p>
             <a:pPr lvl="1"/>
             <a:r>
+              <a:rPr lang="en-US" sz="2000" dirty="0" smtClean="0"/>
+              <a:t>News </a:t>
+            </a:r>
+            <a:r>
               <a:rPr lang="en-US" sz="2000" dirty="0"/>
-              <a:t>News forum rollup via </a:t>
+              <a:t>forum rollup via </a:t>
             </a:r>
             <a:r>
               <a:rPr lang="en-US" sz="2000" dirty="0" smtClean="0"/>
@@ -39727,8 +40354,13 @@
             <a:pPr lvl="1"/>
             <a:r>
               <a:rPr lang="en-US" sz="2000" dirty="0"/>
-              <a:t>Discussion forum via OOB discussion list</a:t>
-            </a:r>
+              <a:t>Discussion forum via </a:t>
+            </a:r>
+            <a:r>
+              <a:rPr lang="en-US" sz="2000" dirty="0" smtClean="0"/>
+              <a:t>Yammer</a:t>
+            </a:r>
+            <a:endParaRPr lang="en-US" sz="2000" dirty="0"/>
           </a:p>
           <a:p>
             <a:pPr lvl="1"/>
@@ -40177,7 +40809,7 @@
           <a:p>
             <a:r>
               <a:rPr lang="en-US" sz="3600" dirty="0" smtClean="0"/>
-              <a:t>Include needed customizations in page layouts using:</a:t>
+              <a:t>Perform customizations in page layouts using:</a:t>
             </a:r>
           </a:p>
           <a:p>
@@ -40218,7 +40850,7 @@
             <a:pPr lvl="1"/>
             <a:r>
               <a:rPr lang="en-US" sz="2000" dirty="0" smtClean="0"/>
-              <a:t>Offer author configurable web parts as script parts (</a:t>
+              <a:t>Design configurable web parts as script parts (</a:t>
             </a:r>
             <a:r>
               <a:rPr lang="en-US" sz="2000" dirty="0"/>
@@ -40500,7 +41132,7 @@
             <a:pPr lvl="1"/>
             <a:r>
               <a:rPr lang="en-US" sz="2000" dirty="0" smtClean="0"/>
-              <a:t>Use Content By Query and Content By Search web parts with custom XSLT to show content</a:t>
+              <a:t>Use Content By Search web parts with custom display templates to show content</a:t>
             </a:r>
           </a:p>
           <a:p>
@@ -40730,9 +41362,16 @@
             </a:endParaRPr>
           </a:p>
           <a:p>
+            <a:endParaRPr lang="en-US" sz="3600" dirty="0" smtClean="0"/>
+          </a:p>
+          <a:p>
+            <a:r>
+              <a:rPr lang="en-US" sz="3600" dirty="0" smtClean="0"/>
+              <a:t>Blockers</a:t>
+            </a:r>
             <a:r>
               <a:rPr lang="en-US" sz="3600" dirty="0"/>
-              <a:t>Blockers: </a:t>
+              <a:t>: </a:t>
             </a:r>
           </a:p>
           <a:p>
@@ -40743,19 +41382,23 @@
             </a:r>
           </a:p>
           <a:p>
-            <a:endParaRPr lang="en-US" sz="3600" dirty="0"/>
-          </a:p>
-          <a:p>
+            <a:endParaRPr lang="en-US" sz="3600" dirty="0" smtClean="0"/>
+          </a:p>
+          <a:p>
+            <a:r>
+              <a:rPr lang="en-US" sz="3600" dirty="0" smtClean="0"/>
+              <a:t>Abandon</a:t>
+            </a:r>
             <a:r>
               <a:rPr lang="en-US" sz="3600" dirty="0"/>
-              <a:t>Abandon:</a:t>
+              <a:t>:</a:t>
             </a:r>
           </a:p>
           <a:p>
             <a:pPr lvl="1"/>
             <a:r>
               <a:rPr lang="en-US" sz="2000" dirty="0" smtClean="0"/>
-              <a:t>Migration Helper API will be abandoned. A migration tool that uses SharePoint Web services will be looked for.</a:t>
+              <a:t>Migration Helper API will be abandoned. A third party migration tool that uses SharePoint Web services will be evaluated.</a:t>
             </a:r>
             <a:endParaRPr lang="en-US" sz="2000" dirty="0">
               <a:sym typeface="Wingdings" panose="05000000000000000000" pitchFamily="2" charset="2"/>
@@ -40849,7 +41492,15 @@
           <a:p>
             <a:r>
               <a:rPr lang="en-US" sz="3600" dirty="0" smtClean="0"/>
-              <a:t>Site collections will be created via the provisioning platform</a:t>
+              <a:t>Site collections and </a:t>
+            </a:r>
+            <a:r>
+              <a:rPr lang="en-US" sz="3600" smtClean="0"/>
+              <a:t>sub sites </a:t>
+            </a:r>
+            <a:r>
+              <a:rPr lang="en-US" sz="3600" dirty="0" smtClean="0"/>
+              <a:t>will be created via the provisioning platform</a:t>
             </a:r>
           </a:p>
           <a:p>

--- a/PnP Transformation Process/Samples/PnP Transformation - Solution Assessment Report - Contoso.pptx
+++ b/PnP Transformation Process/Samples/PnP Transformation - Solution Assessment Report - Contoso.pptx
@@ -30,13 +30,13 @@
     <p:sldId id="1466" r:id="rId24"/>
     <p:sldId id="1467" r:id="rId25"/>
     <p:sldId id="1468" r:id="rId26"/>
-    <p:sldId id="1460" r:id="rId27"/>
-    <p:sldId id="1469" r:id="rId28"/>
-    <p:sldId id="1470" r:id="rId29"/>
-    <p:sldId id="1496" r:id="rId30"/>
-    <p:sldId id="1497" r:id="rId31"/>
-    <p:sldId id="1498" r:id="rId32"/>
-    <p:sldId id="1500" r:id="rId33"/>
+    <p:sldId id="1500" r:id="rId27"/>
+    <p:sldId id="1460" r:id="rId28"/>
+    <p:sldId id="1469" r:id="rId29"/>
+    <p:sldId id="1470" r:id="rId30"/>
+    <p:sldId id="1496" r:id="rId31"/>
+    <p:sldId id="1497" r:id="rId32"/>
+    <p:sldId id="1498" r:id="rId33"/>
     <p:sldId id="1501" r:id="rId34"/>
     <p:sldId id="1461" r:id="rId35"/>
     <p:sldId id="1459" r:id="rId36"/>
@@ -388,7 +388,7 @@
           <a:p>
             <a:fld id="{DE219B1A-AE41-483B-A766-69B9363DDA6A}" type="datetimeFigureOut">
               <a:rPr lang="en-US" smtClean="0"/>
-              <a:t>5/28/2015</a:t>
+              <a:t>6/2/2015</a:t>
             </a:fld>
             <a:endParaRPr lang="en-US"/>
           </a:p>
@@ -597,7 +597,7 @@
           <a:p>
             <a:fld id="{D51B1278-D92B-4AF3-A9C1-71DD298190CE}" type="datetimeFigureOut">
               <a:rPr lang="en-US" smtClean="0"/>
-              <a:t>5/28/2015</a:t>
+              <a:t>6/2/2015</a:t>
             </a:fld>
             <a:endParaRPr lang="en-US"/>
           </a:p>
@@ -1042,7 +1042,7 @@
                 </a:solidFill>
               </a:rPr>
               <a:pPr/>
-              <a:t>5/28/2015</a:t>
+              <a:t>6/2/2015</a:t>
             </a:fld>
             <a:endParaRPr lang="en-US" dirty="0">
               <a:solidFill>
@@ -1275,9 +1275,9 @@
           <a:bodyPr/>
           <a:lstStyle/>
           <a:p>
-            <a:fld id="{4AE8C4F7-4397-4161-9F22-0B4AD96909C7}" type="datetime1">
+            <a:fld id="{D1138656-1104-4895-916A-3F46DB26BB9D}" type="datetime1">
               <a:rPr lang="en-US" smtClean="0"/>
-              <a:t>5/28/2015</a:t>
+              <a:t>6/2/2015</a:t>
             </a:fld>
             <a:endParaRPr lang="en-US"/>
           </a:p>
@@ -1300,7 +1300,7 @@
           <a:p>
             <a:fld id="{B4008EB6-D09E-4580-8CD6-DDB14511944F}" type="slidenum">
               <a:rPr lang="en-US" smtClean="0"/>
-              <a:t>20</a:t>
+              <a:t>19</a:t>
             </a:fld>
             <a:endParaRPr lang="en-US" dirty="0"/>
           </a:p>
@@ -1408,7 +1408,7 @@
     </p:spTree>
     <p:extLst>
       <p:ext uri="{BB962C8B-B14F-4D97-AF65-F5344CB8AC3E}">
-        <p14:creationId xmlns:p14="http://schemas.microsoft.com/office/powerpoint/2010/main" val="182120952"/>
+        <p14:creationId xmlns:p14="http://schemas.microsoft.com/office/powerpoint/2010/main" val="2087666507"/>
       </p:ext>
     </p:extLst>
   </p:cSld>
@@ -1483,7 +1483,7 @@
           <a:p>
             <a:fld id="{4AE8C4F7-4397-4161-9F22-0B4AD96909C7}" type="datetime1">
               <a:rPr lang="en-US" smtClean="0"/>
-              <a:t>5/28/2015</a:t>
+              <a:t>6/2/2015</a:t>
             </a:fld>
             <a:endParaRPr lang="en-US"/>
           </a:p>
@@ -1614,7 +1614,7 @@
     </p:spTree>
     <p:extLst>
       <p:ext uri="{BB962C8B-B14F-4D97-AF65-F5344CB8AC3E}">
-        <p14:creationId xmlns:p14="http://schemas.microsoft.com/office/powerpoint/2010/main" val="2114422433"/>
+        <p14:creationId xmlns:p14="http://schemas.microsoft.com/office/powerpoint/2010/main" val="182120952"/>
       </p:ext>
     </p:extLst>
   </p:cSld>
@@ -1689,7 +1689,7 @@
           <a:p>
             <a:fld id="{4AE8C4F7-4397-4161-9F22-0B4AD96909C7}" type="datetime1">
               <a:rPr lang="en-US" smtClean="0"/>
-              <a:t>5/28/2015</a:t>
+              <a:t>6/2/2015</a:t>
             </a:fld>
             <a:endParaRPr lang="en-US"/>
           </a:p>
@@ -1712,7 +1712,7 @@
           <a:p>
             <a:fld id="{B4008EB6-D09E-4580-8CD6-DDB14511944F}" type="slidenum">
               <a:rPr lang="en-US" smtClean="0"/>
-              <a:t>23</a:t>
+              <a:t>22</a:t>
             </a:fld>
             <a:endParaRPr lang="en-US" dirty="0"/>
           </a:p>
@@ -1820,7 +1820,7 @@
     </p:spTree>
     <p:extLst>
       <p:ext uri="{BB962C8B-B14F-4D97-AF65-F5344CB8AC3E}">
-        <p14:creationId xmlns:p14="http://schemas.microsoft.com/office/powerpoint/2010/main" val="1185253499"/>
+        <p14:creationId xmlns:p14="http://schemas.microsoft.com/office/powerpoint/2010/main" val="2114422433"/>
       </p:ext>
     </p:extLst>
   </p:cSld>
@@ -1893,9 +1893,9 @@
           <a:bodyPr/>
           <a:lstStyle/>
           <a:p>
-            <a:fld id="{D1138656-1104-4895-916A-3F46DB26BB9D}" type="datetime1">
+            <a:fld id="{4AE8C4F7-4397-4161-9F22-0B4AD96909C7}" type="datetime1">
               <a:rPr lang="en-US" smtClean="0"/>
-              <a:t>5/28/2015</a:t>
+              <a:t>6/2/2015</a:t>
             </a:fld>
             <a:endParaRPr lang="en-US"/>
           </a:p>
@@ -1918,7 +1918,7 @@
           <a:p>
             <a:fld id="{B4008EB6-D09E-4580-8CD6-DDB14511944F}" type="slidenum">
               <a:rPr lang="en-US" smtClean="0"/>
-              <a:t>25</a:t>
+              <a:t>24</a:t>
             </a:fld>
             <a:endParaRPr lang="en-US" dirty="0"/>
           </a:p>
@@ -2026,7 +2026,7 @@
     </p:spTree>
     <p:extLst>
       <p:ext uri="{BB962C8B-B14F-4D97-AF65-F5344CB8AC3E}">
-        <p14:creationId xmlns:p14="http://schemas.microsoft.com/office/powerpoint/2010/main" val="2087666507"/>
+        <p14:creationId xmlns:p14="http://schemas.microsoft.com/office/powerpoint/2010/main" val="1185253499"/>
       </p:ext>
     </p:extLst>
   </p:cSld>
@@ -2101,7 +2101,7 @@
           <a:p>
             <a:fld id="{D1138656-1104-4895-916A-3F46DB26BB9D}" type="datetime1">
               <a:rPr lang="en-US" smtClean="0"/>
-              <a:t>5/28/2015</a:t>
+              <a:t>6/2/2015</a:t>
             </a:fld>
             <a:endParaRPr lang="en-US"/>
           </a:p>
@@ -2307,7 +2307,7 @@
           <a:p>
             <a:fld id="{AA3AF75D-25C3-42E7-9971-69168E23937F}" type="datetime1">
               <a:rPr lang="en-US" smtClean="0"/>
-              <a:t>5/28/2015</a:t>
+              <a:t>6/2/2015</a:t>
             </a:fld>
             <a:endParaRPr lang="en-US"/>
           </a:p>
@@ -2513,7 +2513,7 @@
           <a:p>
             <a:fld id="{BE6AF0E1-8DCE-4BBE-B246-BFB736357904}" type="datetime1">
               <a:rPr lang="en-US" smtClean="0"/>
-              <a:t>5/28/2015</a:t>
+              <a:t>6/2/2015</a:t>
             </a:fld>
             <a:endParaRPr lang="en-US"/>
           </a:p>
@@ -2719,7 +2719,7 @@
           <a:p>
             <a:fld id="{AA3AF75D-25C3-42E7-9971-69168E23937F}" type="datetime1">
               <a:rPr lang="en-US" smtClean="0"/>
-              <a:t>5/28/2015</a:t>
+              <a:t>6/2/2015</a:t>
             </a:fld>
             <a:endParaRPr lang="en-US"/>
           </a:p>
@@ -2929,7 +2929,7 @@
           <a:p>
             <a:fld id="{309E6654-814A-4856-A67A-9683B5A2AE45}" type="datetime1">
               <a:rPr lang="en-US" smtClean="0"/>
-              <a:t>5/28/2015</a:t>
+              <a:t>6/2/2015</a:t>
             </a:fld>
             <a:endParaRPr lang="en-US"/>
           </a:p>
@@ -3135,7 +3135,7 @@
           <a:p>
             <a:fld id="{B8A7FB5A-0EC6-493F-BBA2-9886F4EE2DA7}" type="datetime1">
               <a:rPr lang="en-US" smtClean="0"/>
-              <a:t>5/28/2015</a:t>
+              <a:t>6/2/2015</a:t>
             </a:fld>
             <a:endParaRPr lang="en-US"/>
           </a:p>
@@ -3452,7 +3452,7 @@
           <a:p>
             <a:fld id="{CE1B21AF-5CDF-4A97-B0F4-5C0D3A9A2110}" type="datetime1">
               <a:rPr lang="en-US" smtClean="0"/>
-              <a:t>5/28/2015</a:t>
+              <a:t>6/2/2015</a:t>
             </a:fld>
             <a:endParaRPr lang="en-US"/>
           </a:p>
@@ -3910,7 +3910,7 @@
           <a:p>
             <a:fld id="{296C1CD7-3CE0-494C-9AEC-31D6728171B4}" type="datetime1">
               <a:rPr lang="en-US" smtClean="0"/>
-              <a:t>5/28/2015</a:t>
+              <a:t>6/2/2015</a:t>
             </a:fld>
             <a:endParaRPr lang="en-US"/>
           </a:p>
@@ -4244,7 +4244,7 @@
           <a:p>
             <a:fld id="{374D8680-9FDE-45BD-89DC-85FB6DA54DDA}" type="datetime1">
               <a:rPr lang="en-US" smtClean="0"/>
-              <a:t>5/28/2015</a:t>
+              <a:t>6/2/2015</a:t>
             </a:fld>
             <a:endParaRPr lang="en-US"/>
           </a:p>
@@ -4478,7 +4478,7 @@
           <a:p>
             <a:fld id="{E52A3622-CF2A-4CD0-83D5-292746669CDE}" type="datetime1">
               <a:rPr lang="en-US" smtClean="0"/>
-              <a:t>5/28/2015</a:t>
+              <a:t>6/2/2015</a:t>
             </a:fld>
             <a:endParaRPr lang="en-US" dirty="0"/>
           </a:p>
@@ -4684,7 +4684,7 @@
           <a:p>
             <a:fld id="{68473890-5369-4E69-B44C-90DD4CAB69AD}" type="datetime1">
               <a:rPr lang="en-US" smtClean="0"/>
-              <a:t>5/28/2015</a:t>
+              <a:t>6/2/2015</a:t>
             </a:fld>
             <a:endParaRPr lang="en-US"/>
           </a:p>
@@ -4886,19 +4886,11 @@
           <a:p>
             <a:r>
               <a:rPr lang="en-NZ" dirty="0" smtClean="0"/>
-              <a:t>From the </a:t>
-            </a:r>
-            <a:r>
-              <a:rPr lang="en-NZ" dirty="0" smtClean="0"/>
-              <a:t>kick-off</a:t>
+              <a:t>From the kick-off</a:t>
             </a:r>
             <a:r>
               <a:rPr lang="en-NZ" baseline="0" dirty="0" smtClean="0"/>
-              <a:t> </a:t>
-            </a:r>
-            <a:r>
-              <a:rPr lang="en-NZ" baseline="0" dirty="0" smtClean="0"/>
-              <a:t>meeting we have gathered that </a:t>
+              <a:t> meeting we have gathered that </a:t>
             </a:r>
             <a:r>
               <a:rPr lang="en-NZ" dirty="0" smtClean="0"/>
@@ -4942,7 +4934,7 @@
           <a:p>
             <a:fld id="{152427C8-1870-4D04-BF1C-4B85DC18AB6D}" type="datetime1">
               <a:rPr lang="en-US" smtClean="0"/>
-              <a:t>5/28/2015</a:t>
+              <a:t>6/2/2015</a:t>
             </a:fld>
             <a:endParaRPr lang="en-US"/>
           </a:p>
@@ -5156,7 +5148,7 @@
           <a:p>
             <a:fld id="{610543A5-0CF9-4E2E-A715-69AA16194555}" type="datetime1">
               <a:rPr lang="en-US" smtClean="0"/>
-              <a:t>5/28/2015</a:t>
+              <a:t>6/2/2015</a:t>
             </a:fld>
             <a:endParaRPr lang="en-US"/>
           </a:p>
@@ -5370,7 +5362,7 @@
           <a:p>
             <a:fld id="{719B440B-D65B-4D2A-9030-577938CDA5B7}" type="datetime1">
               <a:rPr lang="en-US" smtClean="0"/>
-              <a:t>5/28/2015</a:t>
+              <a:t>6/2/2015</a:t>
             </a:fld>
             <a:endParaRPr lang="en-US"/>
           </a:p>
@@ -19231,28 +19223,28 @@
                 <a:gridCol w="5965345">
                   <a:extLst>
                     <a:ext uri="{9D8B030D-6E8A-4147-A177-3AD203B41FA5}">
-                      <a16:colId xmlns="" xmlns:a16="http://schemas.microsoft.com/office/drawing/2014/main" val="20000"/>
+                      <a16:colId xmlns:a16="http://schemas.microsoft.com/office/drawing/2014/main" xmlns="" val="20000"/>
                     </a:ext>
                   </a:extLst>
                 </a:gridCol>
                 <a:gridCol w="568903">
                   <a:extLst>
                     <a:ext uri="{9D8B030D-6E8A-4147-A177-3AD203B41FA5}">
-                      <a16:colId xmlns="" xmlns:a16="http://schemas.microsoft.com/office/drawing/2014/main" val="20001"/>
+                      <a16:colId xmlns:a16="http://schemas.microsoft.com/office/drawing/2014/main" xmlns="" val="20001"/>
                     </a:ext>
                   </a:extLst>
                 </a:gridCol>
                 <a:gridCol w="520140">
                   <a:extLst>
                     <a:ext uri="{9D8B030D-6E8A-4147-A177-3AD203B41FA5}">
-                      <a16:colId xmlns="" xmlns:a16="http://schemas.microsoft.com/office/drawing/2014/main" val="20002"/>
+                      <a16:colId xmlns:a16="http://schemas.microsoft.com/office/drawing/2014/main" xmlns="" val="20002"/>
                     </a:ext>
                   </a:extLst>
                 </a:gridCol>
                 <a:gridCol w="520140">
                   <a:extLst>
                     <a:ext uri="{9D8B030D-6E8A-4147-A177-3AD203B41FA5}">
-                      <a16:colId xmlns="" xmlns:a16="http://schemas.microsoft.com/office/drawing/2014/main" val="2588272693"/>
+                      <a16:colId xmlns:a16="http://schemas.microsoft.com/office/drawing/2014/main" xmlns="" val="2588272693"/>
                     </a:ext>
                   </a:extLst>
                 </a:gridCol>
@@ -19358,7 +19350,7 @@
                 </a:tc>
                 <a:extLst>
                   <a:ext uri="{0D108BD9-81ED-4DB2-BD59-A6C34878D82A}">
-                    <a16:rowId xmlns="" xmlns:a16="http://schemas.microsoft.com/office/drawing/2014/main" val="10000"/>
+                    <a16:rowId xmlns:a16="http://schemas.microsoft.com/office/drawing/2014/main" xmlns="" val="10000"/>
                   </a:ext>
                 </a:extLst>
               </a:tr>
@@ -19475,7 +19467,7 @@
                 </a:tc>
                 <a:extLst>
                   <a:ext uri="{0D108BD9-81ED-4DB2-BD59-A6C34878D82A}">
-                    <a16:rowId xmlns="" xmlns:a16="http://schemas.microsoft.com/office/drawing/2014/main" val="10001"/>
+                    <a16:rowId xmlns:a16="http://schemas.microsoft.com/office/drawing/2014/main" xmlns="" val="10001"/>
                   </a:ext>
                 </a:extLst>
               </a:tr>
@@ -19597,7 +19589,7 @@
                 </a:tc>
                 <a:extLst>
                   <a:ext uri="{0D108BD9-81ED-4DB2-BD59-A6C34878D82A}">
-                    <a16:rowId xmlns="" xmlns:a16="http://schemas.microsoft.com/office/drawing/2014/main" val="10002"/>
+                    <a16:rowId xmlns:a16="http://schemas.microsoft.com/office/drawing/2014/main" xmlns="" val="10002"/>
                   </a:ext>
                 </a:extLst>
               </a:tr>
@@ -19719,7 +19711,7 @@
                 </a:tc>
                 <a:extLst>
                   <a:ext uri="{0D108BD9-81ED-4DB2-BD59-A6C34878D82A}">
-                    <a16:rowId xmlns="" xmlns:a16="http://schemas.microsoft.com/office/drawing/2014/main" val="10003"/>
+                    <a16:rowId xmlns:a16="http://schemas.microsoft.com/office/drawing/2014/main" xmlns="" val="10003"/>
                   </a:ext>
                 </a:extLst>
               </a:tr>
@@ -19841,7 +19833,7 @@
                 </a:tc>
                 <a:extLst>
                   <a:ext uri="{0D108BD9-81ED-4DB2-BD59-A6C34878D82A}">
-                    <a16:rowId xmlns="" xmlns:a16="http://schemas.microsoft.com/office/drawing/2014/main" val="10004"/>
+                    <a16:rowId xmlns:a16="http://schemas.microsoft.com/office/drawing/2014/main" xmlns="" val="10004"/>
                   </a:ext>
                 </a:extLst>
               </a:tr>
@@ -19963,7 +19955,7 @@
                 </a:tc>
                 <a:extLst>
                   <a:ext uri="{0D108BD9-81ED-4DB2-BD59-A6C34878D82A}">
-                    <a16:rowId xmlns="" xmlns:a16="http://schemas.microsoft.com/office/drawing/2014/main" val="10005"/>
+                    <a16:rowId xmlns:a16="http://schemas.microsoft.com/office/drawing/2014/main" xmlns="" val="10005"/>
                   </a:ext>
                 </a:extLst>
               </a:tr>
@@ -20085,7 +20077,7 @@
                 </a:tc>
                 <a:extLst>
                   <a:ext uri="{0D108BD9-81ED-4DB2-BD59-A6C34878D82A}">
-                    <a16:rowId xmlns="" xmlns:a16="http://schemas.microsoft.com/office/drawing/2014/main" val="10006"/>
+                    <a16:rowId xmlns:a16="http://schemas.microsoft.com/office/drawing/2014/main" xmlns="" val="10006"/>
                   </a:ext>
                 </a:extLst>
               </a:tr>
@@ -21227,28 +21219,28 @@
                 <a:gridCol w="5965345">
                   <a:extLst>
                     <a:ext uri="{9D8B030D-6E8A-4147-A177-3AD203B41FA5}">
-                      <a16:colId xmlns="" xmlns:a16="http://schemas.microsoft.com/office/drawing/2014/main" val="20000"/>
+                      <a16:colId xmlns:a16="http://schemas.microsoft.com/office/drawing/2014/main" xmlns="" val="20000"/>
                     </a:ext>
                   </a:extLst>
                 </a:gridCol>
                 <a:gridCol w="568903">
                   <a:extLst>
                     <a:ext uri="{9D8B030D-6E8A-4147-A177-3AD203B41FA5}">
-                      <a16:colId xmlns="" xmlns:a16="http://schemas.microsoft.com/office/drawing/2014/main" val="20001"/>
+                      <a16:colId xmlns:a16="http://schemas.microsoft.com/office/drawing/2014/main" xmlns="" val="20001"/>
                     </a:ext>
                   </a:extLst>
                 </a:gridCol>
                 <a:gridCol w="520140">
                   <a:extLst>
                     <a:ext uri="{9D8B030D-6E8A-4147-A177-3AD203B41FA5}">
-                      <a16:colId xmlns="" xmlns:a16="http://schemas.microsoft.com/office/drawing/2014/main" val="20002"/>
+                      <a16:colId xmlns:a16="http://schemas.microsoft.com/office/drawing/2014/main" xmlns="" val="20002"/>
                     </a:ext>
                   </a:extLst>
                 </a:gridCol>
                 <a:gridCol w="520140">
                   <a:extLst>
                     <a:ext uri="{9D8B030D-6E8A-4147-A177-3AD203B41FA5}">
-                      <a16:colId xmlns="" xmlns:a16="http://schemas.microsoft.com/office/drawing/2014/main" val="1173184688"/>
+                      <a16:colId xmlns:a16="http://schemas.microsoft.com/office/drawing/2014/main" xmlns="" val="1173184688"/>
                     </a:ext>
                   </a:extLst>
                 </a:gridCol>
@@ -21354,7 +21346,7 @@
                 </a:tc>
                 <a:extLst>
                   <a:ext uri="{0D108BD9-81ED-4DB2-BD59-A6C34878D82A}">
-                    <a16:rowId xmlns="" xmlns:a16="http://schemas.microsoft.com/office/drawing/2014/main" val="10000"/>
+                    <a16:rowId xmlns:a16="http://schemas.microsoft.com/office/drawing/2014/main" xmlns="" val="10000"/>
                   </a:ext>
                 </a:extLst>
               </a:tr>
@@ -21472,7 +21464,7 @@
                 </a:tc>
                 <a:extLst>
                   <a:ext uri="{0D108BD9-81ED-4DB2-BD59-A6C34878D82A}">
-                    <a16:rowId xmlns="" xmlns:a16="http://schemas.microsoft.com/office/drawing/2014/main" val="10002"/>
+                    <a16:rowId xmlns:a16="http://schemas.microsoft.com/office/drawing/2014/main" xmlns="" val="10002"/>
                   </a:ext>
                 </a:extLst>
               </a:tr>
@@ -21595,7 +21587,7 @@
                 </a:tc>
                 <a:extLst>
                   <a:ext uri="{0D108BD9-81ED-4DB2-BD59-A6C34878D82A}">
-                    <a16:rowId xmlns="" xmlns:a16="http://schemas.microsoft.com/office/drawing/2014/main" val="10003"/>
+                    <a16:rowId xmlns:a16="http://schemas.microsoft.com/office/drawing/2014/main" xmlns="" val="10003"/>
                   </a:ext>
                 </a:extLst>
               </a:tr>
@@ -21719,7 +21711,7 @@
                 </a:tc>
                 <a:extLst>
                   <a:ext uri="{0D108BD9-81ED-4DB2-BD59-A6C34878D82A}">
-                    <a16:rowId xmlns="" xmlns:a16="http://schemas.microsoft.com/office/drawing/2014/main" val="10004"/>
+                    <a16:rowId xmlns:a16="http://schemas.microsoft.com/office/drawing/2014/main" xmlns="" val="10004"/>
                   </a:ext>
                 </a:extLst>
               </a:tr>
@@ -21859,7 +21851,7 @@
                 </a:tc>
                 <a:extLst>
                   <a:ext uri="{0D108BD9-81ED-4DB2-BD59-A6C34878D82A}">
-                    <a16:rowId xmlns="" xmlns:a16="http://schemas.microsoft.com/office/drawing/2014/main" val="10005"/>
+                    <a16:rowId xmlns:a16="http://schemas.microsoft.com/office/drawing/2014/main" xmlns="" val="10005"/>
                   </a:ext>
                 </a:extLst>
               </a:tr>
@@ -22912,26 +22904,61 @@
             <p:ph type="title"/>
           </p:nvPr>
         </p:nvSpPr>
-        <p:spPr/>
+        <p:spPr>
+          <a:xfrm>
+            <a:off x="3173505" y="992992"/>
+            <a:ext cx="8494619" cy="747897"/>
+          </a:xfrm>
+        </p:spPr>
         <p:txBody>
           <a:bodyPr anchor="ctr"/>
           <a:lstStyle/>
           <a:p>
             <a:r>
               <a:rPr lang="nl-BE" dirty="0" smtClean="0"/>
-              <a:t>Branding </a:t>
+              <a:t>Safety News Rollups</a:t>
             </a:r>
             <a:br>
               <a:rPr lang="nl-BE" dirty="0" smtClean="0"/>
             </a:br>
             <a:r>
-              <a:rPr lang="en-US" sz="3600" dirty="0" err="1">
+              <a:rPr lang="en-US" sz="3600" dirty="0" err="1" smtClean="0">
                 <a:solidFill>
                   <a:schemeClr val="accent1"/>
                 </a:solidFill>
               </a:rPr>
-              <a:t>contoso.sharepoint.branding.wsp</a:t>
-            </a:r>
+              <a:t>contoso.sharepoint.safetynews.wsp</a:t>
+            </a:r>
+            <a:r>
+              <a:rPr lang="en-US" sz="3600" dirty="0">
+                <a:solidFill>
+                  <a:schemeClr val="accent1"/>
+                </a:solidFill>
+              </a:rPr>
+              <a:t/>
+            </a:r>
+            <a:br>
+              <a:rPr lang="en-US" sz="3600" dirty="0">
+                <a:solidFill>
+                  <a:schemeClr val="accent1"/>
+                </a:solidFill>
+              </a:rPr>
+            </a:br>
+            <a:r>
+              <a:rPr lang="en-US" sz="3600" dirty="0">
+                <a:solidFill>
+                  <a:schemeClr val="accent1"/>
+                </a:solidFill>
+              </a:rPr>
+              <a:t/>
+            </a:r>
+            <a:br>
+              <a:rPr lang="en-US" sz="3600" dirty="0">
+                <a:solidFill>
+                  <a:schemeClr val="accent1"/>
+                </a:solidFill>
+              </a:rPr>
+            </a:br>
             <a:endParaRPr lang="nl-BE" sz="3600" dirty="0">
               <a:solidFill>
                 <a:schemeClr val="accent1"/>
@@ -22952,7 +22979,7 @@
         </p:nvSpPr>
         <p:spPr>
           <a:xfrm>
-            <a:off x="3173506" y="1447799"/>
+            <a:off x="3173505" y="2238374"/>
             <a:ext cx="8494619" cy="4619626"/>
           </a:xfrm>
         </p:spPr>
@@ -22961,119 +22988,47 @@
           <a:lstStyle/>
           <a:p>
             <a:r>
-              <a:rPr lang="en-US" dirty="0"/>
-              <a:t>High level requirements:</a:t>
-            </a:r>
+              <a:rPr lang="en-US" dirty="0" smtClean="0"/>
+              <a:t>Current Implementation:</a:t>
+            </a:r>
+            <a:endParaRPr lang="en-US" dirty="0"/>
           </a:p>
           <a:p>
             <a:pPr lvl="1"/>
             <a:r>
               <a:rPr lang="en-US" sz="1800" dirty="0" smtClean="0"/>
-              <a:t>Typical </a:t>
+              <a:t>The custom web part has been designed to:</a:t>
+            </a:r>
+            <a:endParaRPr lang="en-US" sz="1800" dirty="0"/>
+          </a:p>
+          <a:p>
+            <a:pPr lvl="2"/>
+            <a:r>
+              <a:rPr lang="en-US" sz="1800" dirty="0" smtClean="0"/>
+              <a:t>Roll </a:t>
+            </a:r>
+            <a:r>
+              <a:rPr lang="en-US" sz="1800" dirty="0" smtClean="0"/>
+              <a:t>up </a:t>
             </a:r>
             <a:r>
               <a:rPr lang="en-US" sz="1800" dirty="0"/>
-              <a:t>Intranet features:</a:t>
+              <a:t>s</a:t>
+            </a:r>
+            <a:r>
+              <a:rPr lang="en-US" sz="1800" dirty="0" smtClean="0"/>
+              <a:t>afety news items from various sites and sub-sites</a:t>
             </a:r>
           </a:p>
           <a:p>
             <a:pPr lvl="2"/>
             <a:r>
-              <a:rPr lang="en-US" sz="1800" dirty="0"/>
-              <a:t>Custom web controls + page layouts </a:t>
-            </a:r>
-            <a:endParaRPr lang="en-US" sz="1800" dirty="0" smtClean="0"/>
-          </a:p>
-          <a:p>
-            <a:pPr lvl="2"/>
-            <a:r>
               <a:rPr lang="en-US" sz="1800" dirty="0" smtClean="0"/>
-              <a:t>Custom </a:t>
-            </a:r>
-            <a:r>
-              <a:rPr lang="en-US" sz="1800" dirty="0"/>
-              <a:t>branding (master page + CSS)</a:t>
-            </a:r>
-          </a:p>
-          <a:p>
-            <a:pPr lvl="2"/>
-            <a:r>
-              <a:rPr lang="en-US" sz="1800" dirty="0"/>
-              <a:t>Social features (commenting, tag cloud)</a:t>
-            </a:r>
-          </a:p>
-          <a:p>
-            <a:pPr lvl="2"/>
-            <a:r>
-              <a:rPr lang="en-US" sz="1800" dirty="0"/>
-              <a:t>Language specific search center site collections</a:t>
-            </a:r>
-          </a:p>
-          <a:p>
-            <a:pPr lvl="2"/>
-            <a:r>
-              <a:rPr lang="en-US" sz="1800" dirty="0"/>
-              <a:t>Custom navigation</a:t>
-            </a:r>
-          </a:p>
-          <a:p>
-            <a:pPr lvl="2"/>
+              <a:t>Provide </a:t>
+            </a:r>
             <a:r>
               <a:rPr lang="en-US" sz="1800" dirty="0" smtClean="0"/>
-              <a:t>User Alerts</a:t>
-            </a:r>
-            <a:endParaRPr lang="en-US" sz="1800" dirty="0"/>
-          </a:p>
-          <a:p>
-            <a:pPr lvl="2"/>
-            <a:r>
-              <a:rPr lang="en-US" sz="1800" dirty="0" smtClean="0"/>
-              <a:t>Custom web </a:t>
-            </a:r>
-            <a:r>
-              <a:rPr lang="en-US" sz="1800" dirty="0"/>
-              <a:t>parts / </a:t>
-            </a:r>
-            <a:r>
-              <a:rPr lang="en-US" sz="1800" dirty="0" smtClean="0"/>
-              <a:t>controls</a:t>
-            </a:r>
-            <a:endParaRPr lang="en-US" sz="1800" dirty="0"/>
-          </a:p>
-          <a:p>
-            <a:pPr lvl="3"/>
-            <a:r>
-              <a:rPr lang="en-US" sz="1600" dirty="0"/>
-              <a:t>Share price, world clock, weather, emergency information, image rotator</a:t>
-            </a:r>
-          </a:p>
-          <a:p>
-            <a:pPr lvl="1"/>
-            <a:r>
-              <a:rPr lang="en-US" sz="1800" dirty="0" smtClean="0"/>
-              <a:t>Other intranet </a:t>
-            </a:r>
-            <a:r>
-              <a:rPr lang="en-US" sz="1800" dirty="0"/>
-              <a:t>features:</a:t>
-            </a:r>
-          </a:p>
-          <a:p>
-            <a:pPr lvl="2"/>
-            <a:r>
-              <a:rPr lang="en-US" sz="1800" dirty="0"/>
-              <a:t>Site provisioning for collaborative sites</a:t>
-            </a:r>
-          </a:p>
-          <a:p>
-            <a:pPr lvl="2"/>
-            <a:r>
-              <a:rPr lang="en-US" sz="1800" dirty="0"/>
-              <a:t>Team site metadata </a:t>
-            </a:r>
-            <a:r>
-              <a:rPr lang="en-US" sz="1800" dirty="0" smtClean="0"/>
-              <a:t>editing</a:t>
+              <a:t>a mobile friendly view of the news item when accessed from mobile devices.</a:t>
             </a:r>
             <a:endParaRPr lang="en-US" sz="1800" dirty="0"/>
           </a:p>
@@ -23325,7 +23280,19 @@
             </a:lvl9pPr>
           </a:lstStyle>
           <a:p>
-            <a:endParaRPr lang="en-US" dirty="0" smtClean="0"/>
+            <a:endParaRPr lang="en-US" dirty="0" smtClean="0">
+              <a:gradFill>
+                <a:gsLst>
+                  <a:gs pos="1250">
+                    <a:srgbClr val="797A7D"/>
+                  </a:gs>
+                  <a:gs pos="100000">
+                    <a:srgbClr val="797A7D"/>
+                  </a:gs>
+                </a:gsLst>
+                <a:lin ang="5400000" scaled="0"/>
+              </a:gradFill>
+            </a:endParaRPr>
           </a:p>
         </p:txBody>
       </p:sp>
@@ -23338,7 +23305,7 @@
           <p:nvPr>
             <p:extLst>
               <p:ext uri="{D42A27DB-BD31-4B8C-83A1-F6EECF244321}">
-                <p14:modId xmlns:p14="http://schemas.microsoft.com/office/powerpoint/2010/main" val="2701059414"/>
+                <p14:modId xmlns:p14="http://schemas.microsoft.com/office/powerpoint/2010/main" val="1818622909"/>
               </p:ext>
             </p:extLst>
           </p:nvPr>
@@ -23357,7 +23324,7 @@
                 <a:gridCol w="2373524">
                   <a:extLst>
                     <a:ext uri="{9D8B030D-6E8A-4147-A177-3AD203B41FA5}">
-                      <a16:colId xmlns:a16="http://schemas.microsoft.com/office/drawing/2014/main" xmlns="" val="20000"/>
+                      <a16:colId xmlns="" xmlns:a16="http://schemas.microsoft.com/office/drawing/2014/main" val="20000"/>
                     </a:ext>
                   </a:extLst>
                 </a:gridCol>
@@ -23370,8 +23337,8 @@
                     <a:p>
                       <a:pPr algn="ctr"/>
                       <a:r>
-                        <a:rPr lang="en-US" b="1" i="0" dirty="0" smtClean="0"/>
-                        <a:t>Branding</a:t>
+                        <a:rPr lang="en-US" b="1" i="0" smtClean="0"/>
+                        <a:t>Safety News</a:t>
                       </a:r>
                       <a:endParaRPr lang="nl-BE" b="1" i="0" dirty="0"/>
                     </a:p>
@@ -23420,7 +23387,7 @@
                 </a:tc>
                 <a:extLst>
                   <a:ext uri="{0D108BD9-81ED-4DB2-BD59-A6C34878D82A}">
-                    <a16:rowId xmlns:a16="http://schemas.microsoft.com/office/drawing/2014/main" xmlns="" val="10000"/>
+                    <a16:rowId xmlns="" xmlns:a16="http://schemas.microsoft.com/office/drawing/2014/main" val="10000"/>
                   </a:ext>
                 </a:extLst>
               </a:tr>
@@ -23481,7 +23448,7 @@
                 </a:tc>
                 <a:extLst>
                   <a:ext uri="{0D108BD9-81ED-4DB2-BD59-A6C34878D82A}">
-                    <a16:rowId xmlns:a16="http://schemas.microsoft.com/office/drawing/2014/main" xmlns="" val="10001"/>
+                    <a16:rowId xmlns="" xmlns:a16="http://schemas.microsoft.com/office/drawing/2014/main" val="10001"/>
                   </a:ext>
                 </a:extLst>
               </a:tr>
@@ -23545,13 +23512,13 @@
                       <a:tailEnd type="none" w="med" len="med"/>
                     </a:lnB>
                     <a:solidFill>
-                      <a:schemeClr val="accent2"/>
+                      <a:srgbClr val="00B050"/>
                     </a:solidFill>
                   </a:tcPr>
                 </a:tc>
                 <a:extLst>
                   <a:ext uri="{0D108BD9-81ED-4DB2-BD59-A6C34878D82A}">
-                    <a16:rowId xmlns:a16="http://schemas.microsoft.com/office/drawing/2014/main" xmlns="" val="10002"/>
+                    <a16:rowId xmlns="" xmlns:a16="http://schemas.microsoft.com/office/drawing/2014/main" val="10002"/>
                   </a:ext>
                 </a:extLst>
               </a:tr>
@@ -23629,7 +23596,7 @@
                 </a:tc>
                 <a:extLst>
                   <a:ext uri="{0D108BD9-81ED-4DB2-BD59-A6C34878D82A}">
-                    <a16:rowId xmlns:a16="http://schemas.microsoft.com/office/drawing/2014/main" xmlns="" val="10007"/>
+                    <a16:rowId xmlns="" xmlns:a16="http://schemas.microsoft.com/office/drawing/2014/main" val="10007"/>
                   </a:ext>
                 </a:extLst>
               </a:tr>
@@ -23646,7 +23613,7 @@
           <p:nvPr/>
         </p:nvPicPr>
         <p:blipFill>
-          <a:blip r:embed="rId2">
+          <a:blip r:embed="rId3">
             <a:extLst>
               <a:ext uri="{28A0092B-C50C-407E-A947-70E740481C1C}">
                 <a14:useLocalDpi xmlns:a14="http://schemas.microsoft.com/office/drawing/2010/main" val="0"/>
@@ -23678,10 +23645,185 @@
           </a:extLst>
         </p:spPr>
       </p:pic>
+      <p:sp>
+        <p:nvSpPr>
+          <p:cNvPr id="8" name="Rectangle 7"/>
+          <p:cNvSpPr/>
+          <p:nvPr/>
+        </p:nvSpPr>
+        <p:spPr>
+          <a:xfrm>
+            <a:off x="3173504" y="4083892"/>
+            <a:ext cx="8494619" cy="1545038"/>
+          </a:xfrm>
+          <a:prstGeom prst="rect">
+            <a:avLst/>
+          </a:prstGeom>
+        </p:spPr>
+        <p:txBody>
+          <a:bodyPr wrap="square">
+            <a:spAutoFit/>
+          </a:bodyPr>
+          <a:lstStyle/>
+          <a:p>
+            <a:pPr marL="284163" lvl="0" indent="-284163">
+              <a:lnSpc>
+                <a:spcPct val="90000"/>
+              </a:lnSpc>
+              <a:spcBef>
+                <a:spcPct val="20000"/>
+              </a:spcBef>
+              <a:buSzPct val="80000"/>
+              <a:buFont typeface="Wingdings" pitchFamily="2" charset="2"/>
+              <a:buChar char=""/>
+            </a:pPr>
+            <a:r>
+              <a:rPr lang="en-US" sz="3600" spc="-70" dirty="0" smtClean="0">
+                <a:solidFill>
+                  <a:srgbClr val="EB3C00"/>
+                </a:solidFill>
+                <a:latin typeface="Segoe UI Light"/>
+              </a:rPr>
+              <a:t>Migration</a:t>
+            </a:r>
+          </a:p>
+          <a:p>
+            <a:pPr marL="517525" lvl="1" indent="-233363">
+              <a:lnSpc>
+                <a:spcPct val="90000"/>
+              </a:lnSpc>
+              <a:spcBef>
+                <a:spcPct val="20000"/>
+              </a:spcBef>
+              <a:buSzPct val="90000"/>
+              <a:buFont typeface="Wingdings" pitchFamily="2" charset="2"/>
+              <a:buChar char=""/>
+            </a:pPr>
+            <a:r>
+              <a:rPr lang="en-US" sz="2000" dirty="0" smtClean="0">
+                <a:gradFill>
+                  <a:gsLst>
+                    <a:gs pos="1250">
+                      <a:srgbClr val="797A7D"/>
+                    </a:gs>
+                    <a:gs pos="100000">
+                      <a:srgbClr val="797A7D"/>
+                    </a:gs>
+                  </a:gsLst>
+                  <a:lin ang="5400000" scaled="0"/>
+                </a:gradFill>
+              </a:rPr>
+              <a:t>The safety news can be published as announcements within Yammer.</a:t>
+            </a:r>
+          </a:p>
+          <a:p>
+            <a:pPr marL="517525" lvl="1" indent="-233363">
+              <a:lnSpc>
+                <a:spcPct val="90000"/>
+              </a:lnSpc>
+              <a:spcBef>
+                <a:spcPct val="20000"/>
+              </a:spcBef>
+              <a:buSzPct val="90000"/>
+              <a:buFont typeface="Wingdings" pitchFamily="2" charset="2"/>
+              <a:buChar char=""/>
+            </a:pPr>
+            <a:r>
+              <a:rPr lang="en-US" sz="2000" dirty="0" smtClean="0">
+                <a:gradFill>
+                  <a:gsLst>
+                    <a:gs pos="1250">
+                      <a:srgbClr val="797A7D"/>
+                    </a:gs>
+                    <a:gs pos="100000">
+                      <a:srgbClr val="797A7D"/>
+                    </a:gs>
+                  </a:gsLst>
+                  <a:lin ang="5400000" scaled="0"/>
+                </a:gradFill>
+              </a:rPr>
+              <a:t>The Yammer embedded code can replace the custom safety news web part.</a:t>
+            </a:r>
+          </a:p>
+        </p:txBody>
+      </p:sp>
+      <p:sp>
+        <p:nvSpPr>
+          <p:cNvPr id="5" name="Rectangle 4"/>
+          <p:cNvSpPr/>
+          <p:nvPr/>
+        </p:nvSpPr>
+        <p:spPr>
+          <a:xfrm>
+            <a:off x="3173505" y="5792802"/>
+            <a:ext cx="6092825" cy="929485"/>
+          </a:xfrm>
+          <a:prstGeom prst="rect">
+            <a:avLst/>
+          </a:prstGeom>
+        </p:spPr>
+        <p:txBody>
+          <a:bodyPr>
+            <a:spAutoFit/>
+          </a:bodyPr>
+          <a:lstStyle/>
+          <a:p>
+            <a:pPr marL="284163" lvl="0" indent="-284163">
+              <a:lnSpc>
+                <a:spcPct val="90000"/>
+              </a:lnSpc>
+              <a:spcBef>
+                <a:spcPct val="20000"/>
+              </a:spcBef>
+              <a:buSzPct val="80000"/>
+              <a:buFont typeface="Wingdings" pitchFamily="2" charset="2"/>
+              <a:buChar char=""/>
+            </a:pPr>
+            <a:r>
+              <a:rPr lang="en-US" sz="3600" spc="-70" dirty="0">
+                <a:solidFill>
+                  <a:srgbClr val="EB3C00"/>
+                </a:solidFill>
+                <a:latin typeface="Segoe UI Light"/>
+              </a:rPr>
+              <a:t>Challenges</a:t>
+            </a:r>
+          </a:p>
+          <a:p>
+            <a:pPr marL="517525" lvl="1" indent="-233363">
+              <a:lnSpc>
+                <a:spcPct val="90000"/>
+              </a:lnSpc>
+              <a:spcBef>
+                <a:spcPct val="20000"/>
+              </a:spcBef>
+              <a:buSzPct val="90000"/>
+              <a:buFont typeface="Wingdings" pitchFamily="2" charset="2"/>
+              <a:buChar char=""/>
+            </a:pPr>
+            <a:r>
+              <a:rPr lang="en-US" sz="2000" dirty="0">
+                <a:gradFill>
+                  <a:gsLst>
+                    <a:gs pos="1250">
+                      <a:srgbClr val="797A7D"/>
+                    </a:gs>
+                    <a:gs pos="100000">
+                      <a:srgbClr val="797A7D"/>
+                    </a:gs>
+                  </a:gsLst>
+                  <a:lin ang="5400000" scaled="0"/>
+                </a:gradFill>
+              </a:rPr>
+              <a:t>None</a:t>
+            </a:r>
+          </a:p>
+        </p:txBody>
+      </p:sp>
     </p:spTree>
     <p:extLst>
       <p:ext uri="{BB962C8B-B14F-4D97-AF65-F5344CB8AC3E}">
-        <p14:creationId xmlns:p14="http://schemas.microsoft.com/office/powerpoint/2010/main" val="2817907372"/>
+        <p14:creationId xmlns:p14="http://schemas.microsoft.com/office/powerpoint/2010/main" val="994721949"/>
       </p:ext>
     </p:extLst>
   </p:cSld>
@@ -23839,14 +23981,29 @@
         </p:nvSpPr>
         <p:spPr/>
         <p:txBody>
-          <a:bodyPr/>
+          <a:bodyPr anchor="ctr"/>
           <a:lstStyle/>
           <a:p>
             <a:r>
               <a:rPr lang="nl-BE" dirty="0" smtClean="0"/>
-              <a:t>Branding</a:t>
-            </a:r>
-            <a:endParaRPr lang="nl-BE" dirty="0"/>
+              <a:t>Branding </a:t>
+            </a:r>
+            <a:br>
+              <a:rPr lang="nl-BE" dirty="0" smtClean="0"/>
+            </a:br>
+            <a:r>
+              <a:rPr lang="en-US" sz="3600" dirty="0" err="1">
+                <a:solidFill>
+                  <a:schemeClr val="accent1"/>
+                </a:solidFill>
+              </a:rPr>
+              <a:t>contoso.sharepoint.branding.wsp</a:t>
+            </a:r>
+            <a:endParaRPr lang="nl-BE" sz="3600" dirty="0">
+              <a:solidFill>
+                <a:schemeClr val="accent1"/>
+              </a:solidFill>
+            </a:endParaRPr>
           </a:p>
         </p:txBody>
       </p:sp>
@@ -23862,7 +24019,7 @@
         </p:nvSpPr>
         <p:spPr>
           <a:xfrm>
-            <a:off x="3173505" y="1290753"/>
+            <a:off x="3173506" y="1447799"/>
             <a:ext cx="8494619" cy="4619626"/>
           </a:xfrm>
         </p:spPr>
@@ -23872,52 +24029,119 @@
           <a:p>
             <a:r>
               <a:rPr lang="en-US" dirty="0" smtClean="0"/>
-              <a:t>Migration</a:t>
+              <a:t>Current Implementation:</a:t>
             </a:r>
             <a:endParaRPr lang="en-US" dirty="0"/>
           </a:p>
           <a:p>
             <a:pPr lvl="1"/>
             <a:r>
-              <a:rPr lang="en-US" dirty="0" smtClean="0"/>
-              <a:t>Light </a:t>
-            </a:r>
-            <a:r>
-              <a:rPr lang="en-US" dirty="0"/>
-              <a:t>Branding can be achieved using Office 365 themes.</a:t>
+              <a:rPr lang="en-US" sz="1800" dirty="0" smtClean="0"/>
+              <a:t>The branding solution provides the following features:</a:t>
+            </a:r>
+            <a:endParaRPr lang="en-US" sz="1800" dirty="0"/>
+          </a:p>
+          <a:p>
+            <a:pPr lvl="2"/>
+            <a:r>
+              <a:rPr lang="en-US" sz="1800" dirty="0" smtClean="0"/>
+              <a:t>Custom web </a:t>
+            </a:r>
+            <a:r>
+              <a:rPr lang="en-US" sz="1800" dirty="0"/>
+              <a:t>controls + page layouts </a:t>
+            </a:r>
+            <a:endParaRPr lang="en-US" sz="1800" dirty="0" smtClean="0"/>
+          </a:p>
+          <a:p>
+            <a:pPr lvl="2"/>
+            <a:r>
+              <a:rPr lang="en-US" sz="1800" dirty="0" smtClean="0"/>
+              <a:t>Custom </a:t>
+            </a:r>
+            <a:r>
+              <a:rPr lang="en-US" sz="1800" dirty="0"/>
+              <a:t>branding (master page + CSS)</a:t>
+            </a:r>
+          </a:p>
+          <a:p>
+            <a:pPr lvl="2"/>
+            <a:r>
+              <a:rPr lang="en-US" sz="1800" dirty="0"/>
+              <a:t>Social features (commenting, tag cloud)</a:t>
+            </a:r>
+          </a:p>
+          <a:p>
+            <a:pPr lvl="2"/>
+            <a:r>
+              <a:rPr lang="en-US" sz="1800" dirty="0" smtClean="0"/>
+              <a:t>Custom </a:t>
+            </a:r>
+            <a:r>
+              <a:rPr lang="en-US" sz="1800" dirty="0"/>
+              <a:t>navigation</a:t>
+            </a:r>
+          </a:p>
+          <a:p>
+            <a:pPr lvl="2"/>
+            <a:r>
+              <a:rPr lang="en-US" sz="1800" dirty="0" smtClean="0"/>
+              <a:t>Custom </a:t>
+            </a:r>
+            <a:r>
+              <a:rPr lang="en-US" sz="1800" dirty="0" smtClean="0"/>
+              <a:t>web </a:t>
+            </a:r>
+            <a:r>
+              <a:rPr lang="en-US" sz="1800" dirty="0"/>
+              <a:t>parts / </a:t>
+            </a:r>
+            <a:r>
+              <a:rPr lang="en-US" sz="1800" dirty="0" smtClean="0"/>
+              <a:t>controls</a:t>
+            </a:r>
+            <a:endParaRPr lang="en-US" sz="1800" dirty="0"/>
+          </a:p>
+          <a:p>
+            <a:pPr lvl="3"/>
+            <a:r>
+              <a:rPr lang="en-US" sz="1600" dirty="0"/>
+              <a:t>Share price, world clock, weather, emergency information, image rotator</a:t>
             </a:r>
           </a:p>
           <a:p>
             <a:pPr lvl="1"/>
             <a:r>
-              <a:rPr lang="en-US" dirty="0"/>
-              <a:t>Medium branding on master page can be achieved through the use of alternate CSS.</a:t>
-            </a:r>
-          </a:p>
-          <a:p>
-            <a:pPr lvl="1"/>
-            <a:r>
-              <a:rPr lang="en-US" dirty="0">
-                <a:hlinkClick r:id="rId3"/>
-              </a:rPr>
-              <a:t>SP Color tool</a:t>
-            </a:r>
-            <a:r>
-              <a:rPr lang="en-US" dirty="0"/>
-              <a:t> provides color palette functionality for use with SharePoint designs. </a:t>
-            </a:r>
-            <a:endParaRPr lang="en-US" dirty="0" smtClean="0"/>
-          </a:p>
-          <a:p>
-            <a:pPr lvl="1"/>
-            <a:r>
-              <a:rPr lang="en-US" dirty="0" smtClean="0"/>
-              <a:t>Use out of the box structural navigation</a:t>
-            </a:r>
-          </a:p>
-          <a:p>
-            <a:pPr lvl="1"/>
-            <a:endParaRPr lang="en-US" dirty="0"/>
+              <a:rPr lang="en-US" sz="1800" dirty="0" smtClean="0"/>
+              <a:t>Other intranet </a:t>
+            </a:r>
+            <a:r>
+              <a:rPr lang="en-US" sz="1800" dirty="0"/>
+              <a:t>features:</a:t>
+            </a:r>
+          </a:p>
+          <a:p>
+            <a:pPr lvl="2"/>
+            <a:r>
+              <a:rPr lang="en-US" sz="1800" dirty="0"/>
+              <a:t>Site provisioning for collaborative </a:t>
+            </a:r>
+            <a:r>
+              <a:rPr lang="en-US" sz="1800" dirty="0" smtClean="0"/>
+              <a:t>sites</a:t>
+            </a:r>
+          </a:p>
+          <a:p>
+            <a:pPr lvl="2"/>
+            <a:r>
+              <a:rPr lang="en-US" sz="1800" dirty="0" err="1" smtClean="0"/>
+              <a:t>MySite</a:t>
+            </a:r>
+            <a:r>
+              <a:rPr lang="en-US" sz="1800" dirty="0" smtClean="0"/>
+              <a:t> customizations</a:t>
+            </a:r>
+            <a:endParaRPr lang="en-US" sz="1800" dirty="0"/>
           </a:p>
         </p:txBody>
       </p:sp>
@@ -24180,7 +24404,7 @@
           <p:nvPr>
             <p:extLst>
               <p:ext uri="{D42A27DB-BD31-4B8C-83A1-F6EECF244321}">
-                <p14:modId xmlns:p14="http://schemas.microsoft.com/office/powerpoint/2010/main" val="3354339755"/>
+                <p14:modId xmlns:p14="http://schemas.microsoft.com/office/powerpoint/2010/main" val="2701059414"/>
               </p:ext>
             </p:extLst>
           </p:nvPr>
@@ -24199,7 +24423,7 @@
                 <a:gridCol w="2373524">
                   <a:extLst>
                     <a:ext uri="{9D8B030D-6E8A-4147-A177-3AD203B41FA5}">
-                      <a16:colId xmlns:a16="http://schemas.microsoft.com/office/drawing/2014/main" xmlns="" val="20000"/>
+                      <a16:colId xmlns="" xmlns:a16="http://schemas.microsoft.com/office/drawing/2014/main" val="20000"/>
                     </a:ext>
                   </a:extLst>
                 </a:gridCol>
@@ -24262,7 +24486,7 @@
                 </a:tc>
                 <a:extLst>
                   <a:ext uri="{0D108BD9-81ED-4DB2-BD59-A6C34878D82A}">
-                    <a16:rowId xmlns:a16="http://schemas.microsoft.com/office/drawing/2014/main" xmlns="" val="10000"/>
+                    <a16:rowId xmlns="" xmlns:a16="http://schemas.microsoft.com/office/drawing/2014/main" val="10000"/>
                   </a:ext>
                 </a:extLst>
               </a:tr>
@@ -24323,7 +24547,7 @@
                 </a:tc>
                 <a:extLst>
                   <a:ext uri="{0D108BD9-81ED-4DB2-BD59-A6C34878D82A}">
-                    <a16:rowId xmlns:a16="http://schemas.microsoft.com/office/drawing/2014/main" xmlns="" val="10001"/>
+                    <a16:rowId xmlns="" xmlns:a16="http://schemas.microsoft.com/office/drawing/2014/main" val="10001"/>
                   </a:ext>
                 </a:extLst>
               </a:tr>
@@ -24393,7 +24617,7 @@
                 </a:tc>
                 <a:extLst>
                   <a:ext uri="{0D108BD9-81ED-4DB2-BD59-A6C34878D82A}">
-                    <a16:rowId xmlns:a16="http://schemas.microsoft.com/office/drawing/2014/main" xmlns="" val="10002"/>
+                    <a16:rowId xmlns="" xmlns:a16="http://schemas.microsoft.com/office/drawing/2014/main" val="10002"/>
                   </a:ext>
                 </a:extLst>
               </a:tr>
@@ -24471,7 +24695,7 @@
                 </a:tc>
                 <a:extLst>
                   <a:ext uri="{0D108BD9-81ED-4DB2-BD59-A6C34878D82A}">
-                    <a16:rowId xmlns:a16="http://schemas.microsoft.com/office/drawing/2014/main" xmlns="" val="10007"/>
+                    <a16:rowId xmlns="" xmlns:a16="http://schemas.microsoft.com/office/drawing/2014/main" val="10007"/>
                   </a:ext>
                 </a:extLst>
               </a:tr>
@@ -24488,7 +24712,7 @@
           <p:nvPr/>
         </p:nvPicPr>
         <p:blipFill>
-          <a:blip r:embed="rId4">
+          <a:blip r:embed="rId2">
             <a:extLst>
               <a:ext uri="{28A0092B-C50C-407E-A947-70E740481C1C}">
                 <a14:useLocalDpi xmlns:a14="http://schemas.microsoft.com/office/drawing/2010/main" val="0"/>
@@ -24523,7 +24747,7 @@
     </p:spTree>
     <p:extLst>
       <p:ext uri="{BB962C8B-B14F-4D97-AF65-F5344CB8AC3E}">
-        <p14:creationId xmlns:p14="http://schemas.microsoft.com/office/powerpoint/2010/main" val="3018069866"/>
+        <p14:creationId xmlns:p14="http://schemas.microsoft.com/office/powerpoint/2010/main" val="2817907372"/>
       </p:ext>
     </p:extLst>
   </p:cSld>
@@ -24604,25 +24828,52 @@
           <a:lstStyle/>
           <a:p>
             <a:r>
+              <a:rPr lang="en-US" dirty="0" smtClean="0"/>
+              <a:t>Migration</a:t>
+            </a:r>
+            <a:endParaRPr lang="en-US" dirty="0"/>
+          </a:p>
+          <a:p>
+            <a:pPr lvl="1"/>
+            <a:r>
+              <a:rPr lang="en-US" dirty="0" smtClean="0"/>
+              <a:t>Light </a:t>
+            </a:r>
+            <a:r>
               <a:rPr lang="en-US" dirty="0"/>
-              <a:t>Challenges:</a:t>
+              <a:t>Branding can be achieved using Office 365 themes.</a:t>
             </a:r>
           </a:p>
           <a:p>
             <a:pPr lvl="1"/>
             <a:r>
               <a:rPr lang="en-US" dirty="0"/>
-              <a:t>The many list definitions for the project sites will have a big migration impact (will take time to process)</a:t>
+              <a:t>Medium branding on master page can be achieved through the use of alternate CSS.</a:t>
             </a:r>
           </a:p>
           <a:p>
             <a:pPr lvl="1"/>
             <a:r>
+              <a:rPr lang="en-US" dirty="0">
+                <a:hlinkClick r:id="rId3"/>
+              </a:rPr>
+              <a:t>SP Color tool</a:t>
+            </a:r>
+            <a:r>
               <a:rPr lang="en-US" dirty="0"/>
-              <a:t>Need to update all existing sites (branding) and pages (new page layouts) which will require proper tooling </a:t>
-            </a:r>
-          </a:p>
-          <a:p>
+              <a:t> provides color palette functionality for use with SharePoint designs. </a:t>
+            </a:r>
+            <a:endParaRPr lang="en-US" dirty="0" smtClean="0"/>
+          </a:p>
+          <a:p>
+            <a:pPr lvl="1"/>
+            <a:r>
+              <a:rPr lang="en-US" dirty="0" smtClean="0"/>
+              <a:t>Use out of the box structural navigation</a:t>
+            </a:r>
+          </a:p>
+          <a:p>
+            <a:pPr lvl="1"/>
             <a:endParaRPr lang="en-US" dirty="0"/>
           </a:p>
         </p:txBody>
@@ -24886,7 +25137,7 @@
           <p:nvPr>
             <p:extLst>
               <p:ext uri="{D42A27DB-BD31-4B8C-83A1-F6EECF244321}">
-                <p14:modId xmlns:p14="http://schemas.microsoft.com/office/powerpoint/2010/main" val="1302890150"/>
+                <p14:modId xmlns:p14="http://schemas.microsoft.com/office/powerpoint/2010/main" val="3354339755"/>
               </p:ext>
             </p:extLst>
           </p:nvPr>
@@ -24905,7 +25156,7 @@
                 <a:gridCol w="2373524">
                   <a:extLst>
                     <a:ext uri="{9D8B030D-6E8A-4147-A177-3AD203B41FA5}">
-                      <a16:colId xmlns:a16="http://schemas.microsoft.com/office/drawing/2014/main" xmlns="" val="20000"/>
+                      <a16:colId xmlns="" xmlns:a16="http://schemas.microsoft.com/office/drawing/2014/main" val="20000"/>
                     </a:ext>
                   </a:extLst>
                 </a:gridCol>
@@ -24968,7 +25219,7 @@
                 </a:tc>
                 <a:extLst>
                   <a:ext uri="{0D108BD9-81ED-4DB2-BD59-A6C34878D82A}">
-                    <a16:rowId xmlns:a16="http://schemas.microsoft.com/office/drawing/2014/main" xmlns="" val="10000"/>
+                    <a16:rowId xmlns="" xmlns:a16="http://schemas.microsoft.com/office/drawing/2014/main" val="10000"/>
                   </a:ext>
                 </a:extLst>
               </a:tr>
@@ -25029,7 +25280,7 @@
                 </a:tc>
                 <a:extLst>
                   <a:ext uri="{0D108BD9-81ED-4DB2-BD59-A6C34878D82A}">
-                    <a16:rowId xmlns:a16="http://schemas.microsoft.com/office/drawing/2014/main" xmlns="" val="10001"/>
+                    <a16:rowId xmlns="" xmlns:a16="http://schemas.microsoft.com/office/drawing/2014/main" val="10001"/>
                   </a:ext>
                 </a:extLst>
               </a:tr>
@@ -25099,7 +25350,7 @@
                 </a:tc>
                 <a:extLst>
                   <a:ext uri="{0D108BD9-81ED-4DB2-BD59-A6C34878D82A}">
-                    <a16:rowId xmlns:a16="http://schemas.microsoft.com/office/drawing/2014/main" xmlns="" val="10002"/>
+                    <a16:rowId xmlns="" xmlns:a16="http://schemas.microsoft.com/office/drawing/2014/main" val="10002"/>
                   </a:ext>
                 </a:extLst>
               </a:tr>
@@ -25177,7 +25428,7 @@
                 </a:tc>
                 <a:extLst>
                   <a:ext uri="{0D108BD9-81ED-4DB2-BD59-A6C34878D82A}">
-                    <a16:rowId xmlns:a16="http://schemas.microsoft.com/office/drawing/2014/main" xmlns="" val="10007"/>
+                    <a16:rowId xmlns="" xmlns:a16="http://schemas.microsoft.com/office/drawing/2014/main" val="10007"/>
                   </a:ext>
                 </a:extLst>
               </a:tr>
@@ -25194,7 +25445,7 @@
           <p:nvPr/>
         </p:nvPicPr>
         <p:blipFill>
-          <a:blip r:embed="rId3">
+          <a:blip r:embed="rId4">
             <a:extLst>
               <a:ext uri="{28A0092B-C50C-407E-A947-70E740481C1C}">
                 <a14:useLocalDpi xmlns:a14="http://schemas.microsoft.com/office/drawing/2010/main" val="0"/>
@@ -25229,7 +25480,7 @@
     </p:spTree>
     <p:extLst>
       <p:ext uri="{BB962C8B-B14F-4D97-AF65-F5344CB8AC3E}">
-        <p14:creationId xmlns:p14="http://schemas.microsoft.com/office/powerpoint/2010/main" val="4239080423"/>
+        <p14:creationId xmlns:p14="http://schemas.microsoft.com/office/powerpoint/2010/main" val="3018069866"/>
       </p:ext>
     </p:extLst>
   </p:cSld>
@@ -25283,41 +25534,9 @@
           <a:p>
             <a:r>
               <a:rPr lang="nl-BE" dirty="0" smtClean="0"/>
-              <a:t>Provisioning</a:t>
-            </a:r>
-            <a:br>
-              <a:rPr lang="nl-BE" dirty="0" smtClean="0"/>
-            </a:br>
-            <a:r>
-              <a:rPr lang="en-US" sz="3600" dirty="0" err="1">
-                <a:solidFill>
-                  <a:schemeClr val="accent1"/>
-                </a:solidFill>
-              </a:rPr>
-              <a:t>contoso.sharepoint.provisioning.wsp</a:t>
-            </a:r>
-            <a:r>
-              <a:rPr lang="en-US" sz="6000" dirty="0">
-                <a:solidFill>
-                  <a:schemeClr val="accent1"/>
-                </a:solidFill>
-                <a:latin typeface="Calibri" panose="020F0502020204030204" pitchFamily="34" charset="0"/>
-              </a:rPr>
-              <a:t/>
-            </a:r>
-            <a:br>
-              <a:rPr lang="en-US" sz="6000" dirty="0">
-                <a:solidFill>
-                  <a:schemeClr val="accent1"/>
-                </a:solidFill>
-                <a:latin typeface="Calibri" panose="020F0502020204030204" pitchFamily="34" charset="0"/>
-              </a:rPr>
-            </a:br>
-            <a:endParaRPr lang="nl-BE" dirty="0">
-              <a:solidFill>
-                <a:schemeClr val="accent1"/>
-              </a:solidFill>
-            </a:endParaRPr>
+              <a:t>Branding</a:t>
+            </a:r>
+            <a:endParaRPr lang="nl-BE" dirty="0"/>
           </a:p>
         </p:txBody>
       </p:sp>
@@ -25333,7 +25552,7 @@
         </p:nvSpPr>
         <p:spPr>
           <a:xfrm>
-            <a:off x="3173505" y="1752599"/>
+            <a:off x="3173505" y="1290753"/>
             <a:ext cx="8494619" cy="4619626"/>
           </a:xfrm>
         </p:spPr>
@@ -25343,73 +25562,25 @@
           <a:p>
             <a:r>
               <a:rPr lang="en-US" dirty="0"/>
-              <a:t>High level requirements:</a:t>
+              <a:t>Challenges:</a:t>
             </a:r>
           </a:p>
           <a:p>
             <a:pPr lvl="1"/>
             <a:r>
-              <a:rPr lang="en-US" sz="1800" dirty="0" smtClean="0"/>
-              <a:t>Typical </a:t>
-            </a:r>
-            <a:r>
-              <a:rPr lang="en-US" sz="1800" dirty="0"/>
-              <a:t>Intranet features:</a:t>
-            </a:r>
-          </a:p>
-          <a:p>
-            <a:pPr lvl="2"/>
-            <a:r>
-              <a:rPr lang="en-US" sz="1800" dirty="0" smtClean="0"/>
-              <a:t>Prevent some custom actions</a:t>
-            </a:r>
-          </a:p>
-          <a:p>
-            <a:pPr lvl="2"/>
-            <a:r>
-              <a:rPr lang="en-US" sz="1800" dirty="0"/>
-              <a:t>Prevents the creation of </a:t>
-            </a:r>
-            <a:r>
-              <a:rPr lang="en-US" sz="1800" dirty="0" err="1" smtClean="0"/>
-              <a:t>subsites</a:t>
-            </a:r>
-            <a:endParaRPr lang="en-US" sz="1800" dirty="0" smtClean="0"/>
-          </a:p>
-          <a:p>
-            <a:pPr lvl="2"/>
-            <a:r>
-              <a:rPr lang="en-US" sz="1800" dirty="0" smtClean="0"/>
-              <a:t>Hide </a:t>
-            </a:r>
-            <a:r>
-              <a:rPr lang="en-US" sz="1800" dirty="0"/>
-              <a:t>Sites and </a:t>
-            </a:r>
-            <a:r>
-              <a:rPr lang="en-US" sz="1800" dirty="0" err="1" smtClean="0"/>
-              <a:t>WorkSpaces</a:t>
-            </a:r>
-            <a:r>
-              <a:rPr lang="en-US" sz="1800" dirty="0" smtClean="0"/>
-              <a:t> </a:t>
-            </a:r>
-          </a:p>
-          <a:p>
-            <a:pPr lvl="2"/>
-            <a:r>
-              <a:rPr lang="en-US" sz="1800" dirty="0" smtClean="0"/>
-              <a:t>Manage </a:t>
-            </a:r>
-            <a:r>
-              <a:rPr lang="en-US" sz="1800" dirty="0"/>
-              <a:t>Site </a:t>
-            </a:r>
-            <a:r>
-              <a:rPr lang="en-US" sz="1800" dirty="0" smtClean="0"/>
-              <a:t>Features</a:t>
-            </a:r>
-            <a:endParaRPr lang="en-US" sz="1800" dirty="0"/>
+              <a:rPr lang="en-US" dirty="0"/>
+              <a:t>The many list definitions for the project sites will have a big migration impact (will take time to process)</a:t>
+            </a:r>
+          </a:p>
+          <a:p>
+            <a:pPr lvl="1"/>
+            <a:r>
+              <a:rPr lang="en-US" dirty="0"/>
+              <a:t>Need to update all existing sites (branding) and pages (new page layouts) which will require proper tooling </a:t>
+            </a:r>
+          </a:p>
+          <a:p>
+            <a:endParaRPr lang="en-US" dirty="0"/>
           </a:p>
         </p:txBody>
       </p:sp>
@@ -25672,7 +25843,7 @@
           <p:nvPr>
             <p:extLst>
               <p:ext uri="{D42A27DB-BD31-4B8C-83A1-F6EECF244321}">
-                <p14:modId xmlns:p14="http://schemas.microsoft.com/office/powerpoint/2010/main" val="642078531"/>
+                <p14:modId xmlns:p14="http://schemas.microsoft.com/office/powerpoint/2010/main" val="1302890150"/>
               </p:ext>
             </p:extLst>
           </p:nvPr>
@@ -25691,7 +25862,7 @@
                 <a:gridCol w="2373524">
                   <a:extLst>
                     <a:ext uri="{9D8B030D-6E8A-4147-A177-3AD203B41FA5}">
-                      <a16:colId xmlns:a16="http://schemas.microsoft.com/office/drawing/2014/main" xmlns="" val="20000"/>
+                      <a16:colId xmlns="" xmlns:a16="http://schemas.microsoft.com/office/drawing/2014/main" val="20000"/>
                     </a:ext>
                   </a:extLst>
                 </a:gridCol>
@@ -25754,7 +25925,7 @@
                 </a:tc>
                 <a:extLst>
                   <a:ext uri="{0D108BD9-81ED-4DB2-BD59-A6C34878D82A}">
-                    <a16:rowId xmlns:a16="http://schemas.microsoft.com/office/drawing/2014/main" xmlns="" val="10000"/>
+                    <a16:rowId xmlns="" xmlns:a16="http://schemas.microsoft.com/office/drawing/2014/main" val="10000"/>
                   </a:ext>
                 </a:extLst>
               </a:tr>
@@ -25815,7 +25986,7 @@
                 </a:tc>
                 <a:extLst>
                   <a:ext uri="{0D108BD9-81ED-4DB2-BD59-A6C34878D82A}">
-                    <a16:rowId xmlns:a16="http://schemas.microsoft.com/office/drawing/2014/main" xmlns="" val="10001"/>
+                    <a16:rowId xmlns="" xmlns:a16="http://schemas.microsoft.com/office/drawing/2014/main" val="10001"/>
                   </a:ext>
                 </a:extLst>
               </a:tr>
@@ -25885,7 +26056,7 @@
                 </a:tc>
                 <a:extLst>
                   <a:ext uri="{0D108BD9-81ED-4DB2-BD59-A6C34878D82A}">
-                    <a16:rowId xmlns:a16="http://schemas.microsoft.com/office/drawing/2014/main" xmlns="" val="10002"/>
+                    <a16:rowId xmlns="" xmlns:a16="http://schemas.microsoft.com/office/drawing/2014/main" val="10002"/>
                   </a:ext>
                 </a:extLst>
               </a:tr>
@@ -25963,7 +26134,7 @@
                 </a:tc>
                 <a:extLst>
                   <a:ext uri="{0D108BD9-81ED-4DB2-BD59-A6C34878D82A}">
-                    <a16:rowId xmlns:a16="http://schemas.microsoft.com/office/drawing/2014/main" xmlns="" val="10007"/>
+                    <a16:rowId xmlns="" xmlns:a16="http://schemas.microsoft.com/office/drawing/2014/main" val="10007"/>
                   </a:ext>
                 </a:extLst>
               </a:tr>
@@ -25980,7 +26151,7 @@
           <p:nvPr/>
         </p:nvPicPr>
         <p:blipFill>
-          <a:blip r:embed="rId2">
+          <a:blip r:embed="rId3">
             <a:extLst>
               <a:ext uri="{28A0092B-C50C-407E-A947-70E740481C1C}">
                 <a14:useLocalDpi xmlns:a14="http://schemas.microsoft.com/office/drawing/2010/main" val="0"/>
@@ -26015,7 +26186,7 @@
     </p:spTree>
     <p:extLst>
       <p:ext uri="{BB962C8B-B14F-4D97-AF65-F5344CB8AC3E}">
-        <p14:creationId xmlns:p14="http://schemas.microsoft.com/office/powerpoint/2010/main" val="821868080"/>
+        <p14:creationId xmlns:p14="http://schemas.microsoft.com/office/powerpoint/2010/main" val="4239080423"/>
       </p:ext>
     </p:extLst>
   </p:cSld>
@@ -26068,9 +26239,42 @@
           <a:lstStyle/>
           <a:p>
             <a:r>
-              <a:rPr lang="nl-BE" dirty="0"/>
+              <a:rPr lang="nl-BE" dirty="0" smtClean="0"/>
               <a:t>Provisioning</a:t>
             </a:r>
+            <a:br>
+              <a:rPr lang="nl-BE" dirty="0" smtClean="0"/>
+            </a:br>
+            <a:r>
+              <a:rPr lang="en-US" sz="3600" dirty="0" err="1">
+                <a:solidFill>
+                  <a:schemeClr val="accent1"/>
+                </a:solidFill>
+              </a:rPr>
+              <a:t>contoso.sharepoint.provisioning.wsp</a:t>
+            </a:r>
+            <a:r>
+              <a:rPr lang="en-US" sz="6000" dirty="0">
+                <a:solidFill>
+                  <a:schemeClr val="accent1"/>
+                </a:solidFill>
+                <a:latin typeface="Calibri" panose="020F0502020204030204" pitchFamily="34" charset="0"/>
+              </a:rPr>
+              <a:t/>
+            </a:r>
+            <a:br>
+              <a:rPr lang="en-US" sz="6000" dirty="0">
+                <a:solidFill>
+                  <a:schemeClr val="accent1"/>
+                </a:solidFill>
+                <a:latin typeface="Calibri" panose="020F0502020204030204" pitchFamily="34" charset="0"/>
+              </a:rPr>
+            </a:br>
+            <a:endParaRPr lang="nl-BE" dirty="0">
+              <a:solidFill>
+                <a:schemeClr val="accent1"/>
+              </a:solidFill>
+            </a:endParaRPr>
           </a:p>
         </p:txBody>
       </p:sp>
@@ -26086,7 +26290,7 @@
         </p:nvSpPr>
         <p:spPr>
           <a:xfrm>
-            <a:off x="3173505" y="1290753"/>
+            <a:off x="3173505" y="1752599"/>
             <a:ext cx="8494619" cy="4619626"/>
           </a:xfrm>
         </p:spPr>
@@ -26096,35 +26300,91 @@
           <a:p>
             <a:r>
               <a:rPr lang="en-US" dirty="0" smtClean="0"/>
-              <a:t>Migration</a:t>
+              <a:t>Current implementation:</a:t>
             </a:r>
             <a:endParaRPr lang="en-US" dirty="0"/>
           </a:p>
           <a:p>
             <a:pPr lvl="1"/>
             <a:r>
-              <a:rPr lang="en-US" dirty="0" smtClean="0"/>
-              <a:t>Client side object model (jQuery) can be used to hide custom actions</a:t>
-            </a:r>
-          </a:p>
-          <a:p>
-            <a:pPr lvl="1"/>
-            <a:r>
-              <a:rPr lang="en-US" dirty="0" smtClean="0"/>
-              <a:t>Remote provisioning technique using App Model</a:t>
-            </a:r>
-          </a:p>
-          <a:p>
-            <a:pPr lvl="1"/>
-            <a:endParaRPr lang="en-US" dirty="0" smtClean="0"/>
-          </a:p>
-          <a:p>
-            <a:pPr lvl="1"/>
-            <a:endParaRPr lang="en-US" dirty="0" smtClean="0"/>
-          </a:p>
-          <a:p>
-            <a:pPr lvl="1"/>
-            <a:endParaRPr lang="en-US" dirty="0"/>
+              <a:rPr lang="en-US" sz="1800" dirty="0" smtClean="0"/>
+              <a:t>The existing farm solution has been designed to:</a:t>
+            </a:r>
+            <a:endParaRPr lang="en-US" sz="1800" dirty="0"/>
+          </a:p>
+          <a:p>
+            <a:pPr lvl="2"/>
+            <a:r>
+              <a:rPr lang="en-US" sz="1800" dirty="0" smtClean="0"/>
+              <a:t>Prevent custom user actions</a:t>
+            </a:r>
+            <a:endParaRPr lang="en-US" sz="1800" dirty="0" smtClean="0"/>
+          </a:p>
+          <a:p>
+            <a:pPr lvl="2"/>
+            <a:r>
+              <a:rPr lang="en-US" sz="1800" dirty="0" smtClean="0"/>
+              <a:t>Prevent </a:t>
+            </a:r>
+            <a:r>
+              <a:rPr lang="en-US" sz="1800" dirty="0"/>
+              <a:t>the </a:t>
+            </a:r>
+            <a:r>
+              <a:rPr lang="en-US" sz="1800" dirty="0" smtClean="0"/>
+              <a:t>users from using certain site templates </a:t>
+            </a:r>
+          </a:p>
+          <a:p>
+            <a:pPr lvl="2"/>
+            <a:r>
+              <a:rPr lang="en-US" sz="1800" dirty="0" smtClean="0"/>
+              <a:t>Allows users to create sub sites through electronic requests</a:t>
+            </a:r>
+            <a:endParaRPr lang="en-US" sz="1800" dirty="0" smtClean="0"/>
+          </a:p>
+          <a:p>
+            <a:pPr lvl="2"/>
+            <a:r>
+              <a:rPr lang="en-US" sz="1800" dirty="0" smtClean="0"/>
+              <a:t>Hides the sites requested by other users</a:t>
+            </a:r>
+            <a:endParaRPr lang="en-US" sz="1800" dirty="0" smtClean="0"/>
+          </a:p>
+          <a:p>
+            <a:pPr lvl="2"/>
+            <a:r>
+              <a:rPr lang="en-US" sz="1800" dirty="0" smtClean="0"/>
+              <a:t>Allows auto activation of some site </a:t>
+            </a:r>
+            <a:r>
+              <a:rPr lang="en-US" sz="1800" dirty="0" smtClean="0"/>
+              <a:t>f</a:t>
+            </a:r>
+            <a:r>
+              <a:rPr lang="en-US" sz="1800" dirty="0" smtClean="0"/>
+              <a:t>eatures during site provision</a:t>
+            </a:r>
+          </a:p>
+          <a:p>
+            <a:pPr lvl="2"/>
+            <a:r>
+              <a:rPr lang="en-US" sz="1800" dirty="0" smtClean="0"/>
+              <a:t>My Sites </a:t>
+            </a:r>
+            <a:r>
+              <a:rPr lang="en-US" sz="1800" dirty="0"/>
+              <a:t>are </a:t>
+            </a:r>
+            <a:r>
+              <a:rPr lang="en-US" sz="1800" dirty="0" smtClean="0"/>
+              <a:t>set to expire </a:t>
+            </a:r>
+            <a:r>
+              <a:rPr lang="en-US" sz="1800" dirty="0"/>
+              <a:t>after one year</a:t>
+            </a:r>
+            <a:endParaRPr lang="en-US" sz="1800" dirty="0"/>
           </a:p>
         </p:txBody>
       </p:sp>
@@ -26387,7 +26647,7 @@
           <p:nvPr>
             <p:extLst>
               <p:ext uri="{D42A27DB-BD31-4B8C-83A1-F6EECF244321}">
-                <p14:modId xmlns:p14="http://schemas.microsoft.com/office/powerpoint/2010/main" val="3520774442"/>
+                <p14:modId xmlns:p14="http://schemas.microsoft.com/office/powerpoint/2010/main" val="2946021627"/>
               </p:ext>
             </p:extLst>
           </p:nvPr>
@@ -26406,7 +26666,7 @@
                 <a:gridCol w="2373524">
                   <a:extLst>
                     <a:ext uri="{9D8B030D-6E8A-4147-A177-3AD203B41FA5}">
-                      <a16:colId xmlns:a16="http://schemas.microsoft.com/office/drawing/2014/main" xmlns="" val="20000"/>
+                      <a16:colId xmlns="" xmlns:a16="http://schemas.microsoft.com/office/drawing/2014/main" val="20000"/>
                     </a:ext>
                   </a:extLst>
                 </a:gridCol>
@@ -26420,7 +26680,7 @@
                       <a:pPr algn="ctr"/>
                       <a:r>
                         <a:rPr lang="en-US" b="1" i="0" dirty="0" smtClean="0"/>
-                        <a:t>Branding</a:t>
+                        <a:t>Provisioning</a:t>
                       </a:r>
                       <a:endParaRPr lang="nl-BE" b="1" i="0" dirty="0"/>
                     </a:p>
@@ -26469,7 +26729,7 @@
                 </a:tc>
                 <a:extLst>
                   <a:ext uri="{0D108BD9-81ED-4DB2-BD59-A6C34878D82A}">
-                    <a16:rowId xmlns:a16="http://schemas.microsoft.com/office/drawing/2014/main" xmlns="" val="10000"/>
+                    <a16:rowId xmlns="" xmlns:a16="http://schemas.microsoft.com/office/drawing/2014/main" val="10000"/>
                   </a:ext>
                 </a:extLst>
               </a:tr>
@@ -26530,7 +26790,7 @@
                 </a:tc>
                 <a:extLst>
                   <a:ext uri="{0D108BD9-81ED-4DB2-BD59-A6C34878D82A}">
-                    <a16:rowId xmlns:a16="http://schemas.microsoft.com/office/drawing/2014/main" xmlns="" val="10001"/>
+                    <a16:rowId xmlns="" xmlns:a16="http://schemas.microsoft.com/office/drawing/2014/main" val="10001"/>
                   </a:ext>
                 </a:extLst>
               </a:tr>
@@ -26600,7 +26860,7 @@
                 </a:tc>
                 <a:extLst>
                   <a:ext uri="{0D108BD9-81ED-4DB2-BD59-A6C34878D82A}">
-                    <a16:rowId xmlns:a16="http://schemas.microsoft.com/office/drawing/2014/main" xmlns="" val="10002"/>
+                    <a16:rowId xmlns="" xmlns:a16="http://schemas.microsoft.com/office/drawing/2014/main" val="10002"/>
                   </a:ext>
                 </a:extLst>
               </a:tr>
@@ -26678,7 +26938,7 @@
                 </a:tc>
                 <a:extLst>
                   <a:ext uri="{0D108BD9-81ED-4DB2-BD59-A6C34878D82A}">
-                    <a16:rowId xmlns:a16="http://schemas.microsoft.com/office/drawing/2014/main" xmlns="" val="10007"/>
+                    <a16:rowId xmlns="" xmlns:a16="http://schemas.microsoft.com/office/drawing/2014/main" val="10007"/>
                   </a:ext>
                 </a:extLst>
               </a:tr>
@@ -26695,7 +26955,7 @@
           <p:nvPr/>
         </p:nvPicPr>
         <p:blipFill>
-          <a:blip r:embed="rId3">
+          <a:blip r:embed="rId2">
             <a:extLst>
               <a:ext uri="{28A0092B-C50C-407E-A947-70E740481C1C}">
                 <a14:useLocalDpi xmlns:a14="http://schemas.microsoft.com/office/drawing/2010/main" val="0"/>
@@ -26727,9 +26987,177 @@
           </a:extLst>
         </p:spPr>
       </p:pic>
+    </p:spTree>
+    <p:extLst>
+      <p:ext uri="{BB962C8B-B14F-4D97-AF65-F5344CB8AC3E}">
+        <p14:creationId xmlns:p14="http://schemas.microsoft.com/office/powerpoint/2010/main" val="821868080"/>
+      </p:ext>
+    </p:extLst>
+  </p:cSld>
+  <p:clrMapOvr>
+    <a:masterClrMapping/>
+  </p:clrMapOvr>
+  <p:transition>
+    <p:fade/>
+  </p:transition>
+  <p:timing>
+    <p:tnLst>
+      <p:par>
+        <p:cTn id="1" dur="indefinite" restart="never" nodeType="tmRoot"/>
+      </p:par>
+    </p:tnLst>
+  </p:timing>
+</p:sld>
+</file>
+
+<file path=ppt/slides/slide24.xml><?xml version="1.0" encoding="utf-8"?>
+<p:sld xmlns:a="http://schemas.openxmlformats.org/drawingml/2006/main" xmlns:r="http://schemas.openxmlformats.org/officeDocument/2006/relationships" xmlns:p="http://schemas.openxmlformats.org/presentationml/2006/main">
+  <p:cSld>
+    <p:spTree>
+      <p:nvGrpSpPr>
+        <p:cNvPr id="1" name=""/>
+        <p:cNvGrpSpPr/>
+        <p:nvPr/>
+      </p:nvGrpSpPr>
+      <p:grpSpPr>
+        <a:xfrm>
+          <a:off x="0" y="0"/>
+          <a:ext cx="0" cy="0"/>
+          <a:chOff x="0" y="0"/>
+          <a:chExt cx="0" cy="0"/>
+        </a:xfrm>
+      </p:grpSpPr>
       <p:sp>
         <p:nvSpPr>
-          <p:cNvPr id="8" name="Text Placeholder 10"/>
+          <p:cNvPr id="2" name="Title 1"/>
+          <p:cNvSpPr>
+            <a:spLocks noGrp="1"/>
+          </p:cNvSpPr>
+          <p:nvPr>
+            <p:ph type="title"/>
+          </p:nvPr>
+        </p:nvSpPr>
+        <p:spPr/>
+        <p:txBody>
+          <a:bodyPr/>
+          <a:lstStyle/>
+          <a:p>
+            <a:r>
+              <a:rPr lang="nl-BE" dirty="0"/>
+              <a:t>Provisioning</a:t>
+            </a:r>
+          </a:p>
+        </p:txBody>
+      </p:sp>
+      <p:sp>
+        <p:nvSpPr>
+          <p:cNvPr id="11" name="Text Placeholder 10"/>
+          <p:cNvSpPr>
+            <a:spLocks noGrp="1"/>
+          </p:cNvSpPr>
+          <p:nvPr>
+            <p:ph type="body" sz="quarter" idx="10"/>
+          </p:nvPr>
+        </p:nvSpPr>
+        <p:spPr>
+          <a:xfrm>
+            <a:off x="3173505" y="1290753"/>
+            <a:ext cx="8494619" cy="4619626"/>
+          </a:xfrm>
+        </p:spPr>
+        <p:txBody>
+          <a:bodyPr/>
+          <a:lstStyle/>
+          <a:p>
+            <a:r>
+              <a:rPr lang="en-US" dirty="0" smtClean="0"/>
+              <a:t>Migration</a:t>
+            </a:r>
+            <a:endParaRPr lang="en-US" dirty="0"/>
+          </a:p>
+          <a:p>
+            <a:pPr lvl="1"/>
+            <a:r>
+              <a:rPr lang="en-US" dirty="0" smtClean="0"/>
+              <a:t>Client side object model (jQuery) can be used to hide custom actions</a:t>
+            </a:r>
+          </a:p>
+          <a:p>
+            <a:pPr lvl="1"/>
+            <a:r>
+              <a:rPr lang="en-US" dirty="0" smtClean="0"/>
+              <a:t>Remote provisioning technique </a:t>
+            </a:r>
+            <a:r>
+              <a:rPr lang="en-US" dirty="0" smtClean="0"/>
+              <a:t>can be used to create sites using </a:t>
+            </a:r>
+            <a:r>
+              <a:rPr lang="en-US" dirty="0" smtClean="0"/>
+              <a:t>App </a:t>
+            </a:r>
+            <a:r>
+              <a:rPr lang="en-US" dirty="0" smtClean="0"/>
+              <a:t>Model.</a:t>
+            </a:r>
+          </a:p>
+          <a:p>
+            <a:pPr lvl="1"/>
+            <a:r>
+              <a:rPr lang="en-US" dirty="0" smtClean="0"/>
+              <a:t>Site </a:t>
+            </a:r>
+            <a:r>
+              <a:rPr lang="en-US" dirty="0"/>
+              <a:t>provisioning work can be done using an </a:t>
+            </a:r>
+            <a:r>
+              <a:rPr lang="en-US" b="1" dirty="0"/>
+              <a:t>App Event Receiver</a:t>
+            </a:r>
+            <a:endParaRPr lang="en-US" dirty="0" smtClean="0"/>
+          </a:p>
+          <a:p>
+            <a:pPr lvl="1"/>
+            <a:r>
+              <a:rPr lang="en-US" dirty="0"/>
+              <a:t>Redirection </a:t>
+            </a:r>
+            <a:r>
+              <a:rPr lang="en-US" dirty="0" smtClean="0"/>
+              <a:t>on site creation page may </a:t>
+            </a:r>
+            <a:r>
+              <a:rPr lang="en-US" dirty="0"/>
+              <a:t>be implemented through a </a:t>
+            </a:r>
+            <a:r>
+              <a:rPr lang="en-US" b="1" dirty="0"/>
+              <a:t>Custom Action</a:t>
+            </a:r>
+            <a:endParaRPr lang="en-US" dirty="0"/>
+          </a:p>
+          <a:p>
+            <a:pPr lvl="1"/>
+            <a:endParaRPr lang="en-US" dirty="0" smtClean="0"/>
+          </a:p>
+          <a:p>
+            <a:pPr lvl="1"/>
+            <a:endParaRPr lang="en-US" dirty="0" smtClean="0"/>
+          </a:p>
+          <a:p>
+            <a:pPr lvl="1"/>
+            <a:endParaRPr lang="en-US" dirty="0" smtClean="0"/>
+          </a:p>
+          <a:p>
+            <a:pPr lvl="1"/>
+            <a:endParaRPr lang="en-US" dirty="0"/>
+          </a:p>
+        </p:txBody>
+      </p:sp>
+      <p:sp>
+        <p:nvSpPr>
+          <p:cNvPr id="4" name="Text Placeholder 6"/>
           <p:cNvSpPr txBox="1">
             <a:spLocks/>
           </p:cNvSpPr>
@@ -26737,19 +27165,17 @@
         </p:nvSpPr>
         <p:spPr>
           <a:xfrm>
-            <a:off x="3173505" y="3004507"/>
-            <a:ext cx="8494619" cy="1098879"/>
+            <a:off x="3173505" y="1243404"/>
+            <a:ext cx="8494619" cy="2043636"/>
           </a:xfrm>
           <a:prstGeom prst="rect">
             <a:avLst/>
           </a:prstGeom>
         </p:spPr>
         <p:txBody>
-          <a:bodyPr vert="horz" lIns="0" tIns="0" rIns="0" bIns="0" rtlCol="0">
-            <a:noAutofit/>
-          </a:bodyPr>
+          <a:bodyPr/>
           <a:lstStyle>
-            <a:lvl1pPr marL="284163" marR="0" indent="-284163" algn="l" defTabSz="914363" rtl="0" eaLnBrk="1" fontAlgn="auto" latinLnBrk="0" hangingPunct="1">
+            <a:lvl1pPr marL="339725" marR="0" indent="-339725" algn="l" defTabSz="914363" rtl="0" eaLnBrk="1" fontAlgn="auto" latinLnBrk="0" hangingPunct="1">
               <a:lnSpc>
                 <a:spcPct val="90000"/>
               </a:lnSpc>
@@ -26761,19 +27187,27 @@
               </a:spcAft>
               <a:buClrTx/>
               <a:buSzPct val="80000"/>
-              <a:buFont typeface="Wingdings" pitchFamily="2" charset="2"/>
-              <a:buChar char=""/>
+              <a:buFont typeface="Arial" pitchFamily="34" charset="0"/>
+              <a:buChar char="•"/>
               <a:tabLst/>
               <a:defRPr sz="3600" kern="1200" spc="-70" baseline="0">
-                <a:solidFill>
-                  <a:schemeClr val="tx2"/>
-                </a:solidFill>
+                <a:gradFill>
+                  <a:gsLst>
+                    <a:gs pos="1250">
+                      <a:schemeClr val="bg2"/>
+                    </a:gs>
+                    <a:gs pos="100000">
+                      <a:schemeClr val="bg2"/>
+                    </a:gs>
+                  </a:gsLst>
+                  <a:lin ang="5400000" scaled="0"/>
+                </a:gradFill>
                 <a:latin typeface="+mj-lt"/>
                 <a:ea typeface="+mn-ea"/>
                 <a:cs typeface="+mn-cs"/>
               </a:defRPr>
             </a:lvl1pPr>
-            <a:lvl2pPr marL="517525" marR="0" indent="-233363" algn="l" defTabSz="914363" rtl="0" eaLnBrk="1" fontAlgn="auto" latinLnBrk="0" hangingPunct="1">
+            <a:lvl2pPr marL="573088" marR="0" indent="-233363" algn="l" defTabSz="914363" rtl="0" eaLnBrk="1" fontAlgn="auto" latinLnBrk="0" hangingPunct="1">
               <a:lnSpc>
                 <a:spcPct val="90000"/>
               </a:lnSpc>
@@ -26786,9 +27220,9 @@
               <a:buClrTx/>
               <a:buSzPct val="90000"/>
               <a:buFont typeface="Wingdings" pitchFamily="2" charset="2"/>
-              <a:buChar char=""/>
+              <a:buChar char=""/>
               <a:tabLst/>
-              <a:defRPr sz="2000" kern="1200" spc="0" baseline="0">
+              <a:defRPr sz="2400" kern="1200" spc="0" baseline="0">
                 <a:gradFill>
                   <a:gsLst>
                     <a:gs pos="1250">
@@ -26805,7 +27239,7 @@
                 <a:cs typeface="+mn-cs"/>
               </a:defRPr>
             </a:lvl2pPr>
-            <a:lvl3pPr marL="741363" marR="0" indent="-223838" algn="l" defTabSz="914363" rtl="0" eaLnBrk="1" fontAlgn="auto" latinLnBrk="0" hangingPunct="1">
+            <a:lvl3pPr marL="798513" marR="0" indent="-225425" algn="l" defTabSz="914363" rtl="0" eaLnBrk="1" fontAlgn="auto" latinLnBrk="0" hangingPunct="1">
               <a:lnSpc>
                 <a:spcPct val="90000"/>
               </a:lnSpc>
@@ -26818,9 +27252,11 @@
               <a:buClrTx/>
               <a:buSzPct val="90000"/>
               <a:buFont typeface="Wingdings" pitchFamily="2" charset="2"/>
-              <a:buChar char=""/>
-              <a:tabLst/>
-              <a:defRPr sz="2000" kern="1200" spc="0" baseline="0">
+              <a:buChar char=""/>
+              <a:tabLst>
+                <a:tab pos="798513" algn="l"/>
+              </a:tabLst>
+              <a:defRPr sz="2400" kern="1200" spc="0" baseline="0">
                 <a:gradFill>
                   <a:gsLst>
                     <a:gs pos="1250">
@@ -26837,7 +27273,7 @@
                 <a:cs typeface="+mn-cs"/>
               </a:defRPr>
             </a:lvl3pPr>
-            <a:lvl4pPr marL="914400" marR="0" indent="-173038" algn="l" defTabSz="914363" rtl="0" eaLnBrk="1" fontAlgn="auto" latinLnBrk="0" hangingPunct="1">
+            <a:lvl4pPr marL="1030288" marR="0" indent="-231775" algn="l" defTabSz="914363" rtl="0" eaLnBrk="1" fontAlgn="auto" latinLnBrk="0" hangingPunct="1">
               <a:lnSpc>
                 <a:spcPct val="90000"/>
               </a:lnSpc>
@@ -26850,9 +27286,9 @@
               <a:buClrTx/>
               <a:buSzPct val="90000"/>
               <a:buFont typeface="Wingdings" pitchFamily="2" charset="2"/>
-              <a:buChar char=""/>
+              <a:buChar char=""/>
               <a:tabLst/>
-              <a:defRPr sz="1800" kern="1200" spc="0" baseline="0">
+              <a:defRPr sz="2000" kern="1200" spc="0" baseline="0">
                 <a:gradFill>
                   <a:gsLst>
                     <a:gs pos="1250">
@@ -26869,7 +27305,7 @@
                 <a:cs typeface="+mn-cs"/>
               </a:defRPr>
             </a:lvl4pPr>
-            <a:lvl5pPr marL="1087438" marR="0" indent="-173038" algn="l" defTabSz="914363" rtl="0" eaLnBrk="1" fontAlgn="auto" latinLnBrk="0" hangingPunct="1">
+            <a:lvl5pPr marL="1255713" marR="0" indent="-225425" algn="l" defTabSz="914363" rtl="0" eaLnBrk="1" fontAlgn="auto" latinLnBrk="0" hangingPunct="1">
               <a:lnSpc>
                 <a:spcPct val="90000"/>
               </a:lnSpc>
@@ -26882,9 +27318,11 @@
               <a:buClrTx/>
               <a:buSzPct val="90000"/>
               <a:buFont typeface="Wingdings" pitchFamily="2" charset="2"/>
-              <a:buChar char=""/>
-              <a:tabLst/>
-              <a:defRPr sz="1800" kern="1200" spc="0" baseline="0">
+              <a:buChar char=""/>
+              <a:tabLst>
+                <a:tab pos="1255713" algn="l"/>
+              </a:tabLst>
+              <a:defRPr sz="2000" kern="1200" spc="0" baseline="0">
                 <a:gradFill>
                   <a:gsLst>
                     <a:gs pos="1250">
@@ -26963,480 +27401,6 @@
             </a:lvl9pPr>
           </a:lstStyle>
           <a:p>
-            <a:r>
-              <a:rPr lang="en-US" smtClean="0"/>
-              <a:t>Challenges:</a:t>
-            </a:r>
-          </a:p>
-          <a:p>
-            <a:r>
-              <a:rPr lang="en-US" sz="2000" spc="0" smtClean="0">
-                <a:gradFill>
-                  <a:gsLst>
-                    <a:gs pos="1250">
-                      <a:schemeClr val="bg2"/>
-                    </a:gs>
-                    <a:gs pos="100000">
-                      <a:schemeClr val="bg2"/>
-                    </a:gs>
-                  </a:gsLst>
-                  <a:lin ang="5400000" scaled="0"/>
-                </a:gradFill>
-                <a:latin typeface="+mn-lt"/>
-              </a:rPr>
-              <a:t>None</a:t>
-            </a:r>
-            <a:endParaRPr lang="en-US" sz="2000" spc="0" dirty="0">
-              <a:gradFill>
-                <a:gsLst>
-                  <a:gs pos="1250">
-                    <a:schemeClr val="bg2"/>
-                  </a:gs>
-                  <a:gs pos="100000">
-                    <a:schemeClr val="bg2"/>
-                  </a:gs>
-                </a:gsLst>
-                <a:lin ang="5400000" scaled="0"/>
-              </a:gradFill>
-              <a:latin typeface="+mn-lt"/>
-            </a:endParaRPr>
-          </a:p>
-        </p:txBody>
-      </p:sp>
-    </p:spTree>
-    <p:extLst>
-      <p:ext uri="{BB962C8B-B14F-4D97-AF65-F5344CB8AC3E}">
-        <p14:creationId xmlns:p14="http://schemas.microsoft.com/office/powerpoint/2010/main" val="2389646485"/>
-      </p:ext>
-    </p:extLst>
-  </p:cSld>
-  <p:clrMapOvr>
-    <a:masterClrMapping/>
-  </p:clrMapOvr>
-  <p:transition>
-    <p:fade/>
-  </p:transition>
-  <p:timing>
-    <p:tnLst>
-      <p:par>
-        <p:cTn id="1" dur="indefinite" restart="never" nodeType="tmRoot"/>
-      </p:par>
-    </p:tnLst>
-  </p:timing>
-</p:sld>
-</file>
-
-<file path=ppt/slides/slide24.xml><?xml version="1.0" encoding="utf-8"?>
-<p:sld xmlns:a="http://schemas.openxmlformats.org/drawingml/2006/main" xmlns:r="http://schemas.openxmlformats.org/officeDocument/2006/relationships" xmlns:p="http://schemas.openxmlformats.org/presentationml/2006/main">
-  <p:cSld>
-    <p:spTree>
-      <p:nvGrpSpPr>
-        <p:cNvPr id="1" name=""/>
-        <p:cNvGrpSpPr/>
-        <p:nvPr/>
-      </p:nvGrpSpPr>
-      <p:grpSpPr>
-        <a:xfrm>
-          <a:off x="0" y="0"/>
-          <a:ext cx="0" cy="0"/>
-          <a:chOff x="0" y="0"/>
-          <a:chExt cx="0" cy="0"/>
-        </a:xfrm>
-      </p:grpSpPr>
-      <p:sp>
-        <p:nvSpPr>
-          <p:cNvPr id="2" name="Title 1"/>
-          <p:cNvSpPr>
-            <a:spLocks noGrp="1"/>
-          </p:cNvSpPr>
-          <p:nvPr>
-            <p:ph type="title"/>
-          </p:nvPr>
-        </p:nvSpPr>
-        <p:spPr/>
-        <p:txBody>
-          <a:bodyPr/>
-          <a:lstStyle/>
-          <a:p>
-            <a:pPr lvl="0" fontAlgn="b">
-              <a:lnSpc>
-                <a:spcPct val="100000"/>
-              </a:lnSpc>
-              <a:spcBef>
-                <a:spcPts val="0"/>
-              </a:spcBef>
-            </a:pPr>
-            <a:r>
-              <a:rPr lang="nl-BE" dirty="0" smtClean="0"/>
-              <a:t>Records Management</a:t>
-            </a:r>
-            <a:br>
-              <a:rPr lang="nl-BE" dirty="0" smtClean="0"/>
-            </a:br>
-            <a:r>
-              <a:rPr lang="en-US" sz="3600" dirty="0" err="1">
-                <a:solidFill>
-                  <a:schemeClr val="accent1"/>
-                </a:solidFill>
-              </a:rPr>
-              <a:t>contoso.sharepoint.docretention.wsp</a:t>
-            </a:r>
-            <a:r>
-              <a:rPr lang="en-US" sz="2000" spc="0" dirty="0" smtClean="0">
-                <a:ln>
-                  <a:noFill/>
-                </a:ln>
-                <a:solidFill>
-                  <a:srgbClr val="000000"/>
-                </a:solidFill>
-                <a:latin typeface="Segoe UI"/>
-                <a:cs typeface="+mn-cs"/>
-              </a:rPr>
-              <a:t/>
-            </a:r>
-            <a:br>
-              <a:rPr lang="en-US" sz="2000" spc="0" dirty="0" smtClean="0">
-                <a:ln>
-                  <a:noFill/>
-                </a:ln>
-                <a:solidFill>
-                  <a:srgbClr val="000000"/>
-                </a:solidFill>
-                <a:latin typeface="Segoe UI"/>
-                <a:cs typeface="+mn-cs"/>
-              </a:rPr>
-            </a:br>
-            <a:r>
-              <a:rPr lang="en-US" sz="2400" spc="0" dirty="0">
-                <a:ln>
-                  <a:noFill/>
-                </a:ln>
-                <a:solidFill>
-                  <a:srgbClr val="000000"/>
-                </a:solidFill>
-                <a:latin typeface="Calibri" panose="020F0502020204030204" pitchFamily="34" charset="0"/>
-                <a:cs typeface="+mn-cs"/>
-              </a:rPr>
-              <a:t/>
-            </a:r>
-            <a:br>
-              <a:rPr lang="en-US" sz="2400" spc="0" dirty="0">
-                <a:ln>
-                  <a:noFill/>
-                </a:ln>
-                <a:solidFill>
-                  <a:srgbClr val="000000"/>
-                </a:solidFill>
-                <a:latin typeface="Calibri" panose="020F0502020204030204" pitchFamily="34" charset="0"/>
-                <a:cs typeface="+mn-cs"/>
-              </a:rPr>
-            </a:br>
-            <a:endParaRPr lang="nl-BE" dirty="0"/>
-          </a:p>
-        </p:txBody>
-      </p:sp>
-      <p:sp>
-        <p:nvSpPr>
-          <p:cNvPr id="11" name="Text Placeholder 10"/>
-          <p:cNvSpPr>
-            <a:spLocks noGrp="1"/>
-          </p:cNvSpPr>
-          <p:nvPr>
-            <p:ph type="body" sz="quarter" idx="10"/>
-          </p:nvPr>
-        </p:nvSpPr>
-        <p:spPr>
-          <a:xfrm>
-            <a:off x="3228369" y="1701900"/>
-            <a:ext cx="8494619" cy="1585140"/>
-          </a:xfrm>
-        </p:spPr>
-        <p:txBody>
-          <a:bodyPr/>
-          <a:lstStyle/>
-          <a:p>
-            <a:r>
-              <a:rPr lang="en-US" dirty="0"/>
-              <a:t>High level requirements:</a:t>
-            </a:r>
-          </a:p>
-          <a:p>
-            <a:pPr lvl="1"/>
-            <a:r>
-              <a:rPr lang="en-US" sz="1800" dirty="0" smtClean="0"/>
-              <a:t>Typical </a:t>
-            </a:r>
-            <a:r>
-              <a:rPr lang="en-US" sz="1800" dirty="0"/>
-              <a:t>Intranet features:</a:t>
-            </a:r>
-          </a:p>
-          <a:p>
-            <a:pPr lvl="2"/>
-            <a:r>
-              <a:rPr lang="en-US" sz="1800" dirty="0" smtClean="0"/>
-              <a:t>Send notification emails when policies are due for revision.</a:t>
-            </a:r>
-          </a:p>
-          <a:p>
-            <a:pPr lvl="2"/>
-            <a:r>
-              <a:rPr lang="en-US" sz="1800" dirty="0" smtClean="0"/>
-              <a:t>Delete records that are more than 5 years old.</a:t>
-            </a:r>
-          </a:p>
-          <a:p>
-            <a:pPr lvl="2"/>
-            <a:endParaRPr lang="en-US" sz="1800" dirty="0"/>
-          </a:p>
-        </p:txBody>
-      </p:sp>
-      <p:sp>
-        <p:nvSpPr>
-          <p:cNvPr id="4" name="Text Placeholder 6"/>
-          <p:cNvSpPr txBox="1">
-            <a:spLocks/>
-          </p:cNvSpPr>
-          <p:nvPr/>
-        </p:nvSpPr>
-        <p:spPr>
-          <a:xfrm>
-            <a:off x="3173505" y="1243404"/>
-            <a:ext cx="8494619" cy="2043636"/>
-          </a:xfrm>
-          <a:prstGeom prst="rect">
-            <a:avLst/>
-          </a:prstGeom>
-        </p:spPr>
-        <p:txBody>
-          <a:bodyPr/>
-          <a:lstStyle>
-            <a:lvl1pPr marL="339725" marR="0" indent="-339725" algn="l" defTabSz="914363" rtl="0" eaLnBrk="1" fontAlgn="auto" latinLnBrk="0" hangingPunct="1">
-              <a:lnSpc>
-                <a:spcPct val="90000"/>
-              </a:lnSpc>
-              <a:spcBef>
-                <a:spcPct val="20000"/>
-              </a:spcBef>
-              <a:spcAft>
-                <a:spcPts val="0"/>
-              </a:spcAft>
-              <a:buClrTx/>
-              <a:buSzPct val="80000"/>
-              <a:buFont typeface="Arial" pitchFamily="34" charset="0"/>
-              <a:buChar char="•"/>
-              <a:tabLst/>
-              <a:defRPr sz="3600" kern="1200" spc="-70" baseline="0">
-                <a:gradFill>
-                  <a:gsLst>
-                    <a:gs pos="1250">
-                      <a:schemeClr val="bg2"/>
-                    </a:gs>
-                    <a:gs pos="100000">
-                      <a:schemeClr val="bg2"/>
-                    </a:gs>
-                  </a:gsLst>
-                  <a:lin ang="5400000" scaled="0"/>
-                </a:gradFill>
-                <a:latin typeface="+mj-lt"/>
-                <a:ea typeface="+mn-ea"/>
-                <a:cs typeface="+mn-cs"/>
-              </a:defRPr>
-            </a:lvl1pPr>
-            <a:lvl2pPr marL="573088" marR="0" indent="-233363" algn="l" defTabSz="914363" rtl="0" eaLnBrk="1" fontAlgn="auto" latinLnBrk="0" hangingPunct="1">
-              <a:lnSpc>
-                <a:spcPct val="90000"/>
-              </a:lnSpc>
-              <a:spcBef>
-                <a:spcPct val="20000"/>
-              </a:spcBef>
-              <a:spcAft>
-                <a:spcPts val="0"/>
-              </a:spcAft>
-              <a:buClrTx/>
-              <a:buSzPct val="90000"/>
-              <a:buFont typeface="Wingdings" pitchFamily="2" charset="2"/>
-              <a:buChar char=""/>
-              <a:tabLst/>
-              <a:defRPr sz="2400" kern="1200" spc="0" baseline="0">
-                <a:gradFill>
-                  <a:gsLst>
-                    <a:gs pos="1250">
-                      <a:schemeClr val="bg2"/>
-                    </a:gs>
-                    <a:gs pos="100000">
-                      <a:schemeClr val="bg2"/>
-                    </a:gs>
-                  </a:gsLst>
-                  <a:lin ang="5400000" scaled="0"/>
-                </a:gradFill>
-                <a:latin typeface="+mn-lt"/>
-                <a:ea typeface="+mn-ea"/>
-                <a:cs typeface="+mn-cs"/>
-              </a:defRPr>
-            </a:lvl2pPr>
-            <a:lvl3pPr marL="798513" marR="0" indent="-225425" algn="l" defTabSz="914363" rtl="0" eaLnBrk="1" fontAlgn="auto" latinLnBrk="0" hangingPunct="1">
-              <a:lnSpc>
-                <a:spcPct val="90000"/>
-              </a:lnSpc>
-              <a:spcBef>
-                <a:spcPct val="20000"/>
-              </a:spcBef>
-              <a:spcAft>
-                <a:spcPts val="0"/>
-              </a:spcAft>
-              <a:buClrTx/>
-              <a:buSzPct val="90000"/>
-              <a:buFont typeface="Wingdings" pitchFamily="2" charset="2"/>
-              <a:buChar char=""/>
-              <a:tabLst>
-                <a:tab pos="798513" algn="l"/>
-              </a:tabLst>
-              <a:defRPr sz="2400" kern="1200" spc="0" baseline="0">
-                <a:gradFill>
-                  <a:gsLst>
-                    <a:gs pos="1250">
-                      <a:schemeClr val="bg2"/>
-                    </a:gs>
-                    <a:gs pos="100000">
-                      <a:schemeClr val="bg2"/>
-                    </a:gs>
-                  </a:gsLst>
-                  <a:lin ang="5400000" scaled="0"/>
-                </a:gradFill>
-                <a:latin typeface="+mn-lt"/>
-                <a:ea typeface="+mn-ea"/>
-                <a:cs typeface="+mn-cs"/>
-              </a:defRPr>
-            </a:lvl3pPr>
-            <a:lvl4pPr marL="1030288" marR="0" indent="-231775" algn="l" defTabSz="914363" rtl="0" eaLnBrk="1" fontAlgn="auto" latinLnBrk="0" hangingPunct="1">
-              <a:lnSpc>
-                <a:spcPct val="90000"/>
-              </a:lnSpc>
-              <a:spcBef>
-                <a:spcPct val="20000"/>
-              </a:spcBef>
-              <a:spcAft>
-                <a:spcPts val="0"/>
-              </a:spcAft>
-              <a:buClrTx/>
-              <a:buSzPct val="90000"/>
-              <a:buFont typeface="Wingdings" pitchFamily="2" charset="2"/>
-              <a:buChar char=""/>
-              <a:tabLst/>
-              <a:defRPr sz="2000" kern="1200" spc="0" baseline="0">
-                <a:gradFill>
-                  <a:gsLst>
-                    <a:gs pos="1250">
-                      <a:schemeClr val="bg2"/>
-                    </a:gs>
-                    <a:gs pos="100000">
-                      <a:schemeClr val="bg2"/>
-                    </a:gs>
-                  </a:gsLst>
-                  <a:lin ang="5400000" scaled="0"/>
-                </a:gradFill>
-                <a:latin typeface="+mn-lt"/>
-                <a:ea typeface="+mn-ea"/>
-                <a:cs typeface="+mn-cs"/>
-              </a:defRPr>
-            </a:lvl4pPr>
-            <a:lvl5pPr marL="1255713" marR="0" indent="-225425" algn="l" defTabSz="914363" rtl="0" eaLnBrk="1" fontAlgn="auto" latinLnBrk="0" hangingPunct="1">
-              <a:lnSpc>
-                <a:spcPct val="90000"/>
-              </a:lnSpc>
-              <a:spcBef>
-                <a:spcPct val="20000"/>
-              </a:spcBef>
-              <a:spcAft>
-                <a:spcPts val="0"/>
-              </a:spcAft>
-              <a:buClrTx/>
-              <a:buSzPct val="90000"/>
-              <a:buFont typeface="Wingdings" pitchFamily="2" charset="2"/>
-              <a:buChar char=""/>
-              <a:tabLst>
-                <a:tab pos="1255713" algn="l"/>
-              </a:tabLst>
-              <a:defRPr sz="2000" kern="1200" spc="0" baseline="0">
-                <a:gradFill>
-                  <a:gsLst>
-                    <a:gs pos="1250">
-                      <a:schemeClr val="bg2"/>
-                    </a:gs>
-                    <a:gs pos="100000">
-                      <a:schemeClr val="bg2"/>
-                    </a:gs>
-                  </a:gsLst>
-                  <a:lin ang="5400000" scaled="0"/>
-                </a:gradFill>
-                <a:latin typeface="+mn-lt"/>
-                <a:ea typeface="+mn-ea"/>
-                <a:cs typeface="+mn-cs"/>
-              </a:defRPr>
-            </a:lvl5pPr>
-            <a:lvl6pPr marL="2514499" indent="-228591" algn="l" defTabSz="914363" rtl="0" eaLnBrk="1" latinLnBrk="0" hangingPunct="1">
-              <a:spcBef>
-                <a:spcPct val="20000"/>
-              </a:spcBef>
-              <a:buFont typeface="Arial" pitchFamily="34" charset="0"/>
-              <a:buChar char="•"/>
-              <a:defRPr sz="2000" kern="1200">
-                <a:solidFill>
-                  <a:schemeClr val="tx1"/>
-                </a:solidFill>
-                <a:latin typeface="+mn-lt"/>
-                <a:ea typeface="+mn-ea"/>
-                <a:cs typeface="+mn-cs"/>
-              </a:defRPr>
-            </a:lvl6pPr>
-            <a:lvl7pPr marL="2971681" indent="-228591" algn="l" defTabSz="914363" rtl="0" eaLnBrk="1" latinLnBrk="0" hangingPunct="1">
-              <a:spcBef>
-                <a:spcPct val="20000"/>
-              </a:spcBef>
-              <a:buFont typeface="Arial" pitchFamily="34" charset="0"/>
-              <a:buChar char="•"/>
-              <a:defRPr sz="2000" kern="1200">
-                <a:solidFill>
-                  <a:schemeClr val="tx1"/>
-                </a:solidFill>
-                <a:latin typeface="+mn-lt"/>
-                <a:ea typeface="+mn-ea"/>
-                <a:cs typeface="+mn-cs"/>
-              </a:defRPr>
-            </a:lvl7pPr>
-            <a:lvl8pPr marL="3428863" indent="-228591" algn="l" defTabSz="914363" rtl="0" eaLnBrk="1" latinLnBrk="0" hangingPunct="1">
-              <a:spcBef>
-                <a:spcPct val="20000"/>
-              </a:spcBef>
-              <a:buFont typeface="Arial" pitchFamily="34" charset="0"/>
-              <a:buChar char="•"/>
-              <a:defRPr sz="2000" kern="1200">
-                <a:solidFill>
-                  <a:schemeClr val="tx1"/>
-                </a:solidFill>
-                <a:latin typeface="+mn-lt"/>
-                <a:ea typeface="+mn-ea"/>
-                <a:cs typeface="+mn-cs"/>
-              </a:defRPr>
-            </a:lvl8pPr>
-            <a:lvl9pPr marL="3886045" indent="-228591" algn="l" defTabSz="914363" rtl="0" eaLnBrk="1" latinLnBrk="0" hangingPunct="1">
-              <a:spcBef>
-                <a:spcPct val="20000"/>
-              </a:spcBef>
-              <a:buFont typeface="Arial" pitchFamily="34" charset="0"/>
-              <a:buChar char="•"/>
-              <a:defRPr sz="2000" kern="1200">
-                <a:solidFill>
-                  <a:schemeClr val="tx1"/>
-                </a:solidFill>
-                <a:latin typeface="+mn-lt"/>
-                <a:ea typeface="+mn-ea"/>
-                <a:cs typeface="+mn-cs"/>
-              </a:defRPr>
-            </a:lvl9pPr>
-          </a:lstStyle>
-          <a:p>
             <a:endParaRPr lang="en-US" dirty="0" smtClean="0"/>
           </a:p>
         </p:txBody>
@@ -27450,7 +27414,7 @@
           <p:nvPr>
             <p:extLst>
               <p:ext uri="{D42A27DB-BD31-4B8C-83A1-F6EECF244321}">
-                <p14:modId xmlns:p14="http://schemas.microsoft.com/office/powerpoint/2010/main" val="1652844271"/>
+                <p14:modId xmlns:p14="http://schemas.microsoft.com/office/powerpoint/2010/main" val="3045352822"/>
               </p:ext>
             </p:extLst>
           </p:nvPr>
@@ -27469,7 +27433,7 @@
                 <a:gridCol w="2373524">
                   <a:extLst>
                     <a:ext uri="{9D8B030D-6E8A-4147-A177-3AD203B41FA5}">
-                      <a16:colId xmlns:a16="http://schemas.microsoft.com/office/drawing/2014/main" xmlns="" val="20000"/>
+                      <a16:colId xmlns="" xmlns:a16="http://schemas.microsoft.com/office/drawing/2014/main" val="20000"/>
                     </a:ext>
                   </a:extLst>
                 </a:gridCol>
@@ -27483,7 +27447,7 @@
                       <a:pPr algn="ctr"/>
                       <a:r>
                         <a:rPr lang="en-US" b="1" i="0" dirty="0" smtClean="0"/>
-                        <a:t>Branding</a:t>
+                        <a:t>Provisioning</a:t>
                       </a:r>
                       <a:endParaRPr lang="nl-BE" b="1" i="0" dirty="0"/>
                     </a:p>
@@ -27532,7 +27496,7 @@
                 </a:tc>
                 <a:extLst>
                   <a:ext uri="{0D108BD9-81ED-4DB2-BD59-A6C34878D82A}">
-                    <a16:rowId xmlns:a16="http://schemas.microsoft.com/office/drawing/2014/main" xmlns="" val="10000"/>
+                    <a16:rowId xmlns="" xmlns:a16="http://schemas.microsoft.com/office/drawing/2014/main" val="10000"/>
                   </a:ext>
                 </a:extLst>
               </a:tr>
@@ -27593,7 +27557,7 @@
                 </a:tc>
                 <a:extLst>
                   <a:ext uri="{0D108BD9-81ED-4DB2-BD59-A6C34878D82A}">
-                    <a16:rowId xmlns:a16="http://schemas.microsoft.com/office/drawing/2014/main" xmlns="" val="10001"/>
+                    <a16:rowId xmlns="" xmlns:a16="http://schemas.microsoft.com/office/drawing/2014/main" val="10001"/>
                   </a:ext>
                 </a:extLst>
               </a:tr>
@@ -27663,7 +27627,7 @@
                 </a:tc>
                 <a:extLst>
                   <a:ext uri="{0D108BD9-81ED-4DB2-BD59-A6C34878D82A}">
-                    <a16:rowId xmlns:a16="http://schemas.microsoft.com/office/drawing/2014/main" xmlns="" val="10002"/>
+                    <a16:rowId xmlns="" xmlns:a16="http://schemas.microsoft.com/office/drawing/2014/main" val="10002"/>
                   </a:ext>
                 </a:extLst>
               </a:tr>
@@ -27741,7 +27705,7 @@
                 </a:tc>
                 <a:extLst>
                   <a:ext uri="{0D108BD9-81ED-4DB2-BD59-A6C34878D82A}">
-                    <a16:rowId xmlns:a16="http://schemas.microsoft.com/office/drawing/2014/main" xmlns="" val="10007"/>
+                    <a16:rowId xmlns="" xmlns:a16="http://schemas.microsoft.com/office/drawing/2014/main" val="10007"/>
                   </a:ext>
                 </a:extLst>
               </a:tr>
@@ -27758,7 +27722,7 @@
           <p:nvPr/>
         </p:nvPicPr>
         <p:blipFill>
-          <a:blip r:embed="rId2">
+          <a:blip r:embed="rId3">
             <a:extLst>
               <a:ext uri="{28A0092B-C50C-407E-A947-70E740481C1C}">
                 <a14:useLocalDpi xmlns:a14="http://schemas.microsoft.com/office/drawing/2010/main" val="0"/>
@@ -27800,8 +27764,8 @@
         </p:nvSpPr>
         <p:spPr>
           <a:xfrm>
-            <a:off x="3283233" y="3287040"/>
-            <a:ext cx="8494619" cy="3341925"/>
+            <a:off x="3173505" y="4049270"/>
+            <a:ext cx="8494619" cy="1098879"/>
           </a:xfrm>
           <a:prstGeom prst="rect">
             <a:avLst/>
@@ -28028,108 +27992,48 @@
           <a:p>
             <a:r>
               <a:rPr lang="en-US" dirty="0" smtClean="0"/>
-              <a:t>Migration</a:t>
-            </a:r>
-          </a:p>
-          <a:p>
-            <a:pPr lvl="1"/>
-            <a:r>
-              <a:rPr lang="en-US" dirty="0" smtClean="0"/>
-              <a:t>Business </a:t>
-            </a:r>
-            <a:r>
-              <a:rPr lang="en-US" dirty="0"/>
-              <a:t>logic could be factored to one or more </a:t>
-            </a:r>
-            <a:r>
-              <a:rPr lang="en-US" b="1" dirty="0" err="1"/>
-              <a:t>oData</a:t>
-            </a:r>
-            <a:r>
-              <a:rPr lang="en-US" b="1" dirty="0"/>
-              <a:t> Web </a:t>
-            </a:r>
-            <a:r>
-              <a:rPr lang="en-US" b="1" dirty="0" smtClean="0"/>
-              <a:t>Services</a:t>
-            </a:r>
-          </a:p>
-          <a:p>
-            <a:pPr lvl="1"/>
-            <a:r>
-              <a:rPr lang="en-US" dirty="0" smtClean="0"/>
-              <a:t>Use SharePoint’s record center functionality.</a:t>
-            </a:r>
-          </a:p>
-          <a:p>
-            <a:pPr lvl="1"/>
-            <a:endParaRPr lang="en-US" dirty="0" smtClean="0"/>
-          </a:p>
-          <a:p>
-            <a:r>
-              <a:rPr lang="en-US" dirty="0" smtClean="0"/>
-              <a:t>Challenges</a:t>
-            </a:r>
-            <a:endParaRPr lang="en-US" dirty="0"/>
-          </a:p>
-          <a:p>
-            <a:pPr lvl="1"/>
-            <a:r>
-              <a:rPr lang="en-US" dirty="0"/>
-              <a:t>Although SharePoint 2013 </a:t>
-            </a:r>
-            <a:r>
-              <a:rPr lang="en-US" dirty="0" smtClean="0"/>
-              <a:t>is backwards </a:t>
-            </a:r>
-            <a:r>
-              <a:rPr lang="en-US" dirty="0"/>
-              <a:t>compatible with 2010 workflows, the </a:t>
-            </a:r>
-            <a:r>
-              <a:rPr lang="en-US" dirty="0" smtClean="0"/>
-              <a:t>call to </a:t>
-            </a:r>
-            <a:r>
-              <a:rPr lang="en-US" dirty="0"/>
-              <a:t>HTTP Web Service action is only available </a:t>
-            </a:r>
-            <a:r>
-              <a:rPr lang="en-US" dirty="0" smtClean="0"/>
-              <a:t>for workflows </a:t>
-            </a:r>
-            <a:r>
-              <a:rPr lang="en-US" dirty="0"/>
-              <a:t>built </a:t>
-            </a:r>
-            <a:r>
-              <a:rPr lang="en-US" dirty="0" smtClean="0"/>
-              <a:t>using SharePoint </a:t>
-            </a:r>
-            <a:r>
-              <a:rPr lang="en-US" dirty="0"/>
-              <a:t>2013 declarative workflows</a:t>
-            </a:r>
-            <a:r>
-              <a:rPr lang="en-US" dirty="0" smtClean="0"/>
-              <a:t> </a:t>
-            </a:r>
-            <a:endParaRPr lang="en-US" dirty="0"/>
-          </a:p>
-          <a:p>
-            <a:pPr lvl="1"/>
-            <a:endParaRPr lang="en-US" dirty="0" smtClean="0"/>
-          </a:p>
-          <a:p>
-            <a:pPr lvl="1"/>
-            <a:endParaRPr lang="en-US" dirty="0"/>
+              <a:t>Challenges:</a:t>
+            </a:r>
+          </a:p>
+          <a:p>
+            <a:r>
+              <a:rPr lang="en-US" sz="2000" spc="0" dirty="0" smtClean="0">
+                <a:gradFill>
+                  <a:gsLst>
+                    <a:gs pos="1250">
+                      <a:schemeClr val="bg2"/>
+                    </a:gs>
+                    <a:gs pos="100000">
+                      <a:schemeClr val="bg2"/>
+                    </a:gs>
+                  </a:gsLst>
+                  <a:lin ang="5400000" scaled="0"/>
+                </a:gradFill>
+                <a:latin typeface="+mn-lt"/>
+              </a:rPr>
+              <a:t>Some site provisioning requirements might require an externally hosted web job on azure leveraging CSOM.</a:t>
+            </a:r>
+            <a:endParaRPr lang="en-US" sz="2000" spc="0" dirty="0">
+              <a:gradFill>
+                <a:gsLst>
+                  <a:gs pos="1250">
+                    <a:schemeClr val="bg2"/>
+                  </a:gs>
+                  <a:gs pos="100000">
+                    <a:schemeClr val="bg2"/>
+                  </a:gs>
+                </a:gsLst>
+                <a:lin ang="5400000" scaled="0"/>
+              </a:gradFill>
+              <a:latin typeface="+mn-lt"/>
+            </a:endParaRPr>
           </a:p>
         </p:txBody>
       </p:sp>
     </p:spTree>
     <p:extLst>
       <p:ext uri="{BB962C8B-B14F-4D97-AF65-F5344CB8AC3E}">
-        <p14:creationId xmlns:p14="http://schemas.microsoft.com/office/powerpoint/2010/main" val="1840351170"/>
+        <p14:creationId xmlns:p14="http://schemas.microsoft.com/office/powerpoint/2010/main" val="2389646485"/>
       </p:ext>
     </p:extLst>
   </p:cSld>
@@ -28176,66 +28080,85 @@
             <p:ph type="title"/>
           </p:nvPr>
         </p:nvSpPr>
-        <p:spPr>
-          <a:xfrm>
-            <a:off x="3173505" y="992992"/>
-            <a:ext cx="8494619" cy="747897"/>
-          </a:xfrm>
-        </p:spPr>
+        <p:spPr/>
         <p:txBody>
-          <a:bodyPr anchor="ctr"/>
+          <a:bodyPr/>
           <a:lstStyle/>
           <a:p>
+            <a:pPr lvl="0" fontAlgn="b">
+              <a:lnSpc>
+                <a:spcPct val="100000"/>
+              </a:lnSpc>
+              <a:spcBef>
+                <a:spcPts val="0"/>
+              </a:spcBef>
+            </a:pPr>
             <a:r>
               <a:rPr lang="nl-BE" dirty="0" smtClean="0"/>
-              <a:t>Safety News Rollups</a:t>
+              <a:t>Records Management</a:t>
             </a:r>
             <a:br>
               <a:rPr lang="nl-BE" dirty="0" smtClean="0"/>
             </a:br>
             <a:r>
-              <a:rPr lang="en-US" sz="3600" dirty="0" err="1" smtClean="0">
+              <a:rPr lang="en-US" sz="3600" dirty="0" err="1">
                 <a:solidFill>
                   <a:schemeClr val="accent1"/>
                 </a:solidFill>
               </a:rPr>
-              <a:t>contoso.sharepoint.safetynews.wsp</a:t>
-            </a:r>
-            <a:r>
-              <a:rPr lang="en-US" sz="3600" dirty="0">
+              <a:t>contoso.sharepoint.docretention.wsp</a:t>
+            </a:r>
+            <a:r>
+              <a:rPr lang="en-US" sz="2000" spc="0" dirty="0" smtClean="0">
+                <a:ln>
+                  <a:noFill/>
+                </a:ln>
                 <a:solidFill>
-                  <a:schemeClr val="accent1"/>
+                  <a:srgbClr val="000000"/>
                 </a:solidFill>
+                <a:latin typeface="Segoe UI"/>
+                <a:cs typeface="+mn-cs"/>
               </a:rPr>
               <a:t/>
             </a:r>
             <a:br>
-              <a:rPr lang="en-US" sz="3600" dirty="0">
+              <a:rPr lang="en-US" sz="2000" spc="0" dirty="0" smtClean="0">
+                <a:ln>
+                  <a:noFill/>
+                </a:ln>
                 <a:solidFill>
-                  <a:schemeClr val="accent1"/>
+                  <a:srgbClr val="000000"/>
                 </a:solidFill>
+                <a:latin typeface="Segoe UI"/>
+                <a:cs typeface="+mn-cs"/>
               </a:rPr>
             </a:br>
             <a:r>
-              <a:rPr lang="en-US" sz="3600" dirty="0">
+              <a:rPr lang="en-US" sz="2400" spc="0" dirty="0">
+                <a:ln>
+                  <a:noFill/>
+                </a:ln>
                 <a:solidFill>
-                  <a:schemeClr val="accent1"/>
+                  <a:srgbClr val="000000"/>
                 </a:solidFill>
+                <a:latin typeface="Calibri" panose="020F0502020204030204" pitchFamily="34" charset="0"/>
+                <a:cs typeface="+mn-cs"/>
               </a:rPr>
               <a:t/>
             </a:r>
             <a:br>
-              <a:rPr lang="en-US" sz="3600" dirty="0">
+              <a:rPr lang="en-US" sz="2400" spc="0" dirty="0">
+                <a:ln>
+                  <a:noFill/>
+                </a:ln>
                 <a:solidFill>
-                  <a:schemeClr val="accent1"/>
+                  <a:srgbClr val="000000"/>
                 </a:solidFill>
+                <a:latin typeface="Calibri" panose="020F0502020204030204" pitchFamily="34" charset="0"/>
+                <a:cs typeface="+mn-cs"/>
               </a:rPr>
             </a:br>
-            <a:endParaRPr lang="nl-BE" sz="3600" dirty="0">
-              <a:solidFill>
-                <a:schemeClr val="accent1"/>
-              </a:solidFill>
-            </a:endParaRPr>
+            <a:endParaRPr lang="nl-BE" dirty="0"/>
           </a:p>
         </p:txBody>
       </p:sp>
@@ -28251,8 +28174,8 @@
         </p:nvSpPr>
         <p:spPr>
           <a:xfrm>
-            <a:off x="3173505" y="2238374"/>
-            <a:ext cx="8494619" cy="4619626"/>
+            <a:off x="3173504" y="1701900"/>
+            <a:ext cx="8494619" cy="1585140"/>
           </a:xfrm>
         </p:spPr>
         <p:txBody>
@@ -28260,42 +28183,63 @@
           <a:lstStyle/>
           <a:p>
             <a:r>
-              <a:rPr lang="en-US" dirty="0"/>
-              <a:t>High level requirements:</a:t>
-            </a:r>
+              <a:rPr lang="en-US" dirty="0" smtClean="0"/>
+              <a:t>Current Implementation:</a:t>
+            </a:r>
+            <a:endParaRPr lang="en-US" dirty="0"/>
           </a:p>
           <a:p>
             <a:pPr lvl="1"/>
             <a:r>
               <a:rPr lang="en-US" sz="1800" dirty="0" smtClean="0"/>
-              <a:t>Typical </a:t>
-            </a:r>
-            <a:r>
-              <a:rPr lang="en-US" sz="1800" dirty="0"/>
-              <a:t>Intranet features:</a:t>
-            </a:r>
+              <a:t>The farm solution does the following:</a:t>
+            </a:r>
+            <a:endParaRPr lang="en-US" sz="1800" dirty="0"/>
           </a:p>
           <a:p>
             <a:pPr lvl="2"/>
             <a:r>
               <a:rPr lang="en-US" sz="1800" dirty="0" smtClean="0"/>
-              <a:t>Rolls up </a:t>
-            </a:r>
-            <a:r>
-              <a:rPr lang="en-US" sz="1800" dirty="0"/>
-              <a:t>s</a:t>
+              <a:t>Sends </a:t>
             </a:r>
             <a:r>
               <a:rPr lang="en-US" sz="1800" dirty="0" smtClean="0"/>
-              <a:t>afety news items from various sites and sub-sites</a:t>
+              <a:t>notification emails when policies are due for revision.</a:t>
             </a:r>
           </a:p>
           <a:p>
             <a:pPr lvl="2"/>
             <a:r>
               <a:rPr lang="en-US" sz="1800" dirty="0" smtClean="0"/>
-              <a:t>Providing a mobile friendly view of the news item when accessed from mobile devices.</a:t>
-            </a:r>
+              <a:t>Deletes </a:t>
+            </a:r>
+            <a:r>
+              <a:rPr lang="en-US" sz="1800" dirty="0" smtClean="0"/>
+              <a:t>records that are more than </a:t>
+            </a:r>
+            <a:r>
+              <a:rPr lang="en-US" sz="1800" dirty="0" smtClean="0"/>
+              <a:t>7 </a:t>
+            </a:r>
+            <a:r>
+              <a:rPr lang="en-US" sz="1800" dirty="0" smtClean="0"/>
+              <a:t>years old</a:t>
+            </a:r>
+            <a:r>
+              <a:rPr lang="en-US" sz="1800" dirty="0" smtClean="0"/>
+              <a:t>.</a:t>
+            </a:r>
+          </a:p>
+          <a:p>
+            <a:pPr lvl="2"/>
+            <a:r>
+              <a:rPr lang="en-US" sz="1800" dirty="0" smtClean="0"/>
+              <a:t>Action taken on expiring documents is logged for audit purposes.</a:t>
+            </a:r>
+            <a:endParaRPr lang="en-US" sz="1800" dirty="0" smtClean="0"/>
+          </a:p>
+          <a:p>
+            <a:pPr lvl="2"/>
             <a:endParaRPr lang="en-US" sz="1800" dirty="0"/>
           </a:p>
         </p:txBody>
@@ -28546,19 +28490,7 @@
             </a:lvl9pPr>
           </a:lstStyle>
           <a:p>
-            <a:endParaRPr lang="en-US" dirty="0" smtClean="0">
-              <a:gradFill>
-                <a:gsLst>
-                  <a:gs pos="1250">
-                    <a:srgbClr val="797A7D"/>
-                  </a:gs>
-                  <a:gs pos="100000">
-                    <a:srgbClr val="797A7D"/>
-                  </a:gs>
-                </a:gsLst>
-                <a:lin ang="5400000" scaled="0"/>
-              </a:gradFill>
-            </a:endParaRPr>
+            <a:endParaRPr lang="en-US" dirty="0" smtClean="0"/>
           </a:p>
         </p:txBody>
       </p:sp>
@@ -28571,7 +28503,7 @@
           <p:nvPr>
             <p:extLst>
               <p:ext uri="{D42A27DB-BD31-4B8C-83A1-F6EECF244321}">
-                <p14:modId xmlns:p14="http://schemas.microsoft.com/office/powerpoint/2010/main" val="2396600157"/>
+                <p14:modId xmlns:p14="http://schemas.microsoft.com/office/powerpoint/2010/main" val="2314770695"/>
               </p:ext>
             </p:extLst>
           </p:nvPr>
@@ -28590,7 +28522,7 @@
                 <a:gridCol w="2373524">
                   <a:extLst>
                     <a:ext uri="{9D8B030D-6E8A-4147-A177-3AD203B41FA5}">
-                      <a16:colId xmlns:a16="http://schemas.microsoft.com/office/drawing/2014/main" xmlns="" val="20000"/>
+                      <a16:colId xmlns="" xmlns:a16="http://schemas.microsoft.com/office/drawing/2014/main" val="20000"/>
                     </a:ext>
                   </a:extLst>
                 </a:gridCol>
@@ -28604,7 +28536,7 @@
                       <a:pPr algn="ctr"/>
                       <a:r>
                         <a:rPr lang="en-US" b="1" i="0" dirty="0" smtClean="0"/>
-                        <a:t>Branding</a:t>
+                        <a:t>Rec Management</a:t>
                       </a:r>
                       <a:endParaRPr lang="nl-BE" b="1" i="0" dirty="0"/>
                     </a:p>
@@ -28653,7 +28585,7 @@
                 </a:tc>
                 <a:extLst>
                   <a:ext uri="{0D108BD9-81ED-4DB2-BD59-A6C34878D82A}">
-                    <a16:rowId xmlns:a16="http://schemas.microsoft.com/office/drawing/2014/main" xmlns="" val="10000"/>
+                    <a16:rowId xmlns="" xmlns:a16="http://schemas.microsoft.com/office/drawing/2014/main" val="10000"/>
                   </a:ext>
                 </a:extLst>
               </a:tr>
@@ -28714,7 +28646,7 @@
                 </a:tc>
                 <a:extLst>
                   <a:ext uri="{0D108BD9-81ED-4DB2-BD59-A6C34878D82A}">
-                    <a16:rowId xmlns:a16="http://schemas.microsoft.com/office/drawing/2014/main" xmlns="" val="10001"/>
+                    <a16:rowId xmlns="" xmlns:a16="http://schemas.microsoft.com/office/drawing/2014/main" val="10001"/>
                   </a:ext>
                 </a:extLst>
               </a:tr>
@@ -28778,13 +28710,13 @@
                       <a:tailEnd type="none" w="med" len="med"/>
                     </a:lnB>
                     <a:solidFill>
-                      <a:srgbClr val="00B050"/>
+                      <a:schemeClr val="accent2"/>
                     </a:solidFill>
                   </a:tcPr>
                 </a:tc>
                 <a:extLst>
                   <a:ext uri="{0D108BD9-81ED-4DB2-BD59-A6C34878D82A}">
-                    <a16:rowId xmlns:a16="http://schemas.microsoft.com/office/drawing/2014/main" xmlns="" val="10002"/>
+                    <a16:rowId xmlns="" xmlns:a16="http://schemas.microsoft.com/office/drawing/2014/main" val="10002"/>
                   </a:ext>
                 </a:extLst>
               </a:tr>
@@ -28862,7 +28794,7 @@
                 </a:tc>
                 <a:extLst>
                   <a:ext uri="{0D108BD9-81ED-4DB2-BD59-A6C34878D82A}">
-                    <a16:rowId xmlns:a16="http://schemas.microsoft.com/office/drawing/2014/main" xmlns="" val="10007"/>
+                    <a16:rowId xmlns="" xmlns:a16="http://schemas.microsoft.com/office/drawing/2014/main" val="10007"/>
                   </a:ext>
                 </a:extLst>
               </a:tr>
@@ -28879,7 +28811,7 @@
           <p:nvPr/>
         </p:nvPicPr>
         <p:blipFill>
-          <a:blip r:embed="rId3">
+          <a:blip r:embed="rId2">
             <a:extLst>
               <a:ext uri="{28A0092B-C50C-407E-A947-70E740481C1C}">
                 <a14:useLocalDpi xmlns:a14="http://schemas.microsoft.com/office/drawing/2010/main" val="0"/>
@@ -28913,340 +28845,7 @@
       </p:pic>
       <p:sp>
         <p:nvSpPr>
-          <p:cNvPr id="8" name="Rectangle 7"/>
-          <p:cNvSpPr/>
-          <p:nvPr/>
-        </p:nvSpPr>
-        <p:spPr>
-          <a:xfrm>
-            <a:off x="3173504" y="4083892"/>
-            <a:ext cx="8494619" cy="1545038"/>
-          </a:xfrm>
-          <a:prstGeom prst="rect">
-            <a:avLst/>
-          </a:prstGeom>
-        </p:spPr>
-        <p:txBody>
-          <a:bodyPr wrap="square">
-            <a:spAutoFit/>
-          </a:bodyPr>
-          <a:lstStyle/>
-          <a:p>
-            <a:pPr marL="284163" lvl="0" indent="-284163">
-              <a:lnSpc>
-                <a:spcPct val="90000"/>
-              </a:lnSpc>
-              <a:spcBef>
-                <a:spcPct val="20000"/>
-              </a:spcBef>
-              <a:buSzPct val="80000"/>
-              <a:buFont typeface="Wingdings" pitchFamily="2" charset="2"/>
-              <a:buChar char=""/>
-            </a:pPr>
-            <a:r>
-              <a:rPr lang="en-US" sz="3600" spc="-70" dirty="0" smtClean="0">
-                <a:solidFill>
-                  <a:srgbClr val="EB3C00"/>
-                </a:solidFill>
-                <a:latin typeface="Segoe UI Light"/>
-              </a:rPr>
-              <a:t>Migration</a:t>
-            </a:r>
-          </a:p>
-          <a:p>
-            <a:pPr marL="517525" lvl="1" indent="-233363">
-              <a:lnSpc>
-                <a:spcPct val="90000"/>
-              </a:lnSpc>
-              <a:spcBef>
-                <a:spcPct val="20000"/>
-              </a:spcBef>
-              <a:buSzPct val="90000"/>
-              <a:buFont typeface="Wingdings" pitchFamily="2" charset="2"/>
-              <a:buChar char=""/>
-            </a:pPr>
-            <a:r>
-              <a:rPr lang="en-US" sz="2000" dirty="0" smtClean="0">
-                <a:gradFill>
-                  <a:gsLst>
-                    <a:gs pos="1250">
-                      <a:srgbClr val="797A7D"/>
-                    </a:gs>
-                    <a:gs pos="100000">
-                      <a:srgbClr val="797A7D"/>
-                    </a:gs>
-                  </a:gsLst>
-                  <a:lin ang="5400000" scaled="0"/>
-                </a:gradFill>
-              </a:rPr>
-              <a:t>The safety news can be published as announcements within Yammer.</a:t>
-            </a:r>
-          </a:p>
-          <a:p>
-            <a:pPr marL="517525" lvl="1" indent="-233363">
-              <a:lnSpc>
-                <a:spcPct val="90000"/>
-              </a:lnSpc>
-              <a:spcBef>
-                <a:spcPct val="20000"/>
-              </a:spcBef>
-              <a:buSzPct val="90000"/>
-              <a:buFont typeface="Wingdings" pitchFamily="2" charset="2"/>
-              <a:buChar char=""/>
-            </a:pPr>
-            <a:r>
-              <a:rPr lang="en-US" sz="2000" dirty="0" smtClean="0">
-                <a:gradFill>
-                  <a:gsLst>
-                    <a:gs pos="1250">
-                      <a:srgbClr val="797A7D"/>
-                    </a:gs>
-                    <a:gs pos="100000">
-                      <a:srgbClr val="797A7D"/>
-                    </a:gs>
-                  </a:gsLst>
-                  <a:lin ang="5400000" scaled="0"/>
-                </a:gradFill>
-              </a:rPr>
-              <a:t>The Yammer embedded code can replace the custom safety news web part.</a:t>
-            </a:r>
-          </a:p>
-        </p:txBody>
-      </p:sp>
-      <p:sp>
-        <p:nvSpPr>
-          <p:cNvPr id="5" name="Rectangle 4"/>
-          <p:cNvSpPr/>
-          <p:nvPr/>
-        </p:nvSpPr>
-        <p:spPr>
-          <a:xfrm>
-            <a:off x="3173505" y="5792802"/>
-            <a:ext cx="6092825" cy="929485"/>
-          </a:xfrm>
-          <a:prstGeom prst="rect">
-            <a:avLst/>
-          </a:prstGeom>
-        </p:spPr>
-        <p:txBody>
-          <a:bodyPr>
-            <a:spAutoFit/>
-          </a:bodyPr>
-          <a:lstStyle/>
-          <a:p>
-            <a:pPr marL="284163" lvl="0" indent="-284163">
-              <a:lnSpc>
-                <a:spcPct val="90000"/>
-              </a:lnSpc>
-              <a:spcBef>
-                <a:spcPct val="20000"/>
-              </a:spcBef>
-              <a:buSzPct val="80000"/>
-              <a:buFont typeface="Wingdings" pitchFamily="2" charset="2"/>
-              <a:buChar char=""/>
-            </a:pPr>
-            <a:r>
-              <a:rPr lang="en-US" sz="3600" spc="-70" dirty="0">
-                <a:solidFill>
-                  <a:srgbClr val="EB3C00"/>
-                </a:solidFill>
-                <a:latin typeface="Segoe UI Light"/>
-              </a:rPr>
-              <a:t>Challenges</a:t>
-            </a:r>
-          </a:p>
-          <a:p>
-            <a:pPr marL="517525" lvl="1" indent="-233363">
-              <a:lnSpc>
-                <a:spcPct val="90000"/>
-              </a:lnSpc>
-              <a:spcBef>
-                <a:spcPct val="20000"/>
-              </a:spcBef>
-              <a:buSzPct val="90000"/>
-              <a:buFont typeface="Wingdings" pitchFamily="2" charset="2"/>
-              <a:buChar char=""/>
-            </a:pPr>
-            <a:r>
-              <a:rPr lang="en-US" sz="2000" dirty="0">
-                <a:gradFill>
-                  <a:gsLst>
-                    <a:gs pos="1250">
-                      <a:srgbClr val="797A7D"/>
-                    </a:gs>
-                    <a:gs pos="100000">
-                      <a:srgbClr val="797A7D"/>
-                    </a:gs>
-                  </a:gsLst>
-                  <a:lin ang="5400000" scaled="0"/>
-                </a:gradFill>
-              </a:rPr>
-              <a:t>None</a:t>
-            </a:r>
-          </a:p>
-        </p:txBody>
-      </p:sp>
-    </p:spTree>
-    <p:extLst>
-      <p:ext uri="{BB962C8B-B14F-4D97-AF65-F5344CB8AC3E}">
-        <p14:creationId xmlns:p14="http://schemas.microsoft.com/office/powerpoint/2010/main" val="994721949"/>
-      </p:ext>
-    </p:extLst>
-  </p:cSld>
-  <p:clrMapOvr>
-    <a:masterClrMapping/>
-  </p:clrMapOvr>
-  <p:transition>
-    <p:fade/>
-  </p:transition>
-  <p:timing>
-    <p:tnLst>
-      <p:par>
-        <p:cTn id="1" dur="indefinite" restart="never" nodeType="tmRoot"/>
-      </p:par>
-    </p:tnLst>
-  </p:timing>
-</p:sld>
-</file>
-
-<file path=ppt/slides/slide26.xml><?xml version="1.0" encoding="utf-8"?>
-<p:sld xmlns:a="http://schemas.openxmlformats.org/drawingml/2006/main" xmlns:r="http://schemas.openxmlformats.org/officeDocument/2006/relationships" xmlns:p="http://schemas.openxmlformats.org/presentationml/2006/main">
-  <p:cSld>
-    <p:spTree>
-      <p:nvGrpSpPr>
-        <p:cNvPr id="1" name=""/>
-        <p:cNvGrpSpPr/>
-        <p:nvPr/>
-      </p:nvGrpSpPr>
-      <p:grpSpPr>
-        <a:xfrm>
-          <a:off x="0" y="0"/>
-          <a:ext cx="0" cy="0"/>
-          <a:chOff x="0" y="0"/>
-          <a:chExt cx="0" cy="0"/>
-        </a:xfrm>
-      </p:grpSpPr>
-      <p:sp>
-        <p:nvSpPr>
-          <p:cNvPr id="2" name="Title 1"/>
-          <p:cNvSpPr>
-            <a:spLocks noGrp="1"/>
-          </p:cNvSpPr>
-          <p:nvPr>
-            <p:ph type="title"/>
-          </p:nvPr>
-        </p:nvSpPr>
-        <p:spPr>
-          <a:xfrm>
-            <a:off x="3173505" y="992992"/>
-            <a:ext cx="8494619" cy="747897"/>
-          </a:xfrm>
-        </p:spPr>
-        <p:txBody>
-          <a:bodyPr anchor="ctr"/>
-          <a:lstStyle/>
-          <a:p>
-            <a:r>
-              <a:rPr lang="nl-BE" dirty="0" smtClean="0"/>
-              <a:t>News notifications</a:t>
-            </a:r>
-            <a:br>
-              <a:rPr lang="nl-BE" dirty="0" smtClean="0"/>
-            </a:br>
-            <a:r>
-              <a:rPr lang="en-US" sz="3600" dirty="0" err="1" smtClean="0">
-                <a:solidFill>
-                  <a:schemeClr val="accent1"/>
-                </a:solidFill>
-              </a:rPr>
-              <a:t>contoso.sharepoint.newsalerts.wsp</a:t>
-            </a:r>
-            <a:r>
-              <a:rPr lang="en-US" sz="3600" dirty="0">
-                <a:solidFill>
-                  <a:schemeClr val="accent1"/>
-                </a:solidFill>
-              </a:rPr>
-              <a:t/>
-            </a:r>
-            <a:br>
-              <a:rPr lang="en-US" sz="3600" dirty="0">
-                <a:solidFill>
-                  <a:schemeClr val="accent1"/>
-                </a:solidFill>
-              </a:rPr>
-            </a:br>
-            <a:r>
-              <a:rPr lang="en-US" sz="3600" dirty="0">
-                <a:solidFill>
-                  <a:schemeClr val="accent1"/>
-                </a:solidFill>
-              </a:rPr>
-              <a:t/>
-            </a:r>
-            <a:br>
-              <a:rPr lang="en-US" sz="3600" dirty="0">
-                <a:solidFill>
-                  <a:schemeClr val="accent1"/>
-                </a:solidFill>
-              </a:rPr>
-            </a:br>
-            <a:endParaRPr lang="nl-BE" sz="3600" dirty="0">
-              <a:solidFill>
-                <a:schemeClr val="accent1"/>
-              </a:solidFill>
-            </a:endParaRPr>
-          </a:p>
-        </p:txBody>
-      </p:sp>
-      <p:sp>
-        <p:nvSpPr>
-          <p:cNvPr id="11" name="Text Placeholder 10"/>
-          <p:cNvSpPr>
-            <a:spLocks noGrp="1"/>
-          </p:cNvSpPr>
-          <p:nvPr>
-            <p:ph type="body" sz="quarter" idx="10"/>
-          </p:nvPr>
-        </p:nvSpPr>
-        <p:spPr>
-          <a:xfrm>
-            <a:off x="3173505" y="2238374"/>
-            <a:ext cx="8494619" cy="4619626"/>
-          </a:xfrm>
-        </p:spPr>
-        <p:txBody>
-          <a:bodyPr/>
-          <a:lstStyle/>
-          <a:p>
-            <a:r>
-              <a:rPr lang="en-US" dirty="0"/>
-              <a:t>High level requirements:</a:t>
-            </a:r>
-          </a:p>
-          <a:p>
-            <a:pPr lvl="1"/>
-            <a:r>
-              <a:rPr lang="en-US" sz="1800" dirty="0" smtClean="0"/>
-              <a:t>Typical </a:t>
-            </a:r>
-            <a:r>
-              <a:rPr lang="en-US" sz="1800" dirty="0"/>
-              <a:t>Intranet features:</a:t>
-            </a:r>
-          </a:p>
-          <a:p>
-            <a:pPr lvl="2"/>
-            <a:r>
-              <a:rPr lang="en-US" sz="1800" dirty="0" smtClean="0"/>
-              <a:t>Sends notification when a “featured” news article is added</a:t>
-            </a:r>
-          </a:p>
-        </p:txBody>
-      </p:sp>
-      <p:sp>
-        <p:nvSpPr>
-          <p:cNvPr id="4" name="Text Placeholder 6"/>
+          <p:cNvPr id="8" name="Text Placeholder 10"/>
           <p:cNvSpPr txBox="1">
             <a:spLocks/>
           </p:cNvSpPr>
@@ -29254,17 +28853,19 @@
         </p:nvSpPr>
         <p:spPr>
           <a:xfrm>
-            <a:off x="3173505" y="1243404"/>
-            <a:ext cx="8494619" cy="2043636"/>
+            <a:off x="3228369" y="3516075"/>
+            <a:ext cx="8494619" cy="3341925"/>
           </a:xfrm>
           <a:prstGeom prst="rect">
             <a:avLst/>
           </a:prstGeom>
         </p:spPr>
         <p:txBody>
-          <a:bodyPr/>
+          <a:bodyPr vert="horz" lIns="0" tIns="0" rIns="0" bIns="0" rtlCol="0">
+            <a:noAutofit/>
+          </a:bodyPr>
           <a:lstStyle>
-            <a:lvl1pPr marL="339725" marR="0" indent="-339725" algn="l" defTabSz="914363" rtl="0" eaLnBrk="1" fontAlgn="auto" latinLnBrk="0" hangingPunct="1">
+            <a:lvl1pPr marL="284163" marR="0" indent="-284163" algn="l" defTabSz="914363" rtl="0" eaLnBrk="1" fontAlgn="auto" latinLnBrk="0" hangingPunct="1">
               <a:lnSpc>
                 <a:spcPct val="90000"/>
               </a:lnSpc>
@@ -29276,27 +28877,19 @@
               </a:spcAft>
               <a:buClrTx/>
               <a:buSzPct val="80000"/>
-              <a:buFont typeface="Arial" pitchFamily="34" charset="0"/>
-              <a:buChar char="•"/>
+              <a:buFont typeface="Wingdings" pitchFamily="2" charset="2"/>
+              <a:buChar char=""/>
               <a:tabLst/>
               <a:defRPr sz="3600" kern="1200" spc="-70" baseline="0">
-                <a:gradFill>
-                  <a:gsLst>
-                    <a:gs pos="1250">
-                      <a:schemeClr val="bg2"/>
-                    </a:gs>
-                    <a:gs pos="100000">
-                      <a:schemeClr val="bg2"/>
-                    </a:gs>
-                  </a:gsLst>
-                  <a:lin ang="5400000" scaled="0"/>
-                </a:gradFill>
+                <a:solidFill>
+                  <a:schemeClr val="tx2"/>
+                </a:solidFill>
                 <a:latin typeface="+mj-lt"/>
                 <a:ea typeface="+mn-ea"/>
                 <a:cs typeface="+mn-cs"/>
               </a:defRPr>
             </a:lvl1pPr>
-            <a:lvl2pPr marL="573088" marR="0" indent="-233363" algn="l" defTabSz="914363" rtl="0" eaLnBrk="1" fontAlgn="auto" latinLnBrk="0" hangingPunct="1">
+            <a:lvl2pPr marL="517525" marR="0" indent="-233363" algn="l" defTabSz="914363" rtl="0" eaLnBrk="1" fontAlgn="auto" latinLnBrk="0" hangingPunct="1">
               <a:lnSpc>
                 <a:spcPct val="90000"/>
               </a:lnSpc>
@@ -29309,9 +28902,9 @@
               <a:buClrTx/>
               <a:buSzPct val="90000"/>
               <a:buFont typeface="Wingdings" pitchFamily="2" charset="2"/>
-              <a:buChar char=""/>
+              <a:buChar char=""/>
               <a:tabLst/>
-              <a:defRPr sz="2400" kern="1200" spc="0" baseline="0">
+              <a:defRPr sz="2000" kern="1200" spc="0" baseline="0">
                 <a:gradFill>
                   <a:gsLst>
                     <a:gs pos="1250">
@@ -29328,7 +28921,7 @@
                 <a:cs typeface="+mn-cs"/>
               </a:defRPr>
             </a:lvl2pPr>
-            <a:lvl3pPr marL="798513" marR="0" indent="-225425" algn="l" defTabSz="914363" rtl="0" eaLnBrk="1" fontAlgn="auto" latinLnBrk="0" hangingPunct="1">
+            <a:lvl3pPr marL="741363" marR="0" indent="-223838" algn="l" defTabSz="914363" rtl="0" eaLnBrk="1" fontAlgn="auto" latinLnBrk="0" hangingPunct="1">
               <a:lnSpc>
                 <a:spcPct val="90000"/>
               </a:lnSpc>
@@ -29341,11 +28934,9 @@
               <a:buClrTx/>
               <a:buSzPct val="90000"/>
               <a:buFont typeface="Wingdings" pitchFamily="2" charset="2"/>
-              <a:buChar char=""/>
-              <a:tabLst>
-                <a:tab pos="798513" algn="l"/>
-              </a:tabLst>
-              <a:defRPr sz="2400" kern="1200" spc="0" baseline="0">
+              <a:buChar char=""/>
+              <a:tabLst/>
+              <a:defRPr sz="2000" kern="1200" spc="0" baseline="0">
                 <a:gradFill>
                   <a:gsLst>
                     <a:gs pos="1250">
@@ -29362,7 +28953,7 @@
                 <a:cs typeface="+mn-cs"/>
               </a:defRPr>
             </a:lvl3pPr>
-            <a:lvl4pPr marL="1030288" marR="0" indent="-231775" algn="l" defTabSz="914363" rtl="0" eaLnBrk="1" fontAlgn="auto" latinLnBrk="0" hangingPunct="1">
+            <a:lvl4pPr marL="914400" marR="0" indent="-173038" algn="l" defTabSz="914363" rtl="0" eaLnBrk="1" fontAlgn="auto" latinLnBrk="0" hangingPunct="1">
               <a:lnSpc>
                 <a:spcPct val="90000"/>
               </a:lnSpc>
@@ -29375,9 +28966,9 @@
               <a:buClrTx/>
               <a:buSzPct val="90000"/>
               <a:buFont typeface="Wingdings" pitchFamily="2" charset="2"/>
-              <a:buChar char=""/>
+              <a:buChar char=""/>
               <a:tabLst/>
-              <a:defRPr sz="2000" kern="1200" spc="0" baseline="0">
+              <a:defRPr sz="1800" kern="1200" spc="0" baseline="0">
                 <a:gradFill>
                   <a:gsLst>
                     <a:gs pos="1250">
@@ -29394,7 +28985,7 @@
                 <a:cs typeface="+mn-cs"/>
               </a:defRPr>
             </a:lvl4pPr>
-            <a:lvl5pPr marL="1255713" marR="0" indent="-225425" algn="l" defTabSz="914363" rtl="0" eaLnBrk="1" fontAlgn="auto" latinLnBrk="0" hangingPunct="1">
+            <a:lvl5pPr marL="1087438" marR="0" indent="-173038" algn="l" defTabSz="914363" rtl="0" eaLnBrk="1" fontAlgn="auto" latinLnBrk="0" hangingPunct="1">
               <a:lnSpc>
                 <a:spcPct val="90000"/>
               </a:lnSpc>
@@ -29407,11 +28998,9 @@
               <a:buClrTx/>
               <a:buSzPct val="90000"/>
               <a:buFont typeface="Wingdings" pitchFamily="2" charset="2"/>
-              <a:buChar char=""/>
-              <a:tabLst>
-                <a:tab pos="1255713" algn="l"/>
-              </a:tabLst>
-              <a:defRPr sz="2000" kern="1200" spc="0" baseline="0">
+              <a:buChar char=""/>
+              <a:tabLst/>
+              <a:defRPr sz="1800" kern="1200" spc="0" baseline="0">
                 <a:gradFill>
                   <a:gsLst>
                     <a:gs pos="1250">
@@ -29490,6 +29079,509 @@
             </a:lvl9pPr>
           </a:lstStyle>
           <a:p>
+            <a:r>
+              <a:rPr lang="en-US" dirty="0" smtClean="0"/>
+              <a:t>Migration</a:t>
+            </a:r>
+          </a:p>
+          <a:p>
+            <a:pPr lvl="1"/>
+            <a:r>
+              <a:rPr lang="en-US" dirty="0" smtClean="0"/>
+              <a:t>Business </a:t>
+            </a:r>
+            <a:r>
+              <a:rPr lang="en-US" dirty="0"/>
+              <a:t>logic could be factored to one or more </a:t>
+            </a:r>
+            <a:r>
+              <a:rPr lang="en-US" b="1" dirty="0" err="1"/>
+              <a:t>oData</a:t>
+            </a:r>
+            <a:r>
+              <a:rPr lang="en-US" b="1" dirty="0"/>
+              <a:t> Web </a:t>
+            </a:r>
+            <a:r>
+              <a:rPr lang="en-US" b="1" dirty="0" smtClean="0"/>
+              <a:t>Services</a:t>
+            </a:r>
+          </a:p>
+          <a:p>
+            <a:pPr lvl="1"/>
+            <a:r>
+              <a:rPr lang="en-US" dirty="0" smtClean="0"/>
+              <a:t>May leverage </a:t>
+            </a:r>
+            <a:r>
+              <a:rPr lang="en-US" dirty="0"/>
+              <a:t>eDiscovery capabilities of Office 365</a:t>
+            </a:r>
+            <a:r>
+              <a:rPr lang="en-US" dirty="0" smtClean="0"/>
+              <a:t>.</a:t>
+            </a:r>
+            <a:endParaRPr lang="en-US" dirty="0" smtClean="0"/>
+          </a:p>
+          <a:p>
+            <a:r>
+              <a:rPr lang="en-US" dirty="0" smtClean="0"/>
+              <a:t>Challenges</a:t>
+            </a:r>
+            <a:endParaRPr lang="en-US" dirty="0"/>
+          </a:p>
+          <a:p>
+            <a:pPr lvl="1"/>
+            <a:r>
+              <a:rPr lang="en-US" dirty="0"/>
+              <a:t>Although SharePoint 2013 </a:t>
+            </a:r>
+            <a:r>
+              <a:rPr lang="en-US" dirty="0" smtClean="0"/>
+              <a:t>is backwards </a:t>
+            </a:r>
+            <a:r>
+              <a:rPr lang="en-US" dirty="0"/>
+              <a:t>compatible with 2010 workflows, the </a:t>
+            </a:r>
+            <a:r>
+              <a:rPr lang="en-US" dirty="0" smtClean="0"/>
+              <a:t>call to </a:t>
+            </a:r>
+            <a:r>
+              <a:rPr lang="en-US" dirty="0"/>
+              <a:t>HTTP Web Service action is only available </a:t>
+            </a:r>
+            <a:r>
+              <a:rPr lang="en-US" dirty="0" smtClean="0"/>
+              <a:t>for workflows </a:t>
+            </a:r>
+            <a:r>
+              <a:rPr lang="en-US" dirty="0"/>
+              <a:t>built </a:t>
+            </a:r>
+            <a:r>
+              <a:rPr lang="en-US" dirty="0" smtClean="0"/>
+              <a:t>using SharePoint </a:t>
+            </a:r>
+            <a:r>
+              <a:rPr lang="en-US" dirty="0"/>
+              <a:t>2013 declarative workflows</a:t>
+            </a:r>
+            <a:r>
+              <a:rPr lang="en-US" dirty="0" smtClean="0"/>
+              <a:t> </a:t>
+            </a:r>
+            <a:endParaRPr lang="en-US" dirty="0"/>
+          </a:p>
+          <a:p>
+            <a:pPr lvl="1"/>
+            <a:endParaRPr lang="en-US" dirty="0" smtClean="0"/>
+          </a:p>
+          <a:p>
+            <a:pPr lvl="1"/>
+            <a:endParaRPr lang="en-US" dirty="0"/>
+          </a:p>
+        </p:txBody>
+      </p:sp>
+    </p:spTree>
+    <p:extLst>
+      <p:ext uri="{BB962C8B-B14F-4D97-AF65-F5344CB8AC3E}">
+        <p14:creationId xmlns:p14="http://schemas.microsoft.com/office/powerpoint/2010/main" val="1840351170"/>
+      </p:ext>
+    </p:extLst>
+  </p:cSld>
+  <p:clrMapOvr>
+    <a:masterClrMapping/>
+  </p:clrMapOvr>
+  <p:transition>
+    <p:fade/>
+  </p:transition>
+  <p:timing>
+    <p:tnLst>
+      <p:par>
+        <p:cTn id="1" dur="indefinite" restart="never" nodeType="tmRoot"/>
+      </p:par>
+    </p:tnLst>
+  </p:timing>
+</p:sld>
+</file>
+
+<file path=ppt/slides/slide26.xml><?xml version="1.0" encoding="utf-8"?>
+<p:sld xmlns:a="http://schemas.openxmlformats.org/drawingml/2006/main" xmlns:r="http://schemas.openxmlformats.org/officeDocument/2006/relationships" xmlns:p="http://schemas.openxmlformats.org/presentationml/2006/main">
+  <p:cSld>
+    <p:spTree>
+      <p:nvGrpSpPr>
+        <p:cNvPr id="1" name=""/>
+        <p:cNvGrpSpPr/>
+        <p:nvPr/>
+      </p:nvGrpSpPr>
+      <p:grpSpPr>
+        <a:xfrm>
+          <a:off x="0" y="0"/>
+          <a:ext cx="0" cy="0"/>
+          <a:chOff x="0" y="0"/>
+          <a:chExt cx="0" cy="0"/>
+        </a:xfrm>
+      </p:grpSpPr>
+      <p:sp>
+        <p:nvSpPr>
+          <p:cNvPr id="2" name="Title 1"/>
+          <p:cNvSpPr>
+            <a:spLocks noGrp="1"/>
+          </p:cNvSpPr>
+          <p:nvPr>
+            <p:ph type="title"/>
+          </p:nvPr>
+        </p:nvSpPr>
+        <p:spPr>
+          <a:xfrm>
+            <a:off x="3173505" y="992992"/>
+            <a:ext cx="8494619" cy="747897"/>
+          </a:xfrm>
+        </p:spPr>
+        <p:txBody>
+          <a:bodyPr anchor="ctr"/>
+          <a:lstStyle/>
+          <a:p>
+            <a:r>
+              <a:rPr lang="nl-BE" dirty="0" smtClean="0"/>
+              <a:t>News notifications</a:t>
+            </a:r>
+            <a:br>
+              <a:rPr lang="nl-BE" dirty="0" smtClean="0"/>
+            </a:br>
+            <a:r>
+              <a:rPr lang="en-US" sz="3600" dirty="0" err="1" smtClean="0">
+                <a:solidFill>
+                  <a:schemeClr val="accent1"/>
+                </a:solidFill>
+              </a:rPr>
+              <a:t>contoso.sharepoint.newsalerts.wsp</a:t>
+            </a:r>
+            <a:r>
+              <a:rPr lang="en-US" sz="3600" dirty="0">
+                <a:solidFill>
+                  <a:schemeClr val="accent1"/>
+                </a:solidFill>
+              </a:rPr>
+              <a:t/>
+            </a:r>
+            <a:br>
+              <a:rPr lang="en-US" sz="3600" dirty="0">
+                <a:solidFill>
+                  <a:schemeClr val="accent1"/>
+                </a:solidFill>
+              </a:rPr>
+            </a:br>
+            <a:r>
+              <a:rPr lang="en-US" sz="3600" dirty="0">
+                <a:solidFill>
+                  <a:schemeClr val="accent1"/>
+                </a:solidFill>
+              </a:rPr>
+              <a:t/>
+            </a:r>
+            <a:br>
+              <a:rPr lang="en-US" sz="3600" dirty="0">
+                <a:solidFill>
+                  <a:schemeClr val="accent1"/>
+                </a:solidFill>
+              </a:rPr>
+            </a:br>
+            <a:endParaRPr lang="nl-BE" sz="3600" dirty="0">
+              <a:solidFill>
+                <a:schemeClr val="accent1"/>
+              </a:solidFill>
+            </a:endParaRPr>
+          </a:p>
+        </p:txBody>
+      </p:sp>
+      <p:sp>
+        <p:nvSpPr>
+          <p:cNvPr id="11" name="Text Placeholder 10"/>
+          <p:cNvSpPr>
+            <a:spLocks noGrp="1"/>
+          </p:cNvSpPr>
+          <p:nvPr>
+            <p:ph type="body" sz="quarter" idx="10"/>
+          </p:nvPr>
+        </p:nvSpPr>
+        <p:spPr>
+          <a:xfrm>
+            <a:off x="3173505" y="2238374"/>
+            <a:ext cx="8494619" cy="4619626"/>
+          </a:xfrm>
+        </p:spPr>
+        <p:txBody>
+          <a:bodyPr/>
+          <a:lstStyle/>
+          <a:p>
+            <a:r>
+              <a:rPr lang="en-US" dirty="0" smtClean="0"/>
+              <a:t>Current Implementation:</a:t>
+            </a:r>
+            <a:endParaRPr lang="en-US" dirty="0"/>
+          </a:p>
+          <a:p>
+            <a:pPr lvl="1"/>
+            <a:r>
+              <a:rPr lang="en-US" sz="1800" dirty="0" smtClean="0"/>
+              <a:t>The timer job solution has been designed to send </a:t>
+            </a:r>
+            <a:r>
+              <a:rPr lang="en-US" sz="1800" dirty="0" smtClean="0"/>
+              <a:t>notification when a “featured” news article is added</a:t>
+            </a:r>
+          </a:p>
+        </p:txBody>
+      </p:sp>
+      <p:sp>
+        <p:nvSpPr>
+          <p:cNvPr id="4" name="Text Placeholder 6"/>
+          <p:cNvSpPr txBox="1">
+            <a:spLocks/>
+          </p:cNvSpPr>
+          <p:nvPr/>
+        </p:nvSpPr>
+        <p:spPr>
+          <a:xfrm>
+            <a:off x="3173505" y="1243404"/>
+            <a:ext cx="8494619" cy="2043636"/>
+          </a:xfrm>
+          <a:prstGeom prst="rect">
+            <a:avLst/>
+          </a:prstGeom>
+        </p:spPr>
+        <p:txBody>
+          <a:bodyPr/>
+          <a:lstStyle>
+            <a:lvl1pPr marL="339725" marR="0" indent="-339725" algn="l" defTabSz="914363" rtl="0" eaLnBrk="1" fontAlgn="auto" latinLnBrk="0" hangingPunct="1">
+              <a:lnSpc>
+                <a:spcPct val="90000"/>
+              </a:lnSpc>
+              <a:spcBef>
+                <a:spcPct val="20000"/>
+              </a:spcBef>
+              <a:spcAft>
+                <a:spcPts val="0"/>
+              </a:spcAft>
+              <a:buClrTx/>
+              <a:buSzPct val="80000"/>
+              <a:buFont typeface="Arial" pitchFamily="34" charset="0"/>
+              <a:buChar char="•"/>
+              <a:tabLst/>
+              <a:defRPr sz="3600" kern="1200" spc="-70" baseline="0">
+                <a:gradFill>
+                  <a:gsLst>
+                    <a:gs pos="1250">
+                      <a:schemeClr val="bg2"/>
+                    </a:gs>
+                    <a:gs pos="100000">
+                      <a:schemeClr val="bg2"/>
+                    </a:gs>
+                  </a:gsLst>
+                  <a:lin ang="5400000" scaled="0"/>
+                </a:gradFill>
+                <a:latin typeface="+mj-lt"/>
+                <a:ea typeface="+mn-ea"/>
+                <a:cs typeface="+mn-cs"/>
+              </a:defRPr>
+            </a:lvl1pPr>
+            <a:lvl2pPr marL="573088" marR="0" indent="-233363" algn="l" defTabSz="914363" rtl="0" eaLnBrk="1" fontAlgn="auto" latinLnBrk="0" hangingPunct="1">
+              <a:lnSpc>
+                <a:spcPct val="90000"/>
+              </a:lnSpc>
+              <a:spcBef>
+                <a:spcPct val="20000"/>
+              </a:spcBef>
+              <a:spcAft>
+                <a:spcPts val="0"/>
+              </a:spcAft>
+              <a:buClrTx/>
+              <a:buSzPct val="90000"/>
+              <a:buFont typeface="Wingdings" pitchFamily="2" charset="2"/>
+              <a:buChar char=""/>
+              <a:tabLst/>
+              <a:defRPr sz="2400" kern="1200" spc="0" baseline="0">
+                <a:gradFill>
+                  <a:gsLst>
+                    <a:gs pos="1250">
+                      <a:schemeClr val="bg2"/>
+                    </a:gs>
+                    <a:gs pos="100000">
+                      <a:schemeClr val="bg2"/>
+                    </a:gs>
+                  </a:gsLst>
+                  <a:lin ang="5400000" scaled="0"/>
+                </a:gradFill>
+                <a:latin typeface="+mn-lt"/>
+                <a:ea typeface="+mn-ea"/>
+                <a:cs typeface="+mn-cs"/>
+              </a:defRPr>
+            </a:lvl2pPr>
+            <a:lvl3pPr marL="798513" marR="0" indent="-225425" algn="l" defTabSz="914363" rtl="0" eaLnBrk="1" fontAlgn="auto" latinLnBrk="0" hangingPunct="1">
+              <a:lnSpc>
+                <a:spcPct val="90000"/>
+              </a:lnSpc>
+              <a:spcBef>
+                <a:spcPct val="20000"/>
+              </a:spcBef>
+              <a:spcAft>
+                <a:spcPts val="0"/>
+              </a:spcAft>
+              <a:buClrTx/>
+              <a:buSzPct val="90000"/>
+              <a:buFont typeface="Wingdings" pitchFamily="2" charset="2"/>
+              <a:buChar char=""/>
+              <a:tabLst>
+                <a:tab pos="798513" algn="l"/>
+              </a:tabLst>
+              <a:defRPr sz="2400" kern="1200" spc="0" baseline="0">
+                <a:gradFill>
+                  <a:gsLst>
+                    <a:gs pos="1250">
+                      <a:schemeClr val="bg2"/>
+                    </a:gs>
+                    <a:gs pos="100000">
+                      <a:schemeClr val="bg2"/>
+                    </a:gs>
+                  </a:gsLst>
+                  <a:lin ang="5400000" scaled="0"/>
+                </a:gradFill>
+                <a:latin typeface="+mn-lt"/>
+                <a:ea typeface="+mn-ea"/>
+                <a:cs typeface="+mn-cs"/>
+              </a:defRPr>
+            </a:lvl3pPr>
+            <a:lvl4pPr marL="1030288" marR="0" indent="-231775" algn="l" defTabSz="914363" rtl="0" eaLnBrk="1" fontAlgn="auto" latinLnBrk="0" hangingPunct="1">
+              <a:lnSpc>
+                <a:spcPct val="90000"/>
+              </a:lnSpc>
+              <a:spcBef>
+                <a:spcPct val="20000"/>
+              </a:spcBef>
+              <a:spcAft>
+                <a:spcPts val="0"/>
+              </a:spcAft>
+              <a:buClrTx/>
+              <a:buSzPct val="90000"/>
+              <a:buFont typeface="Wingdings" pitchFamily="2" charset="2"/>
+              <a:buChar char=""/>
+              <a:tabLst/>
+              <a:defRPr sz="2000" kern="1200" spc="0" baseline="0">
+                <a:gradFill>
+                  <a:gsLst>
+                    <a:gs pos="1250">
+                      <a:schemeClr val="bg2"/>
+                    </a:gs>
+                    <a:gs pos="100000">
+                      <a:schemeClr val="bg2"/>
+                    </a:gs>
+                  </a:gsLst>
+                  <a:lin ang="5400000" scaled="0"/>
+                </a:gradFill>
+                <a:latin typeface="+mn-lt"/>
+                <a:ea typeface="+mn-ea"/>
+                <a:cs typeface="+mn-cs"/>
+              </a:defRPr>
+            </a:lvl4pPr>
+            <a:lvl5pPr marL="1255713" marR="0" indent="-225425" algn="l" defTabSz="914363" rtl="0" eaLnBrk="1" fontAlgn="auto" latinLnBrk="0" hangingPunct="1">
+              <a:lnSpc>
+                <a:spcPct val="90000"/>
+              </a:lnSpc>
+              <a:spcBef>
+                <a:spcPct val="20000"/>
+              </a:spcBef>
+              <a:spcAft>
+                <a:spcPts val="0"/>
+              </a:spcAft>
+              <a:buClrTx/>
+              <a:buSzPct val="90000"/>
+              <a:buFont typeface="Wingdings" pitchFamily="2" charset="2"/>
+              <a:buChar char=""/>
+              <a:tabLst>
+                <a:tab pos="1255713" algn="l"/>
+              </a:tabLst>
+              <a:defRPr sz="2000" kern="1200" spc="0" baseline="0">
+                <a:gradFill>
+                  <a:gsLst>
+                    <a:gs pos="1250">
+                      <a:schemeClr val="bg2"/>
+                    </a:gs>
+                    <a:gs pos="100000">
+                      <a:schemeClr val="bg2"/>
+                    </a:gs>
+                  </a:gsLst>
+                  <a:lin ang="5400000" scaled="0"/>
+                </a:gradFill>
+                <a:latin typeface="+mn-lt"/>
+                <a:ea typeface="+mn-ea"/>
+                <a:cs typeface="+mn-cs"/>
+              </a:defRPr>
+            </a:lvl5pPr>
+            <a:lvl6pPr marL="2514499" indent="-228591" algn="l" defTabSz="914363" rtl="0" eaLnBrk="1" latinLnBrk="0" hangingPunct="1">
+              <a:spcBef>
+                <a:spcPct val="20000"/>
+              </a:spcBef>
+              <a:buFont typeface="Arial" pitchFamily="34" charset="0"/>
+              <a:buChar char="•"/>
+              <a:defRPr sz="2000" kern="1200">
+                <a:solidFill>
+                  <a:schemeClr val="tx1"/>
+                </a:solidFill>
+                <a:latin typeface="+mn-lt"/>
+                <a:ea typeface="+mn-ea"/>
+                <a:cs typeface="+mn-cs"/>
+              </a:defRPr>
+            </a:lvl6pPr>
+            <a:lvl7pPr marL="2971681" indent="-228591" algn="l" defTabSz="914363" rtl="0" eaLnBrk="1" latinLnBrk="0" hangingPunct="1">
+              <a:spcBef>
+                <a:spcPct val="20000"/>
+              </a:spcBef>
+              <a:buFont typeface="Arial" pitchFamily="34" charset="0"/>
+              <a:buChar char="•"/>
+              <a:defRPr sz="2000" kern="1200">
+                <a:solidFill>
+                  <a:schemeClr val="tx1"/>
+                </a:solidFill>
+                <a:latin typeface="+mn-lt"/>
+                <a:ea typeface="+mn-ea"/>
+                <a:cs typeface="+mn-cs"/>
+              </a:defRPr>
+            </a:lvl7pPr>
+            <a:lvl8pPr marL="3428863" indent="-228591" algn="l" defTabSz="914363" rtl="0" eaLnBrk="1" latinLnBrk="0" hangingPunct="1">
+              <a:spcBef>
+                <a:spcPct val="20000"/>
+              </a:spcBef>
+              <a:buFont typeface="Arial" pitchFamily="34" charset="0"/>
+              <a:buChar char="•"/>
+              <a:defRPr sz="2000" kern="1200">
+                <a:solidFill>
+                  <a:schemeClr val="tx1"/>
+                </a:solidFill>
+                <a:latin typeface="+mn-lt"/>
+                <a:ea typeface="+mn-ea"/>
+                <a:cs typeface="+mn-cs"/>
+              </a:defRPr>
+            </a:lvl8pPr>
+            <a:lvl9pPr marL="3886045" indent="-228591" algn="l" defTabSz="914363" rtl="0" eaLnBrk="1" latinLnBrk="0" hangingPunct="1">
+              <a:spcBef>
+                <a:spcPct val="20000"/>
+              </a:spcBef>
+              <a:buFont typeface="Arial" pitchFamily="34" charset="0"/>
+              <a:buChar char="•"/>
+              <a:defRPr sz="2000" kern="1200">
+                <a:solidFill>
+                  <a:schemeClr val="tx1"/>
+                </a:solidFill>
+                <a:latin typeface="+mn-lt"/>
+                <a:ea typeface="+mn-ea"/>
+                <a:cs typeface="+mn-cs"/>
+              </a:defRPr>
+            </a:lvl9pPr>
+          </a:lstStyle>
+          <a:p>
             <a:endParaRPr lang="en-US" dirty="0" smtClean="0">
               <a:gradFill>
                 <a:gsLst>
@@ -29513,7 +29605,11 @@
             <a:graphicFrameLocks noGrp="1"/>
           </p:cNvGraphicFramePr>
           <p:nvPr>
-            <p:extLst/>
+            <p:extLst>
+              <p:ext uri="{D42A27DB-BD31-4B8C-83A1-F6EECF244321}">
+                <p14:modId xmlns:p14="http://schemas.microsoft.com/office/powerpoint/2010/main" val="283125596"/>
+              </p:ext>
+            </p:extLst>
           </p:nvPr>
         </p:nvGraphicFramePr>
         <p:xfrm>
@@ -29530,7 +29626,7 @@
                 <a:gridCol w="2373524">
                   <a:extLst>
                     <a:ext uri="{9D8B030D-6E8A-4147-A177-3AD203B41FA5}">
-                      <a16:colId xmlns:a16="http://schemas.microsoft.com/office/drawing/2014/main" xmlns="" val="20000"/>
+                      <a16:colId xmlns="" xmlns:a16="http://schemas.microsoft.com/office/drawing/2014/main" val="20000"/>
                     </a:ext>
                   </a:extLst>
                 </a:gridCol>
@@ -29544,7 +29640,7 @@
                       <a:pPr algn="ctr"/>
                       <a:r>
                         <a:rPr lang="en-US" b="1" i="0" dirty="0" smtClean="0"/>
-                        <a:t>Branding</a:t>
+                        <a:t>News Notifications</a:t>
                       </a:r>
                       <a:endParaRPr lang="nl-BE" b="1" i="0" dirty="0"/>
                     </a:p>
@@ -29593,7 +29689,7 @@
                 </a:tc>
                 <a:extLst>
                   <a:ext uri="{0D108BD9-81ED-4DB2-BD59-A6C34878D82A}">
-                    <a16:rowId xmlns:a16="http://schemas.microsoft.com/office/drawing/2014/main" xmlns="" val="10000"/>
+                    <a16:rowId xmlns="" xmlns:a16="http://schemas.microsoft.com/office/drawing/2014/main" val="10000"/>
                   </a:ext>
                 </a:extLst>
               </a:tr>
@@ -29654,7 +29750,7 @@
                 </a:tc>
                 <a:extLst>
                   <a:ext uri="{0D108BD9-81ED-4DB2-BD59-A6C34878D82A}">
-                    <a16:rowId xmlns:a16="http://schemas.microsoft.com/office/drawing/2014/main" xmlns="" val="10001"/>
+                    <a16:rowId xmlns="" xmlns:a16="http://schemas.microsoft.com/office/drawing/2014/main" val="10001"/>
                   </a:ext>
                 </a:extLst>
               </a:tr>
@@ -29724,7 +29820,7 @@
                 </a:tc>
                 <a:extLst>
                   <a:ext uri="{0D108BD9-81ED-4DB2-BD59-A6C34878D82A}">
-                    <a16:rowId xmlns:a16="http://schemas.microsoft.com/office/drawing/2014/main" xmlns="" val="10002"/>
+                    <a16:rowId xmlns="" xmlns:a16="http://schemas.microsoft.com/office/drawing/2014/main" val="10002"/>
                   </a:ext>
                 </a:extLst>
               </a:tr>
@@ -29802,7 +29898,7 @@
                 </a:tc>
                 <a:extLst>
                   <a:ext uri="{0D108BD9-81ED-4DB2-BD59-A6C34878D82A}">
-                    <a16:rowId xmlns:a16="http://schemas.microsoft.com/office/drawing/2014/main" xmlns="" val="10007"/>
+                    <a16:rowId xmlns="" xmlns:a16="http://schemas.microsoft.com/office/drawing/2014/main" val="10007"/>
                   </a:ext>
                 </a:extLst>
               </a:tr>
@@ -30098,8 +30194,8 @@
         </p:nvSpPr>
         <p:spPr>
           <a:xfrm>
-            <a:off x="3173505" y="1740407"/>
-            <a:ext cx="8494619" cy="4619626"/>
+            <a:off x="3173505" y="1531859"/>
+            <a:ext cx="8825990" cy="4596225"/>
           </a:xfrm>
         </p:spPr>
         <p:txBody>
@@ -30107,22 +30203,42 @@
           <a:lstStyle/>
           <a:p>
             <a:r>
-              <a:rPr lang="en-US" dirty="0"/>
-              <a:t>High level requirements:</a:t>
-            </a:r>
+              <a:rPr lang="en-US" dirty="0" smtClean="0"/>
+              <a:t>Current Implementation</a:t>
+            </a:r>
+            <a:endParaRPr lang="en-US" dirty="0"/>
           </a:p>
           <a:p>
             <a:pPr lvl="1"/>
             <a:r>
               <a:rPr lang="en-US" dirty="0" smtClean="0"/>
-              <a:t>Allow users to search experts based on their years of experience and past projects.</a:t>
+              <a:t>The solution has </a:t>
+            </a:r>
+            <a:r>
+              <a:rPr lang="en-US" dirty="0" smtClean="0"/>
+              <a:t>been designed to:</a:t>
             </a:r>
           </a:p>
           <a:p>
             <a:pPr lvl="1"/>
             <a:r>
               <a:rPr lang="en-US" dirty="0" smtClean="0"/>
-              <a:t>Allow the users to be able to communicate with the experts using a tool.</a:t>
+              <a:t>Allow </a:t>
+            </a:r>
+            <a:r>
+              <a:rPr lang="en-US" dirty="0" smtClean="0"/>
+              <a:t>users to search experts based on their years of experience and past projects.</a:t>
+            </a:r>
+          </a:p>
+          <a:p>
+            <a:pPr lvl="1"/>
+            <a:r>
+              <a:rPr lang="en-US" dirty="0" smtClean="0"/>
+              <a:t>Allow the users to be able to communicate with the experts using a </a:t>
+            </a:r>
+            <a:r>
+              <a:rPr lang="en-US" dirty="0" smtClean="0"/>
+              <a:t>custom user interface.</a:t>
             </a:r>
             <a:endParaRPr lang="en-US" dirty="0"/>
           </a:p>
@@ -30451,7 +30567,7 @@
                 <a:gridCol w="2373524">
                   <a:extLst>
                     <a:ext uri="{9D8B030D-6E8A-4147-A177-3AD203B41FA5}">
-                      <a16:colId xmlns:a16="http://schemas.microsoft.com/office/drawing/2014/main" xmlns="" val="20000"/>
+                      <a16:colId xmlns="" xmlns:a16="http://schemas.microsoft.com/office/drawing/2014/main" val="20000"/>
                     </a:ext>
                   </a:extLst>
                 </a:gridCol>
@@ -30514,7 +30630,7 @@
                 </a:tc>
                 <a:extLst>
                   <a:ext uri="{0D108BD9-81ED-4DB2-BD59-A6C34878D82A}">
-                    <a16:rowId xmlns:a16="http://schemas.microsoft.com/office/drawing/2014/main" xmlns="" val="10000"/>
+                    <a16:rowId xmlns="" xmlns:a16="http://schemas.microsoft.com/office/drawing/2014/main" val="10000"/>
                   </a:ext>
                 </a:extLst>
               </a:tr>
@@ -30575,7 +30691,7 @@
                 </a:tc>
                 <a:extLst>
                   <a:ext uri="{0D108BD9-81ED-4DB2-BD59-A6C34878D82A}">
-                    <a16:rowId xmlns:a16="http://schemas.microsoft.com/office/drawing/2014/main" xmlns="" val="10001"/>
+                    <a16:rowId xmlns="" xmlns:a16="http://schemas.microsoft.com/office/drawing/2014/main" val="10001"/>
                   </a:ext>
                 </a:extLst>
               </a:tr>
@@ -30645,7 +30761,7 @@
                 </a:tc>
                 <a:extLst>
                   <a:ext uri="{0D108BD9-81ED-4DB2-BD59-A6C34878D82A}">
-                    <a16:rowId xmlns:a16="http://schemas.microsoft.com/office/drawing/2014/main" xmlns="" val="10002"/>
+                    <a16:rowId xmlns="" xmlns:a16="http://schemas.microsoft.com/office/drawing/2014/main" val="10002"/>
                   </a:ext>
                 </a:extLst>
               </a:tr>
@@ -30723,7 +30839,7 @@
                 </a:tc>
                 <a:extLst>
                   <a:ext uri="{0D108BD9-81ED-4DB2-BD59-A6C34878D82A}">
-                    <a16:rowId xmlns:a16="http://schemas.microsoft.com/office/drawing/2014/main" xmlns="" val="10007"/>
+                    <a16:rowId xmlns="" xmlns:a16="http://schemas.microsoft.com/office/drawing/2014/main" val="10007"/>
                   </a:ext>
                 </a:extLst>
               </a:tr>
@@ -30881,15 +30997,52 @@
           <a:lstStyle/>
           <a:p>
             <a:r>
-              <a:rPr lang="en-US" dirty="0"/>
-              <a:t>High level requirements:</a:t>
-            </a:r>
+              <a:rPr lang="en-US" dirty="0" smtClean="0"/>
+              <a:t>Current Implementation:</a:t>
+            </a:r>
+          </a:p>
+          <a:p>
+            <a:r>
+              <a:rPr lang="en-US" sz="2000" spc="0" dirty="0">
+                <a:gradFill>
+                  <a:gsLst>
+                    <a:gs pos="1250">
+                      <a:schemeClr val="bg2"/>
+                    </a:gs>
+                    <a:gs pos="100000">
+                      <a:schemeClr val="bg2"/>
+                    </a:gs>
+                  </a:gsLst>
+                  <a:lin ang="5400000" scaled="0"/>
+                </a:gradFill>
+                <a:latin typeface="+mn-lt"/>
+              </a:rPr>
+              <a:t>The location finder solution allows:</a:t>
+            </a:r>
+            <a:endParaRPr lang="en-US" sz="2000" spc="0" dirty="0">
+              <a:gradFill>
+                <a:gsLst>
+                  <a:gs pos="1250">
+                    <a:schemeClr val="bg2"/>
+                  </a:gs>
+                  <a:gs pos="100000">
+                    <a:schemeClr val="bg2"/>
+                  </a:gs>
+                </a:gsLst>
+                <a:lin ang="5400000" scaled="0"/>
+              </a:gradFill>
+              <a:latin typeface="+mn-lt"/>
+            </a:endParaRPr>
           </a:p>
           <a:p>
             <a:pPr lvl="1"/>
             <a:r>
               <a:rPr lang="en-US" dirty="0" smtClean="0"/>
-              <a:t>Should allow users to search for </a:t>
+              <a:t>Users to </a:t>
+            </a:r>
+            <a:r>
+              <a:rPr lang="en-US" dirty="0" smtClean="0"/>
+              <a:t>search for </a:t>
             </a:r>
             <a:r>
               <a:rPr lang="en-US" dirty="0" err="1" smtClean="0"/>
@@ -30904,7 +31057,11 @@
             <a:pPr lvl="1"/>
             <a:r>
               <a:rPr lang="en-US" dirty="0" smtClean="0"/>
-              <a:t>Should map the locations on interactive Bing Map</a:t>
+              <a:t>Maps the </a:t>
+            </a:r>
+            <a:r>
+              <a:rPr lang="en-US" dirty="0" smtClean="0"/>
+              <a:t>locations on interactive Bing Map</a:t>
             </a:r>
             <a:endParaRPr lang="en-US" dirty="0"/>
           </a:p>
@@ -30977,7 +31134,7 @@
                 <a:gridCol w="2373524">
                   <a:extLst>
                     <a:ext uri="{9D8B030D-6E8A-4147-A177-3AD203B41FA5}">
-                      <a16:colId xmlns:a16="http://schemas.microsoft.com/office/drawing/2014/main" xmlns="" val="20000"/>
+                      <a16:colId xmlns="" xmlns:a16="http://schemas.microsoft.com/office/drawing/2014/main" val="20000"/>
                     </a:ext>
                   </a:extLst>
                 </a:gridCol>
@@ -31040,7 +31197,7 @@
                 </a:tc>
                 <a:extLst>
                   <a:ext uri="{0D108BD9-81ED-4DB2-BD59-A6C34878D82A}">
-                    <a16:rowId xmlns:a16="http://schemas.microsoft.com/office/drawing/2014/main" xmlns="" val="10000"/>
+                    <a16:rowId xmlns="" xmlns:a16="http://schemas.microsoft.com/office/drawing/2014/main" val="10000"/>
                   </a:ext>
                 </a:extLst>
               </a:tr>
@@ -31101,7 +31258,7 @@
                 </a:tc>
                 <a:extLst>
                   <a:ext uri="{0D108BD9-81ED-4DB2-BD59-A6C34878D82A}">
-                    <a16:rowId xmlns:a16="http://schemas.microsoft.com/office/drawing/2014/main" xmlns="" val="10001"/>
+                    <a16:rowId xmlns="" xmlns:a16="http://schemas.microsoft.com/office/drawing/2014/main" val="10001"/>
                   </a:ext>
                 </a:extLst>
               </a:tr>
@@ -31179,7 +31336,7 @@
                 </a:tc>
                 <a:extLst>
                   <a:ext uri="{0D108BD9-81ED-4DB2-BD59-A6C34878D82A}">
-                    <a16:rowId xmlns:a16="http://schemas.microsoft.com/office/drawing/2014/main" xmlns="" val="10002"/>
+                    <a16:rowId xmlns="" xmlns:a16="http://schemas.microsoft.com/office/drawing/2014/main" val="10002"/>
                   </a:ext>
                 </a:extLst>
               </a:tr>
@@ -31257,7 +31414,7 @@
                 </a:tc>
                 <a:extLst>
                   <a:ext uri="{0D108BD9-81ED-4DB2-BD59-A6C34878D82A}">
-                    <a16:rowId xmlns:a16="http://schemas.microsoft.com/office/drawing/2014/main" xmlns="" val="10007"/>
+                    <a16:rowId xmlns="" xmlns:a16="http://schemas.microsoft.com/office/drawing/2014/main" val="10007"/>
                   </a:ext>
                 </a:extLst>
               </a:tr>
@@ -31664,7 +31821,7 @@
         </p:nvSpPr>
         <p:spPr>
           <a:xfrm>
-            <a:off x="3173505" y="1874519"/>
+            <a:off x="3173504" y="1698056"/>
             <a:ext cx="8494619" cy="4619626"/>
           </a:xfrm>
         </p:spPr>
@@ -31673,9 +31830,42 @@
           <a:lstStyle/>
           <a:p>
             <a:r>
-              <a:rPr lang="en-US" dirty="0"/>
-              <a:t>High level requirements:</a:t>
-            </a:r>
+              <a:rPr lang="en-US" dirty="0" smtClean="0"/>
+              <a:t>Current Implementation:</a:t>
+            </a:r>
+          </a:p>
+          <a:p>
+            <a:r>
+              <a:rPr lang="en-US" sz="2000" spc="0" dirty="0">
+                <a:gradFill>
+                  <a:gsLst>
+                    <a:gs pos="1250">
+                      <a:schemeClr val="bg2"/>
+                    </a:gs>
+                    <a:gs pos="100000">
+                      <a:schemeClr val="bg2"/>
+                    </a:gs>
+                  </a:gsLst>
+                  <a:lin ang="5400000" scaled="0"/>
+                </a:gradFill>
+                <a:latin typeface="+mn-lt"/>
+              </a:rPr>
+              <a:t>The solution does the following:</a:t>
+            </a:r>
+            <a:endParaRPr lang="en-US" sz="2000" spc="0" dirty="0">
+              <a:gradFill>
+                <a:gsLst>
+                  <a:gs pos="1250">
+                    <a:schemeClr val="bg2"/>
+                  </a:gs>
+                  <a:gs pos="100000">
+                    <a:schemeClr val="bg2"/>
+                  </a:gs>
+                </a:gsLst>
+                <a:lin ang="5400000" scaled="0"/>
+              </a:gradFill>
+              <a:latin typeface="+mn-lt"/>
+            </a:endParaRPr>
           </a:p>
           <a:p>
             <a:pPr lvl="1"/>
@@ -32048,7 +32238,7 @@
                 <a:gridCol w="2373524">
                   <a:extLst>
                     <a:ext uri="{9D8B030D-6E8A-4147-A177-3AD203B41FA5}">
-                      <a16:colId xmlns:a16="http://schemas.microsoft.com/office/drawing/2014/main" xmlns="" val="20000"/>
+                      <a16:colId xmlns="" xmlns:a16="http://schemas.microsoft.com/office/drawing/2014/main" val="20000"/>
                     </a:ext>
                   </a:extLst>
                 </a:gridCol>
@@ -32111,7 +32301,7 @@
                 </a:tc>
                 <a:extLst>
                   <a:ext uri="{0D108BD9-81ED-4DB2-BD59-A6C34878D82A}">
-                    <a16:rowId xmlns:a16="http://schemas.microsoft.com/office/drawing/2014/main" xmlns="" val="10000"/>
+                    <a16:rowId xmlns="" xmlns:a16="http://schemas.microsoft.com/office/drawing/2014/main" val="10000"/>
                   </a:ext>
                 </a:extLst>
               </a:tr>
@@ -32172,7 +32362,7 @@
                 </a:tc>
                 <a:extLst>
                   <a:ext uri="{0D108BD9-81ED-4DB2-BD59-A6C34878D82A}">
-                    <a16:rowId xmlns:a16="http://schemas.microsoft.com/office/drawing/2014/main" xmlns="" val="10001"/>
+                    <a16:rowId xmlns="" xmlns:a16="http://schemas.microsoft.com/office/drawing/2014/main" val="10001"/>
                   </a:ext>
                 </a:extLst>
               </a:tr>
@@ -32242,7 +32432,7 @@
                 </a:tc>
                 <a:extLst>
                   <a:ext uri="{0D108BD9-81ED-4DB2-BD59-A6C34878D82A}">
-                    <a16:rowId xmlns:a16="http://schemas.microsoft.com/office/drawing/2014/main" xmlns="" val="10002"/>
+                    <a16:rowId xmlns="" xmlns:a16="http://schemas.microsoft.com/office/drawing/2014/main" val="10002"/>
                   </a:ext>
                 </a:extLst>
               </a:tr>
@@ -32320,7 +32510,7 @@
                 </a:tc>
                 <a:extLst>
                   <a:ext uri="{0D108BD9-81ED-4DB2-BD59-A6C34878D82A}">
-                    <a16:rowId xmlns:a16="http://schemas.microsoft.com/office/drawing/2014/main" xmlns="" val="10007"/>
+                    <a16:rowId xmlns="" xmlns:a16="http://schemas.microsoft.com/office/drawing/2014/main" val="10007"/>
                   </a:ext>
                 </a:extLst>
               </a:tr>
@@ -50401,6 +50591,36 @@
 </file>
 
 <file path=customXml/item3.xml><?xml version="1.0" encoding="utf-8"?>
+<?mso-contentType ?>
+<FormTemplates xmlns="http://schemas.microsoft.com/sharepoint/v3/contenttype/forms">
+  <Display>DocumentLibraryForm</Display>
+  <Edit>DocumentLibraryForm</Edit>
+  <New>DocumentLibraryForm</New>
+</FormTemplates>
+</file>
+
+<file path=customXml/item4.xml><?xml version="1.0" encoding="utf-8"?>
+<Control xmlns="http://schemas.microsoft.com/VisualStudio/2011/storyboarding/control">
+  <Id Name="System.Storyboarding.Backgrounds.WebBrowser" Revision="1" Stencil="System.Storyboarding.Backgrounds" StencilVersion="0.1"/>
+</Control>
+</file>
+
+<file path=customXml/item5.xml><?xml version="1.0" encoding="utf-8"?>
+<p:properties xmlns:p="http://schemas.microsoft.com/office/2006/metadata/properties" xmlns:xsi="http://www.w3.org/2001/XMLSchema-instance" xmlns:pc="http://schemas.microsoft.com/office/infopath/2007/PartnerControls">
+  <documentManagement>
+    <SharedWithUsers xmlns="5ec9502b-addf-4716-883a-9e6742fd5109">
+      <UserInfo>
+        <DisplayName/>
+        <AccountId xsi:nil="true"/>
+        <AccountType/>
+      </UserInfo>
+    </SharedWithUsers>
+    <SharingHintHash xmlns="5ec9502b-addf-4716-883a-9e6742fd5109">-223225823</SharingHintHash>
+  </documentManagement>
+</p:properties>
+</file>
+
+<file path=customXml/item6.xml><?xml version="1.0" encoding="utf-8"?>
 <ct:contentTypeSchema xmlns:ct="http://schemas.microsoft.com/office/2006/metadata/contentType" xmlns:ma="http://schemas.microsoft.com/office/2006/metadata/properties/metaAttributes" ct:_="" ma:_="" ma:contentTypeName="Document" ma:contentTypeID="0x010100DD7BFE2324FCFB49A665688E9D54E8DB" ma:contentTypeVersion="2" ma:contentTypeDescription="Create a new document." ma:contentTypeScope="" ma:versionID="d40ecbfa05608dbb8df02efb84158178">
   <xsd:schema xmlns:xsd="http://www.w3.org/2001/XMLSchema" xmlns:xs="http://www.w3.org/2001/XMLSchema" xmlns:p="http://schemas.microsoft.com/office/2006/metadata/properties" xmlns:ns2="5ec9502b-addf-4716-883a-9e6742fd5109" targetNamespace="http://schemas.microsoft.com/office/2006/metadata/properties" ma:root="true" ma:fieldsID="c8929b4bbf02ed04f4fe894b226e94c0" ns2:_="">
     <xsd:import namespace="5ec9502b-addf-4716-883a-9e6742fd5109"/>
@@ -50546,37 +50766,15 @@
 </ct:contentTypeSchema>
 </file>
 
-<file path=customXml/item4.xml><?xml version="1.0" encoding="utf-8"?>
-<p:properties xmlns:p="http://schemas.microsoft.com/office/2006/metadata/properties" xmlns:xsi="http://www.w3.org/2001/XMLSchema-instance" xmlns:pc="http://schemas.microsoft.com/office/infopath/2007/PartnerControls">
-  <documentManagement>
-    <SharedWithUsers xmlns="5ec9502b-addf-4716-883a-9e6742fd5109">
-      <UserInfo>
-        <DisplayName/>
-        <AccountId xsi:nil="true"/>
-        <AccountType/>
-      </UserInfo>
-    </SharedWithUsers>
-    <SharingHintHash xmlns="5ec9502b-addf-4716-883a-9e6742fd5109">-223225823</SharingHintHash>
-  </documentManagement>
-</p:properties>
+<file path=customXml/itemProps1.xml><?xml version="1.0" encoding="utf-8"?>
+<ds:datastoreItem xmlns:ds="http://schemas.openxmlformats.org/officeDocument/2006/customXml" ds:itemID="{6769EEFD-0F61-4AA2-AE02-4E16ED5BCFE8}">
+  <ds:schemaRefs>
+    <ds:schemaRef ds:uri="http://schemas.microsoft.com/VisualStudio/2011/storyboarding/control"/>
+  </ds:schemaRefs>
+</ds:datastoreItem>
 </file>
 
-<file path=customXml/item5.xml><?xml version="1.0" encoding="utf-8"?>
-<Control xmlns="http://schemas.microsoft.com/VisualStudio/2011/storyboarding/control">
-  <Id Name="System.Storyboarding.Backgrounds.WebBrowser" Revision="1" Stencil="System.Storyboarding.Backgrounds" StencilVersion="0.1"/>
-</Control>
-</file>
-
-<file path=customXml/item6.xml><?xml version="1.0" encoding="utf-8"?>
-<?mso-contentType ?>
-<FormTemplates xmlns="http://schemas.microsoft.com/sharepoint/v3/contenttype/forms">
-  <Display>DocumentLibraryForm</Display>
-  <Edit>DocumentLibraryForm</Edit>
-  <New>DocumentLibraryForm</New>
-</FormTemplates>
-</file>
-
-<file path=customXml/itemProps1.xml><?xml version="1.0" encoding="utf-8"?>
+<file path=customXml/itemProps2.xml><?xml version="1.0" encoding="utf-8"?>
 <ds:datastoreItem xmlns:ds="http://schemas.openxmlformats.org/officeDocument/2006/customXml" ds:itemID="{57ED2E3B-EB43-4252-8C73-98EA6ACC344E}">
   <ds:schemaRefs>
     <ds:schemaRef ds:uri="http://schemas.microsoft.com/VisualStudio/2011/storyboarding/control"/>
@@ -50584,15 +50782,39 @@
 </ds:datastoreItem>
 </file>
 
-<file path=customXml/itemProps2.xml><?xml version="1.0" encoding="utf-8"?>
-<ds:datastoreItem xmlns:ds="http://schemas.openxmlformats.org/officeDocument/2006/customXml" ds:itemID="{6769EEFD-0F61-4AA2-AE02-4E16ED5BCFE8}">
+<file path=customXml/itemProps3.xml><?xml version="1.0" encoding="utf-8"?>
+<ds:datastoreItem xmlns:ds="http://schemas.openxmlformats.org/officeDocument/2006/customXml" ds:itemID="{B4606E04-852E-4880-8CD1-0B186F4087B1}">
+  <ds:schemaRefs>
+    <ds:schemaRef ds:uri="http://schemas.microsoft.com/sharepoint/v3/contenttype/forms"/>
+  </ds:schemaRefs>
+</ds:datastoreItem>
+</file>
+
+<file path=customXml/itemProps4.xml><?xml version="1.0" encoding="utf-8"?>
+<ds:datastoreItem xmlns:ds="http://schemas.openxmlformats.org/officeDocument/2006/customXml" ds:itemID="{CE030D2D-A334-4C40-95AD-E97580D89B11}">
   <ds:schemaRefs>
     <ds:schemaRef ds:uri="http://schemas.microsoft.com/VisualStudio/2011/storyboarding/control"/>
   </ds:schemaRefs>
 </ds:datastoreItem>
 </file>
 
-<file path=customXml/itemProps3.xml><?xml version="1.0" encoding="utf-8"?>
+<file path=customXml/itemProps5.xml><?xml version="1.0" encoding="utf-8"?>
+<ds:datastoreItem xmlns:ds="http://schemas.openxmlformats.org/officeDocument/2006/customXml" ds:itemID="{F1AEA8A7-A694-4DB0-82AB-EF48F2E9B6F9}">
+  <ds:schemaRefs>
+    <ds:schemaRef ds:uri="http://schemas.microsoft.com/office/2006/metadata/properties"/>
+    <ds:schemaRef ds:uri="http://purl.org/dc/terms/"/>
+    <ds:schemaRef ds:uri="http://schemas.openxmlformats.org/package/2006/metadata/core-properties"/>
+    <ds:schemaRef ds:uri="5ec9502b-addf-4716-883a-9e6742fd5109"/>
+    <ds:schemaRef ds:uri="http://schemas.microsoft.com/office/2006/documentManagement/types"/>
+    <ds:schemaRef ds:uri="http://schemas.microsoft.com/office/infopath/2007/PartnerControls"/>
+    <ds:schemaRef ds:uri="http://purl.org/dc/elements/1.1/"/>
+    <ds:schemaRef ds:uri="http://www.w3.org/XML/1998/namespace"/>
+    <ds:schemaRef ds:uri="http://purl.org/dc/dcmitype/"/>
+  </ds:schemaRefs>
+</ds:datastoreItem>
+</file>
+
+<file path=customXml/itemProps6.xml><?xml version="1.0" encoding="utf-8"?>
 <ds:datastoreItem xmlns:ds="http://schemas.openxmlformats.org/officeDocument/2006/customXml" ds:itemID="{F79724C6-F6AC-4965-8DDA-67169DE5A52B}">
   <ds:schemaRefs>
     <ds:schemaRef ds:uri="http://schemas.microsoft.com/office/2006/metadata/contentType"/>
@@ -50608,36 +50830,4 @@
     <ds:schemaRef ds:uri="http://schemas.microsoft.com/internal/obd"/>
   </ds:schemaRefs>
 </ds:datastoreItem>
-</file>
-
-<file path=customXml/itemProps4.xml><?xml version="1.0" encoding="utf-8"?>
-<ds:datastoreItem xmlns:ds="http://schemas.openxmlformats.org/officeDocument/2006/customXml" ds:itemID="{F1AEA8A7-A694-4DB0-82AB-EF48F2E9B6F9}">
-  <ds:schemaRefs>
-    <ds:schemaRef ds:uri="http://schemas.microsoft.com/office/2006/metadata/properties"/>
-    <ds:schemaRef ds:uri="http://purl.org/dc/terms/"/>
-    <ds:schemaRef ds:uri="http://schemas.openxmlformats.org/package/2006/metadata/core-properties"/>
-    <ds:schemaRef ds:uri="5ec9502b-addf-4716-883a-9e6742fd5109"/>
-    <ds:schemaRef ds:uri="http://schemas.microsoft.com/office/2006/documentManagement/types"/>
-    <ds:schemaRef ds:uri="http://schemas.microsoft.com/office/infopath/2007/PartnerControls"/>
-    <ds:schemaRef ds:uri="http://purl.org/dc/elements/1.1/"/>
-    <ds:schemaRef ds:uri="http://www.w3.org/XML/1998/namespace"/>
-    <ds:schemaRef ds:uri="http://purl.org/dc/dcmitype/"/>
-  </ds:schemaRefs>
-</ds:datastoreItem>
-</file>
-
-<file path=customXml/itemProps5.xml><?xml version="1.0" encoding="utf-8"?>
-<ds:datastoreItem xmlns:ds="http://schemas.openxmlformats.org/officeDocument/2006/customXml" ds:itemID="{CE030D2D-A334-4C40-95AD-E97580D89B11}">
-  <ds:schemaRefs>
-    <ds:schemaRef ds:uri="http://schemas.microsoft.com/VisualStudio/2011/storyboarding/control"/>
-  </ds:schemaRefs>
-</ds:datastoreItem>
-</file>
-
-<file path=customXml/itemProps6.xml><?xml version="1.0" encoding="utf-8"?>
-<ds:datastoreItem xmlns:ds="http://schemas.openxmlformats.org/officeDocument/2006/customXml" ds:itemID="{B4606E04-852E-4880-8CD1-0B186F4087B1}">
-  <ds:schemaRefs>
-    <ds:schemaRef ds:uri="http://schemas.microsoft.com/sharepoint/v3/contenttype/forms"/>
-  </ds:schemaRefs>
-</ds:datastoreItem>
 </file>
--- a/PnP Transformation Process/Samples/PnP Transformation - Solution Assessment Report - Contoso.pptx
+++ b/PnP Transformation Process/Samples/PnP Transformation - Solution Assessment Report - Contoso.pptx
@@ -6,10 +6,10 @@
     <p:sldMasterId id="2147484149" r:id="rId8"/>
   </p:sldMasterIdLst>
   <p:notesMasterIdLst>
-    <p:notesMasterId r:id="rId62"/>
+    <p:notesMasterId r:id="rId63"/>
   </p:notesMasterIdLst>
   <p:handoutMasterIdLst>
-    <p:handoutMasterId r:id="rId63"/>
+    <p:handoutMasterId r:id="rId64"/>
   </p:handoutMasterIdLst>
   <p:sldIdLst>
     <p:sldId id="1242" r:id="rId9"/>
@@ -37,34 +37,35 @@
     <p:sldId id="1496" r:id="rId31"/>
     <p:sldId id="1497" r:id="rId32"/>
     <p:sldId id="1498" r:id="rId33"/>
-    <p:sldId id="1501" r:id="rId34"/>
-    <p:sldId id="1461" r:id="rId35"/>
-    <p:sldId id="1459" r:id="rId36"/>
-    <p:sldId id="1502" r:id="rId37"/>
-    <p:sldId id="1471" r:id="rId38"/>
-    <p:sldId id="1431" r:id="rId39"/>
-    <p:sldId id="1437" r:id="rId40"/>
-    <p:sldId id="1472" r:id="rId41"/>
-    <p:sldId id="1473" r:id="rId42"/>
-    <p:sldId id="1450" r:id="rId43"/>
-    <p:sldId id="1474" r:id="rId44"/>
-    <p:sldId id="1475" r:id="rId45"/>
-    <p:sldId id="1476" r:id="rId46"/>
-    <p:sldId id="1477" r:id="rId47"/>
-    <p:sldId id="1478" r:id="rId48"/>
-    <p:sldId id="1479" r:id="rId49"/>
-    <p:sldId id="1480" r:id="rId50"/>
-    <p:sldId id="1481" r:id="rId51"/>
-    <p:sldId id="1482" r:id="rId52"/>
-    <p:sldId id="1483" r:id="rId53"/>
-    <p:sldId id="1488" r:id="rId54"/>
-    <p:sldId id="1489" r:id="rId55"/>
-    <p:sldId id="1490" r:id="rId56"/>
-    <p:sldId id="1491" r:id="rId57"/>
-    <p:sldId id="1414" r:id="rId58"/>
-    <p:sldId id="1462" r:id="rId59"/>
-    <p:sldId id="1417" r:id="rId60"/>
-    <p:sldId id="1418" r:id="rId61"/>
+    <p:sldId id="1503" r:id="rId34"/>
+    <p:sldId id="1501" r:id="rId35"/>
+    <p:sldId id="1461" r:id="rId36"/>
+    <p:sldId id="1459" r:id="rId37"/>
+    <p:sldId id="1502" r:id="rId38"/>
+    <p:sldId id="1471" r:id="rId39"/>
+    <p:sldId id="1431" r:id="rId40"/>
+    <p:sldId id="1437" r:id="rId41"/>
+    <p:sldId id="1472" r:id="rId42"/>
+    <p:sldId id="1473" r:id="rId43"/>
+    <p:sldId id="1450" r:id="rId44"/>
+    <p:sldId id="1474" r:id="rId45"/>
+    <p:sldId id="1475" r:id="rId46"/>
+    <p:sldId id="1476" r:id="rId47"/>
+    <p:sldId id="1477" r:id="rId48"/>
+    <p:sldId id="1478" r:id="rId49"/>
+    <p:sldId id="1479" r:id="rId50"/>
+    <p:sldId id="1480" r:id="rId51"/>
+    <p:sldId id="1481" r:id="rId52"/>
+    <p:sldId id="1482" r:id="rId53"/>
+    <p:sldId id="1483" r:id="rId54"/>
+    <p:sldId id="1488" r:id="rId55"/>
+    <p:sldId id="1489" r:id="rId56"/>
+    <p:sldId id="1490" r:id="rId57"/>
+    <p:sldId id="1491" r:id="rId58"/>
+    <p:sldId id="1414" r:id="rId59"/>
+    <p:sldId id="1462" r:id="rId60"/>
+    <p:sldId id="1417" r:id="rId61"/>
+    <p:sldId id="1418" r:id="rId62"/>
   </p:sldIdLst>
   <p:sldSz cx="12188825" cy="6858000"/>
   <p:notesSz cx="7086600" cy="9372600"/>
@@ -2080,6 +2081,34 @@
           <a:bodyPr/>
           <a:lstStyle/>
           <a:p>
+            <a:pPr marL="0" marR="0" indent="0" algn="l" defTabSz="914363" rtl="0" eaLnBrk="1" fontAlgn="auto" latinLnBrk="0" hangingPunct="1">
+              <a:lnSpc>
+                <a:spcPct val="90000"/>
+              </a:lnSpc>
+              <a:spcBef>
+                <a:spcPts val="0"/>
+              </a:spcBef>
+              <a:spcAft>
+                <a:spcPts val="333"/>
+              </a:spcAft>
+              <a:buClrTx/>
+              <a:buSzTx/>
+              <a:buFontTx/>
+              <a:buNone/>
+              <a:tabLst/>
+              <a:defRPr/>
+            </a:pPr>
+            <a:r>
+              <a:rPr lang="en-NZ" dirty="0" smtClean="0"/>
+              <a:t>The</a:t>
+            </a:r>
+            <a:r>
+              <a:rPr lang="en-NZ" baseline="0" dirty="0" smtClean="0"/>
+              <a:t> team responsible for transforming the solution has been identified in the “Owner” section.</a:t>
+            </a:r>
+            <a:endParaRPr lang="en-NZ" dirty="0" smtClean="0"/>
+          </a:p>
+          <a:p>
             <a:endParaRPr lang="en-NZ" dirty="0"/>
           </a:p>
         </p:txBody>
@@ -2232,7 +2261,7 @@
     </p:spTree>
     <p:extLst>
       <p:ext uri="{BB962C8B-B14F-4D97-AF65-F5344CB8AC3E}">
-        <p14:creationId xmlns:p14="http://schemas.microsoft.com/office/powerpoint/2010/main" val="2316888093"/>
+        <p14:creationId xmlns:p14="http://schemas.microsoft.com/office/powerpoint/2010/main" val="2011981258"/>
       </p:ext>
     </p:extLst>
   </p:cSld>
@@ -2305,7 +2334,7 @@
           <a:bodyPr/>
           <a:lstStyle/>
           <a:p>
-            <a:fld id="{AA3AF75D-25C3-42E7-9971-69168E23937F}" type="datetime1">
+            <a:fld id="{D1138656-1104-4895-916A-3F46DB26BB9D}" type="datetime1">
               <a:rPr lang="en-US" smtClean="0"/>
               <a:t>6/2/2015</a:t>
             </a:fld>
@@ -2438,7 +2467,7 @@
     </p:spTree>
     <p:extLst>
       <p:ext uri="{BB962C8B-B14F-4D97-AF65-F5344CB8AC3E}">
-        <p14:creationId xmlns:p14="http://schemas.microsoft.com/office/powerpoint/2010/main" val="1502876893"/>
+        <p14:creationId xmlns:p14="http://schemas.microsoft.com/office/powerpoint/2010/main" val="2316888093"/>
       </p:ext>
     </p:extLst>
   </p:cSld>
@@ -2511,7 +2540,7 @@
           <a:bodyPr/>
           <a:lstStyle/>
           <a:p>
-            <a:fld id="{BE6AF0E1-8DCE-4BBE-B246-BFB736357904}" type="datetime1">
+            <a:fld id="{AA3AF75D-25C3-42E7-9971-69168E23937F}" type="datetime1">
               <a:rPr lang="en-US" smtClean="0"/>
               <a:t>6/2/2015</a:t>
             </a:fld>
@@ -2644,7 +2673,7 @@
     </p:spTree>
     <p:extLst>
       <p:ext uri="{BB962C8B-B14F-4D97-AF65-F5344CB8AC3E}">
-        <p14:creationId xmlns:p14="http://schemas.microsoft.com/office/powerpoint/2010/main" val="4052077378"/>
+        <p14:creationId xmlns:p14="http://schemas.microsoft.com/office/powerpoint/2010/main" val="1502876893"/>
       </p:ext>
     </p:extLst>
   </p:cSld>
@@ -2717,7 +2746,7 @@
           <a:bodyPr/>
           <a:lstStyle/>
           <a:p>
-            <a:fld id="{AA3AF75D-25C3-42E7-9971-69168E23937F}" type="datetime1">
+            <a:fld id="{BE6AF0E1-8DCE-4BBE-B246-BFB736357904}" type="datetime1">
               <a:rPr lang="en-US" smtClean="0"/>
               <a:t>6/2/2015</a:t>
             </a:fld>
@@ -2850,7 +2879,7 @@
     </p:spTree>
     <p:extLst>
       <p:ext uri="{BB962C8B-B14F-4D97-AF65-F5344CB8AC3E}">
-        <p14:creationId xmlns:p14="http://schemas.microsoft.com/office/powerpoint/2010/main" val="3226384395"/>
+        <p14:creationId xmlns:p14="http://schemas.microsoft.com/office/powerpoint/2010/main" val="4052077378"/>
       </p:ext>
     </p:extLst>
   </p:cSld>
@@ -2904,10 +2933,6 @@
           <a:bodyPr/>
           <a:lstStyle/>
           <a:p>
-            <a:r>
-              <a:rPr lang="en-NZ" dirty="0" smtClean="0"/>
-              <a:t>CDN – Content Delivery Network</a:t>
-            </a:r>
             <a:endParaRPr lang="en-NZ" dirty="0"/>
           </a:p>
         </p:txBody>
@@ -2927,7 +2952,7 @@
           <a:bodyPr/>
           <a:lstStyle/>
           <a:p>
-            <a:fld id="{309E6654-814A-4856-A67A-9683B5A2AE45}" type="datetime1">
+            <a:fld id="{AA3AF75D-25C3-42E7-9971-69168E23937F}" type="datetime1">
               <a:rPr lang="en-US" smtClean="0"/>
               <a:t>6/2/2015</a:t>
             </a:fld>
@@ -2952,7 +2977,7 @@
           <a:p>
             <a:fld id="{B4008EB6-D09E-4580-8CD6-DDB14511944F}" type="slidenum">
               <a:rPr lang="en-US" smtClean="0"/>
-              <a:t>35</a:t>
+              <a:t>30</a:t>
             </a:fld>
             <a:endParaRPr lang="en-US" dirty="0"/>
           </a:p>
@@ -3060,7 +3085,7 @@
     </p:spTree>
     <p:extLst>
       <p:ext uri="{BB962C8B-B14F-4D97-AF65-F5344CB8AC3E}">
-        <p14:creationId xmlns:p14="http://schemas.microsoft.com/office/powerpoint/2010/main" val="2545386351"/>
+        <p14:creationId xmlns:p14="http://schemas.microsoft.com/office/powerpoint/2010/main" val="3226384395"/>
       </p:ext>
     </p:extLst>
   </p:cSld>
@@ -3114,6 +3139,10 @@
           <a:bodyPr/>
           <a:lstStyle/>
           <a:p>
+            <a:r>
+              <a:rPr lang="en-NZ" dirty="0" smtClean="0"/>
+              <a:t>CDN – Content Delivery Network</a:t>
+            </a:r>
             <a:endParaRPr lang="en-NZ" dirty="0"/>
           </a:p>
         </p:txBody>
@@ -3133,7 +3162,7 @@
           <a:bodyPr/>
           <a:lstStyle/>
           <a:p>
-            <a:fld id="{B8A7FB5A-0EC6-493F-BBA2-9886F4EE2DA7}" type="datetime1">
+            <a:fld id="{309E6654-814A-4856-A67A-9683B5A2AE45}" type="datetime1">
               <a:rPr lang="en-US" smtClean="0"/>
               <a:t>6/2/2015</a:t>
             </a:fld>
@@ -3158,7 +3187,7 @@
           <a:p>
             <a:fld id="{B4008EB6-D09E-4580-8CD6-DDB14511944F}" type="slidenum">
               <a:rPr lang="en-US" smtClean="0"/>
-              <a:t>39</a:t>
+              <a:t>36</a:t>
             </a:fld>
             <a:endParaRPr lang="en-US" dirty="0"/>
           </a:p>
@@ -3266,7 +3295,7 @@
     </p:spTree>
     <p:extLst>
       <p:ext uri="{BB962C8B-B14F-4D97-AF65-F5344CB8AC3E}">
-        <p14:creationId xmlns:p14="http://schemas.microsoft.com/office/powerpoint/2010/main" val="1440496008"/>
+        <p14:creationId xmlns:p14="http://schemas.microsoft.com/office/powerpoint/2010/main" val="2545386351"/>
       </p:ext>
     </p:extLst>
   </p:cSld>
@@ -3427,10 +3456,6 @@
           <a:bodyPr/>
           <a:lstStyle/>
           <a:p>
-            <a:r>
-              <a:rPr lang="en-NZ" dirty="0" smtClean="0"/>
-              <a:t>FTC: Full Trust Code</a:t>
-            </a:r>
             <a:endParaRPr lang="en-NZ" dirty="0"/>
           </a:p>
         </p:txBody>
@@ -3450,7 +3475,7 @@
           <a:bodyPr/>
           <a:lstStyle/>
           <a:p>
-            <a:fld id="{CE1B21AF-5CDF-4A97-B0F4-5C0D3A9A2110}" type="datetime1">
+            <a:fld id="{B8A7FB5A-0EC6-493F-BBA2-9886F4EE2DA7}" type="datetime1">
               <a:rPr lang="en-US" smtClean="0"/>
               <a:t>6/2/2015</a:t>
             </a:fld>
@@ -3475,7 +3500,7 @@
           <a:p>
             <a:fld id="{B4008EB6-D09E-4580-8CD6-DDB14511944F}" type="slidenum">
               <a:rPr lang="en-US" smtClean="0"/>
-              <a:t>43</a:t>
+              <a:t>40</a:t>
             </a:fld>
             <a:endParaRPr lang="en-US" dirty="0"/>
           </a:p>
@@ -3583,7 +3608,7 @@
     </p:spTree>
     <p:extLst>
       <p:ext uri="{BB962C8B-B14F-4D97-AF65-F5344CB8AC3E}">
-        <p14:creationId xmlns:p14="http://schemas.microsoft.com/office/powerpoint/2010/main" val="1574737983"/>
+        <p14:creationId xmlns:p14="http://schemas.microsoft.com/office/powerpoint/2010/main" val="1440496008"/>
       </p:ext>
     </p:extLst>
   </p:cSld>
@@ -3637,60 +3662,163 @@
           <a:bodyPr/>
           <a:lstStyle/>
           <a:p>
-            <a:endParaRPr lang="en-US" baseline="0" dirty="0" smtClean="0"/>
-          </a:p>
-          <a:p>
-            <a:r>
-              <a:rPr lang="en-US" baseline="0" dirty="0" smtClean="0"/>
+            <a:r>
+              <a:rPr lang="en-NZ" dirty="0" smtClean="0"/>
               <a:t>FTC: Full Trust Code</a:t>
             </a:r>
-          </a:p>
-          <a:p>
-            <a:r>
-              <a:rPr lang="en-US" baseline="0" dirty="0" smtClean="0"/>
-              <a:t>SOW: Statement of Work</a:t>
-            </a:r>
-          </a:p>
-          <a:p>
-            <a:endParaRPr lang="en-US" baseline="0" dirty="0" smtClean="0"/>
+            <a:endParaRPr lang="en-NZ" dirty="0"/>
           </a:p>
         </p:txBody>
       </p:sp>
       <p:sp>
         <p:nvSpPr>
-          <p:cNvPr id="4" name="Slide Number Placeholder 3"/>
+          <p:cNvPr id="4" name="Date Placeholder 3"/>
           <p:cNvSpPr>
             <a:spLocks noGrp="1"/>
           </p:cNvSpPr>
           <p:nvPr>
-            <p:ph type="sldNum" sz="quarter" idx="10"/>
+            <p:ph type="dt" idx="10"/>
           </p:nvPr>
         </p:nvSpPr>
-        <p:spPr>
-          <a:xfrm>
-            <a:off x="6051570" y="8842030"/>
-            <a:ext cx="969904" cy="465455"/>
-          </a:xfrm>
-          <a:prstGeom prst="rect">
-            <a:avLst/>
-          </a:prstGeom>
-        </p:spPr>
+        <p:spPr/>
         <p:txBody>
           <a:bodyPr/>
           <a:lstStyle/>
           <a:p>
-            <a:fld id="{69A3D4EF-FC77-4542-8C22-63DD037305B0}" type="slidenum">
+            <a:fld id="{CE1B21AF-5CDF-4A97-B0F4-5C0D3A9A2110}" type="datetime1">
               <a:rPr lang="en-US" smtClean="0"/>
-              <a:t>51</a:t>
+              <a:t>6/2/2015</a:t>
+            </a:fld>
+            <a:endParaRPr lang="en-US"/>
+          </a:p>
+        </p:txBody>
+      </p:sp>
+      <p:sp>
+        <p:nvSpPr>
+          <p:cNvPr id="5" name="Slide Number Placeholder 4"/>
+          <p:cNvSpPr>
+            <a:spLocks noGrp="1"/>
+          </p:cNvSpPr>
+          <p:nvPr>
+            <p:ph type="sldNum" sz="quarter" idx="11"/>
+          </p:nvPr>
+        </p:nvSpPr>
+        <p:spPr/>
+        <p:txBody>
+          <a:bodyPr/>
+          <a:lstStyle/>
+          <a:p>
+            <a:fld id="{B4008EB6-D09E-4580-8CD6-DDB14511944F}" type="slidenum">
+              <a:rPr lang="en-US" smtClean="0"/>
+              <a:t>44</a:t>
             </a:fld>
             <a:endParaRPr lang="en-US" dirty="0"/>
+          </a:p>
+        </p:txBody>
+      </p:sp>
+      <p:sp>
+        <p:nvSpPr>
+          <p:cNvPr id="6" name="Header Placeholder 5"/>
+          <p:cNvSpPr>
+            <a:spLocks noGrp="1"/>
+          </p:cNvSpPr>
+          <p:nvPr>
+            <p:ph type="hdr" sz="quarter" idx="12"/>
+          </p:nvPr>
+        </p:nvSpPr>
+        <p:spPr/>
+        <p:txBody>
+          <a:bodyPr/>
+          <a:lstStyle/>
+          <a:p>
+            <a:r>
+              <a:rPr lang="en-US" smtClean="0"/>
+              <a:t>Microsoft Office</a:t>
+            </a:r>
+            <a:endParaRPr lang="en-US" dirty="0"/>
+          </a:p>
+        </p:txBody>
+      </p:sp>
+      <p:sp>
+        <p:nvSpPr>
+          <p:cNvPr id="7" name="Footer Placeholder 6"/>
+          <p:cNvSpPr>
+            <a:spLocks noGrp="1"/>
+          </p:cNvSpPr>
+          <p:nvPr>
+            <p:ph type="ftr" sz="quarter" idx="13"/>
+          </p:nvPr>
+        </p:nvSpPr>
+        <p:spPr/>
+        <p:txBody>
+          <a:bodyPr/>
+          <a:lstStyle/>
+          <a:p>
+            <a:pPr marL="238375" defTabSz="940130" eaLnBrk="0" hangingPunct="0"/>
+            <a:r>
+              <a:rPr lang="en-US" sz="500" smtClean="0">
+                <a:gradFill>
+                  <a:gsLst>
+                    <a:gs pos="0">
+                      <a:schemeClr val="tx1"/>
+                    </a:gs>
+                    <a:gs pos="100000">
+                      <a:schemeClr val="tx1"/>
+                    </a:gs>
+                  </a:gsLst>
+                  <a:lin ang="5400000" scaled="0"/>
+                </a:gradFill>
+                <a:latin typeface="Segoe UI" pitchFamily="34" charset="0"/>
+                <a:ea typeface="Segoe UI" pitchFamily="34" charset="0"/>
+                <a:cs typeface="Segoe UI" pitchFamily="34" charset="0"/>
+              </a:rPr>
+              <a:t>© 2012 Microsoft Corporation. All rights reserved. Microsoft, Windows, and other product names are or may be registered trademarks and/or trademarks in the U.S. and/or other countries.</a:t>
+            </a:r>
+          </a:p>
+          <a:p>
+            <a:pPr marL="238375" defTabSz="940130" eaLnBrk="0" hangingPunct="0"/>
+            <a:r>
+              <a:rPr lang="en-US" sz="500" smtClean="0">
+                <a:gradFill>
+                  <a:gsLst>
+                    <a:gs pos="0">
+                      <a:schemeClr val="tx1"/>
+                    </a:gs>
+                    <a:gs pos="100000">
+                      <a:schemeClr val="tx1"/>
+                    </a:gs>
+                  </a:gsLst>
+                  <a:lin ang="5400000" scaled="0"/>
+                </a:gradFill>
+                <a:latin typeface="Segoe UI" pitchFamily="34" charset="0"/>
+                <a:ea typeface="Segoe UI" pitchFamily="34" charset="0"/>
+                <a:cs typeface="Segoe UI" pitchFamily="34" charset="0"/>
+              </a:rPr>
+              <a:t>The information herein is for informational purposes only and represents the current view of Microsoft Corporation as of the date of this presentation.  Because Microsoft must respond to changing market conditions, it should not be interpreted to be a commitment on the part of Microsoft, and Microsoft cannot guarantee the accuracy of any information provided after the date of this presentation.  MICROSOFT MAKES NO WARRANTIES, EXPRESS, IMPLIED OR STATUTORY, AS TO THE INFORMATION IN THIS PRESENTATION.</a:t>
+            </a:r>
+            <a:endParaRPr lang="en-US" sz="500" dirty="0">
+              <a:gradFill>
+                <a:gsLst>
+                  <a:gs pos="0">
+                    <a:schemeClr val="tx1"/>
+                  </a:gs>
+                  <a:gs pos="100000">
+                    <a:schemeClr val="tx1"/>
+                  </a:gs>
+                </a:gsLst>
+                <a:lin ang="5400000" scaled="0"/>
+              </a:gradFill>
+              <a:latin typeface="Segoe UI" pitchFamily="34" charset="0"/>
+              <a:ea typeface="Segoe UI" pitchFamily="34" charset="0"/>
+              <a:cs typeface="Segoe UI" pitchFamily="34" charset="0"/>
+            </a:endParaRPr>
           </a:p>
         </p:txBody>
       </p:sp>
     </p:spTree>
     <p:extLst>
       <p:ext uri="{BB962C8B-B14F-4D97-AF65-F5344CB8AC3E}">
-        <p14:creationId xmlns:p14="http://schemas.microsoft.com/office/powerpoint/2010/main" val="2899938266"/>
+        <p14:creationId xmlns:p14="http://schemas.microsoft.com/office/powerpoint/2010/main" val="1574737983"/>
       </p:ext>
     </p:extLst>
   </p:cSld>
@@ -3744,6 +3872,113 @@
           <a:bodyPr/>
           <a:lstStyle/>
           <a:p>
+            <a:endParaRPr lang="en-US" baseline="0" dirty="0" smtClean="0"/>
+          </a:p>
+          <a:p>
+            <a:r>
+              <a:rPr lang="en-US" baseline="0" dirty="0" smtClean="0"/>
+              <a:t>FTC: Full Trust Code</a:t>
+            </a:r>
+          </a:p>
+          <a:p>
+            <a:r>
+              <a:rPr lang="en-US" baseline="0" dirty="0" smtClean="0"/>
+              <a:t>SOW: Statement of Work</a:t>
+            </a:r>
+          </a:p>
+          <a:p>
+            <a:endParaRPr lang="en-US" baseline="0" dirty="0" smtClean="0"/>
+          </a:p>
+        </p:txBody>
+      </p:sp>
+      <p:sp>
+        <p:nvSpPr>
+          <p:cNvPr id="4" name="Slide Number Placeholder 3"/>
+          <p:cNvSpPr>
+            <a:spLocks noGrp="1"/>
+          </p:cNvSpPr>
+          <p:nvPr>
+            <p:ph type="sldNum" sz="quarter" idx="10"/>
+          </p:nvPr>
+        </p:nvSpPr>
+        <p:spPr>
+          <a:xfrm>
+            <a:off x="6051570" y="8842030"/>
+            <a:ext cx="969904" cy="465455"/>
+          </a:xfrm>
+          <a:prstGeom prst="rect">
+            <a:avLst/>
+          </a:prstGeom>
+        </p:spPr>
+        <p:txBody>
+          <a:bodyPr/>
+          <a:lstStyle/>
+          <a:p>
+            <a:fld id="{69A3D4EF-FC77-4542-8C22-63DD037305B0}" type="slidenum">
+              <a:rPr lang="en-US" smtClean="0"/>
+              <a:t>52</a:t>
+            </a:fld>
+            <a:endParaRPr lang="en-US" dirty="0"/>
+          </a:p>
+        </p:txBody>
+      </p:sp>
+    </p:spTree>
+    <p:extLst>
+      <p:ext uri="{BB962C8B-B14F-4D97-AF65-F5344CB8AC3E}">
+        <p14:creationId xmlns:p14="http://schemas.microsoft.com/office/powerpoint/2010/main" val="2899938266"/>
+      </p:ext>
+    </p:extLst>
+  </p:cSld>
+  <p:clrMapOvr>
+    <a:masterClrMapping/>
+  </p:clrMapOvr>
+</p:notes>
+</file>
+
+<file path=ppt/notesSlides/notesSlide23.xml><?xml version="1.0" encoding="utf-8"?>
+<p:notes xmlns:a="http://schemas.openxmlformats.org/drawingml/2006/main" xmlns:r="http://schemas.openxmlformats.org/officeDocument/2006/relationships" xmlns:p="http://schemas.openxmlformats.org/presentationml/2006/main">
+  <p:cSld>
+    <p:spTree>
+      <p:nvGrpSpPr>
+        <p:cNvPr id="1" name=""/>
+        <p:cNvGrpSpPr/>
+        <p:nvPr/>
+      </p:nvGrpSpPr>
+      <p:grpSpPr>
+        <a:xfrm>
+          <a:off x="0" y="0"/>
+          <a:ext cx="0" cy="0"/>
+          <a:chOff x="0" y="0"/>
+          <a:chExt cx="0" cy="0"/>
+        </a:xfrm>
+      </p:grpSpPr>
+      <p:sp>
+        <p:nvSpPr>
+          <p:cNvPr id="2" name="Slide Image Placeholder 1"/>
+          <p:cNvSpPr>
+            <a:spLocks noGrp="1" noRot="1" noChangeAspect="1"/>
+          </p:cNvSpPr>
+          <p:nvPr>
+            <p:ph type="sldImg"/>
+          </p:nvPr>
+        </p:nvSpPr>
+        <p:spPr/>
+      </p:sp>
+      <p:sp>
+        <p:nvSpPr>
+          <p:cNvPr id="3" name="Notes Placeholder 2"/>
+          <p:cNvSpPr>
+            <a:spLocks noGrp="1"/>
+          </p:cNvSpPr>
+          <p:nvPr>
+            <p:ph type="body" idx="1"/>
+          </p:nvPr>
+        </p:nvSpPr>
+        <p:spPr/>
+        <p:txBody>
+          <a:bodyPr/>
+          <a:lstStyle/>
+          <a:p>
             <a:endParaRPr lang="en-US"/>
           </a:p>
         </p:txBody>
@@ -3761,7 +3996,7 @@
 </p:notes>
 </file>
 
-<file path=ppt/notesSlides/notesSlide23.xml><?xml version="1.0" encoding="utf-8"?>
+<file path=ppt/notesSlides/notesSlide24.xml><?xml version="1.0" encoding="utf-8"?>
 <p:notes xmlns:a="http://schemas.openxmlformats.org/drawingml/2006/main" xmlns:r="http://schemas.openxmlformats.org/officeDocument/2006/relationships" xmlns:p="http://schemas.openxmlformats.org/presentationml/2006/main">
   <p:cSld>
     <p:spTree>
@@ -19204,7 +19439,7 @@
           <p:nvPr>
             <p:extLst>
               <p:ext uri="{D42A27DB-BD31-4B8C-83A1-F6EECF244321}">
-                <p14:modId xmlns:p14="http://schemas.microsoft.com/office/powerpoint/2010/main" val="2291611131"/>
+                <p14:modId xmlns:p14="http://schemas.microsoft.com/office/powerpoint/2010/main" val="791289138"/>
               </p:ext>
             </p:extLst>
           </p:nvPr>
@@ -19223,28 +19458,28 @@
                 <a:gridCol w="5965345">
                   <a:extLst>
                     <a:ext uri="{9D8B030D-6E8A-4147-A177-3AD203B41FA5}">
-                      <a16:colId xmlns:a16="http://schemas.microsoft.com/office/drawing/2014/main" xmlns="" val="20000"/>
+                      <a16:colId xmlns="" xmlns:a16="http://schemas.microsoft.com/office/drawing/2014/main" val="20000"/>
                     </a:ext>
                   </a:extLst>
                 </a:gridCol>
                 <a:gridCol w="568903">
                   <a:extLst>
                     <a:ext uri="{9D8B030D-6E8A-4147-A177-3AD203B41FA5}">
-                      <a16:colId xmlns:a16="http://schemas.microsoft.com/office/drawing/2014/main" xmlns="" val="20001"/>
+                      <a16:colId xmlns="" xmlns:a16="http://schemas.microsoft.com/office/drawing/2014/main" val="20001"/>
                     </a:ext>
                   </a:extLst>
                 </a:gridCol>
                 <a:gridCol w="520140">
                   <a:extLst>
                     <a:ext uri="{9D8B030D-6E8A-4147-A177-3AD203B41FA5}">
-                      <a16:colId xmlns:a16="http://schemas.microsoft.com/office/drawing/2014/main" xmlns="" val="20002"/>
+                      <a16:colId xmlns="" xmlns:a16="http://schemas.microsoft.com/office/drawing/2014/main" val="20002"/>
                     </a:ext>
                   </a:extLst>
                 </a:gridCol>
                 <a:gridCol w="520140">
                   <a:extLst>
                     <a:ext uri="{9D8B030D-6E8A-4147-A177-3AD203B41FA5}">
-                      <a16:colId xmlns:a16="http://schemas.microsoft.com/office/drawing/2014/main" xmlns="" val="2588272693"/>
+                      <a16:colId xmlns="" xmlns:a16="http://schemas.microsoft.com/office/drawing/2014/main" val="2588272693"/>
                     </a:ext>
                   </a:extLst>
                 </a:gridCol>
@@ -19350,7 +19585,7 @@
                 </a:tc>
                 <a:extLst>
                   <a:ext uri="{0D108BD9-81ED-4DB2-BD59-A6C34878D82A}">
-                    <a16:rowId xmlns:a16="http://schemas.microsoft.com/office/drawing/2014/main" xmlns="" val="10000"/>
+                    <a16:rowId xmlns="" xmlns:a16="http://schemas.microsoft.com/office/drawing/2014/main" val="10000"/>
                   </a:ext>
                 </a:extLst>
               </a:tr>
@@ -19467,7 +19702,7 @@
                 </a:tc>
                 <a:extLst>
                   <a:ext uri="{0D108BD9-81ED-4DB2-BD59-A6C34878D82A}">
-                    <a16:rowId xmlns:a16="http://schemas.microsoft.com/office/drawing/2014/main" xmlns="" val="10001"/>
+                    <a16:rowId xmlns="" xmlns:a16="http://schemas.microsoft.com/office/drawing/2014/main" val="10001"/>
                   </a:ext>
                 </a:extLst>
               </a:tr>
@@ -19589,7 +19824,7 @@
                 </a:tc>
                 <a:extLst>
                   <a:ext uri="{0D108BD9-81ED-4DB2-BD59-A6C34878D82A}">
-                    <a16:rowId xmlns:a16="http://schemas.microsoft.com/office/drawing/2014/main" xmlns="" val="10002"/>
+                    <a16:rowId xmlns="" xmlns:a16="http://schemas.microsoft.com/office/drawing/2014/main" val="10002"/>
                   </a:ext>
                 </a:extLst>
               </a:tr>
@@ -19711,7 +19946,7 @@
                 </a:tc>
                 <a:extLst>
                   <a:ext uri="{0D108BD9-81ED-4DB2-BD59-A6C34878D82A}">
-                    <a16:rowId xmlns:a16="http://schemas.microsoft.com/office/drawing/2014/main" xmlns="" val="10003"/>
+                    <a16:rowId xmlns="" xmlns:a16="http://schemas.microsoft.com/office/drawing/2014/main" val="10003"/>
                   </a:ext>
                 </a:extLst>
               </a:tr>
@@ -19833,7 +20068,7 @@
                 </a:tc>
                 <a:extLst>
                   <a:ext uri="{0D108BD9-81ED-4DB2-BD59-A6C34878D82A}">
-                    <a16:rowId xmlns:a16="http://schemas.microsoft.com/office/drawing/2014/main" xmlns="" val="10004"/>
+                    <a16:rowId xmlns="" xmlns:a16="http://schemas.microsoft.com/office/drawing/2014/main" val="10004"/>
                   </a:ext>
                 </a:extLst>
               </a:tr>
@@ -19854,7 +20089,7 @@
                           <a:ea typeface="+mn-ea"/>
                           <a:cs typeface="+mn-cs"/>
                         </a:rPr>
-                        <a:t>contoso.sharepoint.libraryreceivers.wsp</a:t>
+                        <a:t>contoso.sharepoint.receivers.wsp</a:t>
                       </a:r>
                       <a:endParaRPr lang="en-US" sz="2400" b="0" i="0" u="none" strike="noStrike" dirty="0">
                         <a:solidFill>
@@ -19955,7 +20190,7 @@
                 </a:tc>
                 <a:extLst>
                   <a:ext uri="{0D108BD9-81ED-4DB2-BD59-A6C34878D82A}">
-                    <a16:rowId xmlns:a16="http://schemas.microsoft.com/office/drawing/2014/main" xmlns="" val="10005"/>
+                    <a16:rowId xmlns="" xmlns:a16="http://schemas.microsoft.com/office/drawing/2014/main" val="10005"/>
                   </a:ext>
                 </a:extLst>
               </a:tr>
@@ -20077,7 +20312,7 @@
                 </a:tc>
                 <a:extLst>
                   <a:ext uri="{0D108BD9-81ED-4DB2-BD59-A6C34878D82A}">
-                    <a16:rowId xmlns:a16="http://schemas.microsoft.com/office/drawing/2014/main" xmlns="" val="10006"/>
+                    <a16:rowId xmlns="" xmlns:a16="http://schemas.microsoft.com/office/drawing/2014/main" val="10006"/>
                   </a:ext>
                 </a:extLst>
               </a:tr>
@@ -21219,28 +21454,28 @@
                 <a:gridCol w="5965345">
                   <a:extLst>
                     <a:ext uri="{9D8B030D-6E8A-4147-A177-3AD203B41FA5}">
-                      <a16:colId xmlns:a16="http://schemas.microsoft.com/office/drawing/2014/main" xmlns="" val="20000"/>
+                      <a16:colId xmlns="" xmlns:a16="http://schemas.microsoft.com/office/drawing/2014/main" val="20000"/>
                     </a:ext>
                   </a:extLst>
                 </a:gridCol>
                 <a:gridCol w="568903">
                   <a:extLst>
                     <a:ext uri="{9D8B030D-6E8A-4147-A177-3AD203B41FA5}">
-                      <a16:colId xmlns:a16="http://schemas.microsoft.com/office/drawing/2014/main" xmlns="" val="20001"/>
+                      <a16:colId xmlns="" xmlns:a16="http://schemas.microsoft.com/office/drawing/2014/main" val="20001"/>
                     </a:ext>
                   </a:extLst>
                 </a:gridCol>
                 <a:gridCol w="520140">
                   <a:extLst>
                     <a:ext uri="{9D8B030D-6E8A-4147-A177-3AD203B41FA5}">
-                      <a16:colId xmlns:a16="http://schemas.microsoft.com/office/drawing/2014/main" xmlns="" val="20002"/>
+                      <a16:colId xmlns="" xmlns:a16="http://schemas.microsoft.com/office/drawing/2014/main" val="20002"/>
                     </a:ext>
                   </a:extLst>
                 </a:gridCol>
                 <a:gridCol w="520140">
                   <a:extLst>
                     <a:ext uri="{9D8B030D-6E8A-4147-A177-3AD203B41FA5}">
-                      <a16:colId xmlns:a16="http://schemas.microsoft.com/office/drawing/2014/main" xmlns="" val="1173184688"/>
+                      <a16:colId xmlns="" xmlns:a16="http://schemas.microsoft.com/office/drawing/2014/main" val="1173184688"/>
                     </a:ext>
                   </a:extLst>
                 </a:gridCol>
@@ -21346,7 +21581,7 @@
                 </a:tc>
                 <a:extLst>
                   <a:ext uri="{0D108BD9-81ED-4DB2-BD59-A6C34878D82A}">
-                    <a16:rowId xmlns:a16="http://schemas.microsoft.com/office/drawing/2014/main" xmlns="" val="10000"/>
+                    <a16:rowId xmlns="" xmlns:a16="http://schemas.microsoft.com/office/drawing/2014/main" val="10000"/>
                   </a:ext>
                 </a:extLst>
               </a:tr>
@@ -21464,7 +21699,7 @@
                 </a:tc>
                 <a:extLst>
                   <a:ext uri="{0D108BD9-81ED-4DB2-BD59-A6C34878D82A}">
-                    <a16:rowId xmlns:a16="http://schemas.microsoft.com/office/drawing/2014/main" xmlns="" val="10002"/>
+                    <a16:rowId xmlns="" xmlns:a16="http://schemas.microsoft.com/office/drawing/2014/main" val="10002"/>
                   </a:ext>
                 </a:extLst>
               </a:tr>
@@ -21587,7 +21822,7 @@
                 </a:tc>
                 <a:extLst>
                   <a:ext uri="{0D108BD9-81ED-4DB2-BD59-A6C34878D82A}">
-                    <a16:rowId xmlns:a16="http://schemas.microsoft.com/office/drawing/2014/main" xmlns="" val="10003"/>
+                    <a16:rowId xmlns="" xmlns:a16="http://schemas.microsoft.com/office/drawing/2014/main" val="10003"/>
                   </a:ext>
                 </a:extLst>
               </a:tr>
@@ -21711,7 +21946,7 @@
                 </a:tc>
                 <a:extLst>
                   <a:ext uri="{0D108BD9-81ED-4DB2-BD59-A6C34878D82A}">
-                    <a16:rowId xmlns:a16="http://schemas.microsoft.com/office/drawing/2014/main" xmlns="" val="10004"/>
+                    <a16:rowId xmlns="" xmlns:a16="http://schemas.microsoft.com/office/drawing/2014/main" val="10004"/>
                   </a:ext>
                 </a:extLst>
               </a:tr>
@@ -21851,7 +22086,7 @@
                 </a:tc>
                 <a:extLst>
                   <a:ext uri="{0D108BD9-81ED-4DB2-BD59-A6C34878D82A}">
-                    <a16:rowId xmlns:a16="http://schemas.microsoft.com/office/drawing/2014/main" xmlns="" val="10005"/>
+                    <a16:rowId xmlns="" xmlns:a16="http://schemas.microsoft.com/office/drawing/2014/main" val="10005"/>
                   </a:ext>
                 </a:extLst>
               </a:tr>
@@ -23005,11 +23240,7 @@
             <a:pPr lvl="2"/>
             <a:r>
               <a:rPr lang="en-US" sz="1800" dirty="0" smtClean="0"/>
-              <a:t>Roll </a:t>
-            </a:r>
-            <a:r>
-              <a:rPr lang="en-US" sz="1800" dirty="0" smtClean="0"/>
-              <a:t>up </a:t>
+              <a:t>Roll up </a:t>
             </a:r>
             <a:r>
               <a:rPr lang="en-US" sz="1800" dirty="0"/>
@@ -23024,11 +23255,7 @@
             <a:pPr lvl="2"/>
             <a:r>
               <a:rPr lang="en-US" sz="1800" dirty="0" smtClean="0"/>
-              <a:t>Provide </a:t>
-            </a:r>
-            <a:r>
-              <a:rPr lang="en-US" sz="1800" dirty="0" smtClean="0"/>
-              <a:t>a mobile friendly view of the news item when accessed from mobile devices.</a:t>
+              <a:t>Provide a mobile friendly view of the news item when accessed from mobile devices.</a:t>
             </a:r>
             <a:endParaRPr lang="en-US" sz="1800" dirty="0"/>
           </a:p>
@@ -23324,7 +23551,7 @@
                 <a:gridCol w="2373524">
                   <a:extLst>
                     <a:ext uri="{9D8B030D-6E8A-4147-A177-3AD203B41FA5}">
-                      <a16:colId xmlns="" xmlns:a16="http://schemas.microsoft.com/office/drawing/2014/main" val="20000"/>
+                      <a16:colId xmlns:a16="http://schemas.microsoft.com/office/drawing/2014/main" xmlns="" val="20000"/>
                     </a:ext>
                   </a:extLst>
                 </a:gridCol>
@@ -23337,7 +23564,7 @@
                     <a:p>
                       <a:pPr algn="ctr"/>
                       <a:r>
-                        <a:rPr lang="en-US" b="1" i="0" smtClean="0"/>
+                        <a:rPr lang="en-US" b="1" i="0" dirty="0" smtClean="0"/>
                         <a:t>Safety News</a:t>
                       </a:r>
                       <a:endParaRPr lang="nl-BE" b="1" i="0" dirty="0"/>
@@ -23387,7 +23614,7 @@
                 </a:tc>
                 <a:extLst>
                   <a:ext uri="{0D108BD9-81ED-4DB2-BD59-A6C34878D82A}">
-                    <a16:rowId xmlns="" xmlns:a16="http://schemas.microsoft.com/office/drawing/2014/main" val="10000"/>
+                    <a16:rowId xmlns:a16="http://schemas.microsoft.com/office/drawing/2014/main" xmlns="" val="10000"/>
                   </a:ext>
                 </a:extLst>
               </a:tr>
@@ -23448,7 +23675,7 @@
                 </a:tc>
                 <a:extLst>
                   <a:ext uri="{0D108BD9-81ED-4DB2-BD59-A6C34878D82A}">
-                    <a16:rowId xmlns="" xmlns:a16="http://schemas.microsoft.com/office/drawing/2014/main" val="10001"/>
+                    <a16:rowId xmlns:a16="http://schemas.microsoft.com/office/drawing/2014/main" xmlns="" val="10001"/>
                   </a:ext>
                 </a:extLst>
               </a:tr>
@@ -23518,7 +23745,7 @@
                 </a:tc>
                 <a:extLst>
                   <a:ext uri="{0D108BD9-81ED-4DB2-BD59-A6C34878D82A}">
-                    <a16:rowId xmlns="" xmlns:a16="http://schemas.microsoft.com/office/drawing/2014/main" val="10002"/>
+                    <a16:rowId xmlns:a16="http://schemas.microsoft.com/office/drawing/2014/main" xmlns="" val="10002"/>
                   </a:ext>
                 </a:extLst>
               </a:tr>
@@ -23596,7 +23823,7 @@
                 </a:tc>
                 <a:extLst>
                   <a:ext uri="{0D108BD9-81ED-4DB2-BD59-A6C34878D82A}">
-                    <a16:rowId xmlns="" xmlns:a16="http://schemas.microsoft.com/office/drawing/2014/main" val="10007"/>
+                    <a16:rowId xmlns:a16="http://schemas.microsoft.com/office/drawing/2014/main" xmlns="" val="10007"/>
                   </a:ext>
                 </a:extLst>
               </a:tr>
@@ -24086,11 +24313,7 @@
             <a:pPr lvl="2"/>
             <a:r>
               <a:rPr lang="en-US" sz="1800" dirty="0" smtClean="0"/>
-              <a:t>Custom </a:t>
-            </a:r>
-            <a:r>
-              <a:rPr lang="en-US" sz="1800" dirty="0" smtClean="0"/>
-              <a:t>web </a:t>
+              <a:t>Custom web </a:t>
             </a:r>
             <a:r>
               <a:rPr lang="en-US" sz="1800" dirty="0"/>
@@ -24423,7 +24646,7 @@
                 <a:gridCol w="2373524">
                   <a:extLst>
                     <a:ext uri="{9D8B030D-6E8A-4147-A177-3AD203B41FA5}">
-                      <a16:colId xmlns="" xmlns:a16="http://schemas.microsoft.com/office/drawing/2014/main" val="20000"/>
+                      <a16:colId xmlns:a16="http://schemas.microsoft.com/office/drawing/2014/main" xmlns="" val="20000"/>
                     </a:ext>
                   </a:extLst>
                 </a:gridCol>
@@ -24486,7 +24709,7 @@
                 </a:tc>
                 <a:extLst>
                   <a:ext uri="{0D108BD9-81ED-4DB2-BD59-A6C34878D82A}">
-                    <a16:rowId xmlns="" xmlns:a16="http://schemas.microsoft.com/office/drawing/2014/main" val="10000"/>
+                    <a16:rowId xmlns:a16="http://schemas.microsoft.com/office/drawing/2014/main" xmlns="" val="10000"/>
                   </a:ext>
                 </a:extLst>
               </a:tr>
@@ -24547,7 +24770,7 @@
                 </a:tc>
                 <a:extLst>
                   <a:ext uri="{0D108BD9-81ED-4DB2-BD59-A6C34878D82A}">
-                    <a16:rowId xmlns="" xmlns:a16="http://schemas.microsoft.com/office/drawing/2014/main" val="10001"/>
+                    <a16:rowId xmlns:a16="http://schemas.microsoft.com/office/drawing/2014/main" xmlns="" val="10001"/>
                   </a:ext>
                 </a:extLst>
               </a:tr>
@@ -24617,7 +24840,7 @@
                 </a:tc>
                 <a:extLst>
                   <a:ext uri="{0D108BD9-81ED-4DB2-BD59-A6C34878D82A}">
-                    <a16:rowId xmlns="" xmlns:a16="http://schemas.microsoft.com/office/drawing/2014/main" val="10002"/>
+                    <a16:rowId xmlns:a16="http://schemas.microsoft.com/office/drawing/2014/main" xmlns="" val="10002"/>
                   </a:ext>
                 </a:extLst>
               </a:tr>
@@ -24695,7 +24918,7 @@
                 </a:tc>
                 <a:extLst>
                   <a:ext uri="{0D108BD9-81ED-4DB2-BD59-A6C34878D82A}">
-                    <a16:rowId xmlns="" xmlns:a16="http://schemas.microsoft.com/office/drawing/2014/main" val="10007"/>
+                    <a16:rowId xmlns:a16="http://schemas.microsoft.com/office/drawing/2014/main" xmlns="" val="10007"/>
                   </a:ext>
                 </a:extLst>
               </a:tr>
@@ -25156,7 +25379,7 @@
                 <a:gridCol w="2373524">
                   <a:extLst>
                     <a:ext uri="{9D8B030D-6E8A-4147-A177-3AD203B41FA5}">
-                      <a16:colId xmlns="" xmlns:a16="http://schemas.microsoft.com/office/drawing/2014/main" val="20000"/>
+                      <a16:colId xmlns:a16="http://schemas.microsoft.com/office/drawing/2014/main" xmlns="" val="20000"/>
                     </a:ext>
                   </a:extLst>
                 </a:gridCol>
@@ -25219,7 +25442,7 @@
                 </a:tc>
                 <a:extLst>
                   <a:ext uri="{0D108BD9-81ED-4DB2-BD59-A6C34878D82A}">
-                    <a16:rowId xmlns="" xmlns:a16="http://schemas.microsoft.com/office/drawing/2014/main" val="10000"/>
+                    <a16:rowId xmlns:a16="http://schemas.microsoft.com/office/drawing/2014/main" xmlns="" val="10000"/>
                   </a:ext>
                 </a:extLst>
               </a:tr>
@@ -25280,7 +25503,7 @@
                 </a:tc>
                 <a:extLst>
                   <a:ext uri="{0D108BD9-81ED-4DB2-BD59-A6C34878D82A}">
-                    <a16:rowId xmlns="" xmlns:a16="http://schemas.microsoft.com/office/drawing/2014/main" val="10001"/>
+                    <a16:rowId xmlns:a16="http://schemas.microsoft.com/office/drawing/2014/main" xmlns="" val="10001"/>
                   </a:ext>
                 </a:extLst>
               </a:tr>
@@ -25350,7 +25573,7 @@
                 </a:tc>
                 <a:extLst>
                   <a:ext uri="{0D108BD9-81ED-4DB2-BD59-A6C34878D82A}">
-                    <a16:rowId xmlns="" xmlns:a16="http://schemas.microsoft.com/office/drawing/2014/main" val="10002"/>
+                    <a16:rowId xmlns:a16="http://schemas.microsoft.com/office/drawing/2014/main" xmlns="" val="10002"/>
                   </a:ext>
                 </a:extLst>
               </a:tr>
@@ -25428,7 +25651,7 @@
                 </a:tc>
                 <a:extLst>
                   <a:ext uri="{0D108BD9-81ED-4DB2-BD59-A6C34878D82A}">
-                    <a16:rowId xmlns="" xmlns:a16="http://schemas.microsoft.com/office/drawing/2014/main" val="10007"/>
+                    <a16:rowId xmlns:a16="http://schemas.microsoft.com/office/drawing/2014/main" xmlns="" val="10007"/>
                   </a:ext>
                 </a:extLst>
               </a:tr>
@@ -25862,7 +26085,7 @@
                 <a:gridCol w="2373524">
                   <a:extLst>
                     <a:ext uri="{9D8B030D-6E8A-4147-A177-3AD203B41FA5}">
-                      <a16:colId xmlns="" xmlns:a16="http://schemas.microsoft.com/office/drawing/2014/main" val="20000"/>
+                      <a16:colId xmlns:a16="http://schemas.microsoft.com/office/drawing/2014/main" xmlns="" val="20000"/>
                     </a:ext>
                   </a:extLst>
                 </a:gridCol>
@@ -25925,7 +26148,7 @@
                 </a:tc>
                 <a:extLst>
                   <a:ext uri="{0D108BD9-81ED-4DB2-BD59-A6C34878D82A}">
-                    <a16:rowId xmlns="" xmlns:a16="http://schemas.microsoft.com/office/drawing/2014/main" val="10000"/>
+                    <a16:rowId xmlns:a16="http://schemas.microsoft.com/office/drawing/2014/main" xmlns="" val="10000"/>
                   </a:ext>
                 </a:extLst>
               </a:tr>
@@ -25986,7 +26209,7 @@
                 </a:tc>
                 <a:extLst>
                   <a:ext uri="{0D108BD9-81ED-4DB2-BD59-A6C34878D82A}">
-                    <a16:rowId xmlns="" xmlns:a16="http://schemas.microsoft.com/office/drawing/2014/main" val="10001"/>
+                    <a16:rowId xmlns:a16="http://schemas.microsoft.com/office/drawing/2014/main" xmlns="" val="10001"/>
                   </a:ext>
                 </a:extLst>
               </a:tr>
@@ -26056,7 +26279,7 @@
                 </a:tc>
                 <a:extLst>
                   <a:ext uri="{0D108BD9-81ED-4DB2-BD59-A6C34878D82A}">
-                    <a16:rowId xmlns="" xmlns:a16="http://schemas.microsoft.com/office/drawing/2014/main" val="10002"/>
+                    <a16:rowId xmlns:a16="http://schemas.microsoft.com/office/drawing/2014/main" xmlns="" val="10002"/>
                   </a:ext>
                 </a:extLst>
               </a:tr>
@@ -26134,7 +26357,7 @@
                 </a:tc>
                 <a:extLst>
                   <a:ext uri="{0D108BD9-81ED-4DB2-BD59-A6C34878D82A}">
-                    <a16:rowId xmlns="" xmlns:a16="http://schemas.microsoft.com/office/drawing/2014/main" val="10007"/>
+                    <a16:rowId xmlns:a16="http://schemas.microsoft.com/office/drawing/2014/main" xmlns="" val="10007"/>
                   </a:ext>
                 </a:extLst>
               </a:tr>
@@ -26318,7 +26541,6 @@
               <a:rPr lang="en-US" sz="1800" dirty="0" smtClean="0"/>
               <a:t>Prevent custom user actions</a:t>
             </a:r>
-            <a:endParaRPr lang="en-US" sz="1800" dirty="0" smtClean="0"/>
           </a:p>
           <a:p>
             <a:pPr lvl="2"/>
@@ -26341,7 +26563,6 @@
               <a:rPr lang="en-US" sz="1800" dirty="0" smtClean="0"/>
               <a:t>Allows users to create sub sites through electronic requests</a:t>
             </a:r>
-            <a:endParaRPr lang="en-US" sz="1800" dirty="0" smtClean="0"/>
           </a:p>
           <a:p>
             <a:pPr lvl="2"/>
@@ -26349,21 +26570,12 @@
               <a:rPr lang="en-US" sz="1800" dirty="0" smtClean="0"/>
               <a:t>Hides the sites requested by other users</a:t>
             </a:r>
-            <a:endParaRPr lang="en-US" sz="1800" dirty="0" smtClean="0"/>
           </a:p>
           <a:p>
             <a:pPr lvl="2"/>
             <a:r>
               <a:rPr lang="en-US" sz="1800" dirty="0" smtClean="0"/>
-              <a:t>Allows auto activation of some site </a:t>
-            </a:r>
-            <a:r>
-              <a:rPr lang="en-US" sz="1800" dirty="0" smtClean="0"/>
-              <a:t>f</a:t>
-            </a:r>
-            <a:r>
-              <a:rPr lang="en-US" sz="1800" dirty="0" smtClean="0"/>
-              <a:t>eatures during site provision</a:t>
+              <a:t>Allows auto activation of some site features during site provision</a:t>
             </a:r>
           </a:p>
           <a:p>
@@ -26384,7 +26596,6 @@
               <a:rPr lang="en-US" sz="1800" dirty="0"/>
               <a:t>after one year</a:t>
             </a:r>
-            <a:endParaRPr lang="en-US" sz="1800" dirty="0"/>
           </a:p>
         </p:txBody>
       </p:sp>
@@ -26666,7 +26877,7 @@
                 <a:gridCol w="2373524">
                   <a:extLst>
                     <a:ext uri="{9D8B030D-6E8A-4147-A177-3AD203B41FA5}">
-                      <a16:colId xmlns="" xmlns:a16="http://schemas.microsoft.com/office/drawing/2014/main" val="20000"/>
+                      <a16:colId xmlns:a16="http://schemas.microsoft.com/office/drawing/2014/main" xmlns="" val="20000"/>
                     </a:ext>
                   </a:extLst>
                 </a:gridCol>
@@ -26729,7 +26940,7 @@
                 </a:tc>
                 <a:extLst>
                   <a:ext uri="{0D108BD9-81ED-4DB2-BD59-A6C34878D82A}">
-                    <a16:rowId xmlns="" xmlns:a16="http://schemas.microsoft.com/office/drawing/2014/main" val="10000"/>
+                    <a16:rowId xmlns:a16="http://schemas.microsoft.com/office/drawing/2014/main" xmlns="" val="10000"/>
                   </a:ext>
                 </a:extLst>
               </a:tr>
@@ -26790,7 +27001,7 @@
                 </a:tc>
                 <a:extLst>
                   <a:ext uri="{0D108BD9-81ED-4DB2-BD59-A6C34878D82A}">
-                    <a16:rowId xmlns="" xmlns:a16="http://schemas.microsoft.com/office/drawing/2014/main" val="10001"/>
+                    <a16:rowId xmlns:a16="http://schemas.microsoft.com/office/drawing/2014/main" xmlns="" val="10001"/>
                   </a:ext>
                 </a:extLst>
               </a:tr>
@@ -26860,7 +27071,7 @@
                 </a:tc>
                 <a:extLst>
                   <a:ext uri="{0D108BD9-81ED-4DB2-BD59-A6C34878D82A}">
-                    <a16:rowId xmlns="" xmlns:a16="http://schemas.microsoft.com/office/drawing/2014/main" val="10002"/>
+                    <a16:rowId xmlns:a16="http://schemas.microsoft.com/office/drawing/2014/main" xmlns="" val="10002"/>
                   </a:ext>
                 </a:extLst>
               </a:tr>
@@ -26938,7 +27149,7 @@
                 </a:tc>
                 <a:extLst>
                   <a:ext uri="{0D108BD9-81ED-4DB2-BD59-A6C34878D82A}">
-                    <a16:rowId xmlns="" xmlns:a16="http://schemas.microsoft.com/office/drawing/2014/main" val="10007"/>
+                    <a16:rowId xmlns:a16="http://schemas.microsoft.com/office/drawing/2014/main" xmlns="" val="10007"/>
                   </a:ext>
                 </a:extLst>
               </a:tr>
@@ -27086,19 +27297,7 @@
             <a:pPr lvl="1"/>
             <a:r>
               <a:rPr lang="en-US" dirty="0" smtClean="0"/>
-              <a:t>Remote provisioning technique </a:t>
-            </a:r>
-            <a:r>
-              <a:rPr lang="en-US" dirty="0" smtClean="0"/>
-              <a:t>can be used to create sites using </a:t>
-            </a:r>
-            <a:r>
-              <a:rPr lang="en-US" dirty="0" smtClean="0"/>
-              <a:t>App </a:t>
-            </a:r>
-            <a:r>
-              <a:rPr lang="en-US" dirty="0" smtClean="0"/>
-              <a:t>Model.</a:t>
+              <a:t>Remote provisioning technique can be used to create sites using App Model.</a:t>
             </a:r>
           </a:p>
           <a:p>
@@ -27109,11 +27308,27 @@
             </a:r>
             <a:r>
               <a:rPr lang="en-US" dirty="0"/>
-              <a:t>provisioning work can be done using an </a:t>
+              <a:t>provisioning work can be done using </a:t>
+            </a:r>
+            <a:r>
+              <a:rPr lang="en-US" dirty="0" smtClean="0"/>
+              <a:t>a </a:t>
+            </a:r>
+            <a:r>
+              <a:rPr lang="en-US" b="1" dirty="0" smtClean="0"/>
+              <a:t>Remote</a:t>
+            </a:r>
+            <a:r>
+              <a:rPr lang="en-US" dirty="0" smtClean="0"/>
+              <a:t> </a:t>
+            </a:r>
+            <a:r>
+              <a:rPr lang="en-US" b="1" dirty="0" smtClean="0"/>
+              <a:t>Event </a:t>
             </a:r>
             <a:r>
               <a:rPr lang="en-US" b="1" dirty="0"/>
-              <a:t>App Event Receiver</a:t>
+              <a:t>Receiver</a:t>
             </a:r>
             <a:endParaRPr lang="en-US" dirty="0" smtClean="0"/>
           </a:p>
@@ -27433,7 +27648,7 @@
                 <a:gridCol w="2373524">
                   <a:extLst>
                     <a:ext uri="{9D8B030D-6E8A-4147-A177-3AD203B41FA5}">
-                      <a16:colId xmlns="" xmlns:a16="http://schemas.microsoft.com/office/drawing/2014/main" val="20000"/>
+                      <a16:colId xmlns:a16="http://schemas.microsoft.com/office/drawing/2014/main" xmlns="" val="20000"/>
                     </a:ext>
                   </a:extLst>
                 </a:gridCol>
@@ -27496,7 +27711,7 @@
                 </a:tc>
                 <a:extLst>
                   <a:ext uri="{0D108BD9-81ED-4DB2-BD59-A6C34878D82A}">
-                    <a16:rowId xmlns="" xmlns:a16="http://schemas.microsoft.com/office/drawing/2014/main" val="10000"/>
+                    <a16:rowId xmlns:a16="http://schemas.microsoft.com/office/drawing/2014/main" xmlns="" val="10000"/>
                   </a:ext>
                 </a:extLst>
               </a:tr>
@@ -27557,7 +27772,7 @@
                 </a:tc>
                 <a:extLst>
                   <a:ext uri="{0D108BD9-81ED-4DB2-BD59-A6C34878D82A}">
-                    <a16:rowId xmlns="" xmlns:a16="http://schemas.microsoft.com/office/drawing/2014/main" val="10001"/>
+                    <a16:rowId xmlns:a16="http://schemas.microsoft.com/office/drawing/2014/main" xmlns="" val="10001"/>
                   </a:ext>
                 </a:extLst>
               </a:tr>
@@ -27627,7 +27842,7 @@
                 </a:tc>
                 <a:extLst>
                   <a:ext uri="{0D108BD9-81ED-4DB2-BD59-A6C34878D82A}">
-                    <a16:rowId xmlns="" xmlns:a16="http://schemas.microsoft.com/office/drawing/2014/main" val="10002"/>
+                    <a16:rowId xmlns:a16="http://schemas.microsoft.com/office/drawing/2014/main" xmlns="" val="10002"/>
                   </a:ext>
                 </a:extLst>
               </a:tr>
@@ -27705,7 +27920,7 @@
                 </a:tc>
                 <a:extLst>
                   <a:ext uri="{0D108BD9-81ED-4DB2-BD59-A6C34878D82A}">
-                    <a16:rowId xmlns="" xmlns:a16="http://schemas.microsoft.com/office/drawing/2014/main" val="10007"/>
+                    <a16:rowId xmlns:a16="http://schemas.microsoft.com/office/drawing/2014/main" xmlns="" val="10007"/>
                   </a:ext>
                 </a:extLst>
               </a:tr>
@@ -28200,30 +28415,21 @@
             <a:pPr lvl="2"/>
             <a:r>
               <a:rPr lang="en-US" sz="1800" dirty="0" smtClean="0"/>
-              <a:t>Sends </a:t>
-            </a:r>
+              <a:t>Sends notification emails when policies are due for revision.</a:t>
+            </a:r>
+          </a:p>
+          <a:p>
+            <a:pPr lvl="2"/>
             <a:r>
               <a:rPr lang="en-US" sz="1800" dirty="0" smtClean="0"/>
-              <a:t>notification emails when policies are due for revision.</a:t>
+              <a:t>Deletes records that are more than 7 years old.</a:t>
             </a:r>
           </a:p>
           <a:p>
             <a:pPr lvl="2"/>
             <a:r>
               <a:rPr lang="en-US" sz="1800" dirty="0" smtClean="0"/>
-              <a:t>Deletes </a:t>
-            </a:r>
-            <a:r>
-              <a:rPr lang="en-US" sz="1800" dirty="0" smtClean="0"/>
-              <a:t>records that are more than </a:t>
-            </a:r>
-            <a:r>
-              <a:rPr lang="en-US" sz="1800" dirty="0" smtClean="0"/>
-              <a:t>7 </a:t>
-            </a:r>
-            <a:r>
-              <a:rPr lang="en-US" sz="1800" dirty="0" smtClean="0"/>
-              <a:t>years old</a:t>
+              <a:t>Action taken on expiring documents is logged for audit purposes</a:t>
             </a:r>
             <a:r>
               <a:rPr lang="en-US" sz="1800" dirty="0" smtClean="0"/>
@@ -28234,9 +28440,58 @@
             <a:pPr lvl="2"/>
             <a:r>
               <a:rPr lang="en-US" sz="1800" dirty="0" smtClean="0"/>
-              <a:t>Action taken on expiring documents is logged for audit purposes.</a:t>
+              <a:t>Kicks off workflow when the document expires</a:t>
             </a:r>
             <a:endParaRPr lang="en-US" sz="1800" dirty="0" smtClean="0"/>
+          </a:p>
+          <a:p>
+            <a:r>
+              <a:rPr lang="en-US" dirty="0"/>
+              <a:t>Migration</a:t>
+            </a:r>
+          </a:p>
+          <a:p>
+            <a:pPr lvl="1"/>
+            <a:r>
+              <a:rPr lang="en-US" dirty="0"/>
+              <a:t>Business logic could be factored to one or more </a:t>
+            </a:r>
+            <a:r>
+              <a:rPr lang="en-US" b="1" dirty="0" err="1"/>
+              <a:t>oData</a:t>
+            </a:r>
+            <a:r>
+              <a:rPr lang="en-US" b="1" dirty="0"/>
+              <a:t> Web Services</a:t>
+            </a:r>
+          </a:p>
+          <a:p>
+            <a:pPr lvl="1"/>
+            <a:r>
+              <a:rPr lang="en-US" dirty="0"/>
+              <a:t>May leverage eDiscovery capabilities of Office 365.</a:t>
+            </a:r>
+          </a:p>
+          <a:p>
+            <a:r>
+              <a:rPr lang="en-US" dirty="0"/>
+              <a:t>Challenges</a:t>
+            </a:r>
+          </a:p>
+          <a:p>
+            <a:pPr lvl="1"/>
+            <a:r>
+              <a:rPr lang="en-US" dirty="0"/>
+              <a:t>Although SharePoint 2013 is backwards compatible with 2010 workflows, the call to HTTP Web Service action is only available for workflows built using SharePoint 2013 declarative workflows </a:t>
+            </a:r>
+          </a:p>
+          <a:p>
+            <a:pPr lvl="1"/>
+            <a:endParaRPr lang="en-US" dirty="0"/>
+          </a:p>
+          <a:p>
+            <a:pPr lvl="1"/>
+            <a:endParaRPr lang="en-US" dirty="0"/>
           </a:p>
           <a:p>
             <a:pPr lvl="2"/>
@@ -28522,7 +28777,7 @@
                 <a:gridCol w="2373524">
                   <a:extLst>
                     <a:ext uri="{9D8B030D-6E8A-4147-A177-3AD203B41FA5}">
-                      <a16:colId xmlns="" xmlns:a16="http://schemas.microsoft.com/office/drawing/2014/main" val="20000"/>
+                      <a16:colId xmlns:a16="http://schemas.microsoft.com/office/drawing/2014/main" xmlns="" val="20000"/>
                     </a:ext>
                   </a:extLst>
                 </a:gridCol>
@@ -28585,7 +28840,7 @@
                 </a:tc>
                 <a:extLst>
                   <a:ext uri="{0D108BD9-81ED-4DB2-BD59-A6C34878D82A}">
-                    <a16:rowId xmlns="" xmlns:a16="http://schemas.microsoft.com/office/drawing/2014/main" val="10000"/>
+                    <a16:rowId xmlns:a16="http://schemas.microsoft.com/office/drawing/2014/main" xmlns="" val="10000"/>
                   </a:ext>
                 </a:extLst>
               </a:tr>
@@ -28646,7 +28901,7 @@
                 </a:tc>
                 <a:extLst>
                   <a:ext uri="{0D108BD9-81ED-4DB2-BD59-A6C34878D82A}">
-                    <a16:rowId xmlns="" xmlns:a16="http://schemas.microsoft.com/office/drawing/2014/main" val="10001"/>
+                    <a16:rowId xmlns:a16="http://schemas.microsoft.com/office/drawing/2014/main" xmlns="" val="10001"/>
                   </a:ext>
                 </a:extLst>
               </a:tr>
@@ -28716,7 +28971,7 @@
                 </a:tc>
                 <a:extLst>
                   <a:ext uri="{0D108BD9-81ED-4DB2-BD59-A6C34878D82A}">
-                    <a16:rowId xmlns="" xmlns:a16="http://schemas.microsoft.com/office/drawing/2014/main" val="10002"/>
+                    <a16:rowId xmlns:a16="http://schemas.microsoft.com/office/drawing/2014/main" xmlns="" val="10002"/>
                   </a:ext>
                 </a:extLst>
               </a:tr>
@@ -28794,7 +29049,7 @@
                 </a:tc>
                 <a:extLst>
                   <a:ext uri="{0D108BD9-81ED-4DB2-BD59-A6C34878D82A}">
-                    <a16:rowId xmlns="" xmlns:a16="http://schemas.microsoft.com/office/drawing/2014/main" val="10007"/>
+                    <a16:rowId xmlns:a16="http://schemas.microsoft.com/office/drawing/2014/main" xmlns="" val="10007"/>
                   </a:ext>
                 </a:extLst>
               </a:tr>
@@ -29079,106 +29334,6 @@
             </a:lvl9pPr>
           </a:lstStyle>
           <a:p>
-            <a:r>
-              <a:rPr lang="en-US" dirty="0" smtClean="0"/>
-              <a:t>Migration</a:t>
-            </a:r>
-          </a:p>
-          <a:p>
-            <a:pPr lvl="1"/>
-            <a:r>
-              <a:rPr lang="en-US" dirty="0" smtClean="0"/>
-              <a:t>Business </a:t>
-            </a:r>
-            <a:r>
-              <a:rPr lang="en-US" dirty="0"/>
-              <a:t>logic could be factored to one or more </a:t>
-            </a:r>
-            <a:r>
-              <a:rPr lang="en-US" b="1" dirty="0" err="1"/>
-              <a:t>oData</a:t>
-            </a:r>
-            <a:r>
-              <a:rPr lang="en-US" b="1" dirty="0"/>
-              <a:t> Web </a:t>
-            </a:r>
-            <a:r>
-              <a:rPr lang="en-US" b="1" dirty="0" smtClean="0"/>
-              <a:t>Services</a:t>
-            </a:r>
-          </a:p>
-          <a:p>
-            <a:pPr lvl="1"/>
-            <a:r>
-              <a:rPr lang="en-US" dirty="0" smtClean="0"/>
-              <a:t>May leverage </a:t>
-            </a:r>
-            <a:r>
-              <a:rPr lang="en-US" dirty="0"/>
-              <a:t>eDiscovery capabilities of Office 365</a:t>
-            </a:r>
-            <a:r>
-              <a:rPr lang="en-US" dirty="0" smtClean="0"/>
-              <a:t>.</a:t>
-            </a:r>
-            <a:endParaRPr lang="en-US" dirty="0" smtClean="0"/>
-          </a:p>
-          <a:p>
-            <a:r>
-              <a:rPr lang="en-US" dirty="0" smtClean="0"/>
-              <a:t>Challenges</a:t>
-            </a:r>
-            <a:endParaRPr lang="en-US" dirty="0"/>
-          </a:p>
-          <a:p>
-            <a:pPr lvl="1"/>
-            <a:r>
-              <a:rPr lang="en-US" dirty="0"/>
-              <a:t>Although SharePoint 2013 </a:t>
-            </a:r>
-            <a:r>
-              <a:rPr lang="en-US" dirty="0" smtClean="0"/>
-              <a:t>is backwards </a:t>
-            </a:r>
-            <a:r>
-              <a:rPr lang="en-US" dirty="0"/>
-              <a:t>compatible with 2010 workflows, the </a:t>
-            </a:r>
-            <a:r>
-              <a:rPr lang="en-US" dirty="0" smtClean="0"/>
-              <a:t>call to </a:t>
-            </a:r>
-            <a:r>
-              <a:rPr lang="en-US" dirty="0"/>
-              <a:t>HTTP Web Service action is only available </a:t>
-            </a:r>
-            <a:r>
-              <a:rPr lang="en-US" dirty="0" smtClean="0"/>
-              <a:t>for workflows </a:t>
-            </a:r>
-            <a:r>
-              <a:rPr lang="en-US" dirty="0"/>
-              <a:t>built </a:t>
-            </a:r>
-            <a:r>
-              <a:rPr lang="en-US" dirty="0" smtClean="0"/>
-              <a:t>using SharePoint </a:t>
-            </a:r>
-            <a:r>
-              <a:rPr lang="en-US" dirty="0"/>
-              <a:t>2013 declarative workflows</a:t>
-            </a:r>
-            <a:r>
-              <a:rPr lang="en-US" dirty="0" smtClean="0"/>
-              <a:t> </a:t>
-            </a:r>
-            <a:endParaRPr lang="en-US" dirty="0"/>
-          </a:p>
-          <a:p>
-            <a:pPr lvl="1"/>
-            <a:endParaRPr lang="en-US" dirty="0" smtClean="0"/>
-          </a:p>
-          <a:p>
             <a:pPr lvl="1"/>
             <a:endParaRPr lang="en-US" dirty="0"/>
           </a:p>
@@ -29246,7 +29401,7 @@
           <a:p>
             <a:r>
               <a:rPr lang="nl-BE" dirty="0" smtClean="0"/>
-              <a:t>News notifications</a:t>
+              <a:t>Event handlers</a:t>
             </a:r>
             <a:br>
               <a:rPr lang="nl-BE" dirty="0" smtClean="0"/>
@@ -29257,7 +29412,7 @@
                   <a:schemeClr val="accent1"/>
                 </a:solidFill>
               </a:rPr>
-              <a:t>contoso.sharepoint.newsalerts.wsp</a:t>
+              <a:t>contoso.sharepoint.eventreceivers.wsp</a:t>
             </a:r>
             <a:r>
               <a:rPr lang="en-US" sz="3600" dirty="0">
@@ -29318,21 +29473,330 @@
           <a:lstStyle/>
           <a:p>
             <a:r>
-              <a:rPr lang="en-US" dirty="0" smtClean="0"/>
-              <a:t>Current Implementation:</a:t>
-            </a:r>
+              <a:rPr lang="en-US" dirty="0"/>
+              <a:t>Current Implementation</a:t>
+            </a:r>
+            <a:endParaRPr lang="en-US" dirty="0" smtClean="0"/>
+          </a:p>
+          <a:p>
+            <a:pPr lvl="0"/>
+            <a:r>
+              <a:rPr lang="en-US" sz="2000" spc="0" dirty="0">
+                <a:gradFill>
+                  <a:gsLst>
+                    <a:gs pos="1250">
+                      <a:srgbClr val="797A7D"/>
+                    </a:gs>
+                    <a:gs pos="100000">
+                      <a:srgbClr val="797A7D"/>
+                    </a:gs>
+                  </a:gsLst>
+                  <a:lin ang="5400000" scaled="0"/>
+                </a:gradFill>
+                <a:latin typeface="+mn-lt"/>
+              </a:rPr>
+              <a:t>List Event </a:t>
+            </a:r>
+            <a:r>
+              <a:rPr lang="en-US" sz="2000" spc="0" dirty="0" smtClean="0">
+                <a:gradFill>
+                  <a:gsLst>
+                    <a:gs pos="1250">
+                      <a:srgbClr val="797A7D"/>
+                    </a:gs>
+                    <a:gs pos="100000">
+                      <a:srgbClr val="797A7D"/>
+                    </a:gs>
+                  </a:gsLst>
+                  <a:lin ang="5400000" scaled="0"/>
+                </a:gradFill>
+                <a:latin typeface="+mn-lt"/>
+              </a:rPr>
+              <a:t>Receivers </a:t>
+            </a:r>
+            <a:r>
+              <a:rPr lang="en-US" sz="2000" spc="0" dirty="0" smtClean="0">
+                <a:gradFill>
+                  <a:gsLst>
+                    <a:gs pos="1250">
+                      <a:srgbClr val="797A7D"/>
+                    </a:gs>
+                    <a:gs pos="100000">
+                      <a:srgbClr val="797A7D"/>
+                    </a:gs>
+                  </a:gsLst>
+                  <a:lin ang="5400000" scaled="0"/>
+                </a:gradFill>
+                <a:latin typeface="+mn-lt"/>
+              </a:rPr>
+              <a:t>capture </a:t>
+            </a:r>
+            <a:r>
+              <a:rPr lang="en-US" sz="2000" spc="0" dirty="0" smtClean="0">
+                <a:gradFill>
+                  <a:gsLst>
+                    <a:gs pos="1250">
+                      <a:srgbClr val="797A7D"/>
+                    </a:gs>
+                    <a:gs pos="100000">
+                      <a:srgbClr val="797A7D"/>
+                    </a:gs>
+                  </a:gsLst>
+                  <a:lin ang="5400000" scaled="0"/>
+                </a:gradFill>
+                <a:latin typeface="+mn-lt"/>
+              </a:rPr>
+              <a:t>list </a:t>
+            </a:r>
+            <a:r>
+              <a:rPr lang="en-US" sz="2000" spc="0" dirty="0" smtClean="0">
+                <a:gradFill>
+                  <a:gsLst>
+                    <a:gs pos="1250">
+                      <a:srgbClr val="797A7D"/>
+                    </a:gs>
+                    <a:gs pos="100000">
+                      <a:srgbClr val="797A7D"/>
+                    </a:gs>
+                  </a:gsLst>
+                  <a:lin ang="5400000" scaled="0"/>
+                </a:gradFill>
+                <a:latin typeface="+mn-lt"/>
+              </a:rPr>
+              <a:t>metadata on document uploads</a:t>
+            </a:r>
+            <a:endParaRPr lang="en-NZ" sz="2000" spc="0" dirty="0">
+              <a:gradFill>
+                <a:gsLst>
+                  <a:gs pos="1250">
+                    <a:srgbClr val="797A7D"/>
+                  </a:gs>
+                  <a:gs pos="100000">
+                    <a:srgbClr val="797A7D"/>
+                  </a:gs>
+                </a:gsLst>
+                <a:lin ang="5400000" scaled="0"/>
+              </a:gradFill>
+              <a:latin typeface="+mn-lt"/>
+            </a:endParaRPr>
+          </a:p>
+          <a:p>
+            <a:pPr lvl="0"/>
+            <a:r>
+              <a:rPr lang="en-US" sz="2000" spc="0" dirty="0" smtClean="0">
+                <a:gradFill>
+                  <a:gsLst>
+                    <a:gs pos="1250">
+                      <a:srgbClr val="797A7D"/>
+                    </a:gs>
+                    <a:gs pos="100000">
+                      <a:srgbClr val="797A7D"/>
+                    </a:gs>
+                  </a:gsLst>
+                  <a:lin ang="5400000" scaled="0"/>
+                </a:gradFill>
+                <a:latin typeface="+mn-lt"/>
+              </a:rPr>
+              <a:t>Custom security is applied on Web creation</a:t>
+            </a:r>
+          </a:p>
+          <a:p>
+            <a:pPr lvl="0"/>
+            <a:r>
+              <a:rPr lang="en-US" sz="2000" spc="0" dirty="0" smtClean="0">
+                <a:gradFill>
+                  <a:gsLst>
+                    <a:gs pos="1250">
+                      <a:srgbClr val="797A7D"/>
+                    </a:gs>
+                    <a:gs pos="100000">
+                      <a:srgbClr val="797A7D"/>
+                    </a:gs>
+                  </a:gsLst>
+                  <a:lin ang="5400000" scaled="0"/>
+                </a:gradFill>
+                <a:latin typeface="+mn-lt"/>
+              </a:rPr>
+              <a:t>Site </a:t>
+            </a:r>
+            <a:r>
+              <a:rPr lang="en-US" sz="2000" spc="0" dirty="0" smtClean="0">
+                <a:gradFill>
+                  <a:gsLst>
+                    <a:gs pos="1250">
+                      <a:srgbClr val="797A7D"/>
+                    </a:gs>
+                    <a:gs pos="100000">
+                      <a:srgbClr val="797A7D"/>
+                    </a:gs>
+                  </a:gsLst>
+                  <a:lin ang="5400000" scaled="0"/>
+                </a:gradFill>
+                <a:latin typeface="+mn-lt"/>
+              </a:rPr>
+              <a:t>deletion </a:t>
+            </a:r>
+            <a:r>
+              <a:rPr lang="en-US" sz="2000" spc="0" dirty="0" smtClean="0">
+                <a:gradFill>
+                  <a:gsLst>
+                    <a:gs pos="1250">
+                      <a:srgbClr val="797A7D"/>
+                    </a:gs>
+                    <a:gs pos="100000">
+                      <a:srgbClr val="797A7D"/>
+                    </a:gs>
+                  </a:gsLst>
+                  <a:lin ang="5400000" scaled="0"/>
+                </a:gradFill>
+                <a:latin typeface="+mn-lt"/>
+              </a:rPr>
+              <a:t>events </a:t>
+            </a:r>
+            <a:r>
+              <a:rPr lang="en-US" sz="2000" spc="0" dirty="0" smtClean="0">
+                <a:gradFill>
+                  <a:gsLst>
+                    <a:gs pos="1250">
+                      <a:srgbClr val="797A7D"/>
+                    </a:gs>
+                    <a:gs pos="100000">
+                      <a:srgbClr val="797A7D"/>
+                    </a:gs>
+                  </a:gsLst>
+                  <a:lin ang="5400000" scaled="0"/>
+                </a:gradFill>
+                <a:latin typeface="+mn-lt"/>
+              </a:rPr>
+              <a:t>captured the information for audit purposes</a:t>
+            </a:r>
+            <a:endParaRPr lang="en-NZ" sz="2000" spc="0" dirty="0">
+              <a:gradFill>
+                <a:gsLst>
+                  <a:gs pos="1250">
+                    <a:srgbClr val="797A7D"/>
+                  </a:gs>
+                  <a:gs pos="100000">
+                    <a:srgbClr val="797A7D"/>
+                  </a:gs>
+                </a:gsLst>
+                <a:lin ang="5400000" scaled="0"/>
+              </a:gradFill>
+              <a:latin typeface="+mn-lt"/>
+            </a:endParaRPr>
+          </a:p>
+          <a:p>
+            <a:r>
+              <a:rPr lang="en-US" sz="2000" spc="0" dirty="0" smtClean="0">
+                <a:gradFill>
+                  <a:gsLst>
+                    <a:gs pos="1250">
+                      <a:srgbClr val="797A7D"/>
+                    </a:gs>
+                    <a:gs pos="100000">
+                      <a:srgbClr val="797A7D"/>
+                    </a:gs>
+                  </a:gsLst>
+                  <a:lin ang="5400000" scaled="0"/>
+                </a:gradFill>
+                <a:latin typeface="+mn-lt"/>
+              </a:rPr>
+              <a:t>Site columns and content type </a:t>
+            </a:r>
+            <a:r>
+              <a:rPr lang="en-US" sz="2000" spc="0" dirty="0" smtClean="0">
+                <a:gradFill>
+                  <a:gsLst>
+                    <a:gs pos="1250">
+                      <a:srgbClr val="797A7D"/>
+                    </a:gs>
+                    <a:gs pos="100000">
+                      <a:srgbClr val="797A7D"/>
+                    </a:gs>
+                  </a:gsLst>
+                  <a:lin ang="5400000" scaled="0"/>
+                </a:gradFill>
+                <a:latin typeface="+mn-lt"/>
+              </a:rPr>
+              <a:t>are provisioned using feature </a:t>
+            </a:r>
+            <a:r>
+              <a:rPr lang="en-US" sz="2000" spc="0" dirty="0" smtClean="0">
+                <a:gradFill>
+                  <a:gsLst>
+                    <a:gs pos="1250">
+                      <a:srgbClr val="797A7D"/>
+                    </a:gs>
+                    <a:gs pos="100000">
+                      <a:srgbClr val="797A7D"/>
+                    </a:gs>
+                  </a:gsLst>
+                  <a:lin ang="5400000" scaled="0"/>
+                </a:gradFill>
+                <a:latin typeface="+mn-lt"/>
+              </a:rPr>
+              <a:t>activation</a:t>
+            </a:r>
+            <a:endParaRPr lang="en-US" sz="2000" spc="0" dirty="0">
+              <a:gradFill>
+                <a:gsLst>
+                  <a:gs pos="1250">
+                    <a:srgbClr val="797A7D"/>
+                  </a:gs>
+                  <a:gs pos="100000">
+                    <a:srgbClr val="797A7D"/>
+                  </a:gs>
+                </a:gsLst>
+                <a:lin ang="5400000" scaled="0"/>
+              </a:gradFill>
+              <a:latin typeface="+mn-lt"/>
+            </a:endParaRPr>
+          </a:p>
+          <a:p>
+            <a:pPr lvl="0"/>
+            <a:r>
+              <a:rPr lang="en-US" dirty="0">
+                <a:solidFill>
+                  <a:srgbClr val="EB3C00"/>
+                </a:solidFill>
+              </a:rPr>
+              <a:t>Migration</a:t>
+            </a:r>
+          </a:p>
+          <a:p>
+            <a:pPr lvl="1"/>
+            <a:r>
+              <a:rPr lang="en-US" dirty="0" smtClean="0">
+                <a:gradFill>
+                  <a:gsLst>
+                    <a:gs pos="1250">
+                      <a:srgbClr val="797A7D"/>
+                    </a:gs>
+                    <a:gs pos="100000">
+                      <a:srgbClr val="797A7D"/>
+                    </a:gs>
+                  </a:gsLst>
+                  <a:lin ang="5400000" scaled="0"/>
+                </a:gradFill>
+              </a:rPr>
+              <a:t>Remote event receivers can be used that can be invoked through a provider hosted app.</a:t>
+            </a:r>
+            <a:endParaRPr lang="en-US" dirty="0">
+              <a:gradFill>
+                <a:gsLst>
+                  <a:gs pos="1250">
+                    <a:srgbClr val="797A7D"/>
+                  </a:gs>
+                  <a:gs pos="100000">
+                    <a:srgbClr val="797A7D"/>
+                  </a:gs>
+                </a:gsLst>
+                <a:lin ang="5400000" scaled="0"/>
+              </a:gradFill>
+            </a:endParaRPr>
+          </a:p>
+          <a:p>
             <a:endParaRPr lang="en-US" dirty="0"/>
-          </a:p>
-          <a:p>
-            <a:pPr lvl="1"/>
-            <a:r>
-              <a:rPr lang="en-US" sz="1800" dirty="0" smtClean="0"/>
-              <a:t>The timer job solution has been designed to send </a:t>
-            </a:r>
-            <a:r>
-              <a:rPr lang="en-US" sz="1800" dirty="0" smtClean="0"/>
-              <a:t>notification when a “featured” news article is added</a:t>
-            </a:r>
           </a:p>
         </p:txBody>
       </p:sp>
@@ -29605,11 +30069,7 @@
             <a:graphicFrameLocks noGrp="1"/>
           </p:cNvGraphicFramePr>
           <p:nvPr>
-            <p:extLst>
-              <p:ext uri="{D42A27DB-BD31-4B8C-83A1-F6EECF244321}">
-                <p14:modId xmlns:p14="http://schemas.microsoft.com/office/powerpoint/2010/main" val="283125596"/>
-              </p:ext>
-            </p:extLst>
+            <p:extLst/>
           </p:nvPr>
         </p:nvGraphicFramePr>
         <p:xfrm>
@@ -29626,7 +30086,7 @@
                 <a:gridCol w="2373524">
                   <a:extLst>
                     <a:ext uri="{9D8B030D-6E8A-4147-A177-3AD203B41FA5}">
-                      <a16:colId xmlns="" xmlns:a16="http://schemas.microsoft.com/office/drawing/2014/main" val="20000"/>
+                      <a16:colId xmlns:a16="http://schemas.microsoft.com/office/drawing/2014/main" xmlns="" val="20000"/>
                     </a:ext>
                   </a:extLst>
                 </a:gridCol>
@@ -29640,7 +30100,7 @@
                       <a:pPr algn="ctr"/>
                       <a:r>
                         <a:rPr lang="en-US" b="1" i="0" dirty="0" smtClean="0"/>
-                        <a:t>News Notifications</a:t>
+                        <a:t>Event Receivers</a:t>
                       </a:r>
                       <a:endParaRPr lang="nl-BE" b="1" i="0" dirty="0"/>
                     </a:p>
@@ -29689,7 +30149,7 @@
                 </a:tc>
                 <a:extLst>
                   <a:ext uri="{0D108BD9-81ED-4DB2-BD59-A6C34878D82A}">
-                    <a16:rowId xmlns="" xmlns:a16="http://schemas.microsoft.com/office/drawing/2014/main" val="10000"/>
+                    <a16:rowId xmlns:a16="http://schemas.microsoft.com/office/drawing/2014/main" xmlns="" val="10000"/>
                   </a:ext>
                 </a:extLst>
               </a:tr>
@@ -29750,7 +30210,7 @@
                 </a:tc>
                 <a:extLst>
                   <a:ext uri="{0D108BD9-81ED-4DB2-BD59-A6C34878D82A}">
-                    <a16:rowId xmlns="" xmlns:a16="http://schemas.microsoft.com/office/drawing/2014/main" val="10001"/>
+                    <a16:rowId xmlns:a16="http://schemas.microsoft.com/office/drawing/2014/main" xmlns="" val="10001"/>
                   </a:ext>
                 </a:extLst>
               </a:tr>
@@ -29814,13 +30274,13 @@
                       <a:tailEnd type="none" w="med" len="med"/>
                     </a:lnB>
                     <a:solidFill>
-                      <a:srgbClr val="00B050"/>
+                      <a:schemeClr val="accent2"/>
                     </a:solidFill>
                   </a:tcPr>
                 </a:tc>
                 <a:extLst>
                   <a:ext uri="{0D108BD9-81ED-4DB2-BD59-A6C34878D82A}">
-                    <a16:rowId xmlns="" xmlns:a16="http://schemas.microsoft.com/office/drawing/2014/main" val="10002"/>
+                    <a16:rowId xmlns:a16="http://schemas.microsoft.com/office/drawing/2014/main" xmlns="" val="10002"/>
                   </a:ext>
                 </a:extLst>
               </a:tr>
@@ -29898,7 +30358,7 @@
                 </a:tc>
                 <a:extLst>
                   <a:ext uri="{0D108BD9-81ED-4DB2-BD59-A6C34878D82A}">
-                    <a16:rowId xmlns="" xmlns:a16="http://schemas.microsoft.com/office/drawing/2014/main" val="10007"/>
+                    <a16:rowId xmlns:a16="http://schemas.microsoft.com/office/drawing/2014/main" xmlns="" val="10007"/>
                   </a:ext>
                 </a:extLst>
               </a:tr>
@@ -29949,79 +30409,6 @@
       </p:pic>
       <p:sp>
         <p:nvSpPr>
-          <p:cNvPr id="8" name="Rectangle 7"/>
-          <p:cNvSpPr/>
-          <p:nvPr/>
-        </p:nvSpPr>
-        <p:spPr>
-          <a:xfrm>
-            <a:off x="3063777" y="3784525"/>
-            <a:ext cx="8494619" cy="1206484"/>
-          </a:xfrm>
-          <a:prstGeom prst="rect">
-            <a:avLst/>
-          </a:prstGeom>
-        </p:spPr>
-        <p:txBody>
-          <a:bodyPr wrap="square">
-            <a:spAutoFit/>
-          </a:bodyPr>
-          <a:lstStyle/>
-          <a:p>
-            <a:pPr marL="284163" lvl="0" indent="-284163">
-              <a:lnSpc>
-                <a:spcPct val="90000"/>
-              </a:lnSpc>
-              <a:spcBef>
-                <a:spcPct val="20000"/>
-              </a:spcBef>
-              <a:buSzPct val="80000"/>
-              <a:buFont typeface="Wingdings" pitchFamily="2" charset="2"/>
-              <a:buChar char=""/>
-            </a:pPr>
-            <a:r>
-              <a:rPr lang="en-US" sz="3600" spc="-70" dirty="0" smtClean="0">
-                <a:solidFill>
-                  <a:srgbClr val="EB3C00"/>
-                </a:solidFill>
-                <a:latin typeface="Segoe UI Light"/>
-              </a:rPr>
-              <a:t>Migration</a:t>
-            </a:r>
-          </a:p>
-          <a:p>
-            <a:pPr marL="517525" lvl="1" indent="-233363">
-              <a:lnSpc>
-                <a:spcPct val="90000"/>
-              </a:lnSpc>
-              <a:spcBef>
-                <a:spcPct val="20000"/>
-              </a:spcBef>
-              <a:buSzPct val="90000"/>
-              <a:buFont typeface="Wingdings" pitchFamily="2" charset="2"/>
-              <a:buChar char=""/>
-            </a:pPr>
-            <a:r>
-              <a:rPr lang="en-US" sz="2000" dirty="0" smtClean="0">
-                <a:gradFill>
-                  <a:gsLst>
-                    <a:gs pos="1250">
-                      <a:srgbClr val="797A7D"/>
-                    </a:gs>
-                    <a:gs pos="100000">
-                      <a:srgbClr val="797A7D"/>
-                    </a:gs>
-                  </a:gsLst>
-                  <a:lin ang="5400000" scaled="0"/>
-                </a:gradFill>
-              </a:rPr>
-              <a:t>The solution will be abandoned. Yammer sends automated emails when an announcement is added.</a:t>
-            </a:r>
-          </a:p>
-        </p:txBody>
-      </p:sp>
-      <p:sp>
-        <p:nvSpPr>
           <p:cNvPr id="5" name="Rectangle 4"/>
           <p:cNvSpPr/>
           <p:nvPr/>
@@ -30096,7 +30483,7 @@
     </p:spTree>
     <p:extLst>
       <p:ext uri="{BB962C8B-B14F-4D97-AF65-F5344CB8AC3E}">
-        <p14:creationId xmlns:p14="http://schemas.microsoft.com/office/powerpoint/2010/main" val="3815317068"/>
+        <p14:creationId xmlns:p14="http://schemas.microsoft.com/office/powerpoint/2010/main" val="3719127670"/>
       </p:ext>
     </p:extLst>
   </p:cSld>
@@ -30143,42 +30530,66 @@
             <p:ph type="title"/>
           </p:nvPr>
         </p:nvSpPr>
-        <p:spPr/>
+        <p:spPr>
+          <a:xfrm>
+            <a:off x="3173505" y="992992"/>
+            <a:ext cx="8494619" cy="747897"/>
+          </a:xfrm>
+        </p:spPr>
         <p:txBody>
-          <a:bodyPr/>
+          <a:bodyPr anchor="ctr"/>
           <a:lstStyle/>
           <a:p>
             <a:r>
               <a:rPr lang="nl-BE" dirty="0" smtClean="0"/>
-              <a:t>Skill Finder</a:t>
+              <a:t>News notifications</a:t>
             </a:r>
             <a:br>
               <a:rPr lang="nl-BE" dirty="0" smtClean="0"/>
             </a:br>
             <a:r>
-              <a:rPr lang="en-US" sz="3600" dirty="0" err="1">
+              <a:rPr lang="en-US" sz="3600" dirty="0" err="1" smtClean="0">
                 <a:solidFill>
                   <a:schemeClr val="accent1"/>
                 </a:solidFill>
               </a:rPr>
-              <a:t>tailspin.skillfinder.wsp</a:t>
-            </a:r>
-            <a:r>
-              <a:rPr lang="en-US" dirty="0">
+              <a:t>contoso.sharepoint.newsalerts.wsp</a:t>
+            </a:r>
+            <a:r>
+              <a:rPr lang="en-US" sz="3600" dirty="0">
                 <a:solidFill>
-                  <a:schemeClr val="dk1"/>
+                  <a:schemeClr val="accent1"/>
                 </a:solidFill>
               </a:rPr>
               <a:t/>
             </a:r>
             <a:br>
-              <a:rPr lang="en-US" dirty="0">
+              <a:rPr lang="en-US" sz="3600" dirty="0">
                 <a:solidFill>
-                  <a:schemeClr val="dk1"/>
+                  <a:schemeClr val="accent1"/>
                 </a:solidFill>
               </a:rPr>
             </a:br>
-            <a:endParaRPr lang="nl-BE" dirty="0"/>
+            <a:r>
+              <a:rPr lang="en-US" sz="3600" dirty="0">
+                <a:solidFill>
+                  <a:schemeClr val="accent1"/>
+                </a:solidFill>
+              </a:rPr>
+              <a:t/>
+            </a:r>
+            <a:br>
+              <a:rPr lang="en-US" sz="3600" dirty="0">
+                <a:solidFill>
+                  <a:schemeClr val="accent1"/>
+                </a:solidFill>
+              </a:rPr>
+            </a:br>
+            <a:endParaRPr lang="nl-BE" sz="3600" dirty="0">
+              <a:solidFill>
+                <a:schemeClr val="accent1"/>
+              </a:solidFill>
+            </a:endParaRPr>
           </a:p>
         </p:txBody>
       </p:sp>
@@ -30194,8 +30605,8 @@
         </p:nvSpPr>
         <p:spPr>
           <a:xfrm>
-            <a:off x="3173505" y="1531859"/>
-            <a:ext cx="8825990" cy="4596225"/>
+            <a:off x="3173505" y="2238374"/>
+            <a:ext cx="8494619" cy="4619626"/>
           </a:xfrm>
         </p:spPr>
         <p:txBody>
@@ -30204,88 +30615,25 @@
           <a:p>
             <a:r>
               <a:rPr lang="en-US" dirty="0" smtClean="0"/>
-              <a:t>Current Implementation</a:t>
+              <a:t>Current Implementation:</a:t>
             </a:r>
             <a:endParaRPr lang="en-US" dirty="0"/>
           </a:p>
           <a:p>
-            <a:pPr lvl="1"/>
-            <a:r>
-              <a:rPr lang="en-US" dirty="0" smtClean="0"/>
-              <a:t>The solution has </a:t>
-            </a:r>
-            <a:r>
-              <a:rPr lang="en-US" dirty="0" smtClean="0"/>
-              <a:t>been designed to:</a:t>
-            </a:r>
-          </a:p>
-          <a:p>
-            <a:pPr lvl="1"/>
-            <a:r>
-              <a:rPr lang="en-US" dirty="0" smtClean="0"/>
-              <a:t>Allow </a:t>
-            </a:r>
-            <a:r>
-              <a:rPr lang="en-US" dirty="0" smtClean="0"/>
-              <a:t>users to search experts based on their years of experience and past projects.</a:t>
-            </a:r>
-          </a:p>
-          <a:p>
-            <a:pPr lvl="1"/>
-            <a:r>
-              <a:rPr lang="en-US" dirty="0" smtClean="0"/>
-              <a:t>Allow the users to be able to communicate with the experts using a </a:t>
-            </a:r>
-            <a:r>
-              <a:rPr lang="en-US" dirty="0" smtClean="0"/>
-              <a:t>custom user interface.</a:t>
-            </a:r>
-            <a:endParaRPr lang="en-US" dirty="0"/>
-          </a:p>
-          <a:p>
-            <a:pPr lvl="1"/>
-            <a:endParaRPr lang="en-US" dirty="0"/>
-          </a:p>
-          <a:p>
-            <a:r>
-              <a:rPr lang="en-US" dirty="0" smtClean="0"/>
-              <a:t>Migration</a:t>
-            </a:r>
-            <a:endParaRPr lang="en-US" dirty="0"/>
-          </a:p>
-          <a:p>
-            <a:pPr lvl="1"/>
-            <a:r>
-              <a:rPr lang="en-US" dirty="0" smtClean="0"/>
-              <a:t>The solution can be replaced using the SharePoint People search</a:t>
-            </a:r>
-          </a:p>
-          <a:p>
-            <a:pPr lvl="1"/>
-            <a:r>
-              <a:rPr lang="en-US" dirty="0" smtClean="0"/>
-              <a:t>The People search provides integration with Lync which can then be used to communicate with the expert using messaging or voice call.</a:t>
-            </a:r>
-            <a:endParaRPr lang="en-US" dirty="0"/>
-          </a:p>
-          <a:p>
-            <a:pPr lvl="1"/>
-            <a:endParaRPr lang="en-US" dirty="0"/>
-          </a:p>
-          <a:p>
-            <a:r>
-              <a:rPr lang="en-US" dirty="0" smtClean="0"/>
-              <a:t>Challenges</a:t>
-            </a:r>
-            <a:endParaRPr lang="en-US" dirty="0"/>
-          </a:p>
-          <a:p>
-            <a:pPr lvl="1"/>
-            <a:r>
-              <a:rPr lang="en-US" dirty="0" smtClean="0"/>
-              <a:t>None</a:t>
-            </a:r>
-            <a:endParaRPr lang="en-US" dirty="0"/>
+            <a:pPr lvl="2"/>
+            <a:r>
+              <a:rPr lang="en-US" sz="1800" dirty="0" smtClean="0"/>
+              <a:t>A timer job that runs daily sends an email notification in the event of a major </a:t>
+            </a:r>
+            <a:r>
+              <a:rPr lang="en-US" sz="1800" dirty="0"/>
+              <a:t>safety </a:t>
+            </a:r>
+            <a:r>
+              <a:rPr lang="en-US" sz="1800" dirty="0" smtClean="0"/>
+              <a:t>incident</a:t>
+            </a:r>
+            <a:endParaRPr lang="en-US" sz="1800" dirty="0"/>
           </a:p>
         </p:txBody>
       </p:sp>
@@ -30535,20 +30883,32 @@
             </a:lvl9pPr>
           </a:lstStyle>
           <a:p>
-            <a:endParaRPr lang="en-US" dirty="0" smtClean="0"/>
+            <a:endParaRPr lang="en-US" dirty="0" smtClean="0">
+              <a:gradFill>
+                <a:gsLst>
+                  <a:gs pos="1250">
+                    <a:srgbClr val="797A7D"/>
+                  </a:gs>
+                  <a:gs pos="100000">
+                    <a:srgbClr val="797A7D"/>
+                  </a:gs>
+                </a:gsLst>
+                <a:lin ang="5400000" scaled="0"/>
+              </a:gradFill>
+            </a:endParaRPr>
           </a:p>
         </p:txBody>
       </p:sp>
       <p:graphicFrame>
         <p:nvGraphicFramePr>
-          <p:cNvPr id="6" name="Table 7"/>
+          <p:cNvPr id="7" name="Table 7"/>
           <p:cNvGraphicFramePr>
             <a:graphicFrameLocks noGrp="1"/>
           </p:cNvGraphicFramePr>
           <p:nvPr>
             <p:extLst>
               <p:ext uri="{D42A27DB-BD31-4B8C-83A1-F6EECF244321}">
-                <p14:modId xmlns:p14="http://schemas.microsoft.com/office/powerpoint/2010/main" val="2399225543"/>
+                <p14:modId xmlns:p14="http://schemas.microsoft.com/office/powerpoint/2010/main" val="283125596"/>
               </p:ext>
             </p:extLst>
           </p:nvPr>
@@ -30567,7 +30927,7 @@
                 <a:gridCol w="2373524">
                   <a:extLst>
                     <a:ext uri="{9D8B030D-6E8A-4147-A177-3AD203B41FA5}">
-                      <a16:colId xmlns="" xmlns:a16="http://schemas.microsoft.com/office/drawing/2014/main" val="20000"/>
+                      <a16:colId xmlns:a16="http://schemas.microsoft.com/office/drawing/2014/main" xmlns="" val="20000"/>
                     </a:ext>
                   </a:extLst>
                 </a:gridCol>
@@ -30581,7 +30941,7 @@
                       <a:pPr algn="ctr"/>
                       <a:r>
                         <a:rPr lang="en-US" b="1" i="0" dirty="0" smtClean="0"/>
-                        <a:t>Skill Finder</a:t>
+                        <a:t>News Notifications</a:t>
                       </a:r>
                       <a:endParaRPr lang="nl-BE" b="1" i="0" dirty="0"/>
                     </a:p>
@@ -30630,7 +30990,7 @@
                 </a:tc>
                 <a:extLst>
                   <a:ext uri="{0D108BD9-81ED-4DB2-BD59-A6C34878D82A}">
-                    <a16:rowId xmlns="" xmlns:a16="http://schemas.microsoft.com/office/drawing/2014/main" val="10000"/>
+                    <a16:rowId xmlns:a16="http://schemas.microsoft.com/office/drawing/2014/main" xmlns="" val="10000"/>
                   </a:ext>
                 </a:extLst>
               </a:tr>
@@ -30691,7 +31051,7 @@
                 </a:tc>
                 <a:extLst>
                   <a:ext uri="{0D108BD9-81ED-4DB2-BD59-A6C34878D82A}">
-                    <a16:rowId xmlns="" xmlns:a16="http://schemas.microsoft.com/office/drawing/2014/main" val="10001"/>
+                    <a16:rowId xmlns:a16="http://schemas.microsoft.com/office/drawing/2014/main" xmlns="" val="10001"/>
                   </a:ext>
                 </a:extLst>
               </a:tr>
@@ -30755,13 +31115,13 @@
                       <a:tailEnd type="none" w="med" len="med"/>
                     </a:lnB>
                     <a:solidFill>
-                      <a:schemeClr val="accent2"/>
+                      <a:srgbClr val="00B050"/>
                     </a:solidFill>
                   </a:tcPr>
                 </a:tc>
                 <a:extLst>
                   <a:ext uri="{0D108BD9-81ED-4DB2-BD59-A6C34878D82A}">
-                    <a16:rowId xmlns="" xmlns:a16="http://schemas.microsoft.com/office/drawing/2014/main" val="10002"/>
+                    <a16:rowId xmlns:a16="http://schemas.microsoft.com/office/drawing/2014/main" xmlns="" val="10002"/>
                   </a:ext>
                 </a:extLst>
               </a:tr>
@@ -30839,7 +31199,7 @@
                 </a:tc>
                 <a:extLst>
                   <a:ext uri="{0D108BD9-81ED-4DB2-BD59-A6C34878D82A}">
-                    <a16:rowId xmlns="" xmlns:a16="http://schemas.microsoft.com/office/drawing/2014/main" val="10007"/>
+                    <a16:rowId xmlns:a16="http://schemas.microsoft.com/office/drawing/2014/main" xmlns="" val="10007"/>
                   </a:ext>
                 </a:extLst>
               </a:tr>
@@ -30847,50 +31207,197 @@
           </a:graphicData>
         </a:graphic>
       </p:graphicFrame>
+      <p:pic>
+        <p:nvPicPr>
+          <p:cNvPr id="2052" name="Picture 4" descr="http://wordlabs.ru/wp-content/uploads/2015/02/Contoso-logo.png"/>
+          <p:cNvPicPr>
+            <a:picLocks noChangeAspect="1" noChangeArrowheads="1"/>
+          </p:cNvPicPr>
+          <p:nvPr/>
+        </p:nvPicPr>
+        <p:blipFill>
+          <a:blip r:embed="rId3">
+            <a:extLst>
+              <a:ext uri="{28A0092B-C50C-407E-A947-70E740481C1C}">
+                <a14:useLocalDpi xmlns:a14="http://schemas.microsoft.com/office/drawing/2010/main" val="0"/>
+              </a:ext>
+            </a:extLst>
+          </a:blip>
+          <a:srcRect/>
+          <a:stretch>
+            <a:fillRect/>
+          </a:stretch>
+        </p:blipFill>
+        <p:spPr bwMode="auto">
+          <a:xfrm>
+            <a:off x="296955" y="2052637"/>
+            <a:ext cx="1676400" cy="904876"/>
+          </a:xfrm>
+          <a:prstGeom prst="rect">
+            <a:avLst/>
+          </a:prstGeom>
+          <a:noFill/>
+          <a:extLst>
+            <a:ext uri="{909E8E84-426E-40DD-AFC4-6F175D3DCCD1}">
+              <a14:hiddenFill xmlns:a14="http://schemas.microsoft.com/office/drawing/2010/main">
+                <a:solidFill>
+                  <a:srgbClr val="FFFFFF"/>
+                </a:solidFill>
+              </a14:hiddenFill>
+            </a:ext>
+          </a:extLst>
+        </p:spPr>
+      </p:pic>
       <p:sp>
         <p:nvSpPr>
-          <p:cNvPr id="3" name="Rectangle 2"/>
+          <p:cNvPr id="8" name="Rectangle 7"/>
           <p:cNvSpPr/>
           <p:nvPr/>
         </p:nvSpPr>
         <p:spPr>
           <a:xfrm>
-            <a:off x="230528" y="2003612"/>
-            <a:ext cx="1580882" cy="523220"/>
+            <a:off x="3063777" y="3784525"/>
+            <a:ext cx="8494619" cy="1206484"/>
           </a:xfrm>
           <a:prstGeom prst="rect">
             <a:avLst/>
           </a:prstGeom>
         </p:spPr>
         <p:txBody>
-          <a:bodyPr wrap="none">
+          <a:bodyPr wrap="square">
             <a:spAutoFit/>
           </a:bodyPr>
           <a:lstStyle/>
           <a:p>
-            <a:pPr algn="ctr"/>
-            <a:r>
-              <a:rPr lang="en-US" sz="2800" b="1" dirty="0" err="1" smtClean="0">
+            <a:pPr marL="284163" lvl="0" indent="-284163">
+              <a:lnSpc>
+                <a:spcPct val="90000"/>
+              </a:lnSpc>
+              <a:spcBef>
+                <a:spcPct val="20000"/>
+              </a:spcBef>
+              <a:buSzPct val="80000"/>
+              <a:buFont typeface="Wingdings" pitchFamily="2" charset="2"/>
+              <a:buChar char=""/>
+            </a:pPr>
+            <a:r>
+              <a:rPr lang="en-US" sz="3600" spc="-70" dirty="0" smtClean="0">
                 <a:solidFill>
-                  <a:schemeClr val="bg1"/>
+                  <a:srgbClr val="EB3C00"/>
                 </a:solidFill>
-                <a:latin typeface="Berlin Sans FB" panose="020E0602020502020306" pitchFamily="34" charset="0"/>
+                <a:latin typeface="Segoe UI Light"/>
               </a:rPr>
-              <a:t>TailSpin</a:t>
-            </a:r>
-            <a:endParaRPr lang="nl-BE" sz="2800" b="1" dirty="0">
-              <a:solidFill>
-                <a:schemeClr val="bg1"/>
-              </a:solidFill>
-              <a:latin typeface="Berlin Sans FB" panose="020E0602020502020306" pitchFamily="34" charset="0"/>
-            </a:endParaRPr>
+              <a:t>Migration</a:t>
+            </a:r>
+          </a:p>
+          <a:p>
+            <a:pPr marL="517525" lvl="1" indent="-233363">
+              <a:lnSpc>
+                <a:spcPct val="90000"/>
+              </a:lnSpc>
+              <a:spcBef>
+                <a:spcPct val="20000"/>
+              </a:spcBef>
+              <a:buSzPct val="90000"/>
+              <a:buFont typeface="Wingdings" pitchFamily="2" charset="2"/>
+              <a:buChar char=""/>
+            </a:pPr>
+            <a:r>
+              <a:rPr lang="en-US" sz="2000" dirty="0" smtClean="0">
+                <a:gradFill>
+                  <a:gsLst>
+                    <a:gs pos="1250">
+                      <a:srgbClr val="797A7D"/>
+                    </a:gs>
+                    <a:gs pos="100000">
+                      <a:srgbClr val="797A7D"/>
+                    </a:gs>
+                  </a:gsLst>
+                  <a:lin ang="5400000" scaled="0"/>
+                </a:gradFill>
+              </a:rPr>
+              <a:t>The solution will be abandoned. Yammer sends automated emails when an announcement is added.</a:t>
+            </a:r>
+          </a:p>
+        </p:txBody>
+      </p:sp>
+      <p:sp>
+        <p:nvSpPr>
+          <p:cNvPr id="5" name="Rectangle 4"/>
+          <p:cNvSpPr/>
+          <p:nvPr/>
+        </p:nvSpPr>
+        <p:spPr>
+          <a:xfrm>
+            <a:off x="3173505" y="5313341"/>
+            <a:ext cx="6092825" cy="929485"/>
+          </a:xfrm>
+          <a:prstGeom prst="rect">
+            <a:avLst/>
+          </a:prstGeom>
+        </p:spPr>
+        <p:txBody>
+          <a:bodyPr>
+            <a:spAutoFit/>
+          </a:bodyPr>
+          <a:lstStyle/>
+          <a:p>
+            <a:pPr marL="284163" lvl="0" indent="-284163">
+              <a:lnSpc>
+                <a:spcPct val="90000"/>
+              </a:lnSpc>
+              <a:spcBef>
+                <a:spcPct val="20000"/>
+              </a:spcBef>
+              <a:buSzPct val="80000"/>
+              <a:buFont typeface="Wingdings" pitchFamily="2" charset="2"/>
+              <a:buChar char=""/>
+            </a:pPr>
+            <a:r>
+              <a:rPr lang="en-US" sz="3600" spc="-70" dirty="0">
+                <a:solidFill>
+                  <a:srgbClr val="EB3C00"/>
+                </a:solidFill>
+                <a:latin typeface="Segoe UI Light"/>
+              </a:rPr>
+              <a:t>Challenges</a:t>
+            </a:r>
+          </a:p>
+          <a:p>
+            <a:pPr marL="517525" lvl="1" indent="-233363">
+              <a:lnSpc>
+                <a:spcPct val="90000"/>
+              </a:lnSpc>
+              <a:spcBef>
+                <a:spcPct val="20000"/>
+              </a:spcBef>
+              <a:buSzPct val="90000"/>
+              <a:buFont typeface="Wingdings" pitchFamily="2" charset="2"/>
+              <a:buChar char=""/>
+            </a:pPr>
+            <a:r>
+              <a:rPr lang="en-US" sz="2000" dirty="0">
+                <a:gradFill>
+                  <a:gsLst>
+                    <a:gs pos="1250">
+                      <a:srgbClr val="797A7D"/>
+                    </a:gs>
+                    <a:gs pos="100000">
+                      <a:srgbClr val="797A7D"/>
+                    </a:gs>
+                  </a:gsLst>
+                  <a:lin ang="5400000" scaled="0"/>
+                </a:gradFill>
+              </a:rPr>
+              <a:t>None</a:t>
+            </a:r>
           </a:p>
         </p:txBody>
       </p:sp>
     </p:spTree>
     <p:extLst>
       <p:ext uri="{BB962C8B-B14F-4D97-AF65-F5344CB8AC3E}">
-        <p14:creationId xmlns:p14="http://schemas.microsoft.com/office/powerpoint/2010/main" val="3250092999"/>
+        <p14:creationId xmlns:p14="http://schemas.microsoft.com/office/powerpoint/2010/main" val="3815317068"/>
       </p:ext>
     </p:extLst>
   </p:cSld>
@@ -30944,6 +31451,788 @@
           <a:p>
             <a:r>
               <a:rPr lang="nl-BE" dirty="0" smtClean="0"/>
+              <a:t>Skill Finder</a:t>
+            </a:r>
+            <a:br>
+              <a:rPr lang="nl-BE" dirty="0" smtClean="0"/>
+            </a:br>
+            <a:r>
+              <a:rPr lang="en-US" sz="3600" dirty="0" err="1">
+                <a:solidFill>
+                  <a:schemeClr val="accent1"/>
+                </a:solidFill>
+              </a:rPr>
+              <a:t>tailspin.skillfinder.wsp</a:t>
+            </a:r>
+            <a:r>
+              <a:rPr lang="en-US" dirty="0">
+                <a:solidFill>
+                  <a:schemeClr val="dk1"/>
+                </a:solidFill>
+              </a:rPr>
+              <a:t/>
+            </a:r>
+            <a:br>
+              <a:rPr lang="en-US" dirty="0">
+                <a:solidFill>
+                  <a:schemeClr val="dk1"/>
+                </a:solidFill>
+              </a:rPr>
+            </a:br>
+            <a:endParaRPr lang="nl-BE" dirty="0"/>
+          </a:p>
+        </p:txBody>
+      </p:sp>
+      <p:sp>
+        <p:nvSpPr>
+          <p:cNvPr id="11" name="Text Placeholder 10"/>
+          <p:cNvSpPr>
+            <a:spLocks noGrp="1"/>
+          </p:cNvSpPr>
+          <p:nvPr>
+            <p:ph type="body" sz="quarter" idx="10"/>
+          </p:nvPr>
+        </p:nvSpPr>
+        <p:spPr>
+          <a:xfrm>
+            <a:off x="3173505" y="1531859"/>
+            <a:ext cx="8825990" cy="4596225"/>
+          </a:xfrm>
+        </p:spPr>
+        <p:txBody>
+          <a:bodyPr/>
+          <a:lstStyle/>
+          <a:p>
+            <a:r>
+              <a:rPr lang="en-US" dirty="0" smtClean="0"/>
+              <a:t>Current Implementation</a:t>
+            </a:r>
+            <a:endParaRPr lang="en-US" dirty="0"/>
+          </a:p>
+          <a:p>
+            <a:pPr lvl="1"/>
+            <a:r>
+              <a:rPr lang="en-US" dirty="0" smtClean="0"/>
+              <a:t>The solution has been designed to:</a:t>
+            </a:r>
+          </a:p>
+          <a:p>
+            <a:pPr lvl="1"/>
+            <a:r>
+              <a:rPr lang="en-US" dirty="0" smtClean="0"/>
+              <a:t>Allow users to search experts based on their years of experience and past projects.</a:t>
+            </a:r>
+          </a:p>
+          <a:p>
+            <a:pPr lvl="1"/>
+            <a:r>
+              <a:rPr lang="en-US" dirty="0" smtClean="0"/>
+              <a:t>Allow the users to be able to communicate with the experts using a custom user interface.</a:t>
+            </a:r>
+            <a:endParaRPr lang="en-US" dirty="0"/>
+          </a:p>
+          <a:p>
+            <a:pPr lvl="1"/>
+            <a:endParaRPr lang="en-US" dirty="0"/>
+          </a:p>
+          <a:p>
+            <a:r>
+              <a:rPr lang="en-US" dirty="0" smtClean="0"/>
+              <a:t>Migration</a:t>
+            </a:r>
+            <a:endParaRPr lang="en-US" dirty="0"/>
+          </a:p>
+          <a:p>
+            <a:pPr lvl="1"/>
+            <a:r>
+              <a:rPr lang="en-US" dirty="0" smtClean="0"/>
+              <a:t>The solution can be replaced using the SharePoint People search</a:t>
+            </a:r>
+          </a:p>
+          <a:p>
+            <a:pPr lvl="1"/>
+            <a:r>
+              <a:rPr lang="en-US" dirty="0" smtClean="0"/>
+              <a:t>The People search provides integration with Lync which can then be used to communicate with the expert using messaging or voice call.</a:t>
+            </a:r>
+            <a:endParaRPr lang="en-US" dirty="0"/>
+          </a:p>
+          <a:p>
+            <a:pPr lvl="1"/>
+            <a:endParaRPr lang="en-US" dirty="0"/>
+          </a:p>
+          <a:p>
+            <a:r>
+              <a:rPr lang="en-US" dirty="0" smtClean="0"/>
+              <a:t>Challenges</a:t>
+            </a:r>
+            <a:endParaRPr lang="en-US" dirty="0"/>
+          </a:p>
+          <a:p>
+            <a:pPr lvl="1"/>
+            <a:r>
+              <a:rPr lang="en-US" dirty="0" smtClean="0"/>
+              <a:t>None</a:t>
+            </a:r>
+            <a:endParaRPr lang="en-US" dirty="0"/>
+          </a:p>
+        </p:txBody>
+      </p:sp>
+      <p:sp>
+        <p:nvSpPr>
+          <p:cNvPr id="4" name="Text Placeholder 6"/>
+          <p:cNvSpPr txBox="1">
+            <a:spLocks/>
+          </p:cNvSpPr>
+          <p:nvPr/>
+        </p:nvSpPr>
+        <p:spPr>
+          <a:xfrm>
+            <a:off x="3173505" y="1243404"/>
+            <a:ext cx="8494619" cy="2043636"/>
+          </a:xfrm>
+          <a:prstGeom prst="rect">
+            <a:avLst/>
+          </a:prstGeom>
+        </p:spPr>
+        <p:txBody>
+          <a:bodyPr/>
+          <a:lstStyle>
+            <a:lvl1pPr marL="339725" marR="0" indent="-339725" algn="l" defTabSz="914363" rtl="0" eaLnBrk="1" fontAlgn="auto" latinLnBrk="0" hangingPunct="1">
+              <a:lnSpc>
+                <a:spcPct val="90000"/>
+              </a:lnSpc>
+              <a:spcBef>
+                <a:spcPct val="20000"/>
+              </a:spcBef>
+              <a:spcAft>
+                <a:spcPts val="0"/>
+              </a:spcAft>
+              <a:buClrTx/>
+              <a:buSzPct val="80000"/>
+              <a:buFont typeface="Arial" pitchFamily="34" charset="0"/>
+              <a:buChar char="•"/>
+              <a:tabLst/>
+              <a:defRPr sz="3600" kern="1200" spc="-70" baseline="0">
+                <a:gradFill>
+                  <a:gsLst>
+                    <a:gs pos="1250">
+                      <a:schemeClr val="bg2"/>
+                    </a:gs>
+                    <a:gs pos="100000">
+                      <a:schemeClr val="bg2"/>
+                    </a:gs>
+                  </a:gsLst>
+                  <a:lin ang="5400000" scaled="0"/>
+                </a:gradFill>
+                <a:latin typeface="+mj-lt"/>
+                <a:ea typeface="+mn-ea"/>
+                <a:cs typeface="+mn-cs"/>
+              </a:defRPr>
+            </a:lvl1pPr>
+            <a:lvl2pPr marL="573088" marR="0" indent="-233363" algn="l" defTabSz="914363" rtl="0" eaLnBrk="1" fontAlgn="auto" latinLnBrk="0" hangingPunct="1">
+              <a:lnSpc>
+                <a:spcPct val="90000"/>
+              </a:lnSpc>
+              <a:spcBef>
+                <a:spcPct val="20000"/>
+              </a:spcBef>
+              <a:spcAft>
+                <a:spcPts val="0"/>
+              </a:spcAft>
+              <a:buClrTx/>
+              <a:buSzPct val="90000"/>
+              <a:buFont typeface="Wingdings" pitchFamily="2" charset="2"/>
+              <a:buChar char=""/>
+              <a:tabLst/>
+              <a:defRPr sz="2400" kern="1200" spc="0" baseline="0">
+                <a:gradFill>
+                  <a:gsLst>
+                    <a:gs pos="1250">
+                      <a:schemeClr val="bg2"/>
+                    </a:gs>
+                    <a:gs pos="100000">
+                      <a:schemeClr val="bg2"/>
+                    </a:gs>
+                  </a:gsLst>
+                  <a:lin ang="5400000" scaled="0"/>
+                </a:gradFill>
+                <a:latin typeface="+mn-lt"/>
+                <a:ea typeface="+mn-ea"/>
+                <a:cs typeface="+mn-cs"/>
+              </a:defRPr>
+            </a:lvl2pPr>
+            <a:lvl3pPr marL="798513" marR="0" indent="-225425" algn="l" defTabSz="914363" rtl="0" eaLnBrk="1" fontAlgn="auto" latinLnBrk="0" hangingPunct="1">
+              <a:lnSpc>
+                <a:spcPct val="90000"/>
+              </a:lnSpc>
+              <a:spcBef>
+                <a:spcPct val="20000"/>
+              </a:spcBef>
+              <a:spcAft>
+                <a:spcPts val="0"/>
+              </a:spcAft>
+              <a:buClrTx/>
+              <a:buSzPct val="90000"/>
+              <a:buFont typeface="Wingdings" pitchFamily="2" charset="2"/>
+              <a:buChar char=""/>
+              <a:tabLst>
+                <a:tab pos="798513" algn="l"/>
+              </a:tabLst>
+              <a:defRPr sz="2400" kern="1200" spc="0" baseline="0">
+                <a:gradFill>
+                  <a:gsLst>
+                    <a:gs pos="1250">
+                      <a:schemeClr val="bg2"/>
+                    </a:gs>
+                    <a:gs pos="100000">
+                      <a:schemeClr val="bg2"/>
+                    </a:gs>
+                  </a:gsLst>
+                  <a:lin ang="5400000" scaled="0"/>
+                </a:gradFill>
+                <a:latin typeface="+mn-lt"/>
+                <a:ea typeface="+mn-ea"/>
+                <a:cs typeface="+mn-cs"/>
+              </a:defRPr>
+            </a:lvl3pPr>
+            <a:lvl4pPr marL="1030288" marR="0" indent="-231775" algn="l" defTabSz="914363" rtl="0" eaLnBrk="1" fontAlgn="auto" latinLnBrk="0" hangingPunct="1">
+              <a:lnSpc>
+                <a:spcPct val="90000"/>
+              </a:lnSpc>
+              <a:spcBef>
+                <a:spcPct val="20000"/>
+              </a:spcBef>
+              <a:spcAft>
+                <a:spcPts val="0"/>
+              </a:spcAft>
+              <a:buClrTx/>
+              <a:buSzPct val="90000"/>
+              <a:buFont typeface="Wingdings" pitchFamily="2" charset="2"/>
+              <a:buChar char=""/>
+              <a:tabLst/>
+              <a:defRPr sz="2000" kern="1200" spc="0" baseline="0">
+                <a:gradFill>
+                  <a:gsLst>
+                    <a:gs pos="1250">
+                      <a:schemeClr val="bg2"/>
+                    </a:gs>
+                    <a:gs pos="100000">
+                      <a:schemeClr val="bg2"/>
+                    </a:gs>
+                  </a:gsLst>
+                  <a:lin ang="5400000" scaled="0"/>
+                </a:gradFill>
+                <a:latin typeface="+mn-lt"/>
+                <a:ea typeface="+mn-ea"/>
+                <a:cs typeface="+mn-cs"/>
+              </a:defRPr>
+            </a:lvl4pPr>
+            <a:lvl5pPr marL="1255713" marR="0" indent="-225425" algn="l" defTabSz="914363" rtl="0" eaLnBrk="1" fontAlgn="auto" latinLnBrk="0" hangingPunct="1">
+              <a:lnSpc>
+                <a:spcPct val="90000"/>
+              </a:lnSpc>
+              <a:spcBef>
+                <a:spcPct val="20000"/>
+              </a:spcBef>
+              <a:spcAft>
+                <a:spcPts val="0"/>
+              </a:spcAft>
+              <a:buClrTx/>
+              <a:buSzPct val="90000"/>
+              <a:buFont typeface="Wingdings" pitchFamily="2" charset="2"/>
+              <a:buChar char=""/>
+              <a:tabLst>
+                <a:tab pos="1255713" algn="l"/>
+              </a:tabLst>
+              <a:defRPr sz="2000" kern="1200" spc="0" baseline="0">
+                <a:gradFill>
+                  <a:gsLst>
+                    <a:gs pos="1250">
+                      <a:schemeClr val="bg2"/>
+                    </a:gs>
+                    <a:gs pos="100000">
+                      <a:schemeClr val="bg2"/>
+                    </a:gs>
+                  </a:gsLst>
+                  <a:lin ang="5400000" scaled="0"/>
+                </a:gradFill>
+                <a:latin typeface="+mn-lt"/>
+                <a:ea typeface="+mn-ea"/>
+                <a:cs typeface="+mn-cs"/>
+              </a:defRPr>
+            </a:lvl5pPr>
+            <a:lvl6pPr marL="2514499" indent="-228591" algn="l" defTabSz="914363" rtl="0" eaLnBrk="1" latinLnBrk="0" hangingPunct="1">
+              <a:spcBef>
+                <a:spcPct val="20000"/>
+              </a:spcBef>
+              <a:buFont typeface="Arial" pitchFamily="34" charset="0"/>
+              <a:buChar char="•"/>
+              <a:defRPr sz="2000" kern="1200">
+                <a:solidFill>
+                  <a:schemeClr val="tx1"/>
+                </a:solidFill>
+                <a:latin typeface="+mn-lt"/>
+                <a:ea typeface="+mn-ea"/>
+                <a:cs typeface="+mn-cs"/>
+              </a:defRPr>
+            </a:lvl6pPr>
+            <a:lvl7pPr marL="2971681" indent="-228591" algn="l" defTabSz="914363" rtl="0" eaLnBrk="1" latinLnBrk="0" hangingPunct="1">
+              <a:spcBef>
+                <a:spcPct val="20000"/>
+              </a:spcBef>
+              <a:buFont typeface="Arial" pitchFamily="34" charset="0"/>
+              <a:buChar char="•"/>
+              <a:defRPr sz="2000" kern="1200">
+                <a:solidFill>
+                  <a:schemeClr val="tx1"/>
+                </a:solidFill>
+                <a:latin typeface="+mn-lt"/>
+                <a:ea typeface="+mn-ea"/>
+                <a:cs typeface="+mn-cs"/>
+              </a:defRPr>
+            </a:lvl7pPr>
+            <a:lvl8pPr marL="3428863" indent="-228591" algn="l" defTabSz="914363" rtl="0" eaLnBrk="1" latinLnBrk="0" hangingPunct="1">
+              <a:spcBef>
+                <a:spcPct val="20000"/>
+              </a:spcBef>
+              <a:buFont typeface="Arial" pitchFamily="34" charset="0"/>
+              <a:buChar char="•"/>
+              <a:defRPr sz="2000" kern="1200">
+                <a:solidFill>
+                  <a:schemeClr val="tx1"/>
+                </a:solidFill>
+                <a:latin typeface="+mn-lt"/>
+                <a:ea typeface="+mn-ea"/>
+                <a:cs typeface="+mn-cs"/>
+              </a:defRPr>
+            </a:lvl8pPr>
+            <a:lvl9pPr marL="3886045" indent="-228591" algn="l" defTabSz="914363" rtl="0" eaLnBrk="1" latinLnBrk="0" hangingPunct="1">
+              <a:spcBef>
+                <a:spcPct val="20000"/>
+              </a:spcBef>
+              <a:buFont typeface="Arial" pitchFamily="34" charset="0"/>
+              <a:buChar char="•"/>
+              <a:defRPr sz="2000" kern="1200">
+                <a:solidFill>
+                  <a:schemeClr val="tx1"/>
+                </a:solidFill>
+                <a:latin typeface="+mn-lt"/>
+                <a:ea typeface="+mn-ea"/>
+                <a:cs typeface="+mn-cs"/>
+              </a:defRPr>
+            </a:lvl9pPr>
+          </a:lstStyle>
+          <a:p>
+            <a:endParaRPr lang="en-US" dirty="0" smtClean="0"/>
+          </a:p>
+        </p:txBody>
+      </p:sp>
+      <p:graphicFrame>
+        <p:nvGraphicFramePr>
+          <p:cNvPr id="6" name="Table 7"/>
+          <p:cNvGraphicFramePr>
+            <a:graphicFrameLocks noGrp="1"/>
+          </p:cNvGraphicFramePr>
+          <p:nvPr>
+            <p:extLst>
+              <p:ext uri="{D42A27DB-BD31-4B8C-83A1-F6EECF244321}">
+                <p14:modId xmlns:p14="http://schemas.microsoft.com/office/powerpoint/2010/main" val="2399225543"/>
+              </p:ext>
+            </p:extLst>
+          </p:nvPr>
+        </p:nvGraphicFramePr>
+        <p:xfrm>
+          <a:off x="291646" y="425158"/>
+          <a:ext cx="2373524" cy="1483360"/>
+        </p:xfrm>
+        <a:graphic>
+          <a:graphicData uri="http://schemas.openxmlformats.org/drawingml/2006/table">
+            <a:tbl>
+              <a:tblPr>
+                <a:tableStyleId>{2D5ABB26-0587-4C30-8999-92F81FD0307C}</a:tableStyleId>
+              </a:tblPr>
+              <a:tblGrid>
+                <a:gridCol w="2373524">
+                  <a:extLst>
+                    <a:ext uri="{9D8B030D-6E8A-4147-A177-3AD203B41FA5}">
+                      <a16:colId xmlns:a16="http://schemas.microsoft.com/office/drawing/2014/main" xmlns="" val="20000"/>
+                    </a:ext>
+                  </a:extLst>
+                </a:gridCol>
+              </a:tblGrid>
+              <a:tr h="370840">
+                <a:tc>
+                  <a:txBody>
+                    <a:bodyPr/>
+                    <a:lstStyle/>
+                    <a:p>
+                      <a:pPr algn="ctr"/>
+                      <a:r>
+                        <a:rPr lang="en-US" b="1" i="0" dirty="0" smtClean="0"/>
+                        <a:t>Skill Finder</a:t>
+                      </a:r>
+                      <a:endParaRPr lang="nl-BE" b="1" i="0" dirty="0"/>
+                    </a:p>
+                  </a:txBody>
+                  <a:tcPr>
+                    <a:lnL w="12700" cap="flat" cmpd="sng" algn="ctr">
+                      <a:solidFill>
+                        <a:schemeClr val="tx1"/>
+                      </a:solidFill>
+                      <a:prstDash val="solid"/>
+                      <a:round/>
+                      <a:headEnd type="none" w="med" len="med"/>
+                      <a:tailEnd type="none" w="med" len="med"/>
+                    </a:lnL>
+                    <a:lnR w="12700" cap="flat" cmpd="sng" algn="ctr">
+                      <a:solidFill>
+                        <a:schemeClr val="tx1"/>
+                      </a:solidFill>
+                      <a:prstDash val="solid"/>
+                      <a:round/>
+                      <a:headEnd type="none" w="med" len="med"/>
+                      <a:tailEnd type="none" w="med" len="med"/>
+                    </a:lnR>
+                    <a:lnT w="12700" cap="flat" cmpd="sng" algn="ctr">
+                      <a:solidFill>
+                        <a:schemeClr val="tx1"/>
+                      </a:solidFill>
+                      <a:prstDash val="solid"/>
+                      <a:round/>
+                      <a:headEnd type="none" w="med" len="med"/>
+                      <a:tailEnd type="none" w="med" len="med"/>
+                    </a:lnT>
+                    <a:lnB w="12700" cap="flat" cmpd="sng" algn="ctr">
+                      <a:solidFill>
+                        <a:schemeClr val="tx1"/>
+                      </a:solidFill>
+                      <a:prstDash val="solid"/>
+                      <a:round/>
+                      <a:headEnd type="none" w="med" len="med"/>
+                      <a:tailEnd type="none" w="med" len="med"/>
+                    </a:lnB>
+                    <a:solidFill>
+                      <a:schemeClr val="bg1"/>
+                    </a:solidFill>
+                  </a:tcPr>
+                </a:tc>
+                <a:extLst>
+                  <a:ext uri="{0D108BD9-81ED-4DB2-BD59-A6C34878D82A}">
+                    <a16:rowId xmlns:a16="http://schemas.microsoft.com/office/drawing/2014/main" xmlns="" val="10000"/>
+                  </a:ext>
+                </a:extLst>
+              </a:tr>
+              <a:tr h="370840">
+                <a:tc>
+                  <a:txBody>
+                    <a:bodyPr/>
+                    <a:lstStyle/>
+                    <a:p>
+                      <a:r>
+                        <a:rPr lang="en-US" i="1" dirty="0" smtClean="0"/>
+                        <a:t>Complexity:</a:t>
+                      </a:r>
+                      <a:endParaRPr lang="nl-BE" i="1" dirty="0"/>
+                    </a:p>
+                  </a:txBody>
+                  <a:tcPr>
+                    <a:lnL w="12700" cap="flat" cmpd="sng" algn="ctr">
+                      <a:solidFill>
+                        <a:schemeClr val="tx1"/>
+                      </a:solidFill>
+                      <a:prstDash val="solid"/>
+                      <a:round/>
+                      <a:headEnd type="none" w="med" len="med"/>
+                      <a:tailEnd type="none" w="med" len="med"/>
+                    </a:lnL>
+                    <a:lnR w="12700" cap="flat" cmpd="sng" algn="ctr">
+                      <a:solidFill>
+                        <a:schemeClr val="tx1"/>
+                      </a:solidFill>
+                      <a:prstDash val="solid"/>
+                      <a:round/>
+                      <a:headEnd type="none" w="med" len="med"/>
+                      <a:tailEnd type="none" w="med" len="med"/>
+                    </a:lnR>
+                    <a:lnT w="12700" cap="flat" cmpd="sng" algn="ctr">
+                      <a:solidFill>
+                        <a:schemeClr val="tx1"/>
+                      </a:solidFill>
+                      <a:prstDash val="solid"/>
+                      <a:round/>
+                      <a:headEnd type="none" w="med" len="med"/>
+                      <a:tailEnd type="none" w="med" len="med"/>
+                    </a:lnT>
+                    <a:lnB w="12700" cap="flat" cmpd="sng" algn="ctr">
+                      <a:solidFill>
+                        <a:schemeClr val="tx1"/>
+                      </a:solidFill>
+                      <a:prstDash val="solid"/>
+                      <a:round/>
+                      <a:headEnd type="none" w="med" len="med"/>
+                      <a:tailEnd type="none" w="med" len="med"/>
+                    </a:lnB>
+                    <a:solidFill>
+                      <a:schemeClr val="bg1"/>
+                    </a:solidFill>
+                  </a:tcPr>
+                </a:tc>
+                <a:extLst>
+                  <a:ext uri="{0D108BD9-81ED-4DB2-BD59-A6C34878D82A}">
+                    <a16:rowId xmlns:a16="http://schemas.microsoft.com/office/drawing/2014/main" xmlns="" val="10001"/>
+                  </a:ext>
+                </a:extLst>
+              </a:tr>
+              <a:tr h="370840">
+                <a:tc>
+                  <a:txBody>
+                    <a:bodyPr/>
+                    <a:lstStyle/>
+                    <a:p>
+                      <a:pPr algn="ctr"/>
+                      <a:r>
+                        <a:rPr lang="en-US" dirty="0" smtClean="0">
+                          <a:solidFill>
+                            <a:schemeClr val="bg1"/>
+                          </a:solidFill>
+                        </a:rPr>
+                        <a:t>Medium</a:t>
+                      </a:r>
+                      <a:endParaRPr lang="nl-BE" dirty="0">
+                        <a:solidFill>
+                          <a:schemeClr val="bg1"/>
+                        </a:solidFill>
+                      </a:endParaRPr>
+                    </a:p>
+                  </a:txBody>
+                  <a:tcPr>
+                    <a:lnL w="12700" cap="flat" cmpd="sng" algn="ctr">
+                      <a:solidFill>
+                        <a:schemeClr val="tx1"/>
+                      </a:solidFill>
+                      <a:prstDash val="solid"/>
+                      <a:round/>
+                      <a:headEnd type="none" w="med" len="med"/>
+                      <a:tailEnd type="none" w="med" len="med"/>
+                    </a:lnL>
+                    <a:lnR w="12700" cap="flat" cmpd="sng" algn="ctr">
+                      <a:solidFill>
+                        <a:schemeClr val="tx1"/>
+                      </a:solidFill>
+                      <a:prstDash val="solid"/>
+                      <a:round/>
+                      <a:headEnd type="none" w="med" len="med"/>
+                      <a:tailEnd type="none" w="med" len="med"/>
+                    </a:lnR>
+                    <a:lnT w="12700" cap="flat" cmpd="sng" algn="ctr">
+                      <a:solidFill>
+                        <a:schemeClr val="tx1"/>
+                      </a:solidFill>
+                      <a:prstDash val="solid"/>
+                      <a:round/>
+                      <a:headEnd type="none" w="med" len="med"/>
+                      <a:tailEnd type="none" w="med" len="med"/>
+                    </a:lnT>
+                    <a:lnB w="12700" cap="flat" cmpd="sng" algn="ctr">
+                      <a:solidFill>
+                        <a:schemeClr val="tx1"/>
+                      </a:solidFill>
+                      <a:prstDash val="solid"/>
+                      <a:round/>
+                      <a:headEnd type="none" w="med" len="med"/>
+                      <a:tailEnd type="none" w="med" len="med"/>
+                    </a:lnB>
+                    <a:solidFill>
+                      <a:schemeClr val="accent2"/>
+                    </a:solidFill>
+                  </a:tcPr>
+                </a:tc>
+                <a:extLst>
+                  <a:ext uri="{0D108BD9-81ED-4DB2-BD59-A6C34878D82A}">
+                    <a16:rowId xmlns:a16="http://schemas.microsoft.com/office/drawing/2014/main" xmlns="" val="10002"/>
+                  </a:ext>
+                </a:extLst>
+              </a:tr>
+              <a:tr h="370840">
+                <a:tc>
+                  <a:txBody>
+                    <a:bodyPr/>
+                    <a:lstStyle/>
+                    <a:p>
+                      <a:pPr marL="0" marR="0" indent="0" algn="l" defTabSz="914363" rtl="0" eaLnBrk="1" fontAlgn="auto" latinLnBrk="0" hangingPunct="1">
+                        <a:lnSpc>
+                          <a:spcPct val="100000"/>
+                        </a:lnSpc>
+                        <a:spcBef>
+                          <a:spcPts val="0"/>
+                        </a:spcBef>
+                        <a:spcAft>
+                          <a:spcPts val="0"/>
+                        </a:spcAft>
+                        <a:buClrTx/>
+                        <a:buSzTx/>
+                        <a:buFont typeface="Arial" panose="020B0604020202020204" pitchFamily="34" charset="0"/>
+                        <a:buNone/>
+                        <a:tabLst/>
+                        <a:defRPr/>
+                      </a:pPr>
+                      <a:r>
+                        <a:rPr lang="en-US" i="1" dirty="0" smtClean="0"/>
+                        <a:t>Owner: Contoso</a:t>
+                      </a:r>
+                      <a:endParaRPr lang="nl-BE" i="1" dirty="0" smtClean="0"/>
+                    </a:p>
+                  </a:txBody>
+                  <a:tcPr>
+                    <a:lnL w="12700" cap="flat" cmpd="sng" algn="ctr">
+                      <a:solidFill>
+                        <a:schemeClr val="tx1"/>
+                      </a:solidFill>
+                      <a:prstDash val="solid"/>
+                      <a:round/>
+                      <a:headEnd type="none" w="med" len="med"/>
+                      <a:tailEnd type="none" w="med" len="med"/>
+                    </a:lnL>
+                    <a:lnR w="12700" cap="flat" cmpd="sng" algn="ctr">
+                      <a:solidFill>
+                        <a:schemeClr val="tx1"/>
+                      </a:solidFill>
+                      <a:prstDash val="solid"/>
+                      <a:round/>
+                      <a:headEnd type="none" w="med" len="med"/>
+                      <a:tailEnd type="none" w="med" len="med"/>
+                    </a:lnR>
+                    <a:lnT w="12700" cap="flat" cmpd="sng" algn="ctr">
+                      <a:solidFill>
+                        <a:schemeClr val="tx1"/>
+                      </a:solidFill>
+                      <a:prstDash val="solid"/>
+                      <a:round/>
+                      <a:headEnd type="none" w="med" len="med"/>
+                      <a:tailEnd type="none" w="med" len="med"/>
+                    </a:lnT>
+                    <a:lnB w="12700" cap="flat" cmpd="sng" algn="ctr">
+                      <a:solidFill>
+                        <a:schemeClr val="tx1"/>
+                      </a:solidFill>
+                      <a:prstDash val="solid"/>
+                      <a:round/>
+                      <a:headEnd type="none" w="med" len="med"/>
+                      <a:tailEnd type="none" w="med" len="med"/>
+                    </a:lnB>
+                    <a:solidFill>
+                      <a:schemeClr val="bg1"/>
+                    </a:solidFill>
+                  </a:tcPr>
+                </a:tc>
+                <a:extLst>
+                  <a:ext uri="{0D108BD9-81ED-4DB2-BD59-A6C34878D82A}">
+                    <a16:rowId xmlns:a16="http://schemas.microsoft.com/office/drawing/2014/main" xmlns="" val="10007"/>
+                  </a:ext>
+                </a:extLst>
+              </a:tr>
+            </a:tbl>
+          </a:graphicData>
+        </a:graphic>
+      </p:graphicFrame>
+      <p:sp>
+        <p:nvSpPr>
+          <p:cNvPr id="3" name="Rectangle 2"/>
+          <p:cNvSpPr/>
+          <p:nvPr/>
+        </p:nvSpPr>
+        <p:spPr>
+          <a:xfrm>
+            <a:off x="230528" y="2003612"/>
+            <a:ext cx="1580882" cy="523220"/>
+          </a:xfrm>
+          <a:prstGeom prst="rect">
+            <a:avLst/>
+          </a:prstGeom>
+        </p:spPr>
+        <p:txBody>
+          <a:bodyPr wrap="none">
+            <a:spAutoFit/>
+          </a:bodyPr>
+          <a:lstStyle/>
+          <a:p>
+            <a:pPr algn="ctr"/>
+            <a:r>
+              <a:rPr lang="en-US" sz="2800" b="1" dirty="0" err="1" smtClean="0">
+                <a:solidFill>
+                  <a:schemeClr val="bg1"/>
+                </a:solidFill>
+                <a:latin typeface="Berlin Sans FB" panose="020E0602020502020306" pitchFamily="34" charset="0"/>
+              </a:rPr>
+              <a:t>TailSpin</a:t>
+            </a:r>
+            <a:endParaRPr lang="nl-BE" sz="2800" b="1" dirty="0">
+              <a:solidFill>
+                <a:schemeClr val="bg1"/>
+              </a:solidFill>
+              <a:latin typeface="Berlin Sans FB" panose="020E0602020502020306" pitchFamily="34" charset="0"/>
+            </a:endParaRPr>
+          </a:p>
+        </p:txBody>
+      </p:sp>
+    </p:spTree>
+    <p:extLst>
+      <p:ext uri="{BB962C8B-B14F-4D97-AF65-F5344CB8AC3E}">
+        <p14:creationId xmlns:p14="http://schemas.microsoft.com/office/powerpoint/2010/main" val="3250092999"/>
+      </p:ext>
+    </p:extLst>
+  </p:cSld>
+  <p:clrMapOvr>
+    <a:masterClrMapping/>
+  </p:clrMapOvr>
+  <p:transition>
+    <p:fade/>
+  </p:transition>
+  <p:timing>
+    <p:tnLst>
+      <p:par>
+        <p:cTn id="1" dur="indefinite" restart="never" nodeType="tmRoot"/>
+      </p:par>
+    </p:tnLst>
+  </p:timing>
+</p:sld>
+</file>
+
+<file path=ppt/slides/slide29.xml><?xml version="1.0" encoding="utf-8"?>
+<p:sld xmlns:a="http://schemas.openxmlformats.org/drawingml/2006/main" xmlns:r="http://schemas.openxmlformats.org/officeDocument/2006/relationships" xmlns:p="http://schemas.openxmlformats.org/presentationml/2006/main">
+  <p:cSld>
+    <p:spTree>
+      <p:nvGrpSpPr>
+        <p:cNvPr id="1" name=""/>
+        <p:cNvGrpSpPr/>
+        <p:nvPr/>
+      </p:nvGrpSpPr>
+      <p:grpSpPr>
+        <a:xfrm>
+          <a:off x="0" y="0"/>
+          <a:ext cx="0" cy="0"/>
+          <a:chOff x="0" y="0"/>
+          <a:chExt cx="0" cy="0"/>
+        </a:xfrm>
+      </p:grpSpPr>
+      <p:sp>
+        <p:nvSpPr>
+          <p:cNvPr id="2" name="Title 1"/>
+          <p:cNvSpPr>
+            <a:spLocks noGrp="1"/>
+          </p:cNvSpPr>
+          <p:nvPr>
+            <p:ph type="title"/>
+          </p:nvPr>
+        </p:nvSpPr>
+        <p:spPr/>
+        <p:txBody>
+          <a:bodyPr/>
+          <a:lstStyle/>
+          <a:p>
+            <a:r>
+              <a:rPr lang="nl-BE" dirty="0" smtClean="0"/>
               <a:t>Location Finder </a:t>
             </a:r>
             <a:br>
@@ -31019,30 +32308,12 @@
               </a:rPr>
               <a:t>The location finder solution allows:</a:t>
             </a:r>
-            <a:endParaRPr lang="en-US" sz="2000" spc="0" dirty="0">
-              <a:gradFill>
-                <a:gsLst>
-                  <a:gs pos="1250">
-                    <a:schemeClr val="bg2"/>
-                  </a:gs>
-                  <a:gs pos="100000">
-                    <a:schemeClr val="bg2"/>
-                  </a:gs>
-                </a:gsLst>
-                <a:lin ang="5400000" scaled="0"/>
-              </a:gradFill>
-              <a:latin typeface="+mn-lt"/>
-            </a:endParaRPr>
           </a:p>
           <a:p>
             <a:pPr lvl="1"/>
             <a:r>
               <a:rPr lang="en-US" dirty="0" smtClean="0"/>
-              <a:t>Users to </a:t>
-            </a:r>
-            <a:r>
-              <a:rPr lang="en-US" dirty="0" smtClean="0"/>
-              <a:t>search for </a:t>
+              <a:t>Users to search for </a:t>
             </a:r>
             <a:r>
               <a:rPr lang="en-US" dirty="0" err="1" smtClean="0"/>
@@ -31057,11 +32328,7 @@
             <a:pPr lvl="1"/>
             <a:r>
               <a:rPr lang="en-US" dirty="0" smtClean="0"/>
-              <a:t>Maps the </a:t>
-            </a:r>
-            <a:r>
-              <a:rPr lang="en-US" dirty="0" smtClean="0"/>
-              <a:t>locations on interactive Bing Map</a:t>
+              <a:t>Maps the locations on interactive Bing Map</a:t>
             </a:r>
             <a:endParaRPr lang="en-US" dirty="0"/>
           </a:p>
@@ -31134,7 +32401,7 @@
                 <a:gridCol w="2373524">
                   <a:extLst>
                     <a:ext uri="{9D8B030D-6E8A-4147-A177-3AD203B41FA5}">
-                      <a16:colId xmlns="" xmlns:a16="http://schemas.microsoft.com/office/drawing/2014/main" val="20000"/>
+                      <a16:colId xmlns:a16="http://schemas.microsoft.com/office/drawing/2014/main" xmlns="" val="20000"/>
                     </a:ext>
                   </a:extLst>
                 </a:gridCol>
@@ -31197,7 +32464,7 @@
                 </a:tc>
                 <a:extLst>
                   <a:ext uri="{0D108BD9-81ED-4DB2-BD59-A6C34878D82A}">
-                    <a16:rowId xmlns="" xmlns:a16="http://schemas.microsoft.com/office/drawing/2014/main" val="10000"/>
+                    <a16:rowId xmlns:a16="http://schemas.microsoft.com/office/drawing/2014/main" xmlns="" val="10000"/>
                   </a:ext>
                 </a:extLst>
               </a:tr>
@@ -31258,7 +32525,7 @@
                 </a:tc>
                 <a:extLst>
                   <a:ext uri="{0D108BD9-81ED-4DB2-BD59-A6C34878D82A}">
-                    <a16:rowId xmlns="" xmlns:a16="http://schemas.microsoft.com/office/drawing/2014/main" val="10001"/>
+                    <a16:rowId xmlns:a16="http://schemas.microsoft.com/office/drawing/2014/main" xmlns="" val="10001"/>
                   </a:ext>
                 </a:extLst>
               </a:tr>
@@ -31336,7 +32603,7 @@
                 </a:tc>
                 <a:extLst>
                   <a:ext uri="{0D108BD9-81ED-4DB2-BD59-A6C34878D82A}">
-                    <a16:rowId xmlns="" xmlns:a16="http://schemas.microsoft.com/office/drawing/2014/main" val="10002"/>
+                    <a16:rowId xmlns:a16="http://schemas.microsoft.com/office/drawing/2014/main" xmlns="" val="10002"/>
                   </a:ext>
                 </a:extLst>
               </a:tr>
@@ -31414,7 +32681,7 @@
                 </a:tc>
                 <a:extLst>
                   <a:ext uri="{0D108BD9-81ED-4DB2-BD59-A6C34878D82A}">
-                    <a16:rowId xmlns="" xmlns:a16="http://schemas.microsoft.com/office/drawing/2014/main" val="10007"/>
+                    <a16:rowId xmlns:a16="http://schemas.microsoft.com/office/drawing/2014/main" xmlns="" val="10007"/>
                   </a:ext>
                 </a:extLst>
               </a:tr>
@@ -31736,7 +33003,70 @@
 </p:sld>
 </file>
 
-<file path=ppt/slides/slide29.xml><?xml version="1.0" encoding="utf-8"?>
+<file path=ppt/slides/slide3.xml><?xml version="1.0" encoding="utf-8"?>
+<p:sld xmlns:a="http://schemas.openxmlformats.org/drawingml/2006/main" xmlns:r="http://schemas.openxmlformats.org/officeDocument/2006/relationships" xmlns:p="http://schemas.openxmlformats.org/presentationml/2006/main">
+  <p:cSld>
+    <p:spTree>
+      <p:nvGrpSpPr>
+        <p:cNvPr id="1" name=""/>
+        <p:cNvGrpSpPr/>
+        <p:nvPr/>
+      </p:nvGrpSpPr>
+      <p:grpSpPr>
+        <a:xfrm>
+          <a:off x="0" y="0"/>
+          <a:ext cx="0" cy="0"/>
+          <a:chOff x="0" y="0"/>
+          <a:chExt cx="0" cy="0"/>
+        </a:xfrm>
+      </p:grpSpPr>
+      <p:sp>
+        <p:nvSpPr>
+          <p:cNvPr id="4" name="Title 3"/>
+          <p:cNvSpPr>
+            <a:spLocks noGrp="1"/>
+          </p:cNvSpPr>
+          <p:nvPr>
+            <p:ph type="title"/>
+          </p:nvPr>
+        </p:nvSpPr>
+        <p:spPr/>
+        <p:txBody>
+          <a:bodyPr/>
+          <a:lstStyle/>
+          <a:p>
+            <a:r>
+              <a:rPr lang="en-US" dirty="0" smtClean="0"/>
+              <a:t>Positioning in the PnP Transformation approach</a:t>
+            </a:r>
+            <a:endParaRPr lang="en-US" dirty="0"/>
+          </a:p>
+        </p:txBody>
+      </p:sp>
+    </p:spTree>
+    <p:extLst>
+      <p:ext uri="{BB962C8B-B14F-4D97-AF65-F5344CB8AC3E}">
+        <p14:creationId xmlns:p14="http://schemas.microsoft.com/office/powerpoint/2010/main" val="700521740"/>
+      </p:ext>
+    </p:extLst>
+  </p:cSld>
+  <p:clrMapOvr>
+    <a:masterClrMapping/>
+  </p:clrMapOvr>
+  <p:transition>
+    <p:fade/>
+  </p:transition>
+  <p:timing>
+    <p:tnLst>
+      <p:par>
+        <p:cTn id="1" dur="indefinite" restart="never" nodeType="tmRoot"/>
+      </p:par>
+    </p:tnLst>
+  </p:timing>
+</p:sld>
+</file>
+
+<file path=ppt/slides/slide30.xml><?xml version="1.0" encoding="utf-8"?>
 <p:sld xmlns:a="http://schemas.openxmlformats.org/drawingml/2006/main" xmlns:r="http://schemas.openxmlformats.org/officeDocument/2006/relationships" xmlns:p="http://schemas.openxmlformats.org/presentationml/2006/main">
   <p:cSld>
     <p:spTree>
@@ -31852,20 +33182,6 @@
               </a:rPr>
               <a:t>The solution does the following:</a:t>
             </a:r>
-            <a:endParaRPr lang="en-US" sz="2000" spc="0" dirty="0">
-              <a:gradFill>
-                <a:gsLst>
-                  <a:gs pos="1250">
-                    <a:schemeClr val="bg2"/>
-                  </a:gs>
-                  <a:gs pos="100000">
-                    <a:schemeClr val="bg2"/>
-                  </a:gs>
-                </a:gsLst>
-                <a:lin ang="5400000" scaled="0"/>
-              </a:gradFill>
-              <a:latin typeface="+mn-lt"/>
-            </a:endParaRPr>
           </a:p>
           <a:p>
             <a:pPr lvl="1"/>
@@ -32238,7 +33554,7 @@
                 <a:gridCol w="2373524">
                   <a:extLst>
                     <a:ext uri="{9D8B030D-6E8A-4147-A177-3AD203B41FA5}">
-                      <a16:colId xmlns="" xmlns:a16="http://schemas.microsoft.com/office/drawing/2014/main" val="20000"/>
+                      <a16:colId xmlns:a16="http://schemas.microsoft.com/office/drawing/2014/main" xmlns="" val="20000"/>
                     </a:ext>
                   </a:extLst>
                 </a:gridCol>
@@ -32301,7 +33617,7 @@
                 </a:tc>
                 <a:extLst>
                   <a:ext uri="{0D108BD9-81ED-4DB2-BD59-A6C34878D82A}">
-                    <a16:rowId xmlns="" xmlns:a16="http://schemas.microsoft.com/office/drawing/2014/main" val="10000"/>
+                    <a16:rowId xmlns:a16="http://schemas.microsoft.com/office/drawing/2014/main" xmlns="" val="10000"/>
                   </a:ext>
                 </a:extLst>
               </a:tr>
@@ -32362,7 +33678,7 @@
                 </a:tc>
                 <a:extLst>
                   <a:ext uri="{0D108BD9-81ED-4DB2-BD59-A6C34878D82A}">
-                    <a16:rowId xmlns="" xmlns:a16="http://schemas.microsoft.com/office/drawing/2014/main" val="10001"/>
+                    <a16:rowId xmlns:a16="http://schemas.microsoft.com/office/drawing/2014/main" xmlns="" val="10001"/>
                   </a:ext>
                 </a:extLst>
               </a:tr>
@@ -32432,7 +33748,7 @@
                 </a:tc>
                 <a:extLst>
                   <a:ext uri="{0D108BD9-81ED-4DB2-BD59-A6C34878D82A}">
-                    <a16:rowId xmlns="" xmlns:a16="http://schemas.microsoft.com/office/drawing/2014/main" val="10002"/>
+                    <a16:rowId xmlns:a16="http://schemas.microsoft.com/office/drawing/2014/main" xmlns="" val="10002"/>
                   </a:ext>
                 </a:extLst>
               </a:tr>
@@ -32510,7 +33826,7 @@
                 </a:tc>
                 <a:extLst>
                   <a:ext uri="{0D108BD9-81ED-4DB2-BD59-A6C34878D82A}">
-                    <a16:rowId xmlns="" xmlns:a16="http://schemas.microsoft.com/office/drawing/2014/main" val="10007"/>
+                    <a16:rowId xmlns:a16="http://schemas.microsoft.com/office/drawing/2014/main" xmlns="" val="10007"/>
                   </a:ext>
                 </a:extLst>
               </a:tr>
@@ -32562,132 +33878,6 @@
     <p:extLst>
       <p:ext uri="{BB962C8B-B14F-4D97-AF65-F5344CB8AC3E}">
         <p14:creationId xmlns:p14="http://schemas.microsoft.com/office/powerpoint/2010/main" val="1119674727"/>
-      </p:ext>
-    </p:extLst>
-  </p:cSld>
-  <p:clrMapOvr>
-    <a:masterClrMapping/>
-  </p:clrMapOvr>
-  <p:transition>
-    <p:fade/>
-  </p:transition>
-  <p:timing>
-    <p:tnLst>
-      <p:par>
-        <p:cTn id="1" dur="indefinite" restart="never" nodeType="tmRoot"/>
-      </p:par>
-    </p:tnLst>
-  </p:timing>
-</p:sld>
-</file>
-
-<file path=ppt/slides/slide3.xml><?xml version="1.0" encoding="utf-8"?>
-<p:sld xmlns:a="http://schemas.openxmlformats.org/drawingml/2006/main" xmlns:r="http://schemas.openxmlformats.org/officeDocument/2006/relationships" xmlns:p="http://schemas.openxmlformats.org/presentationml/2006/main">
-  <p:cSld>
-    <p:spTree>
-      <p:nvGrpSpPr>
-        <p:cNvPr id="1" name=""/>
-        <p:cNvGrpSpPr/>
-        <p:nvPr/>
-      </p:nvGrpSpPr>
-      <p:grpSpPr>
-        <a:xfrm>
-          <a:off x="0" y="0"/>
-          <a:ext cx="0" cy="0"/>
-          <a:chOff x="0" y="0"/>
-          <a:chExt cx="0" cy="0"/>
-        </a:xfrm>
-      </p:grpSpPr>
-      <p:sp>
-        <p:nvSpPr>
-          <p:cNvPr id="4" name="Title 3"/>
-          <p:cNvSpPr>
-            <a:spLocks noGrp="1"/>
-          </p:cNvSpPr>
-          <p:nvPr>
-            <p:ph type="title"/>
-          </p:nvPr>
-        </p:nvSpPr>
-        <p:spPr/>
-        <p:txBody>
-          <a:bodyPr/>
-          <a:lstStyle/>
-          <a:p>
-            <a:r>
-              <a:rPr lang="en-US" dirty="0" smtClean="0"/>
-              <a:t>Positioning in the PnP Transformation approach</a:t>
-            </a:r>
-            <a:endParaRPr lang="en-US" dirty="0"/>
-          </a:p>
-        </p:txBody>
-      </p:sp>
-    </p:spTree>
-    <p:extLst>
-      <p:ext uri="{BB962C8B-B14F-4D97-AF65-F5344CB8AC3E}">
-        <p14:creationId xmlns:p14="http://schemas.microsoft.com/office/powerpoint/2010/main" val="700521740"/>
-      </p:ext>
-    </p:extLst>
-  </p:cSld>
-  <p:clrMapOvr>
-    <a:masterClrMapping/>
-  </p:clrMapOvr>
-  <p:transition>
-    <p:fade/>
-  </p:transition>
-  <p:timing>
-    <p:tnLst>
-      <p:par>
-        <p:cTn id="1" dur="indefinite" restart="never" nodeType="tmRoot"/>
-      </p:par>
-    </p:tnLst>
-  </p:timing>
-</p:sld>
-</file>
-
-<file path=ppt/slides/slide30.xml><?xml version="1.0" encoding="utf-8"?>
-<p:sld xmlns:a="http://schemas.openxmlformats.org/drawingml/2006/main" xmlns:r="http://schemas.openxmlformats.org/officeDocument/2006/relationships" xmlns:p="http://schemas.openxmlformats.org/presentationml/2006/main">
-  <p:cSld>
-    <p:spTree>
-      <p:nvGrpSpPr>
-        <p:cNvPr id="1" name=""/>
-        <p:cNvGrpSpPr/>
-        <p:nvPr/>
-      </p:nvGrpSpPr>
-      <p:grpSpPr>
-        <a:xfrm>
-          <a:off x="0" y="0"/>
-          <a:ext cx="0" cy="0"/>
-          <a:chOff x="0" y="0"/>
-          <a:chExt cx="0" cy="0"/>
-        </a:xfrm>
-      </p:grpSpPr>
-      <p:sp>
-        <p:nvSpPr>
-          <p:cNvPr id="2" name="Title 1"/>
-          <p:cNvSpPr>
-            <a:spLocks noGrp="1"/>
-          </p:cNvSpPr>
-          <p:nvPr>
-            <p:ph type="title"/>
-          </p:nvPr>
-        </p:nvSpPr>
-        <p:spPr/>
-        <p:txBody>
-          <a:bodyPr/>
-          <a:lstStyle/>
-          <a:p>
-            <a:r>
-              <a:rPr lang="en-US" dirty="0" smtClean="0"/>
-              <a:t>Summary and initial solution design direction</a:t>
-            </a:r>
-            <a:endParaRPr lang="en-US" dirty="0"/>
-          </a:p>
-        </p:txBody>
-      </p:sp>
-    </p:spTree>
-    <p:extLst>
-      <p:ext uri="{BB962C8B-B14F-4D97-AF65-F5344CB8AC3E}">
-        <p14:creationId xmlns:p14="http://schemas.microsoft.com/office/powerpoint/2010/main" val="555938168"/>
       </p:ext>
     </p:extLst>
   </p:cSld>
@@ -32740,772 +33930,17 @@
           <a:lstStyle/>
           <a:p>
             <a:r>
-              <a:rPr lang="en-US" sz="4800" dirty="0"/>
-              <a:t>Who’s responsible </a:t>
-            </a:r>
-            <a:r>
-              <a:rPr lang="en-US" sz="4800"/>
-              <a:t>for what</a:t>
-            </a:r>
-            <a:r>
-              <a:rPr lang="en-US" sz="4800" dirty="0"/>
-              <a:t>+</a:t>
-            </a:r>
-            <a:r>
-              <a:rPr lang="en-US" sz="4800"/>
-              <a:t> dependencies </a:t>
-            </a:r>
-            <a:endParaRPr lang="nl-BE" dirty="0"/>
-          </a:p>
-        </p:txBody>
-      </p:sp>
-      <p:sp>
-        <p:nvSpPr>
-          <p:cNvPr id="4" name="Oval 3"/>
-          <p:cNvSpPr/>
-          <p:nvPr/>
-        </p:nvSpPr>
-        <p:spPr bwMode="auto">
-          <a:xfrm>
-            <a:off x="4824451" y="2601843"/>
-            <a:ext cx="2527325" cy="1194099"/>
-          </a:xfrm>
-          <a:prstGeom prst="ellipse">
-            <a:avLst/>
-          </a:prstGeom>
-          <a:noFill/>
-          <a:ln w="38100">
-            <a:solidFill>
-              <a:schemeClr val="tx2"/>
-            </a:solidFill>
-            <a:headEnd type="none" w="med" len="med"/>
-            <a:tailEnd type="none" w="med" len="med"/>
-          </a:ln>
-          <a:effectLst/>
-        </p:spPr>
-        <p:style>
-          <a:lnRef idx="1">
-            <a:schemeClr val="accent2"/>
-          </a:lnRef>
-          <a:fillRef idx="3">
-            <a:schemeClr val="accent2"/>
-          </a:fillRef>
-          <a:effectRef idx="2">
-            <a:schemeClr val="accent2"/>
-          </a:effectRef>
-          <a:fontRef idx="minor">
-            <a:schemeClr val="lt1"/>
-          </a:fontRef>
-        </p:style>
-        <p:txBody>
-          <a:bodyPr rot="0" spcFirstLastPara="0" vertOverflow="overflow" horzOverflow="overflow" vert="horz" wrap="square" lIns="45720" tIns="45720" rIns="45720" bIns="45720" numCol="1" spcCol="0" rtlCol="0" fromWordArt="0" anchor="ctr" anchorCtr="0" forceAA="0" compatLnSpc="1">
-            <a:prstTxWarp prst="textNoShape">
-              <a:avLst/>
-            </a:prstTxWarp>
-            <a:noAutofit/>
-          </a:bodyPr>
-          <a:lstStyle/>
-          <a:p>
-            <a:pPr algn="ctr" defTabSz="914099" fontAlgn="base">
-              <a:spcBef>
-                <a:spcPct val="0"/>
-              </a:spcBef>
-              <a:spcAft>
-                <a:spcPct val="0"/>
-              </a:spcAft>
-            </a:pPr>
-            <a:r>
-              <a:rPr lang="en-US" sz="2200" dirty="0" smtClean="0">
-                <a:solidFill>
-                  <a:schemeClr val="tx1"/>
-                </a:solidFill>
-                <a:ea typeface="Segoe UI" pitchFamily="34" charset="0"/>
-                <a:cs typeface="Segoe UI" pitchFamily="34" charset="0"/>
-              </a:rPr>
-              <a:t>Library Receivers</a:t>
-            </a:r>
-            <a:endParaRPr lang="nl-BE" sz="2200" dirty="0" smtClean="0">
-              <a:solidFill>
-                <a:schemeClr val="tx1"/>
-              </a:solidFill>
-              <a:ea typeface="Segoe UI" pitchFamily="34" charset="0"/>
-              <a:cs typeface="Segoe UI" pitchFamily="34" charset="0"/>
-            </a:endParaRPr>
-          </a:p>
-        </p:txBody>
-      </p:sp>
-      <p:sp>
-        <p:nvSpPr>
-          <p:cNvPr id="6" name="Oval 5"/>
-          <p:cNvSpPr/>
-          <p:nvPr/>
-        </p:nvSpPr>
-        <p:spPr bwMode="auto">
-          <a:xfrm>
-            <a:off x="7606202" y="1891270"/>
-            <a:ext cx="2305235" cy="935916"/>
-          </a:xfrm>
-          <a:prstGeom prst="ellipse">
-            <a:avLst/>
-          </a:prstGeom>
-          <a:noFill/>
-          <a:ln w="38100">
-            <a:solidFill>
-              <a:schemeClr val="accent1"/>
-            </a:solidFill>
-            <a:headEnd type="none" w="med" len="med"/>
-            <a:tailEnd type="none" w="med" len="med"/>
-          </a:ln>
-          <a:effectLst/>
-        </p:spPr>
-        <p:style>
-          <a:lnRef idx="1">
-            <a:schemeClr val="accent2"/>
-          </a:lnRef>
-          <a:fillRef idx="3">
-            <a:schemeClr val="accent2"/>
-          </a:fillRef>
-          <a:effectRef idx="2">
-            <a:schemeClr val="accent2"/>
-          </a:effectRef>
-          <a:fontRef idx="minor">
-            <a:schemeClr val="lt1"/>
-          </a:fontRef>
-        </p:style>
-        <p:txBody>
-          <a:bodyPr rot="0" spcFirstLastPara="0" vertOverflow="overflow" horzOverflow="overflow" vert="horz" wrap="square" lIns="45720" tIns="45720" rIns="45720" bIns="45720" numCol="1" spcCol="0" rtlCol="0" fromWordArt="0" anchor="ctr" anchorCtr="0" forceAA="0" compatLnSpc="1">
-            <a:prstTxWarp prst="textNoShape">
-              <a:avLst/>
-            </a:prstTxWarp>
-            <a:noAutofit/>
-          </a:bodyPr>
-          <a:lstStyle/>
-          <a:p>
-            <a:pPr algn="ctr" defTabSz="914099" fontAlgn="base">
-              <a:spcBef>
-                <a:spcPct val="0"/>
-              </a:spcBef>
-              <a:spcAft>
-                <a:spcPct val="0"/>
-              </a:spcAft>
-            </a:pPr>
-            <a:r>
-              <a:rPr lang="en-US" sz="2200" dirty="0" smtClean="0">
-                <a:solidFill>
-                  <a:schemeClr val="tx1"/>
-                </a:solidFill>
-                <a:ea typeface="Segoe UI" pitchFamily="34" charset="0"/>
-                <a:cs typeface="Segoe UI" pitchFamily="34" charset="0"/>
-              </a:rPr>
-              <a:t>Provisioning</a:t>
-            </a:r>
-            <a:endParaRPr lang="nl-BE" sz="2200" dirty="0">
-              <a:solidFill>
-                <a:schemeClr val="tx1"/>
-              </a:solidFill>
-              <a:ea typeface="Segoe UI" pitchFamily="34" charset="0"/>
-              <a:cs typeface="Segoe UI" pitchFamily="34" charset="0"/>
-            </a:endParaRPr>
-          </a:p>
-        </p:txBody>
-      </p:sp>
-      <p:sp>
-        <p:nvSpPr>
-          <p:cNvPr id="7" name="Oval 6"/>
-          <p:cNvSpPr/>
-          <p:nvPr/>
-        </p:nvSpPr>
-        <p:spPr bwMode="auto">
-          <a:xfrm>
-            <a:off x="4112646" y="2117751"/>
-            <a:ext cx="2506894" cy="805028"/>
-          </a:xfrm>
-          <a:prstGeom prst="ellipse">
-            <a:avLst/>
-          </a:prstGeom>
-          <a:noFill/>
-          <a:ln w="38100">
-            <a:solidFill>
-              <a:schemeClr val="accent1"/>
-            </a:solidFill>
-            <a:headEnd type="none" w="med" len="med"/>
-            <a:tailEnd type="none" w="med" len="med"/>
-          </a:ln>
-          <a:effectLst/>
-        </p:spPr>
-        <p:style>
-          <a:lnRef idx="1">
-            <a:schemeClr val="accent2"/>
-          </a:lnRef>
-          <a:fillRef idx="3">
-            <a:schemeClr val="accent2"/>
-          </a:fillRef>
-          <a:effectRef idx="2">
-            <a:schemeClr val="accent2"/>
-          </a:effectRef>
-          <a:fontRef idx="minor">
-            <a:schemeClr val="lt1"/>
-          </a:fontRef>
-        </p:style>
-        <p:txBody>
-          <a:bodyPr rot="0" spcFirstLastPara="0" vertOverflow="overflow" horzOverflow="overflow" vert="horz" wrap="square" lIns="45720" tIns="45720" rIns="45720" bIns="45720" numCol="1" spcCol="0" rtlCol="0" fromWordArt="0" anchor="ctr" anchorCtr="0" forceAA="0" compatLnSpc="1">
-            <a:prstTxWarp prst="textNoShape">
-              <a:avLst/>
-            </a:prstTxWarp>
-            <a:noAutofit/>
-          </a:bodyPr>
-          <a:lstStyle/>
-          <a:p>
-            <a:pPr algn="ctr" defTabSz="914099" fontAlgn="base">
-              <a:spcBef>
-                <a:spcPct val="0"/>
-              </a:spcBef>
-              <a:spcAft>
-                <a:spcPct val="0"/>
-              </a:spcAft>
-            </a:pPr>
-            <a:r>
-              <a:rPr lang="nl-BE" sz="2200" dirty="0" smtClean="0">
-                <a:solidFill>
-                  <a:schemeClr val="tx1"/>
-                </a:solidFill>
-                <a:ea typeface="Segoe UI" pitchFamily="34" charset="0"/>
-                <a:cs typeface="Segoe UI" pitchFamily="34" charset="0"/>
-              </a:rPr>
-              <a:t>Doc Management</a:t>
-            </a:r>
-            <a:endParaRPr lang="nl-BE" sz="2200" dirty="0">
-              <a:solidFill>
-                <a:schemeClr val="tx1"/>
-              </a:solidFill>
-              <a:ea typeface="Segoe UI" pitchFamily="34" charset="0"/>
-              <a:cs typeface="Segoe UI" pitchFamily="34" charset="0"/>
-            </a:endParaRPr>
-          </a:p>
-        </p:txBody>
-      </p:sp>
-      <p:sp>
-        <p:nvSpPr>
-          <p:cNvPr id="8" name="Oval 7"/>
-          <p:cNvSpPr/>
-          <p:nvPr/>
-        </p:nvSpPr>
-        <p:spPr bwMode="auto">
-          <a:xfrm>
-            <a:off x="4122514" y="3581445"/>
-            <a:ext cx="2589166" cy="892233"/>
-          </a:xfrm>
-          <a:prstGeom prst="ellipse">
-            <a:avLst/>
-          </a:prstGeom>
-          <a:noFill/>
-          <a:ln w="38100">
-            <a:solidFill>
-              <a:schemeClr val="tx2"/>
-            </a:solidFill>
-            <a:headEnd type="none" w="med" len="med"/>
-            <a:tailEnd type="none" w="med" len="med"/>
-          </a:ln>
-          <a:effectLst/>
-        </p:spPr>
-        <p:style>
-          <a:lnRef idx="1">
-            <a:schemeClr val="accent2"/>
-          </a:lnRef>
-          <a:fillRef idx="3">
-            <a:schemeClr val="accent2"/>
-          </a:fillRef>
-          <a:effectRef idx="2">
-            <a:schemeClr val="accent2"/>
-          </a:effectRef>
-          <a:fontRef idx="minor">
-            <a:schemeClr val="lt1"/>
-          </a:fontRef>
-        </p:style>
-        <p:txBody>
-          <a:bodyPr rot="0" spcFirstLastPara="0" vertOverflow="overflow" horzOverflow="overflow" vert="horz" wrap="square" lIns="45720" tIns="45720" rIns="45720" bIns="45720" numCol="1" spcCol="0" rtlCol="0" fromWordArt="0" anchor="ctr" anchorCtr="0" forceAA="0" compatLnSpc="1">
-            <a:prstTxWarp prst="textNoShape">
-              <a:avLst/>
-            </a:prstTxWarp>
-            <a:noAutofit/>
-          </a:bodyPr>
-          <a:lstStyle/>
-          <a:p>
-            <a:pPr algn="ctr" defTabSz="914099" fontAlgn="base">
-              <a:spcBef>
-                <a:spcPct val="0"/>
-              </a:spcBef>
-              <a:spcAft>
-                <a:spcPct val="0"/>
-              </a:spcAft>
-            </a:pPr>
-            <a:r>
-              <a:rPr lang="nl-BE" sz="2200" dirty="0" smtClean="0">
-                <a:solidFill>
-                  <a:schemeClr val="tx1"/>
-                </a:solidFill>
-                <a:ea typeface="Segoe UI" pitchFamily="34" charset="0"/>
-                <a:cs typeface="Segoe UI" pitchFamily="34" charset="0"/>
-              </a:rPr>
-              <a:t>Notification Email</a:t>
-            </a:r>
-          </a:p>
-        </p:txBody>
-      </p:sp>
-      <p:sp>
-        <p:nvSpPr>
-          <p:cNvPr id="11" name="Oval 10"/>
-          <p:cNvSpPr/>
-          <p:nvPr/>
-        </p:nvSpPr>
-        <p:spPr bwMode="auto">
-          <a:xfrm>
-            <a:off x="917103" y="5733826"/>
-            <a:ext cx="1608259" cy="774550"/>
-          </a:xfrm>
-          <a:prstGeom prst="ellipse">
-            <a:avLst/>
-          </a:prstGeom>
-          <a:noFill/>
-          <a:ln w="38100">
-            <a:solidFill>
-              <a:schemeClr val="tx1"/>
-            </a:solidFill>
-            <a:headEnd type="none" w="med" len="med"/>
-            <a:tailEnd type="none" w="med" len="med"/>
-          </a:ln>
-          <a:effectLst/>
-        </p:spPr>
-        <p:style>
-          <a:lnRef idx="1">
-            <a:schemeClr val="accent2"/>
-          </a:lnRef>
-          <a:fillRef idx="3">
-            <a:schemeClr val="accent2"/>
-          </a:fillRef>
-          <a:effectRef idx="2">
-            <a:schemeClr val="accent2"/>
-          </a:effectRef>
-          <a:fontRef idx="minor">
-            <a:schemeClr val="lt1"/>
-          </a:fontRef>
-        </p:style>
-        <p:txBody>
-          <a:bodyPr rot="0" spcFirstLastPara="0" vertOverflow="overflow" horzOverflow="overflow" vert="horz" wrap="square" lIns="45720" tIns="45720" rIns="45720" bIns="45720" numCol="1" spcCol="0" rtlCol="0" fromWordArt="0" anchor="ctr" anchorCtr="0" forceAA="0" compatLnSpc="1">
-            <a:prstTxWarp prst="textNoShape">
-              <a:avLst/>
-            </a:prstTxWarp>
-            <a:noAutofit/>
-          </a:bodyPr>
-          <a:lstStyle/>
-          <a:p>
-            <a:pPr algn="ctr" defTabSz="914099" fontAlgn="base">
-              <a:spcBef>
-                <a:spcPct val="0"/>
-              </a:spcBef>
-              <a:spcAft>
-                <a:spcPct val="0"/>
-              </a:spcAft>
-            </a:pPr>
-            <a:r>
-              <a:rPr lang="en-US" sz="1600" dirty="0" err="1" smtClean="0">
-                <a:solidFill>
-                  <a:schemeClr val="tx1"/>
-                </a:solidFill>
-                <a:ea typeface="Segoe UI" pitchFamily="34" charset="0"/>
-                <a:cs typeface="Segoe UI" pitchFamily="34" charset="0"/>
-              </a:rPr>
-              <a:t>Fabrikam</a:t>
-            </a:r>
-            <a:endParaRPr lang="nl-BE" sz="2200" dirty="0" smtClean="0">
-              <a:solidFill>
-                <a:schemeClr val="tx1"/>
-              </a:solidFill>
-              <a:ea typeface="Segoe UI" pitchFamily="34" charset="0"/>
-              <a:cs typeface="Segoe UI" pitchFamily="34" charset="0"/>
-            </a:endParaRPr>
-          </a:p>
-        </p:txBody>
-      </p:sp>
-      <p:sp>
-        <p:nvSpPr>
-          <p:cNvPr id="13" name="Oval 12"/>
-          <p:cNvSpPr/>
-          <p:nvPr/>
-        </p:nvSpPr>
-        <p:spPr bwMode="auto">
-          <a:xfrm>
-            <a:off x="2614115" y="5733826"/>
-            <a:ext cx="1608259" cy="774550"/>
-          </a:xfrm>
-          <a:prstGeom prst="ellipse">
-            <a:avLst/>
-          </a:prstGeom>
-          <a:noFill/>
-          <a:ln w="38100">
-            <a:solidFill>
-              <a:schemeClr val="accent1"/>
-            </a:solidFill>
-            <a:headEnd type="none" w="med" len="med"/>
-            <a:tailEnd type="none" w="med" len="med"/>
-          </a:ln>
-          <a:effectLst/>
-        </p:spPr>
-        <p:style>
-          <a:lnRef idx="1">
-            <a:schemeClr val="accent2"/>
-          </a:lnRef>
-          <a:fillRef idx="3">
-            <a:schemeClr val="accent2"/>
-          </a:fillRef>
-          <a:effectRef idx="2">
-            <a:schemeClr val="accent2"/>
-          </a:effectRef>
-          <a:fontRef idx="minor">
-            <a:schemeClr val="lt1"/>
-          </a:fontRef>
-        </p:style>
-        <p:txBody>
-          <a:bodyPr rot="0" spcFirstLastPara="0" vertOverflow="overflow" horzOverflow="overflow" vert="horz" wrap="square" lIns="45720" tIns="45720" rIns="45720" bIns="45720" numCol="1" spcCol="0" rtlCol="0" fromWordArt="0" anchor="ctr" anchorCtr="0" forceAA="0" compatLnSpc="1">
-            <a:prstTxWarp prst="textNoShape">
-              <a:avLst/>
-            </a:prstTxWarp>
-            <a:noAutofit/>
-          </a:bodyPr>
-          <a:lstStyle/>
-          <a:p>
-            <a:pPr algn="ctr" defTabSz="914099" fontAlgn="base">
-              <a:spcBef>
-                <a:spcPct val="0"/>
-              </a:spcBef>
-              <a:spcAft>
-                <a:spcPct val="0"/>
-              </a:spcAft>
-            </a:pPr>
-            <a:r>
-              <a:rPr lang="en-US" sz="1600" dirty="0" smtClean="0">
-                <a:solidFill>
-                  <a:schemeClr val="tx1"/>
-                </a:solidFill>
-                <a:ea typeface="Segoe UI" pitchFamily="34" charset="0"/>
-                <a:cs typeface="Segoe UI" pitchFamily="34" charset="0"/>
-              </a:rPr>
-              <a:t>Contoso</a:t>
-            </a:r>
-            <a:endParaRPr lang="nl-BE" sz="2200" dirty="0">
-              <a:solidFill>
-                <a:schemeClr val="tx1"/>
-              </a:solidFill>
-              <a:ea typeface="Segoe UI" pitchFamily="34" charset="0"/>
-              <a:cs typeface="Segoe UI" pitchFamily="34" charset="0"/>
-            </a:endParaRPr>
-          </a:p>
-        </p:txBody>
-      </p:sp>
-      <p:sp>
-        <p:nvSpPr>
-          <p:cNvPr id="14" name="Oval 13"/>
-          <p:cNvSpPr/>
-          <p:nvPr/>
-        </p:nvSpPr>
-        <p:spPr bwMode="auto">
-          <a:xfrm>
-            <a:off x="4311127" y="5736272"/>
-            <a:ext cx="1608259" cy="774550"/>
-          </a:xfrm>
-          <a:prstGeom prst="ellipse">
-            <a:avLst/>
-          </a:prstGeom>
-          <a:noFill/>
-          <a:ln w="38100">
-            <a:solidFill>
-              <a:schemeClr val="accent4"/>
-            </a:solidFill>
-            <a:headEnd type="none" w="med" len="med"/>
-            <a:tailEnd type="none" w="med" len="med"/>
-          </a:ln>
-          <a:effectLst/>
-        </p:spPr>
-        <p:style>
-          <a:lnRef idx="1">
-            <a:schemeClr val="accent2"/>
-          </a:lnRef>
-          <a:fillRef idx="3">
-            <a:schemeClr val="accent2"/>
-          </a:fillRef>
-          <a:effectRef idx="2">
-            <a:schemeClr val="accent2"/>
-          </a:effectRef>
-          <a:fontRef idx="minor">
-            <a:schemeClr val="lt1"/>
-          </a:fontRef>
-        </p:style>
-        <p:txBody>
-          <a:bodyPr rot="0" spcFirstLastPara="0" vertOverflow="overflow" horzOverflow="overflow" vert="horz" wrap="square" lIns="45720" tIns="45720" rIns="45720" bIns="45720" numCol="1" spcCol="0" rtlCol="0" fromWordArt="0" anchor="ctr" anchorCtr="0" forceAA="0" compatLnSpc="1">
-            <a:prstTxWarp prst="textNoShape">
-              <a:avLst/>
-            </a:prstTxWarp>
-            <a:noAutofit/>
-          </a:bodyPr>
-          <a:lstStyle/>
-          <a:p>
-            <a:pPr algn="ctr" defTabSz="914099" fontAlgn="base">
-              <a:spcBef>
-                <a:spcPct val="0"/>
-              </a:spcBef>
-              <a:spcAft>
-                <a:spcPct val="0"/>
-              </a:spcAft>
-            </a:pPr>
-            <a:r>
-              <a:rPr lang="en-US" sz="1600" dirty="0" smtClean="0">
-                <a:solidFill>
-                  <a:schemeClr val="tx1"/>
-                </a:solidFill>
-                <a:ea typeface="Segoe UI" pitchFamily="34" charset="0"/>
-                <a:cs typeface="Segoe UI" pitchFamily="34" charset="0"/>
-              </a:rPr>
-              <a:t>Tailspin</a:t>
-            </a:r>
-            <a:endParaRPr lang="nl-BE" sz="2200" dirty="0">
-              <a:solidFill>
-                <a:schemeClr val="tx1"/>
-              </a:solidFill>
-              <a:ea typeface="Segoe UI" pitchFamily="34" charset="0"/>
-              <a:cs typeface="Segoe UI" pitchFamily="34" charset="0"/>
-            </a:endParaRPr>
-          </a:p>
-        </p:txBody>
-      </p:sp>
-      <p:sp>
-        <p:nvSpPr>
-          <p:cNvPr id="17" name="Oval 18"/>
-          <p:cNvSpPr/>
-          <p:nvPr/>
-        </p:nvSpPr>
-        <p:spPr bwMode="auto">
-          <a:xfrm>
-            <a:off x="6075026" y="2827187"/>
-            <a:ext cx="3425334" cy="1627422"/>
-          </a:xfrm>
-          <a:prstGeom prst="ellipse">
-            <a:avLst/>
-          </a:prstGeom>
-          <a:noFill/>
-          <a:ln w="38100">
-            <a:solidFill>
-              <a:schemeClr val="tx2"/>
-            </a:solidFill>
-            <a:headEnd type="none" w="med" len="med"/>
-            <a:tailEnd type="none" w="med" len="med"/>
-          </a:ln>
-          <a:effectLst/>
-        </p:spPr>
-        <p:style>
-          <a:lnRef idx="1">
-            <a:schemeClr val="accent2"/>
-          </a:lnRef>
-          <a:fillRef idx="3">
-            <a:schemeClr val="accent2"/>
-          </a:fillRef>
-          <a:effectRef idx="2">
-            <a:schemeClr val="accent2"/>
-          </a:effectRef>
-          <a:fontRef idx="minor">
-            <a:schemeClr val="lt1"/>
-          </a:fontRef>
-        </p:style>
-        <p:txBody>
-          <a:bodyPr rot="0" spcFirstLastPara="0" vertOverflow="overflow" horzOverflow="overflow" vert="horz" wrap="square" lIns="45720" tIns="45720" rIns="45720" bIns="45720" numCol="1" spcCol="0" rtlCol="0" fromWordArt="0" anchor="ctr" anchorCtr="0" forceAA="0" compatLnSpc="1">
-            <a:prstTxWarp prst="textNoShape">
-              <a:avLst/>
-            </a:prstTxWarp>
-            <a:noAutofit/>
-          </a:bodyPr>
-          <a:lstStyle/>
-          <a:p>
-            <a:pPr algn="ctr" defTabSz="914099" fontAlgn="base">
-              <a:spcBef>
-                <a:spcPct val="0"/>
-              </a:spcBef>
-              <a:spcAft>
-                <a:spcPct val="0"/>
-              </a:spcAft>
-            </a:pPr>
-            <a:r>
-              <a:rPr lang="en-US" sz="2200" dirty="0" smtClean="0">
-                <a:solidFill>
-                  <a:schemeClr val="tx1"/>
-                </a:solidFill>
-                <a:ea typeface="Segoe UI" pitchFamily="34" charset="0"/>
-                <a:cs typeface="Segoe UI" pitchFamily="34" charset="0"/>
-              </a:rPr>
-              <a:t>Branding</a:t>
-            </a:r>
-            <a:endParaRPr lang="nl-BE" sz="2200" dirty="0" smtClean="0">
-              <a:solidFill>
-                <a:schemeClr val="tx1"/>
-              </a:solidFill>
-              <a:ea typeface="Segoe UI" pitchFamily="34" charset="0"/>
-              <a:cs typeface="Segoe UI" pitchFamily="34" charset="0"/>
-            </a:endParaRPr>
-          </a:p>
-        </p:txBody>
-      </p:sp>
-      <p:sp>
-        <p:nvSpPr>
-          <p:cNvPr id="19" name="Oval 8"/>
-          <p:cNvSpPr/>
-          <p:nvPr/>
-        </p:nvSpPr>
-        <p:spPr bwMode="auto">
-          <a:xfrm>
-            <a:off x="1987505" y="1798835"/>
-            <a:ext cx="1353658" cy="746809"/>
-          </a:xfrm>
-          <a:prstGeom prst="ellipse">
-            <a:avLst/>
-          </a:prstGeom>
-          <a:noFill/>
-          <a:ln w="38100">
-            <a:solidFill>
-              <a:schemeClr val="accent4"/>
-            </a:solidFill>
-            <a:headEnd type="none" w="med" len="med"/>
-            <a:tailEnd type="none" w="med" len="med"/>
-          </a:ln>
-          <a:effectLst/>
-        </p:spPr>
-        <p:style>
-          <a:lnRef idx="1">
-            <a:schemeClr val="accent2"/>
-          </a:lnRef>
-          <a:fillRef idx="3">
-            <a:schemeClr val="accent2"/>
-          </a:fillRef>
-          <a:effectRef idx="2">
-            <a:schemeClr val="accent2"/>
-          </a:effectRef>
-          <a:fontRef idx="minor">
-            <a:schemeClr val="lt1"/>
-          </a:fontRef>
-        </p:style>
-        <p:txBody>
-          <a:bodyPr rot="0" spcFirstLastPara="0" vertOverflow="overflow" horzOverflow="overflow" vert="horz" wrap="square" lIns="45720" tIns="45720" rIns="45720" bIns="45720" numCol="1" spcCol="0" rtlCol="0" fromWordArt="0" anchor="ctr" anchorCtr="0" forceAA="0" compatLnSpc="1">
-            <a:prstTxWarp prst="textNoShape">
-              <a:avLst/>
-            </a:prstTxWarp>
-            <a:noAutofit/>
-          </a:bodyPr>
-          <a:lstStyle/>
-          <a:p>
-            <a:pPr algn="ctr" defTabSz="914099" fontAlgn="base">
-              <a:spcBef>
-                <a:spcPct val="0"/>
-              </a:spcBef>
-              <a:spcAft>
-                <a:spcPct val="0"/>
-              </a:spcAft>
-            </a:pPr>
-            <a:r>
-              <a:rPr lang="en-US" sz="2200" dirty="0" smtClean="0">
-                <a:solidFill>
-                  <a:schemeClr val="tx1"/>
-                </a:solidFill>
-                <a:ea typeface="Segoe UI" pitchFamily="34" charset="0"/>
-                <a:cs typeface="Segoe UI" pitchFamily="34" charset="0"/>
-              </a:rPr>
-              <a:t>Skill Finder</a:t>
-            </a:r>
-            <a:endParaRPr lang="nl-BE" sz="2200" dirty="0" smtClean="0">
-              <a:solidFill>
-                <a:schemeClr val="tx1"/>
-              </a:solidFill>
-              <a:ea typeface="Segoe UI" pitchFamily="34" charset="0"/>
-              <a:cs typeface="Segoe UI" pitchFamily="34" charset="0"/>
-            </a:endParaRPr>
-          </a:p>
-        </p:txBody>
-      </p:sp>
-      <p:sp>
-        <p:nvSpPr>
-          <p:cNvPr id="20" name="Oval 20"/>
-          <p:cNvSpPr/>
-          <p:nvPr/>
-        </p:nvSpPr>
-        <p:spPr bwMode="auto">
-          <a:xfrm>
-            <a:off x="1932905" y="2612601"/>
-            <a:ext cx="1757010" cy="746809"/>
-          </a:xfrm>
-          <a:prstGeom prst="ellipse">
-            <a:avLst/>
-          </a:prstGeom>
-          <a:noFill/>
-          <a:ln w="38100">
-            <a:solidFill>
-              <a:schemeClr val="tx1"/>
-            </a:solidFill>
-            <a:headEnd type="none" w="med" len="med"/>
-            <a:tailEnd type="none" w="med" len="med"/>
-          </a:ln>
-          <a:effectLst/>
-        </p:spPr>
-        <p:style>
-          <a:lnRef idx="1">
-            <a:schemeClr val="accent2"/>
-          </a:lnRef>
-          <a:fillRef idx="3">
-            <a:schemeClr val="accent2"/>
-          </a:fillRef>
-          <a:effectRef idx="2">
-            <a:schemeClr val="accent2"/>
-          </a:effectRef>
-          <a:fontRef idx="minor">
-            <a:schemeClr val="lt1"/>
-          </a:fontRef>
-        </p:style>
-        <p:txBody>
-          <a:bodyPr rot="0" spcFirstLastPara="0" vertOverflow="overflow" horzOverflow="overflow" vert="horz" wrap="square" lIns="45720" tIns="45720" rIns="45720" bIns="45720" numCol="1" spcCol="0" rtlCol="0" fromWordArt="0" anchor="ctr" anchorCtr="0" forceAA="0" compatLnSpc="1">
-            <a:prstTxWarp prst="textNoShape">
-              <a:avLst/>
-            </a:prstTxWarp>
-            <a:noAutofit/>
-          </a:bodyPr>
-          <a:lstStyle/>
-          <a:p>
-            <a:pPr algn="ctr" defTabSz="914099" fontAlgn="base">
-              <a:spcBef>
-                <a:spcPct val="0"/>
-              </a:spcBef>
-              <a:spcAft>
-                <a:spcPct val="0"/>
-              </a:spcAft>
-            </a:pPr>
-            <a:r>
-              <a:rPr lang="en-US" sz="2200" dirty="0" smtClean="0">
-                <a:solidFill>
-                  <a:schemeClr val="tx1"/>
-                </a:solidFill>
-                <a:ea typeface="Segoe UI" pitchFamily="34" charset="0"/>
-                <a:cs typeface="Segoe UI" pitchFamily="34" charset="0"/>
-              </a:rPr>
-              <a:t>Location Finder</a:t>
-            </a:r>
-            <a:endParaRPr lang="nl-BE" sz="2200" dirty="0" smtClean="0">
-              <a:solidFill>
-                <a:schemeClr val="tx1"/>
-              </a:solidFill>
-              <a:ea typeface="Segoe UI" pitchFamily="34" charset="0"/>
-              <a:cs typeface="Segoe UI" pitchFamily="34" charset="0"/>
-            </a:endParaRPr>
+              <a:rPr lang="en-US" dirty="0" smtClean="0"/>
+              <a:t>Summary and initial solution design direction</a:t>
+            </a:r>
+            <a:endParaRPr lang="en-US" dirty="0"/>
           </a:p>
         </p:txBody>
       </p:sp>
     </p:spTree>
     <p:extLst>
       <p:ext uri="{BB962C8B-B14F-4D97-AF65-F5344CB8AC3E}">
-        <p14:creationId xmlns:p14="http://schemas.microsoft.com/office/powerpoint/2010/main" val="1781054112"/>
+        <p14:creationId xmlns:p14="http://schemas.microsoft.com/office/powerpoint/2010/main" val="555938168"/>
       </p:ext>
     </p:extLst>
   </p:cSld>
@@ -33558,6 +33993,824 @@
           <a:lstStyle/>
           <a:p>
             <a:r>
+              <a:rPr lang="en-US" sz="4800" dirty="0"/>
+              <a:t>Who’s responsible </a:t>
+            </a:r>
+            <a:r>
+              <a:rPr lang="en-US" sz="4800"/>
+              <a:t>for what</a:t>
+            </a:r>
+            <a:r>
+              <a:rPr lang="en-US" sz="4800" dirty="0"/>
+              <a:t>+</a:t>
+            </a:r>
+            <a:r>
+              <a:rPr lang="en-US" sz="4800"/>
+              <a:t> dependencies </a:t>
+            </a:r>
+            <a:endParaRPr lang="nl-BE" dirty="0"/>
+          </a:p>
+        </p:txBody>
+      </p:sp>
+      <p:sp>
+        <p:nvSpPr>
+          <p:cNvPr id="4" name="Oval 3"/>
+          <p:cNvSpPr/>
+          <p:nvPr/>
+        </p:nvSpPr>
+        <p:spPr bwMode="auto">
+          <a:xfrm>
+            <a:off x="4824451" y="2601843"/>
+            <a:ext cx="2527325" cy="1194099"/>
+          </a:xfrm>
+          <a:prstGeom prst="ellipse">
+            <a:avLst/>
+          </a:prstGeom>
+          <a:noFill/>
+          <a:ln w="38100">
+            <a:solidFill>
+              <a:schemeClr val="tx2"/>
+            </a:solidFill>
+            <a:headEnd type="none" w="med" len="med"/>
+            <a:tailEnd type="none" w="med" len="med"/>
+          </a:ln>
+          <a:effectLst/>
+        </p:spPr>
+        <p:style>
+          <a:lnRef idx="1">
+            <a:schemeClr val="accent2"/>
+          </a:lnRef>
+          <a:fillRef idx="3">
+            <a:schemeClr val="accent2"/>
+          </a:fillRef>
+          <a:effectRef idx="2">
+            <a:schemeClr val="accent2"/>
+          </a:effectRef>
+          <a:fontRef idx="minor">
+            <a:schemeClr val="lt1"/>
+          </a:fontRef>
+        </p:style>
+        <p:txBody>
+          <a:bodyPr rot="0" spcFirstLastPara="0" vertOverflow="overflow" horzOverflow="overflow" vert="horz" wrap="square" lIns="45720" tIns="45720" rIns="45720" bIns="45720" numCol="1" spcCol="0" rtlCol="0" fromWordArt="0" anchor="ctr" anchorCtr="0" forceAA="0" compatLnSpc="1">
+            <a:prstTxWarp prst="textNoShape">
+              <a:avLst/>
+            </a:prstTxWarp>
+            <a:noAutofit/>
+          </a:bodyPr>
+          <a:lstStyle/>
+          <a:p>
+            <a:pPr algn="ctr" defTabSz="914099" fontAlgn="base">
+              <a:spcBef>
+                <a:spcPct val="0"/>
+              </a:spcBef>
+              <a:spcAft>
+                <a:spcPct val="0"/>
+              </a:spcAft>
+            </a:pPr>
+            <a:r>
+              <a:rPr lang="en-US" sz="2200" dirty="0" smtClean="0">
+                <a:solidFill>
+                  <a:schemeClr val="tx1"/>
+                </a:solidFill>
+                <a:ea typeface="Segoe UI" pitchFamily="34" charset="0"/>
+                <a:cs typeface="Segoe UI" pitchFamily="34" charset="0"/>
+              </a:rPr>
+              <a:t>Library Receivers</a:t>
+            </a:r>
+            <a:endParaRPr lang="nl-BE" sz="2200" dirty="0" smtClean="0">
+              <a:solidFill>
+                <a:schemeClr val="tx1"/>
+              </a:solidFill>
+              <a:ea typeface="Segoe UI" pitchFamily="34" charset="0"/>
+              <a:cs typeface="Segoe UI" pitchFamily="34" charset="0"/>
+            </a:endParaRPr>
+          </a:p>
+        </p:txBody>
+      </p:sp>
+      <p:sp>
+        <p:nvSpPr>
+          <p:cNvPr id="6" name="Oval 5"/>
+          <p:cNvSpPr/>
+          <p:nvPr/>
+        </p:nvSpPr>
+        <p:spPr bwMode="auto">
+          <a:xfrm>
+            <a:off x="7606202" y="1891270"/>
+            <a:ext cx="2305235" cy="935916"/>
+          </a:xfrm>
+          <a:prstGeom prst="ellipse">
+            <a:avLst/>
+          </a:prstGeom>
+          <a:noFill/>
+          <a:ln w="38100">
+            <a:solidFill>
+              <a:schemeClr val="accent1"/>
+            </a:solidFill>
+            <a:headEnd type="none" w="med" len="med"/>
+            <a:tailEnd type="none" w="med" len="med"/>
+          </a:ln>
+          <a:effectLst/>
+        </p:spPr>
+        <p:style>
+          <a:lnRef idx="1">
+            <a:schemeClr val="accent2"/>
+          </a:lnRef>
+          <a:fillRef idx="3">
+            <a:schemeClr val="accent2"/>
+          </a:fillRef>
+          <a:effectRef idx="2">
+            <a:schemeClr val="accent2"/>
+          </a:effectRef>
+          <a:fontRef idx="minor">
+            <a:schemeClr val="lt1"/>
+          </a:fontRef>
+        </p:style>
+        <p:txBody>
+          <a:bodyPr rot="0" spcFirstLastPara="0" vertOverflow="overflow" horzOverflow="overflow" vert="horz" wrap="square" lIns="45720" tIns="45720" rIns="45720" bIns="45720" numCol="1" spcCol="0" rtlCol="0" fromWordArt="0" anchor="ctr" anchorCtr="0" forceAA="0" compatLnSpc="1">
+            <a:prstTxWarp prst="textNoShape">
+              <a:avLst/>
+            </a:prstTxWarp>
+            <a:noAutofit/>
+          </a:bodyPr>
+          <a:lstStyle/>
+          <a:p>
+            <a:pPr algn="ctr" defTabSz="914099" fontAlgn="base">
+              <a:spcBef>
+                <a:spcPct val="0"/>
+              </a:spcBef>
+              <a:spcAft>
+                <a:spcPct val="0"/>
+              </a:spcAft>
+            </a:pPr>
+            <a:r>
+              <a:rPr lang="en-US" sz="2200" dirty="0" smtClean="0">
+                <a:solidFill>
+                  <a:schemeClr val="tx1"/>
+                </a:solidFill>
+                <a:ea typeface="Segoe UI" pitchFamily="34" charset="0"/>
+                <a:cs typeface="Segoe UI" pitchFamily="34" charset="0"/>
+              </a:rPr>
+              <a:t>Provisioning</a:t>
+            </a:r>
+            <a:endParaRPr lang="nl-BE" sz="2200" dirty="0">
+              <a:solidFill>
+                <a:schemeClr val="tx1"/>
+              </a:solidFill>
+              <a:ea typeface="Segoe UI" pitchFamily="34" charset="0"/>
+              <a:cs typeface="Segoe UI" pitchFamily="34" charset="0"/>
+            </a:endParaRPr>
+          </a:p>
+        </p:txBody>
+      </p:sp>
+      <p:sp>
+        <p:nvSpPr>
+          <p:cNvPr id="7" name="Oval 6"/>
+          <p:cNvSpPr/>
+          <p:nvPr/>
+        </p:nvSpPr>
+        <p:spPr bwMode="auto">
+          <a:xfrm>
+            <a:off x="4112646" y="2117751"/>
+            <a:ext cx="2506894" cy="805028"/>
+          </a:xfrm>
+          <a:prstGeom prst="ellipse">
+            <a:avLst/>
+          </a:prstGeom>
+          <a:noFill/>
+          <a:ln w="38100">
+            <a:solidFill>
+              <a:schemeClr val="accent1"/>
+            </a:solidFill>
+            <a:headEnd type="none" w="med" len="med"/>
+            <a:tailEnd type="none" w="med" len="med"/>
+          </a:ln>
+          <a:effectLst/>
+        </p:spPr>
+        <p:style>
+          <a:lnRef idx="1">
+            <a:schemeClr val="accent2"/>
+          </a:lnRef>
+          <a:fillRef idx="3">
+            <a:schemeClr val="accent2"/>
+          </a:fillRef>
+          <a:effectRef idx="2">
+            <a:schemeClr val="accent2"/>
+          </a:effectRef>
+          <a:fontRef idx="minor">
+            <a:schemeClr val="lt1"/>
+          </a:fontRef>
+        </p:style>
+        <p:txBody>
+          <a:bodyPr rot="0" spcFirstLastPara="0" vertOverflow="overflow" horzOverflow="overflow" vert="horz" wrap="square" lIns="45720" tIns="45720" rIns="45720" bIns="45720" numCol="1" spcCol="0" rtlCol="0" fromWordArt="0" anchor="ctr" anchorCtr="0" forceAA="0" compatLnSpc="1">
+            <a:prstTxWarp prst="textNoShape">
+              <a:avLst/>
+            </a:prstTxWarp>
+            <a:noAutofit/>
+          </a:bodyPr>
+          <a:lstStyle/>
+          <a:p>
+            <a:pPr algn="ctr" defTabSz="914099" fontAlgn="base">
+              <a:spcBef>
+                <a:spcPct val="0"/>
+              </a:spcBef>
+              <a:spcAft>
+                <a:spcPct val="0"/>
+              </a:spcAft>
+            </a:pPr>
+            <a:r>
+              <a:rPr lang="nl-BE" sz="2200" dirty="0" smtClean="0">
+                <a:solidFill>
+                  <a:schemeClr val="tx1"/>
+                </a:solidFill>
+                <a:ea typeface="Segoe UI" pitchFamily="34" charset="0"/>
+                <a:cs typeface="Segoe UI" pitchFamily="34" charset="0"/>
+              </a:rPr>
+              <a:t>Doc Management</a:t>
+            </a:r>
+            <a:endParaRPr lang="nl-BE" sz="2200" dirty="0">
+              <a:solidFill>
+                <a:schemeClr val="tx1"/>
+              </a:solidFill>
+              <a:ea typeface="Segoe UI" pitchFamily="34" charset="0"/>
+              <a:cs typeface="Segoe UI" pitchFamily="34" charset="0"/>
+            </a:endParaRPr>
+          </a:p>
+        </p:txBody>
+      </p:sp>
+      <p:sp>
+        <p:nvSpPr>
+          <p:cNvPr id="8" name="Oval 7"/>
+          <p:cNvSpPr/>
+          <p:nvPr/>
+        </p:nvSpPr>
+        <p:spPr bwMode="auto">
+          <a:xfrm>
+            <a:off x="4122514" y="3581445"/>
+            <a:ext cx="2589166" cy="892233"/>
+          </a:xfrm>
+          <a:prstGeom prst="ellipse">
+            <a:avLst/>
+          </a:prstGeom>
+          <a:noFill/>
+          <a:ln w="38100">
+            <a:solidFill>
+              <a:schemeClr val="tx2"/>
+            </a:solidFill>
+            <a:headEnd type="none" w="med" len="med"/>
+            <a:tailEnd type="none" w="med" len="med"/>
+          </a:ln>
+          <a:effectLst/>
+        </p:spPr>
+        <p:style>
+          <a:lnRef idx="1">
+            <a:schemeClr val="accent2"/>
+          </a:lnRef>
+          <a:fillRef idx="3">
+            <a:schemeClr val="accent2"/>
+          </a:fillRef>
+          <a:effectRef idx="2">
+            <a:schemeClr val="accent2"/>
+          </a:effectRef>
+          <a:fontRef idx="minor">
+            <a:schemeClr val="lt1"/>
+          </a:fontRef>
+        </p:style>
+        <p:txBody>
+          <a:bodyPr rot="0" spcFirstLastPara="0" vertOverflow="overflow" horzOverflow="overflow" vert="horz" wrap="square" lIns="45720" tIns="45720" rIns="45720" bIns="45720" numCol="1" spcCol="0" rtlCol="0" fromWordArt="0" anchor="ctr" anchorCtr="0" forceAA="0" compatLnSpc="1">
+            <a:prstTxWarp prst="textNoShape">
+              <a:avLst/>
+            </a:prstTxWarp>
+            <a:noAutofit/>
+          </a:bodyPr>
+          <a:lstStyle/>
+          <a:p>
+            <a:pPr algn="ctr" defTabSz="914099" fontAlgn="base">
+              <a:spcBef>
+                <a:spcPct val="0"/>
+              </a:spcBef>
+              <a:spcAft>
+                <a:spcPct val="0"/>
+              </a:spcAft>
+            </a:pPr>
+            <a:r>
+              <a:rPr lang="nl-BE" sz="2200" dirty="0" smtClean="0">
+                <a:solidFill>
+                  <a:schemeClr val="tx1"/>
+                </a:solidFill>
+                <a:ea typeface="Segoe UI" pitchFamily="34" charset="0"/>
+                <a:cs typeface="Segoe UI" pitchFamily="34" charset="0"/>
+              </a:rPr>
+              <a:t>Notification Email</a:t>
+            </a:r>
+          </a:p>
+        </p:txBody>
+      </p:sp>
+      <p:sp>
+        <p:nvSpPr>
+          <p:cNvPr id="11" name="Oval 10"/>
+          <p:cNvSpPr/>
+          <p:nvPr/>
+        </p:nvSpPr>
+        <p:spPr bwMode="auto">
+          <a:xfrm>
+            <a:off x="917103" y="5733826"/>
+            <a:ext cx="1608259" cy="774550"/>
+          </a:xfrm>
+          <a:prstGeom prst="ellipse">
+            <a:avLst/>
+          </a:prstGeom>
+          <a:noFill/>
+          <a:ln w="38100">
+            <a:solidFill>
+              <a:schemeClr val="tx1"/>
+            </a:solidFill>
+            <a:headEnd type="none" w="med" len="med"/>
+            <a:tailEnd type="none" w="med" len="med"/>
+          </a:ln>
+          <a:effectLst/>
+        </p:spPr>
+        <p:style>
+          <a:lnRef idx="1">
+            <a:schemeClr val="accent2"/>
+          </a:lnRef>
+          <a:fillRef idx="3">
+            <a:schemeClr val="accent2"/>
+          </a:fillRef>
+          <a:effectRef idx="2">
+            <a:schemeClr val="accent2"/>
+          </a:effectRef>
+          <a:fontRef idx="minor">
+            <a:schemeClr val="lt1"/>
+          </a:fontRef>
+        </p:style>
+        <p:txBody>
+          <a:bodyPr rot="0" spcFirstLastPara="0" vertOverflow="overflow" horzOverflow="overflow" vert="horz" wrap="square" lIns="45720" tIns="45720" rIns="45720" bIns="45720" numCol="1" spcCol="0" rtlCol="0" fromWordArt="0" anchor="ctr" anchorCtr="0" forceAA="0" compatLnSpc="1">
+            <a:prstTxWarp prst="textNoShape">
+              <a:avLst/>
+            </a:prstTxWarp>
+            <a:noAutofit/>
+          </a:bodyPr>
+          <a:lstStyle/>
+          <a:p>
+            <a:pPr algn="ctr" defTabSz="914099" fontAlgn="base">
+              <a:spcBef>
+                <a:spcPct val="0"/>
+              </a:spcBef>
+              <a:spcAft>
+                <a:spcPct val="0"/>
+              </a:spcAft>
+            </a:pPr>
+            <a:r>
+              <a:rPr lang="en-US" sz="1600" dirty="0" err="1" smtClean="0">
+                <a:solidFill>
+                  <a:schemeClr val="tx1"/>
+                </a:solidFill>
+                <a:ea typeface="Segoe UI" pitchFamily="34" charset="0"/>
+                <a:cs typeface="Segoe UI" pitchFamily="34" charset="0"/>
+              </a:rPr>
+              <a:t>Fabrikam</a:t>
+            </a:r>
+            <a:endParaRPr lang="nl-BE" sz="2200" dirty="0" smtClean="0">
+              <a:solidFill>
+                <a:schemeClr val="tx1"/>
+              </a:solidFill>
+              <a:ea typeface="Segoe UI" pitchFamily="34" charset="0"/>
+              <a:cs typeface="Segoe UI" pitchFamily="34" charset="0"/>
+            </a:endParaRPr>
+          </a:p>
+        </p:txBody>
+      </p:sp>
+      <p:sp>
+        <p:nvSpPr>
+          <p:cNvPr id="13" name="Oval 12"/>
+          <p:cNvSpPr/>
+          <p:nvPr/>
+        </p:nvSpPr>
+        <p:spPr bwMode="auto">
+          <a:xfrm>
+            <a:off x="2614115" y="5733826"/>
+            <a:ext cx="1608259" cy="774550"/>
+          </a:xfrm>
+          <a:prstGeom prst="ellipse">
+            <a:avLst/>
+          </a:prstGeom>
+          <a:noFill/>
+          <a:ln w="38100">
+            <a:solidFill>
+              <a:schemeClr val="accent1"/>
+            </a:solidFill>
+            <a:headEnd type="none" w="med" len="med"/>
+            <a:tailEnd type="none" w="med" len="med"/>
+          </a:ln>
+          <a:effectLst/>
+        </p:spPr>
+        <p:style>
+          <a:lnRef idx="1">
+            <a:schemeClr val="accent2"/>
+          </a:lnRef>
+          <a:fillRef idx="3">
+            <a:schemeClr val="accent2"/>
+          </a:fillRef>
+          <a:effectRef idx="2">
+            <a:schemeClr val="accent2"/>
+          </a:effectRef>
+          <a:fontRef idx="minor">
+            <a:schemeClr val="lt1"/>
+          </a:fontRef>
+        </p:style>
+        <p:txBody>
+          <a:bodyPr rot="0" spcFirstLastPara="0" vertOverflow="overflow" horzOverflow="overflow" vert="horz" wrap="square" lIns="45720" tIns="45720" rIns="45720" bIns="45720" numCol="1" spcCol="0" rtlCol="0" fromWordArt="0" anchor="ctr" anchorCtr="0" forceAA="0" compatLnSpc="1">
+            <a:prstTxWarp prst="textNoShape">
+              <a:avLst/>
+            </a:prstTxWarp>
+            <a:noAutofit/>
+          </a:bodyPr>
+          <a:lstStyle/>
+          <a:p>
+            <a:pPr algn="ctr" defTabSz="914099" fontAlgn="base">
+              <a:spcBef>
+                <a:spcPct val="0"/>
+              </a:spcBef>
+              <a:spcAft>
+                <a:spcPct val="0"/>
+              </a:spcAft>
+            </a:pPr>
+            <a:r>
+              <a:rPr lang="en-US" sz="1600" dirty="0" smtClean="0">
+                <a:solidFill>
+                  <a:schemeClr val="tx1"/>
+                </a:solidFill>
+                <a:ea typeface="Segoe UI" pitchFamily="34" charset="0"/>
+                <a:cs typeface="Segoe UI" pitchFamily="34" charset="0"/>
+              </a:rPr>
+              <a:t>Contoso</a:t>
+            </a:r>
+            <a:endParaRPr lang="nl-BE" sz="2200" dirty="0">
+              <a:solidFill>
+                <a:schemeClr val="tx1"/>
+              </a:solidFill>
+              <a:ea typeface="Segoe UI" pitchFamily="34" charset="0"/>
+              <a:cs typeface="Segoe UI" pitchFamily="34" charset="0"/>
+            </a:endParaRPr>
+          </a:p>
+        </p:txBody>
+      </p:sp>
+      <p:sp>
+        <p:nvSpPr>
+          <p:cNvPr id="14" name="Oval 13"/>
+          <p:cNvSpPr/>
+          <p:nvPr/>
+        </p:nvSpPr>
+        <p:spPr bwMode="auto">
+          <a:xfrm>
+            <a:off x="4311127" y="5736272"/>
+            <a:ext cx="1608259" cy="774550"/>
+          </a:xfrm>
+          <a:prstGeom prst="ellipse">
+            <a:avLst/>
+          </a:prstGeom>
+          <a:noFill/>
+          <a:ln w="38100">
+            <a:solidFill>
+              <a:schemeClr val="accent4"/>
+            </a:solidFill>
+            <a:headEnd type="none" w="med" len="med"/>
+            <a:tailEnd type="none" w="med" len="med"/>
+          </a:ln>
+          <a:effectLst/>
+        </p:spPr>
+        <p:style>
+          <a:lnRef idx="1">
+            <a:schemeClr val="accent2"/>
+          </a:lnRef>
+          <a:fillRef idx="3">
+            <a:schemeClr val="accent2"/>
+          </a:fillRef>
+          <a:effectRef idx="2">
+            <a:schemeClr val="accent2"/>
+          </a:effectRef>
+          <a:fontRef idx="minor">
+            <a:schemeClr val="lt1"/>
+          </a:fontRef>
+        </p:style>
+        <p:txBody>
+          <a:bodyPr rot="0" spcFirstLastPara="0" vertOverflow="overflow" horzOverflow="overflow" vert="horz" wrap="square" lIns="45720" tIns="45720" rIns="45720" bIns="45720" numCol="1" spcCol="0" rtlCol="0" fromWordArt="0" anchor="ctr" anchorCtr="0" forceAA="0" compatLnSpc="1">
+            <a:prstTxWarp prst="textNoShape">
+              <a:avLst/>
+            </a:prstTxWarp>
+            <a:noAutofit/>
+          </a:bodyPr>
+          <a:lstStyle/>
+          <a:p>
+            <a:pPr algn="ctr" defTabSz="914099" fontAlgn="base">
+              <a:spcBef>
+                <a:spcPct val="0"/>
+              </a:spcBef>
+              <a:spcAft>
+                <a:spcPct val="0"/>
+              </a:spcAft>
+            </a:pPr>
+            <a:r>
+              <a:rPr lang="en-US" sz="1600" dirty="0" smtClean="0">
+                <a:solidFill>
+                  <a:schemeClr val="tx1"/>
+                </a:solidFill>
+                <a:ea typeface="Segoe UI" pitchFamily="34" charset="0"/>
+                <a:cs typeface="Segoe UI" pitchFamily="34" charset="0"/>
+              </a:rPr>
+              <a:t>Tailspin</a:t>
+            </a:r>
+            <a:endParaRPr lang="nl-BE" sz="2200" dirty="0">
+              <a:solidFill>
+                <a:schemeClr val="tx1"/>
+              </a:solidFill>
+              <a:ea typeface="Segoe UI" pitchFamily="34" charset="0"/>
+              <a:cs typeface="Segoe UI" pitchFamily="34" charset="0"/>
+            </a:endParaRPr>
+          </a:p>
+        </p:txBody>
+      </p:sp>
+      <p:sp>
+        <p:nvSpPr>
+          <p:cNvPr id="17" name="Oval 18"/>
+          <p:cNvSpPr/>
+          <p:nvPr/>
+        </p:nvSpPr>
+        <p:spPr bwMode="auto">
+          <a:xfrm>
+            <a:off x="6075026" y="2827187"/>
+            <a:ext cx="3425334" cy="1627422"/>
+          </a:xfrm>
+          <a:prstGeom prst="ellipse">
+            <a:avLst/>
+          </a:prstGeom>
+          <a:noFill/>
+          <a:ln w="38100">
+            <a:solidFill>
+              <a:schemeClr val="tx2"/>
+            </a:solidFill>
+            <a:headEnd type="none" w="med" len="med"/>
+            <a:tailEnd type="none" w="med" len="med"/>
+          </a:ln>
+          <a:effectLst/>
+        </p:spPr>
+        <p:style>
+          <a:lnRef idx="1">
+            <a:schemeClr val="accent2"/>
+          </a:lnRef>
+          <a:fillRef idx="3">
+            <a:schemeClr val="accent2"/>
+          </a:fillRef>
+          <a:effectRef idx="2">
+            <a:schemeClr val="accent2"/>
+          </a:effectRef>
+          <a:fontRef idx="minor">
+            <a:schemeClr val="lt1"/>
+          </a:fontRef>
+        </p:style>
+        <p:txBody>
+          <a:bodyPr rot="0" spcFirstLastPara="0" vertOverflow="overflow" horzOverflow="overflow" vert="horz" wrap="square" lIns="45720" tIns="45720" rIns="45720" bIns="45720" numCol="1" spcCol="0" rtlCol="0" fromWordArt="0" anchor="ctr" anchorCtr="0" forceAA="0" compatLnSpc="1">
+            <a:prstTxWarp prst="textNoShape">
+              <a:avLst/>
+            </a:prstTxWarp>
+            <a:noAutofit/>
+          </a:bodyPr>
+          <a:lstStyle/>
+          <a:p>
+            <a:pPr algn="ctr" defTabSz="914099" fontAlgn="base">
+              <a:spcBef>
+                <a:spcPct val="0"/>
+              </a:spcBef>
+              <a:spcAft>
+                <a:spcPct val="0"/>
+              </a:spcAft>
+            </a:pPr>
+            <a:r>
+              <a:rPr lang="en-US" sz="2200" dirty="0" smtClean="0">
+                <a:solidFill>
+                  <a:schemeClr val="tx1"/>
+                </a:solidFill>
+                <a:ea typeface="Segoe UI" pitchFamily="34" charset="0"/>
+                <a:cs typeface="Segoe UI" pitchFamily="34" charset="0"/>
+              </a:rPr>
+              <a:t>Branding</a:t>
+            </a:r>
+            <a:endParaRPr lang="nl-BE" sz="2200" dirty="0" smtClean="0">
+              <a:solidFill>
+                <a:schemeClr val="tx1"/>
+              </a:solidFill>
+              <a:ea typeface="Segoe UI" pitchFamily="34" charset="0"/>
+              <a:cs typeface="Segoe UI" pitchFamily="34" charset="0"/>
+            </a:endParaRPr>
+          </a:p>
+        </p:txBody>
+      </p:sp>
+      <p:sp>
+        <p:nvSpPr>
+          <p:cNvPr id="19" name="Oval 8"/>
+          <p:cNvSpPr/>
+          <p:nvPr/>
+        </p:nvSpPr>
+        <p:spPr bwMode="auto">
+          <a:xfrm>
+            <a:off x="1987505" y="1798835"/>
+            <a:ext cx="1353658" cy="746809"/>
+          </a:xfrm>
+          <a:prstGeom prst="ellipse">
+            <a:avLst/>
+          </a:prstGeom>
+          <a:noFill/>
+          <a:ln w="38100">
+            <a:solidFill>
+              <a:schemeClr val="accent4"/>
+            </a:solidFill>
+            <a:headEnd type="none" w="med" len="med"/>
+            <a:tailEnd type="none" w="med" len="med"/>
+          </a:ln>
+          <a:effectLst/>
+        </p:spPr>
+        <p:style>
+          <a:lnRef idx="1">
+            <a:schemeClr val="accent2"/>
+          </a:lnRef>
+          <a:fillRef idx="3">
+            <a:schemeClr val="accent2"/>
+          </a:fillRef>
+          <a:effectRef idx="2">
+            <a:schemeClr val="accent2"/>
+          </a:effectRef>
+          <a:fontRef idx="minor">
+            <a:schemeClr val="lt1"/>
+          </a:fontRef>
+        </p:style>
+        <p:txBody>
+          <a:bodyPr rot="0" spcFirstLastPara="0" vertOverflow="overflow" horzOverflow="overflow" vert="horz" wrap="square" lIns="45720" tIns="45720" rIns="45720" bIns="45720" numCol="1" spcCol="0" rtlCol="0" fromWordArt="0" anchor="ctr" anchorCtr="0" forceAA="0" compatLnSpc="1">
+            <a:prstTxWarp prst="textNoShape">
+              <a:avLst/>
+            </a:prstTxWarp>
+            <a:noAutofit/>
+          </a:bodyPr>
+          <a:lstStyle/>
+          <a:p>
+            <a:pPr algn="ctr" defTabSz="914099" fontAlgn="base">
+              <a:spcBef>
+                <a:spcPct val="0"/>
+              </a:spcBef>
+              <a:spcAft>
+                <a:spcPct val="0"/>
+              </a:spcAft>
+            </a:pPr>
+            <a:r>
+              <a:rPr lang="en-US" sz="2200" dirty="0" smtClean="0">
+                <a:solidFill>
+                  <a:schemeClr val="tx1"/>
+                </a:solidFill>
+                <a:ea typeface="Segoe UI" pitchFamily="34" charset="0"/>
+                <a:cs typeface="Segoe UI" pitchFamily="34" charset="0"/>
+              </a:rPr>
+              <a:t>Skill Finder</a:t>
+            </a:r>
+            <a:endParaRPr lang="nl-BE" sz="2200" dirty="0" smtClean="0">
+              <a:solidFill>
+                <a:schemeClr val="tx1"/>
+              </a:solidFill>
+              <a:ea typeface="Segoe UI" pitchFamily="34" charset="0"/>
+              <a:cs typeface="Segoe UI" pitchFamily="34" charset="0"/>
+            </a:endParaRPr>
+          </a:p>
+        </p:txBody>
+      </p:sp>
+      <p:sp>
+        <p:nvSpPr>
+          <p:cNvPr id="20" name="Oval 20"/>
+          <p:cNvSpPr/>
+          <p:nvPr/>
+        </p:nvSpPr>
+        <p:spPr bwMode="auto">
+          <a:xfrm>
+            <a:off x="1932905" y="2612601"/>
+            <a:ext cx="1757010" cy="746809"/>
+          </a:xfrm>
+          <a:prstGeom prst="ellipse">
+            <a:avLst/>
+          </a:prstGeom>
+          <a:noFill/>
+          <a:ln w="38100">
+            <a:solidFill>
+              <a:schemeClr val="tx1"/>
+            </a:solidFill>
+            <a:headEnd type="none" w="med" len="med"/>
+            <a:tailEnd type="none" w="med" len="med"/>
+          </a:ln>
+          <a:effectLst/>
+        </p:spPr>
+        <p:style>
+          <a:lnRef idx="1">
+            <a:schemeClr val="accent2"/>
+          </a:lnRef>
+          <a:fillRef idx="3">
+            <a:schemeClr val="accent2"/>
+          </a:fillRef>
+          <a:effectRef idx="2">
+            <a:schemeClr val="accent2"/>
+          </a:effectRef>
+          <a:fontRef idx="minor">
+            <a:schemeClr val="lt1"/>
+          </a:fontRef>
+        </p:style>
+        <p:txBody>
+          <a:bodyPr rot="0" spcFirstLastPara="0" vertOverflow="overflow" horzOverflow="overflow" vert="horz" wrap="square" lIns="45720" tIns="45720" rIns="45720" bIns="45720" numCol="1" spcCol="0" rtlCol="0" fromWordArt="0" anchor="ctr" anchorCtr="0" forceAA="0" compatLnSpc="1">
+            <a:prstTxWarp prst="textNoShape">
+              <a:avLst/>
+            </a:prstTxWarp>
+            <a:noAutofit/>
+          </a:bodyPr>
+          <a:lstStyle/>
+          <a:p>
+            <a:pPr algn="ctr" defTabSz="914099" fontAlgn="base">
+              <a:spcBef>
+                <a:spcPct val="0"/>
+              </a:spcBef>
+              <a:spcAft>
+                <a:spcPct val="0"/>
+              </a:spcAft>
+            </a:pPr>
+            <a:r>
+              <a:rPr lang="en-US" sz="2200" dirty="0" smtClean="0">
+                <a:solidFill>
+                  <a:schemeClr val="tx1"/>
+                </a:solidFill>
+                <a:ea typeface="Segoe UI" pitchFamily="34" charset="0"/>
+                <a:cs typeface="Segoe UI" pitchFamily="34" charset="0"/>
+              </a:rPr>
+              <a:t>Location Finder</a:t>
+            </a:r>
+            <a:endParaRPr lang="nl-BE" sz="2200" dirty="0" smtClean="0">
+              <a:solidFill>
+                <a:schemeClr val="tx1"/>
+              </a:solidFill>
+              <a:ea typeface="Segoe UI" pitchFamily="34" charset="0"/>
+              <a:cs typeface="Segoe UI" pitchFamily="34" charset="0"/>
+            </a:endParaRPr>
+          </a:p>
+        </p:txBody>
+      </p:sp>
+    </p:spTree>
+    <p:extLst>
+      <p:ext uri="{BB962C8B-B14F-4D97-AF65-F5344CB8AC3E}">
+        <p14:creationId xmlns:p14="http://schemas.microsoft.com/office/powerpoint/2010/main" val="1781054112"/>
+      </p:ext>
+    </p:extLst>
+  </p:cSld>
+  <p:clrMapOvr>
+    <a:masterClrMapping/>
+  </p:clrMapOvr>
+  <p:transition>
+    <p:fade/>
+  </p:transition>
+  <p:timing>
+    <p:tnLst>
+      <p:par>
+        <p:cTn id="1" dur="indefinite" restart="never" nodeType="tmRoot"/>
+      </p:par>
+    </p:tnLst>
+  </p:timing>
+</p:sld>
+</file>
+
+<file path=ppt/slides/slide33.xml><?xml version="1.0" encoding="utf-8"?>
+<p:sld xmlns:a="http://schemas.openxmlformats.org/drawingml/2006/main" xmlns:r="http://schemas.openxmlformats.org/officeDocument/2006/relationships" xmlns:p="http://schemas.openxmlformats.org/presentationml/2006/main">
+  <p:cSld>
+    <p:spTree>
+      <p:nvGrpSpPr>
+        <p:cNvPr id="1" name=""/>
+        <p:cNvGrpSpPr/>
+        <p:nvPr/>
+      </p:nvGrpSpPr>
+      <p:grpSpPr>
+        <a:xfrm>
+          <a:off x="0" y="0"/>
+          <a:ext cx="0" cy="0"/>
+          <a:chOff x="0" y="0"/>
+          <a:chExt cx="0" cy="0"/>
+        </a:xfrm>
+      </p:grpSpPr>
+      <p:sp>
+        <p:nvSpPr>
+          <p:cNvPr id="2" name="Title 1"/>
+          <p:cNvSpPr>
+            <a:spLocks noGrp="1"/>
+          </p:cNvSpPr>
+          <p:nvPr>
+            <p:ph type="title"/>
+          </p:nvPr>
+        </p:nvSpPr>
+        <p:spPr/>
+        <p:txBody>
+          <a:bodyPr/>
+          <a:lstStyle/>
+          <a:p>
+            <a:r>
               <a:rPr lang="en-US" dirty="0" smtClean="0"/>
               <a:t>Future model?</a:t>
             </a:r>
@@ -34064,7 +35317,7 @@
 </p:sld>
 </file>
 
-<file path=ppt/slides/slide33.xml><?xml version="1.0" encoding="utf-8"?>
+<file path=ppt/slides/slide34.xml><?xml version="1.0" encoding="utf-8"?>
 <p:sld xmlns:a="http://schemas.openxmlformats.org/drawingml/2006/main" xmlns:r="http://schemas.openxmlformats.org/officeDocument/2006/relationships" xmlns:p="http://schemas.openxmlformats.org/presentationml/2006/main">
   <p:cSld>
     <p:spTree>
@@ -36224,7 +37477,7 @@
 </p:sld>
 </file>
 
-<file path=ppt/slides/slide34.xml><?xml version="1.0" encoding="utf-8"?>
+<file path=ppt/slides/slide35.xml><?xml version="1.0" encoding="utf-8"?>
 <p:sld xmlns:a="http://schemas.openxmlformats.org/drawingml/2006/main" xmlns:r="http://schemas.openxmlformats.org/officeDocument/2006/relationships" xmlns:p="http://schemas.openxmlformats.org/presentationml/2006/main">
   <p:cSld>
     <p:spTree>
@@ -36337,7 +37590,7 @@
 </p:sld>
 </file>
 
-<file path=ppt/slides/slide35.xml><?xml version="1.0" encoding="utf-8"?>
+<file path=ppt/slides/slide36.xml><?xml version="1.0" encoding="utf-8"?>
 <p:sld xmlns:a="http://schemas.openxmlformats.org/drawingml/2006/main" xmlns:r="http://schemas.openxmlformats.org/officeDocument/2006/relationships" xmlns:p="http://schemas.openxmlformats.org/presentationml/2006/main">
   <p:cSld>
     <p:spTree>
@@ -37689,158 +38942,6 @@
 </p:sld>
 </file>
 
-<file path=ppt/slides/slide36.xml><?xml version="1.0" encoding="utf-8"?>
-<p:sld xmlns:a="http://schemas.openxmlformats.org/drawingml/2006/main" xmlns:r="http://schemas.openxmlformats.org/officeDocument/2006/relationships" xmlns:p="http://schemas.openxmlformats.org/presentationml/2006/main">
-  <p:cSld>
-    <p:spTree>
-      <p:nvGrpSpPr>
-        <p:cNvPr id="1" name=""/>
-        <p:cNvGrpSpPr/>
-        <p:nvPr/>
-      </p:nvGrpSpPr>
-      <p:grpSpPr>
-        <a:xfrm>
-          <a:off x="0" y="0"/>
-          <a:ext cx="0" cy="0"/>
-          <a:chOff x="0" y="0"/>
-          <a:chExt cx="0" cy="0"/>
-        </a:xfrm>
-      </p:grpSpPr>
-      <p:sp>
-        <p:nvSpPr>
-          <p:cNvPr id="2" name="Title 1"/>
-          <p:cNvSpPr>
-            <a:spLocks noGrp="1"/>
-          </p:cNvSpPr>
-          <p:nvPr>
-            <p:ph type="title"/>
-          </p:nvPr>
-        </p:nvSpPr>
-        <p:spPr/>
-        <p:txBody>
-          <a:bodyPr/>
-          <a:lstStyle/>
-          <a:p>
-            <a:r>
-              <a:rPr lang="en-US" dirty="0" smtClean="0"/>
-              <a:t>Provisioning framework</a:t>
-            </a:r>
-            <a:endParaRPr lang="en-US" dirty="0"/>
-          </a:p>
-        </p:txBody>
-      </p:sp>
-      <p:sp>
-        <p:nvSpPr>
-          <p:cNvPr id="3" name="Text Placeholder 2"/>
-          <p:cNvSpPr>
-            <a:spLocks noGrp="1"/>
-          </p:cNvSpPr>
-          <p:nvPr>
-            <p:ph type="body" sz="quarter" idx="10"/>
-          </p:nvPr>
-        </p:nvSpPr>
-        <p:spPr/>
-        <p:txBody>
-          <a:bodyPr vert="horz" lIns="0" tIns="0" rIns="0" bIns="0" rtlCol="0">
-            <a:noAutofit/>
-          </a:bodyPr>
-          <a:lstStyle/>
-          <a:p>
-            <a:r>
-              <a:rPr lang="en-US" dirty="0"/>
-              <a:t>Typically </a:t>
-            </a:r>
-            <a:r>
-              <a:rPr lang="en-US" dirty="0" smtClean="0"/>
-              <a:t>using a </a:t>
-            </a:r>
-            <a:r>
-              <a:rPr lang="en-US" dirty="0"/>
-              <a:t>provider hosted app </a:t>
-            </a:r>
-            <a:r>
-              <a:rPr lang="en-US" dirty="0" smtClean="0"/>
-              <a:t>to remotely </a:t>
-            </a:r>
-            <a:r>
-              <a:rPr lang="en-US" dirty="0"/>
-              <a:t>create site collections and </a:t>
-            </a:r>
-            <a:r>
-              <a:rPr lang="en-US" dirty="0" smtClean="0"/>
-              <a:t>sub sites using </a:t>
-            </a:r>
-            <a:r>
-              <a:rPr lang="en-US" dirty="0"/>
-              <a:t>CSOM </a:t>
-            </a:r>
-          </a:p>
-          <a:p>
-            <a:r>
-              <a:rPr lang="en-US" dirty="0"/>
-              <a:t>All changes are applied from code:</a:t>
-            </a:r>
-          </a:p>
-          <a:p>
-            <a:pPr lvl="1"/>
-            <a:r>
-              <a:rPr lang="en-US" dirty="0" smtClean="0"/>
-              <a:t>Creating site columns and content types</a:t>
-            </a:r>
-          </a:p>
-          <a:p>
-            <a:pPr lvl="1"/>
-            <a:r>
-              <a:rPr lang="en-US" dirty="0" smtClean="0"/>
-              <a:t>Applying branding</a:t>
-            </a:r>
-          </a:p>
-          <a:p>
-            <a:pPr lvl="1"/>
-            <a:r>
-              <a:rPr lang="en-US" dirty="0" smtClean="0"/>
-              <a:t>Uploading page layouts</a:t>
-            </a:r>
-          </a:p>
-          <a:p>
-            <a:pPr lvl="1"/>
-            <a:r>
-              <a:rPr lang="en-US" dirty="0" smtClean="0"/>
-              <a:t>Adding web parts</a:t>
-            </a:r>
-          </a:p>
-          <a:p>
-            <a:r>
-              <a:rPr lang="en-US" dirty="0" smtClean="0"/>
-              <a:t>Can also be used for publishing sites if needed</a:t>
-            </a:r>
-            <a:endParaRPr lang="en-US" dirty="0"/>
-          </a:p>
-        </p:txBody>
-      </p:sp>
-    </p:spTree>
-    <p:extLst>
-      <p:ext uri="{BB962C8B-B14F-4D97-AF65-F5344CB8AC3E}">
-        <p14:creationId xmlns:p14="http://schemas.microsoft.com/office/powerpoint/2010/main" val="3713607208"/>
-      </p:ext>
-    </p:extLst>
-  </p:cSld>
-  <p:clrMapOvr>
-    <a:masterClrMapping/>
-  </p:clrMapOvr>
-  <p:transition>
-    <p:fade/>
-  </p:transition>
-  <p:timing>
-    <p:tnLst>
-      <p:par>
-        <p:cTn id="1" dur="indefinite" restart="never" nodeType="tmRoot"/>
-      </p:par>
-    </p:tnLst>
-  </p:timing>
-</p:sld>
-</file>
-
 <file path=ppt/slides/slide37.xml><?xml version="1.0" encoding="utf-8"?>
 <p:sld xmlns:a="http://schemas.openxmlformats.org/drawingml/2006/main" xmlns:r="http://schemas.openxmlformats.org/officeDocument/2006/relationships" xmlns:p="http://schemas.openxmlformats.org/presentationml/2006/main">
   <p:cSld>
@@ -37875,7 +38976,7 @@
           <a:p>
             <a:r>
               <a:rPr lang="en-US" dirty="0" smtClean="0"/>
-              <a:t>Remote timer job framework</a:t>
+              <a:t>Provisioning framework</a:t>
             </a:r>
             <a:endParaRPr lang="en-US" dirty="0"/>
           </a:p>
@@ -37893,39 +38994,79 @@
         </p:nvSpPr>
         <p:spPr/>
         <p:txBody>
-          <a:bodyPr/>
+          <a:bodyPr vert="horz" lIns="0" tIns="0" rIns="0" bIns="0" rtlCol="0">
+            <a:noAutofit/>
+          </a:bodyPr>
           <a:lstStyle/>
           <a:p>
             <a:r>
+              <a:rPr lang="en-US" dirty="0"/>
+              <a:t>Typically </a:t>
+            </a:r>
+            <a:r>
               <a:rPr lang="en-US" dirty="0" smtClean="0"/>
-              <a:t>This is one proven solution model for remote timer jobs</a:t>
+              <a:t>using a </a:t>
+            </a:r>
+            <a:r>
+              <a:rPr lang="en-US" dirty="0"/>
+              <a:t>provider hosted app </a:t>
+            </a:r>
+            <a:r>
+              <a:rPr lang="en-US" dirty="0" smtClean="0"/>
+              <a:t>to remotely </a:t>
+            </a:r>
+            <a:r>
+              <a:rPr lang="en-US" dirty="0"/>
+              <a:t>create site collections and </a:t>
+            </a:r>
+            <a:r>
+              <a:rPr lang="en-US" dirty="0" smtClean="0"/>
+              <a:t>sub sites using </a:t>
+            </a:r>
+            <a:r>
+              <a:rPr lang="en-US" dirty="0"/>
+              <a:t>CSOM </a:t>
+            </a:r>
+          </a:p>
+          <a:p>
+            <a:r>
+              <a:rPr lang="en-US" dirty="0"/>
+              <a:t>All changes are applied from code:</a:t>
             </a:r>
           </a:p>
           <a:p>
             <a:pPr lvl="1"/>
             <a:r>
               <a:rPr lang="en-US" dirty="0" smtClean="0"/>
-              <a:t>Agreed pattern on how to implement remote timer jobs at Contoso</a:t>
+              <a:t>Creating site columns and content types</a:t>
             </a:r>
           </a:p>
           <a:p>
             <a:pPr lvl="1"/>
             <a:r>
               <a:rPr lang="en-US" dirty="0" smtClean="0"/>
-              <a:t>Sharing implementation and knowledge around the used patterns</a:t>
+              <a:t>Applying branding</a:t>
             </a:r>
           </a:p>
           <a:p>
             <a:pPr lvl="1"/>
-            <a:endParaRPr lang="en-US" dirty="0" smtClean="0"/>
-          </a:p>
-          <a:p>
             <a:r>
               <a:rPr lang="en-US" dirty="0" smtClean="0"/>
-              <a:t>Each project should make use of proven pattern, rather than reinventing the wheel</a:t>
-            </a:r>
-          </a:p>
-          <a:p>
+              <a:t>Uploading page layouts</a:t>
+            </a:r>
+          </a:p>
+          <a:p>
+            <a:pPr lvl="1"/>
+            <a:r>
+              <a:rPr lang="en-US" dirty="0" smtClean="0"/>
+              <a:t>Adding web parts</a:t>
+            </a:r>
+          </a:p>
+          <a:p>
+            <a:r>
+              <a:rPr lang="en-US" dirty="0" smtClean="0"/>
+              <a:t>Can also be used for publishing sites if needed</a:t>
+            </a:r>
             <a:endParaRPr lang="en-US" dirty="0"/>
           </a:p>
         </p:txBody>
@@ -37933,7 +39074,7 @@
     </p:spTree>
     <p:extLst>
       <p:ext uri="{BB962C8B-B14F-4D97-AF65-F5344CB8AC3E}">
-        <p14:creationId xmlns:p14="http://schemas.microsoft.com/office/powerpoint/2010/main" val="3136176477"/>
+        <p14:creationId xmlns:p14="http://schemas.microsoft.com/office/powerpoint/2010/main" val="3713607208"/>
       </p:ext>
     </p:extLst>
   </p:cSld>
@@ -37987,7 +39128,7 @@
           <a:p>
             <a:r>
               <a:rPr lang="en-US" dirty="0" smtClean="0"/>
-              <a:t>Branding and asset framework</a:t>
+              <a:t>Remote timer job framework</a:t>
             </a:r>
             <a:endParaRPr lang="en-US" dirty="0"/>
           </a:p>
@@ -38010,48 +39151,34 @@
           <a:p>
             <a:r>
               <a:rPr lang="en-US" dirty="0" smtClean="0"/>
-              <a:t>Use CSS and JavaScript instead of custom master pages</a:t>
+              <a:t>This is one proven solution model for remote timer jobs</a:t>
             </a:r>
           </a:p>
           <a:p>
             <a:pPr lvl="1"/>
             <a:r>
               <a:rPr lang="en-US" dirty="0" smtClean="0"/>
-              <a:t>Use a custom action to inject a piece of JavaScript on each and every page</a:t>
+              <a:t>Agreed pattern on how to implement remote timer jobs at Contoso</a:t>
             </a:r>
           </a:p>
           <a:p>
             <a:pPr lvl="1"/>
             <a:r>
-              <a:rPr lang="en-US" dirty="0"/>
-              <a:t>Intelligent caching to increase performance (HTML 5 storage / cookies / CDN</a:t>
-            </a:r>
-            <a:r>
               <a:rPr lang="en-US" dirty="0" smtClean="0"/>
-              <a:t>)</a:t>
-            </a:r>
+              <a:t>Sharing implementation and knowledge around the used patterns</a:t>
+            </a:r>
+          </a:p>
+          <a:p>
+            <a:pPr lvl="1"/>
+            <a:endParaRPr lang="en-US" dirty="0" smtClean="0"/>
           </a:p>
           <a:p>
             <a:r>
               <a:rPr lang="en-US" dirty="0" smtClean="0"/>
-              <a:t>Make use of documented patterns on asset deployment</a:t>
-            </a:r>
-          </a:p>
-          <a:p>
-            <a:r>
-              <a:rPr lang="en-US" dirty="0" smtClean="0"/>
-              <a:t>Guidance on how assets will have to be updated and what are the rules to follow</a:t>
-            </a:r>
-          </a:p>
-          <a:p>
-            <a:pPr lvl="1"/>
-            <a:r>
-              <a:rPr lang="en-US" dirty="0" smtClean="0"/>
-              <a:t>What goes to SP and what goes to CDN (content delivery network)</a:t>
-            </a:r>
-          </a:p>
-          <a:p>
-            <a:pPr lvl="1"/>
+              <a:t>Each project should make use of proven pattern, rather than reinventing the wheel</a:t>
+            </a:r>
+          </a:p>
+          <a:p>
             <a:endParaRPr lang="en-US" dirty="0"/>
           </a:p>
         </p:txBody>
@@ -38059,7 +39186,7 @@
     </p:spTree>
     <p:extLst>
       <p:ext uri="{BB962C8B-B14F-4D97-AF65-F5344CB8AC3E}">
-        <p14:creationId xmlns:p14="http://schemas.microsoft.com/office/powerpoint/2010/main" val="1642883346"/>
+        <p14:creationId xmlns:p14="http://schemas.microsoft.com/office/powerpoint/2010/main" val="3136176477"/>
       </p:ext>
     </p:extLst>
   </p:cSld>
@@ -38112,8 +39239,8 @@
           <a:lstStyle/>
           <a:p>
             <a:r>
-              <a:rPr lang="en-US" smtClean="0"/>
-              <a:t>Development framework</a:t>
+              <a:rPr lang="en-US" dirty="0" smtClean="0"/>
+              <a:t>Branding and asset framework</a:t>
             </a:r>
             <a:endParaRPr lang="en-US" dirty="0"/>
           </a:p>
@@ -38129,49 +39256,55 @@
             <p:ph type="body" sz="quarter" idx="10"/>
           </p:nvPr>
         </p:nvSpPr>
-        <p:spPr>
-          <a:xfrm>
-            <a:off x="519112" y="1447799"/>
-            <a:ext cx="11294936" cy="2043636"/>
-          </a:xfrm>
-        </p:spPr>
+        <p:spPr/>
         <p:txBody>
           <a:bodyPr/>
           <a:lstStyle/>
           <a:p>
             <a:r>
               <a:rPr lang="en-US" dirty="0" smtClean="0"/>
-              <a:t>Application life cycle model(ALM</a:t>
-            </a:r>
+              <a:t>Use CSS and JavaScript instead of custom master pages</a:t>
+            </a:r>
+          </a:p>
+          <a:p>
+            <a:pPr lvl="1"/>
+            <a:r>
+              <a:rPr lang="en-US" dirty="0" smtClean="0"/>
+              <a:t>Use a custom action to inject a piece of JavaScript on each and every page</a:t>
+            </a:r>
+          </a:p>
+          <a:p>
+            <a:pPr lvl="1"/>
             <a:r>
               <a:rPr lang="en-US" dirty="0"/>
-              <a:t>)  </a:t>
+              <a:t>Intelligent caching to increase performance (HTML 5 storage / cookies / CDN</a:t>
             </a:r>
             <a:r>
               <a:rPr lang="en-US" dirty="0" smtClean="0"/>
-              <a:t>for app model implementation</a:t>
+              <a:t>)</a:t>
+            </a:r>
+          </a:p>
+          <a:p>
+            <a:r>
+              <a:rPr lang="en-US" dirty="0" smtClean="0"/>
+              <a:t>Make use of documented patterns on asset deployment</a:t>
+            </a:r>
+          </a:p>
+          <a:p>
+            <a:r>
+              <a:rPr lang="en-US" dirty="0" smtClean="0"/>
+              <a:t>Guidance on how assets will have to be updated and what are the rules to follow</a:t>
             </a:r>
           </a:p>
           <a:p>
             <a:pPr lvl="1"/>
             <a:r>
               <a:rPr lang="en-US" dirty="0" smtClean="0"/>
-              <a:t>Development model standardization, like not providing actual VMs to developers in order to promote the app model development practices</a:t>
-            </a:r>
-          </a:p>
-          <a:p>
-            <a:r>
-              <a:rPr lang="en-US" dirty="0" smtClean="0"/>
-              <a:t>General design and guidance for the provider hosted app implementation like logging and caching techniques.</a:t>
-            </a:r>
-          </a:p>
-          <a:p>
-            <a:r>
-              <a:rPr lang="en-US" dirty="0" smtClean="0"/>
-              <a:t>Patterns to use (e.g. SPA, MVC,…)</a:t>
-            </a:r>
-          </a:p>
-          <a:p>
+              <a:t>What goes to SP and what goes to CDN (content delivery network)</a:t>
+            </a:r>
+          </a:p>
+          <a:p>
+            <a:pPr lvl="1"/>
             <a:endParaRPr lang="en-US" dirty="0"/>
           </a:p>
         </p:txBody>
@@ -38179,7 +39312,7 @@
     </p:spTree>
     <p:extLst>
       <p:ext uri="{BB962C8B-B14F-4D97-AF65-F5344CB8AC3E}">
-        <p14:creationId xmlns:p14="http://schemas.microsoft.com/office/powerpoint/2010/main" val="939242505"/>
+        <p14:creationId xmlns:p14="http://schemas.microsoft.com/office/powerpoint/2010/main" val="1642883346"/>
       </p:ext>
     </p:extLst>
   </p:cSld>
@@ -40264,8 +41397,8 @@
           <a:lstStyle/>
           <a:p>
             <a:r>
-              <a:rPr lang="en-US" dirty="0" smtClean="0"/>
-              <a:t>Transformation framework</a:t>
+              <a:rPr lang="en-US" smtClean="0"/>
+              <a:t>Development framework</a:t>
             </a:r>
             <a:endParaRPr lang="en-US" dirty="0"/>
           </a:p>
@@ -40281,56 +41414,57 @@
             <p:ph type="body" sz="quarter" idx="10"/>
           </p:nvPr>
         </p:nvSpPr>
-        <p:spPr/>
+        <p:spPr>
+          <a:xfrm>
+            <a:off x="519112" y="1447799"/>
+            <a:ext cx="11294936" cy="2043636"/>
+          </a:xfrm>
+        </p:spPr>
         <p:txBody>
           <a:bodyPr/>
           <a:lstStyle/>
           <a:p>
             <a:r>
-              <a:rPr lang="en-US" sz="3600" dirty="0" smtClean="0"/>
-              <a:t>Patterns on how to remove FTC dependency from solutions</a:t>
-            </a:r>
-          </a:p>
-          <a:p>
-            <a:r>
-              <a:rPr lang="en-US" sz="3600" dirty="0" smtClean="0"/>
-              <a:t>Shared tooling to address FTC to app model transition across all solutions and projects</a:t>
+              <a:rPr lang="en-US" dirty="0" smtClean="0"/>
+              <a:t>Application life cycle model(ALM</a:t>
+            </a:r>
+            <a:r>
+              <a:rPr lang="en-US" dirty="0"/>
+              <a:t>)  </a:t>
+            </a:r>
+            <a:r>
+              <a:rPr lang="en-US" dirty="0" smtClean="0"/>
+              <a:t>for app model implementation</a:t>
             </a:r>
           </a:p>
           <a:p>
             <a:pPr lvl="1"/>
             <a:r>
-              <a:rPr lang="en-US" sz="2000" dirty="0" smtClean="0"/>
-              <a:t>Use cases are identical across solutions</a:t>
-            </a:r>
-          </a:p>
-          <a:p>
-            <a:r>
-              <a:rPr lang="en-US" sz="3600" dirty="0" smtClean="0"/>
-              <a:t>Creation of the transformation patterns and necessary tools using the available community work and guidance</a:t>
-            </a:r>
-          </a:p>
-          <a:p>
-            <a:pPr lvl="1"/>
-            <a:r>
-              <a:rPr lang="en-US" sz="2000" dirty="0" smtClean="0"/>
-              <a:t>Does not have to be month long project, rather just high level documentation</a:t>
-            </a:r>
-          </a:p>
-          <a:p>
-            <a:pPr lvl="1"/>
-            <a:r>
-              <a:rPr lang="en-US" sz="2000" dirty="0" smtClean="0"/>
-              <a:t>Tools and processes gradually come from projects and are shared across others</a:t>
-            </a:r>
-            <a:endParaRPr lang="en-US" sz="2000" dirty="0"/>
+              <a:rPr lang="en-US" dirty="0" smtClean="0"/>
+              <a:t>Development model standardization, like not providing actual VMs to developers in order to promote the app model development practices</a:t>
+            </a:r>
+          </a:p>
+          <a:p>
+            <a:r>
+              <a:rPr lang="en-US" dirty="0" smtClean="0"/>
+              <a:t>General design and guidance for the provider hosted app implementation like logging and caching techniques.</a:t>
+            </a:r>
+          </a:p>
+          <a:p>
+            <a:r>
+              <a:rPr lang="en-US" dirty="0" smtClean="0"/>
+              <a:t>Patterns to use (e.g. SPA, MVC,…)</a:t>
+            </a:r>
+          </a:p>
+          <a:p>
+            <a:endParaRPr lang="en-US" dirty="0"/>
           </a:p>
         </p:txBody>
       </p:sp>
     </p:spTree>
     <p:extLst>
       <p:ext uri="{BB962C8B-B14F-4D97-AF65-F5344CB8AC3E}">
-        <p14:creationId xmlns:p14="http://schemas.microsoft.com/office/powerpoint/2010/main" val="566224971"/>
+        <p14:creationId xmlns:p14="http://schemas.microsoft.com/office/powerpoint/2010/main" val="939242505"/>
       </p:ext>
     </p:extLst>
   </p:cSld>
@@ -40369,6 +41503,125 @@
       </p:grpSpPr>
       <p:sp>
         <p:nvSpPr>
+          <p:cNvPr id="2" name="Title 1"/>
+          <p:cNvSpPr>
+            <a:spLocks noGrp="1"/>
+          </p:cNvSpPr>
+          <p:nvPr>
+            <p:ph type="title"/>
+          </p:nvPr>
+        </p:nvSpPr>
+        <p:spPr/>
+        <p:txBody>
+          <a:bodyPr/>
+          <a:lstStyle/>
+          <a:p>
+            <a:r>
+              <a:rPr lang="en-US" dirty="0" smtClean="0"/>
+              <a:t>Transformation framework</a:t>
+            </a:r>
+            <a:endParaRPr lang="en-US" dirty="0"/>
+          </a:p>
+        </p:txBody>
+      </p:sp>
+      <p:sp>
+        <p:nvSpPr>
+          <p:cNvPr id="3" name="Text Placeholder 2"/>
+          <p:cNvSpPr>
+            <a:spLocks noGrp="1"/>
+          </p:cNvSpPr>
+          <p:nvPr>
+            <p:ph type="body" sz="quarter" idx="10"/>
+          </p:nvPr>
+        </p:nvSpPr>
+        <p:spPr/>
+        <p:txBody>
+          <a:bodyPr/>
+          <a:lstStyle/>
+          <a:p>
+            <a:r>
+              <a:rPr lang="en-US" sz="3600" dirty="0" smtClean="0"/>
+              <a:t>Patterns on how to remove FTC dependency from solutions</a:t>
+            </a:r>
+          </a:p>
+          <a:p>
+            <a:r>
+              <a:rPr lang="en-US" sz="3600" dirty="0" smtClean="0"/>
+              <a:t>Shared tooling to address FTC to app model transition across all solutions and projects</a:t>
+            </a:r>
+          </a:p>
+          <a:p>
+            <a:pPr lvl="1"/>
+            <a:r>
+              <a:rPr lang="en-US" sz="2000" dirty="0" smtClean="0"/>
+              <a:t>Use cases are identical across solutions</a:t>
+            </a:r>
+          </a:p>
+          <a:p>
+            <a:r>
+              <a:rPr lang="en-US" sz="3600" dirty="0" smtClean="0"/>
+              <a:t>Creation of the transformation patterns and necessary tools using the available community work and guidance</a:t>
+            </a:r>
+          </a:p>
+          <a:p>
+            <a:pPr lvl="1"/>
+            <a:r>
+              <a:rPr lang="en-US" sz="2000" dirty="0" smtClean="0"/>
+              <a:t>Does not have to be month long project, rather just high level documentation</a:t>
+            </a:r>
+          </a:p>
+          <a:p>
+            <a:pPr lvl="1"/>
+            <a:r>
+              <a:rPr lang="en-US" sz="2000" dirty="0" smtClean="0"/>
+              <a:t>Tools and processes gradually come from projects and are shared across others</a:t>
+            </a:r>
+            <a:endParaRPr lang="en-US" sz="2000" dirty="0"/>
+          </a:p>
+        </p:txBody>
+      </p:sp>
+    </p:spTree>
+    <p:extLst>
+      <p:ext uri="{BB962C8B-B14F-4D97-AF65-F5344CB8AC3E}">
+        <p14:creationId xmlns:p14="http://schemas.microsoft.com/office/powerpoint/2010/main" val="566224971"/>
+      </p:ext>
+    </p:extLst>
+  </p:cSld>
+  <p:clrMapOvr>
+    <a:masterClrMapping/>
+  </p:clrMapOvr>
+  <p:transition>
+    <p:fade/>
+  </p:transition>
+  <p:timing>
+    <p:tnLst>
+      <p:par>
+        <p:cTn id="1" dur="indefinite" restart="never" nodeType="tmRoot"/>
+      </p:par>
+    </p:tnLst>
+  </p:timing>
+</p:sld>
+</file>
+
+<file path=ppt/slides/slide42.xml><?xml version="1.0" encoding="utf-8"?>
+<p:sld xmlns:a="http://schemas.openxmlformats.org/drawingml/2006/main" xmlns:r="http://schemas.openxmlformats.org/officeDocument/2006/relationships" xmlns:p="http://schemas.openxmlformats.org/presentationml/2006/main">
+  <p:cSld>
+    <p:spTree>
+      <p:nvGrpSpPr>
+        <p:cNvPr id="1" name=""/>
+        <p:cNvGrpSpPr/>
+        <p:nvPr/>
+      </p:nvGrpSpPr>
+      <p:grpSpPr>
+        <a:xfrm>
+          <a:off x="0" y="0"/>
+          <a:ext cx="0" cy="0"/>
+          <a:chOff x="0" y="0"/>
+          <a:chExt cx="0" cy="0"/>
+        </a:xfrm>
+      </p:grpSpPr>
+      <p:sp>
+        <p:nvSpPr>
           <p:cNvPr id="4" name="Title 3"/>
           <p:cNvSpPr>
             <a:spLocks noGrp="1"/>
@@ -40430,7 +41683,7 @@
 </p:sld>
 </file>
 
-<file path=ppt/slides/slide42.xml><?xml version="1.0" encoding="utf-8"?>
+<file path=ppt/slides/slide43.xml><?xml version="1.0" encoding="utf-8"?>
 <p:sld xmlns:a="http://schemas.openxmlformats.org/drawingml/2006/main" xmlns:r="http://schemas.openxmlformats.org/officeDocument/2006/relationships" xmlns:p="http://schemas.openxmlformats.org/presentationml/2006/main">
   <p:cSld>
     <p:spTree>
@@ -40910,190 +42163,6 @@
 </p:sld>
 </file>
 
-<file path=ppt/slides/slide43.xml><?xml version="1.0" encoding="utf-8"?>
-<p:sld xmlns:a="http://schemas.openxmlformats.org/drawingml/2006/main" xmlns:r="http://schemas.openxmlformats.org/officeDocument/2006/relationships" xmlns:p="http://schemas.openxmlformats.org/presentationml/2006/main">
-  <p:cSld>
-    <p:spTree>
-      <p:nvGrpSpPr>
-        <p:cNvPr id="1" name=""/>
-        <p:cNvGrpSpPr/>
-        <p:nvPr/>
-      </p:nvGrpSpPr>
-      <p:grpSpPr>
-        <a:xfrm>
-          <a:off x="0" y="0"/>
-          <a:ext cx="0" cy="0"/>
-          <a:chOff x="0" y="0"/>
-          <a:chExt cx="0" cy="0"/>
-        </a:xfrm>
-      </p:grpSpPr>
-      <p:sp>
-        <p:nvSpPr>
-          <p:cNvPr id="2" name="Title 1"/>
-          <p:cNvSpPr>
-            <a:spLocks noGrp="1"/>
-          </p:cNvSpPr>
-          <p:nvPr>
-            <p:ph type="title"/>
-          </p:nvPr>
-        </p:nvSpPr>
-        <p:spPr/>
-        <p:txBody>
-          <a:bodyPr/>
-          <a:lstStyle/>
-          <a:p>
-            <a:r>
-              <a:rPr lang="en-US" dirty="0" smtClean="0"/>
-              <a:t>Page customizations</a:t>
-            </a:r>
-            <a:endParaRPr lang="en-US" dirty="0"/>
-          </a:p>
-        </p:txBody>
-      </p:sp>
-      <p:sp>
-        <p:nvSpPr>
-          <p:cNvPr id="3" name="Text Placeholder 2"/>
-          <p:cNvSpPr>
-            <a:spLocks noGrp="1"/>
-          </p:cNvSpPr>
-          <p:nvPr>
-            <p:ph type="body" sz="quarter" idx="10"/>
-          </p:nvPr>
-        </p:nvSpPr>
-        <p:spPr/>
-        <p:txBody>
-          <a:bodyPr/>
-          <a:lstStyle/>
-          <a:p>
-            <a:r>
-              <a:rPr lang="en-US" sz="3600" dirty="0" smtClean="0"/>
-              <a:t>Currently 19 page layouts and accompanying content types and site columns in solution (are all in use?)</a:t>
-            </a:r>
-          </a:p>
-          <a:p>
-            <a:r>
-              <a:rPr lang="en-US" sz="3600" dirty="0" smtClean="0"/>
-              <a:t>Create site columns and content types using code</a:t>
-            </a:r>
-          </a:p>
-          <a:p>
-            <a:r>
-              <a:rPr lang="en-US" sz="3600" dirty="0" smtClean="0"/>
-              <a:t>Create ‘new’ page layouts without FTC references:</a:t>
-            </a:r>
-          </a:p>
-          <a:p>
-            <a:pPr lvl="1"/>
-            <a:r>
-              <a:rPr lang="en-US" sz="2000" dirty="0" smtClean="0"/>
-              <a:t>Code behind</a:t>
-            </a:r>
-          </a:p>
-          <a:p>
-            <a:pPr lvl="1"/>
-            <a:r>
-              <a:rPr lang="en-US" sz="2000" dirty="0" smtClean="0"/>
-              <a:t>Web controls referenced in page layout markup</a:t>
-            </a:r>
-          </a:p>
-          <a:p>
-            <a:r>
-              <a:rPr lang="en-US" sz="3600" dirty="0" smtClean="0"/>
-              <a:t>Perform customizations in page layouts using:</a:t>
-            </a:r>
-          </a:p>
-          <a:p>
-            <a:pPr lvl="1"/>
-            <a:r>
-              <a:rPr lang="en-US" sz="2000" dirty="0" smtClean="0"/>
-              <a:t>Embedded JavaScript (e.g</a:t>
-            </a:r>
-            <a:r>
-              <a:rPr lang="en-US" sz="2000" dirty="0"/>
-              <a:t>. </a:t>
-            </a:r>
-            <a:r>
-              <a:rPr lang="en-US" sz="2000" dirty="0">
-                <a:hlinkClick r:id="rId3"/>
-              </a:rPr>
-              <a:t>https://</a:t>
-            </a:r>
-            <a:r>
-              <a:rPr lang="en-US" sz="2000" dirty="0" smtClean="0">
-                <a:hlinkClick r:id="rId3"/>
-              </a:rPr>
-              <a:t>github.com/OfficeDev/PnP/tree/master/Scenarios/Provisioning.PublishingFeatures</a:t>
-            </a:r>
-            <a:r>
-              <a:rPr lang="en-US" sz="2000" dirty="0" smtClean="0"/>
-              <a:t>) </a:t>
-            </a:r>
-          </a:p>
-          <a:p>
-            <a:pPr lvl="1"/>
-            <a:r>
-              <a:rPr lang="en-US" sz="2000" dirty="0" smtClean="0"/>
-              <a:t>Embedded OOB web parts</a:t>
-            </a:r>
-          </a:p>
-          <a:p>
-            <a:pPr lvl="1"/>
-            <a:r>
-              <a:rPr lang="en-US" sz="2000" dirty="0" smtClean="0"/>
-              <a:t>Design configurable web parts as script parts (</a:t>
-            </a:r>
-            <a:r>
-              <a:rPr lang="en-US" sz="2000" dirty="0"/>
-              <a:t>see </a:t>
-            </a:r>
-            <a:r>
-              <a:rPr lang="en-US" sz="2000" dirty="0">
-                <a:hlinkClick r:id="rId4"/>
-              </a:rPr>
-              <a:t>https://</a:t>
-            </a:r>
-            <a:r>
-              <a:rPr lang="en-US" sz="2000" dirty="0" smtClean="0">
-                <a:hlinkClick r:id="rId4"/>
-              </a:rPr>
-              <a:t>github.com/OfficeDev/PnP/tree/master/Samples/Core.AppScriptPart</a:t>
-            </a:r>
-            <a:r>
-              <a:rPr lang="en-US" sz="2000" dirty="0" smtClean="0"/>
-              <a:t>) </a:t>
-            </a:r>
-          </a:p>
-          <a:p>
-            <a:endParaRPr lang="en-US" sz="3600" dirty="0" smtClean="0"/>
-          </a:p>
-          <a:p>
-            <a:endParaRPr lang="en-US" sz="2000" dirty="0"/>
-          </a:p>
-        </p:txBody>
-      </p:sp>
-    </p:spTree>
-    <p:extLst>
-      <p:ext uri="{BB962C8B-B14F-4D97-AF65-F5344CB8AC3E}">
-        <p14:creationId xmlns:p14="http://schemas.microsoft.com/office/powerpoint/2010/main" val="1878079425"/>
-      </p:ext>
-    </p:extLst>
-  </p:cSld>
-  <p:clrMapOvr>
-    <a:masterClrMapping/>
-  </p:clrMapOvr>
-  <p:transition>
-    <p:fade/>
-  </p:transition>
-  <p:timing>
-    <p:tnLst>
-      <p:par>
-        <p:cTn id="1" dur="indefinite" restart="never" nodeType="tmRoot"/>
-      </p:par>
-    </p:tnLst>
-  </p:timing>
-</p:sld>
-</file>
-
 <file path=ppt/slides/slide44.xml><?xml version="1.0" encoding="utf-8"?>
 <p:sld xmlns:a="http://schemas.openxmlformats.org/drawingml/2006/main" xmlns:r="http://schemas.openxmlformats.org/officeDocument/2006/relationships" xmlns:p="http://schemas.openxmlformats.org/presentationml/2006/main">
   <p:cSld>
@@ -41128,7 +42197,7 @@
           <a:p>
             <a:r>
               <a:rPr lang="en-US" dirty="0" smtClean="0"/>
-              <a:t>Page customizations from branding</a:t>
+              <a:t>Page customizations</a:t>
             </a:r>
             <a:endParaRPr lang="en-US" dirty="0"/>
           </a:p>
@@ -41146,55 +42215,119 @@
         </p:nvSpPr>
         <p:spPr/>
         <p:txBody>
-          <a:bodyPr vert="horz" lIns="0" tIns="0" rIns="0" bIns="0" rtlCol="0">
-            <a:noAutofit/>
-          </a:bodyPr>
+          <a:bodyPr/>
           <a:lstStyle/>
           <a:p>
             <a:r>
-              <a:rPr lang="en-US" sz="3600" dirty="0"/>
-              <a:t>Custom site navigation </a:t>
-            </a:r>
-            <a:r>
               <a:rPr lang="en-US" sz="3600" dirty="0" smtClean="0"/>
-              <a:t>(Replace using Global </a:t>
-            </a:r>
-            <a:r>
-              <a:rPr lang="en-US" sz="3600" dirty="0" err="1" smtClean="0"/>
-              <a:t>Nav</a:t>
-            </a:r>
+              <a:t>Currently 19 page layouts and accompanying content types and site columns in solution (are all in use?)</a:t>
+            </a:r>
+          </a:p>
+          <a:p>
             <a:r>
               <a:rPr lang="en-US" sz="3600" dirty="0" smtClean="0"/>
-              <a:t>)</a:t>
-            </a:r>
-            <a:endParaRPr lang="en-US" sz="3600" dirty="0"/>
+              <a:t>Create site columns and content types using code</a:t>
+            </a:r>
           </a:p>
           <a:p>
             <a:r>
               <a:rPr lang="en-US" sz="3600" dirty="0" smtClean="0"/>
-              <a:t>Footer Branding (Use Alternate CSS)</a:t>
-            </a:r>
-            <a:endParaRPr lang="en-US" sz="3600" dirty="0"/>
+              <a:t>Create ‘new’ page layouts without FTC references:</a:t>
+            </a:r>
+          </a:p>
+          <a:p>
+            <a:pPr lvl="1"/>
+            <a:r>
+              <a:rPr lang="en-US" sz="2000" dirty="0" smtClean="0"/>
+              <a:t>Code behind</a:t>
+            </a:r>
+          </a:p>
+          <a:p>
+            <a:pPr lvl="1"/>
+            <a:r>
+              <a:rPr lang="en-US" sz="2000" dirty="0" smtClean="0"/>
+              <a:t>Web controls referenced in page layout markup</a:t>
+            </a:r>
+          </a:p>
+          <a:p>
+            <a:r>
+              <a:rPr lang="en-US" sz="3600" dirty="0" smtClean="0"/>
+              <a:t>Perform customizations in page layouts using:</a:t>
+            </a:r>
+          </a:p>
+          <a:p>
+            <a:pPr lvl="1"/>
+            <a:r>
+              <a:rPr lang="en-US" sz="2000" dirty="0" smtClean="0"/>
+              <a:t>Embedded JavaScript (e.g</a:t>
+            </a:r>
+            <a:r>
+              <a:rPr lang="en-US" sz="2000" dirty="0"/>
+              <a:t>. </a:t>
+            </a:r>
+            <a:r>
+              <a:rPr lang="en-US" sz="2000" dirty="0">
+                <a:hlinkClick r:id="rId3"/>
+              </a:rPr>
+              <a:t>https://</a:t>
+            </a:r>
+            <a:r>
+              <a:rPr lang="en-US" sz="2000" dirty="0" smtClean="0">
+                <a:hlinkClick r:id="rId3"/>
+              </a:rPr>
+              <a:t>github.com/OfficeDev/PnP/tree/master/Scenarios/Provisioning.PublishingFeatures</a:t>
+            </a:r>
+            <a:r>
+              <a:rPr lang="en-US" sz="2000" dirty="0" smtClean="0"/>
+              <a:t>) </a:t>
+            </a:r>
+          </a:p>
+          <a:p>
+            <a:pPr lvl="1"/>
+            <a:r>
+              <a:rPr lang="en-US" sz="2000" dirty="0" smtClean="0"/>
+              <a:t>Embedded OOB web parts</a:t>
+            </a:r>
+          </a:p>
+          <a:p>
+            <a:pPr lvl="1"/>
+            <a:r>
+              <a:rPr lang="en-US" sz="2000" dirty="0" smtClean="0"/>
+              <a:t>Design configurable web parts as script parts (</a:t>
+            </a:r>
+            <a:r>
+              <a:rPr lang="en-US" sz="2000" dirty="0"/>
+              <a:t>see </a:t>
+            </a:r>
+            <a:r>
+              <a:rPr lang="en-US" sz="2000" dirty="0">
+                <a:hlinkClick r:id="rId4"/>
+              </a:rPr>
+              <a:t>https://</a:t>
+            </a:r>
+            <a:r>
+              <a:rPr lang="en-US" sz="2000" dirty="0" smtClean="0">
+                <a:hlinkClick r:id="rId4"/>
+              </a:rPr>
+              <a:t>github.com/OfficeDev/PnP/tree/master/Samples/Core.AppScriptPart</a:t>
+            </a:r>
+            <a:r>
+              <a:rPr lang="en-US" sz="2000" dirty="0" smtClean="0"/>
+              <a:t>) </a:t>
+            </a:r>
           </a:p>
           <a:p>
             <a:endParaRPr lang="en-US" sz="3600" dirty="0" smtClean="0"/>
           </a:p>
           <a:p>
-            <a:r>
-              <a:rPr lang="en-US" sz="3600" dirty="0" smtClean="0"/>
-              <a:t>Branding will be applied by injecting the needed JavaScript and CSS using a custom action and OOB features</a:t>
-            </a:r>
-            <a:endParaRPr lang="en-US" sz="3600" dirty="0"/>
-          </a:p>
-          <a:p>
-            <a:endParaRPr lang="en-US" sz="3600" dirty="0"/>
+            <a:endParaRPr lang="en-US" sz="2000" dirty="0"/>
           </a:p>
         </p:txBody>
       </p:sp>
     </p:spTree>
     <p:extLst>
       <p:ext uri="{BB962C8B-B14F-4D97-AF65-F5344CB8AC3E}">
-        <p14:creationId xmlns:p14="http://schemas.microsoft.com/office/powerpoint/2010/main" val="1699510676"/>
+        <p14:creationId xmlns:p14="http://schemas.microsoft.com/office/powerpoint/2010/main" val="1878079425"/>
       </p:ext>
     </p:extLst>
   </p:cSld>
@@ -41248,7 +42381,7 @@
           <a:p>
             <a:r>
               <a:rPr lang="en-US" dirty="0" smtClean="0"/>
-              <a:t>Other required customizations</a:t>
+              <a:t>Page customizations from branding</a:t>
             </a:r>
             <a:endParaRPr lang="en-US" dirty="0"/>
           </a:p>
@@ -41273,68 +42406,38 @@
           <a:p>
             <a:r>
               <a:rPr lang="en-US" sz="3600" dirty="0"/>
-              <a:t>Provider hosted apps / services:</a:t>
-            </a:r>
-          </a:p>
-          <a:p>
-            <a:pPr lvl="1"/>
-            <a:r>
-              <a:rPr lang="en-US" sz="2000" dirty="0" smtClean="0"/>
-              <a:t>Weather Widget (App </a:t>
-            </a:r>
-            <a:r>
-              <a:rPr lang="en-US" sz="2000" dirty="0"/>
-              <a:t>part)</a:t>
-            </a:r>
-          </a:p>
-          <a:p>
-            <a:pPr lvl="1"/>
-            <a:r>
-              <a:rPr lang="en-US" sz="2000" dirty="0" smtClean="0"/>
-              <a:t>Stock Ticker (JS </a:t>
-            </a:r>
-            <a:r>
-              <a:rPr lang="en-US" sz="2000" dirty="0"/>
-              <a:t>calling a backend service) </a:t>
-            </a:r>
-            <a:endParaRPr lang="en-US" sz="2000" dirty="0" smtClean="0"/>
-          </a:p>
-          <a:p>
+              <a:t>Custom site navigation </a:t>
+            </a:r>
             <a:r>
               <a:rPr lang="en-US" sz="3600" dirty="0" smtClean="0"/>
-              <a:t>JavaScript based implementations that read from site list and show data:</a:t>
-            </a:r>
-          </a:p>
-          <a:p>
-            <a:pPr lvl="1"/>
-            <a:r>
-              <a:rPr lang="en-US" sz="2000" dirty="0" smtClean="0"/>
-              <a:t>Weather information, Emergency information, Image rotator, Best bet suggestions, Comment board, World clock, my site memberships</a:t>
-            </a:r>
-          </a:p>
-          <a:p>
+              <a:t>(Replace using Global </a:t>
+            </a:r>
+            <a:r>
+              <a:rPr lang="en-US" sz="3600" dirty="0" err="1" smtClean="0"/>
+              <a:t>Nav</a:t>
+            </a:r>
             <a:r>
               <a:rPr lang="en-US" sz="3600" dirty="0" smtClean="0"/>
-              <a:t>OOB web part customizations:</a:t>
-            </a:r>
-          </a:p>
-          <a:p>
-            <a:pPr lvl="1"/>
-            <a:r>
-              <a:rPr lang="en-US" sz="2000" dirty="0" smtClean="0"/>
-              <a:t>Use Content By Search web parts with custom display templates to show content</a:t>
-            </a:r>
-          </a:p>
-          <a:p>
-            <a:pPr lvl="1"/>
-            <a:r>
-              <a:rPr lang="en-US" sz="2000" dirty="0" smtClean="0"/>
-              <a:t>If needed combine with JavaScript (e.g. to implement pagination)</a:t>
-            </a:r>
-          </a:p>
-          <a:p>
-            <a:pPr lvl="1"/>
-            <a:endParaRPr lang="en-US" sz="2000" dirty="0"/>
+              <a:t>)</a:t>
+            </a:r>
+            <a:endParaRPr lang="en-US" sz="3600" dirty="0"/>
+          </a:p>
+          <a:p>
+            <a:r>
+              <a:rPr lang="en-US" sz="3600" dirty="0" smtClean="0"/>
+              <a:t>Footer Branding (Use Alternate CSS)</a:t>
+            </a:r>
+            <a:endParaRPr lang="en-US" sz="3600" dirty="0"/>
+          </a:p>
+          <a:p>
+            <a:endParaRPr lang="en-US" sz="3600" dirty="0" smtClean="0"/>
+          </a:p>
+          <a:p>
+            <a:r>
+              <a:rPr lang="en-US" sz="3600" dirty="0" smtClean="0"/>
+              <a:t>Branding will be applied by injecting the needed JavaScript and CSS using a custom action and OOB features</a:t>
+            </a:r>
+            <a:endParaRPr lang="en-US" sz="3600" dirty="0"/>
           </a:p>
           <a:p>
             <a:endParaRPr lang="en-US" sz="3600" dirty="0"/>
@@ -41344,7 +42447,7 @@
     </p:spTree>
     <p:extLst>
       <p:ext uri="{BB962C8B-B14F-4D97-AF65-F5344CB8AC3E}">
-        <p14:creationId xmlns:p14="http://schemas.microsoft.com/office/powerpoint/2010/main" val="4030412865"/>
+        <p14:creationId xmlns:p14="http://schemas.microsoft.com/office/powerpoint/2010/main" val="1699510676"/>
       </p:ext>
     </p:extLst>
   </p:cSld>
@@ -41383,7 +42486,7 @@
       </p:grpSpPr>
       <p:sp>
         <p:nvSpPr>
-          <p:cNvPr id="4" name="Title 3"/>
+          <p:cNvPr id="2" name="Title 1"/>
           <p:cNvSpPr>
             <a:spLocks noGrp="1"/>
           </p:cNvSpPr>
@@ -41397,43 +42500,113 @@
           <a:lstStyle/>
           <a:p>
             <a:r>
-              <a:rPr lang="en-US" dirty="0" smtClean="0">
-                <a:solidFill>
-                  <a:schemeClr val="bg1"/>
-                </a:solidFill>
-              </a:rPr>
-              <a:t>Contoso Collaboration</a:t>
-            </a:r>
-            <a:endParaRPr lang="en-US" dirty="0">
-              <a:solidFill>
-                <a:schemeClr val="bg1"/>
-              </a:solidFill>
-            </a:endParaRPr>
+              <a:rPr lang="en-US" dirty="0" smtClean="0"/>
+              <a:t>Other required customizations</a:t>
+            </a:r>
+            <a:endParaRPr lang="en-US" dirty="0"/>
+          </a:p>
+        </p:txBody>
+      </p:sp>
+      <p:sp>
+        <p:nvSpPr>
+          <p:cNvPr id="3" name="Text Placeholder 2"/>
+          <p:cNvSpPr>
+            <a:spLocks noGrp="1"/>
+          </p:cNvSpPr>
+          <p:nvPr>
+            <p:ph type="body" sz="quarter" idx="10"/>
+          </p:nvPr>
+        </p:nvSpPr>
+        <p:spPr/>
+        <p:txBody>
+          <a:bodyPr vert="horz" lIns="0" tIns="0" rIns="0" bIns="0" rtlCol="0">
+            <a:noAutofit/>
+          </a:bodyPr>
+          <a:lstStyle/>
+          <a:p>
+            <a:r>
+              <a:rPr lang="en-US" sz="3600" dirty="0"/>
+              <a:t>Provider hosted apps / services:</a:t>
+            </a:r>
+          </a:p>
+          <a:p>
+            <a:pPr lvl="1"/>
+            <a:r>
+              <a:rPr lang="en-US" sz="2000" dirty="0" smtClean="0"/>
+              <a:t>Weather Widget (App </a:t>
+            </a:r>
+            <a:r>
+              <a:rPr lang="en-US" sz="2000" dirty="0"/>
+              <a:t>part)</a:t>
+            </a:r>
+          </a:p>
+          <a:p>
+            <a:pPr lvl="1"/>
+            <a:r>
+              <a:rPr lang="en-US" sz="2000" dirty="0" smtClean="0"/>
+              <a:t>Stock Ticker (JS </a:t>
+            </a:r>
+            <a:r>
+              <a:rPr lang="en-US" sz="2000" dirty="0"/>
+              <a:t>calling a backend service) </a:t>
+            </a:r>
+            <a:endParaRPr lang="en-US" sz="2000" dirty="0" smtClean="0"/>
+          </a:p>
+          <a:p>
+            <a:r>
+              <a:rPr lang="en-US" sz="3600" dirty="0" smtClean="0"/>
+              <a:t>JavaScript based implementations that read from site list and show data:</a:t>
+            </a:r>
+          </a:p>
+          <a:p>
+            <a:pPr lvl="1"/>
+            <a:r>
+              <a:rPr lang="en-US" sz="2000" dirty="0" smtClean="0"/>
+              <a:t>Weather information, Emergency information, Image rotator, Best bet suggestions, Comment board, World clock, my site memberships</a:t>
+            </a:r>
+          </a:p>
+          <a:p>
+            <a:r>
+              <a:rPr lang="en-US" sz="3600" dirty="0" smtClean="0"/>
+              <a:t>OOB web part customizations:</a:t>
+            </a:r>
+          </a:p>
+          <a:p>
+            <a:pPr lvl="1"/>
+            <a:r>
+              <a:rPr lang="en-US" sz="2000" dirty="0" smtClean="0"/>
+              <a:t>Use Content By Search web parts with custom display templates to show content</a:t>
+            </a:r>
+          </a:p>
+          <a:p>
+            <a:pPr lvl="1"/>
+            <a:r>
+              <a:rPr lang="en-US" sz="2000" dirty="0" smtClean="0"/>
+              <a:t>If needed combine with JavaScript (e.g. to implement pagination)</a:t>
+            </a:r>
+          </a:p>
+          <a:p>
+            <a:pPr lvl="1"/>
+            <a:endParaRPr lang="en-US" sz="2000" dirty="0"/>
+          </a:p>
+          <a:p>
+            <a:endParaRPr lang="en-US" sz="3600" dirty="0"/>
           </a:p>
         </p:txBody>
       </p:sp>
     </p:spTree>
     <p:extLst>
       <p:ext uri="{BB962C8B-B14F-4D97-AF65-F5344CB8AC3E}">
-        <p14:creationId xmlns:p14="http://schemas.microsoft.com/office/powerpoint/2010/main" val="2593688290"/>
+        <p14:creationId xmlns:p14="http://schemas.microsoft.com/office/powerpoint/2010/main" val="4030412865"/>
       </p:ext>
     </p:extLst>
   </p:cSld>
   <p:clrMapOvr>
     <a:masterClrMapping/>
   </p:clrMapOvr>
-  <mc:AlternateContent xmlns:mc="http://schemas.openxmlformats.org/markup-compatibility/2006" xmlns:p14="http://schemas.microsoft.com/office/powerpoint/2010/main">
-    <mc:Choice Requires="p14">
-      <p:transition spd="slow" p14:dur="3400">
-        <p14:reveal/>
-      </p:transition>
-    </mc:Choice>
-    <mc:Fallback xmlns="">
-      <p:transition spd="slow">
-        <p:fade/>
-      </p:transition>
-    </mc:Fallback>
-  </mc:AlternateContent>
+  <p:transition>
+    <p:fade/>
+  </p:transition>
   <p:timing>
     <p:tnLst>
       <p:par>
@@ -41463,7 +42636,7 @@
       </p:grpSpPr>
       <p:sp>
         <p:nvSpPr>
-          <p:cNvPr id="2" name="Title 1"/>
+          <p:cNvPr id="4" name="Title 3"/>
           <p:cNvSpPr>
             <a:spLocks noGrp="1"/>
           </p:cNvSpPr>
@@ -41477,142 +42650,43 @@
           <a:lstStyle/>
           <a:p>
             <a:r>
-              <a:rPr lang="en-US" dirty="0"/>
-              <a:t>Replace by OOB / Blocker / Abandon</a:t>
-            </a:r>
-          </a:p>
-        </p:txBody>
-      </p:sp>
-      <p:sp>
-        <p:nvSpPr>
-          <p:cNvPr id="3" name="Text Placeholder 2"/>
-          <p:cNvSpPr>
-            <a:spLocks noGrp="1"/>
-          </p:cNvSpPr>
-          <p:nvPr>
-            <p:ph type="body" sz="quarter" idx="10"/>
-          </p:nvPr>
-        </p:nvSpPr>
-        <p:spPr/>
-        <p:txBody>
-          <a:bodyPr vert="horz" lIns="0" tIns="0" rIns="0" bIns="0" rtlCol="0">
-            <a:noAutofit/>
-          </a:bodyPr>
-          <a:lstStyle/>
-          <a:p>
-            <a:r>
-              <a:rPr lang="en-US" sz="3600" dirty="0"/>
-              <a:t>Replace by OOB:</a:t>
-            </a:r>
-          </a:p>
-          <a:p>
-            <a:pPr lvl="1"/>
-            <a:r>
-              <a:rPr lang="en-US" sz="2000" dirty="0"/>
-              <a:t>Use OOB site expiration which replaces the </a:t>
-            </a:r>
-            <a:r>
-              <a:rPr lang="en-US" sz="2000" dirty="0" smtClean="0"/>
-              <a:t>Timer job (currently used as a notification system)</a:t>
-            </a:r>
-            <a:endParaRPr lang="en-US" sz="2000" dirty="0"/>
-          </a:p>
-          <a:p>
-            <a:r>
-              <a:rPr lang="en-US" sz="2000" spc="0" dirty="0">
-                <a:latin typeface="+mn-lt"/>
+              <a:rPr lang="en-US" dirty="0" smtClean="0">
+                <a:solidFill>
+                  <a:schemeClr val="bg1"/>
+                </a:solidFill>
               </a:rPr>
-              <a:t>    </a:t>
-            </a:r>
-            <a:r>
-              <a:rPr lang="en-US" sz="2000" spc="0" dirty="0" smtClean="0">
-                <a:latin typeface="+mn-lt"/>
-              </a:rPr>
-              <a:t>Use Yammer to replace the News Notification service.</a:t>
-            </a:r>
-          </a:p>
-          <a:p>
-            <a:r>
-              <a:rPr lang="en-US" sz="2000" spc="0" dirty="0">
-                <a:latin typeface="+mn-lt"/>
-              </a:rPr>
-              <a:t> </a:t>
-            </a:r>
-            <a:r>
-              <a:rPr lang="en-US" sz="2000" spc="0" dirty="0" smtClean="0">
-                <a:latin typeface="+mn-lt"/>
-              </a:rPr>
-              <a:t>   Use search and display templates to replace location finder and skill finder.</a:t>
-            </a:r>
-          </a:p>
-          <a:p>
-            <a:pPr lvl="1"/>
-            <a:endParaRPr lang="en-US" sz="400" spc="0" dirty="0">
-              <a:latin typeface="+mn-lt"/>
+              <a:t>Contoso Collaboration</a:t>
+            </a:r>
+            <a:endParaRPr lang="en-US" dirty="0">
+              <a:solidFill>
+                <a:schemeClr val="bg1"/>
+              </a:solidFill>
             </a:endParaRPr>
-          </a:p>
-          <a:p>
-            <a:endParaRPr lang="en-US" sz="3600" dirty="0" smtClean="0"/>
-          </a:p>
-          <a:p>
-            <a:r>
-              <a:rPr lang="en-US" sz="3600" dirty="0" smtClean="0"/>
-              <a:t>Blockers</a:t>
-            </a:r>
-            <a:r>
-              <a:rPr lang="en-US" sz="3600" dirty="0"/>
-              <a:t>: </a:t>
-            </a:r>
-          </a:p>
-          <a:p>
-            <a:pPr lvl="1"/>
-            <a:r>
-              <a:rPr lang="en-US" sz="2000" dirty="0"/>
-              <a:t>None</a:t>
-            </a:r>
-          </a:p>
-          <a:p>
-            <a:endParaRPr lang="en-US" sz="3600" dirty="0" smtClean="0"/>
-          </a:p>
-          <a:p>
-            <a:r>
-              <a:rPr lang="en-US" sz="3600" dirty="0" smtClean="0"/>
-              <a:t>Abandon</a:t>
-            </a:r>
-            <a:r>
-              <a:rPr lang="en-US" sz="3600" dirty="0"/>
-              <a:t>:</a:t>
-            </a:r>
-          </a:p>
-          <a:p>
-            <a:pPr lvl="1"/>
-            <a:r>
-              <a:rPr lang="en-US" sz="2000" dirty="0" smtClean="0"/>
-              <a:t>Migration Helper API will be abandoned. A third party migration tool that uses SharePoint Web services will be evaluated.</a:t>
-            </a:r>
-            <a:endParaRPr lang="en-US" sz="2000" dirty="0">
-              <a:sym typeface="Wingdings" panose="05000000000000000000" pitchFamily="2" charset="2"/>
-            </a:endParaRPr>
-          </a:p>
-          <a:p>
-            <a:pPr lvl="1"/>
-            <a:endParaRPr lang="en-US" sz="2000" dirty="0"/>
           </a:p>
         </p:txBody>
       </p:sp>
     </p:spTree>
     <p:extLst>
       <p:ext uri="{BB962C8B-B14F-4D97-AF65-F5344CB8AC3E}">
-        <p14:creationId xmlns:p14="http://schemas.microsoft.com/office/powerpoint/2010/main" val="3383066959"/>
+        <p14:creationId xmlns:p14="http://schemas.microsoft.com/office/powerpoint/2010/main" val="2593688290"/>
       </p:ext>
     </p:extLst>
   </p:cSld>
   <p:clrMapOvr>
     <a:masterClrMapping/>
   </p:clrMapOvr>
-  <p:transition>
-    <p:fade/>
-  </p:transition>
+  <mc:AlternateContent xmlns:mc="http://schemas.openxmlformats.org/markup-compatibility/2006" xmlns:p14="http://schemas.microsoft.com/office/powerpoint/2010/main">
+    <mc:Choice Requires="p14">
+      <p:transition spd="slow" p14:dur="3400">
+        <p14:reveal/>
+      </p:transition>
+    </mc:Choice>
+    <mc:Fallback xmlns="">
+      <p:transition spd="slow">
+        <p:fade/>
+      </p:transition>
+    </mc:Fallback>
+  </mc:AlternateContent>
   <p:timing>
     <p:tnLst>
       <p:par>
@@ -41656,10 +42730,9 @@
           <a:lstStyle/>
           <a:p>
             <a:r>
-              <a:rPr lang="en-US" dirty="0" smtClean="0"/>
-              <a:t>Contoso Collaboration customizations</a:t>
-            </a:r>
-            <a:endParaRPr lang="en-US" dirty="0"/>
+              <a:rPr lang="en-US" dirty="0"/>
+              <a:t>Replace by OOB / Blocker / Abandon</a:t>
+            </a:r>
           </a:p>
         </p:txBody>
       </p:sp>
@@ -41681,49 +42754,109 @@
           <a:lstStyle/>
           <a:p>
             <a:r>
+              <a:rPr lang="en-US" sz="3600" dirty="0"/>
+              <a:t>Replace by OOB:</a:t>
+            </a:r>
+          </a:p>
+          <a:p>
+            <a:pPr lvl="1"/>
+            <a:r>
+              <a:rPr lang="en-US" sz="2000" dirty="0"/>
+              <a:t>Use OOB site expiration which replaces the </a:t>
+            </a:r>
+            <a:r>
+              <a:rPr lang="en-US" sz="2000" dirty="0" smtClean="0"/>
+              <a:t>Timer job (currently used as a notification system)</a:t>
+            </a:r>
+            <a:endParaRPr lang="en-US" sz="2000" dirty="0"/>
+          </a:p>
+          <a:p>
+            <a:r>
+              <a:rPr lang="en-US" sz="2000" spc="0" dirty="0">
+                <a:latin typeface="+mn-lt"/>
+              </a:rPr>
+              <a:t>    </a:t>
+            </a:r>
+            <a:r>
+              <a:rPr lang="en-US" sz="2000" spc="0" dirty="0" smtClean="0">
+                <a:latin typeface="+mn-lt"/>
+              </a:rPr>
+              <a:t>Use Yammer to replace the News Notification service.</a:t>
+            </a:r>
+          </a:p>
+          <a:p>
+            <a:r>
+              <a:rPr lang="en-US" sz="2000" spc="0" dirty="0">
+                <a:latin typeface="+mn-lt"/>
+              </a:rPr>
+              <a:t> </a:t>
+            </a:r>
+            <a:r>
+              <a:rPr lang="en-US" sz="2000" spc="0" dirty="0" smtClean="0">
+                <a:latin typeface="+mn-lt"/>
+              </a:rPr>
+              <a:t>   Use search and display templates to replace location finder and skill finder.</a:t>
+            </a:r>
+          </a:p>
+          <a:p>
+            <a:pPr lvl="1"/>
+            <a:endParaRPr lang="en-US" sz="400" spc="0" dirty="0">
+              <a:latin typeface="+mn-lt"/>
+            </a:endParaRPr>
+          </a:p>
+          <a:p>
+            <a:endParaRPr lang="en-US" sz="3600" dirty="0" smtClean="0"/>
+          </a:p>
+          <a:p>
+            <a:r>
               <a:rPr lang="en-US" sz="3600" dirty="0" smtClean="0"/>
-              <a:t>Site collections and </a:t>
-            </a:r>
-            <a:r>
-              <a:rPr lang="en-US" sz="3600" smtClean="0"/>
-              <a:t>sub sites </a:t>
-            </a:r>
+              <a:t>Blockers</a:t>
+            </a:r>
+            <a:r>
+              <a:rPr lang="en-US" sz="3600" dirty="0"/>
+              <a:t>: </a:t>
+            </a:r>
+          </a:p>
+          <a:p>
+            <a:pPr lvl="1"/>
+            <a:r>
+              <a:rPr lang="en-US" sz="2000" dirty="0"/>
+              <a:t>None</a:t>
+            </a:r>
+          </a:p>
+          <a:p>
+            <a:endParaRPr lang="en-US" sz="3600" dirty="0" smtClean="0"/>
+          </a:p>
+          <a:p>
             <a:r>
               <a:rPr lang="en-US" sz="3600" dirty="0" smtClean="0"/>
-              <a:t>will be created via the provisioning platform</a:t>
+              <a:t>Abandon</a:t>
+            </a:r>
+            <a:r>
+              <a:rPr lang="en-US" sz="3600" dirty="0"/>
+              <a:t>:</a:t>
             </a:r>
           </a:p>
           <a:p>
             <a:pPr lvl="1"/>
             <a:r>
               <a:rPr lang="en-US" sz="2000" dirty="0" smtClean="0"/>
-              <a:t>All sites start from the OOB </a:t>
-            </a:r>
-            <a:r>
-              <a:rPr lang="en-US" sz="2000" dirty="0"/>
-              <a:t>team site </a:t>
-            </a:r>
-            <a:r>
-              <a:rPr lang="en-US" sz="2000" dirty="0" smtClean="0"/>
-              <a:t>(STS#0)</a:t>
-            </a:r>
+              <a:t>Migration Helper API will be abandoned. A third party migration tool that uses SharePoint Web services will be evaluated.</a:t>
+            </a:r>
+            <a:endParaRPr lang="en-US" sz="2000" dirty="0">
+              <a:sym typeface="Wingdings" panose="05000000000000000000" pitchFamily="2" charset="2"/>
+            </a:endParaRPr>
           </a:p>
           <a:p>
             <a:pPr lvl="1"/>
             <a:endParaRPr lang="en-US" sz="2000" dirty="0"/>
-          </a:p>
-          <a:p>
-            <a:r>
-              <a:rPr lang="en-US" sz="3600" dirty="0" smtClean="0"/>
-              <a:t>Custom lists are created via the provisioning platform</a:t>
-            </a:r>
           </a:p>
         </p:txBody>
       </p:sp>
     </p:spTree>
     <p:extLst>
       <p:ext uri="{BB962C8B-B14F-4D97-AF65-F5344CB8AC3E}">
-        <p14:creationId xmlns:p14="http://schemas.microsoft.com/office/powerpoint/2010/main" val="417060261"/>
+        <p14:creationId xmlns:p14="http://schemas.microsoft.com/office/powerpoint/2010/main" val="3383066959"/>
       </p:ext>
     </p:extLst>
   </p:cSld>
@@ -41777,7 +42910,7 @@
           <a:p>
             <a:r>
               <a:rPr lang="en-US" dirty="0" smtClean="0"/>
-              <a:t>Page customizations from branding</a:t>
+              <a:t>Contoso Collaboration customizations</a:t>
             </a:r>
             <a:endParaRPr lang="en-US" dirty="0"/>
           </a:p>
@@ -41802,35 +42935,48 @@
           <a:p>
             <a:r>
               <a:rPr lang="en-US" sz="3600" dirty="0" smtClean="0"/>
-              <a:t>Custom site navigation (can this be replaced by Global Navigation?)</a:t>
-            </a:r>
-          </a:p>
-          <a:p>
+              <a:t>Site collections and </a:t>
+            </a:r>
+            <a:r>
+              <a:rPr lang="en-US" sz="3600" smtClean="0"/>
+              <a:t>sub sites </a:t>
+            </a:r>
             <a:r>
               <a:rPr lang="en-US" sz="3600" dirty="0" smtClean="0"/>
-              <a:t>Footer Branding</a:t>
-            </a:r>
-            <a:endParaRPr lang="en-US" sz="3600" dirty="0"/>
-          </a:p>
-          <a:p>
-            <a:endParaRPr lang="en-US" sz="3600" dirty="0" smtClean="0"/>
+              <a:t>will be created via the provisioning platform</a:t>
+            </a:r>
+          </a:p>
+          <a:p>
+            <a:pPr lvl="1"/>
+            <a:r>
+              <a:rPr lang="en-US" sz="2000" dirty="0" smtClean="0"/>
+              <a:t>All sites start from the OOB </a:t>
+            </a:r>
+            <a:r>
+              <a:rPr lang="en-US" sz="2000" dirty="0"/>
+              <a:t>team site </a:t>
+            </a:r>
+            <a:r>
+              <a:rPr lang="en-US" sz="2000" dirty="0" smtClean="0"/>
+              <a:t>(STS#0)</a:t>
+            </a:r>
+          </a:p>
+          <a:p>
+            <a:pPr lvl="1"/>
+            <a:endParaRPr lang="en-US" sz="2000" dirty="0"/>
           </a:p>
           <a:p>
             <a:r>
               <a:rPr lang="en-US" sz="3600" dirty="0" smtClean="0"/>
-              <a:t>Branding will be applied by injecting the JavaScript and CSS using a custom action and OOB features</a:t>
-            </a:r>
-            <a:endParaRPr lang="en-US" sz="3600" dirty="0"/>
-          </a:p>
-          <a:p>
-            <a:endParaRPr lang="en-US" sz="3600" dirty="0"/>
+              <a:t>Custom lists are created via the provisioning platform</a:t>
+            </a:r>
           </a:p>
         </p:txBody>
       </p:sp>
     </p:spTree>
     <p:extLst>
       <p:ext uri="{BB962C8B-B14F-4D97-AF65-F5344CB8AC3E}">
-        <p14:creationId xmlns:p14="http://schemas.microsoft.com/office/powerpoint/2010/main" val="3006171413"/>
+        <p14:creationId xmlns:p14="http://schemas.microsoft.com/office/powerpoint/2010/main" val="417060261"/>
       </p:ext>
     </p:extLst>
   </p:cSld>
@@ -44228,6 +45374,113 @@
       </p:grpSpPr>
       <p:sp>
         <p:nvSpPr>
+          <p:cNvPr id="2" name="Title 1"/>
+          <p:cNvSpPr>
+            <a:spLocks noGrp="1"/>
+          </p:cNvSpPr>
+          <p:nvPr>
+            <p:ph type="title"/>
+          </p:nvPr>
+        </p:nvSpPr>
+        <p:spPr/>
+        <p:txBody>
+          <a:bodyPr/>
+          <a:lstStyle/>
+          <a:p>
+            <a:r>
+              <a:rPr lang="en-US" dirty="0" smtClean="0"/>
+              <a:t>Page customizations from branding</a:t>
+            </a:r>
+            <a:endParaRPr lang="en-US" dirty="0"/>
+          </a:p>
+        </p:txBody>
+      </p:sp>
+      <p:sp>
+        <p:nvSpPr>
+          <p:cNvPr id="3" name="Text Placeholder 2"/>
+          <p:cNvSpPr>
+            <a:spLocks noGrp="1"/>
+          </p:cNvSpPr>
+          <p:nvPr>
+            <p:ph type="body" sz="quarter" idx="10"/>
+          </p:nvPr>
+        </p:nvSpPr>
+        <p:spPr/>
+        <p:txBody>
+          <a:bodyPr vert="horz" lIns="0" tIns="0" rIns="0" bIns="0" rtlCol="0">
+            <a:noAutofit/>
+          </a:bodyPr>
+          <a:lstStyle/>
+          <a:p>
+            <a:r>
+              <a:rPr lang="en-US" sz="3600" dirty="0" smtClean="0"/>
+              <a:t>Custom site navigation (can this be replaced by Global Navigation?)</a:t>
+            </a:r>
+          </a:p>
+          <a:p>
+            <a:r>
+              <a:rPr lang="en-US" sz="3600" dirty="0" smtClean="0"/>
+              <a:t>Footer Branding</a:t>
+            </a:r>
+            <a:endParaRPr lang="en-US" sz="3600" dirty="0"/>
+          </a:p>
+          <a:p>
+            <a:endParaRPr lang="en-US" sz="3600" dirty="0" smtClean="0"/>
+          </a:p>
+          <a:p>
+            <a:r>
+              <a:rPr lang="en-US" sz="3600" dirty="0" smtClean="0"/>
+              <a:t>Branding will be applied by injecting the JavaScript and CSS using a custom action and OOB features</a:t>
+            </a:r>
+            <a:endParaRPr lang="en-US" sz="3600" dirty="0"/>
+          </a:p>
+          <a:p>
+            <a:endParaRPr lang="en-US" sz="3600" dirty="0"/>
+          </a:p>
+        </p:txBody>
+      </p:sp>
+    </p:spTree>
+    <p:extLst>
+      <p:ext uri="{BB962C8B-B14F-4D97-AF65-F5344CB8AC3E}">
+        <p14:creationId xmlns:p14="http://schemas.microsoft.com/office/powerpoint/2010/main" val="3006171413"/>
+      </p:ext>
+    </p:extLst>
+  </p:cSld>
+  <p:clrMapOvr>
+    <a:masterClrMapping/>
+  </p:clrMapOvr>
+  <p:transition>
+    <p:fade/>
+  </p:transition>
+  <p:timing>
+    <p:tnLst>
+      <p:par>
+        <p:cTn id="1" dur="indefinite" restart="never" nodeType="tmRoot"/>
+      </p:par>
+    </p:tnLst>
+  </p:timing>
+</p:sld>
+</file>
+
+<file path=ppt/slides/slide51.xml><?xml version="1.0" encoding="utf-8"?>
+<p:sld xmlns:a="http://schemas.openxmlformats.org/drawingml/2006/main" xmlns:r="http://schemas.openxmlformats.org/officeDocument/2006/relationships" xmlns:p="http://schemas.openxmlformats.org/presentationml/2006/main">
+  <p:cSld>
+    <p:spTree>
+      <p:nvGrpSpPr>
+        <p:cNvPr id="1" name=""/>
+        <p:cNvGrpSpPr/>
+        <p:nvPr/>
+      </p:nvGrpSpPr>
+      <p:grpSpPr>
+        <a:xfrm>
+          <a:off x="0" y="0"/>
+          <a:ext cx="0" cy="0"/>
+          <a:chOff x="0" y="0"/>
+          <a:chExt cx="0" cy="0"/>
+        </a:xfrm>
+      </p:grpSpPr>
+      <p:sp>
+        <p:nvSpPr>
           <p:cNvPr id="4" name="Title 3"/>
           <p:cNvSpPr>
             <a:spLocks noGrp="1"/>
@@ -44272,7 +45525,7 @@
 </p:sld>
 </file>
 
-<file path=ppt/slides/slide51.xml><?xml version="1.0" encoding="utf-8"?>
+<file path=ppt/slides/slide52.xml><?xml version="1.0" encoding="utf-8"?>
 <p:sld xmlns:a="http://schemas.openxmlformats.org/drawingml/2006/main" xmlns:r="http://schemas.openxmlformats.org/officeDocument/2006/relationships" xmlns:p="http://schemas.openxmlformats.org/presentationml/2006/main">
   <p:cSld>
     <p:spTree>
@@ -46337,7 +47590,7 @@
 </p:sld>
 </file>
 
-<file path=ppt/slides/slide52.xml><?xml version="1.0" encoding="utf-8"?>
+<file path=ppt/slides/slide53.xml><?xml version="1.0" encoding="utf-8"?>
 <p:sld xmlns:a="http://schemas.openxmlformats.org/drawingml/2006/main" xmlns:r="http://schemas.openxmlformats.org/officeDocument/2006/relationships" xmlns:p="http://schemas.openxmlformats.org/presentationml/2006/main">
   <p:cSld>
     <p:spTree>
@@ -46377,7 +47630,7 @@
 </p:sld>
 </file>
 
-<file path=ppt/slides/slide53.xml><?xml version="1.0" encoding="utf-8"?>
+<file path=ppt/slides/slide54.xml><?xml version="1.0" encoding="utf-8"?>
 <p:sld xmlns:a="http://schemas.openxmlformats.org/drawingml/2006/main" xmlns:r="http://schemas.openxmlformats.org/officeDocument/2006/relationships" xmlns:p="http://schemas.openxmlformats.org/presentationml/2006/main">
   <p:cSld>
     <p:spTree>
@@ -50591,36 +51844,6 @@
 </file>
 
 <file path=customXml/item3.xml><?xml version="1.0" encoding="utf-8"?>
-<?mso-contentType ?>
-<FormTemplates xmlns="http://schemas.microsoft.com/sharepoint/v3/contenttype/forms">
-  <Display>DocumentLibraryForm</Display>
-  <Edit>DocumentLibraryForm</Edit>
-  <New>DocumentLibraryForm</New>
-</FormTemplates>
-</file>
-
-<file path=customXml/item4.xml><?xml version="1.0" encoding="utf-8"?>
-<Control xmlns="http://schemas.microsoft.com/VisualStudio/2011/storyboarding/control">
-  <Id Name="System.Storyboarding.Backgrounds.WebBrowser" Revision="1" Stencil="System.Storyboarding.Backgrounds" StencilVersion="0.1"/>
-</Control>
-</file>
-
-<file path=customXml/item5.xml><?xml version="1.0" encoding="utf-8"?>
-<p:properties xmlns:p="http://schemas.microsoft.com/office/2006/metadata/properties" xmlns:xsi="http://www.w3.org/2001/XMLSchema-instance" xmlns:pc="http://schemas.microsoft.com/office/infopath/2007/PartnerControls">
-  <documentManagement>
-    <SharedWithUsers xmlns="5ec9502b-addf-4716-883a-9e6742fd5109">
-      <UserInfo>
-        <DisplayName/>
-        <AccountId xsi:nil="true"/>
-        <AccountType/>
-      </UserInfo>
-    </SharedWithUsers>
-    <SharingHintHash xmlns="5ec9502b-addf-4716-883a-9e6742fd5109">-223225823</SharingHintHash>
-  </documentManagement>
-</p:properties>
-</file>
-
-<file path=customXml/item6.xml><?xml version="1.0" encoding="utf-8"?>
 <ct:contentTypeSchema xmlns:ct="http://schemas.microsoft.com/office/2006/metadata/contentType" xmlns:ma="http://schemas.microsoft.com/office/2006/metadata/properties/metaAttributes" ct:_="" ma:_="" ma:contentTypeName="Document" ma:contentTypeID="0x010100DD7BFE2324FCFB49A665688E9D54E8DB" ma:contentTypeVersion="2" ma:contentTypeDescription="Create a new document." ma:contentTypeScope="" ma:versionID="d40ecbfa05608dbb8df02efb84158178">
   <xsd:schema xmlns:xsd="http://www.w3.org/2001/XMLSchema" xmlns:xs="http://www.w3.org/2001/XMLSchema" xmlns:p="http://schemas.microsoft.com/office/2006/metadata/properties" xmlns:ns2="5ec9502b-addf-4716-883a-9e6742fd5109" targetNamespace="http://schemas.microsoft.com/office/2006/metadata/properties" ma:root="true" ma:fieldsID="c8929b4bbf02ed04f4fe894b226e94c0" ns2:_="">
     <xsd:import namespace="5ec9502b-addf-4716-883a-9e6742fd5109"/>
@@ -50766,7 +51989,45 @@
 </ct:contentTypeSchema>
 </file>
 
+<file path=customXml/item4.xml><?xml version="1.0" encoding="utf-8"?>
+<p:properties xmlns:p="http://schemas.microsoft.com/office/2006/metadata/properties" xmlns:xsi="http://www.w3.org/2001/XMLSchema-instance" xmlns:pc="http://schemas.microsoft.com/office/infopath/2007/PartnerControls">
+  <documentManagement>
+    <SharedWithUsers xmlns="5ec9502b-addf-4716-883a-9e6742fd5109">
+      <UserInfo>
+        <DisplayName/>
+        <AccountId xsi:nil="true"/>
+        <AccountType/>
+      </UserInfo>
+    </SharedWithUsers>
+    <SharingHintHash xmlns="5ec9502b-addf-4716-883a-9e6742fd5109">-223225823</SharingHintHash>
+  </documentManagement>
+</p:properties>
+</file>
+
+<file path=customXml/item5.xml><?xml version="1.0" encoding="utf-8"?>
+<Control xmlns="http://schemas.microsoft.com/VisualStudio/2011/storyboarding/control">
+  <Id Name="System.Storyboarding.Backgrounds.WebBrowser" Revision="1" Stencil="System.Storyboarding.Backgrounds" StencilVersion="0.1"/>
+</Control>
+</file>
+
+<file path=customXml/item6.xml><?xml version="1.0" encoding="utf-8"?>
+<?mso-contentType ?>
+<FormTemplates xmlns="http://schemas.microsoft.com/sharepoint/v3/contenttype/forms">
+  <Display>DocumentLibraryForm</Display>
+  <Edit>DocumentLibraryForm</Edit>
+  <New>DocumentLibraryForm</New>
+</FormTemplates>
+</file>
+
 <file path=customXml/itemProps1.xml><?xml version="1.0" encoding="utf-8"?>
+<ds:datastoreItem xmlns:ds="http://schemas.openxmlformats.org/officeDocument/2006/customXml" ds:itemID="{57ED2E3B-EB43-4252-8C73-98EA6ACC344E}">
+  <ds:schemaRefs>
+    <ds:schemaRef ds:uri="http://schemas.microsoft.com/VisualStudio/2011/storyboarding/control"/>
+  </ds:schemaRefs>
+</ds:datastoreItem>
+</file>
+
+<file path=customXml/itemProps2.xml><?xml version="1.0" encoding="utf-8"?>
 <ds:datastoreItem xmlns:ds="http://schemas.openxmlformats.org/officeDocument/2006/customXml" ds:itemID="{6769EEFD-0F61-4AA2-AE02-4E16ED5BCFE8}">
   <ds:schemaRefs>
     <ds:schemaRef ds:uri="http://schemas.microsoft.com/VisualStudio/2011/storyboarding/control"/>
@@ -50774,31 +52035,25 @@
 </ds:datastoreItem>
 </file>
 
-<file path=customXml/itemProps2.xml><?xml version="1.0" encoding="utf-8"?>
-<ds:datastoreItem xmlns:ds="http://schemas.openxmlformats.org/officeDocument/2006/customXml" ds:itemID="{57ED2E3B-EB43-4252-8C73-98EA6ACC344E}">
+<file path=customXml/itemProps3.xml><?xml version="1.0" encoding="utf-8"?>
+<ds:datastoreItem xmlns:ds="http://schemas.openxmlformats.org/officeDocument/2006/customXml" ds:itemID="{F79724C6-F6AC-4965-8DDA-67169DE5A52B}">
   <ds:schemaRefs>
-    <ds:schemaRef ds:uri="http://schemas.microsoft.com/VisualStudio/2011/storyboarding/control"/>
-  </ds:schemaRefs>
-</ds:datastoreItem>
-</file>
-
-<file path=customXml/itemProps3.xml><?xml version="1.0" encoding="utf-8"?>
-<ds:datastoreItem xmlns:ds="http://schemas.openxmlformats.org/officeDocument/2006/customXml" ds:itemID="{B4606E04-852E-4880-8CD1-0B186F4087B1}">
-  <ds:schemaRefs>
-    <ds:schemaRef ds:uri="http://schemas.microsoft.com/sharepoint/v3/contenttype/forms"/>
+    <ds:schemaRef ds:uri="http://schemas.microsoft.com/office/2006/metadata/contentType"/>
+    <ds:schemaRef ds:uri="http://schemas.microsoft.com/office/2006/metadata/properties/metaAttributes"/>
+    <ds:schemaRef ds:uri="http://www.w3.org/2001/XMLSchema"/>
+    <ds:schemaRef ds:uri="http://schemas.microsoft.com/office/2006/metadata/properties"/>
+    <ds:schemaRef ds:uri="5ec9502b-addf-4716-883a-9e6742fd5109"/>
+    <ds:schemaRef ds:uri="http://schemas.microsoft.com/office/2006/documentManagement/types"/>
+    <ds:schemaRef ds:uri="http://schemas.microsoft.com/office/infopath/2007/PartnerControls"/>
+    <ds:schemaRef ds:uri="http://schemas.openxmlformats.org/package/2006/metadata/core-properties"/>
+    <ds:schemaRef ds:uri="http://purl.org/dc/elements/1.1/"/>
+    <ds:schemaRef ds:uri="http://purl.org/dc/terms/"/>
+    <ds:schemaRef ds:uri="http://schemas.microsoft.com/internal/obd"/>
   </ds:schemaRefs>
 </ds:datastoreItem>
 </file>
 
 <file path=customXml/itemProps4.xml><?xml version="1.0" encoding="utf-8"?>
-<ds:datastoreItem xmlns:ds="http://schemas.openxmlformats.org/officeDocument/2006/customXml" ds:itemID="{CE030D2D-A334-4C40-95AD-E97580D89B11}">
-  <ds:schemaRefs>
-    <ds:schemaRef ds:uri="http://schemas.microsoft.com/VisualStudio/2011/storyboarding/control"/>
-  </ds:schemaRefs>
-</ds:datastoreItem>
-</file>
-
-<file path=customXml/itemProps5.xml><?xml version="1.0" encoding="utf-8"?>
 <ds:datastoreItem xmlns:ds="http://schemas.openxmlformats.org/officeDocument/2006/customXml" ds:itemID="{F1AEA8A7-A694-4DB0-82AB-EF48F2E9B6F9}">
   <ds:schemaRefs>
     <ds:schemaRef ds:uri="http://schemas.microsoft.com/office/2006/metadata/properties"/>
@@ -50814,20 +52069,18 @@
 </ds:datastoreItem>
 </file>
 
+<file path=customXml/itemProps5.xml><?xml version="1.0" encoding="utf-8"?>
+<ds:datastoreItem xmlns:ds="http://schemas.openxmlformats.org/officeDocument/2006/customXml" ds:itemID="{CE030D2D-A334-4C40-95AD-E97580D89B11}">
+  <ds:schemaRefs>
+    <ds:schemaRef ds:uri="http://schemas.microsoft.com/VisualStudio/2011/storyboarding/control"/>
+  </ds:schemaRefs>
+</ds:datastoreItem>
+</file>
+
 <file path=customXml/itemProps6.xml><?xml version="1.0" encoding="utf-8"?>
-<ds:datastoreItem xmlns:ds="http://schemas.openxmlformats.org/officeDocument/2006/customXml" ds:itemID="{F79724C6-F6AC-4965-8DDA-67169DE5A52B}">
+<ds:datastoreItem xmlns:ds="http://schemas.openxmlformats.org/officeDocument/2006/customXml" ds:itemID="{B4606E04-852E-4880-8CD1-0B186F4087B1}">
   <ds:schemaRefs>
-    <ds:schemaRef ds:uri="http://schemas.microsoft.com/office/2006/metadata/contentType"/>
-    <ds:schemaRef ds:uri="http://schemas.microsoft.com/office/2006/metadata/properties/metaAttributes"/>
-    <ds:schemaRef ds:uri="http://www.w3.org/2001/XMLSchema"/>
-    <ds:schemaRef ds:uri="http://schemas.microsoft.com/office/2006/metadata/properties"/>
-    <ds:schemaRef ds:uri="5ec9502b-addf-4716-883a-9e6742fd5109"/>
-    <ds:schemaRef ds:uri="http://schemas.microsoft.com/office/2006/documentManagement/types"/>
-    <ds:schemaRef ds:uri="http://schemas.microsoft.com/office/infopath/2007/PartnerControls"/>
-    <ds:schemaRef ds:uri="http://schemas.openxmlformats.org/package/2006/metadata/core-properties"/>
-    <ds:schemaRef ds:uri="http://purl.org/dc/elements/1.1/"/>
-    <ds:schemaRef ds:uri="http://purl.org/dc/terms/"/>
-    <ds:schemaRef ds:uri="http://schemas.microsoft.com/internal/obd"/>
+    <ds:schemaRef ds:uri="http://schemas.microsoft.com/sharepoint/v3/contenttype/forms"/>
   </ds:schemaRefs>
 </ds:datastoreItem>
 </file>
--- a/PnP Transformation Process/Samples/PnP Transformation - Solution Assessment Report - Contoso.pptx
+++ b/PnP Transformation Process/Samples/PnP Transformation - Solution Assessment Report - Contoso.pptx
@@ -30,14 +30,14 @@
     <p:sldId id="1466" r:id="rId24"/>
     <p:sldId id="1467" r:id="rId25"/>
     <p:sldId id="1468" r:id="rId26"/>
-    <p:sldId id="1500" r:id="rId27"/>
-    <p:sldId id="1460" r:id="rId28"/>
-    <p:sldId id="1469" r:id="rId29"/>
-    <p:sldId id="1470" r:id="rId30"/>
-    <p:sldId id="1496" r:id="rId31"/>
-    <p:sldId id="1497" r:id="rId32"/>
-    <p:sldId id="1498" r:id="rId33"/>
-    <p:sldId id="1503" r:id="rId34"/>
+    <p:sldId id="1460" r:id="rId27"/>
+    <p:sldId id="1469" r:id="rId28"/>
+    <p:sldId id="1470" r:id="rId29"/>
+    <p:sldId id="1496" r:id="rId30"/>
+    <p:sldId id="1497" r:id="rId31"/>
+    <p:sldId id="1498" r:id="rId32"/>
+    <p:sldId id="1503" r:id="rId33"/>
+    <p:sldId id="1500" r:id="rId34"/>
     <p:sldId id="1501" r:id="rId35"/>
     <p:sldId id="1461" r:id="rId36"/>
     <p:sldId id="1459" r:id="rId37"/>
@@ -389,7 +389,7 @@
           <a:p>
             <a:fld id="{DE219B1A-AE41-483B-A766-69B9363DDA6A}" type="datetimeFigureOut">
               <a:rPr lang="en-US" smtClean="0"/>
-              <a:t>6/2/2015</a:t>
+              <a:t>6/3/2015</a:t>
             </a:fld>
             <a:endParaRPr lang="en-US"/>
           </a:p>
@@ -598,7 +598,7 @@
           <a:p>
             <a:fld id="{D51B1278-D92B-4AF3-A9C1-71DD298190CE}" type="datetimeFigureOut">
               <a:rPr lang="en-US" smtClean="0"/>
-              <a:t>6/2/2015</a:t>
+              <a:t>6/3/2015</a:t>
             </a:fld>
             <a:endParaRPr lang="en-US"/>
           </a:p>
@@ -1043,7 +1043,7 @@
                 </a:solidFill>
               </a:rPr>
               <a:pPr/>
-              <a:t>6/2/2015</a:t>
+              <a:t>6/3/2015</a:t>
             </a:fld>
             <a:endParaRPr lang="en-US" dirty="0">
               <a:solidFill>
@@ -1276,9 +1276,9 @@
           <a:bodyPr/>
           <a:lstStyle/>
           <a:p>
-            <a:fld id="{D1138656-1104-4895-916A-3F46DB26BB9D}" type="datetime1">
+            <a:fld id="{4AE8C4F7-4397-4161-9F22-0B4AD96909C7}" type="datetime1">
               <a:rPr lang="en-US" smtClean="0"/>
-              <a:t>6/2/2015</a:t>
+              <a:t>6/3/2015</a:t>
             </a:fld>
             <a:endParaRPr lang="en-US"/>
           </a:p>
@@ -1301,7 +1301,7 @@
           <a:p>
             <a:fld id="{B4008EB6-D09E-4580-8CD6-DDB14511944F}" type="slidenum">
               <a:rPr lang="en-US" smtClean="0"/>
-              <a:t>19</a:t>
+              <a:t>20</a:t>
             </a:fld>
             <a:endParaRPr lang="en-US" dirty="0"/>
           </a:p>
@@ -1409,7 +1409,7 @@
     </p:spTree>
     <p:extLst>
       <p:ext uri="{BB962C8B-B14F-4D97-AF65-F5344CB8AC3E}">
-        <p14:creationId xmlns:p14="http://schemas.microsoft.com/office/powerpoint/2010/main" val="2087666507"/>
+        <p14:creationId xmlns:p14="http://schemas.microsoft.com/office/powerpoint/2010/main" val="182120952"/>
       </p:ext>
     </p:extLst>
   </p:cSld>
@@ -1484,7 +1484,7 @@
           <a:p>
             <a:fld id="{4AE8C4F7-4397-4161-9F22-0B4AD96909C7}" type="datetime1">
               <a:rPr lang="en-US" smtClean="0"/>
-              <a:t>6/2/2015</a:t>
+              <a:t>6/3/2015</a:t>
             </a:fld>
             <a:endParaRPr lang="en-US"/>
           </a:p>
@@ -1615,7 +1615,7 @@
     </p:spTree>
     <p:extLst>
       <p:ext uri="{BB962C8B-B14F-4D97-AF65-F5344CB8AC3E}">
-        <p14:creationId xmlns:p14="http://schemas.microsoft.com/office/powerpoint/2010/main" val="182120952"/>
+        <p14:creationId xmlns:p14="http://schemas.microsoft.com/office/powerpoint/2010/main" val="2114422433"/>
       </p:ext>
     </p:extLst>
   </p:cSld>
@@ -1690,7 +1690,7 @@
           <a:p>
             <a:fld id="{4AE8C4F7-4397-4161-9F22-0B4AD96909C7}" type="datetime1">
               <a:rPr lang="en-US" smtClean="0"/>
-              <a:t>6/2/2015</a:t>
+              <a:t>6/3/2015</a:t>
             </a:fld>
             <a:endParaRPr lang="en-US"/>
           </a:p>
@@ -1713,7 +1713,7 @@
           <a:p>
             <a:fld id="{B4008EB6-D09E-4580-8CD6-DDB14511944F}" type="slidenum">
               <a:rPr lang="en-US" smtClean="0"/>
-              <a:t>22</a:t>
+              <a:t>23</a:t>
             </a:fld>
             <a:endParaRPr lang="en-US" dirty="0"/>
           </a:p>
@@ -1821,7 +1821,7 @@
     </p:spTree>
     <p:extLst>
       <p:ext uri="{BB962C8B-B14F-4D97-AF65-F5344CB8AC3E}">
-        <p14:creationId xmlns:p14="http://schemas.microsoft.com/office/powerpoint/2010/main" val="2114422433"/>
+        <p14:creationId xmlns:p14="http://schemas.microsoft.com/office/powerpoint/2010/main" val="1185253499"/>
       </p:ext>
     </p:extLst>
   </p:cSld>
@@ -1875,6 +1875,10 @@
           <a:bodyPr/>
           <a:lstStyle/>
           <a:p>
+            <a:r>
+              <a:rPr lang="en-NZ" dirty="0" smtClean="0"/>
+              <a:t>IMP: Information Management Policy</a:t>
+            </a:r>
             <a:endParaRPr lang="en-NZ" dirty="0"/>
           </a:p>
         </p:txBody>
@@ -1894,9 +1898,9 @@
           <a:bodyPr/>
           <a:lstStyle/>
           <a:p>
-            <a:fld id="{4AE8C4F7-4397-4161-9F22-0B4AD96909C7}" type="datetime1">
+            <a:fld id="{A7F9AB31-AA49-4548-9DAE-99E46893F7A3}" type="datetime1">
               <a:rPr lang="en-US" smtClean="0"/>
-              <a:t>6/2/2015</a:t>
+              <a:t>6/3/2015</a:t>
             </a:fld>
             <a:endParaRPr lang="en-US"/>
           </a:p>
@@ -2027,7 +2031,7 @@
     </p:spTree>
     <p:extLst>
       <p:ext uri="{BB962C8B-B14F-4D97-AF65-F5344CB8AC3E}">
-        <p14:creationId xmlns:p14="http://schemas.microsoft.com/office/powerpoint/2010/main" val="1185253499"/>
+        <p14:creationId xmlns:p14="http://schemas.microsoft.com/office/powerpoint/2010/main" val="893809911"/>
       </p:ext>
     </p:extLst>
   </p:cSld>
@@ -2130,7 +2134,7 @@
           <a:p>
             <a:fld id="{D1138656-1104-4895-916A-3F46DB26BB9D}" type="datetime1">
               <a:rPr lang="en-US" smtClean="0"/>
-              <a:t>6/2/2015</a:t>
+              <a:t>6/3/2015</a:t>
             </a:fld>
             <a:endParaRPr lang="en-US"/>
           </a:p>
@@ -2153,7 +2157,7 @@
           <a:p>
             <a:fld id="{B4008EB6-D09E-4580-8CD6-DDB14511944F}" type="slidenum">
               <a:rPr lang="en-US" smtClean="0"/>
-              <a:t>26</a:t>
+              <a:t>25</a:t>
             </a:fld>
             <a:endParaRPr lang="en-US" dirty="0"/>
           </a:p>
@@ -2336,7 +2340,7 @@
           <a:p>
             <a:fld id="{D1138656-1104-4895-916A-3F46DB26BB9D}" type="datetime1">
               <a:rPr lang="en-US" smtClean="0"/>
-              <a:t>6/2/2015</a:t>
+              <a:t>6/3/2015</a:t>
             </a:fld>
             <a:endParaRPr lang="en-US"/>
           </a:p>
@@ -2359,7 +2363,7 @@
           <a:p>
             <a:fld id="{B4008EB6-D09E-4580-8CD6-DDB14511944F}" type="slidenum">
               <a:rPr lang="en-US" smtClean="0"/>
-              <a:t>27</a:t>
+              <a:t>26</a:t>
             </a:fld>
             <a:endParaRPr lang="en-US" dirty="0"/>
           </a:p>
@@ -2467,7 +2471,7 @@
     </p:spTree>
     <p:extLst>
       <p:ext uri="{BB962C8B-B14F-4D97-AF65-F5344CB8AC3E}">
-        <p14:creationId xmlns:p14="http://schemas.microsoft.com/office/powerpoint/2010/main" val="2316888093"/>
+        <p14:creationId xmlns:p14="http://schemas.microsoft.com/office/powerpoint/2010/main" val="2087666507"/>
       </p:ext>
     </p:extLst>
   </p:cSld>
@@ -2540,9 +2544,9 @@
           <a:bodyPr/>
           <a:lstStyle/>
           <a:p>
-            <a:fld id="{AA3AF75D-25C3-42E7-9971-69168E23937F}" type="datetime1">
+            <a:fld id="{D1138656-1104-4895-916A-3F46DB26BB9D}" type="datetime1">
               <a:rPr lang="en-US" smtClean="0"/>
-              <a:t>6/2/2015</a:t>
+              <a:t>6/3/2015</a:t>
             </a:fld>
             <a:endParaRPr lang="en-US"/>
           </a:p>
@@ -2565,7 +2569,7 @@
           <a:p>
             <a:fld id="{B4008EB6-D09E-4580-8CD6-DDB14511944F}" type="slidenum">
               <a:rPr lang="en-US" smtClean="0"/>
-              <a:t>28</a:t>
+              <a:t>27</a:t>
             </a:fld>
             <a:endParaRPr lang="en-US" dirty="0"/>
           </a:p>
@@ -2673,7 +2677,7 @@
     </p:spTree>
     <p:extLst>
       <p:ext uri="{BB962C8B-B14F-4D97-AF65-F5344CB8AC3E}">
-        <p14:creationId xmlns:p14="http://schemas.microsoft.com/office/powerpoint/2010/main" val="1502876893"/>
+        <p14:creationId xmlns:p14="http://schemas.microsoft.com/office/powerpoint/2010/main" val="2316888093"/>
       </p:ext>
     </p:extLst>
   </p:cSld>
@@ -2746,9 +2750,9 @@
           <a:bodyPr/>
           <a:lstStyle/>
           <a:p>
-            <a:fld id="{BE6AF0E1-8DCE-4BBE-B246-BFB736357904}" type="datetime1">
+            <a:fld id="{AA3AF75D-25C3-42E7-9971-69168E23937F}" type="datetime1">
               <a:rPr lang="en-US" smtClean="0"/>
-              <a:t>6/2/2015</a:t>
+              <a:t>6/3/2015</a:t>
             </a:fld>
             <a:endParaRPr lang="en-US"/>
           </a:p>
@@ -2771,7 +2775,7 @@
           <a:p>
             <a:fld id="{B4008EB6-D09E-4580-8CD6-DDB14511944F}" type="slidenum">
               <a:rPr lang="en-US" smtClean="0"/>
-              <a:t>29</a:t>
+              <a:t>28</a:t>
             </a:fld>
             <a:endParaRPr lang="en-US" dirty="0"/>
           </a:p>
@@ -2879,7 +2883,7 @@
     </p:spTree>
     <p:extLst>
       <p:ext uri="{BB962C8B-B14F-4D97-AF65-F5344CB8AC3E}">
-        <p14:creationId xmlns:p14="http://schemas.microsoft.com/office/powerpoint/2010/main" val="4052077378"/>
+        <p14:creationId xmlns:p14="http://schemas.microsoft.com/office/powerpoint/2010/main" val="1502876893"/>
       </p:ext>
     </p:extLst>
   </p:cSld>
@@ -2952,9 +2956,9 @@
           <a:bodyPr/>
           <a:lstStyle/>
           <a:p>
-            <a:fld id="{AA3AF75D-25C3-42E7-9971-69168E23937F}" type="datetime1">
+            <a:fld id="{BE6AF0E1-8DCE-4BBE-B246-BFB736357904}" type="datetime1">
               <a:rPr lang="en-US" smtClean="0"/>
-              <a:t>6/2/2015</a:t>
+              <a:t>6/3/2015</a:t>
             </a:fld>
             <a:endParaRPr lang="en-US"/>
           </a:p>
@@ -2977,7 +2981,7 @@
           <a:p>
             <a:fld id="{B4008EB6-D09E-4580-8CD6-DDB14511944F}" type="slidenum">
               <a:rPr lang="en-US" smtClean="0"/>
-              <a:t>30</a:t>
+              <a:t>29</a:t>
             </a:fld>
             <a:endParaRPr lang="en-US" dirty="0"/>
           </a:p>
@@ -3085,7 +3089,7 @@
     </p:spTree>
     <p:extLst>
       <p:ext uri="{BB962C8B-B14F-4D97-AF65-F5344CB8AC3E}">
-        <p14:creationId xmlns:p14="http://schemas.microsoft.com/office/powerpoint/2010/main" val="3226384395"/>
+        <p14:creationId xmlns:p14="http://schemas.microsoft.com/office/powerpoint/2010/main" val="4052077378"/>
       </p:ext>
     </p:extLst>
   </p:cSld>
@@ -3139,10 +3143,6 @@
           <a:bodyPr/>
           <a:lstStyle/>
           <a:p>
-            <a:r>
-              <a:rPr lang="en-NZ" dirty="0" smtClean="0"/>
-              <a:t>CDN – Content Delivery Network</a:t>
-            </a:r>
             <a:endParaRPr lang="en-NZ" dirty="0"/>
           </a:p>
         </p:txBody>
@@ -3162,9 +3162,9 @@
           <a:bodyPr/>
           <a:lstStyle/>
           <a:p>
-            <a:fld id="{309E6654-814A-4856-A67A-9683B5A2AE45}" type="datetime1">
+            <a:fld id="{AA3AF75D-25C3-42E7-9971-69168E23937F}" type="datetime1">
               <a:rPr lang="en-US" smtClean="0"/>
-              <a:t>6/2/2015</a:t>
+              <a:t>6/3/2015</a:t>
             </a:fld>
             <a:endParaRPr lang="en-US"/>
           </a:p>
@@ -3187,7 +3187,7 @@
           <a:p>
             <a:fld id="{B4008EB6-D09E-4580-8CD6-DDB14511944F}" type="slidenum">
               <a:rPr lang="en-US" smtClean="0"/>
-              <a:t>36</a:t>
+              <a:t>30</a:t>
             </a:fld>
             <a:endParaRPr lang="en-US" dirty="0"/>
           </a:p>
@@ -3295,7 +3295,7 @@
     </p:spTree>
     <p:extLst>
       <p:ext uri="{BB962C8B-B14F-4D97-AF65-F5344CB8AC3E}">
-        <p14:creationId xmlns:p14="http://schemas.microsoft.com/office/powerpoint/2010/main" val="2545386351"/>
+        <p14:creationId xmlns:p14="http://schemas.microsoft.com/office/powerpoint/2010/main" val="3226384395"/>
       </p:ext>
     </p:extLst>
   </p:cSld>
@@ -3456,6 +3456,10 @@
           <a:bodyPr/>
           <a:lstStyle/>
           <a:p>
+            <a:r>
+              <a:rPr lang="en-NZ" dirty="0" smtClean="0"/>
+              <a:t>CDN – Content Delivery Network</a:t>
+            </a:r>
             <a:endParaRPr lang="en-NZ" dirty="0"/>
           </a:p>
         </p:txBody>
@@ -3475,9 +3479,9 @@
           <a:bodyPr/>
           <a:lstStyle/>
           <a:p>
-            <a:fld id="{B8A7FB5A-0EC6-493F-BBA2-9886F4EE2DA7}" type="datetime1">
+            <a:fld id="{309E6654-814A-4856-A67A-9683B5A2AE45}" type="datetime1">
               <a:rPr lang="en-US" smtClean="0"/>
-              <a:t>6/2/2015</a:t>
+              <a:t>6/3/2015</a:t>
             </a:fld>
             <a:endParaRPr lang="en-US"/>
           </a:p>
@@ -3500,7 +3504,7 @@
           <a:p>
             <a:fld id="{B4008EB6-D09E-4580-8CD6-DDB14511944F}" type="slidenum">
               <a:rPr lang="en-US" smtClean="0"/>
-              <a:t>40</a:t>
+              <a:t>36</a:t>
             </a:fld>
             <a:endParaRPr lang="en-US" dirty="0"/>
           </a:p>
@@ -3608,7 +3612,7 @@
     </p:spTree>
     <p:extLst>
       <p:ext uri="{BB962C8B-B14F-4D97-AF65-F5344CB8AC3E}">
-        <p14:creationId xmlns:p14="http://schemas.microsoft.com/office/powerpoint/2010/main" val="1440496008"/>
+        <p14:creationId xmlns:p14="http://schemas.microsoft.com/office/powerpoint/2010/main" val="2545386351"/>
       </p:ext>
     </p:extLst>
   </p:cSld>
@@ -3662,10 +3666,6 @@
           <a:bodyPr/>
           <a:lstStyle/>
           <a:p>
-            <a:r>
-              <a:rPr lang="en-NZ" dirty="0" smtClean="0"/>
-              <a:t>FTC: Full Trust Code</a:t>
-            </a:r>
             <a:endParaRPr lang="en-NZ" dirty="0"/>
           </a:p>
         </p:txBody>
@@ -3685,9 +3685,9 @@
           <a:bodyPr/>
           <a:lstStyle/>
           <a:p>
-            <a:fld id="{CE1B21AF-5CDF-4A97-B0F4-5C0D3A9A2110}" type="datetime1">
+            <a:fld id="{B8A7FB5A-0EC6-493F-BBA2-9886F4EE2DA7}" type="datetime1">
               <a:rPr lang="en-US" smtClean="0"/>
-              <a:t>6/2/2015</a:t>
+              <a:t>6/3/2015</a:t>
             </a:fld>
             <a:endParaRPr lang="en-US"/>
           </a:p>
@@ -3710,7 +3710,7 @@
           <a:p>
             <a:fld id="{B4008EB6-D09E-4580-8CD6-DDB14511944F}" type="slidenum">
               <a:rPr lang="en-US" smtClean="0"/>
-              <a:t>44</a:t>
+              <a:t>40</a:t>
             </a:fld>
             <a:endParaRPr lang="en-US" dirty="0"/>
           </a:p>
@@ -3818,7 +3818,7 @@
     </p:spTree>
     <p:extLst>
       <p:ext uri="{BB962C8B-B14F-4D97-AF65-F5344CB8AC3E}">
-        <p14:creationId xmlns:p14="http://schemas.microsoft.com/office/powerpoint/2010/main" val="1574737983"/>
+        <p14:creationId xmlns:p14="http://schemas.microsoft.com/office/powerpoint/2010/main" val="1440496008"/>
       </p:ext>
     </p:extLst>
   </p:cSld>
@@ -3872,60 +3872,163 @@
           <a:bodyPr/>
           <a:lstStyle/>
           <a:p>
-            <a:endParaRPr lang="en-US" baseline="0" dirty="0" smtClean="0"/>
-          </a:p>
-          <a:p>
-            <a:r>
-              <a:rPr lang="en-US" baseline="0" dirty="0" smtClean="0"/>
+            <a:r>
+              <a:rPr lang="en-NZ" dirty="0" smtClean="0"/>
               <a:t>FTC: Full Trust Code</a:t>
             </a:r>
-          </a:p>
-          <a:p>
-            <a:r>
-              <a:rPr lang="en-US" baseline="0" dirty="0" smtClean="0"/>
-              <a:t>SOW: Statement of Work</a:t>
-            </a:r>
-          </a:p>
-          <a:p>
-            <a:endParaRPr lang="en-US" baseline="0" dirty="0" smtClean="0"/>
+            <a:endParaRPr lang="en-NZ" dirty="0"/>
           </a:p>
         </p:txBody>
       </p:sp>
       <p:sp>
         <p:nvSpPr>
-          <p:cNvPr id="4" name="Slide Number Placeholder 3"/>
+          <p:cNvPr id="4" name="Date Placeholder 3"/>
           <p:cNvSpPr>
             <a:spLocks noGrp="1"/>
           </p:cNvSpPr>
           <p:nvPr>
-            <p:ph type="sldNum" sz="quarter" idx="10"/>
+            <p:ph type="dt" idx="10"/>
           </p:nvPr>
         </p:nvSpPr>
-        <p:spPr>
-          <a:xfrm>
-            <a:off x="6051570" y="8842030"/>
-            <a:ext cx="969904" cy="465455"/>
-          </a:xfrm>
-          <a:prstGeom prst="rect">
-            <a:avLst/>
-          </a:prstGeom>
-        </p:spPr>
+        <p:spPr/>
         <p:txBody>
           <a:bodyPr/>
           <a:lstStyle/>
           <a:p>
-            <a:fld id="{69A3D4EF-FC77-4542-8C22-63DD037305B0}" type="slidenum">
+            <a:fld id="{CE1B21AF-5CDF-4A97-B0F4-5C0D3A9A2110}" type="datetime1">
               <a:rPr lang="en-US" smtClean="0"/>
-              <a:t>52</a:t>
+              <a:t>6/3/2015</a:t>
+            </a:fld>
+            <a:endParaRPr lang="en-US"/>
+          </a:p>
+        </p:txBody>
+      </p:sp>
+      <p:sp>
+        <p:nvSpPr>
+          <p:cNvPr id="5" name="Slide Number Placeholder 4"/>
+          <p:cNvSpPr>
+            <a:spLocks noGrp="1"/>
+          </p:cNvSpPr>
+          <p:nvPr>
+            <p:ph type="sldNum" sz="quarter" idx="11"/>
+          </p:nvPr>
+        </p:nvSpPr>
+        <p:spPr/>
+        <p:txBody>
+          <a:bodyPr/>
+          <a:lstStyle/>
+          <a:p>
+            <a:fld id="{B4008EB6-D09E-4580-8CD6-DDB14511944F}" type="slidenum">
+              <a:rPr lang="en-US" smtClean="0"/>
+              <a:t>44</a:t>
             </a:fld>
             <a:endParaRPr lang="en-US" dirty="0"/>
+          </a:p>
+        </p:txBody>
+      </p:sp>
+      <p:sp>
+        <p:nvSpPr>
+          <p:cNvPr id="6" name="Header Placeholder 5"/>
+          <p:cNvSpPr>
+            <a:spLocks noGrp="1"/>
+          </p:cNvSpPr>
+          <p:nvPr>
+            <p:ph type="hdr" sz="quarter" idx="12"/>
+          </p:nvPr>
+        </p:nvSpPr>
+        <p:spPr/>
+        <p:txBody>
+          <a:bodyPr/>
+          <a:lstStyle/>
+          <a:p>
+            <a:r>
+              <a:rPr lang="en-US" smtClean="0"/>
+              <a:t>Microsoft Office</a:t>
+            </a:r>
+            <a:endParaRPr lang="en-US" dirty="0"/>
+          </a:p>
+        </p:txBody>
+      </p:sp>
+      <p:sp>
+        <p:nvSpPr>
+          <p:cNvPr id="7" name="Footer Placeholder 6"/>
+          <p:cNvSpPr>
+            <a:spLocks noGrp="1"/>
+          </p:cNvSpPr>
+          <p:nvPr>
+            <p:ph type="ftr" sz="quarter" idx="13"/>
+          </p:nvPr>
+        </p:nvSpPr>
+        <p:spPr/>
+        <p:txBody>
+          <a:bodyPr/>
+          <a:lstStyle/>
+          <a:p>
+            <a:pPr marL="238375" defTabSz="940130" eaLnBrk="0" hangingPunct="0"/>
+            <a:r>
+              <a:rPr lang="en-US" sz="500" smtClean="0">
+                <a:gradFill>
+                  <a:gsLst>
+                    <a:gs pos="0">
+                      <a:schemeClr val="tx1"/>
+                    </a:gs>
+                    <a:gs pos="100000">
+                      <a:schemeClr val="tx1"/>
+                    </a:gs>
+                  </a:gsLst>
+                  <a:lin ang="5400000" scaled="0"/>
+                </a:gradFill>
+                <a:latin typeface="Segoe UI" pitchFamily="34" charset="0"/>
+                <a:ea typeface="Segoe UI" pitchFamily="34" charset="0"/>
+                <a:cs typeface="Segoe UI" pitchFamily="34" charset="0"/>
+              </a:rPr>
+              <a:t>© 2012 Microsoft Corporation. All rights reserved. Microsoft, Windows, and other product names are or may be registered trademarks and/or trademarks in the U.S. and/or other countries.</a:t>
+            </a:r>
+          </a:p>
+          <a:p>
+            <a:pPr marL="238375" defTabSz="940130" eaLnBrk="0" hangingPunct="0"/>
+            <a:r>
+              <a:rPr lang="en-US" sz="500" smtClean="0">
+                <a:gradFill>
+                  <a:gsLst>
+                    <a:gs pos="0">
+                      <a:schemeClr val="tx1"/>
+                    </a:gs>
+                    <a:gs pos="100000">
+                      <a:schemeClr val="tx1"/>
+                    </a:gs>
+                  </a:gsLst>
+                  <a:lin ang="5400000" scaled="0"/>
+                </a:gradFill>
+                <a:latin typeface="Segoe UI" pitchFamily="34" charset="0"/>
+                <a:ea typeface="Segoe UI" pitchFamily="34" charset="0"/>
+                <a:cs typeface="Segoe UI" pitchFamily="34" charset="0"/>
+              </a:rPr>
+              <a:t>The information herein is for informational purposes only and represents the current view of Microsoft Corporation as of the date of this presentation.  Because Microsoft must respond to changing market conditions, it should not be interpreted to be a commitment on the part of Microsoft, and Microsoft cannot guarantee the accuracy of any information provided after the date of this presentation.  MICROSOFT MAKES NO WARRANTIES, EXPRESS, IMPLIED OR STATUTORY, AS TO THE INFORMATION IN THIS PRESENTATION.</a:t>
+            </a:r>
+            <a:endParaRPr lang="en-US" sz="500" dirty="0">
+              <a:gradFill>
+                <a:gsLst>
+                  <a:gs pos="0">
+                    <a:schemeClr val="tx1"/>
+                  </a:gs>
+                  <a:gs pos="100000">
+                    <a:schemeClr val="tx1"/>
+                  </a:gs>
+                </a:gsLst>
+                <a:lin ang="5400000" scaled="0"/>
+              </a:gradFill>
+              <a:latin typeface="Segoe UI" pitchFamily="34" charset="0"/>
+              <a:ea typeface="Segoe UI" pitchFamily="34" charset="0"/>
+              <a:cs typeface="Segoe UI" pitchFamily="34" charset="0"/>
+            </a:endParaRPr>
           </a:p>
         </p:txBody>
       </p:sp>
     </p:spTree>
     <p:extLst>
       <p:ext uri="{BB962C8B-B14F-4D97-AF65-F5344CB8AC3E}">
-        <p14:creationId xmlns:p14="http://schemas.microsoft.com/office/powerpoint/2010/main" val="2899938266"/>
+        <p14:creationId xmlns:p14="http://schemas.microsoft.com/office/powerpoint/2010/main" val="1574737983"/>
       </p:ext>
     </p:extLst>
   </p:cSld>
@@ -3979,6 +4082,113 @@
           <a:bodyPr/>
           <a:lstStyle/>
           <a:p>
+            <a:endParaRPr lang="en-US" baseline="0" dirty="0" smtClean="0"/>
+          </a:p>
+          <a:p>
+            <a:r>
+              <a:rPr lang="en-US" baseline="0" dirty="0" smtClean="0"/>
+              <a:t>FTC: Full Trust Code</a:t>
+            </a:r>
+          </a:p>
+          <a:p>
+            <a:r>
+              <a:rPr lang="en-US" baseline="0" dirty="0" smtClean="0"/>
+              <a:t>SOW: Statement of Work</a:t>
+            </a:r>
+          </a:p>
+          <a:p>
+            <a:endParaRPr lang="en-US" baseline="0" dirty="0" smtClean="0"/>
+          </a:p>
+        </p:txBody>
+      </p:sp>
+      <p:sp>
+        <p:nvSpPr>
+          <p:cNvPr id="4" name="Slide Number Placeholder 3"/>
+          <p:cNvSpPr>
+            <a:spLocks noGrp="1"/>
+          </p:cNvSpPr>
+          <p:nvPr>
+            <p:ph type="sldNum" sz="quarter" idx="10"/>
+          </p:nvPr>
+        </p:nvSpPr>
+        <p:spPr>
+          <a:xfrm>
+            <a:off x="6051570" y="8842030"/>
+            <a:ext cx="969904" cy="465455"/>
+          </a:xfrm>
+          <a:prstGeom prst="rect">
+            <a:avLst/>
+          </a:prstGeom>
+        </p:spPr>
+        <p:txBody>
+          <a:bodyPr/>
+          <a:lstStyle/>
+          <a:p>
+            <a:fld id="{69A3D4EF-FC77-4542-8C22-63DD037305B0}" type="slidenum">
+              <a:rPr lang="en-US" smtClean="0"/>
+              <a:t>52</a:t>
+            </a:fld>
+            <a:endParaRPr lang="en-US" dirty="0"/>
+          </a:p>
+        </p:txBody>
+      </p:sp>
+    </p:spTree>
+    <p:extLst>
+      <p:ext uri="{BB962C8B-B14F-4D97-AF65-F5344CB8AC3E}">
+        <p14:creationId xmlns:p14="http://schemas.microsoft.com/office/powerpoint/2010/main" val="2899938266"/>
+      </p:ext>
+    </p:extLst>
+  </p:cSld>
+  <p:clrMapOvr>
+    <a:masterClrMapping/>
+  </p:clrMapOvr>
+</p:notes>
+</file>
+
+<file path=ppt/notesSlides/notesSlide24.xml><?xml version="1.0" encoding="utf-8"?>
+<p:notes xmlns:a="http://schemas.openxmlformats.org/drawingml/2006/main" xmlns:r="http://schemas.openxmlformats.org/officeDocument/2006/relationships" xmlns:p="http://schemas.openxmlformats.org/presentationml/2006/main">
+  <p:cSld>
+    <p:spTree>
+      <p:nvGrpSpPr>
+        <p:cNvPr id="1" name=""/>
+        <p:cNvGrpSpPr/>
+        <p:nvPr/>
+      </p:nvGrpSpPr>
+      <p:grpSpPr>
+        <a:xfrm>
+          <a:off x="0" y="0"/>
+          <a:ext cx="0" cy="0"/>
+          <a:chOff x="0" y="0"/>
+          <a:chExt cx="0" cy="0"/>
+        </a:xfrm>
+      </p:grpSpPr>
+      <p:sp>
+        <p:nvSpPr>
+          <p:cNvPr id="2" name="Slide Image Placeholder 1"/>
+          <p:cNvSpPr>
+            <a:spLocks noGrp="1" noRot="1" noChangeAspect="1"/>
+          </p:cNvSpPr>
+          <p:nvPr>
+            <p:ph type="sldImg"/>
+          </p:nvPr>
+        </p:nvSpPr>
+        <p:spPr/>
+      </p:sp>
+      <p:sp>
+        <p:nvSpPr>
+          <p:cNvPr id="3" name="Notes Placeholder 2"/>
+          <p:cNvSpPr>
+            <a:spLocks noGrp="1"/>
+          </p:cNvSpPr>
+          <p:nvPr>
+            <p:ph type="body" idx="1"/>
+          </p:nvPr>
+        </p:nvSpPr>
+        <p:spPr/>
+        <p:txBody>
+          <a:bodyPr/>
+          <a:lstStyle/>
+          <a:p>
             <a:endParaRPr lang="en-US"/>
           </a:p>
         </p:txBody>
@@ -3996,7 +4206,7 @@
 </p:notes>
 </file>
 
-<file path=ppt/notesSlides/notesSlide24.xml><?xml version="1.0" encoding="utf-8"?>
+<file path=ppt/notesSlides/notesSlide25.xml><?xml version="1.0" encoding="utf-8"?>
 <p:notes xmlns:a="http://schemas.openxmlformats.org/drawingml/2006/main" xmlns:r="http://schemas.openxmlformats.org/officeDocument/2006/relationships" xmlns:p="http://schemas.openxmlformats.org/presentationml/2006/main">
   <p:cSld>
     <p:spTree>
@@ -4145,7 +4355,7 @@
           <a:p>
             <a:fld id="{296C1CD7-3CE0-494C-9AEC-31D6728171B4}" type="datetime1">
               <a:rPr lang="en-US" smtClean="0"/>
-              <a:t>6/2/2015</a:t>
+              <a:t>6/3/2015</a:t>
             </a:fld>
             <a:endParaRPr lang="en-US"/>
           </a:p>
@@ -4479,7 +4689,7 @@
           <a:p>
             <a:fld id="{374D8680-9FDE-45BD-89DC-85FB6DA54DDA}" type="datetime1">
               <a:rPr lang="en-US" smtClean="0"/>
-              <a:t>6/2/2015</a:t>
+              <a:t>6/3/2015</a:t>
             </a:fld>
             <a:endParaRPr lang="en-US"/>
           </a:p>
@@ -4713,7 +4923,7 @@
           <a:p>
             <a:fld id="{E52A3622-CF2A-4CD0-83D5-292746669CDE}" type="datetime1">
               <a:rPr lang="en-US" smtClean="0"/>
-              <a:t>6/2/2015</a:t>
+              <a:t>6/3/2015</a:t>
             </a:fld>
             <a:endParaRPr lang="en-US" dirty="0"/>
           </a:p>
@@ -4919,7 +5129,7 @@
           <a:p>
             <a:fld id="{68473890-5369-4E69-B44C-90DD4CAB69AD}" type="datetime1">
               <a:rPr lang="en-US" smtClean="0"/>
-              <a:t>6/2/2015</a:t>
+              <a:t>6/3/2015</a:t>
             </a:fld>
             <a:endParaRPr lang="en-US"/>
           </a:p>
@@ -5169,7 +5379,7 @@
           <a:p>
             <a:fld id="{152427C8-1870-4D04-BF1C-4B85DC18AB6D}" type="datetime1">
               <a:rPr lang="en-US" smtClean="0"/>
-              <a:t>6/2/2015</a:t>
+              <a:t>6/3/2015</a:t>
             </a:fld>
             <a:endParaRPr lang="en-US"/>
           </a:p>
@@ -5383,7 +5593,7 @@
           <a:p>
             <a:fld id="{610543A5-0CF9-4E2E-A715-69AA16194555}" type="datetime1">
               <a:rPr lang="en-US" smtClean="0"/>
-              <a:t>6/2/2015</a:t>
+              <a:t>6/3/2015</a:t>
             </a:fld>
             <a:endParaRPr lang="en-US"/>
           </a:p>
@@ -5570,11 +5780,27 @@
           <a:p>
             <a:r>
               <a:rPr lang="en-NZ" dirty="0" smtClean="0"/>
-              <a:t>Migration helper solution cannot be transformed. Contoso needs to evaluate</a:t>
+              <a:t>Migration helper solution cannot be </a:t>
+            </a:r>
+            <a:r>
+              <a:rPr lang="en-NZ" dirty="0" smtClean="0"/>
+              <a:t>transformed since it requires installation on SharePoint farm. </a:t>
+            </a:r>
+            <a:r>
+              <a:rPr lang="en-NZ" dirty="0" smtClean="0"/>
+              <a:t>Contoso needs to evaluate</a:t>
             </a:r>
             <a:r>
               <a:rPr lang="en-NZ" baseline="0" dirty="0" smtClean="0"/>
-              <a:t> other third party offerings that make use of SharePoint web service to migrate data.</a:t>
+              <a:t> other third party offerings that </a:t>
+            </a:r>
+            <a:r>
+              <a:rPr lang="en-NZ" baseline="0" dirty="0" smtClean="0"/>
+              <a:t>can be installed on a client machine and make </a:t>
+            </a:r>
+            <a:r>
+              <a:rPr lang="en-NZ" baseline="0" dirty="0" smtClean="0"/>
+              <a:t>use of SharePoint web service to migrate data.</a:t>
             </a:r>
             <a:endParaRPr lang="en-NZ" dirty="0"/>
           </a:p>
@@ -5597,7 +5823,7 @@
           <a:p>
             <a:fld id="{719B440B-D65B-4D2A-9030-577938CDA5B7}" type="datetime1">
               <a:rPr lang="en-US" smtClean="0"/>
-              <a:t>6/2/2015</a:t>
+              <a:t>6/3/2015</a:t>
             </a:fld>
             <a:endParaRPr lang="en-US"/>
           </a:p>
@@ -17587,7 +17813,15 @@
             <a:pPr lvl="3"/>
             <a:r>
               <a:rPr lang="en-US" sz="2400" dirty="0"/>
-              <a:t>Almost 2000 site collections (counting active, inactive and locked) </a:t>
+              <a:t>Almost </a:t>
+            </a:r>
+            <a:r>
+              <a:rPr lang="en-US" sz="2400" dirty="0" smtClean="0"/>
+              <a:t>200 </a:t>
+            </a:r>
+            <a:r>
+              <a:rPr lang="en-US" sz="2400" dirty="0"/>
+              <a:t>site collections (counting active, inactive and locked) </a:t>
             </a:r>
           </a:p>
           <a:p>
@@ -19458,28 +19692,28 @@
                 <a:gridCol w="5965345">
                   <a:extLst>
                     <a:ext uri="{9D8B030D-6E8A-4147-A177-3AD203B41FA5}">
-                      <a16:colId xmlns="" xmlns:a16="http://schemas.microsoft.com/office/drawing/2014/main" val="20000"/>
+                      <a16:colId xmlns:a16="http://schemas.microsoft.com/office/drawing/2014/main" xmlns="" val="20000"/>
                     </a:ext>
                   </a:extLst>
                 </a:gridCol>
                 <a:gridCol w="568903">
                   <a:extLst>
                     <a:ext uri="{9D8B030D-6E8A-4147-A177-3AD203B41FA5}">
-                      <a16:colId xmlns="" xmlns:a16="http://schemas.microsoft.com/office/drawing/2014/main" val="20001"/>
+                      <a16:colId xmlns:a16="http://schemas.microsoft.com/office/drawing/2014/main" xmlns="" val="20001"/>
                     </a:ext>
                   </a:extLst>
                 </a:gridCol>
                 <a:gridCol w="520140">
                   <a:extLst>
                     <a:ext uri="{9D8B030D-6E8A-4147-A177-3AD203B41FA5}">
-                      <a16:colId xmlns="" xmlns:a16="http://schemas.microsoft.com/office/drawing/2014/main" val="20002"/>
+                      <a16:colId xmlns:a16="http://schemas.microsoft.com/office/drawing/2014/main" xmlns="" val="20002"/>
                     </a:ext>
                   </a:extLst>
                 </a:gridCol>
                 <a:gridCol w="520140">
                   <a:extLst>
                     <a:ext uri="{9D8B030D-6E8A-4147-A177-3AD203B41FA5}">
-                      <a16:colId xmlns="" xmlns:a16="http://schemas.microsoft.com/office/drawing/2014/main" val="2588272693"/>
+                      <a16:colId xmlns:a16="http://schemas.microsoft.com/office/drawing/2014/main" xmlns="" val="2588272693"/>
                     </a:ext>
                   </a:extLst>
                 </a:gridCol>
@@ -19585,7 +19819,7 @@
                 </a:tc>
                 <a:extLst>
                   <a:ext uri="{0D108BD9-81ED-4DB2-BD59-A6C34878D82A}">
-                    <a16:rowId xmlns="" xmlns:a16="http://schemas.microsoft.com/office/drawing/2014/main" val="10000"/>
+                    <a16:rowId xmlns:a16="http://schemas.microsoft.com/office/drawing/2014/main" xmlns="" val="10000"/>
                   </a:ext>
                 </a:extLst>
               </a:tr>
@@ -19702,7 +19936,7 @@
                 </a:tc>
                 <a:extLst>
                   <a:ext uri="{0D108BD9-81ED-4DB2-BD59-A6C34878D82A}">
-                    <a16:rowId xmlns="" xmlns:a16="http://schemas.microsoft.com/office/drawing/2014/main" val="10001"/>
+                    <a16:rowId xmlns:a16="http://schemas.microsoft.com/office/drawing/2014/main" xmlns="" val="10001"/>
                   </a:ext>
                 </a:extLst>
               </a:tr>
@@ -19824,7 +20058,7 @@
                 </a:tc>
                 <a:extLst>
                   <a:ext uri="{0D108BD9-81ED-4DB2-BD59-A6C34878D82A}">
-                    <a16:rowId xmlns="" xmlns:a16="http://schemas.microsoft.com/office/drawing/2014/main" val="10002"/>
+                    <a16:rowId xmlns:a16="http://schemas.microsoft.com/office/drawing/2014/main" xmlns="" val="10002"/>
                   </a:ext>
                 </a:extLst>
               </a:tr>
@@ -19946,7 +20180,7 @@
                 </a:tc>
                 <a:extLst>
                   <a:ext uri="{0D108BD9-81ED-4DB2-BD59-A6C34878D82A}">
-                    <a16:rowId xmlns="" xmlns:a16="http://schemas.microsoft.com/office/drawing/2014/main" val="10003"/>
+                    <a16:rowId xmlns:a16="http://schemas.microsoft.com/office/drawing/2014/main" xmlns="" val="10003"/>
                   </a:ext>
                 </a:extLst>
               </a:tr>
@@ -20068,7 +20302,7 @@
                 </a:tc>
                 <a:extLst>
                   <a:ext uri="{0D108BD9-81ED-4DB2-BD59-A6C34878D82A}">
-                    <a16:rowId xmlns="" xmlns:a16="http://schemas.microsoft.com/office/drawing/2014/main" val="10004"/>
+                    <a16:rowId xmlns:a16="http://schemas.microsoft.com/office/drawing/2014/main" xmlns="" val="10004"/>
                   </a:ext>
                 </a:extLst>
               </a:tr>
@@ -20190,7 +20424,7 @@
                 </a:tc>
                 <a:extLst>
                   <a:ext uri="{0D108BD9-81ED-4DB2-BD59-A6C34878D82A}">
-                    <a16:rowId xmlns="" xmlns:a16="http://schemas.microsoft.com/office/drawing/2014/main" val="10005"/>
+                    <a16:rowId xmlns:a16="http://schemas.microsoft.com/office/drawing/2014/main" xmlns="" val="10005"/>
                   </a:ext>
                 </a:extLst>
               </a:tr>
@@ -20312,7 +20546,7 @@
                 </a:tc>
                 <a:extLst>
                   <a:ext uri="{0D108BD9-81ED-4DB2-BD59-A6C34878D82A}">
-                    <a16:rowId xmlns="" xmlns:a16="http://schemas.microsoft.com/office/drawing/2014/main" val="10006"/>
+                    <a16:rowId xmlns:a16="http://schemas.microsoft.com/office/drawing/2014/main" xmlns="" val="10006"/>
                   </a:ext>
                 </a:extLst>
               </a:tr>
@@ -21363,6 +21597,154 @@
           </a:prstGeom>
         </p:spPr>
       </p:pic>
+      <p:sp>
+        <p:nvSpPr>
+          <p:cNvPr id="43" name="TextBox 4"/>
+          <p:cNvSpPr txBox="1"/>
+          <p:nvPr/>
+        </p:nvSpPr>
+        <p:spPr>
+          <a:xfrm>
+            <a:off x="1438899" y="4645186"/>
+            <a:ext cx="7674730" cy="369332"/>
+          </a:xfrm>
+          <a:prstGeom prst="rect">
+            <a:avLst/>
+          </a:prstGeom>
+          <a:noFill/>
+        </p:spPr>
+        <p:txBody>
+          <a:bodyPr wrap="none" lIns="0" tIns="0" rIns="0" bIns="0" rtlCol="0">
+            <a:spAutoFit/>
+          </a:bodyPr>
+          <a:lstStyle>
+            <a:defPPr>
+              <a:defRPr lang="en-US"/>
+            </a:defPPr>
+            <a:lvl1pPr marL="0" algn="l" defTabSz="914363" rtl="0" eaLnBrk="1" latinLnBrk="0" hangingPunct="1">
+              <a:defRPr sz="1800" kern="1200">
+                <a:solidFill>
+                  <a:schemeClr val="tx1"/>
+                </a:solidFill>
+                <a:latin typeface="+mn-lt"/>
+                <a:ea typeface="+mn-ea"/>
+                <a:cs typeface="+mn-cs"/>
+              </a:defRPr>
+            </a:lvl1pPr>
+            <a:lvl2pPr marL="457182" algn="l" defTabSz="914363" rtl="0" eaLnBrk="1" latinLnBrk="0" hangingPunct="1">
+              <a:defRPr sz="1800" kern="1200">
+                <a:solidFill>
+                  <a:schemeClr val="tx1"/>
+                </a:solidFill>
+                <a:latin typeface="+mn-lt"/>
+                <a:ea typeface="+mn-ea"/>
+                <a:cs typeface="+mn-cs"/>
+              </a:defRPr>
+            </a:lvl2pPr>
+            <a:lvl3pPr marL="914363" algn="l" defTabSz="914363" rtl="0" eaLnBrk="1" latinLnBrk="0" hangingPunct="1">
+              <a:defRPr sz="1800" kern="1200">
+                <a:solidFill>
+                  <a:schemeClr val="tx1"/>
+                </a:solidFill>
+                <a:latin typeface="+mn-lt"/>
+                <a:ea typeface="+mn-ea"/>
+                <a:cs typeface="+mn-cs"/>
+              </a:defRPr>
+            </a:lvl3pPr>
+            <a:lvl4pPr marL="1371545" algn="l" defTabSz="914363" rtl="0" eaLnBrk="1" latinLnBrk="0" hangingPunct="1">
+              <a:defRPr sz="1800" kern="1200">
+                <a:solidFill>
+                  <a:schemeClr val="tx1"/>
+                </a:solidFill>
+                <a:latin typeface="+mn-lt"/>
+                <a:ea typeface="+mn-ea"/>
+                <a:cs typeface="+mn-cs"/>
+              </a:defRPr>
+            </a:lvl4pPr>
+            <a:lvl5pPr marL="1828727" algn="l" defTabSz="914363" rtl="0" eaLnBrk="1" latinLnBrk="0" hangingPunct="1">
+              <a:defRPr sz="1800" kern="1200">
+                <a:solidFill>
+                  <a:schemeClr val="tx1"/>
+                </a:solidFill>
+                <a:latin typeface="+mn-lt"/>
+                <a:ea typeface="+mn-ea"/>
+                <a:cs typeface="+mn-cs"/>
+              </a:defRPr>
+            </a:lvl5pPr>
+            <a:lvl6pPr marL="2285909" algn="l" defTabSz="914363" rtl="0" eaLnBrk="1" latinLnBrk="0" hangingPunct="1">
+              <a:defRPr sz="1800" kern="1200">
+                <a:solidFill>
+                  <a:schemeClr val="tx1"/>
+                </a:solidFill>
+                <a:latin typeface="+mn-lt"/>
+                <a:ea typeface="+mn-ea"/>
+                <a:cs typeface="+mn-cs"/>
+              </a:defRPr>
+            </a:lvl6pPr>
+            <a:lvl7pPr marL="2743090" algn="l" defTabSz="914363" rtl="0" eaLnBrk="1" latinLnBrk="0" hangingPunct="1">
+              <a:defRPr sz="1800" kern="1200">
+                <a:solidFill>
+                  <a:schemeClr val="tx1"/>
+                </a:solidFill>
+                <a:latin typeface="+mn-lt"/>
+                <a:ea typeface="+mn-ea"/>
+                <a:cs typeface="+mn-cs"/>
+              </a:defRPr>
+            </a:lvl7pPr>
+            <a:lvl8pPr marL="3200272" algn="l" defTabSz="914363" rtl="0" eaLnBrk="1" latinLnBrk="0" hangingPunct="1">
+              <a:defRPr sz="1800" kern="1200">
+                <a:solidFill>
+                  <a:schemeClr val="tx1"/>
+                </a:solidFill>
+                <a:latin typeface="+mn-lt"/>
+                <a:ea typeface="+mn-ea"/>
+                <a:cs typeface="+mn-cs"/>
+              </a:defRPr>
+            </a:lvl8pPr>
+            <a:lvl9pPr marL="3657454" algn="l" defTabSz="914363" rtl="0" eaLnBrk="1" latinLnBrk="0" hangingPunct="1">
+              <a:defRPr sz="1800" kern="1200">
+                <a:solidFill>
+                  <a:schemeClr val="tx1"/>
+                </a:solidFill>
+                <a:latin typeface="+mn-lt"/>
+                <a:ea typeface="+mn-ea"/>
+                <a:cs typeface="+mn-cs"/>
+              </a:defRPr>
+            </a:lvl9pPr>
+          </a:lstStyle>
+          <a:p>
+            <a:r>
+              <a:rPr lang="en-US" sz="2400" spc="-70" dirty="0" smtClean="0">
+                <a:gradFill>
+                  <a:gsLst>
+                    <a:gs pos="2917">
+                      <a:schemeClr val="bg2"/>
+                    </a:gs>
+                    <a:gs pos="95000">
+                      <a:schemeClr val="bg2"/>
+                    </a:gs>
+                  </a:gsLst>
+                  <a:lin ang="5400000" scaled="0"/>
+                </a:gradFill>
+              </a:rPr>
+              <a:t>(*) Excludes the WSP packages that are not needed anymore</a:t>
+            </a:r>
+            <a:endParaRPr lang="nl-BE" sz="2400" spc="-70" dirty="0" smtClean="0">
+              <a:gradFill>
+                <a:gsLst>
+                  <a:gs pos="2917">
+                    <a:schemeClr val="bg2"/>
+                  </a:gs>
+                  <a:gs pos="95000">
+                    <a:schemeClr val="bg2"/>
+                  </a:gs>
+                </a:gsLst>
+                <a:lin ang="5400000" scaled="0"/>
+              </a:gradFill>
+            </a:endParaRPr>
+          </a:p>
+        </p:txBody>
+      </p:sp>
     </p:spTree>
     <p:extLst>
       <p:ext uri="{BB962C8B-B14F-4D97-AF65-F5344CB8AC3E}">
@@ -21454,28 +21836,28 @@
                 <a:gridCol w="5965345">
                   <a:extLst>
                     <a:ext uri="{9D8B030D-6E8A-4147-A177-3AD203B41FA5}">
-                      <a16:colId xmlns="" xmlns:a16="http://schemas.microsoft.com/office/drawing/2014/main" val="20000"/>
+                      <a16:colId xmlns:a16="http://schemas.microsoft.com/office/drawing/2014/main" xmlns="" val="20000"/>
                     </a:ext>
                   </a:extLst>
                 </a:gridCol>
                 <a:gridCol w="568903">
                   <a:extLst>
                     <a:ext uri="{9D8B030D-6E8A-4147-A177-3AD203B41FA5}">
-                      <a16:colId xmlns="" xmlns:a16="http://schemas.microsoft.com/office/drawing/2014/main" val="20001"/>
+                      <a16:colId xmlns:a16="http://schemas.microsoft.com/office/drawing/2014/main" xmlns="" val="20001"/>
                     </a:ext>
                   </a:extLst>
                 </a:gridCol>
                 <a:gridCol w="520140">
                   <a:extLst>
                     <a:ext uri="{9D8B030D-6E8A-4147-A177-3AD203B41FA5}">
-                      <a16:colId xmlns="" xmlns:a16="http://schemas.microsoft.com/office/drawing/2014/main" val="20002"/>
+                      <a16:colId xmlns:a16="http://schemas.microsoft.com/office/drawing/2014/main" xmlns="" val="20002"/>
                     </a:ext>
                   </a:extLst>
                 </a:gridCol>
                 <a:gridCol w="520140">
                   <a:extLst>
                     <a:ext uri="{9D8B030D-6E8A-4147-A177-3AD203B41FA5}">
-                      <a16:colId xmlns="" xmlns:a16="http://schemas.microsoft.com/office/drawing/2014/main" val="1173184688"/>
+                      <a16:colId xmlns:a16="http://schemas.microsoft.com/office/drawing/2014/main" xmlns="" val="1173184688"/>
                     </a:ext>
                   </a:extLst>
                 </a:gridCol>
@@ -21581,7 +21963,7 @@
                 </a:tc>
                 <a:extLst>
                   <a:ext uri="{0D108BD9-81ED-4DB2-BD59-A6C34878D82A}">
-                    <a16:rowId xmlns="" xmlns:a16="http://schemas.microsoft.com/office/drawing/2014/main" val="10000"/>
+                    <a16:rowId xmlns:a16="http://schemas.microsoft.com/office/drawing/2014/main" xmlns="" val="10000"/>
                   </a:ext>
                 </a:extLst>
               </a:tr>
@@ -21699,7 +22081,7 @@
                 </a:tc>
                 <a:extLst>
                   <a:ext uri="{0D108BD9-81ED-4DB2-BD59-A6C34878D82A}">
-                    <a16:rowId xmlns="" xmlns:a16="http://schemas.microsoft.com/office/drawing/2014/main" val="10002"/>
+                    <a16:rowId xmlns:a16="http://schemas.microsoft.com/office/drawing/2014/main" xmlns="" val="10002"/>
                   </a:ext>
                 </a:extLst>
               </a:tr>
@@ -21822,7 +22204,7 @@
                 </a:tc>
                 <a:extLst>
                   <a:ext uri="{0D108BD9-81ED-4DB2-BD59-A6C34878D82A}">
-                    <a16:rowId xmlns="" xmlns:a16="http://schemas.microsoft.com/office/drawing/2014/main" val="10003"/>
+                    <a16:rowId xmlns:a16="http://schemas.microsoft.com/office/drawing/2014/main" xmlns="" val="10003"/>
                   </a:ext>
                 </a:extLst>
               </a:tr>
@@ -21946,7 +22328,7 @@
                 </a:tc>
                 <a:extLst>
                   <a:ext uri="{0D108BD9-81ED-4DB2-BD59-A6C34878D82A}">
-                    <a16:rowId xmlns="" xmlns:a16="http://schemas.microsoft.com/office/drawing/2014/main" val="10004"/>
+                    <a16:rowId xmlns:a16="http://schemas.microsoft.com/office/drawing/2014/main" xmlns="" val="10004"/>
                   </a:ext>
                 </a:extLst>
               </a:tr>
@@ -22086,7 +22468,7 @@
                 </a:tc>
                 <a:extLst>
                   <a:ext uri="{0D108BD9-81ED-4DB2-BD59-A6C34878D82A}">
-                    <a16:rowId xmlns="" xmlns:a16="http://schemas.microsoft.com/office/drawing/2014/main" val="10005"/>
+                    <a16:rowId xmlns:a16="http://schemas.microsoft.com/office/drawing/2014/main" xmlns="" val="10005"/>
                   </a:ext>
                 </a:extLst>
               </a:tr>
@@ -23139,61 +23521,26 @@
             <p:ph type="title"/>
           </p:nvPr>
         </p:nvSpPr>
-        <p:spPr>
-          <a:xfrm>
-            <a:off x="3173505" y="992992"/>
-            <a:ext cx="8494619" cy="747897"/>
-          </a:xfrm>
-        </p:spPr>
+        <p:spPr/>
         <p:txBody>
           <a:bodyPr anchor="ctr"/>
           <a:lstStyle/>
           <a:p>
             <a:r>
               <a:rPr lang="nl-BE" dirty="0" smtClean="0"/>
-              <a:t>Safety News Rollups</a:t>
+              <a:t>Branding </a:t>
             </a:r>
             <a:br>
               <a:rPr lang="nl-BE" dirty="0" smtClean="0"/>
             </a:br>
             <a:r>
-              <a:rPr lang="en-US" sz="3600" dirty="0" err="1" smtClean="0">
+              <a:rPr lang="en-US" sz="3600" dirty="0" err="1">
                 <a:solidFill>
                   <a:schemeClr val="accent1"/>
                 </a:solidFill>
               </a:rPr>
-              <a:t>contoso.sharepoint.safetynews.wsp</a:t>
-            </a:r>
-            <a:r>
-              <a:rPr lang="en-US" sz="3600" dirty="0">
-                <a:solidFill>
-                  <a:schemeClr val="accent1"/>
-                </a:solidFill>
-              </a:rPr>
-              <a:t/>
-            </a:r>
-            <a:br>
-              <a:rPr lang="en-US" sz="3600" dirty="0">
-                <a:solidFill>
-                  <a:schemeClr val="accent1"/>
-                </a:solidFill>
-              </a:rPr>
-            </a:br>
-            <a:r>
-              <a:rPr lang="en-US" sz="3600" dirty="0">
-                <a:solidFill>
-                  <a:schemeClr val="accent1"/>
-                </a:solidFill>
-              </a:rPr>
-              <a:t/>
-            </a:r>
-            <a:br>
-              <a:rPr lang="en-US" sz="3600" dirty="0">
-                <a:solidFill>
-                  <a:schemeClr val="accent1"/>
-                </a:solidFill>
-              </a:rPr>
-            </a:br>
+              <a:t>contoso.sharepoint.branding.wsp</a:t>
+            </a:r>
             <a:endParaRPr lang="nl-BE" sz="3600" dirty="0">
               <a:solidFill>
                 <a:schemeClr val="accent1"/>
@@ -23214,7 +23561,7 @@
         </p:nvSpPr>
         <p:spPr>
           <a:xfrm>
-            <a:off x="3173505" y="2238374"/>
+            <a:off x="3173506" y="1447799"/>
             <a:ext cx="8494619" cy="4619626"/>
           </a:xfrm>
         </p:spPr>
@@ -23232,7 +23579,7 @@
             <a:pPr lvl="1"/>
             <a:r>
               <a:rPr lang="en-US" sz="1800" dirty="0" smtClean="0"/>
-              <a:t>The custom web part has been designed to:</a:t>
+              <a:t>The branding solution provides the following features:</a:t>
             </a:r>
             <a:endParaRPr lang="en-US" sz="1800" dirty="0"/>
           </a:p>
@@ -23240,22 +23587,105 @@
             <a:pPr lvl="2"/>
             <a:r>
               <a:rPr lang="en-US" sz="1800" dirty="0" smtClean="0"/>
-              <a:t>Roll up </a:t>
+              <a:t>Custom web </a:t>
             </a:r>
             <a:r>
               <a:rPr lang="en-US" sz="1800" dirty="0"/>
-              <a:t>s</a:t>
-            </a:r>
+              <a:t>controls + page layouts </a:t>
+            </a:r>
+            <a:endParaRPr lang="en-US" sz="1800" dirty="0" smtClean="0"/>
+          </a:p>
+          <a:p>
+            <a:pPr lvl="2"/>
             <a:r>
               <a:rPr lang="en-US" sz="1800" dirty="0" smtClean="0"/>
-              <a:t>afety news items from various sites and sub-sites</a:t>
+              <a:t>Custom </a:t>
+            </a:r>
+            <a:r>
+              <a:rPr lang="en-US" sz="1800" dirty="0"/>
+              <a:t>branding </a:t>
+            </a:r>
+            <a:r>
+              <a:rPr lang="en-US" sz="1800" dirty="0" smtClean="0"/>
+              <a:t>(using master </a:t>
+            </a:r>
+            <a:r>
+              <a:rPr lang="en-US" sz="1800" dirty="0"/>
+              <a:t>page + CSS)</a:t>
             </a:r>
           </a:p>
           <a:p>
             <a:pPr lvl="2"/>
             <a:r>
+              <a:rPr lang="en-US" sz="1800" dirty="0"/>
+              <a:t>Social features (commenting, tag cloud)</a:t>
+            </a:r>
+          </a:p>
+          <a:p>
+            <a:pPr lvl="2"/>
+            <a:r>
               <a:rPr lang="en-US" sz="1800" dirty="0" smtClean="0"/>
-              <a:t>Provide a mobile friendly view of the news item when accessed from mobile devices.</a:t>
+              <a:t>Custom </a:t>
+            </a:r>
+            <a:r>
+              <a:rPr lang="en-US" sz="1800" dirty="0"/>
+              <a:t>navigation</a:t>
+            </a:r>
+          </a:p>
+          <a:p>
+            <a:pPr lvl="2"/>
+            <a:r>
+              <a:rPr lang="en-US" sz="1800" dirty="0" smtClean="0"/>
+              <a:t>Custom web </a:t>
+            </a:r>
+            <a:r>
+              <a:rPr lang="en-US" sz="1800" dirty="0"/>
+              <a:t>parts / </a:t>
+            </a:r>
+            <a:r>
+              <a:rPr lang="en-US" sz="1800" dirty="0" smtClean="0"/>
+              <a:t>controls</a:t>
+            </a:r>
+            <a:endParaRPr lang="en-US" sz="1800" dirty="0"/>
+          </a:p>
+          <a:p>
+            <a:pPr lvl="3"/>
+            <a:r>
+              <a:rPr lang="en-US" sz="1600" dirty="0"/>
+              <a:t>Share price, world clock, weather, emergency information, image rotator</a:t>
+            </a:r>
+          </a:p>
+          <a:p>
+            <a:pPr lvl="1"/>
+            <a:r>
+              <a:rPr lang="en-US" sz="1800" dirty="0" smtClean="0"/>
+              <a:t>Other intranet </a:t>
+            </a:r>
+            <a:r>
+              <a:rPr lang="en-US" sz="1800" dirty="0"/>
+              <a:t>features:</a:t>
+            </a:r>
+          </a:p>
+          <a:p>
+            <a:pPr lvl="2"/>
+            <a:r>
+              <a:rPr lang="en-US" sz="1800" dirty="0"/>
+              <a:t>Site provisioning for collaborative </a:t>
+            </a:r>
+            <a:r>
+              <a:rPr lang="en-US" sz="1800" dirty="0" smtClean="0"/>
+              <a:t>sites</a:t>
+            </a:r>
+          </a:p>
+          <a:p>
+            <a:pPr lvl="2"/>
+            <a:r>
+              <a:rPr lang="en-US" sz="1800" dirty="0" err="1" smtClean="0"/>
+              <a:t>MySite</a:t>
+            </a:r>
+            <a:r>
+              <a:rPr lang="en-US" sz="1800" dirty="0" smtClean="0"/>
+              <a:t> customizations</a:t>
             </a:r>
             <a:endParaRPr lang="en-US" sz="1800" dirty="0"/>
           </a:p>
@@ -23507,19 +23937,7 @@
             </a:lvl9pPr>
           </a:lstStyle>
           <a:p>
-            <a:endParaRPr lang="en-US" dirty="0" smtClean="0">
-              <a:gradFill>
-                <a:gsLst>
-                  <a:gs pos="1250">
-                    <a:srgbClr val="797A7D"/>
-                  </a:gs>
-                  <a:gs pos="100000">
-                    <a:srgbClr val="797A7D"/>
-                  </a:gs>
-                </a:gsLst>
-                <a:lin ang="5400000" scaled="0"/>
-              </a:gradFill>
-            </a:endParaRPr>
+            <a:endParaRPr lang="en-US" dirty="0" smtClean="0"/>
           </a:p>
         </p:txBody>
       </p:sp>
@@ -23532,7 +23950,7 @@
           <p:nvPr>
             <p:extLst>
               <p:ext uri="{D42A27DB-BD31-4B8C-83A1-F6EECF244321}">
-                <p14:modId xmlns:p14="http://schemas.microsoft.com/office/powerpoint/2010/main" val="1818622909"/>
+                <p14:modId xmlns:p14="http://schemas.microsoft.com/office/powerpoint/2010/main" val="2701059414"/>
               </p:ext>
             </p:extLst>
           </p:nvPr>
@@ -23551,7 +23969,7 @@
                 <a:gridCol w="2373524">
                   <a:extLst>
                     <a:ext uri="{9D8B030D-6E8A-4147-A177-3AD203B41FA5}">
-                      <a16:colId xmlns:a16="http://schemas.microsoft.com/office/drawing/2014/main" xmlns="" val="20000"/>
+                      <a16:colId xmlns="" xmlns:a16="http://schemas.microsoft.com/office/drawing/2014/main" val="20000"/>
                     </a:ext>
                   </a:extLst>
                 </a:gridCol>
@@ -23565,7 +23983,7 @@
                       <a:pPr algn="ctr"/>
                       <a:r>
                         <a:rPr lang="en-US" b="1" i="0" dirty="0" smtClean="0"/>
-                        <a:t>Safety News</a:t>
+                        <a:t>Branding</a:t>
                       </a:r>
                       <a:endParaRPr lang="nl-BE" b="1" i="0" dirty="0"/>
                     </a:p>
@@ -23614,7 +24032,7 @@
                 </a:tc>
                 <a:extLst>
                   <a:ext uri="{0D108BD9-81ED-4DB2-BD59-A6C34878D82A}">
-                    <a16:rowId xmlns:a16="http://schemas.microsoft.com/office/drawing/2014/main" xmlns="" val="10000"/>
+                    <a16:rowId xmlns="" xmlns:a16="http://schemas.microsoft.com/office/drawing/2014/main" val="10000"/>
                   </a:ext>
                 </a:extLst>
               </a:tr>
@@ -23675,7 +24093,7 @@
                 </a:tc>
                 <a:extLst>
                   <a:ext uri="{0D108BD9-81ED-4DB2-BD59-A6C34878D82A}">
-                    <a16:rowId xmlns:a16="http://schemas.microsoft.com/office/drawing/2014/main" xmlns="" val="10001"/>
+                    <a16:rowId xmlns="" xmlns:a16="http://schemas.microsoft.com/office/drawing/2014/main" val="10001"/>
                   </a:ext>
                 </a:extLst>
               </a:tr>
@@ -23739,13 +24157,13 @@
                       <a:tailEnd type="none" w="med" len="med"/>
                     </a:lnB>
                     <a:solidFill>
-                      <a:srgbClr val="00B050"/>
+                      <a:schemeClr val="accent2"/>
                     </a:solidFill>
                   </a:tcPr>
                 </a:tc>
                 <a:extLst>
                   <a:ext uri="{0D108BD9-81ED-4DB2-BD59-A6C34878D82A}">
-                    <a16:rowId xmlns:a16="http://schemas.microsoft.com/office/drawing/2014/main" xmlns="" val="10002"/>
+                    <a16:rowId xmlns="" xmlns:a16="http://schemas.microsoft.com/office/drawing/2014/main" val="10002"/>
                   </a:ext>
                 </a:extLst>
               </a:tr>
@@ -23823,7 +24241,7 @@
                 </a:tc>
                 <a:extLst>
                   <a:ext uri="{0D108BD9-81ED-4DB2-BD59-A6C34878D82A}">
-                    <a16:rowId xmlns:a16="http://schemas.microsoft.com/office/drawing/2014/main" xmlns="" val="10007"/>
+                    <a16:rowId xmlns="" xmlns:a16="http://schemas.microsoft.com/office/drawing/2014/main" val="10007"/>
                   </a:ext>
                 </a:extLst>
               </a:tr>
@@ -23840,7 +24258,7 @@
           <p:nvPr/>
         </p:nvPicPr>
         <p:blipFill>
-          <a:blip r:embed="rId3">
+          <a:blip r:embed="rId2">
             <a:extLst>
               <a:ext uri="{28A0092B-C50C-407E-A947-70E740481C1C}">
                 <a14:useLocalDpi xmlns:a14="http://schemas.microsoft.com/office/drawing/2010/main" val="0"/>
@@ -23872,185 +24290,10 @@
           </a:extLst>
         </p:spPr>
       </p:pic>
-      <p:sp>
-        <p:nvSpPr>
-          <p:cNvPr id="8" name="Rectangle 7"/>
-          <p:cNvSpPr/>
-          <p:nvPr/>
-        </p:nvSpPr>
-        <p:spPr>
-          <a:xfrm>
-            <a:off x="3173504" y="4083892"/>
-            <a:ext cx="8494619" cy="1545038"/>
-          </a:xfrm>
-          <a:prstGeom prst="rect">
-            <a:avLst/>
-          </a:prstGeom>
-        </p:spPr>
-        <p:txBody>
-          <a:bodyPr wrap="square">
-            <a:spAutoFit/>
-          </a:bodyPr>
-          <a:lstStyle/>
-          <a:p>
-            <a:pPr marL="284163" lvl="0" indent="-284163">
-              <a:lnSpc>
-                <a:spcPct val="90000"/>
-              </a:lnSpc>
-              <a:spcBef>
-                <a:spcPct val="20000"/>
-              </a:spcBef>
-              <a:buSzPct val="80000"/>
-              <a:buFont typeface="Wingdings" pitchFamily="2" charset="2"/>
-              <a:buChar char=""/>
-            </a:pPr>
-            <a:r>
-              <a:rPr lang="en-US" sz="3600" spc="-70" dirty="0" smtClean="0">
-                <a:solidFill>
-                  <a:srgbClr val="EB3C00"/>
-                </a:solidFill>
-                <a:latin typeface="Segoe UI Light"/>
-              </a:rPr>
-              <a:t>Migration</a:t>
-            </a:r>
-          </a:p>
-          <a:p>
-            <a:pPr marL="517525" lvl="1" indent="-233363">
-              <a:lnSpc>
-                <a:spcPct val="90000"/>
-              </a:lnSpc>
-              <a:spcBef>
-                <a:spcPct val="20000"/>
-              </a:spcBef>
-              <a:buSzPct val="90000"/>
-              <a:buFont typeface="Wingdings" pitchFamily="2" charset="2"/>
-              <a:buChar char=""/>
-            </a:pPr>
-            <a:r>
-              <a:rPr lang="en-US" sz="2000" dirty="0" smtClean="0">
-                <a:gradFill>
-                  <a:gsLst>
-                    <a:gs pos="1250">
-                      <a:srgbClr val="797A7D"/>
-                    </a:gs>
-                    <a:gs pos="100000">
-                      <a:srgbClr val="797A7D"/>
-                    </a:gs>
-                  </a:gsLst>
-                  <a:lin ang="5400000" scaled="0"/>
-                </a:gradFill>
-              </a:rPr>
-              <a:t>The safety news can be published as announcements within Yammer.</a:t>
-            </a:r>
-          </a:p>
-          <a:p>
-            <a:pPr marL="517525" lvl="1" indent="-233363">
-              <a:lnSpc>
-                <a:spcPct val="90000"/>
-              </a:lnSpc>
-              <a:spcBef>
-                <a:spcPct val="20000"/>
-              </a:spcBef>
-              <a:buSzPct val="90000"/>
-              <a:buFont typeface="Wingdings" pitchFamily="2" charset="2"/>
-              <a:buChar char=""/>
-            </a:pPr>
-            <a:r>
-              <a:rPr lang="en-US" sz="2000" dirty="0" smtClean="0">
-                <a:gradFill>
-                  <a:gsLst>
-                    <a:gs pos="1250">
-                      <a:srgbClr val="797A7D"/>
-                    </a:gs>
-                    <a:gs pos="100000">
-                      <a:srgbClr val="797A7D"/>
-                    </a:gs>
-                  </a:gsLst>
-                  <a:lin ang="5400000" scaled="0"/>
-                </a:gradFill>
-              </a:rPr>
-              <a:t>The Yammer embedded code can replace the custom safety news web part.</a:t>
-            </a:r>
-          </a:p>
-        </p:txBody>
-      </p:sp>
-      <p:sp>
-        <p:nvSpPr>
-          <p:cNvPr id="5" name="Rectangle 4"/>
-          <p:cNvSpPr/>
-          <p:nvPr/>
-        </p:nvSpPr>
-        <p:spPr>
-          <a:xfrm>
-            <a:off x="3173505" y="5792802"/>
-            <a:ext cx="6092825" cy="929485"/>
-          </a:xfrm>
-          <a:prstGeom prst="rect">
-            <a:avLst/>
-          </a:prstGeom>
-        </p:spPr>
-        <p:txBody>
-          <a:bodyPr>
-            <a:spAutoFit/>
-          </a:bodyPr>
-          <a:lstStyle/>
-          <a:p>
-            <a:pPr marL="284163" lvl="0" indent="-284163">
-              <a:lnSpc>
-                <a:spcPct val="90000"/>
-              </a:lnSpc>
-              <a:spcBef>
-                <a:spcPct val="20000"/>
-              </a:spcBef>
-              <a:buSzPct val="80000"/>
-              <a:buFont typeface="Wingdings" pitchFamily="2" charset="2"/>
-              <a:buChar char=""/>
-            </a:pPr>
-            <a:r>
-              <a:rPr lang="en-US" sz="3600" spc="-70" dirty="0">
-                <a:solidFill>
-                  <a:srgbClr val="EB3C00"/>
-                </a:solidFill>
-                <a:latin typeface="Segoe UI Light"/>
-              </a:rPr>
-              <a:t>Challenges</a:t>
-            </a:r>
-          </a:p>
-          <a:p>
-            <a:pPr marL="517525" lvl="1" indent="-233363">
-              <a:lnSpc>
-                <a:spcPct val="90000"/>
-              </a:lnSpc>
-              <a:spcBef>
-                <a:spcPct val="20000"/>
-              </a:spcBef>
-              <a:buSzPct val="90000"/>
-              <a:buFont typeface="Wingdings" pitchFamily="2" charset="2"/>
-              <a:buChar char=""/>
-            </a:pPr>
-            <a:r>
-              <a:rPr lang="en-US" sz="2000" dirty="0">
-                <a:gradFill>
-                  <a:gsLst>
-                    <a:gs pos="1250">
-                      <a:srgbClr val="797A7D"/>
-                    </a:gs>
-                    <a:gs pos="100000">
-                      <a:srgbClr val="797A7D"/>
-                    </a:gs>
-                  </a:gsLst>
-                  <a:lin ang="5400000" scaled="0"/>
-                </a:gradFill>
-              </a:rPr>
-              <a:t>None</a:t>
-            </a:r>
-          </a:p>
-        </p:txBody>
-      </p:sp>
     </p:spTree>
     <p:extLst>
       <p:ext uri="{BB962C8B-B14F-4D97-AF65-F5344CB8AC3E}">
-        <p14:creationId xmlns:p14="http://schemas.microsoft.com/office/powerpoint/2010/main" val="994721949"/>
+        <p14:creationId xmlns:p14="http://schemas.microsoft.com/office/powerpoint/2010/main" val="2817907372"/>
       </p:ext>
     </p:extLst>
   </p:cSld>
@@ -24208,29 +24451,14 @@
         </p:nvSpPr>
         <p:spPr/>
         <p:txBody>
-          <a:bodyPr anchor="ctr"/>
+          <a:bodyPr/>
           <a:lstStyle/>
           <a:p>
             <a:r>
               <a:rPr lang="nl-BE" dirty="0" smtClean="0"/>
-              <a:t>Branding </a:t>
-            </a:r>
-            <a:br>
-              <a:rPr lang="nl-BE" dirty="0" smtClean="0"/>
-            </a:br>
-            <a:r>
-              <a:rPr lang="en-US" sz="3600" dirty="0" err="1">
-                <a:solidFill>
-                  <a:schemeClr val="accent1"/>
-                </a:solidFill>
-              </a:rPr>
-              <a:t>contoso.sharepoint.branding.wsp</a:t>
-            </a:r>
-            <a:endParaRPr lang="nl-BE" sz="3600" dirty="0">
-              <a:solidFill>
-                <a:schemeClr val="accent1"/>
-              </a:solidFill>
-            </a:endParaRPr>
+              <a:t>Branding</a:t>
+            </a:r>
+            <a:endParaRPr lang="nl-BE" dirty="0"/>
           </a:p>
         </p:txBody>
       </p:sp>
@@ -24246,7 +24474,7 @@
         </p:nvSpPr>
         <p:spPr>
           <a:xfrm>
-            <a:off x="3173506" y="1447799"/>
+            <a:off x="3173505" y="1290753"/>
             <a:ext cx="8494619" cy="4619626"/>
           </a:xfrm>
         </p:spPr>
@@ -24256,115 +24484,69 @@
           <a:p>
             <a:r>
               <a:rPr lang="en-US" dirty="0" smtClean="0"/>
-              <a:t>Current Implementation:</a:t>
+              <a:t>Migration</a:t>
             </a:r>
             <a:endParaRPr lang="en-US" dirty="0"/>
           </a:p>
           <a:p>
             <a:pPr lvl="1"/>
             <a:r>
-              <a:rPr lang="en-US" sz="1800" dirty="0" smtClean="0"/>
-              <a:t>The branding solution provides the following features:</a:t>
-            </a:r>
-            <a:endParaRPr lang="en-US" sz="1800" dirty="0"/>
-          </a:p>
-          <a:p>
-            <a:pPr lvl="2"/>
-            <a:r>
-              <a:rPr lang="en-US" sz="1800" dirty="0" smtClean="0"/>
-              <a:t>Custom web </a:t>
-            </a:r>
-            <a:r>
-              <a:rPr lang="en-US" sz="1800" dirty="0"/>
-              <a:t>controls + page layouts </a:t>
-            </a:r>
-            <a:endParaRPr lang="en-US" sz="1800" dirty="0" smtClean="0"/>
-          </a:p>
-          <a:p>
-            <a:pPr lvl="2"/>
-            <a:r>
-              <a:rPr lang="en-US" sz="1800" dirty="0" smtClean="0"/>
-              <a:t>Custom </a:t>
-            </a:r>
-            <a:r>
-              <a:rPr lang="en-US" sz="1800" dirty="0"/>
-              <a:t>branding (master page + CSS)</a:t>
-            </a:r>
-          </a:p>
-          <a:p>
-            <a:pPr lvl="2"/>
-            <a:r>
-              <a:rPr lang="en-US" sz="1800" dirty="0"/>
-              <a:t>Social features (commenting, tag cloud)</a:t>
-            </a:r>
-          </a:p>
-          <a:p>
-            <a:pPr lvl="2"/>
-            <a:r>
-              <a:rPr lang="en-US" sz="1800" dirty="0" smtClean="0"/>
-              <a:t>Custom </a:t>
-            </a:r>
-            <a:r>
-              <a:rPr lang="en-US" sz="1800" dirty="0"/>
-              <a:t>navigation</a:t>
-            </a:r>
-          </a:p>
-          <a:p>
-            <a:pPr lvl="2"/>
-            <a:r>
-              <a:rPr lang="en-US" sz="1800" dirty="0" smtClean="0"/>
-              <a:t>Custom web </a:t>
-            </a:r>
-            <a:r>
-              <a:rPr lang="en-US" sz="1800" dirty="0"/>
-              <a:t>parts / </a:t>
-            </a:r>
-            <a:r>
-              <a:rPr lang="en-US" sz="1800" dirty="0" smtClean="0"/>
-              <a:t>controls</a:t>
-            </a:r>
-            <a:endParaRPr lang="en-US" sz="1800" dirty="0"/>
-          </a:p>
-          <a:p>
-            <a:pPr lvl="3"/>
-            <a:r>
-              <a:rPr lang="en-US" sz="1600" dirty="0"/>
-              <a:t>Share price, world clock, weather, emergency information, image rotator</a:t>
+              <a:rPr lang="en-US" dirty="0" smtClean="0"/>
+              <a:t>Custom web controls and delegate controls will be replaced by SharePoint apps wherever it is possible</a:t>
             </a:r>
           </a:p>
           <a:p>
             <a:pPr lvl="1"/>
             <a:r>
-              <a:rPr lang="en-US" sz="1800" dirty="0" smtClean="0"/>
-              <a:t>Other intranet </a:t>
-            </a:r>
-            <a:r>
-              <a:rPr lang="en-US" sz="1800" dirty="0"/>
-              <a:t>features:</a:t>
-            </a:r>
-          </a:p>
-          <a:p>
-            <a:pPr lvl="2"/>
-            <a:r>
-              <a:rPr lang="en-US" sz="1800" dirty="0"/>
-              <a:t>Site provisioning for collaborative </a:t>
-            </a:r>
-            <a:r>
-              <a:rPr lang="en-US" sz="1800" dirty="0" smtClean="0"/>
-              <a:t>sites</a:t>
-            </a:r>
-          </a:p>
-          <a:p>
-            <a:pPr lvl="2"/>
-            <a:r>
-              <a:rPr lang="en-US" sz="1800" dirty="0" err="1" smtClean="0"/>
-              <a:t>MySite</a:t>
-            </a:r>
-            <a:r>
-              <a:rPr lang="en-US" sz="1800" dirty="0" smtClean="0"/>
-              <a:t> customizations</a:t>
-            </a:r>
-            <a:endParaRPr lang="en-US" sz="1800" dirty="0"/>
+              <a:rPr lang="en-US" dirty="0" smtClean="0"/>
+              <a:t>Custom features that are rarely used will be abandoned. </a:t>
+            </a:r>
+          </a:p>
+          <a:p>
+            <a:pPr lvl="1"/>
+            <a:r>
+              <a:rPr lang="en-US" dirty="0" smtClean="0"/>
+              <a:t>Branding </a:t>
+            </a:r>
+            <a:r>
+              <a:rPr lang="en-US" dirty="0"/>
+              <a:t>on master page can be achieved through the use of alternate </a:t>
+            </a:r>
+            <a:r>
+              <a:rPr lang="en-US" dirty="0" smtClean="0"/>
+              <a:t>stylesheet and a custom Office 365 theme.</a:t>
+            </a:r>
+            <a:endParaRPr lang="en-US" dirty="0"/>
+          </a:p>
+          <a:p>
+            <a:pPr lvl="1"/>
+            <a:r>
+              <a:rPr lang="en-US" dirty="0">
+                <a:hlinkClick r:id="rId3"/>
+              </a:rPr>
+              <a:t>SP Color tool</a:t>
+            </a:r>
+            <a:r>
+              <a:rPr lang="en-US" dirty="0"/>
+              <a:t> provides color palette functionality for use with SharePoint designs. </a:t>
+            </a:r>
+            <a:endParaRPr lang="en-US" dirty="0" smtClean="0"/>
+          </a:p>
+          <a:p>
+            <a:pPr lvl="1"/>
+            <a:r>
+              <a:rPr lang="en-US" dirty="0" smtClean="0"/>
+              <a:t>Use out of the box structural </a:t>
+            </a:r>
+            <a:r>
+              <a:rPr lang="en-US" dirty="0" smtClean="0"/>
+              <a:t>navigation with a custom stylesheet</a:t>
+            </a:r>
+            <a:endParaRPr lang="en-US" dirty="0" smtClean="0"/>
+          </a:p>
+          <a:p>
+            <a:pPr lvl="1"/>
+            <a:endParaRPr lang="en-US" dirty="0"/>
           </a:p>
         </p:txBody>
       </p:sp>
@@ -24627,7 +24809,7 @@
           <p:nvPr>
             <p:extLst>
               <p:ext uri="{D42A27DB-BD31-4B8C-83A1-F6EECF244321}">
-                <p14:modId xmlns:p14="http://schemas.microsoft.com/office/powerpoint/2010/main" val="2701059414"/>
+                <p14:modId xmlns:p14="http://schemas.microsoft.com/office/powerpoint/2010/main" val="3354339755"/>
               </p:ext>
             </p:extLst>
           </p:nvPr>
@@ -24646,7 +24828,7 @@
                 <a:gridCol w="2373524">
                   <a:extLst>
                     <a:ext uri="{9D8B030D-6E8A-4147-A177-3AD203B41FA5}">
-                      <a16:colId xmlns:a16="http://schemas.microsoft.com/office/drawing/2014/main" xmlns="" val="20000"/>
+                      <a16:colId xmlns="" xmlns:a16="http://schemas.microsoft.com/office/drawing/2014/main" val="20000"/>
                     </a:ext>
                   </a:extLst>
                 </a:gridCol>
@@ -24709,7 +24891,7 @@
                 </a:tc>
                 <a:extLst>
                   <a:ext uri="{0D108BD9-81ED-4DB2-BD59-A6C34878D82A}">
-                    <a16:rowId xmlns:a16="http://schemas.microsoft.com/office/drawing/2014/main" xmlns="" val="10000"/>
+                    <a16:rowId xmlns="" xmlns:a16="http://schemas.microsoft.com/office/drawing/2014/main" val="10000"/>
                   </a:ext>
                 </a:extLst>
               </a:tr>
@@ -24770,7 +24952,7 @@
                 </a:tc>
                 <a:extLst>
                   <a:ext uri="{0D108BD9-81ED-4DB2-BD59-A6C34878D82A}">
-                    <a16:rowId xmlns:a16="http://schemas.microsoft.com/office/drawing/2014/main" xmlns="" val="10001"/>
+                    <a16:rowId xmlns="" xmlns:a16="http://schemas.microsoft.com/office/drawing/2014/main" val="10001"/>
                   </a:ext>
                 </a:extLst>
               </a:tr>
@@ -24840,7 +25022,7 @@
                 </a:tc>
                 <a:extLst>
                   <a:ext uri="{0D108BD9-81ED-4DB2-BD59-A6C34878D82A}">
-                    <a16:rowId xmlns:a16="http://schemas.microsoft.com/office/drawing/2014/main" xmlns="" val="10002"/>
+                    <a16:rowId xmlns="" xmlns:a16="http://schemas.microsoft.com/office/drawing/2014/main" val="10002"/>
                   </a:ext>
                 </a:extLst>
               </a:tr>
@@ -24918,7 +25100,7 @@
                 </a:tc>
                 <a:extLst>
                   <a:ext uri="{0D108BD9-81ED-4DB2-BD59-A6C34878D82A}">
-                    <a16:rowId xmlns:a16="http://schemas.microsoft.com/office/drawing/2014/main" xmlns="" val="10007"/>
+                    <a16:rowId xmlns="" xmlns:a16="http://schemas.microsoft.com/office/drawing/2014/main" val="10007"/>
                   </a:ext>
                 </a:extLst>
               </a:tr>
@@ -24935,7 +25117,7 @@
           <p:nvPr/>
         </p:nvPicPr>
         <p:blipFill>
-          <a:blip r:embed="rId2">
+          <a:blip r:embed="rId4">
             <a:extLst>
               <a:ext uri="{28A0092B-C50C-407E-A947-70E740481C1C}">
                 <a14:useLocalDpi xmlns:a14="http://schemas.microsoft.com/office/drawing/2010/main" val="0"/>
@@ -24970,7 +25152,7 @@
     </p:spTree>
     <p:extLst>
       <p:ext uri="{BB962C8B-B14F-4D97-AF65-F5344CB8AC3E}">
-        <p14:creationId xmlns:p14="http://schemas.microsoft.com/office/powerpoint/2010/main" val="2817907372"/>
+        <p14:creationId xmlns:p14="http://schemas.microsoft.com/office/powerpoint/2010/main" val="3018069866"/>
       </p:ext>
     </p:extLst>
   </p:cSld>
@@ -25051,52 +25233,29 @@
           <a:lstStyle/>
           <a:p>
             <a:r>
+              <a:rPr lang="en-US" dirty="0"/>
+              <a:t>Challenges:</a:t>
+            </a:r>
+          </a:p>
+          <a:p>
+            <a:pPr lvl="1"/>
+            <a:r>
               <a:rPr lang="en-US" dirty="0" smtClean="0"/>
-              <a:t>Migration</a:t>
-            </a:r>
-            <a:endParaRPr lang="en-US" dirty="0"/>
+              <a:t>Too </a:t>
+            </a:r>
+            <a:r>
+              <a:rPr lang="en-US" dirty="0"/>
+              <a:t>many list definitions for the project sites will have a big migration impact (will take time to process)</a:t>
+            </a:r>
           </a:p>
           <a:p>
             <a:pPr lvl="1"/>
             <a:r>
-              <a:rPr lang="en-US" dirty="0" smtClean="0"/>
-              <a:t>Light </a:t>
-            </a:r>
-            <a:r>
               <a:rPr lang="en-US" dirty="0"/>
-              <a:t>Branding can be achieved using Office 365 themes.</a:t>
-            </a:r>
-          </a:p>
-          <a:p>
-            <a:pPr lvl="1"/>
-            <a:r>
-              <a:rPr lang="en-US" dirty="0"/>
-              <a:t>Medium branding on master page can be achieved through the use of alternate CSS.</a:t>
-            </a:r>
-          </a:p>
-          <a:p>
-            <a:pPr lvl="1"/>
-            <a:r>
-              <a:rPr lang="en-US" dirty="0">
-                <a:hlinkClick r:id="rId3"/>
-              </a:rPr>
-              <a:t>SP Color tool</a:t>
-            </a:r>
-            <a:r>
-              <a:rPr lang="en-US" dirty="0"/>
-              <a:t> provides color palette functionality for use with SharePoint designs. </a:t>
-            </a:r>
-            <a:endParaRPr lang="en-US" dirty="0" smtClean="0"/>
-          </a:p>
-          <a:p>
-            <a:pPr lvl="1"/>
-            <a:r>
-              <a:rPr lang="en-US" dirty="0" smtClean="0"/>
-              <a:t>Use out of the box structural navigation</a:t>
-            </a:r>
-          </a:p>
-          <a:p>
-            <a:pPr lvl="1"/>
+              <a:t>Need to update all existing sites (branding) and pages (new page layouts) which will require proper tooling </a:t>
+            </a:r>
+          </a:p>
+          <a:p>
             <a:endParaRPr lang="en-US" dirty="0"/>
           </a:p>
         </p:txBody>
@@ -25360,7 +25519,7 @@
           <p:nvPr>
             <p:extLst>
               <p:ext uri="{D42A27DB-BD31-4B8C-83A1-F6EECF244321}">
-                <p14:modId xmlns:p14="http://schemas.microsoft.com/office/powerpoint/2010/main" val="3354339755"/>
+                <p14:modId xmlns:p14="http://schemas.microsoft.com/office/powerpoint/2010/main" val="1302890150"/>
               </p:ext>
             </p:extLst>
           </p:nvPr>
@@ -25379,7 +25538,7 @@
                 <a:gridCol w="2373524">
                   <a:extLst>
                     <a:ext uri="{9D8B030D-6E8A-4147-A177-3AD203B41FA5}">
-                      <a16:colId xmlns:a16="http://schemas.microsoft.com/office/drawing/2014/main" xmlns="" val="20000"/>
+                      <a16:colId xmlns="" xmlns:a16="http://schemas.microsoft.com/office/drawing/2014/main" val="20000"/>
                     </a:ext>
                   </a:extLst>
                 </a:gridCol>
@@ -25442,7 +25601,7 @@
                 </a:tc>
                 <a:extLst>
                   <a:ext uri="{0D108BD9-81ED-4DB2-BD59-A6C34878D82A}">
-                    <a16:rowId xmlns:a16="http://schemas.microsoft.com/office/drawing/2014/main" xmlns="" val="10000"/>
+                    <a16:rowId xmlns="" xmlns:a16="http://schemas.microsoft.com/office/drawing/2014/main" val="10000"/>
                   </a:ext>
                 </a:extLst>
               </a:tr>
@@ -25503,7 +25662,7 @@
                 </a:tc>
                 <a:extLst>
                   <a:ext uri="{0D108BD9-81ED-4DB2-BD59-A6C34878D82A}">
-                    <a16:rowId xmlns:a16="http://schemas.microsoft.com/office/drawing/2014/main" xmlns="" val="10001"/>
+                    <a16:rowId xmlns="" xmlns:a16="http://schemas.microsoft.com/office/drawing/2014/main" val="10001"/>
                   </a:ext>
                 </a:extLst>
               </a:tr>
@@ -25573,7 +25732,7 @@
                 </a:tc>
                 <a:extLst>
                   <a:ext uri="{0D108BD9-81ED-4DB2-BD59-A6C34878D82A}">
-                    <a16:rowId xmlns:a16="http://schemas.microsoft.com/office/drawing/2014/main" xmlns="" val="10002"/>
+                    <a16:rowId xmlns="" xmlns:a16="http://schemas.microsoft.com/office/drawing/2014/main" val="10002"/>
                   </a:ext>
                 </a:extLst>
               </a:tr>
@@ -25651,7 +25810,7 @@
                 </a:tc>
                 <a:extLst>
                   <a:ext uri="{0D108BD9-81ED-4DB2-BD59-A6C34878D82A}">
-                    <a16:rowId xmlns:a16="http://schemas.microsoft.com/office/drawing/2014/main" xmlns="" val="10007"/>
+                    <a16:rowId xmlns="" xmlns:a16="http://schemas.microsoft.com/office/drawing/2014/main" val="10007"/>
                   </a:ext>
                 </a:extLst>
               </a:tr>
@@ -25668,7 +25827,7 @@
           <p:nvPr/>
         </p:nvPicPr>
         <p:blipFill>
-          <a:blip r:embed="rId4">
+          <a:blip r:embed="rId3">
             <a:extLst>
               <a:ext uri="{28A0092B-C50C-407E-A947-70E740481C1C}">
                 <a14:useLocalDpi xmlns:a14="http://schemas.microsoft.com/office/drawing/2010/main" val="0"/>
@@ -25703,7 +25862,7 @@
     </p:spTree>
     <p:extLst>
       <p:ext uri="{BB962C8B-B14F-4D97-AF65-F5344CB8AC3E}">
-        <p14:creationId xmlns:p14="http://schemas.microsoft.com/office/powerpoint/2010/main" val="3018069866"/>
+        <p14:creationId xmlns:p14="http://schemas.microsoft.com/office/powerpoint/2010/main" val="4239080423"/>
       </p:ext>
     </p:extLst>
   </p:cSld>
@@ -25757,9 +25916,41 @@
           <a:p>
             <a:r>
               <a:rPr lang="nl-BE" dirty="0" smtClean="0"/>
-              <a:t>Branding</a:t>
-            </a:r>
-            <a:endParaRPr lang="nl-BE" dirty="0"/>
+              <a:t>Provisioning</a:t>
+            </a:r>
+            <a:br>
+              <a:rPr lang="nl-BE" dirty="0" smtClean="0"/>
+            </a:br>
+            <a:r>
+              <a:rPr lang="en-US" sz="3600" dirty="0" err="1">
+                <a:solidFill>
+                  <a:schemeClr val="accent1"/>
+                </a:solidFill>
+              </a:rPr>
+              <a:t>contoso.sharepoint.provisioning.wsp</a:t>
+            </a:r>
+            <a:r>
+              <a:rPr lang="en-US" sz="6000" dirty="0">
+                <a:solidFill>
+                  <a:schemeClr val="accent1"/>
+                </a:solidFill>
+                <a:latin typeface="Calibri" panose="020F0502020204030204" pitchFamily="34" charset="0"/>
+              </a:rPr>
+              <a:t/>
+            </a:r>
+            <a:br>
+              <a:rPr lang="en-US" sz="6000" dirty="0">
+                <a:solidFill>
+                  <a:schemeClr val="accent1"/>
+                </a:solidFill>
+                <a:latin typeface="Calibri" panose="020F0502020204030204" pitchFamily="34" charset="0"/>
+              </a:rPr>
+            </a:br>
+            <a:endParaRPr lang="nl-BE" dirty="0">
+              <a:solidFill>
+                <a:schemeClr val="accent1"/>
+              </a:solidFill>
+            </a:endParaRPr>
           </a:p>
         </p:txBody>
       </p:sp>
@@ -25775,7 +25966,7 @@
         </p:nvSpPr>
         <p:spPr>
           <a:xfrm>
-            <a:off x="3173505" y="1290753"/>
+            <a:off x="3173505" y="1752599"/>
             <a:ext cx="8494619" cy="4619626"/>
           </a:xfrm>
         </p:spPr>
@@ -25784,26 +25975,92 @@
           <a:lstStyle/>
           <a:p>
             <a:r>
-              <a:rPr lang="en-US" dirty="0"/>
-              <a:t>Challenges:</a:t>
-            </a:r>
+              <a:rPr lang="en-US" dirty="0" smtClean="0"/>
+              <a:t>Requirements and Current </a:t>
+            </a:r>
+            <a:r>
+              <a:rPr lang="en-US" dirty="0" smtClean="0"/>
+              <a:t>implementation:</a:t>
+            </a:r>
+            <a:endParaRPr lang="en-US" dirty="0"/>
           </a:p>
           <a:p>
             <a:pPr lvl="1"/>
             <a:r>
-              <a:rPr lang="en-US" dirty="0"/>
-              <a:t>The many list definitions for the project sites will have a big migration impact (will take time to process)</a:t>
-            </a:r>
-          </a:p>
-          <a:p>
-            <a:pPr lvl="1"/>
-            <a:r>
-              <a:rPr lang="en-US" dirty="0"/>
-              <a:t>Need to update all existing sites (branding) and pages (new page layouts) which will require proper tooling </a:t>
-            </a:r>
-          </a:p>
-          <a:p>
-            <a:endParaRPr lang="en-US" dirty="0"/>
+              <a:rPr lang="en-US" sz="1800" dirty="0" smtClean="0"/>
+              <a:t>The existing farm solution has been designed to:</a:t>
+            </a:r>
+            <a:endParaRPr lang="en-US" sz="1800" dirty="0"/>
+          </a:p>
+          <a:p>
+            <a:pPr lvl="2"/>
+            <a:r>
+              <a:rPr lang="en-US" sz="1800" dirty="0" smtClean="0"/>
+              <a:t>Prevent custom user actions</a:t>
+            </a:r>
+          </a:p>
+          <a:p>
+            <a:pPr lvl="2"/>
+            <a:r>
+              <a:rPr lang="en-US" sz="1800" dirty="0" smtClean="0"/>
+              <a:t>Prevent </a:t>
+            </a:r>
+            <a:r>
+              <a:rPr lang="en-US" sz="1800" dirty="0"/>
+              <a:t>the </a:t>
+            </a:r>
+            <a:r>
+              <a:rPr lang="en-US" sz="1800" dirty="0" smtClean="0"/>
+              <a:t>users from using certain site templates </a:t>
+            </a:r>
+          </a:p>
+          <a:p>
+            <a:pPr lvl="2"/>
+            <a:r>
+              <a:rPr lang="en-US" sz="1800" dirty="0" smtClean="0"/>
+              <a:t>Allows users to create sub sites through electronic requests</a:t>
+            </a:r>
+          </a:p>
+          <a:p>
+            <a:pPr lvl="2"/>
+            <a:r>
+              <a:rPr lang="en-US" sz="1800" dirty="0" smtClean="0"/>
+              <a:t>Hides the sites </a:t>
+            </a:r>
+            <a:r>
+              <a:rPr lang="en-US" sz="1800" dirty="0" smtClean="0"/>
+              <a:t>provisioned or requested </a:t>
+            </a:r>
+            <a:r>
+              <a:rPr lang="en-US" sz="1800" dirty="0" smtClean="0"/>
+              <a:t>by other users</a:t>
+            </a:r>
+          </a:p>
+          <a:p>
+            <a:pPr lvl="2"/>
+            <a:r>
+              <a:rPr lang="en-US" sz="1800" dirty="0" smtClean="0"/>
+              <a:t>Allows auto activation of some site features during site provision</a:t>
+            </a:r>
+          </a:p>
+          <a:p>
+            <a:pPr lvl="2"/>
+            <a:r>
+              <a:rPr lang="en-US" sz="1800" dirty="0" smtClean="0"/>
+              <a:t>My Sites </a:t>
+            </a:r>
+            <a:r>
+              <a:rPr lang="en-US" sz="1800" dirty="0"/>
+              <a:t>are </a:t>
+            </a:r>
+            <a:r>
+              <a:rPr lang="en-US" sz="1800" dirty="0" smtClean="0"/>
+              <a:t>set to expire </a:t>
+            </a:r>
+            <a:r>
+              <a:rPr lang="en-US" sz="1800" dirty="0"/>
+              <a:t>after one year</a:t>
+            </a:r>
           </a:p>
         </p:txBody>
       </p:sp>
@@ -26066,7 +26323,7 @@
           <p:nvPr>
             <p:extLst>
               <p:ext uri="{D42A27DB-BD31-4B8C-83A1-F6EECF244321}">
-                <p14:modId xmlns:p14="http://schemas.microsoft.com/office/powerpoint/2010/main" val="1302890150"/>
+                <p14:modId xmlns:p14="http://schemas.microsoft.com/office/powerpoint/2010/main" val="2946021627"/>
               </p:ext>
             </p:extLst>
           </p:nvPr>
@@ -26085,7 +26342,7 @@
                 <a:gridCol w="2373524">
                   <a:extLst>
                     <a:ext uri="{9D8B030D-6E8A-4147-A177-3AD203B41FA5}">
-                      <a16:colId xmlns:a16="http://schemas.microsoft.com/office/drawing/2014/main" xmlns="" val="20000"/>
+                      <a16:colId xmlns="" xmlns:a16="http://schemas.microsoft.com/office/drawing/2014/main" val="20000"/>
                     </a:ext>
                   </a:extLst>
                 </a:gridCol>
@@ -26099,7 +26356,7 @@
                       <a:pPr algn="ctr"/>
                       <a:r>
                         <a:rPr lang="en-US" b="1" i="0" dirty="0" smtClean="0"/>
-                        <a:t>Branding</a:t>
+                        <a:t>Provisioning</a:t>
                       </a:r>
                       <a:endParaRPr lang="nl-BE" b="1" i="0" dirty="0"/>
                     </a:p>
@@ -26148,7 +26405,7 @@
                 </a:tc>
                 <a:extLst>
                   <a:ext uri="{0D108BD9-81ED-4DB2-BD59-A6C34878D82A}">
-                    <a16:rowId xmlns:a16="http://schemas.microsoft.com/office/drawing/2014/main" xmlns="" val="10000"/>
+                    <a16:rowId xmlns="" xmlns:a16="http://schemas.microsoft.com/office/drawing/2014/main" val="10000"/>
                   </a:ext>
                 </a:extLst>
               </a:tr>
@@ -26209,7 +26466,7 @@
                 </a:tc>
                 <a:extLst>
                   <a:ext uri="{0D108BD9-81ED-4DB2-BD59-A6C34878D82A}">
-                    <a16:rowId xmlns:a16="http://schemas.microsoft.com/office/drawing/2014/main" xmlns="" val="10001"/>
+                    <a16:rowId xmlns="" xmlns:a16="http://schemas.microsoft.com/office/drawing/2014/main" val="10001"/>
                   </a:ext>
                 </a:extLst>
               </a:tr>
@@ -26279,7 +26536,7 @@
                 </a:tc>
                 <a:extLst>
                   <a:ext uri="{0D108BD9-81ED-4DB2-BD59-A6C34878D82A}">
-                    <a16:rowId xmlns:a16="http://schemas.microsoft.com/office/drawing/2014/main" xmlns="" val="10002"/>
+                    <a16:rowId xmlns="" xmlns:a16="http://schemas.microsoft.com/office/drawing/2014/main" val="10002"/>
                   </a:ext>
                 </a:extLst>
               </a:tr>
@@ -26357,7 +26614,7 @@
                 </a:tc>
                 <a:extLst>
                   <a:ext uri="{0D108BD9-81ED-4DB2-BD59-A6C34878D82A}">
-                    <a16:rowId xmlns:a16="http://schemas.microsoft.com/office/drawing/2014/main" xmlns="" val="10007"/>
+                    <a16:rowId xmlns="" xmlns:a16="http://schemas.microsoft.com/office/drawing/2014/main" val="10007"/>
                   </a:ext>
                 </a:extLst>
               </a:tr>
@@ -26374,7 +26631,7 @@
           <p:nvPr/>
         </p:nvPicPr>
         <p:blipFill>
-          <a:blip r:embed="rId3">
+          <a:blip r:embed="rId2">
             <a:extLst>
               <a:ext uri="{28A0092B-C50C-407E-A947-70E740481C1C}">
                 <a14:useLocalDpi xmlns:a14="http://schemas.microsoft.com/office/drawing/2010/main" val="0"/>
@@ -26409,7 +26666,7 @@
     </p:spTree>
     <p:extLst>
       <p:ext uri="{BB962C8B-B14F-4D97-AF65-F5344CB8AC3E}">
-        <p14:creationId xmlns:p14="http://schemas.microsoft.com/office/powerpoint/2010/main" val="4239080423"/>
+        <p14:creationId xmlns:p14="http://schemas.microsoft.com/office/powerpoint/2010/main" val="821868080"/>
       </p:ext>
     </p:extLst>
   </p:cSld>
@@ -26462,42 +26719,9 @@
           <a:lstStyle/>
           <a:p>
             <a:r>
-              <a:rPr lang="nl-BE" dirty="0" smtClean="0"/>
+              <a:rPr lang="nl-BE" dirty="0"/>
               <a:t>Provisioning</a:t>
             </a:r>
-            <a:br>
-              <a:rPr lang="nl-BE" dirty="0" smtClean="0"/>
-            </a:br>
-            <a:r>
-              <a:rPr lang="en-US" sz="3600" dirty="0" err="1">
-                <a:solidFill>
-                  <a:schemeClr val="accent1"/>
-                </a:solidFill>
-              </a:rPr>
-              <a:t>contoso.sharepoint.provisioning.wsp</a:t>
-            </a:r>
-            <a:r>
-              <a:rPr lang="en-US" sz="6000" dirty="0">
-                <a:solidFill>
-                  <a:schemeClr val="accent1"/>
-                </a:solidFill>
-                <a:latin typeface="Calibri" panose="020F0502020204030204" pitchFamily="34" charset="0"/>
-              </a:rPr>
-              <a:t/>
-            </a:r>
-            <a:br>
-              <a:rPr lang="en-US" sz="6000" dirty="0">
-                <a:solidFill>
-                  <a:schemeClr val="accent1"/>
-                </a:solidFill>
-                <a:latin typeface="Calibri" panose="020F0502020204030204" pitchFamily="34" charset="0"/>
-              </a:rPr>
-            </a:br>
-            <a:endParaRPr lang="nl-BE" dirty="0">
-              <a:solidFill>
-                <a:schemeClr val="accent1"/>
-              </a:solidFill>
-            </a:endParaRPr>
           </a:p>
         </p:txBody>
       </p:sp>
@@ -26513,7 +26737,7 @@
         </p:nvSpPr>
         <p:spPr>
           <a:xfrm>
-            <a:off x="3173505" y="1752599"/>
+            <a:off x="3173505" y="1290753"/>
             <a:ext cx="8494619" cy="4619626"/>
           </a:xfrm>
         </p:spPr>
@@ -26523,79 +26747,91 @@
           <a:p>
             <a:r>
               <a:rPr lang="en-US" dirty="0" smtClean="0"/>
-              <a:t>Current implementation:</a:t>
+              <a:t>Migration</a:t>
             </a:r>
             <a:endParaRPr lang="en-US" dirty="0"/>
           </a:p>
           <a:p>
             <a:pPr lvl="1"/>
             <a:r>
-              <a:rPr lang="en-US" sz="1800" dirty="0" smtClean="0"/>
-              <a:t>The existing farm solution has been designed to:</a:t>
-            </a:r>
-            <a:endParaRPr lang="en-US" sz="1800" dirty="0"/>
-          </a:p>
-          <a:p>
-            <a:pPr lvl="2"/>
-            <a:r>
-              <a:rPr lang="en-US" sz="1800" dirty="0" smtClean="0"/>
-              <a:t>Prevent custom user actions</a:t>
-            </a:r>
-          </a:p>
-          <a:p>
-            <a:pPr lvl="2"/>
-            <a:r>
-              <a:rPr lang="en-US" sz="1800" dirty="0" smtClean="0"/>
-              <a:t>Prevent </a:t>
-            </a:r>
-            <a:r>
-              <a:rPr lang="en-US" sz="1800" dirty="0"/>
-              <a:t>the </a:t>
-            </a:r>
-            <a:r>
-              <a:rPr lang="en-US" sz="1800" dirty="0" smtClean="0"/>
-              <a:t>users from using certain site templates </a:t>
-            </a:r>
-          </a:p>
-          <a:p>
-            <a:pPr lvl="2"/>
-            <a:r>
-              <a:rPr lang="en-US" sz="1800" dirty="0" smtClean="0"/>
-              <a:t>Allows users to create sub sites through electronic requests</a:t>
-            </a:r>
-          </a:p>
-          <a:p>
-            <a:pPr lvl="2"/>
-            <a:r>
-              <a:rPr lang="en-US" sz="1800" dirty="0" smtClean="0"/>
-              <a:t>Hides the sites requested by other users</a:t>
-            </a:r>
-          </a:p>
-          <a:p>
-            <a:pPr lvl="2"/>
-            <a:r>
-              <a:rPr lang="en-US" sz="1800" dirty="0" smtClean="0"/>
-              <a:t>Allows auto activation of some site features during site provision</a:t>
-            </a:r>
-          </a:p>
-          <a:p>
-            <a:pPr lvl="2"/>
-            <a:r>
-              <a:rPr lang="en-US" sz="1800" dirty="0" smtClean="0"/>
-              <a:t>My Sites </a:t>
-            </a:r>
-            <a:r>
-              <a:rPr lang="en-US" sz="1800" dirty="0"/>
-              <a:t>are </a:t>
-            </a:r>
-            <a:r>
-              <a:rPr lang="en-US" sz="1800" dirty="0" smtClean="0"/>
-              <a:t>set to expire </a:t>
-            </a:r>
-            <a:r>
-              <a:rPr lang="en-US" sz="1800" dirty="0"/>
-              <a:t>after one year</a:t>
-            </a:r>
+              <a:rPr lang="en-US" dirty="0" smtClean="0"/>
+              <a:t>Client side object model (jQuery) can be used to hide custom actions</a:t>
+            </a:r>
+          </a:p>
+          <a:p>
+            <a:pPr lvl="1"/>
+            <a:r>
+              <a:rPr lang="en-US" dirty="0" smtClean="0"/>
+              <a:t>Remote provisioning technique can be used to create sites using App Model.</a:t>
+            </a:r>
+          </a:p>
+          <a:p>
+            <a:pPr lvl="1"/>
+            <a:r>
+              <a:rPr lang="en-US" dirty="0" smtClean="0"/>
+              <a:t>Site </a:t>
+            </a:r>
+            <a:r>
+              <a:rPr lang="en-US" dirty="0"/>
+              <a:t>provisioning work can be done using </a:t>
+            </a:r>
+            <a:r>
+              <a:rPr lang="en-US" dirty="0" smtClean="0"/>
+              <a:t>a </a:t>
+            </a:r>
+            <a:r>
+              <a:rPr lang="en-US" b="1" dirty="0" smtClean="0"/>
+              <a:t>Remote</a:t>
+            </a:r>
+            <a:r>
+              <a:rPr lang="en-US" dirty="0" smtClean="0"/>
+              <a:t> </a:t>
+            </a:r>
+            <a:r>
+              <a:rPr lang="en-US" b="1" dirty="0" smtClean="0"/>
+              <a:t>Event </a:t>
+            </a:r>
+            <a:r>
+              <a:rPr lang="en-US" b="1" dirty="0"/>
+              <a:t>Receiver</a:t>
+            </a:r>
+            <a:endParaRPr lang="en-US" dirty="0" smtClean="0"/>
+          </a:p>
+          <a:p>
+            <a:pPr lvl="1"/>
+            <a:r>
+              <a:rPr lang="en-US" dirty="0"/>
+              <a:t>Redirection </a:t>
+            </a:r>
+            <a:r>
+              <a:rPr lang="en-US" dirty="0" smtClean="0"/>
+              <a:t>on site creation page may </a:t>
+            </a:r>
+            <a:r>
+              <a:rPr lang="en-US" dirty="0"/>
+              <a:t>be implemented through a </a:t>
+            </a:r>
+            <a:r>
+              <a:rPr lang="en-US" b="1" dirty="0"/>
+              <a:t>Custom Action</a:t>
+            </a:r>
+            <a:endParaRPr lang="en-US" dirty="0"/>
+          </a:p>
+          <a:p>
+            <a:pPr lvl="1"/>
+            <a:endParaRPr lang="en-US" dirty="0" smtClean="0"/>
+          </a:p>
+          <a:p>
+            <a:pPr lvl="1"/>
+            <a:endParaRPr lang="en-US" dirty="0" smtClean="0"/>
+          </a:p>
+          <a:p>
+            <a:pPr lvl="1"/>
+            <a:endParaRPr lang="en-US" dirty="0" smtClean="0"/>
+          </a:p>
+          <a:p>
+            <a:pPr lvl="1"/>
+            <a:endParaRPr lang="en-US" dirty="0"/>
           </a:p>
         </p:txBody>
       </p:sp>
@@ -26858,7 +27094,7 @@
           <p:nvPr>
             <p:extLst>
               <p:ext uri="{D42A27DB-BD31-4B8C-83A1-F6EECF244321}">
-                <p14:modId xmlns:p14="http://schemas.microsoft.com/office/powerpoint/2010/main" val="2946021627"/>
+                <p14:modId xmlns:p14="http://schemas.microsoft.com/office/powerpoint/2010/main" val="3045352822"/>
               </p:ext>
             </p:extLst>
           </p:nvPr>
@@ -26877,7 +27113,7 @@
                 <a:gridCol w="2373524">
                   <a:extLst>
                     <a:ext uri="{9D8B030D-6E8A-4147-A177-3AD203B41FA5}">
-                      <a16:colId xmlns:a16="http://schemas.microsoft.com/office/drawing/2014/main" xmlns="" val="20000"/>
+                      <a16:colId xmlns="" xmlns:a16="http://schemas.microsoft.com/office/drawing/2014/main" val="20000"/>
                     </a:ext>
                   </a:extLst>
                 </a:gridCol>
@@ -26940,7 +27176,7 @@
                 </a:tc>
                 <a:extLst>
                   <a:ext uri="{0D108BD9-81ED-4DB2-BD59-A6C34878D82A}">
-                    <a16:rowId xmlns:a16="http://schemas.microsoft.com/office/drawing/2014/main" xmlns="" val="10000"/>
+                    <a16:rowId xmlns="" xmlns:a16="http://schemas.microsoft.com/office/drawing/2014/main" val="10000"/>
                   </a:ext>
                 </a:extLst>
               </a:tr>
@@ -27001,7 +27237,7 @@
                 </a:tc>
                 <a:extLst>
                   <a:ext uri="{0D108BD9-81ED-4DB2-BD59-A6C34878D82A}">
-                    <a16:rowId xmlns:a16="http://schemas.microsoft.com/office/drawing/2014/main" xmlns="" val="10001"/>
+                    <a16:rowId xmlns="" xmlns:a16="http://schemas.microsoft.com/office/drawing/2014/main" val="10001"/>
                   </a:ext>
                 </a:extLst>
               </a:tr>
@@ -27071,7 +27307,7 @@
                 </a:tc>
                 <a:extLst>
                   <a:ext uri="{0D108BD9-81ED-4DB2-BD59-A6C34878D82A}">
-                    <a16:rowId xmlns:a16="http://schemas.microsoft.com/office/drawing/2014/main" xmlns="" val="10002"/>
+                    <a16:rowId xmlns="" xmlns:a16="http://schemas.microsoft.com/office/drawing/2014/main" val="10002"/>
                   </a:ext>
                 </a:extLst>
               </a:tr>
@@ -27149,778 +27385,7 @@
                 </a:tc>
                 <a:extLst>
                   <a:ext uri="{0D108BD9-81ED-4DB2-BD59-A6C34878D82A}">
-                    <a16:rowId xmlns:a16="http://schemas.microsoft.com/office/drawing/2014/main" xmlns="" val="10007"/>
-                  </a:ext>
-                </a:extLst>
-              </a:tr>
-            </a:tbl>
-          </a:graphicData>
-        </a:graphic>
-      </p:graphicFrame>
-      <p:pic>
-        <p:nvPicPr>
-          <p:cNvPr id="2052" name="Picture 4" descr="http://wordlabs.ru/wp-content/uploads/2015/02/Contoso-logo.png"/>
-          <p:cNvPicPr>
-            <a:picLocks noChangeAspect="1" noChangeArrowheads="1"/>
-          </p:cNvPicPr>
-          <p:nvPr/>
-        </p:nvPicPr>
-        <p:blipFill>
-          <a:blip r:embed="rId2">
-            <a:extLst>
-              <a:ext uri="{28A0092B-C50C-407E-A947-70E740481C1C}">
-                <a14:useLocalDpi xmlns:a14="http://schemas.microsoft.com/office/drawing/2010/main" val="0"/>
-              </a:ext>
-            </a:extLst>
-          </a:blip>
-          <a:srcRect/>
-          <a:stretch>
-            <a:fillRect/>
-          </a:stretch>
-        </p:blipFill>
-        <p:spPr bwMode="auto">
-          <a:xfrm>
-            <a:off x="296955" y="2052637"/>
-            <a:ext cx="1676400" cy="904876"/>
-          </a:xfrm>
-          <a:prstGeom prst="rect">
-            <a:avLst/>
-          </a:prstGeom>
-          <a:noFill/>
-          <a:extLst>
-            <a:ext uri="{909E8E84-426E-40DD-AFC4-6F175D3DCCD1}">
-              <a14:hiddenFill xmlns:a14="http://schemas.microsoft.com/office/drawing/2010/main">
-                <a:solidFill>
-                  <a:srgbClr val="FFFFFF"/>
-                </a:solidFill>
-              </a14:hiddenFill>
-            </a:ext>
-          </a:extLst>
-        </p:spPr>
-      </p:pic>
-    </p:spTree>
-    <p:extLst>
-      <p:ext uri="{BB962C8B-B14F-4D97-AF65-F5344CB8AC3E}">
-        <p14:creationId xmlns:p14="http://schemas.microsoft.com/office/powerpoint/2010/main" val="821868080"/>
-      </p:ext>
-    </p:extLst>
-  </p:cSld>
-  <p:clrMapOvr>
-    <a:masterClrMapping/>
-  </p:clrMapOvr>
-  <p:transition>
-    <p:fade/>
-  </p:transition>
-  <p:timing>
-    <p:tnLst>
-      <p:par>
-        <p:cTn id="1" dur="indefinite" restart="never" nodeType="tmRoot"/>
-      </p:par>
-    </p:tnLst>
-  </p:timing>
-</p:sld>
-</file>
-
-<file path=ppt/slides/slide24.xml><?xml version="1.0" encoding="utf-8"?>
-<p:sld xmlns:a="http://schemas.openxmlformats.org/drawingml/2006/main" xmlns:r="http://schemas.openxmlformats.org/officeDocument/2006/relationships" xmlns:p="http://schemas.openxmlformats.org/presentationml/2006/main">
-  <p:cSld>
-    <p:spTree>
-      <p:nvGrpSpPr>
-        <p:cNvPr id="1" name=""/>
-        <p:cNvGrpSpPr/>
-        <p:nvPr/>
-      </p:nvGrpSpPr>
-      <p:grpSpPr>
-        <a:xfrm>
-          <a:off x="0" y="0"/>
-          <a:ext cx="0" cy="0"/>
-          <a:chOff x="0" y="0"/>
-          <a:chExt cx="0" cy="0"/>
-        </a:xfrm>
-      </p:grpSpPr>
-      <p:sp>
-        <p:nvSpPr>
-          <p:cNvPr id="2" name="Title 1"/>
-          <p:cNvSpPr>
-            <a:spLocks noGrp="1"/>
-          </p:cNvSpPr>
-          <p:nvPr>
-            <p:ph type="title"/>
-          </p:nvPr>
-        </p:nvSpPr>
-        <p:spPr/>
-        <p:txBody>
-          <a:bodyPr/>
-          <a:lstStyle/>
-          <a:p>
-            <a:r>
-              <a:rPr lang="nl-BE" dirty="0"/>
-              <a:t>Provisioning</a:t>
-            </a:r>
-          </a:p>
-        </p:txBody>
-      </p:sp>
-      <p:sp>
-        <p:nvSpPr>
-          <p:cNvPr id="11" name="Text Placeholder 10"/>
-          <p:cNvSpPr>
-            <a:spLocks noGrp="1"/>
-          </p:cNvSpPr>
-          <p:nvPr>
-            <p:ph type="body" sz="quarter" idx="10"/>
-          </p:nvPr>
-        </p:nvSpPr>
-        <p:spPr>
-          <a:xfrm>
-            <a:off x="3173505" y="1290753"/>
-            <a:ext cx="8494619" cy="4619626"/>
-          </a:xfrm>
-        </p:spPr>
-        <p:txBody>
-          <a:bodyPr/>
-          <a:lstStyle/>
-          <a:p>
-            <a:r>
-              <a:rPr lang="en-US" dirty="0" smtClean="0"/>
-              <a:t>Migration</a:t>
-            </a:r>
-            <a:endParaRPr lang="en-US" dirty="0"/>
-          </a:p>
-          <a:p>
-            <a:pPr lvl="1"/>
-            <a:r>
-              <a:rPr lang="en-US" dirty="0" smtClean="0"/>
-              <a:t>Client side object model (jQuery) can be used to hide custom actions</a:t>
-            </a:r>
-          </a:p>
-          <a:p>
-            <a:pPr lvl="1"/>
-            <a:r>
-              <a:rPr lang="en-US" dirty="0" smtClean="0"/>
-              <a:t>Remote provisioning technique can be used to create sites using App Model.</a:t>
-            </a:r>
-          </a:p>
-          <a:p>
-            <a:pPr lvl="1"/>
-            <a:r>
-              <a:rPr lang="en-US" dirty="0" smtClean="0"/>
-              <a:t>Site </a:t>
-            </a:r>
-            <a:r>
-              <a:rPr lang="en-US" dirty="0"/>
-              <a:t>provisioning work can be done using </a:t>
-            </a:r>
-            <a:r>
-              <a:rPr lang="en-US" dirty="0" smtClean="0"/>
-              <a:t>a </a:t>
-            </a:r>
-            <a:r>
-              <a:rPr lang="en-US" b="1" dirty="0" smtClean="0"/>
-              <a:t>Remote</a:t>
-            </a:r>
-            <a:r>
-              <a:rPr lang="en-US" dirty="0" smtClean="0"/>
-              <a:t> </a:t>
-            </a:r>
-            <a:r>
-              <a:rPr lang="en-US" b="1" dirty="0" smtClean="0"/>
-              <a:t>Event </a:t>
-            </a:r>
-            <a:r>
-              <a:rPr lang="en-US" b="1" dirty="0"/>
-              <a:t>Receiver</a:t>
-            </a:r>
-            <a:endParaRPr lang="en-US" dirty="0" smtClean="0"/>
-          </a:p>
-          <a:p>
-            <a:pPr lvl="1"/>
-            <a:r>
-              <a:rPr lang="en-US" dirty="0"/>
-              <a:t>Redirection </a:t>
-            </a:r>
-            <a:r>
-              <a:rPr lang="en-US" dirty="0" smtClean="0"/>
-              <a:t>on site creation page may </a:t>
-            </a:r>
-            <a:r>
-              <a:rPr lang="en-US" dirty="0"/>
-              <a:t>be implemented through a </a:t>
-            </a:r>
-            <a:r>
-              <a:rPr lang="en-US" b="1" dirty="0"/>
-              <a:t>Custom Action</a:t>
-            </a:r>
-            <a:endParaRPr lang="en-US" dirty="0"/>
-          </a:p>
-          <a:p>
-            <a:pPr lvl="1"/>
-            <a:endParaRPr lang="en-US" dirty="0" smtClean="0"/>
-          </a:p>
-          <a:p>
-            <a:pPr lvl="1"/>
-            <a:endParaRPr lang="en-US" dirty="0" smtClean="0"/>
-          </a:p>
-          <a:p>
-            <a:pPr lvl="1"/>
-            <a:endParaRPr lang="en-US" dirty="0" smtClean="0"/>
-          </a:p>
-          <a:p>
-            <a:pPr lvl="1"/>
-            <a:endParaRPr lang="en-US" dirty="0"/>
-          </a:p>
-        </p:txBody>
-      </p:sp>
-      <p:sp>
-        <p:nvSpPr>
-          <p:cNvPr id="4" name="Text Placeholder 6"/>
-          <p:cNvSpPr txBox="1">
-            <a:spLocks/>
-          </p:cNvSpPr>
-          <p:nvPr/>
-        </p:nvSpPr>
-        <p:spPr>
-          <a:xfrm>
-            <a:off x="3173505" y="1243404"/>
-            <a:ext cx="8494619" cy="2043636"/>
-          </a:xfrm>
-          <a:prstGeom prst="rect">
-            <a:avLst/>
-          </a:prstGeom>
-        </p:spPr>
-        <p:txBody>
-          <a:bodyPr/>
-          <a:lstStyle>
-            <a:lvl1pPr marL="339725" marR="0" indent="-339725" algn="l" defTabSz="914363" rtl="0" eaLnBrk="1" fontAlgn="auto" latinLnBrk="0" hangingPunct="1">
-              <a:lnSpc>
-                <a:spcPct val="90000"/>
-              </a:lnSpc>
-              <a:spcBef>
-                <a:spcPct val="20000"/>
-              </a:spcBef>
-              <a:spcAft>
-                <a:spcPts val="0"/>
-              </a:spcAft>
-              <a:buClrTx/>
-              <a:buSzPct val="80000"/>
-              <a:buFont typeface="Arial" pitchFamily="34" charset="0"/>
-              <a:buChar char="•"/>
-              <a:tabLst/>
-              <a:defRPr sz="3600" kern="1200" spc="-70" baseline="0">
-                <a:gradFill>
-                  <a:gsLst>
-                    <a:gs pos="1250">
-                      <a:schemeClr val="bg2"/>
-                    </a:gs>
-                    <a:gs pos="100000">
-                      <a:schemeClr val="bg2"/>
-                    </a:gs>
-                  </a:gsLst>
-                  <a:lin ang="5400000" scaled="0"/>
-                </a:gradFill>
-                <a:latin typeface="+mj-lt"/>
-                <a:ea typeface="+mn-ea"/>
-                <a:cs typeface="+mn-cs"/>
-              </a:defRPr>
-            </a:lvl1pPr>
-            <a:lvl2pPr marL="573088" marR="0" indent="-233363" algn="l" defTabSz="914363" rtl="0" eaLnBrk="1" fontAlgn="auto" latinLnBrk="0" hangingPunct="1">
-              <a:lnSpc>
-                <a:spcPct val="90000"/>
-              </a:lnSpc>
-              <a:spcBef>
-                <a:spcPct val="20000"/>
-              </a:spcBef>
-              <a:spcAft>
-                <a:spcPts val="0"/>
-              </a:spcAft>
-              <a:buClrTx/>
-              <a:buSzPct val="90000"/>
-              <a:buFont typeface="Wingdings" pitchFamily="2" charset="2"/>
-              <a:buChar char=""/>
-              <a:tabLst/>
-              <a:defRPr sz="2400" kern="1200" spc="0" baseline="0">
-                <a:gradFill>
-                  <a:gsLst>
-                    <a:gs pos="1250">
-                      <a:schemeClr val="bg2"/>
-                    </a:gs>
-                    <a:gs pos="100000">
-                      <a:schemeClr val="bg2"/>
-                    </a:gs>
-                  </a:gsLst>
-                  <a:lin ang="5400000" scaled="0"/>
-                </a:gradFill>
-                <a:latin typeface="+mn-lt"/>
-                <a:ea typeface="+mn-ea"/>
-                <a:cs typeface="+mn-cs"/>
-              </a:defRPr>
-            </a:lvl2pPr>
-            <a:lvl3pPr marL="798513" marR="0" indent="-225425" algn="l" defTabSz="914363" rtl="0" eaLnBrk="1" fontAlgn="auto" latinLnBrk="0" hangingPunct="1">
-              <a:lnSpc>
-                <a:spcPct val="90000"/>
-              </a:lnSpc>
-              <a:spcBef>
-                <a:spcPct val="20000"/>
-              </a:spcBef>
-              <a:spcAft>
-                <a:spcPts val="0"/>
-              </a:spcAft>
-              <a:buClrTx/>
-              <a:buSzPct val="90000"/>
-              <a:buFont typeface="Wingdings" pitchFamily="2" charset="2"/>
-              <a:buChar char=""/>
-              <a:tabLst>
-                <a:tab pos="798513" algn="l"/>
-              </a:tabLst>
-              <a:defRPr sz="2400" kern="1200" spc="0" baseline="0">
-                <a:gradFill>
-                  <a:gsLst>
-                    <a:gs pos="1250">
-                      <a:schemeClr val="bg2"/>
-                    </a:gs>
-                    <a:gs pos="100000">
-                      <a:schemeClr val="bg2"/>
-                    </a:gs>
-                  </a:gsLst>
-                  <a:lin ang="5400000" scaled="0"/>
-                </a:gradFill>
-                <a:latin typeface="+mn-lt"/>
-                <a:ea typeface="+mn-ea"/>
-                <a:cs typeface="+mn-cs"/>
-              </a:defRPr>
-            </a:lvl3pPr>
-            <a:lvl4pPr marL="1030288" marR="0" indent="-231775" algn="l" defTabSz="914363" rtl="0" eaLnBrk="1" fontAlgn="auto" latinLnBrk="0" hangingPunct="1">
-              <a:lnSpc>
-                <a:spcPct val="90000"/>
-              </a:lnSpc>
-              <a:spcBef>
-                <a:spcPct val="20000"/>
-              </a:spcBef>
-              <a:spcAft>
-                <a:spcPts val="0"/>
-              </a:spcAft>
-              <a:buClrTx/>
-              <a:buSzPct val="90000"/>
-              <a:buFont typeface="Wingdings" pitchFamily="2" charset="2"/>
-              <a:buChar char=""/>
-              <a:tabLst/>
-              <a:defRPr sz="2000" kern="1200" spc="0" baseline="0">
-                <a:gradFill>
-                  <a:gsLst>
-                    <a:gs pos="1250">
-                      <a:schemeClr val="bg2"/>
-                    </a:gs>
-                    <a:gs pos="100000">
-                      <a:schemeClr val="bg2"/>
-                    </a:gs>
-                  </a:gsLst>
-                  <a:lin ang="5400000" scaled="0"/>
-                </a:gradFill>
-                <a:latin typeface="+mn-lt"/>
-                <a:ea typeface="+mn-ea"/>
-                <a:cs typeface="+mn-cs"/>
-              </a:defRPr>
-            </a:lvl4pPr>
-            <a:lvl5pPr marL="1255713" marR="0" indent="-225425" algn="l" defTabSz="914363" rtl="0" eaLnBrk="1" fontAlgn="auto" latinLnBrk="0" hangingPunct="1">
-              <a:lnSpc>
-                <a:spcPct val="90000"/>
-              </a:lnSpc>
-              <a:spcBef>
-                <a:spcPct val="20000"/>
-              </a:spcBef>
-              <a:spcAft>
-                <a:spcPts val="0"/>
-              </a:spcAft>
-              <a:buClrTx/>
-              <a:buSzPct val="90000"/>
-              <a:buFont typeface="Wingdings" pitchFamily="2" charset="2"/>
-              <a:buChar char=""/>
-              <a:tabLst>
-                <a:tab pos="1255713" algn="l"/>
-              </a:tabLst>
-              <a:defRPr sz="2000" kern="1200" spc="0" baseline="0">
-                <a:gradFill>
-                  <a:gsLst>
-                    <a:gs pos="1250">
-                      <a:schemeClr val="bg2"/>
-                    </a:gs>
-                    <a:gs pos="100000">
-                      <a:schemeClr val="bg2"/>
-                    </a:gs>
-                  </a:gsLst>
-                  <a:lin ang="5400000" scaled="0"/>
-                </a:gradFill>
-                <a:latin typeface="+mn-lt"/>
-                <a:ea typeface="+mn-ea"/>
-                <a:cs typeface="+mn-cs"/>
-              </a:defRPr>
-            </a:lvl5pPr>
-            <a:lvl6pPr marL="2514499" indent="-228591" algn="l" defTabSz="914363" rtl="0" eaLnBrk="1" latinLnBrk="0" hangingPunct="1">
-              <a:spcBef>
-                <a:spcPct val="20000"/>
-              </a:spcBef>
-              <a:buFont typeface="Arial" pitchFamily="34" charset="0"/>
-              <a:buChar char="•"/>
-              <a:defRPr sz="2000" kern="1200">
-                <a:solidFill>
-                  <a:schemeClr val="tx1"/>
-                </a:solidFill>
-                <a:latin typeface="+mn-lt"/>
-                <a:ea typeface="+mn-ea"/>
-                <a:cs typeface="+mn-cs"/>
-              </a:defRPr>
-            </a:lvl6pPr>
-            <a:lvl7pPr marL="2971681" indent="-228591" algn="l" defTabSz="914363" rtl="0" eaLnBrk="1" latinLnBrk="0" hangingPunct="1">
-              <a:spcBef>
-                <a:spcPct val="20000"/>
-              </a:spcBef>
-              <a:buFont typeface="Arial" pitchFamily="34" charset="0"/>
-              <a:buChar char="•"/>
-              <a:defRPr sz="2000" kern="1200">
-                <a:solidFill>
-                  <a:schemeClr val="tx1"/>
-                </a:solidFill>
-                <a:latin typeface="+mn-lt"/>
-                <a:ea typeface="+mn-ea"/>
-                <a:cs typeface="+mn-cs"/>
-              </a:defRPr>
-            </a:lvl7pPr>
-            <a:lvl8pPr marL="3428863" indent="-228591" algn="l" defTabSz="914363" rtl="0" eaLnBrk="1" latinLnBrk="0" hangingPunct="1">
-              <a:spcBef>
-                <a:spcPct val="20000"/>
-              </a:spcBef>
-              <a:buFont typeface="Arial" pitchFamily="34" charset="0"/>
-              <a:buChar char="•"/>
-              <a:defRPr sz="2000" kern="1200">
-                <a:solidFill>
-                  <a:schemeClr val="tx1"/>
-                </a:solidFill>
-                <a:latin typeface="+mn-lt"/>
-                <a:ea typeface="+mn-ea"/>
-                <a:cs typeface="+mn-cs"/>
-              </a:defRPr>
-            </a:lvl8pPr>
-            <a:lvl9pPr marL="3886045" indent="-228591" algn="l" defTabSz="914363" rtl="0" eaLnBrk="1" latinLnBrk="0" hangingPunct="1">
-              <a:spcBef>
-                <a:spcPct val="20000"/>
-              </a:spcBef>
-              <a:buFont typeface="Arial" pitchFamily="34" charset="0"/>
-              <a:buChar char="•"/>
-              <a:defRPr sz="2000" kern="1200">
-                <a:solidFill>
-                  <a:schemeClr val="tx1"/>
-                </a:solidFill>
-                <a:latin typeface="+mn-lt"/>
-                <a:ea typeface="+mn-ea"/>
-                <a:cs typeface="+mn-cs"/>
-              </a:defRPr>
-            </a:lvl9pPr>
-          </a:lstStyle>
-          <a:p>
-            <a:endParaRPr lang="en-US" dirty="0" smtClean="0"/>
-          </a:p>
-        </p:txBody>
-      </p:sp>
-      <p:graphicFrame>
-        <p:nvGraphicFramePr>
-          <p:cNvPr id="7" name="Table 7"/>
-          <p:cNvGraphicFramePr>
-            <a:graphicFrameLocks noGrp="1"/>
-          </p:cNvGraphicFramePr>
-          <p:nvPr>
-            <p:extLst>
-              <p:ext uri="{D42A27DB-BD31-4B8C-83A1-F6EECF244321}">
-                <p14:modId xmlns:p14="http://schemas.microsoft.com/office/powerpoint/2010/main" val="3045352822"/>
-              </p:ext>
-            </p:extLst>
-          </p:nvPr>
-        </p:nvGraphicFramePr>
-        <p:xfrm>
-          <a:off x="291646" y="425158"/>
-          <a:ext cx="2373524" cy="1483360"/>
-        </p:xfrm>
-        <a:graphic>
-          <a:graphicData uri="http://schemas.openxmlformats.org/drawingml/2006/table">
-            <a:tbl>
-              <a:tblPr>
-                <a:tableStyleId>{2D5ABB26-0587-4C30-8999-92F81FD0307C}</a:tableStyleId>
-              </a:tblPr>
-              <a:tblGrid>
-                <a:gridCol w="2373524">
-                  <a:extLst>
-                    <a:ext uri="{9D8B030D-6E8A-4147-A177-3AD203B41FA5}">
-                      <a16:colId xmlns:a16="http://schemas.microsoft.com/office/drawing/2014/main" xmlns="" val="20000"/>
-                    </a:ext>
-                  </a:extLst>
-                </a:gridCol>
-              </a:tblGrid>
-              <a:tr h="370840">
-                <a:tc>
-                  <a:txBody>
-                    <a:bodyPr/>
-                    <a:lstStyle/>
-                    <a:p>
-                      <a:pPr algn="ctr"/>
-                      <a:r>
-                        <a:rPr lang="en-US" b="1" i="0" dirty="0" smtClean="0"/>
-                        <a:t>Provisioning</a:t>
-                      </a:r>
-                      <a:endParaRPr lang="nl-BE" b="1" i="0" dirty="0"/>
-                    </a:p>
-                  </a:txBody>
-                  <a:tcPr>
-                    <a:lnL w="12700" cap="flat" cmpd="sng" algn="ctr">
-                      <a:solidFill>
-                        <a:schemeClr val="tx1"/>
-                      </a:solidFill>
-                      <a:prstDash val="solid"/>
-                      <a:round/>
-                      <a:headEnd type="none" w="med" len="med"/>
-                      <a:tailEnd type="none" w="med" len="med"/>
-                    </a:lnL>
-                    <a:lnR w="12700" cap="flat" cmpd="sng" algn="ctr">
-                      <a:solidFill>
-                        <a:schemeClr val="tx1"/>
-                      </a:solidFill>
-                      <a:prstDash val="solid"/>
-                      <a:round/>
-                      <a:headEnd type="none" w="med" len="med"/>
-                      <a:tailEnd type="none" w="med" len="med"/>
-                    </a:lnR>
-                    <a:lnT w="12700" cap="flat" cmpd="sng" algn="ctr">
-                      <a:solidFill>
-                        <a:schemeClr val="tx1"/>
-                      </a:solidFill>
-                      <a:prstDash val="solid"/>
-                      <a:round/>
-                      <a:headEnd type="none" w="med" len="med"/>
-                      <a:tailEnd type="none" w="med" len="med"/>
-                    </a:lnT>
-                    <a:lnB w="12700" cap="flat" cmpd="sng" algn="ctr">
-                      <a:solidFill>
-                        <a:schemeClr val="tx1"/>
-                      </a:solidFill>
-                      <a:prstDash val="solid"/>
-                      <a:round/>
-                      <a:headEnd type="none" w="med" len="med"/>
-                      <a:tailEnd type="none" w="med" len="med"/>
-                    </a:lnB>
-                    <a:solidFill>
-                      <a:schemeClr val="bg1"/>
-                    </a:solidFill>
-                  </a:tcPr>
-                </a:tc>
-                <a:extLst>
-                  <a:ext uri="{0D108BD9-81ED-4DB2-BD59-A6C34878D82A}">
-                    <a16:rowId xmlns:a16="http://schemas.microsoft.com/office/drawing/2014/main" xmlns="" val="10000"/>
-                  </a:ext>
-                </a:extLst>
-              </a:tr>
-              <a:tr h="370840">
-                <a:tc>
-                  <a:txBody>
-                    <a:bodyPr/>
-                    <a:lstStyle/>
-                    <a:p>
-                      <a:r>
-                        <a:rPr lang="en-US" i="1" dirty="0" smtClean="0"/>
-                        <a:t>Complexity:</a:t>
-                      </a:r>
-                      <a:endParaRPr lang="nl-BE" i="1" dirty="0"/>
-                    </a:p>
-                  </a:txBody>
-                  <a:tcPr>
-                    <a:lnL w="12700" cap="flat" cmpd="sng" algn="ctr">
-                      <a:solidFill>
-                        <a:schemeClr val="tx1"/>
-                      </a:solidFill>
-                      <a:prstDash val="solid"/>
-                      <a:round/>
-                      <a:headEnd type="none" w="med" len="med"/>
-                      <a:tailEnd type="none" w="med" len="med"/>
-                    </a:lnL>
-                    <a:lnR w="12700" cap="flat" cmpd="sng" algn="ctr">
-                      <a:solidFill>
-                        <a:schemeClr val="tx1"/>
-                      </a:solidFill>
-                      <a:prstDash val="solid"/>
-                      <a:round/>
-                      <a:headEnd type="none" w="med" len="med"/>
-                      <a:tailEnd type="none" w="med" len="med"/>
-                    </a:lnR>
-                    <a:lnT w="12700" cap="flat" cmpd="sng" algn="ctr">
-                      <a:solidFill>
-                        <a:schemeClr val="tx1"/>
-                      </a:solidFill>
-                      <a:prstDash val="solid"/>
-                      <a:round/>
-                      <a:headEnd type="none" w="med" len="med"/>
-                      <a:tailEnd type="none" w="med" len="med"/>
-                    </a:lnT>
-                    <a:lnB w="12700" cap="flat" cmpd="sng" algn="ctr">
-                      <a:solidFill>
-                        <a:schemeClr val="tx1"/>
-                      </a:solidFill>
-                      <a:prstDash val="solid"/>
-                      <a:round/>
-                      <a:headEnd type="none" w="med" len="med"/>
-                      <a:tailEnd type="none" w="med" len="med"/>
-                    </a:lnB>
-                    <a:solidFill>
-                      <a:schemeClr val="bg1"/>
-                    </a:solidFill>
-                  </a:tcPr>
-                </a:tc>
-                <a:extLst>
-                  <a:ext uri="{0D108BD9-81ED-4DB2-BD59-A6C34878D82A}">
-                    <a16:rowId xmlns:a16="http://schemas.microsoft.com/office/drawing/2014/main" xmlns="" val="10001"/>
-                  </a:ext>
-                </a:extLst>
-              </a:tr>
-              <a:tr h="370840">
-                <a:tc>
-                  <a:txBody>
-                    <a:bodyPr/>
-                    <a:lstStyle/>
-                    <a:p>
-                      <a:pPr algn="ctr"/>
-                      <a:r>
-                        <a:rPr lang="en-US" dirty="0" smtClean="0">
-                          <a:solidFill>
-                            <a:schemeClr val="bg1"/>
-                          </a:solidFill>
-                        </a:rPr>
-                        <a:t>Medium</a:t>
-                      </a:r>
-                      <a:endParaRPr lang="nl-BE" dirty="0">
-                        <a:solidFill>
-                          <a:schemeClr val="bg1"/>
-                        </a:solidFill>
-                      </a:endParaRPr>
-                    </a:p>
-                  </a:txBody>
-                  <a:tcPr>
-                    <a:lnL w="12700" cap="flat" cmpd="sng" algn="ctr">
-                      <a:solidFill>
-                        <a:schemeClr val="tx1"/>
-                      </a:solidFill>
-                      <a:prstDash val="solid"/>
-                      <a:round/>
-                      <a:headEnd type="none" w="med" len="med"/>
-                      <a:tailEnd type="none" w="med" len="med"/>
-                    </a:lnL>
-                    <a:lnR w="12700" cap="flat" cmpd="sng" algn="ctr">
-                      <a:solidFill>
-                        <a:schemeClr val="tx1"/>
-                      </a:solidFill>
-                      <a:prstDash val="solid"/>
-                      <a:round/>
-                      <a:headEnd type="none" w="med" len="med"/>
-                      <a:tailEnd type="none" w="med" len="med"/>
-                    </a:lnR>
-                    <a:lnT w="12700" cap="flat" cmpd="sng" algn="ctr">
-                      <a:solidFill>
-                        <a:schemeClr val="tx1"/>
-                      </a:solidFill>
-                      <a:prstDash val="solid"/>
-                      <a:round/>
-                      <a:headEnd type="none" w="med" len="med"/>
-                      <a:tailEnd type="none" w="med" len="med"/>
-                    </a:lnT>
-                    <a:lnB w="12700" cap="flat" cmpd="sng" algn="ctr">
-                      <a:solidFill>
-                        <a:schemeClr val="tx1"/>
-                      </a:solidFill>
-                      <a:prstDash val="solid"/>
-                      <a:round/>
-                      <a:headEnd type="none" w="med" len="med"/>
-                      <a:tailEnd type="none" w="med" len="med"/>
-                    </a:lnB>
-                    <a:solidFill>
-                      <a:schemeClr val="accent2"/>
-                    </a:solidFill>
-                  </a:tcPr>
-                </a:tc>
-                <a:extLst>
-                  <a:ext uri="{0D108BD9-81ED-4DB2-BD59-A6C34878D82A}">
-                    <a16:rowId xmlns:a16="http://schemas.microsoft.com/office/drawing/2014/main" xmlns="" val="10002"/>
-                  </a:ext>
-                </a:extLst>
-              </a:tr>
-              <a:tr h="370840">
-                <a:tc>
-                  <a:txBody>
-                    <a:bodyPr/>
-                    <a:lstStyle/>
-                    <a:p>
-                      <a:pPr marL="0" marR="0" indent="0" algn="l" defTabSz="914363" rtl="0" eaLnBrk="1" fontAlgn="auto" latinLnBrk="0" hangingPunct="1">
-                        <a:lnSpc>
-                          <a:spcPct val="100000"/>
-                        </a:lnSpc>
-                        <a:spcBef>
-                          <a:spcPts val="0"/>
-                        </a:spcBef>
-                        <a:spcAft>
-                          <a:spcPts val="0"/>
-                        </a:spcAft>
-                        <a:buClrTx/>
-                        <a:buSzTx/>
-                        <a:buFont typeface="Arial" panose="020B0604020202020204" pitchFamily="34" charset="0"/>
-                        <a:buNone/>
-                        <a:tabLst/>
-                        <a:defRPr/>
-                      </a:pPr>
-                      <a:r>
-                        <a:rPr lang="en-US" i="1" dirty="0" smtClean="0"/>
-                        <a:t>Owner: Contoso</a:t>
-                      </a:r>
-                      <a:endParaRPr lang="nl-BE" i="1" dirty="0" smtClean="0"/>
-                    </a:p>
-                  </a:txBody>
-                  <a:tcPr>
-                    <a:lnL w="12700" cap="flat" cmpd="sng" algn="ctr">
-                      <a:solidFill>
-                        <a:schemeClr val="tx1"/>
-                      </a:solidFill>
-                      <a:prstDash val="solid"/>
-                      <a:round/>
-                      <a:headEnd type="none" w="med" len="med"/>
-                      <a:tailEnd type="none" w="med" len="med"/>
-                    </a:lnL>
-                    <a:lnR w="12700" cap="flat" cmpd="sng" algn="ctr">
-                      <a:solidFill>
-                        <a:schemeClr val="tx1"/>
-                      </a:solidFill>
-                      <a:prstDash val="solid"/>
-                      <a:round/>
-                      <a:headEnd type="none" w="med" len="med"/>
-                      <a:tailEnd type="none" w="med" len="med"/>
-                    </a:lnR>
-                    <a:lnT w="12700" cap="flat" cmpd="sng" algn="ctr">
-                      <a:solidFill>
-                        <a:schemeClr val="tx1"/>
-                      </a:solidFill>
-                      <a:prstDash val="solid"/>
-                      <a:round/>
-                      <a:headEnd type="none" w="med" len="med"/>
-                      <a:tailEnd type="none" w="med" len="med"/>
-                    </a:lnT>
-                    <a:lnB w="12700" cap="flat" cmpd="sng" algn="ctr">
-                      <a:solidFill>
-                        <a:schemeClr val="tx1"/>
-                      </a:solidFill>
-                      <a:prstDash val="solid"/>
-                      <a:round/>
-                      <a:headEnd type="none" w="med" len="med"/>
-                      <a:tailEnd type="none" w="med" len="med"/>
-                    </a:lnB>
-                    <a:solidFill>
-                      <a:schemeClr val="bg1"/>
-                    </a:solidFill>
-                  </a:tcPr>
-                </a:tc>
-                <a:extLst>
-                  <a:ext uri="{0D108BD9-81ED-4DB2-BD59-A6C34878D82A}">
-                    <a16:rowId xmlns:a16="http://schemas.microsoft.com/office/drawing/2014/main" xmlns="" val="10007"/>
+                    <a16:rowId xmlns="" xmlns:a16="http://schemas.microsoft.com/office/drawing/2014/main" val="10007"/>
                   </a:ext>
                 </a:extLst>
               </a:tr>
@@ -28268,7 +27733,7 @@
 </p:sld>
 </file>
 
-<file path=ppt/slides/slide25.xml><?xml version="1.0" encoding="utf-8"?>
+<file path=ppt/slides/slide24.xml><?xml version="1.0" encoding="utf-8"?>
 <p:sld xmlns:a="http://schemas.openxmlformats.org/drawingml/2006/main" xmlns:r="http://schemas.openxmlformats.org/officeDocument/2006/relationships" xmlns:p="http://schemas.openxmlformats.org/presentationml/2006/main">
   <p:cSld>
     <p:spTree>
@@ -28399,7 +27864,11 @@
           <a:p>
             <a:r>
               <a:rPr lang="en-US" dirty="0" smtClean="0"/>
-              <a:t>Current Implementation:</a:t>
+              <a:t>Requirements and Current </a:t>
+            </a:r>
+            <a:r>
+              <a:rPr lang="en-US" dirty="0" smtClean="0"/>
+              <a:t>Implementation:</a:t>
             </a:r>
             <a:endParaRPr lang="en-US" dirty="0"/>
           </a:p>
@@ -28429,18 +27898,41 @@
             <a:pPr lvl="2"/>
             <a:r>
               <a:rPr lang="en-US" sz="1800" dirty="0" smtClean="0"/>
-              <a:t>Action taken on expiring documents is logged for audit purposes</a:t>
-            </a:r>
+              <a:t>Action taken on expiring documents is logged for audit purposes.</a:t>
+            </a:r>
+          </a:p>
+          <a:p>
+            <a:pPr lvl="2"/>
             <a:r>
               <a:rPr lang="en-US" sz="1800" dirty="0" smtClean="0"/>
-              <a:t>.</a:t>
+              <a:t>Kicks off </a:t>
+            </a:r>
+            <a:r>
+              <a:rPr lang="en-US" sz="1800" dirty="0" smtClean="0"/>
+              <a:t>a IMP workflow </a:t>
+            </a:r>
+            <a:r>
+              <a:rPr lang="en-US" sz="1800" dirty="0" smtClean="0"/>
+              <a:t>when the document </a:t>
+            </a:r>
+            <a:r>
+              <a:rPr lang="en-US" sz="1800" dirty="0" smtClean="0"/>
+              <a:t>expires</a:t>
             </a:r>
           </a:p>
           <a:p>
             <a:pPr lvl="2"/>
             <a:r>
               <a:rPr lang="en-US" sz="1800" dirty="0" smtClean="0"/>
-              <a:t>Kicks off workflow when the document expires</a:t>
+              <a:t>Discovers </a:t>
+            </a:r>
+            <a:r>
+              <a:rPr lang="en-US" sz="1800" dirty="0"/>
+              <a:t>content in electronic </a:t>
+            </a:r>
+            <a:r>
+              <a:rPr lang="en-US" sz="1800" dirty="0" smtClean="0"/>
+              <a:t>format (websites, documents, emails)</a:t>
             </a:r>
             <a:endParaRPr lang="en-US" sz="1800" dirty="0" smtClean="0"/>
           </a:p>
@@ -28777,7 +28269,7 @@
                 <a:gridCol w="2373524">
                   <a:extLst>
                     <a:ext uri="{9D8B030D-6E8A-4147-A177-3AD203B41FA5}">
-                      <a16:colId xmlns:a16="http://schemas.microsoft.com/office/drawing/2014/main" xmlns="" val="20000"/>
+                      <a16:colId xmlns="" xmlns:a16="http://schemas.microsoft.com/office/drawing/2014/main" val="20000"/>
                     </a:ext>
                   </a:extLst>
                 </a:gridCol>
@@ -28840,7 +28332,7 @@
                 </a:tc>
                 <a:extLst>
                   <a:ext uri="{0D108BD9-81ED-4DB2-BD59-A6C34878D82A}">
-                    <a16:rowId xmlns:a16="http://schemas.microsoft.com/office/drawing/2014/main" xmlns="" val="10000"/>
+                    <a16:rowId xmlns="" xmlns:a16="http://schemas.microsoft.com/office/drawing/2014/main" val="10000"/>
                   </a:ext>
                 </a:extLst>
               </a:tr>
@@ -28901,7 +28393,7 @@
                 </a:tc>
                 <a:extLst>
                   <a:ext uri="{0D108BD9-81ED-4DB2-BD59-A6C34878D82A}">
-                    <a16:rowId xmlns:a16="http://schemas.microsoft.com/office/drawing/2014/main" xmlns="" val="10001"/>
+                    <a16:rowId xmlns="" xmlns:a16="http://schemas.microsoft.com/office/drawing/2014/main" val="10001"/>
                   </a:ext>
                 </a:extLst>
               </a:tr>
@@ -28971,7 +28463,7 @@
                 </a:tc>
                 <a:extLst>
                   <a:ext uri="{0D108BD9-81ED-4DB2-BD59-A6C34878D82A}">
-                    <a16:rowId xmlns:a16="http://schemas.microsoft.com/office/drawing/2014/main" xmlns="" val="10002"/>
+                    <a16:rowId xmlns="" xmlns:a16="http://schemas.microsoft.com/office/drawing/2014/main" val="10002"/>
                   </a:ext>
                 </a:extLst>
               </a:tr>
@@ -29049,7 +28541,7 @@
                 </a:tc>
                 <a:extLst>
                   <a:ext uri="{0D108BD9-81ED-4DB2-BD59-A6C34878D82A}">
-                    <a16:rowId xmlns:a16="http://schemas.microsoft.com/office/drawing/2014/main" xmlns="" val="10007"/>
+                    <a16:rowId xmlns="" xmlns:a16="http://schemas.microsoft.com/office/drawing/2014/main" val="10007"/>
                   </a:ext>
                 </a:extLst>
               </a:tr>
@@ -29066,7 +28558,7 @@
           <p:nvPr/>
         </p:nvPicPr>
         <p:blipFill>
-          <a:blip r:embed="rId2">
+          <a:blip r:embed="rId3">
             <a:extLst>
               <a:ext uri="{28A0092B-C50C-407E-A947-70E740481C1C}">
                 <a14:useLocalDpi xmlns:a14="http://schemas.microsoft.com/office/drawing/2010/main" val="0"/>
@@ -29362,7 +28854,7 @@
 </p:sld>
 </file>
 
-<file path=ppt/slides/slide26.xml><?xml version="1.0" encoding="utf-8"?>
+<file path=ppt/slides/slide25.xml><?xml version="1.0" encoding="utf-8"?>
 <p:sld xmlns:a="http://schemas.openxmlformats.org/drawingml/2006/main" xmlns:r="http://schemas.openxmlformats.org/officeDocument/2006/relationships" xmlns:p="http://schemas.openxmlformats.org/presentationml/2006/main">
   <p:cSld>
     <p:spTree>
@@ -29473,8 +28965,12 @@
           <a:lstStyle/>
           <a:p>
             <a:r>
+              <a:rPr lang="en-US" dirty="0" smtClean="0"/>
+              <a:t>Requirements and Current </a:t>
+            </a:r>
+            <a:r>
               <a:rPr lang="en-US" dirty="0"/>
-              <a:t>Current Implementation</a:t>
+              <a:t>Implementation</a:t>
             </a:r>
             <a:endParaRPr lang="en-US" dirty="0" smtClean="0"/>
           </a:p>
@@ -29529,7 +29025,7 @@
                 </a:gradFill>
                 <a:latin typeface="+mn-lt"/>
               </a:rPr>
-              <a:t>capture </a:t>
+              <a:t>have been created to capture </a:t>
             </a:r>
             <a:r>
               <a:rPr lang="en-US" sz="2000" spc="0" dirty="0" smtClean="0">
@@ -29546,24 +29042,7 @@
                 </a:gradFill>
                 <a:latin typeface="+mn-lt"/>
               </a:rPr>
-              <a:t>list </a:t>
-            </a:r>
-            <a:r>
-              <a:rPr lang="en-US" sz="2000" spc="0" dirty="0" smtClean="0">
-                <a:gradFill>
-                  <a:gsLst>
-                    <a:gs pos="1250">
-                      <a:srgbClr val="797A7D"/>
-                    </a:gs>
-                    <a:gs pos="100000">
-                      <a:srgbClr val="797A7D"/>
-                    </a:gs>
-                  </a:gsLst>
-                  <a:lin ang="5400000" scaled="0"/>
-                </a:gradFill>
-                <a:latin typeface="+mn-lt"/>
-              </a:rPr>
-              <a:t>metadata on document uploads</a:t>
+              <a:t>list metadata on document uploads</a:t>
             </a:r>
             <a:endParaRPr lang="en-NZ" sz="2000" spc="0" dirty="0">
               <a:gradFill>
@@ -29597,11 +29076,8 @@
                 </a:gradFill>
                 <a:latin typeface="+mn-lt"/>
               </a:rPr>
-              <a:t>Custom security is applied on Web creation</a:t>
-            </a:r>
-          </a:p>
-          <a:p>
-            <a:pPr lvl="0"/>
+              <a:t>Custom security is applied on </a:t>
+            </a:r>
             <a:r>
               <a:rPr lang="en-US" sz="2000" spc="0" dirty="0" smtClean="0">
                 <a:gradFill>
@@ -29617,8 +29093,25 @@
                 </a:gradFill>
                 <a:latin typeface="+mn-lt"/>
               </a:rPr>
-              <a:t>Site </a:t>
-            </a:r>
+              <a:t>site creation</a:t>
+            </a:r>
+            <a:endParaRPr lang="en-US" sz="2000" spc="0" dirty="0" smtClean="0">
+              <a:gradFill>
+                <a:gsLst>
+                  <a:gs pos="1250">
+                    <a:srgbClr val="797A7D"/>
+                  </a:gs>
+                  <a:gs pos="100000">
+                    <a:srgbClr val="797A7D"/>
+                  </a:gs>
+                </a:gsLst>
+                <a:lin ang="5400000" scaled="0"/>
+              </a:gradFill>
+              <a:latin typeface="+mn-lt"/>
+            </a:endParaRPr>
+          </a:p>
+          <a:p>
+            <a:pPr lvl="0"/>
             <a:r>
               <a:rPr lang="en-US" sz="2000" spc="0" dirty="0" smtClean="0">
                 <a:gradFill>
@@ -29634,41 +29127,7 @@
                 </a:gradFill>
                 <a:latin typeface="+mn-lt"/>
               </a:rPr>
-              <a:t>deletion </a:t>
-            </a:r>
-            <a:r>
-              <a:rPr lang="en-US" sz="2000" spc="0" dirty="0" smtClean="0">
-                <a:gradFill>
-                  <a:gsLst>
-                    <a:gs pos="1250">
-                      <a:srgbClr val="797A7D"/>
-                    </a:gs>
-                    <a:gs pos="100000">
-                      <a:srgbClr val="797A7D"/>
-                    </a:gs>
-                  </a:gsLst>
-                  <a:lin ang="5400000" scaled="0"/>
-                </a:gradFill>
-                <a:latin typeface="+mn-lt"/>
-              </a:rPr>
-              <a:t>events </a:t>
-            </a:r>
-            <a:r>
-              <a:rPr lang="en-US" sz="2000" spc="0" dirty="0" smtClean="0">
-                <a:gradFill>
-                  <a:gsLst>
-                    <a:gs pos="1250">
-                      <a:srgbClr val="797A7D"/>
-                    </a:gs>
-                    <a:gs pos="100000">
-                      <a:srgbClr val="797A7D"/>
-                    </a:gs>
-                  </a:gsLst>
-                  <a:lin ang="5400000" scaled="0"/>
-                </a:gradFill>
-                <a:latin typeface="+mn-lt"/>
-              </a:rPr>
-              <a:t>captured the information for audit purposes</a:t>
+              <a:t>Site deletion events captured the information for audit purposes</a:t>
             </a:r>
             <a:endParaRPr lang="en-NZ" sz="2000" spc="0" dirty="0">
               <a:gradFill>
@@ -29701,41 +29160,7 @@
                 </a:gradFill>
                 <a:latin typeface="+mn-lt"/>
               </a:rPr>
-              <a:t>Site columns and content type </a:t>
-            </a:r>
-            <a:r>
-              <a:rPr lang="en-US" sz="2000" spc="0" dirty="0" smtClean="0">
-                <a:gradFill>
-                  <a:gsLst>
-                    <a:gs pos="1250">
-                      <a:srgbClr val="797A7D"/>
-                    </a:gs>
-                    <a:gs pos="100000">
-                      <a:srgbClr val="797A7D"/>
-                    </a:gs>
-                  </a:gsLst>
-                  <a:lin ang="5400000" scaled="0"/>
-                </a:gradFill>
-                <a:latin typeface="+mn-lt"/>
-              </a:rPr>
-              <a:t>are provisioned using feature </a:t>
-            </a:r>
-            <a:r>
-              <a:rPr lang="en-US" sz="2000" spc="0" dirty="0" smtClean="0">
-                <a:gradFill>
-                  <a:gsLst>
-                    <a:gs pos="1250">
-                      <a:srgbClr val="797A7D"/>
-                    </a:gs>
-                    <a:gs pos="100000">
-                      <a:srgbClr val="797A7D"/>
-                    </a:gs>
-                  </a:gsLst>
-                  <a:lin ang="5400000" scaled="0"/>
-                </a:gradFill>
-                <a:latin typeface="+mn-lt"/>
-              </a:rPr>
-              <a:t>activation</a:t>
+              <a:t>Site columns and content type are provisioned using feature activation</a:t>
             </a:r>
             <a:endParaRPr lang="en-US" sz="2000" spc="0" dirty="0">
               <a:gradFill>
@@ -29779,8 +29204,57 @@
                   <a:lin ang="5400000" scaled="0"/>
                 </a:gradFill>
               </a:rPr>
-              <a:t>Remote event receivers can be used that can be invoked through a provider hosted app.</a:t>
-            </a:r>
+              <a:t>Remote event receivers can be used that can be invoked through a provider hosted app</a:t>
+            </a:r>
+            <a:r>
+              <a:rPr lang="en-US" dirty="0" smtClean="0">
+                <a:gradFill>
+                  <a:gsLst>
+                    <a:gs pos="1250">
+                      <a:srgbClr val="797A7D"/>
+                    </a:gs>
+                    <a:gs pos="100000">
+                      <a:srgbClr val="797A7D"/>
+                    </a:gs>
+                  </a:gsLst>
+                  <a:lin ang="5400000" scaled="0"/>
+                </a:gradFill>
+              </a:rPr>
+              <a:t>.</a:t>
+            </a:r>
+          </a:p>
+          <a:p>
+            <a:pPr lvl="0"/>
+            <a:r>
+              <a:rPr lang="en-US" dirty="0">
+                <a:solidFill>
+                  <a:srgbClr val="EB3C00"/>
+                </a:solidFill>
+              </a:rPr>
+              <a:t>Challenges</a:t>
+            </a:r>
+          </a:p>
+          <a:p>
+            <a:pPr lvl="1"/>
+            <a:r>
+              <a:rPr lang="en-US" dirty="0">
+                <a:gradFill>
+                  <a:gsLst>
+                    <a:gs pos="1250">
+                      <a:srgbClr val="797A7D"/>
+                    </a:gs>
+                    <a:gs pos="100000">
+                      <a:srgbClr val="797A7D"/>
+                    </a:gs>
+                  </a:gsLst>
+                  <a:lin ang="5400000" scaled="0"/>
+                </a:gradFill>
+              </a:rPr>
+              <a:t>None</a:t>
+            </a:r>
+          </a:p>
+          <a:p>
+            <a:pPr lvl="1"/>
             <a:endParaRPr lang="en-US" dirty="0">
               <a:gradFill>
                 <a:gsLst>
@@ -30086,7 +29560,7 @@
                 <a:gridCol w="2373524">
                   <a:extLst>
                     <a:ext uri="{9D8B030D-6E8A-4147-A177-3AD203B41FA5}">
-                      <a16:colId xmlns:a16="http://schemas.microsoft.com/office/drawing/2014/main" xmlns="" val="20000"/>
+                      <a16:colId xmlns="" xmlns:a16="http://schemas.microsoft.com/office/drawing/2014/main" val="20000"/>
                     </a:ext>
                   </a:extLst>
                 </a:gridCol>
@@ -30149,7 +29623,7 @@
                 </a:tc>
                 <a:extLst>
                   <a:ext uri="{0D108BD9-81ED-4DB2-BD59-A6C34878D82A}">
-                    <a16:rowId xmlns:a16="http://schemas.microsoft.com/office/drawing/2014/main" xmlns="" val="10000"/>
+                    <a16:rowId xmlns="" xmlns:a16="http://schemas.microsoft.com/office/drawing/2014/main" val="10000"/>
                   </a:ext>
                 </a:extLst>
               </a:tr>
@@ -30210,7 +29684,7 @@
                 </a:tc>
                 <a:extLst>
                   <a:ext uri="{0D108BD9-81ED-4DB2-BD59-A6C34878D82A}">
-                    <a16:rowId xmlns:a16="http://schemas.microsoft.com/office/drawing/2014/main" xmlns="" val="10001"/>
+                    <a16:rowId xmlns="" xmlns:a16="http://schemas.microsoft.com/office/drawing/2014/main" val="10001"/>
                   </a:ext>
                 </a:extLst>
               </a:tr>
@@ -30280,7 +29754,7 @@
                 </a:tc>
                 <a:extLst>
                   <a:ext uri="{0D108BD9-81ED-4DB2-BD59-A6C34878D82A}">
-                    <a16:rowId xmlns:a16="http://schemas.microsoft.com/office/drawing/2014/main" xmlns="" val="10002"/>
+                    <a16:rowId xmlns="" xmlns:a16="http://schemas.microsoft.com/office/drawing/2014/main" val="10002"/>
                   </a:ext>
                 </a:extLst>
               </a:tr>
@@ -30358,7 +29832,7 @@
                 </a:tc>
                 <a:extLst>
                   <a:ext uri="{0D108BD9-81ED-4DB2-BD59-A6C34878D82A}">
-                    <a16:rowId xmlns:a16="http://schemas.microsoft.com/office/drawing/2014/main" xmlns="" val="10007"/>
+                    <a16:rowId xmlns="" xmlns:a16="http://schemas.microsoft.com/office/drawing/2014/main" val="10007"/>
                   </a:ext>
                 </a:extLst>
               </a:tr>
@@ -30407,79 +29881,6 @@
           </a:extLst>
         </p:spPr>
       </p:pic>
-      <p:sp>
-        <p:nvSpPr>
-          <p:cNvPr id="5" name="Rectangle 4"/>
-          <p:cNvSpPr/>
-          <p:nvPr/>
-        </p:nvSpPr>
-        <p:spPr>
-          <a:xfrm>
-            <a:off x="3173505" y="5313341"/>
-            <a:ext cx="6092825" cy="929485"/>
-          </a:xfrm>
-          <a:prstGeom prst="rect">
-            <a:avLst/>
-          </a:prstGeom>
-        </p:spPr>
-        <p:txBody>
-          <a:bodyPr>
-            <a:spAutoFit/>
-          </a:bodyPr>
-          <a:lstStyle/>
-          <a:p>
-            <a:pPr marL="284163" lvl="0" indent="-284163">
-              <a:lnSpc>
-                <a:spcPct val="90000"/>
-              </a:lnSpc>
-              <a:spcBef>
-                <a:spcPct val="20000"/>
-              </a:spcBef>
-              <a:buSzPct val="80000"/>
-              <a:buFont typeface="Wingdings" pitchFamily="2" charset="2"/>
-              <a:buChar char=""/>
-            </a:pPr>
-            <a:r>
-              <a:rPr lang="en-US" sz="3600" spc="-70" dirty="0">
-                <a:solidFill>
-                  <a:srgbClr val="EB3C00"/>
-                </a:solidFill>
-                <a:latin typeface="Segoe UI Light"/>
-              </a:rPr>
-              <a:t>Challenges</a:t>
-            </a:r>
-          </a:p>
-          <a:p>
-            <a:pPr marL="517525" lvl="1" indent="-233363">
-              <a:lnSpc>
-                <a:spcPct val="90000"/>
-              </a:lnSpc>
-              <a:spcBef>
-                <a:spcPct val="20000"/>
-              </a:spcBef>
-              <a:buSzPct val="90000"/>
-              <a:buFont typeface="Wingdings" pitchFamily="2" charset="2"/>
-              <a:buChar char=""/>
-            </a:pPr>
-            <a:r>
-              <a:rPr lang="en-US" sz="2000" dirty="0">
-                <a:gradFill>
-                  <a:gsLst>
-                    <a:gs pos="1250">
-                      <a:srgbClr val="797A7D"/>
-                    </a:gs>
-                    <a:gs pos="100000">
-                      <a:srgbClr val="797A7D"/>
-                    </a:gs>
-                  </a:gsLst>
-                  <a:lin ang="5400000" scaled="0"/>
-                </a:gradFill>
-              </a:rPr>
-              <a:t>None</a:t>
-            </a:r>
-          </a:p>
-        </p:txBody>
-      </p:sp>
     </p:spTree>
     <p:extLst>
       <p:ext uri="{BB962C8B-B14F-4D97-AF65-F5344CB8AC3E}">
@@ -30503,7 +29904,7 @@
 </p:sld>
 </file>
 
-<file path=ppt/slides/slide27.xml><?xml version="1.0" encoding="utf-8"?>
+<file path=ppt/slides/slide26.xml><?xml version="1.0" encoding="utf-8"?>
 <p:sld xmlns:a="http://schemas.openxmlformats.org/drawingml/2006/main" xmlns:r="http://schemas.openxmlformats.org/officeDocument/2006/relationships" xmlns:p="http://schemas.openxmlformats.org/presentationml/2006/main">
   <p:cSld>
     <p:spTree>
@@ -30542,7 +29943,7 @@
           <a:p>
             <a:r>
               <a:rPr lang="nl-BE" dirty="0" smtClean="0"/>
-              <a:t>News notifications</a:t>
+              <a:t>Safety News Rollups</a:t>
             </a:r>
             <a:br>
               <a:rPr lang="nl-BE" dirty="0" smtClean="0"/>
@@ -30553,7 +29954,7 @@
                   <a:schemeClr val="accent1"/>
                 </a:solidFill>
               </a:rPr>
-              <a:t>contoso.sharepoint.newsalerts.wsp</a:t>
+              <a:t>contoso.sharepoint.safetynews.wsp</a:t>
             </a:r>
             <a:r>
               <a:rPr lang="en-US" sz="3600" dirty="0">
@@ -30605,7 +30006,7 @@
         </p:nvSpPr>
         <p:spPr>
           <a:xfrm>
-            <a:off x="3173505" y="2238374"/>
+            <a:off x="3173503" y="1774079"/>
             <a:ext cx="8494619" cy="4619626"/>
           </a:xfrm>
         </p:spPr>
@@ -30615,24 +30016,215 @@
           <a:p>
             <a:r>
               <a:rPr lang="en-US" dirty="0" smtClean="0"/>
-              <a:t>Current Implementation:</a:t>
+              <a:t>Requirements and Current </a:t>
+            </a:r>
+            <a:r>
+              <a:rPr lang="en-US" dirty="0" smtClean="0"/>
+              <a:t>Implementation:</a:t>
             </a:r>
             <a:endParaRPr lang="en-US" dirty="0"/>
           </a:p>
           <a:p>
+            <a:pPr lvl="1"/>
+            <a:r>
+              <a:rPr lang="en-US" dirty="0" smtClean="0"/>
+              <a:t>The custom web part has been designed to:</a:t>
+            </a:r>
+            <a:endParaRPr lang="en-US" dirty="0"/>
+          </a:p>
+          <a:p>
             <a:pPr lvl="2"/>
             <a:r>
-              <a:rPr lang="en-US" sz="1800" dirty="0" smtClean="0"/>
-              <a:t>A timer job that runs daily sends an email notification in the event of a major </a:t>
-            </a:r>
-            <a:r>
-              <a:rPr lang="en-US" sz="1800" dirty="0"/>
-              <a:t>safety </a:t>
-            </a:r>
-            <a:r>
-              <a:rPr lang="en-US" sz="1800" dirty="0" smtClean="0"/>
-              <a:t>incident</a:t>
-            </a:r>
+              <a:rPr lang="en-US" dirty="0" smtClean="0"/>
+              <a:t>Displays news related to safety incidents </a:t>
+            </a:r>
+          </a:p>
+          <a:p>
+            <a:pPr lvl="2"/>
+            <a:r>
+              <a:rPr lang="en-US" dirty="0" smtClean="0"/>
+              <a:t>Web part can be configured to see safety incidents even from other units/departments</a:t>
+            </a:r>
+            <a:endParaRPr lang="en-US" dirty="0" smtClean="0"/>
+          </a:p>
+          <a:p>
+            <a:pPr lvl="2"/>
+            <a:r>
+              <a:rPr lang="en-US" dirty="0" smtClean="0"/>
+              <a:t>Allow users to view safety news from </a:t>
+            </a:r>
+            <a:r>
+              <a:rPr lang="en-US" dirty="0" smtClean="0"/>
+              <a:t>mobile devices</a:t>
+            </a:r>
+            <a:r>
+              <a:rPr lang="en-US" dirty="0" smtClean="0"/>
+              <a:t>.</a:t>
+            </a:r>
+          </a:p>
+          <a:p>
+            <a:pPr lvl="0"/>
+            <a:r>
+              <a:rPr lang="en-US" dirty="0" smtClean="0">
+                <a:solidFill>
+                  <a:srgbClr val="EB3C00"/>
+                </a:solidFill>
+              </a:rPr>
+              <a:t>Migration</a:t>
+            </a:r>
+            <a:endParaRPr lang="en-US" dirty="0">
+              <a:solidFill>
+                <a:srgbClr val="EB3C00"/>
+              </a:solidFill>
+            </a:endParaRPr>
+          </a:p>
+          <a:p>
+            <a:pPr lvl="1"/>
+            <a:r>
+              <a:rPr lang="en-US" dirty="0" smtClean="0">
+                <a:gradFill>
+                  <a:gsLst>
+                    <a:gs pos="1250">
+                      <a:srgbClr val="797A7D"/>
+                    </a:gs>
+                    <a:gs pos="100000">
+                      <a:srgbClr val="797A7D"/>
+                    </a:gs>
+                  </a:gsLst>
+                  <a:lin ang="5400000" scaled="0"/>
+                </a:gradFill>
+              </a:rPr>
+              <a:t>Yammer safety groups can be created at units and department sites.</a:t>
+            </a:r>
+          </a:p>
+          <a:p>
+            <a:pPr lvl="1"/>
+            <a:r>
+              <a:rPr lang="en-US" dirty="0" smtClean="0">
+                <a:gradFill>
+                  <a:gsLst>
+                    <a:gs pos="1250">
+                      <a:srgbClr val="797A7D"/>
+                    </a:gs>
+                    <a:gs pos="100000">
+                      <a:srgbClr val="797A7D"/>
+                    </a:gs>
+                  </a:gsLst>
+                  <a:lin ang="5400000" scaled="0"/>
+                </a:gradFill>
+              </a:rPr>
+              <a:t>Users can subscribe to the relevant groups to get safety updates.</a:t>
+            </a:r>
+            <a:endParaRPr lang="en-US" dirty="0">
+              <a:gradFill>
+                <a:gsLst>
+                  <a:gs pos="1250">
+                    <a:srgbClr val="797A7D"/>
+                  </a:gs>
+                  <a:gs pos="100000">
+                    <a:srgbClr val="797A7D"/>
+                  </a:gs>
+                </a:gsLst>
+                <a:lin ang="5400000" scaled="0"/>
+              </a:gradFill>
+            </a:endParaRPr>
+          </a:p>
+          <a:p>
+            <a:pPr lvl="1"/>
+            <a:r>
+              <a:rPr lang="en-US" dirty="0">
+                <a:gradFill>
+                  <a:gsLst>
+                    <a:gs pos="1250">
+                      <a:srgbClr val="797A7D"/>
+                    </a:gs>
+                    <a:gs pos="100000">
+                      <a:srgbClr val="797A7D"/>
+                    </a:gs>
+                  </a:gsLst>
+                  <a:lin ang="5400000" scaled="0"/>
+                </a:gradFill>
+              </a:rPr>
+              <a:t>The Yammer embedded code can replace the custom safety news web part</a:t>
+            </a:r>
+            <a:r>
+              <a:rPr lang="en-US" dirty="0" smtClean="0">
+                <a:gradFill>
+                  <a:gsLst>
+                    <a:gs pos="1250">
+                      <a:srgbClr val="797A7D"/>
+                    </a:gs>
+                    <a:gs pos="100000">
+                      <a:srgbClr val="797A7D"/>
+                    </a:gs>
+                  </a:gsLst>
+                  <a:lin ang="5400000" scaled="0"/>
+                </a:gradFill>
+              </a:rPr>
+              <a:t>.</a:t>
+            </a:r>
+          </a:p>
+          <a:p>
+            <a:pPr lvl="0"/>
+            <a:r>
+              <a:rPr lang="en-US" dirty="0">
+                <a:solidFill>
+                  <a:srgbClr val="EB3C00"/>
+                </a:solidFill>
+              </a:rPr>
+              <a:t>Challenges</a:t>
+            </a:r>
+          </a:p>
+          <a:p>
+            <a:pPr lvl="1"/>
+            <a:r>
+              <a:rPr lang="en-US" dirty="0" smtClean="0">
+                <a:gradFill>
+                  <a:gsLst>
+                    <a:gs pos="1250">
+                      <a:srgbClr val="797A7D"/>
+                    </a:gs>
+                    <a:gs pos="100000">
+                      <a:srgbClr val="797A7D"/>
+                    </a:gs>
+                  </a:gsLst>
+                  <a:lin ang="5400000" scaled="0"/>
+                </a:gradFill>
+              </a:rPr>
+              <a:t>None</a:t>
+            </a:r>
+            <a:endParaRPr lang="en-US" dirty="0">
+              <a:gradFill>
+                <a:gsLst>
+                  <a:gs pos="1250">
+                    <a:srgbClr val="797A7D"/>
+                  </a:gs>
+                  <a:gs pos="100000">
+                    <a:srgbClr val="797A7D"/>
+                  </a:gs>
+                </a:gsLst>
+                <a:lin ang="5400000" scaled="0"/>
+              </a:gradFill>
+            </a:endParaRPr>
+          </a:p>
+          <a:p>
+            <a:pPr lvl="1"/>
+            <a:endParaRPr lang="en-US" dirty="0">
+              <a:gradFill>
+                <a:gsLst>
+                  <a:gs pos="1250">
+                    <a:srgbClr val="797A7D"/>
+                  </a:gs>
+                  <a:gs pos="100000">
+                    <a:srgbClr val="797A7D"/>
+                  </a:gs>
+                </a:gsLst>
+                <a:lin ang="5400000" scaled="0"/>
+              </a:gradFill>
+            </a:endParaRPr>
+          </a:p>
+          <a:p>
+            <a:pPr lvl="2"/>
             <a:endParaRPr lang="en-US" sz="1800" dirty="0"/>
           </a:p>
         </p:txBody>
@@ -30908,7 +30500,7 @@
           <p:nvPr>
             <p:extLst>
               <p:ext uri="{D42A27DB-BD31-4B8C-83A1-F6EECF244321}">
-                <p14:modId xmlns:p14="http://schemas.microsoft.com/office/powerpoint/2010/main" val="283125596"/>
+                <p14:modId xmlns:p14="http://schemas.microsoft.com/office/powerpoint/2010/main" val="1818622909"/>
               </p:ext>
             </p:extLst>
           </p:nvPr>
@@ -30927,7 +30519,7 @@
                 <a:gridCol w="2373524">
                   <a:extLst>
                     <a:ext uri="{9D8B030D-6E8A-4147-A177-3AD203B41FA5}">
-                      <a16:colId xmlns:a16="http://schemas.microsoft.com/office/drawing/2014/main" xmlns="" val="20000"/>
+                      <a16:colId xmlns="" xmlns:a16="http://schemas.microsoft.com/office/drawing/2014/main" val="20000"/>
                     </a:ext>
                   </a:extLst>
                 </a:gridCol>
@@ -30941,7 +30533,7 @@
                       <a:pPr algn="ctr"/>
                       <a:r>
                         <a:rPr lang="en-US" b="1" i="0" dirty="0" smtClean="0"/>
-                        <a:t>News Notifications</a:t>
+                        <a:t>Safety News</a:t>
                       </a:r>
                       <a:endParaRPr lang="nl-BE" b="1" i="0" dirty="0"/>
                     </a:p>
@@ -30990,7 +30582,7 @@
                 </a:tc>
                 <a:extLst>
                   <a:ext uri="{0D108BD9-81ED-4DB2-BD59-A6C34878D82A}">
-                    <a16:rowId xmlns:a16="http://schemas.microsoft.com/office/drawing/2014/main" xmlns="" val="10000"/>
+                    <a16:rowId xmlns="" xmlns:a16="http://schemas.microsoft.com/office/drawing/2014/main" val="10000"/>
                   </a:ext>
                 </a:extLst>
               </a:tr>
@@ -31051,7 +30643,7 @@
                 </a:tc>
                 <a:extLst>
                   <a:ext uri="{0D108BD9-81ED-4DB2-BD59-A6C34878D82A}">
-                    <a16:rowId xmlns:a16="http://schemas.microsoft.com/office/drawing/2014/main" xmlns="" val="10001"/>
+                    <a16:rowId xmlns="" xmlns:a16="http://schemas.microsoft.com/office/drawing/2014/main" val="10001"/>
                   </a:ext>
                 </a:extLst>
               </a:tr>
@@ -31121,7 +30713,7 @@
                 </a:tc>
                 <a:extLst>
                   <a:ext uri="{0D108BD9-81ED-4DB2-BD59-A6C34878D82A}">
-                    <a16:rowId xmlns:a16="http://schemas.microsoft.com/office/drawing/2014/main" xmlns="" val="10002"/>
+                    <a16:rowId xmlns="" xmlns:a16="http://schemas.microsoft.com/office/drawing/2014/main" val="10002"/>
                   </a:ext>
                 </a:extLst>
               </a:tr>
@@ -31199,7 +30791,7 @@
                 </a:tc>
                 <a:extLst>
                   <a:ext uri="{0D108BD9-81ED-4DB2-BD59-A6C34878D82A}">
-                    <a16:rowId xmlns:a16="http://schemas.microsoft.com/office/drawing/2014/main" xmlns="" val="10007"/>
+                    <a16:rowId xmlns="" xmlns:a16="http://schemas.microsoft.com/office/drawing/2014/main" val="10007"/>
                   </a:ext>
                 </a:extLst>
               </a:tr>
@@ -31248,156 +30840,10 @@
           </a:extLst>
         </p:spPr>
       </p:pic>
-      <p:sp>
-        <p:nvSpPr>
-          <p:cNvPr id="8" name="Rectangle 7"/>
-          <p:cNvSpPr/>
-          <p:nvPr/>
-        </p:nvSpPr>
-        <p:spPr>
-          <a:xfrm>
-            <a:off x="3063777" y="3784525"/>
-            <a:ext cx="8494619" cy="1206484"/>
-          </a:xfrm>
-          <a:prstGeom prst="rect">
-            <a:avLst/>
-          </a:prstGeom>
-        </p:spPr>
-        <p:txBody>
-          <a:bodyPr wrap="square">
-            <a:spAutoFit/>
-          </a:bodyPr>
-          <a:lstStyle/>
-          <a:p>
-            <a:pPr marL="284163" lvl="0" indent="-284163">
-              <a:lnSpc>
-                <a:spcPct val="90000"/>
-              </a:lnSpc>
-              <a:spcBef>
-                <a:spcPct val="20000"/>
-              </a:spcBef>
-              <a:buSzPct val="80000"/>
-              <a:buFont typeface="Wingdings" pitchFamily="2" charset="2"/>
-              <a:buChar char=""/>
-            </a:pPr>
-            <a:r>
-              <a:rPr lang="en-US" sz="3600" spc="-70" dirty="0" smtClean="0">
-                <a:solidFill>
-                  <a:srgbClr val="EB3C00"/>
-                </a:solidFill>
-                <a:latin typeface="Segoe UI Light"/>
-              </a:rPr>
-              <a:t>Migration</a:t>
-            </a:r>
-          </a:p>
-          <a:p>
-            <a:pPr marL="517525" lvl="1" indent="-233363">
-              <a:lnSpc>
-                <a:spcPct val="90000"/>
-              </a:lnSpc>
-              <a:spcBef>
-                <a:spcPct val="20000"/>
-              </a:spcBef>
-              <a:buSzPct val="90000"/>
-              <a:buFont typeface="Wingdings" pitchFamily="2" charset="2"/>
-              <a:buChar char=""/>
-            </a:pPr>
-            <a:r>
-              <a:rPr lang="en-US" sz="2000" dirty="0" smtClean="0">
-                <a:gradFill>
-                  <a:gsLst>
-                    <a:gs pos="1250">
-                      <a:srgbClr val="797A7D"/>
-                    </a:gs>
-                    <a:gs pos="100000">
-                      <a:srgbClr val="797A7D"/>
-                    </a:gs>
-                  </a:gsLst>
-                  <a:lin ang="5400000" scaled="0"/>
-                </a:gradFill>
-              </a:rPr>
-              <a:t>The solution will be abandoned. Yammer sends automated emails when an announcement is added.</a:t>
-            </a:r>
-          </a:p>
-        </p:txBody>
-      </p:sp>
-      <p:sp>
-        <p:nvSpPr>
-          <p:cNvPr id="5" name="Rectangle 4"/>
-          <p:cNvSpPr/>
-          <p:nvPr/>
-        </p:nvSpPr>
-        <p:spPr>
-          <a:xfrm>
-            <a:off x="3173505" y="5313341"/>
-            <a:ext cx="6092825" cy="929485"/>
-          </a:xfrm>
-          <a:prstGeom prst="rect">
-            <a:avLst/>
-          </a:prstGeom>
-        </p:spPr>
-        <p:txBody>
-          <a:bodyPr>
-            <a:spAutoFit/>
-          </a:bodyPr>
-          <a:lstStyle/>
-          <a:p>
-            <a:pPr marL="284163" lvl="0" indent="-284163">
-              <a:lnSpc>
-                <a:spcPct val="90000"/>
-              </a:lnSpc>
-              <a:spcBef>
-                <a:spcPct val="20000"/>
-              </a:spcBef>
-              <a:buSzPct val="80000"/>
-              <a:buFont typeface="Wingdings" pitchFamily="2" charset="2"/>
-              <a:buChar char=""/>
-            </a:pPr>
-            <a:r>
-              <a:rPr lang="en-US" sz="3600" spc="-70" dirty="0">
-                <a:solidFill>
-                  <a:srgbClr val="EB3C00"/>
-                </a:solidFill>
-                <a:latin typeface="Segoe UI Light"/>
-              </a:rPr>
-              <a:t>Challenges</a:t>
-            </a:r>
-          </a:p>
-          <a:p>
-            <a:pPr marL="517525" lvl="1" indent="-233363">
-              <a:lnSpc>
-                <a:spcPct val="90000"/>
-              </a:lnSpc>
-              <a:spcBef>
-                <a:spcPct val="20000"/>
-              </a:spcBef>
-              <a:buSzPct val="90000"/>
-              <a:buFont typeface="Wingdings" pitchFamily="2" charset="2"/>
-              <a:buChar char=""/>
-            </a:pPr>
-            <a:r>
-              <a:rPr lang="en-US" sz="2000" dirty="0">
-                <a:gradFill>
-                  <a:gsLst>
-                    <a:gs pos="1250">
-                      <a:srgbClr val="797A7D"/>
-                    </a:gs>
-                    <a:gs pos="100000">
-                      <a:srgbClr val="797A7D"/>
-                    </a:gs>
-                  </a:gsLst>
-                  <a:lin ang="5400000" scaled="0"/>
-                </a:gradFill>
-              </a:rPr>
-              <a:t>None</a:t>
-            </a:r>
-          </a:p>
-        </p:txBody>
-      </p:sp>
     </p:spTree>
     <p:extLst>
       <p:ext uri="{BB962C8B-B14F-4D97-AF65-F5344CB8AC3E}">
-        <p14:creationId xmlns:p14="http://schemas.microsoft.com/office/powerpoint/2010/main" val="3815317068"/>
+        <p14:creationId xmlns:p14="http://schemas.microsoft.com/office/powerpoint/2010/main" val="994721949"/>
       </p:ext>
     </p:extLst>
   </p:cSld>
@@ -31417,7 +30863,7 @@
 </p:sld>
 </file>
 
-<file path=ppt/slides/slide28.xml><?xml version="1.0" encoding="utf-8"?>
+<file path=ppt/slides/slide27.xml><?xml version="1.0" encoding="utf-8"?>
 <p:sld xmlns:a="http://schemas.openxmlformats.org/drawingml/2006/main" xmlns:r="http://schemas.openxmlformats.org/officeDocument/2006/relationships" xmlns:p="http://schemas.openxmlformats.org/presentationml/2006/main">
   <p:cSld>
     <p:spTree>
@@ -31444,42 +30890,66 @@
             <p:ph type="title"/>
           </p:nvPr>
         </p:nvSpPr>
-        <p:spPr/>
+        <p:spPr>
+          <a:xfrm>
+            <a:off x="3173505" y="992992"/>
+            <a:ext cx="8494619" cy="747897"/>
+          </a:xfrm>
+        </p:spPr>
         <p:txBody>
-          <a:bodyPr/>
+          <a:bodyPr anchor="ctr"/>
           <a:lstStyle/>
           <a:p>
             <a:r>
               <a:rPr lang="nl-BE" dirty="0" smtClean="0"/>
-              <a:t>Skill Finder</a:t>
+              <a:t>News notifications</a:t>
             </a:r>
             <a:br>
               <a:rPr lang="nl-BE" dirty="0" smtClean="0"/>
             </a:br>
             <a:r>
-              <a:rPr lang="en-US" sz="3600" dirty="0" err="1">
+              <a:rPr lang="en-US" sz="3600" dirty="0" err="1" smtClean="0">
                 <a:solidFill>
                   <a:schemeClr val="accent1"/>
                 </a:solidFill>
               </a:rPr>
-              <a:t>tailspin.skillfinder.wsp</a:t>
-            </a:r>
-            <a:r>
-              <a:rPr lang="en-US" dirty="0">
+              <a:t>contoso.sharepoint.newsalerts.wsp</a:t>
+            </a:r>
+            <a:r>
+              <a:rPr lang="en-US" sz="3600" dirty="0">
                 <a:solidFill>
-                  <a:schemeClr val="dk1"/>
+                  <a:schemeClr val="accent1"/>
                 </a:solidFill>
               </a:rPr>
               <a:t/>
             </a:r>
             <a:br>
-              <a:rPr lang="en-US" dirty="0">
+              <a:rPr lang="en-US" sz="3600" dirty="0">
                 <a:solidFill>
-                  <a:schemeClr val="dk1"/>
+                  <a:schemeClr val="accent1"/>
                 </a:solidFill>
               </a:rPr>
             </a:br>
-            <a:endParaRPr lang="nl-BE" dirty="0"/>
+            <a:r>
+              <a:rPr lang="en-US" sz="3600" dirty="0">
+                <a:solidFill>
+                  <a:schemeClr val="accent1"/>
+                </a:solidFill>
+              </a:rPr>
+              <a:t/>
+            </a:r>
+            <a:br>
+              <a:rPr lang="en-US" sz="3600" dirty="0">
+                <a:solidFill>
+                  <a:schemeClr val="accent1"/>
+                </a:solidFill>
+              </a:rPr>
+            </a:br>
+            <a:endParaRPr lang="nl-BE" sz="3600" dirty="0">
+              <a:solidFill>
+                <a:schemeClr val="accent1"/>
+              </a:solidFill>
+            </a:endParaRPr>
           </a:p>
         </p:txBody>
       </p:sp>
@@ -31495,8 +30965,8 @@
         </p:nvSpPr>
         <p:spPr>
           <a:xfrm>
-            <a:off x="3173505" y="1531859"/>
-            <a:ext cx="8825990" cy="4596225"/>
+            <a:off x="3173505" y="2238374"/>
+            <a:ext cx="8494619" cy="3841584"/>
           </a:xfrm>
         </p:spPr>
         <p:txBody>
@@ -31505,76 +30975,315 @@
           <a:p>
             <a:r>
               <a:rPr lang="en-US" dirty="0" smtClean="0"/>
-              <a:t>Current Implementation</a:t>
+              <a:t>Requirements and Current </a:t>
+            </a:r>
+            <a:r>
+              <a:rPr lang="en-US" dirty="0" smtClean="0"/>
+              <a:t>Implementation:</a:t>
             </a:r>
             <a:endParaRPr lang="en-US" dirty="0"/>
           </a:p>
           <a:p>
+            <a:pPr lvl="2"/>
+            <a:r>
+              <a:rPr lang="en-US" dirty="0">
+                <a:gradFill>
+                  <a:gsLst>
+                    <a:gs pos="1250">
+                      <a:srgbClr val="797A7D"/>
+                    </a:gs>
+                    <a:gs pos="100000">
+                      <a:srgbClr val="797A7D"/>
+                    </a:gs>
+                  </a:gsLst>
+                  <a:lin ang="5400000" scaled="0"/>
+                </a:gradFill>
+              </a:rPr>
+              <a:t>Email notification is sent to employees in the event of a major </a:t>
+            </a:r>
+            <a:r>
+              <a:rPr lang="en-US" dirty="0">
+                <a:gradFill>
+                  <a:gsLst>
+                    <a:gs pos="1250">
+                      <a:srgbClr val="797A7D"/>
+                    </a:gs>
+                    <a:gs pos="100000">
+                      <a:srgbClr val="797A7D"/>
+                    </a:gs>
+                  </a:gsLst>
+                  <a:lin ang="5400000" scaled="0"/>
+                </a:gradFill>
+              </a:rPr>
+              <a:t>safety </a:t>
+            </a:r>
+            <a:r>
+              <a:rPr lang="en-US" dirty="0">
+                <a:gradFill>
+                  <a:gsLst>
+                    <a:gs pos="1250">
+                      <a:srgbClr val="797A7D"/>
+                    </a:gs>
+                    <a:gs pos="100000">
+                      <a:srgbClr val="797A7D"/>
+                    </a:gs>
+                  </a:gsLst>
+                  <a:lin ang="5400000" scaled="0"/>
+                </a:gradFill>
+              </a:rPr>
+              <a:t>incident</a:t>
+            </a:r>
+          </a:p>
+          <a:p>
+            <a:pPr lvl="2"/>
+            <a:r>
+              <a:rPr lang="en-US" dirty="0">
+                <a:gradFill>
+                  <a:gsLst>
+                    <a:gs pos="1250">
+                      <a:srgbClr val="797A7D"/>
+                    </a:gs>
+                    <a:gs pos="100000">
+                      <a:srgbClr val="797A7D"/>
+                    </a:gs>
+                  </a:gsLst>
+                  <a:lin ang="5400000" scaled="0"/>
+                </a:gradFill>
+              </a:rPr>
+              <a:t>A timer job </a:t>
+            </a:r>
+            <a:r>
+              <a:rPr lang="en-US" dirty="0" smtClean="0">
+                <a:gradFill>
+                  <a:gsLst>
+                    <a:gs pos="1250">
+                      <a:srgbClr val="797A7D"/>
+                    </a:gs>
+                    <a:gs pos="100000">
+                      <a:srgbClr val="797A7D"/>
+                    </a:gs>
+                  </a:gsLst>
+                  <a:lin ang="5400000" scaled="0"/>
+                </a:gradFill>
+              </a:rPr>
+              <a:t>runs </a:t>
+            </a:r>
+            <a:r>
+              <a:rPr lang="en-US" dirty="0">
+                <a:gradFill>
+                  <a:gsLst>
+                    <a:gs pos="1250">
+                      <a:srgbClr val="797A7D"/>
+                    </a:gs>
+                    <a:gs pos="100000">
+                      <a:srgbClr val="797A7D"/>
+                    </a:gs>
+                  </a:gsLst>
+                  <a:lin ang="5400000" scaled="0"/>
+                </a:gradFill>
+              </a:rPr>
+              <a:t>daily </a:t>
+            </a:r>
+            <a:r>
+              <a:rPr lang="en-US" dirty="0" smtClean="0">
+                <a:gradFill>
+                  <a:gsLst>
+                    <a:gs pos="1250">
+                      <a:srgbClr val="797A7D"/>
+                    </a:gs>
+                    <a:gs pos="100000">
+                      <a:srgbClr val="797A7D"/>
+                    </a:gs>
+                  </a:gsLst>
+                  <a:lin ang="5400000" scaled="0"/>
+                </a:gradFill>
+              </a:rPr>
+              <a:t>and sends </a:t>
+            </a:r>
+            <a:r>
+              <a:rPr lang="en-US" dirty="0">
+                <a:gradFill>
+                  <a:gsLst>
+                    <a:gs pos="1250">
+                      <a:srgbClr val="797A7D"/>
+                    </a:gs>
+                    <a:gs pos="100000">
+                      <a:srgbClr val="797A7D"/>
+                    </a:gs>
+                  </a:gsLst>
+                  <a:lin ang="5400000" scaled="0"/>
+                </a:gradFill>
+              </a:rPr>
+              <a:t>an email </a:t>
+            </a:r>
+            <a:r>
+              <a:rPr lang="en-US" dirty="0" smtClean="0">
+                <a:gradFill>
+                  <a:gsLst>
+                    <a:gs pos="1250">
+                      <a:srgbClr val="797A7D"/>
+                    </a:gs>
+                    <a:gs pos="100000">
+                      <a:srgbClr val="797A7D"/>
+                    </a:gs>
+                  </a:gsLst>
+                  <a:lin ang="5400000" scaled="0"/>
+                </a:gradFill>
+              </a:rPr>
+              <a:t>notification if a major incident is reported</a:t>
+            </a:r>
+            <a:endParaRPr lang="en-US" dirty="0">
+              <a:gradFill>
+                <a:gsLst>
+                  <a:gs pos="1250">
+                    <a:srgbClr val="797A7D"/>
+                  </a:gs>
+                  <a:gs pos="100000">
+                    <a:srgbClr val="797A7D"/>
+                  </a:gs>
+                </a:gsLst>
+                <a:lin ang="5400000" scaled="0"/>
+              </a:gradFill>
+            </a:endParaRPr>
+          </a:p>
+          <a:p>
+            <a:pPr lvl="0"/>
+            <a:r>
+              <a:rPr lang="en-US" dirty="0" smtClean="0">
+                <a:solidFill>
+                  <a:srgbClr val="EB3C00"/>
+                </a:solidFill>
+              </a:rPr>
+              <a:t>Migration</a:t>
+            </a:r>
+            <a:endParaRPr lang="en-US" dirty="0">
+              <a:solidFill>
+                <a:srgbClr val="EB3C00"/>
+              </a:solidFill>
+            </a:endParaRPr>
+          </a:p>
+          <a:p>
             <a:pPr lvl="1"/>
             <a:r>
-              <a:rPr lang="en-US" dirty="0" smtClean="0"/>
-              <a:t>The solution has been designed to:</a:t>
+              <a:rPr lang="en-US" dirty="0">
+                <a:gradFill>
+                  <a:gsLst>
+                    <a:gs pos="1250">
+                      <a:srgbClr val="797A7D"/>
+                    </a:gs>
+                    <a:gs pos="100000">
+                      <a:srgbClr val="797A7D"/>
+                    </a:gs>
+                  </a:gsLst>
+                  <a:lin ang="5400000" scaled="0"/>
+                </a:gradFill>
+              </a:rPr>
+              <a:t>The solution will be abandoned. </a:t>
             </a:r>
           </a:p>
           <a:p>
             <a:pPr lvl="1"/>
             <a:r>
-              <a:rPr lang="en-US" dirty="0" smtClean="0"/>
-              <a:t>Allow users to search experts based on their years of experience and past projects.</a:t>
+              <a:rPr lang="en-US" dirty="0">
+                <a:gradFill>
+                  <a:gsLst>
+                    <a:gs pos="1250">
+                      <a:srgbClr val="797A7D"/>
+                    </a:gs>
+                    <a:gs pos="100000">
+                      <a:srgbClr val="797A7D"/>
+                    </a:gs>
+                  </a:gsLst>
+                  <a:lin ang="5400000" scaled="0"/>
+                </a:gradFill>
+              </a:rPr>
+              <a:t>A major safety incident will be created as a Yammer announcement</a:t>
             </a:r>
           </a:p>
           <a:p>
             <a:pPr lvl="1"/>
             <a:r>
-              <a:rPr lang="en-US" dirty="0" smtClean="0"/>
-              <a:t>Allow the users to be able to communicate with the experts using a custom user interface.</a:t>
-            </a:r>
-            <a:endParaRPr lang="en-US" dirty="0"/>
+              <a:rPr lang="en-US" dirty="0">
+                <a:gradFill>
+                  <a:gsLst>
+                    <a:gs pos="1250">
+                      <a:srgbClr val="797A7D"/>
+                    </a:gs>
+                    <a:gs pos="100000">
+                      <a:srgbClr val="797A7D"/>
+                    </a:gs>
+                  </a:gsLst>
+                  <a:lin ang="5400000" scaled="0"/>
+                </a:gradFill>
+              </a:rPr>
+              <a:t>Yammer sends automated emails when an announcement is added</a:t>
+            </a:r>
+            <a:r>
+              <a:rPr lang="en-US" dirty="0" smtClean="0">
+                <a:gradFill>
+                  <a:gsLst>
+                    <a:gs pos="1250">
+                      <a:srgbClr val="797A7D"/>
+                    </a:gs>
+                    <a:gs pos="100000">
+                      <a:srgbClr val="797A7D"/>
+                    </a:gs>
+                  </a:gsLst>
+                  <a:lin ang="5400000" scaled="0"/>
+                </a:gradFill>
+              </a:rPr>
+              <a:t>.</a:t>
+            </a:r>
+          </a:p>
+          <a:p>
+            <a:pPr lvl="0"/>
+            <a:r>
+              <a:rPr lang="en-US" dirty="0">
+                <a:solidFill>
+                  <a:srgbClr val="EB3C00"/>
+                </a:solidFill>
+              </a:rPr>
+              <a:t>Challenges</a:t>
+            </a:r>
           </a:p>
           <a:p>
             <a:pPr lvl="1"/>
-            <a:endParaRPr lang="en-US" dirty="0"/>
-          </a:p>
-          <a:p>
-            <a:r>
-              <a:rPr lang="en-US" dirty="0" smtClean="0"/>
-              <a:t>Migration</a:t>
-            </a:r>
-            <a:endParaRPr lang="en-US" dirty="0"/>
+            <a:r>
+              <a:rPr lang="en-US" dirty="0">
+                <a:gradFill>
+                  <a:gsLst>
+                    <a:gs pos="1250">
+                      <a:srgbClr val="797A7D"/>
+                    </a:gs>
+                    <a:gs pos="100000">
+                      <a:srgbClr val="797A7D"/>
+                    </a:gs>
+                  </a:gsLst>
+                  <a:lin ang="5400000" scaled="0"/>
+                </a:gradFill>
+              </a:rPr>
+              <a:t>None</a:t>
+            </a:r>
           </a:p>
           <a:p>
             <a:pPr lvl="1"/>
-            <a:r>
-              <a:rPr lang="en-US" dirty="0" smtClean="0"/>
-              <a:t>The solution can be replaced using the SharePoint People search</a:t>
-            </a:r>
-          </a:p>
-          <a:p>
-            <a:pPr lvl="1"/>
-            <a:r>
-              <a:rPr lang="en-US" dirty="0" smtClean="0"/>
-              <a:t>The People search provides integration with Lync which can then be used to communicate with the expert using messaging or voice call.</a:t>
-            </a:r>
-            <a:endParaRPr lang="en-US" dirty="0"/>
-          </a:p>
-          <a:p>
-            <a:pPr lvl="1"/>
-            <a:endParaRPr lang="en-US" dirty="0"/>
-          </a:p>
-          <a:p>
-            <a:r>
-              <a:rPr lang="en-US" dirty="0" smtClean="0"/>
-              <a:t>Challenges</a:t>
-            </a:r>
-            <a:endParaRPr lang="en-US" dirty="0"/>
-          </a:p>
-          <a:p>
-            <a:pPr lvl="1"/>
-            <a:r>
-              <a:rPr lang="en-US" dirty="0" smtClean="0"/>
-              <a:t>None</a:t>
-            </a:r>
-            <a:endParaRPr lang="en-US" dirty="0"/>
+            <a:endParaRPr lang="en-US" dirty="0">
+              <a:gradFill>
+                <a:gsLst>
+                  <a:gs pos="1250">
+                    <a:srgbClr val="797A7D"/>
+                  </a:gs>
+                  <a:gs pos="100000">
+                    <a:srgbClr val="797A7D"/>
+                  </a:gs>
+                </a:gsLst>
+                <a:lin ang="5400000" scaled="0"/>
+              </a:gradFill>
+            </a:endParaRPr>
+          </a:p>
+          <a:p>
+            <a:pPr lvl="2"/>
+            <a:endParaRPr lang="en-US" sz="1800" dirty="0"/>
           </a:p>
         </p:txBody>
       </p:sp>
@@ -31824,20 +31533,32 @@
             </a:lvl9pPr>
           </a:lstStyle>
           <a:p>
-            <a:endParaRPr lang="en-US" dirty="0" smtClean="0"/>
+            <a:endParaRPr lang="en-US" dirty="0" smtClean="0">
+              <a:gradFill>
+                <a:gsLst>
+                  <a:gs pos="1250">
+                    <a:srgbClr val="797A7D"/>
+                  </a:gs>
+                  <a:gs pos="100000">
+                    <a:srgbClr val="797A7D"/>
+                  </a:gs>
+                </a:gsLst>
+                <a:lin ang="5400000" scaled="0"/>
+              </a:gradFill>
+            </a:endParaRPr>
           </a:p>
         </p:txBody>
       </p:sp>
       <p:graphicFrame>
         <p:nvGraphicFramePr>
-          <p:cNvPr id="6" name="Table 7"/>
+          <p:cNvPr id="7" name="Table 7"/>
           <p:cNvGraphicFramePr>
             <a:graphicFrameLocks noGrp="1"/>
           </p:cNvGraphicFramePr>
           <p:nvPr>
             <p:extLst>
               <p:ext uri="{D42A27DB-BD31-4B8C-83A1-F6EECF244321}">
-                <p14:modId xmlns:p14="http://schemas.microsoft.com/office/powerpoint/2010/main" val="2399225543"/>
+                <p14:modId xmlns:p14="http://schemas.microsoft.com/office/powerpoint/2010/main" val="283125596"/>
               </p:ext>
             </p:extLst>
           </p:nvPr>
@@ -31856,7 +31577,7 @@
                 <a:gridCol w="2373524">
                   <a:extLst>
                     <a:ext uri="{9D8B030D-6E8A-4147-A177-3AD203B41FA5}">
-                      <a16:colId xmlns:a16="http://schemas.microsoft.com/office/drawing/2014/main" xmlns="" val="20000"/>
+                      <a16:colId xmlns="" xmlns:a16="http://schemas.microsoft.com/office/drawing/2014/main" val="20000"/>
                     </a:ext>
                   </a:extLst>
                 </a:gridCol>
@@ -31870,7 +31591,7 @@
                       <a:pPr algn="ctr"/>
                       <a:r>
                         <a:rPr lang="en-US" b="1" i="0" dirty="0" smtClean="0"/>
-                        <a:t>Skill Finder</a:t>
+                        <a:t>News Notifications</a:t>
                       </a:r>
                       <a:endParaRPr lang="nl-BE" b="1" i="0" dirty="0"/>
                     </a:p>
@@ -31919,7 +31640,7 @@
                 </a:tc>
                 <a:extLst>
                   <a:ext uri="{0D108BD9-81ED-4DB2-BD59-A6C34878D82A}">
-                    <a16:rowId xmlns:a16="http://schemas.microsoft.com/office/drawing/2014/main" xmlns="" val="10000"/>
+                    <a16:rowId xmlns="" xmlns:a16="http://schemas.microsoft.com/office/drawing/2014/main" val="10000"/>
                   </a:ext>
                 </a:extLst>
               </a:tr>
@@ -31980,7 +31701,7 @@
                 </a:tc>
                 <a:extLst>
                   <a:ext uri="{0D108BD9-81ED-4DB2-BD59-A6C34878D82A}">
-                    <a16:rowId xmlns:a16="http://schemas.microsoft.com/office/drawing/2014/main" xmlns="" val="10001"/>
+                    <a16:rowId xmlns="" xmlns:a16="http://schemas.microsoft.com/office/drawing/2014/main" val="10001"/>
                   </a:ext>
                 </a:extLst>
               </a:tr>
@@ -32044,13 +31765,13 @@
                       <a:tailEnd type="none" w="med" len="med"/>
                     </a:lnB>
                     <a:solidFill>
-                      <a:schemeClr val="accent2"/>
+                      <a:srgbClr val="00B050"/>
                     </a:solidFill>
                   </a:tcPr>
                 </a:tc>
                 <a:extLst>
                   <a:ext uri="{0D108BD9-81ED-4DB2-BD59-A6C34878D82A}">
-                    <a16:rowId xmlns:a16="http://schemas.microsoft.com/office/drawing/2014/main" xmlns="" val="10002"/>
+                    <a16:rowId xmlns="" xmlns:a16="http://schemas.microsoft.com/office/drawing/2014/main" val="10002"/>
                   </a:ext>
                 </a:extLst>
               </a:tr>
@@ -32128,7 +31849,806 @@
                 </a:tc>
                 <a:extLst>
                   <a:ext uri="{0D108BD9-81ED-4DB2-BD59-A6C34878D82A}">
-                    <a16:rowId xmlns:a16="http://schemas.microsoft.com/office/drawing/2014/main" xmlns="" val="10007"/>
+                    <a16:rowId xmlns="" xmlns:a16="http://schemas.microsoft.com/office/drawing/2014/main" val="10007"/>
+                  </a:ext>
+                </a:extLst>
+              </a:tr>
+            </a:tbl>
+          </a:graphicData>
+        </a:graphic>
+      </p:graphicFrame>
+      <p:pic>
+        <p:nvPicPr>
+          <p:cNvPr id="2052" name="Picture 4" descr="http://wordlabs.ru/wp-content/uploads/2015/02/Contoso-logo.png"/>
+          <p:cNvPicPr>
+            <a:picLocks noChangeAspect="1" noChangeArrowheads="1"/>
+          </p:cNvPicPr>
+          <p:nvPr/>
+        </p:nvPicPr>
+        <p:blipFill>
+          <a:blip r:embed="rId3">
+            <a:extLst>
+              <a:ext uri="{28A0092B-C50C-407E-A947-70E740481C1C}">
+                <a14:useLocalDpi xmlns:a14="http://schemas.microsoft.com/office/drawing/2010/main" val="0"/>
+              </a:ext>
+            </a:extLst>
+          </a:blip>
+          <a:srcRect/>
+          <a:stretch>
+            <a:fillRect/>
+          </a:stretch>
+        </p:blipFill>
+        <p:spPr bwMode="auto">
+          <a:xfrm>
+            <a:off x="296955" y="2052637"/>
+            <a:ext cx="1676400" cy="904876"/>
+          </a:xfrm>
+          <a:prstGeom prst="rect">
+            <a:avLst/>
+          </a:prstGeom>
+          <a:noFill/>
+          <a:extLst>
+            <a:ext uri="{909E8E84-426E-40DD-AFC4-6F175D3DCCD1}">
+              <a14:hiddenFill xmlns:a14="http://schemas.microsoft.com/office/drawing/2010/main">
+                <a:solidFill>
+                  <a:srgbClr val="FFFFFF"/>
+                </a:solidFill>
+              </a14:hiddenFill>
+            </a:ext>
+          </a:extLst>
+        </p:spPr>
+      </p:pic>
+    </p:spTree>
+    <p:extLst>
+      <p:ext uri="{BB962C8B-B14F-4D97-AF65-F5344CB8AC3E}">
+        <p14:creationId xmlns:p14="http://schemas.microsoft.com/office/powerpoint/2010/main" val="3815317068"/>
+      </p:ext>
+    </p:extLst>
+  </p:cSld>
+  <p:clrMapOvr>
+    <a:masterClrMapping/>
+  </p:clrMapOvr>
+  <p:transition>
+    <p:fade/>
+  </p:transition>
+  <p:timing>
+    <p:tnLst>
+      <p:par>
+        <p:cTn id="1" dur="indefinite" restart="never" nodeType="tmRoot"/>
+      </p:par>
+    </p:tnLst>
+  </p:timing>
+</p:sld>
+</file>
+
+<file path=ppt/slides/slide28.xml><?xml version="1.0" encoding="utf-8"?>
+<p:sld xmlns:a="http://schemas.openxmlformats.org/drawingml/2006/main" xmlns:r="http://schemas.openxmlformats.org/officeDocument/2006/relationships" xmlns:p="http://schemas.openxmlformats.org/presentationml/2006/main">
+  <p:cSld>
+    <p:spTree>
+      <p:nvGrpSpPr>
+        <p:cNvPr id="1" name=""/>
+        <p:cNvGrpSpPr/>
+        <p:nvPr/>
+      </p:nvGrpSpPr>
+      <p:grpSpPr>
+        <a:xfrm>
+          <a:off x="0" y="0"/>
+          <a:ext cx="0" cy="0"/>
+          <a:chOff x="0" y="0"/>
+          <a:chExt cx="0" cy="0"/>
+        </a:xfrm>
+      </p:grpSpPr>
+      <p:sp>
+        <p:nvSpPr>
+          <p:cNvPr id="2" name="Title 1"/>
+          <p:cNvSpPr>
+            <a:spLocks noGrp="1"/>
+          </p:cNvSpPr>
+          <p:nvPr>
+            <p:ph type="title"/>
+          </p:nvPr>
+        </p:nvSpPr>
+        <p:spPr/>
+        <p:txBody>
+          <a:bodyPr/>
+          <a:lstStyle/>
+          <a:p>
+            <a:r>
+              <a:rPr lang="nl-BE" dirty="0" smtClean="0"/>
+              <a:t>Skill Finder</a:t>
+            </a:r>
+            <a:br>
+              <a:rPr lang="nl-BE" dirty="0" smtClean="0"/>
+            </a:br>
+            <a:r>
+              <a:rPr lang="en-US" sz="3600" dirty="0" err="1">
+                <a:solidFill>
+                  <a:schemeClr val="accent1"/>
+                </a:solidFill>
+              </a:rPr>
+              <a:t>tailspin.skillfinder.wsp</a:t>
+            </a:r>
+            <a:r>
+              <a:rPr lang="en-US" dirty="0">
+                <a:solidFill>
+                  <a:schemeClr val="dk1"/>
+                </a:solidFill>
+              </a:rPr>
+              <a:t/>
+            </a:r>
+            <a:br>
+              <a:rPr lang="en-US" dirty="0">
+                <a:solidFill>
+                  <a:schemeClr val="dk1"/>
+                </a:solidFill>
+              </a:rPr>
+            </a:br>
+            <a:endParaRPr lang="nl-BE" dirty="0"/>
+          </a:p>
+        </p:txBody>
+      </p:sp>
+      <p:sp>
+        <p:nvSpPr>
+          <p:cNvPr id="11" name="Text Placeholder 10"/>
+          <p:cNvSpPr>
+            <a:spLocks noGrp="1"/>
+          </p:cNvSpPr>
+          <p:nvPr>
+            <p:ph type="body" sz="quarter" idx="10"/>
+          </p:nvPr>
+        </p:nvSpPr>
+        <p:spPr>
+          <a:xfrm>
+            <a:off x="3173505" y="1531859"/>
+            <a:ext cx="8825990" cy="4596225"/>
+          </a:xfrm>
+        </p:spPr>
+        <p:txBody>
+          <a:bodyPr/>
+          <a:lstStyle/>
+          <a:p>
+            <a:r>
+              <a:rPr lang="en-US" dirty="0" smtClean="0"/>
+              <a:t>Current Implementation</a:t>
+            </a:r>
+            <a:endParaRPr lang="en-US" dirty="0"/>
+          </a:p>
+          <a:p>
+            <a:pPr lvl="1"/>
+            <a:r>
+              <a:rPr lang="en-US" dirty="0" smtClean="0"/>
+              <a:t>The solution has been designed to:</a:t>
+            </a:r>
+          </a:p>
+          <a:p>
+            <a:pPr lvl="1"/>
+            <a:r>
+              <a:rPr lang="en-US" dirty="0" smtClean="0"/>
+              <a:t>Allow users to search experts based on their years of experience and past projects</a:t>
+            </a:r>
+            <a:r>
+              <a:rPr lang="en-US" dirty="0" smtClean="0"/>
+              <a:t>.</a:t>
+            </a:r>
+          </a:p>
+          <a:p>
+            <a:pPr lvl="1"/>
+            <a:r>
+              <a:rPr lang="en-US" dirty="0" smtClean="0"/>
+              <a:t>The custom web part queries the SharePoint user profile,</a:t>
+            </a:r>
+            <a:endParaRPr lang="en-US" dirty="0" smtClean="0"/>
+          </a:p>
+          <a:p>
+            <a:pPr lvl="1"/>
+            <a:r>
+              <a:rPr lang="en-US" dirty="0" smtClean="0"/>
+              <a:t>Allow the users to be able to communicate with the experts using </a:t>
+            </a:r>
+            <a:r>
+              <a:rPr lang="en-US" dirty="0" smtClean="0"/>
+              <a:t>SharePoint social.</a:t>
+            </a:r>
+            <a:endParaRPr lang="en-US" dirty="0"/>
+          </a:p>
+          <a:p>
+            <a:r>
+              <a:rPr lang="en-US" dirty="0" smtClean="0"/>
+              <a:t>Migration</a:t>
+            </a:r>
+            <a:endParaRPr lang="en-US" dirty="0"/>
+          </a:p>
+          <a:p>
+            <a:pPr lvl="1"/>
+            <a:r>
+              <a:rPr lang="en-US" dirty="0" smtClean="0"/>
+              <a:t>The solution can be replaced using the SharePoint People search</a:t>
+            </a:r>
+          </a:p>
+          <a:p>
+            <a:pPr lvl="1"/>
+            <a:r>
+              <a:rPr lang="en-US" dirty="0" smtClean="0"/>
+              <a:t>The People search provides integration with Lync which can then be used to communicate with the </a:t>
+            </a:r>
+            <a:r>
+              <a:rPr lang="en-US" dirty="0" smtClean="0"/>
+              <a:t>experts </a:t>
+            </a:r>
+            <a:r>
+              <a:rPr lang="en-US" dirty="0" smtClean="0"/>
+              <a:t>using messaging or voice call.</a:t>
+            </a:r>
+            <a:endParaRPr lang="en-US" dirty="0"/>
+          </a:p>
+          <a:p>
+            <a:r>
+              <a:rPr lang="en-US" dirty="0" smtClean="0"/>
+              <a:t>Challenges</a:t>
+            </a:r>
+            <a:endParaRPr lang="en-US" dirty="0"/>
+          </a:p>
+          <a:p>
+            <a:pPr lvl="1"/>
+            <a:r>
+              <a:rPr lang="en-US" dirty="0" smtClean="0"/>
+              <a:t>None</a:t>
+            </a:r>
+            <a:endParaRPr lang="en-US" dirty="0"/>
+          </a:p>
+        </p:txBody>
+      </p:sp>
+      <p:sp>
+        <p:nvSpPr>
+          <p:cNvPr id="4" name="Text Placeholder 6"/>
+          <p:cNvSpPr txBox="1">
+            <a:spLocks/>
+          </p:cNvSpPr>
+          <p:nvPr/>
+        </p:nvSpPr>
+        <p:spPr>
+          <a:xfrm>
+            <a:off x="3173505" y="1243404"/>
+            <a:ext cx="8494619" cy="2043636"/>
+          </a:xfrm>
+          <a:prstGeom prst="rect">
+            <a:avLst/>
+          </a:prstGeom>
+        </p:spPr>
+        <p:txBody>
+          <a:bodyPr/>
+          <a:lstStyle>
+            <a:lvl1pPr marL="339725" marR="0" indent="-339725" algn="l" defTabSz="914363" rtl="0" eaLnBrk="1" fontAlgn="auto" latinLnBrk="0" hangingPunct="1">
+              <a:lnSpc>
+                <a:spcPct val="90000"/>
+              </a:lnSpc>
+              <a:spcBef>
+                <a:spcPct val="20000"/>
+              </a:spcBef>
+              <a:spcAft>
+                <a:spcPts val="0"/>
+              </a:spcAft>
+              <a:buClrTx/>
+              <a:buSzPct val="80000"/>
+              <a:buFont typeface="Arial" pitchFamily="34" charset="0"/>
+              <a:buChar char="•"/>
+              <a:tabLst/>
+              <a:defRPr sz="3600" kern="1200" spc="-70" baseline="0">
+                <a:gradFill>
+                  <a:gsLst>
+                    <a:gs pos="1250">
+                      <a:schemeClr val="bg2"/>
+                    </a:gs>
+                    <a:gs pos="100000">
+                      <a:schemeClr val="bg2"/>
+                    </a:gs>
+                  </a:gsLst>
+                  <a:lin ang="5400000" scaled="0"/>
+                </a:gradFill>
+                <a:latin typeface="+mj-lt"/>
+                <a:ea typeface="+mn-ea"/>
+                <a:cs typeface="+mn-cs"/>
+              </a:defRPr>
+            </a:lvl1pPr>
+            <a:lvl2pPr marL="573088" marR="0" indent="-233363" algn="l" defTabSz="914363" rtl="0" eaLnBrk="1" fontAlgn="auto" latinLnBrk="0" hangingPunct="1">
+              <a:lnSpc>
+                <a:spcPct val="90000"/>
+              </a:lnSpc>
+              <a:spcBef>
+                <a:spcPct val="20000"/>
+              </a:spcBef>
+              <a:spcAft>
+                <a:spcPts val="0"/>
+              </a:spcAft>
+              <a:buClrTx/>
+              <a:buSzPct val="90000"/>
+              <a:buFont typeface="Wingdings" pitchFamily="2" charset="2"/>
+              <a:buChar char=""/>
+              <a:tabLst/>
+              <a:defRPr sz="2400" kern="1200" spc="0" baseline="0">
+                <a:gradFill>
+                  <a:gsLst>
+                    <a:gs pos="1250">
+                      <a:schemeClr val="bg2"/>
+                    </a:gs>
+                    <a:gs pos="100000">
+                      <a:schemeClr val="bg2"/>
+                    </a:gs>
+                  </a:gsLst>
+                  <a:lin ang="5400000" scaled="0"/>
+                </a:gradFill>
+                <a:latin typeface="+mn-lt"/>
+                <a:ea typeface="+mn-ea"/>
+                <a:cs typeface="+mn-cs"/>
+              </a:defRPr>
+            </a:lvl2pPr>
+            <a:lvl3pPr marL="798513" marR="0" indent="-225425" algn="l" defTabSz="914363" rtl="0" eaLnBrk="1" fontAlgn="auto" latinLnBrk="0" hangingPunct="1">
+              <a:lnSpc>
+                <a:spcPct val="90000"/>
+              </a:lnSpc>
+              <a:spcBef>
+                <a:spcPct val="20000"/>
+              </a:spcBef>
+              <a:spcAft>
+                <a:spcPts val="0"/>
+              </a:spcAft>
+              <a:buClrTx/>
+              <a:buSzPct val="90000"/>
+              <a:buFont typeface="Wingdings" pitchFamily="2" charset="2"/>
+              <a:buChar char=""/>
+              <a:tabLst>
+                <a:tab pos="798513" algn="l"/>
+              </a:tabLst>
+              <a:defRPr sz="2400" kern="1200" spc="0" baseline="0">
+                <a:gradFill>
+                  <a:gsLst>
+                    <a:gs pos="1250">
+                      <a:schemeClr val="bg2"/>
+                    </a:gs>
+                    <a:gs pos="100000">
+                      <a:schemeClr val="bg2"/>
+                    </a:gs>
+                  </a:gsLst>
+                  <a:lin ang="5400000" scaled="0"/>
+                </a:gradFill>
+                <a:latin typeface="+mn-lt"/>
+                <a:ea typeface="+mn-ea"/>
+                <a:cs typeface="+mn-cs"/>
+              </a:defRPr>
+            </a:lvl3pPr>
+            <a:lvl4pPr marL="1030288" marR="0" indent="-231775" algn="l" defTabSz="914363" rtl="0" eaLnBrk="1" fontAlgn="auto" latinLnBrk="0" hangingPunct="1">
+              <a:lnSpc>
+                <a:spcPct val="90000"/>
+              </a:lnSpc>
+              <a:spcBef>
+                <a:spcPct val="20000"/>
+              </a:spcBef>
+              <a:spcAft>
+                <a:spcPts val="0"/>
+              </a:spcAft>
+              <a:buClrTx/>
+              <a:buSzPct val="90000"/>
+              <a:buFont typeface="Wingdings" pitchFamily="2" charset="2"/>
+              <a:buChar char=""/>
+              <a:tabLst/>
+              <a:defRPr sz="2000" kern="1200" spc="0" baseline="0">
+                <a:gradFill>
+                  <a:gsLst>
+                    <a:gs pos="1250">
+                      <a:schemeClr val="bg2"/>
+                    </a:gs>
+                    <a:gs pos="100000">
+                      <a:schemeClr val="bg2"/>
+                    </a:gs>
+                  </a:gsLst>
+                  <a:lin ang="5400000" scaled="0"/>
+                </a:gradFill>
+                <a:latin typeface="+mn-lt"/>
+                <a:ea typeface="+mn-ea"/>
+                <a:cs typeface="+mn-cs"/>
+              </a:defRPr>
+            </a:lvl4pPr>
+            <a:lvl5pPr marL="1255713" marR="0" indent="-225425" algn="l" defTabSz="914363" rtl="0" eaLnBrk="1" fontAlgn="auto" latinLnBrk="0" hangingPunct="1">
+              <a:lnSpc>
+                <a:spcPct val="90000"/>
+              </a:lnSpc>
+              <a:spcBef>
+                <a:spcPct val="20000"/>
+              </a:spcBef>
+              <a:spcAft>
+                <a:spcPts val="0"/>
+              </a:spcAft>
+              <a:buClrTx/>
+              <a:buSzPct val="90000"/>
+              <a:buFont typeface="Wingdings" pitchFamily="2" charset="2"/>
+              <a:buChar char=""/>
+              <a:tabLst>
+                <a:tab pos="1255713" algn="l"/>
+              </a:tabLst>
+              <a:defRPr sz="2000" kern="1200" spc="0" baseline="0">
+                <a:gradFill>
+                  <a:gsLst>
+                    <a:gs pos="1250">
+                      <a:schemeClr val="bg2"/>
+                    </a:gs>
+                    <a:gs pos="100000">
+                      <a:schemeClr val="bg2"/>
+                    </a:gs>
+                  </a:gsLst>
+                  <a:lin ang="5400000" scaled="0"/>
+                </a:gradFill>
+                <a:latin typeface="+mn-lt"/>
+                <a:ea typeface="+mn-ea"/>
+                <a:cs typeface="+mn-cs"/>
+              </a:defRPr>
+            </a:lvl5pPr>
+            <a:lvl6pPr marL="2514499" indent="-228591" algn="l" defTabSz="914363" rtl="0" eaLnBrk="1" latinLnBrk="0" hangingPunct="1">
+              <a:spcBef>
+                <a:spcPct val="20000"/>
+              </a:spcBef>
+              <a:buFont typeface="Arial" pitchFamily="34" charset="0"/>
+              <a:buChar char="•"/>
+              <a:defRPr sz="2000" kern="1200">
+                <a:solidFill>
+                  <a:schemeClr val="tx1"/>
+                </a:solidFill>
+                <a:latin typeface="+mn-lt"/>
+                <a:ea typeface="+mn-ea"/>
+                <a:cs typeface="+mn-cs"/>
+              </a:defRPr>
+            </a:lvl6pPr>
+            <a:lvl7pPr marL="2971681" indent="-228591" algn="l" defTabSz="914363" rtl="0" eaLnBrk="1" latinLnBrk="0" hangingPunct="1">
+              <a:spcBef>
+                <a:spcPct val="20000"/>
+              </a:spcBef>
+              <a:buFont typeface="Arial" pitchFamily="34" charset="0"/>
+              <a:buChar char="•"/>
+              <a:defRPr sz="2000" kern="1200">
+                <a:solidFill>
+                  <a:schemeClr val="tx1"/>
+                </a:solidFill>
+                <a:latin typeface="+mn-lt"/>
+                <a:ea typeface="+mn-ea"/>
+                <a:cs typeface="+mn-cs"/>
+              </a:defRPr>
+            </a:lvl7pPr>
+            <a:lvl8pPr marL="3428863" indent="-228591" algn="l" defTabSz="914363" rtl="0" eaLnBrk="1" latinLnBrk="0" hangingPunct="1">
+              <a:spcBef>
+                <a:spcPct val="20000"/>
+              </a:spcBef>
+              <a:buFont typeface="Arial" pitchFamily="34" charset="0"/>
+              <a:buChar char="•"/>
+              <a:defRPr sz="2000" kern="1200">
+                <a:solidFill>
+                  <a:schemeClr val="tx1"/>
+                </a:solidFill>
+                <a:latin typeface="+mn-lt"/>
+                <a:ea typeface="+mn-ea"/>
+                <a:cs typeface="+mn-cs"/>
+              </a:defRPr>
+            </a:lvl8pPr>
+            <a:lvl9pPr marL="3886045" indent="-228591" algn="l" defTabSz="914363" rtl="0" eaLnBrk="1" latinLnBrk="0" hangingPunct="1">
+              <a:spcBef>
+                <a:spcPct val="20000"/>
+              </a:spcBef>
+              <a:buFont typeface="Arial" pitchFamily="34" charset="0"/>
+              <a:buChar char="•"/>
+              <a:defRPr sz="2000" kern="1200">
+                <a:solidFill>
+                  <a:schemeClr val="tx1"/>
+                </a:solidFill>
+                <a:latin typeface="+mn-lt"/>
+                <a:ea typeface="+mn-ea"/>
+                <a:cs typeface="+mn-cs"/>
+              </a:defRPr>
+            </a:lvl9pPr>
+          </a:lstStyle>
+          <a:p>
+            <a:endParaRPr lang="en-US" dirty="0" smtClean="0"/>
+          </a:p>
+        </p:txBody>
+      </p:sp>
+      <p:graphicFrame>
+        <p:nvGraphicFramePr>
+          <p:cNvPr id="6" name="Table 7"/>
+          <p:cNvGraphicFramePr>
+            <a:graphicFrameLocks noGrp="1"/>
+          </p:cNvGraphicFramePr>
+          <p:nvPr>
+            <p:extLst>
+              <p:ext uri="{D42A27DB-BD31-4B8C-83A1-F6EECF244321}">
+                <p14:modId xmlns:p14="http://schemas.microsoft.com/office/powerpoint/2010/main" val="2399225543"/>
+              </p:ext>
+            </p:extLst>
+          </p:nvPr>
+        </p:nvGraphicFramePr>
+        <p:xfrm>
+          <a:off x="291646" y="425158"/>
+          <a:ext cx="2373524" cy="1483360"/>
+        </p:xfrm>
+        <a:graphic>
+          <a:graphicData uri="http://schemas.openxmlformats.org/drawingml/2006/table">
+            <a:tbl>
+              <a:tblPr>
+                <a:tableStyleId>{2D5ABB26-0587-4C30-8999-92F81FD0307C}</a:tableStyleId>
+              </a:tblPr>
+              <a:tblGrid>
+                <a:gridCol w="2373524">
+                  <a:extLst>
+                    <a:ext uri="{9D8B030D-6E8A-4147-A177-3AD203B41FA5}">
+                      <a16:colId xmlns="" xmlns:a16="http://schemas.microsoft.com/office/drawing/2014/main" val="20000"/>
+                    </a:ext>
+                  </a:extLst>
+                </a:gridCol>
+              </a:tblGrid>
+              <a:tr h="370840">
+                <a:tc>
+                  <a:txBody>
+                    <a:bodyPr/>
+                    <a:lstStyle/>
+                    <a:p>
+                      <a:pPr algn="ctr"/>
+                      <a:r>
+                        <a:rPr lang="en-US" b="1" i="0" dirty="0" smtClean="0"/>
+                        <a:t>Skill Finder</a:t>
+                      </a:r>
+                      <a:endParaRPr lang="nl-BE" b="1" i="0" dirty="0"/>
+                    </a:p>
+                  </a:txBody>
+                  <a:tcPr>
+                    <a:lnL w="12700" cap="flat" cmpd="sng" algn="ctr">
+                      <a:solidFill>
+                        <a:schemeClr val="tx1"/>
+                      </a:solidFill>
+                      <a:prstDash val="solid"/>
+                      <a:round/>
+                      <a:headEnd type="none" w="med" len="med"/>
+                      <a:tailEnd type="none" w="med" len="med"/>
+                    </a:lnL>
+                    <a:lnR w="12700" cap="flat" cmpd="sng" algn="ctr">
+                      <a:solidFill>
+                        <a:schemeClr val="tx1"/>
+                      </a:solidFill>
+                      <a:prstDash val="solid"/>
+                      <a:round/>
+                      <a:headEnd type="none" w="med" len="med"/>
+                      <a:tailEnd type="none" w="med" len="med"/>
+                    </a:lnR>
+                    <a:lnT w="12700" cap="flat" cmpd="sng" algn="ctr">
+                      <a:solidFill>
+                        <a:schemeClr val="tx1"/>
+                      </a:solidFill>
+                      <a:prstDash val="solid"/>
+                      <a:round/>
+                      <a:headEnd type="none" w="med" len="med"/>
+                      <a:tailEnd type="none" w="med" len="med"/>
+                    </a:lnT>
+                    <a:lnB w="12700" cap="flat" cmpd="sng" algn="ctr">
+                      <a:solidFill>
+                        <a:schemeClr val="tx1"/>
+                      </a:solidFill>
+                      <a:prstDash val="solid"/>
+                      <a:round/>
+                      <a:headEnd type="none" w="med" len="med"/>
+                      <a:tailEnd type="none" w="med" len="med"/>
+                    </a:lnB>
+                    <a:solidFill>
+                      <a:schemeClr val="bg1"/>
+                    </a:solidFill>
+                  </a:tcPr>
+                </a:tc>
+                <a:extLst>
+                  <a:ext uri="{0D108BD9-81ED-4DB2-BD59-A6C34878D82A}">
+                    <a16:rowId xmlns="" xmlns:a16="http://schemas.microsoft.com/office/drawing/2014/main" val="10000"/>
+                  </a:ext>
+                </a:extLst>
+              </a:tr>
+              <a:tr h="370840">
+                <a:tc>
+                  <a:txBody>
+                    <a:bodyPr/>
+                    <a:lstStyle/>
+                    <a:p>
+                      <a:r>
+                        <a:rPr lang="en-US" i="1" dirty="0" smtClean="0"/>
+                        <a:t>Complexity:</a:t>
+                      </a:r>
+                      <a:endParaRPr lang="nl-BE" i="1" dirty="0"/>
+                    </a:p>
+                  </a:txBody>
+                  <a:tcPr>
+                    <a:lnL w="12700" cap="flat" cmpd="sng" algn="ctr">
+                      <a:solidFill>
+                        <a:schemeClr val="tx1"/>
+                      </a:solidFill>
+                      <a:prstDash val="solid"/>
+                      <a:round/>
+                      <a:headEnd type="none" w="med" len="med"/>
+                      <a:tailEnd type="none" w="med" len="med"/>
+                    </a:lnL>
+                    <a:lnR w="12700" cap="flat" cmpd="sng" algn="ctr">
+                      <a:solidFill>
+                        <a:schemeClr val="tx1"/>
+                      </a:solidFill>
+                      <a:prstDash val="solid"/>
+                      <a:round/>
+                      <a:headEnd type="none" w="med" len="med"/>
+                      <a:tailEnd type="none" w="med" len="med"/>
+                    </a:lnR>
+                    <a:lnT w="12700" cap="flat" cmpd="sng" algn="ctr">
+                      <a:solidFill>
+                        <a:schemeClr val="tx1"/>
+                      </a:solidFill>
+                      <a:prstDash val="solid"/>
+                      <a:round/>
+                      <a:headEnd type="none" w="med" len="med"/>
+                      <a:tailEnd type="none" w="med" len="med"/>
+                    </a:lnT>
+                    <a:lnB w="12700" cap="flat" cmpd="sng" algn="ctr">
+                      <a:solidFill>
+                        <a:schemeClr val="tx1"/>
+                      </a:solidFill>
+                      <a:prstDash val="solid"/>
+                      <a:round/>
+                      <a:headEnd type="none" w="med" len="med"/>
+                      <a:tailEnd type="none" w="med" len="med"/>
+                    </a:lnB>
+                    <a:solidFill>
+                      <a:schemeClr val="bg1"/>
+                    </a:solidFill>
+                  </a:tcPr>
+                </a:tc>
+                <a:extLst>
+                  <a:ext uri="{0D108BD9-81ED-4DB2-BD59-A6C34878D82A}">
+                    <a16:rowId xmlns="" xmlns:a16="http://schemas.microsoft.com/office/drawing/2014/main" val="10001"/>
+                  </a:ext>
+                </a:extLst>
+              </a:tr>
+              <a:tr h="370840">
+                <a:tc>
+                  <a:txBody>
+                    <a:bodyPr/>
+                    <a:lstStyle/>
+                    <a:p>
+                      <a:pPr algn="ctr"/>
+                      <a:r>
+                        <a:rPr lang="en-US" dirty="0" smtClean="0">
+                          <a:solidFill>
+                            <a:schemeClr val="bg1"/>
+                          </a:solidFill>
+                        </a:rPr>
+                        <a:t>Medium</a:t>
+                      </a:r>
+                      <a:endParaRPr lang="nl-BE" dirty="0">
+                        <a:solidFill>
+                          <a:schemeClr val="bg1"/>
+                        </a:solidFill>
+                      </a:endParaRPr>
+                    </a:p>
+                  </a:txBody>
+                  <a:tcPr>
+                    <a:lnL w="12700" cap="flat" cmpd="sng" algn="ctr">
+                      <a:solidFill>
+                        <a:schemeClr val="tx1"/>
+                      </a:solidFill>
+                      <a:prstDash val="solid"/>
+                      <a:round/>
+                      <a:headEnd type="none" w="med" len="med"/>
+                      <a:tailEnd type="none" w="med" len="med"/>
+                    </a:lnL>
+                    <a:lnR w="12700" cap="flat" cmpd="sng" algn="ctr">
+                      <a:solidFill>
+                        <a:schemeClr val="tx1"/>
+                      </a:solidFill>
+                      <a:prstDash val="solid"/>
+                      <a:round/>
+                      <a:headEnd type="none" w="med" len="med"/>
+                      <a:tailEnd type="none" w="med" len="med"/>
+                    </a:lnR>
+                    <a:lnT w="12700" cap="flat" cmpd="sng" algn="ctr">
+                      <a:solidFill>
+                        <a:schemeClr val="tx1"/>
+                      </a:solidFill>
+                      <a:prstDash val="solid"/>
+                      <a:round/>
+                      <a:headEnd type="none" w="med" len="med"/>
+                      <a:tailEnd type="none" w="med" len="med"/>
+                    </a:lnT>
+                    <a:lnB w="12700" cap="flat" cmpd="sng" algn="ctr">
+                      <a:solidFill>
+                        <a:schemeClr val="tx1"/>
+                      </a:solidFill>
+                      <a:prstDash val="solid"/>
+                      <a:round/>
+                      <a:headEnd type="none" w="med" len="med"/>
+                      <a:tailEnd type="none" w="med" len="med"/>
+                    </a:lnB>
+                    <a:solidFill>
+                      <a:schemeClr val="accent2"/>
+                    </a:solidFill>
+                  </a:tcPr>
+                </a:tc>
+                <a:extLst>
+                  <a:ext uri="{0D108BD9-81ED-4DB2-BD59-A6C34878D82A}">
+                    <a16:rowId xmlns="" xmlns:a16="http://schemas.microsoft.com/office/drawing/2014/main" val="10002"/>
+                  </a:ext>
+                </a:extLst>
+              </a:tr>
+              <a:tr h="370840">
+                <a:tc>
+                  <a:txBody>
+                    <a:bodyPr/>
+                    <a:lstStyle/>
+                    <a:p>
+                      <a:pPr marL="0" marR="0" indent="0" algn="l" defTabSz="914363" rtl="0" eaLnBrk="1" fontAlgn="auto" latinLnBrk="0" hangingPunct="1">
+                        <a:lnSpc>
+                          <a:spcPct val="100000"/>
+                        </a:lnSpc>
+                        <a:spcBef>
+                          <a:spcPts val="0"/>
+                        </a:spcBef>
+                        <a:spcAft>
+                          <a:spcPts val="0"/>
+                        </a:spcAft>
+                        <a:buClrTx/>
+                        <a:buSzTx/>
+                        <a:buFont typeface="Arial" panose="020B0604020202020204" pitchFamily="34" charset="0"/>
+                        <a:buNone/>
+                        <a:tabLst/>
+                        <a:defRPr/>
+                      </a:pPr>
+                      <a:r>
+                        <a:rPr lang="en-US" i="1" dirty="0" smtClean="0"/>
+                        <a:t>Owner: Contoso</a:t>
+                      </a:r>
+                      <a:endParaRPr lang="nl-BE" i="1" dirty="0" smtClean="0"/>
+                    </a:p>
+                  </a:txBody>
+                  <a:tcPr>
+                    <a:lnL w="12700" cap="flat" cmpd="sng" algn="ctr">
+                      <a:solidFill>
+                        <a:schemeClr val="tx1"/>
+                      </a:solidFill>
+                      <a:prstDash val="solid"/>
+                      <a:round/>
+                      <a:headEnd type="none" w="med" len="med"/>
+                      <a:tailEnd type="none" w="med" len="med"/>
+                    </a:lnL>
+                    <a:lnR w="12700" cap="flat" cmpd="sng" algn="ctr">
+                      <a:solidFill>
+                        <a:schemeClr val="tx1"/>
+                      </a:solidFill>
+                      <a:prstDash val="solid"/>
+                      <a:round/>
+                      <a:headEnd type="none" w="med" len="med"/>
+                      <a:tailEnd type="none" w="med" len="med"/>
+                    </a:lnR>
+                    <a:lnT w="12700" cap="flat" cmpd="sng" algn="ctr">
+                      <a:solidFill>
+                        <a:schemeClr val="tx1"/>
+                      </a:solidFill>
+                      <a:prstDash val="solid"/>
+                      <a:round/>
+                      <a:headEnd type="none" w="med" len="med"/>
+                      <a:tailEnd type="none" w="med" len="med"/>
+                    </a:lnT>
+                    <a:lnB w="12700" cap="flat" cmpd="sng" algn="ctr">
+                      <a:solidFill>
+                        <a:schemeClr val="tx1"/>
+                      </a:solidFill>
+                      <a:prstDash val="solid"/>
+                      <a:round/>
+                      <a:headEnd type="none" w="med" len="med"/>
+                      <a:tailEnd type="none" w="med" len="med"/>
+                    </a:lnB>
+                    <a:solidFill>
+                      <a:schemeClr val="bg1"/>
+                    </a:solidFill>
+                  </a:tcPr>
+                </a:tc>
+                <a:extLst>
+                  <a:ext uri="{0D108BD9-81ED-4DB2-BD59-A6C34878D82A}">
+                    <a16:rowId xmlns="" xmlns:a16="http://schemas.microsoft.com/office/drawing/2014/main" val="10007"/>
                   </a:ext>
                 </a:extLst>
               </a:tr>
@@ -32287,7 +32807,11 @@
           <a:p>
             <a:r>
               <a:rPr lang="en-US" dirty="0" smtClean="0"/>
-              <a:t>Current Implementation:</a:t>
+              <a:t>Requirements and Current </a:t>
+            </a:r>
+            <a:r>
+              <a:rPr lang="en-US" dirty="0" smtClean="0"/>
+              <a:t>Implementation:</a:t>
             </a:r>
           </a:p>
           <a:p>
@@ -32321,8 +32845,20 @@
             </a:r>
             <a:r>
               <a:rPr lang="en-US" dirty="0" smtClean="0"/>
-              <a:t> outlets</a:t>
-            </a:r>
+              <a:t> </a:t>
+            </a:r>
+            <a:r>
+              <a:rPr lang="en-US" dirty="0" smtClean="0"/>
+              <a:t>outlets</a:t>
+            </a:r>
+          </a:p>
+          <a:p>
+            <a:pPr lvl="1"/>
+            <a:r>
+              <a:rPr lang="en-US" dirty="0" smtClean="0"/>
+              <a:t>The outlet locations are stored in a list</a:t>
+            </a:r>
+            <a:endParaRPr lang="en-US" dirty="0" smtClean="0"/>
           </a:p>
           <a:p>
             <a:pPr lvl="1"/>
@@ -32346,7 +32882,18 @@
             <a:pPr lvl="1"/>
             <a:r>
               <a:rPr lang="en-US" dirty="0" smtClean="0"/>
-              <a:t>Use search display templates to return search results.</a:t>
+              <a:t>Use search display templates to return search results</a:t>
+            </a:r>
+            <a:r>
+              <a:rPr lang="en-US" dirty="0" smtClean="0"/>
+              <a:t>.</a:t>
+            </a:r>
+          </a:p>
+          <a:p>
+            <a:pPr lvl="1"/>
+            <a:r>
+              <a:rPr lang="en-US" dirty="0" smtClean="0"/>
+              <a:t>Use stylesheet to retain the current look and feel.</a:t>
             </a:r>
             <a:endParaRPr lang="en-US" dirty="0"/>
           </a:p>
@@ -32401,7 +32948,7 @@
                 <a:gridCol w="2373524">
                   <a:extLst>
                     <a:ext uri="{9D8B030D-6E8A-4147-A177-3AD203B41FA5}">
-                      <a16:colId xmlns:a16="http://schemas.microsoft.com/office/drawing/2014/main" xmlns="" val="20000"/>
+                      <a16:colId xmlns="" xmlns:a16="http://schemas.microsoft.com/office/drawing/2014/main" val="20000"/>
                     </a:ext>
                   </a:extLst>
                 </a:gridCol>
@@ -32464,7 +33011,7 @@
                 </a:tc>
                 <a:extLst>
                   <a:ext uri="{0D108BD9-81ED-4DB2-BD59-A6C34878D82A}">
-                    <a16:rowId xmlns:a16="http://schemas.microsoft.com/office/drawing/2014/main" xmlns="" val="10000"/>
+                    <a16:rowId xmlns="" xmlns:a16="http://schemas.microsoft.com/office/drawing/2014/main" val="10000"/>
                   </a:ext>
                 </a:extLst>
               </a:tr>
@@ -32525,7 +33072,7 @@
                 </a:tc>
                 <a:extLst>
                   <a:ext uri="{0D108BD9-81ED-4DB2-BD59-A6C34878D82A}">
-                    <a16:rowId xmlns:a16="http://schemas.microsoft.com/office/drawing/2014/main" xmlns="" val="10001"/>
+                    <a16:rowId xmlns="" xmlns:a16="http://schemas.microsoft.com/office/drawing/2014/main" val="10001"/>
                   </a:ext>
                 </a:extLst>
               </a:tr>
@@ -32603,7 +33150,7 @@
                 </a:tc>
                 <a:extLst>
                   <a:ext uri="{0D108BD9-81ED-4DB2-BD59-A6C34878D82A}">
-                    <a16:rowId xmlns:a16="http://schemas.microsoft.com/office/drawing/2014/main" xmlns="" val="10002"/>
+                    <a16:rowId xmlns="" xmlns:a16="http://schemas.microsoft.com/office/drawing/2014/main" val="10002"/>
                   </a:ext>
                 </a:extLst>
               </a:tr>
@@ -32681,7 +33228,7 @@
                 </a:tc>
                 <a:extLst>
                   <a:ext uri="{0D108BD9-81ED-4DB2-BD59-A6C34878D82A}">
-                    <a16:rowId xmlns:a16="http://schemas.microsoft.com/office/drawing/2014/main" xmlns="" val="10007"/>
+                    <a16:rowId xmlns="" xmlns:a16="http://schemas.microsoft.com/office/drawing/2014/main" val="10007"/>
                   </a:ext>
                 </a:extLst>
               </a:tr>
@@ -33225,12 +33772,19 @@
             <a:pPr lvl="1"/>
             <a:r>
               <a:rPr lang="en-US" dirty="0" smtClean="0"/>
-              <a:t>Provides information on popular content</a:t>
-            </a:r>
-            <a:endParaRPr lang="en-US" dirty="0"/>
+              <a:t>Provides information on popular </a:t>
+            </a:r>
+            <a:r>
+              <a:rPr lang="en-US" dirty="0" smtClean="0"/>
+              <a:t>content</a:t>
+            </a:r>
           </a:p>
           <a:p>
             <a:pPr lvl="1"/>
+            <a:r>
+              <a:rPr lang="en-US" dirty="0" smtClean="0"/>
+              <a:t>Requires a custom JavaScript on master page.</a:t>
+            </a:r>
             <a:endParaRPr lang="en-US" dirty="0"/>
           </a:p>
           <a:p>
@@ -33253,10 +33807,6 @@
               <a:rPr lang="en-US" dirty="0" smtClean="0"/>
               <a:t>Use Client side techniques to inject JS using script blocks on master page.</a:t>
             </a:r>
-            <a:endParaRPr lang="en-US" dirty="0"/>
-          </a:p>
-          <a:p>
-            <a:pPr lvl="1"/>
             <a:endParaRPr lang="en-US" dirty="0"/>
           </a:p>
           <a:p>
@@ -33554,7 +34104,7 @@
                 <a:gridCol w="2373524">
                   <a:extLst>
                     <a:ext uri="{9D8B030D-6E8A-4147-A177-3AD203B41FA5}">
-                      <a16:colId xmlns:a16="http://schemas.microsoft.com/office/drawing/2014/main" xmlns="" val="20000"/>
+                      <a16:colId xmlns="" xmlns:a16="http://schemas.microsoft.com/office/drawing/2014/main" val="20000"/>
                     </a:ext>
                   </a:extLst>
                 </a:gridCol>
@@ -33617,7 +34167,7 @@
                 </a:tc>
                 <a:extLst>
                   <a:ext uri="{0D108BD9-81ED-4DB2-BD59-A6C34878D82A}">
-                    <a16:rowId xmlns:a16="http://schemas.microsoft.com/office/drawing/2014/main" xmlns="" val="10000"/>
+                    <a16:rowId xmlns="" xmlns:a16="http://schemas.microsoft.com/office/drawing/2014/main" val="10000"/>
                   </a:ext>
                 </a:extLst>
               </a:tr>
@@ -33678,7 +34228,7 @@
                 </a:tc>
                 <a:extLst>
                   <a:ext uri="{0D108BD9-81ED-4DB2-BD59-A6C34878D82A}">
-                    <a16:rowId xmlns:a16="http://schemas.microsoft.com/office/drawing/2014/main" xmlns="" val="10001"/>
+                    <a16:rowId xmlns="" xmlns:a16="http://schemas.microsoft.com/office/drawing/2014/main" val="10001"/>
                   </a:ext>
                 </a:extLst>
               </a:tr>
@@ -33748,7 +34298,7 @@
                 </a:tc>
                 <a:extLst>
                   <a:ext uri="{0D108BD9-81ED-4DB2-BD59-A6C34878D82A}">
-                    <a16:rowId xmlns:a16="http://schemas.microsoft.com/office/drawing/2014/main" xmlns="" val="10002"/>
+                    <a16:rowId xmlns="" xmlns:a16="http://schemas.microsoft.com/office/drawing/2014/main" val="10002"/>
                   </a:ext>
                 </a:extLst>
               </a:tr>
@@ -33826,7 +34376,7 @@
                 </a:tc>
                 <a:extLst>
                   <a:ext uri="{0D108BD9-81ED-4DB2-BD59-A6C34878D82A}">
-                    <a16:rowId xmlns:a16="http://schemas.microsoft.com/office/drawing/2014/main" xmlns="" val="10007"/>
+                    <a16:rowId xmlns="" xmlns:a16="http://schemas.microsoft.com/office/drawing/2014/main" val="10007"/>
                   </a:ext>
                 </a:extLst>
               </a:tr>
@@ -51844,6 +52394,36 @@
 </file>
 
 <file path=customXml/item3.xml><?xml version="1.0" encoding="utf-8"?>
+<?mso-contentType ?>
+<FormTemplates xmlns="http://schemas.microsoft.com/sharepoint/v3/contenttype/forms">
+  <Display>DocumentLibraryForm</Display>
+  <Edit>DocumentLibraryForm</Edit>
+  <New>DocumentLibraryForm</New>
+</FormTemplates>
+</file>
+
+<file path=customXml/item4.xml><?xml version="1.0" encoding="utf-8"?>
+<Control xmlns="http://schemas.microsoft.com/VisualStudio/2011/storyboarding/control">
+  <Id Name="System.Storyboarding.Backgrounds.WebBrowser" Revision="1" Stencil="System.Storyboarding.Backgrounds" StencilVersion="0.1"/>
+</Control>
+</file>
+
+<file path=customXml/item5.xml><?xml version="1.0" encoding="utf-8"?>
+<p:properties xmlns:p="http://schemas.microsoft.com/office/2006/metadata/properties" xmlns:xsi="http://www.w3.org/2001/XMLSchema-instance" xmlns:pc="http://schemas.microsoft.com/office/infopath/2007/PartnerControls">
+  <documentManagement>
+    <SharedWithUsers xmlns="5ec9502b-addf-4716-883a-9e6742fd5109">
+      <UserInfo>
+        <DisplayName/>
+        <AccountId xsi:nil="true"/>
+        <AccountType/>
+      </UserInfo>
+    </SharedWithUsers>
+    <SharingHintHash xmlns="5ec9502b-addf-4716-883a-9e6742fd5109">-223225823</SharingHintHash>
+  </documentManagement>
+</p:properties>
+</file>
+
+<file path=customXml/item6.xml><?xml version="1.0" encoding="utf-8"?>
 <ct:contentTypeSchema xmlns:ct="http://schemas.microsoft.com/office/2006/metadata/contentType" xmlns:ma="http://schemas.microsoft.com/office/2006/metadata/properties/metaAttributes" ct:_="" ma:_="" ma:contentTypeName="Document" ma:contentTypeID="0x010100DD7BFE2324FCFB49A665688E9D54E8DB" ma:contentTypeVersion="2" ma:contentTypeDescription="Create a new document." ma:contentTypeScope="" ma:versionID="d40ecbfa05608dbb8df02efb84158178">
   <xsd:schema xmlns:xsd="http://www.w3.org/2001/XMLSchema" xmlns:xs="http://www.w3.org/2001/XMLSchema" xmlns:p="http://schemas.microsoft.com/office/2006/metadata/properties" xmlns:ns2="5ec9502b-addf-4716-883a-9e6742fd5109" targetNamespace="http://schemas.microsoft.com/office/2006/metadata/properties" ma:root="true" ma:fieldsID="c8929b4bbf02ed04f4fe894b226e94c0" ns2:_="">
     <xsd:import namespace="5ec9502b-addf-4716-883a-9e6742fd5109"/>
@@ -51989,37 +52569,15 @@
 </ct:contentTypeSchema>
 </file>
 
-<file path=customXml/item4.xml><?xml version="1.0" encoding="utf-8"?>
-<p:properties xmlns:p="http://schemas.microsoft.com/office/2006/metadata/properties" xmlns:xsi="http://www.w3.org/2001/XMLSchema-instance" xmlns:pc="http://schemas.microsoft.com/office/infopath/2007/PartnerControls">
-  <documentManagement>
-    <SharedWithUsers xmlns="5ec9502b-addf-4716-883a-9e6742fd5109">
-      <UserInfo>
-        <DisplayName/>
-        <AccountId xsi:nil="true"/>
-        <AccountType/>
-      </UserInfo>
-    </SharedWithUsers>
-    <SharingHintHash xmlns="5ec9502b-addf-4716-883a-9e6742fd5109">-223225823</SharingHintHash>
-  </documentManagement>
-</p:properties>
+<file path=customXml/itemProps1.xml><?xml version="1.0" encoding="utf-8"?>
+<ds:datastoreItem xmlns:ds="http://schemas.openxmlformats.org/officeDocument/2006/customXml" ds:itemID="{6769EEFD-0F61-4AA2-AE02-4E16ED5BCFE8}">
+  <ds:schemaRefs>
+    <ds:schemaRef ds:uri="http://schemas.microsoft.com/VisualStudio/2011/storyboarding/control"/>
+  </ds:schemaRefs>
+</ds:datastoreItem>
 </file>
 
-<file path=customXml/item5.xml><?xml version="1.0" encoding="utf-8"?>
-<Control xmlns="http://schemas.microsoft.com/VisualStudio/2011/storyboarding/control">
-  <Id Name="System.Storyboarding.Backgrounds.WebBrowser" Revision="1" Stencil="System.Storyboarding.Backgrounds" StencilVersion="0.1"/>
-</Control>
-</file>
-
-<file path=customXml/item6.xml><?xml version="1.0" encoding="utf-8"?>
-<?mso-contentType ?>
-<FormTemplates xmlns="http://schemas.microsoft.com/sharepoint/v3/contenttype/forms">
-  <Display>DocumentLibraryForm</Display>
-  <Edit>DocumentLibraryForm</Edit>
-  <New>DocumentLibraryForm</New>
-</FormTemplates>
-</file>
-
-<file path=customXml/itemProps1.xml><?xml version="1.0" encoding="utf-8"?>
+<file path=customXml/itemProps2.xml><?xml version="1.0" encoding="utf-8"?>
 <ds:datastoreItem xmlns:ds="http://schemas.openxmlformats.org/officeDocument/2006/customXml" ds:itemID="{57ED2E3B-EB43-4252-8C73-98EA6ACC344E}">
   <ds:schemaRefs>
     <ds:schemaRef ds:uri="http://schemas.microsoft.com/VisualStudio/2011/storyboarding/control"/>
@@ -52027,15 +52585,39 @@
 </ds:datastoreItem>
 </file>
 
-<file path=customXml/itemProps2.xml><?xml version="1.0" encoding="utf-8"?>
-<ds:datastoreItem xmlns:ds="http://schemas.openxmlformats.org/officeDocument/2006/customXml" ds:itemID="{6769EEFD-0F61-4AA2-AE02-4E16ED5BCFE8}">
+<file path=customXml/itemProps3.xml><?xml version="1.0" encoding="utf-8"?>
+<ds:datastoreItem xmlns:ds="http://schemas.openxmlformats.org/officeDocument/2006/customXml" ds:itemID="{B4606E04-852E-4880-8CD1-0B186F4087B1}">
+  <ds:schemaRefs>
+    <ds:schemaRef ds:uri="http://schemas.microsoft.com/sharepoint/v3/contenttype/forms"/>
+  </ds:schemaRefs>
+</ds:datastoreItem>
+</file>
+
+<file path=customXml/itemProps4.xml><?xml version="1.0" encoding="utf-8"?>
+<ds:datastoreItem xmlns:ds="http://schemas.openxmlformats.org/officeDocument/2006/customXml" ds:itemID="{CE030D2D-A334-4C40-95AD-E97580D89B11}">
   <ds:schemaRefs>
     <ds:schemaRef ds:uri="http://schemas.microsoft.com/VisualStudio/2011/storyboarding/control"/>
   </ds:schemaRefs>
 </ds:datastoreItem>
 </file>
 
-<file path=customXml/itemProps3.xml><?xml version="1.0" encoding="utf-8"?>
+<file path=customXml/itemProps5.xml><?xml version="1.0" encoding="utf-8"?>
+<ds:datastoreItem xmlns:ds="http://schemas.openxmlformats.org/officeDocument/2006/customXml" ds:itemID="{F1AEA8A7-A694-4DB0-82AB-EF48F2E9B6F9}">
+  <ds:schemaRefs>
+    <ds:schemaRef ds:uri="http://schemas.microsoft.com/office/2006/metadata/properties"/>
+    <ds:schemaRef ds:uri="http://purl.org/dc/terms/"/>
+    <ds:schemaRef ds:uri="http://schemas.openxmlformats.org/package/2006/metadata/core-properties"/>
+    <ds:schemaRef ds:uri="5ec9502b-addf-4716-883a-9e6742fd5109"/>
+    <ds:schemaRef ds:uri="http://schemas.microsoft.com/office/2006/documentManagement/types"/>
+    <ds:schemaRef ds:uri="http://schemas.microsoft.com/office/infopath/2007/PartnerControls"/>
+    <ds:schemaRef ds:uri="http://purl.org/dc/elements/1.1/"/>
+    <ds:schemaRef ds:uri="http://www.w3.org/XML/1998/namespace"/>
+    <ds:schemaRef ds:uri="http://purl.org/dc/dcmitype/"/>
+  </ds:schemaRefs>
+</ds:datastoreItem>
+</file>
+
+<file path=customXml/itemProps6.xml><?xml version="1.0" encoding="utf-8"?>
 <ds:datastoreItem xmlns:ds="http://schemas.openxmlformats.org/officeDocument/2006/customXml" ds:itemID="{F79724C6-F6AC-4965-8DDA-67169DE5A52B}">
   <ds:schemaRefs>
     <ds:schemaRef ds:uri="http://schemas.microsoft.com/office/2006/metadata/contentType"/>
@@ -52051,36 +52633,4 @@
     <ds:schemaRef ds:uri="http://schemas.microsoft.com/internal/obd"/>
   </ds:schemaRefs>
 </ds:datastoreItem>
-</file>
-
-<file path=customXml/itemProps4.xml><?xml version="1.0" encoding="utf-8"?>
-<ds:datastoreItem xmlns:ds="http://schemas.openxmlformats.org/officeDocument/2006/customXml" ds:itemID="{F1AEA8A7-A694-4DB0-82AB-EF48F2E9B6F9}">
-  <ds:schemaRefs>
-    <ds:schemaRef ds:uri="http://schemas.microsoft.com/office/2006/metadata/properties"/>
-    <ds:schemaRef ds:uri="http://purl.org/dc/terms/"/>
-    <ds:schemaRef ds:uri="http://schemas.openxmlformats.org/package/2006/metadata/core-properties"/>
-    <ds:schemaRef ds:uri="5ec9502b-addf-4716-883a-9e6742fd5109"/>
-    <ds:schemaRef ds:uri="http://schemas.microsoft.com/office/2006/documentManagement/types"/>
-    <ds:schemaRef ds:uri="http://schemas.microsoft.com/office/infopath/2007/PartnerControls"/>
-    <ds:schemaRef ds:uri="http://purl.org/dc/elements/1.1/"/>
-    <ds:schemaRef ds:uri="http://www.w3.org/XML/1998/namespace"/>
-    <ds:schemaRef ds:uri="http://purl.org/dc/dcmitype/"/>
-  </ds:schemaRefs>
-</ds:datastoreItem>
-</file>
-
-<file path=customXml/itemProps5.xml><?xml version="1.0" encoding="utf-8"?>
-<ds:datastoreItem xmlns:ds="http://schemas.openxmlformats.org/officeDocument/2006/customXml" ds:itemID="{CE030D2D-A334-4C40-95AD-E97580D89B11}">
-  <ds:schemaRefs>
-    <ds:schemaRef ds:uri="http://schemas.microsoft.com/VisualStudio/2011/storyboarding/control"/>
-  </ds:schemaRefs>
-</ds:datastoreItem>
-</file>
-
-<file path=customXml/itemProps6.xml><?xml version="1.0" encoding="utf-8"?>
-<ds:datastoreItem xmlns:ds="http://schemas.openxmlformats.org/officeDocument/2006/customXml" ds:itemID="{B4606E04-852E-4880-8CD1-0B186F4087B1}">
-  <ds:schemaRefs>
-    <ds:schemaRef ds:uri="http://schemas.microsoft.com/sharepoint/v3/contenttype/forms"/>
-  </ds:schemaRefs>
-</ds:datastoreItem>
 </file>
--- a/PnP Transformation Process/Samples/PnP Transformation - Solution Assessment Report - Contoso.pptx
+++ b/PnP Transformation Process/Samples/PnP Transformation - Solution Assessment Report - Contoso.pptx
@@ -17596,7 +17596,7 @@
             <a:pPr fontAlgn="b"/>
             <a:r>
               <a:rPr lang="en-US" sz="2000" b="1" dirty="0" err="1" smtClean="0"/>
-              <a:t>contoso.sharepoint.libraryreceivers.wsp</a:t>
+              <a:t>contoso.sharepoint.eventreceivers.wsp</a:t>
             </a:r>
             <a:endParaRPr lang="en-US" sz="2000" b="1" dirty="0" smtClean="0"/>
           </a:p>
@@ -19673,7 +19673,7 @@
           <p:nvPr>
             <p:extLst>
               <p:ext uri="{D42A27DB-BD31-4B8C-83A1-F6EECF244321}">
-                <p14:modId xmlns:p14="http://schemas.microsoft.com/office/powerpoint/2010/main" val="791289138"/>
+                <p14:modId xmlns:p14="http://schemas.microsoft.com/office/powerpoint/2010/main" val="35802836"/>
               </p:ext>
             </p:extLst>
           </p:nvPr>
@@ -20323,7 +20323,7 @@
                           <a:ea typeface="+mn-ea"/>
                           <a:cs typeface="+mn-cs"/>
                         </a:rPr>
-                        <a:t>contoso.sharepoint.receivers.wsp</a:t>
+                        <a:t>contoso.sharepoint.eventreceivers.wsp</a:t>
                       </a:r>
                       <a:endParaRPr lang="en-US" sz="2400" b="0" i="0" u="none" strike="noStrike" dirty="0">
                         <a:solidFill>
@@ -21817,7 +21817,7 @@
           <p:nvPr>
             <p:extLst>
               <p:ext uri="{D42A27DB-BD31-4B8C-83A1-F6EECF244321}">
-                <p14:modId xmlns:p14="http://schemas.microsoft.com/office/powerpoint/2010/main" val="549470318"/>
+                <p14:modId xmlns:p14="http://schemas.microsoft.com/office/powerpoint/2010/main" val="2499006981"/>
               </p:ext>
             </p:extLst>
           </p:nvPr>
@@ -22216,7 +22216,7 @@
                     <a:p>
                       <a:pPr algn="l" fontAlgn="b"/>
                       <a:r>
-                        <a:rPr lang="en-US" sz="2000" kern="1200" dirty="0" err="1" smtClean="0">
+                        <a:rPr lang="en-US" sz="2000" kern="1200" smtClean="0">
                           <a:solidFill>
                             <a:schemeClr val="dk1"/>
                           </a:solidFill>
@@ -22225,7 +22225,7 @@
                           <a:ea typeface="+mn-ea"/>
                           <a:cs typeface="+mn-cs"/>
                         </a:rPr>
-                        <a:t>fabricam.locationfinder.wsp</a:t>
+                        <a:t>fabrikam.locationfinder.wsp</a:t>
                       </a:r>
                       <a:endParaRPr lang="en-US" sz="2000" kern="1200" dirty="0">
                         <a:solidFill>

--- a/PnP Transformation Process/Samples/PnP Transformation - Solution Assessment Report - Contoso.pptx
+++ b/PnP Transformation Process/Samples/PnP Transformation - Solution Assessment Report - Contoso.pptx
@@ -22216,7 +22216,7 @@
                     <a:p>
                       <a:pPr algn="l" fontAlgn="b"/>
                       <a:r>
-                        <a:rPr lang="en-US" sz="2000" kern="1200" smtClean="0">
+                        <a:rPr lang="en-US" sz="2000" kern="1200" dirty="0" err="1" smtClean="0">
                           <a:solidFill>
                             <a:schemeClr val="dk1"/>
                           </a:solidFill>
@@ -23570,8 +23570,12 @@
           <a:lstStyle/>
           <a:p>
             <a:r>
+              <a:rPr lang="en-US" smtClean="0"/>
+              <a:t>Requirements and Current </a:t>
+            </a:r>
+            <a:r>
               <a:rPr lang="en-US" dirty="0" smtClean="0"/>
-              <a:t>Current Implementation:</a:t>
+              <a:t>Implementation:</a:t>
             </a:r>
             <a:endParaRPr lang="en-US" dirty="0"/>
           </a:p>

--- a/PnP Transformation Process/Samples/PnP Transformation - Solution Assessment Report - Contoso.pptx
+++ b/PnP Transformation Process/Samples/PnP Transformation - Solution Assessment Report - Contoso.pptx
@@ -5780,27 +5780,11 @@
           <a:p>
             <a:r>
               <a:rPr lang="en-NZ" dirty="0" smtClean="0"/>
-              <a:t>Migration helper solution cannot be </a:t>
-            </a:r>
-            <a:r>
-              <a:rPr lang="en-NZ" dirty="0" smtClean="0"/>
-              <a:t>transformed since it requires installation on SharePoint farm. </a:t>
-            </a:r>
-            <a:r>
-              <a:rPr lang="en-NZ" dirty="0" smtClean="0"/>
-              <a:t>Contoso needs to evaluate</a:t>
+              <a:t>Migration helper solution cannot be transformed since it requires installation on SharePoint farm. Contoso needs to evaluate</a:t>
             </a:r>
             <a:r>
               <a:rPr lang="en-NZ" baseline="0" dirty="0" smtClean="0"/>
-              <a:t> other third party offerings that </a:t>
-            </a:r>
-            <a:r>
-              <a:rPr lang="en-NZ" baseline="0" dirty="0" smtClean="0"/>
-              <a:t>can be installed on a client machine and make </a:t>
-            </a:r>
-            <a:r>
-              <a:rPr lang="en-NZ" baseline="0" dirty="0" smtClean="0"/>
-              <a:t>use of SharePoint web service to migrate data.</a:t>
+              <a:t> other third party offerings that can be installed on a client machine and make use of SharePoint web service to migrate data.</a:t>
             </a:r>
             <a:endParaRPr lang="en-NZ" dirty="0"/>
           </a:p>
@@ -24540,13 +24524,8 @@
             <a:pPr lvl="1"/>
             <a:r>
               <a:rPr lang="en-US" dirty="0" smtClean="0"/>
-              <a:t>Use out of the box structural </a:t>
-            </a:r>
-            <a:r>
-              <a:rPr lang="en-US" dirty="0" smtClean="0"/>
-              <a:t>navigation with a custom stylesheet</a:t>
-            </a:r>
-            <a:endParaRPr lang="en-US" dirty="0" smtClean="0"/>
+              <a:t>Use out of the box structural navigation with a custom stylesheet</a:t>
+            </a:r>
           </a:p>
           <a:p>
             <a:pPr lvl="1"/>
@@ -25244,19 +25223,19 @@
           <a:p>
             <a:pPr lvl="1"/>
             <a:r>
+              <a:rPr lang="en-US" dirty="0"/>
+              <a:t>There’s no easy way to remove the declarative custom list definition: currently the only option is to recreate the list and copy over the data</a:t>
+            </a:r>
+          </a:p>
+          <a:p>
+            <a:pPr lvl="1"/>
+            <a:r>
               <a:rPr lang="en-US" dirty="0" smtClean="0"/>
-              <a:t>Too </a:t>
+              <a:t>Need </a:t>
             </a:r>
             <a:r>
               <a:rPr lang="en-US" dirty="0"/>
-              <a:t>many list definitions for the project sites will have a big migration impact (will take time to process)</a:t>
-            </a:r>
-          </a:p>
-          <a:p>
-            <a:pPr lvl="1"/>
-            <a:r>
-              <a:rPr lang="en-US" dirty="0"/>
-              <a:t>Need to update all existing sites (branding) and pages (new page layouts) which will require proper tooling </a:t>
+              <a:t>to update all existing sites (branding) and pages (new page layouts) which will require proper tooling </a:t>
             </a:r>
           </a:p>
           <a:p>
@@ -25980,11 +25959,7 @@
           <a:p>
             <a:r>
               <a:rPr lang="en-US" dirty="0" smtClean="0"/>
-              <a:t>Requirements and Current </a:t>
-            </a:r>
-            <a:r>
-              <a:rPr lang="en-US" dirty="0" smtClean="0"/>
-              <a:t>implementation:</a:t>
+              <a:t>Requirements and Current implementation:</a:t>
             </a:r>
             <a:endParaRPr lang="en-US" dirty="0"/>
           </a:p>
@@ -26029,15 +26004,7 @@
             <a:pPr lvl="2"/>
             <a:r>
               <a:rPr lang="en-US" sz="1800" dirty="0" smtClean="0"/>
-              <a:t>Hides the sites </a:t>
-            </a:r>
-            <a:r>
-              <a:rPr lang="en-US" sz="1800" dirty="0" smtClean="0"/>
-              <a:t>provisioned or requested </a:t>
-            </a:r>
-            <a:r>
-              <a:rPr lang="en-US" sz="1800" dirty="0" smtClean="0"/>
-              <a:t>by other users</a:t>
+              <a:t>Hides the sites provisioned or requested by other users</a:t>
             </a:r>
           </a:p>
           <a:p>
@@ -27868,11 +27835,7 @@
           <a:p>
             <a:r>
               <a:rPr lang="en-US" dirty="0" smtClean="0"/>
-              <a:t>Requirements and Current </a:t>
-            </a:r>
-            <a:r>
-              <a:rPr lang="en-US" dirty="0" smtClean="0"/>
-              <a:t>Implementation:</a:t>
+              <a:t>Requirements and Current Implementation:</a:t>
             </a:r>
             <a:endParaRPr lang="en-US" dirty="0"/>
           </a:p>
@@ -27909,19 +27872,7 @@
             <a:pPr lvl="2"/>
             <a:r>
               <a:rPr lang="en-US" sz="1800" dirty="0" smtClean="0"/>
-              <a:t>Kicks off </a:t>
-            </a:r>
-            <a:r>
-              <a:rPr lang="en-US" sz="1800" dirty="0" smtClean="0"/>
-              <a:t>a IMP workflow </a:t>
-            </a:r>
-            <a:r>
-              <a:rPr lang="en-US" sz="1800" dirty="0" smtClean="0"/>
-              <a:t>when the document </a:t>
-            </a:r>
-            <a:r>
-              <a:rPr lang="en-US" sz="1800" dirty="0" smtClean="0"/>
-              <a:t>expires</a:t>
+              <a:t>Kicks off a IMP workflow when the document expires</a:t>
             </a:r>
           </a:p>
           <a:p>
@@ -27938,7 +27889,6 @@
               <a:rPr lang="en-US" sz="1800" dirty="0" smtClean="0"/>
               <a:t>format (websites, documents, emails)</a:t>
             </a:r>
-            <a:endParaRPr lang="en-US" sz="1800" dirty="0" smtClean="0"/>
           </a:p>
           <a:p>
             <a:r>
@@ -29012,41 +28962,7 @@
                 </a:gradFill>
                 <a:latin typeface="+mn-lt"/>
               </a:rPr>
-              <a:t>Receivers </a:t>
-            </a:r>
-            <a:r>
-              <a:rPr lang="en-US" sz="2000" spc="0" dirty="0" smtClean="0">
-                <a:gradFill>
-                  <a:gsLst>
-                    <a:gs pos="1250">
-                      <a:srgbClr val="797A7D"/>
-                    </a:gs>
-                    <a:gs pos="100000">
-                      <a:srgbClr val="797A7D"/>
-                    </a:gs>
-                  </a:gsLst>
-                  <a:lin ang="5400000" scaled="0"/>
-                </a:gradFill>
-                <a:latin typeface="+mn-lt"/>
-              </a:rPr>
-              <a:t>have been created to capture </a:t>
-            </a:r>
-            <a:r>
-              <a:rPr lang="en-US" sz="2000" spc="0" dirty="0" smtClean="0">
-                <a:gradFill>
-                  <a:gsLst>
-                    <a:gs pos="1250">
-                      <a:srgbClr val="797A7D"/>
-                    </a:gs>
-                    <a:gs pos="100000">
-                      <a:srgbClr val="797A7D"/>
-                    </a:gs>
-                  </a:gsLst>
-                  <a:lin ang="5400000" scaled="0"/>
-                </a:gradFill>
-                <a:latin typeface="+mn-lt"/>
-              </a:rPr>
-              <a:t>list metadata on document uploads</a:t>
+              <a:t>Receivers have been created to capture list metadata on document uploads</a:t>
             </a:r>
             <a:endParaRPr lang="en-NZ" sz="2000" spc="0" dirty="0">
               <a:gradFill>
@@ -29080,39 +28996,8 @@
                 </a:gradFill>
                 <a:latin typeface="+mn-lt"/>
               </a:rPr>
-              <a:t>Custom security is applied on </a:t>
-            </a:r>
-            <a:r>
-              <a:rPr lang="en-US" sz="2000" spc="0" dirty="0" smtClean="0">
-                <a:gradFill>
-                  <a:gsLst>
-                    <a:gs pos="1250">
-                      <a:srgbClr val="797A7D"/>
-                    </a:gs>
-                    <a:gs pos="100000">
-                      <a:srgbClr val="797A7D"/>
-                    </a:gs>
-                  </a:gsLst>
-                  <a:lin ang="5400000" scaled="0"/>
-                </a:gradFill>
-                <a:latin typeface="+mn-lt"/>
-              </a:rPr>
-              <a:t>site creation</a:t>
-            </a:r>
-            <a:endParaRPr lang="en-US" sz="2000" spc="0" dirty="0" smtClean="0">
-              <a:gradFill>
-                <a:gsLst>
-                  <a:gs pos="1250">
-                    <a:srgbClr val="797A7D"/>
-                  </a:gs>
-                  <a:gs pos="100000">
-                    <a:srgbClr val="797A7D"/>
-                  </a:gs>
-                </a:gsLst>
-                <a:lin ang="5400000" scaled="0"/>
-              </a:gradFill>
-              <a:latin typeface="+mn-lt"/>
-            </a:endParaRPr>
+              <a:t>Custom security is applied on site creation</a:t>
+            </a:r>
           </a:p>
           <a:p>
             <a:pPr lvl="0"/>
@@ -29208,23 +29093,7 @@
                   <a:lin ang="5400000" scaled="0"/>
                 </a:gradFill>
               </a:rPr>
-              <a:t>Remote event receivers can be used that can be invoked through a provider hosted app</a:t>
-            </a:r>
-            <a:r>
-              <a:rPr lang="en-US" dirty="0" smtClean="0">
-                <a:gradFill>
-                  <a:gsLst>
-                    <a:gs pos="1250">
-                      <a:srgbClr val="797A7D"/>
-                    </a:gs>
-                    <a:gs pos="100000">
-                      <a:srgbClr val="797A7D"/>
-                    </a:gs>
-                  </a:gsLst>
-                  <a:lin ang="5400000" scaled="0"/>
-                </a:gradFill>
-              </a:rPr>
-              <a:t>.</a:t>
+              <a:t>Remote event receivers can be used that can be invoked through a provider hosted app.</a:t>
             </a:r>
           </a:p>
           <a:p>
@@ -30020,11 +29889,7 @@
           <a:p>
             <a:r>
               <a:rPr lang="en-US" dirty="0" smtClean="0"/>
-              <a:t>Requirements and Current </a:t>
-            </a:r>
-            <a:r>
-              <a:rPr lang="en-US" dirty="0" smtClean="0"/>
-              <a:t>Implementation:</a:t>
+              <a:t>Requirements and Current Implementation:</a:t>
             </a:r>
             <a:endParaRPr lang="en-US" dirty="0"/>
           </a:p>
@@ -30049,21 +29914,12 @@
               <a:rPr lang="en-US" dirty="0" smtClean="0"/>
               <a:t>Web part can be configured to see safety incidents even from other units/departments</a:t>
             </a:r>
-            <a:endParaRPr lang="en-US" dirty="0" smtClean="0"/>
           </a:p>
           <a:p>
             <a:pPr lvl="2"/>
             <a:r>
               <a:rPr lang="en-US" dirty="0" smtClean="0"/>
-              <a:t>Allow users to view safety news from </a:t>
-            </a:r>
-            <a:r>
-              <a:rPr lang="en-US" dirty="0" smtClean="0"/>
-              <a:t>mobile devices</a:t>
-            </a:r>
-            <a:r>
-              <a:rPr lang="en-US" dirty="0" smtClean="0"/>
-              <a:t>.</a:t>
+              <a:t>Allow users to view safety news from mobile devices.</a:t>
             </a:r>
           </a:p>
           <a:p>
@@ -30979,11 +30835,7 @@
           <a:p>
             <a:r>
               <a:rPr lang="en-US" dirty="0" smtClean="0"/>
-              <a:t>Requirements and Current </a:t>
-            </a:r>
-            <a:r>
-              <a:rPr lang="en-US" dirty="0" smtClean="0"/>
-              <a:t>Implementation:</a:t>
+              <a:t>Requirements and Current Implementation:</a:t>
             </a:r>
             <a:endParaRPr lang="en-US" dirty="0"/>
           </a:p>
@@ -31003,39 +30855,7 @@
                   <a:lin ang="5400000" scaled="0"/>
                 </a:gradFill>
               </a:rPr>
-              <a:t>Email notification is sent to employees in the event of a major </a:t>
-            </a:r>
-            <a:r>
-              <a:rPr lang="en-US" dirty="0">
-                <a:gradFill>
-                  <a:gsLst>
-                    <a:gs pos="1250">
-                      <a:srgbClr val="797A7D"/>
-                    </a:gs>
-                    <a:gs pos="100000">
-                      <a:srgbClr val="797A7D"/>
-                    </a:gs>
-                  </a:gsLst>
-                  <a:lin ang="5400000" scaled="0"/>
-                </a:gradFill>
-              </a:rPr>
-              <a:t>safety </a:t>
-            </a:r>
-            <a:r>
-              <a:rPr lang="en-US" dirty="0">
-                <a:gradFill>
-                  <a:gsLst>
-                    <a:gs pos="1250">
-                      <a:srgbClr val="797A7D"/>
-                    </a:gs>
-                    <a:gs pos="100000">
-                      <a:srgbClr val="797A7D"/>
-                    </a:gs>
-                  </a:gsLst>
-                  <a:lin ang="5400000" scaled="0"/>
-                </a:gradFill>
-              </a:rPr>
-              <a:t>incident</a:t>
+              <a:t>Email notification is sent to employees in the event of a major safety incident</a:t>
             </a:r>
           </a:p>
           <a:p>
@@ -32028,11 +31848,7 @@
             <a:pPr lvl="1"/>
             <a:r>
               <a:rPr lang="en-US" dirty="0" smtClean="0"/>
-              <a:t>Allow users to search experts based on their years of experience and past projects</a:t>
-            </a:r>
-            <a:r>
-              <a:rPr lang="en-US" dirty="0" smtClean="0"/>
-              <a:t>.</a:t>
+              <a:t>Allow users to search experts based on their years of experience and past projects.</a:t>
             </a:r>
           </a:p>
           <a:p>
@@ -32041,17 +31857,12 @@
               <a:rPr lang="en-US" dirty="0" smtClean="0"/>
               <a:t>The custom web part queries the SharePoint user profile,</a:t>
             </a:r>
-            <a:endParaRPr lang="en-US" dirty="0" smtClean="0"/>
           </a:p>
           <a:p>
             <a:pPr lvl="1"/>
             <a:r>
               <a:rPr lang="en-US" dirty="0" smtClean="0"/>
-              <a:t>Allow the users to be able to communicate with the experts using </a:t>
-            </a:r>
-            <a:r>
-              <a:rPr lang="en-US" dirty="0" smtClean="0"/>
-              <a:t>SharePoint social.</a:t>
+              <a:t>Allows the users to be able to communicate with the experts using SharePoint social.</a:t>
             </a:r>
             <a:endParaRPr lang="en-US" dirty="0"/>
           </a:p>
@@ -32073,15 +31884,7 @@
             <a:pPr lvl="1"/>
             <a:r>
               <a:rPr lang="en-US" dirty="0" smtClean="0"/>
-              <a:t>The People search provides integration with Lync which can then be used to communicate with the </a:t>
-            </a:r>
-            <a:r>
-              <a:rPr lang="en-US" dirty="0" smtClean="0"/>
-              <a:t>experts </a:t>
-            </a:r>
-            <a:r>
-              <a:rPr lang="en-US" dirty="0" smtClean="0"/>
-              <a:t>using messaging or voice call.</a:t>
+              <a:t>The People search provides integration with Lync which can then be used to communicate with the experts using messaging or voice call.</a:t>
             </a:r>
             <a:endParaRPr lang="en-US" dirty="0"/>
           </a:p>
@@ -32811,11 +32614,7 @@
           <a:p>
             <a:r>
               <a:rPr lang="en-US" dirty="0" smtClean="0"/>
-              <a:t>Requirements and Current </a:t>
-            </a:r>
-            <a:r>
-              <a:rPr lang="en-US" dirty="0" smtClean="0"/>
-              <a:t>Implementation:</a:t>
+              <a:t>Requirements and Current Implementation:</a:t>
             </a:r>
           </a:p>
           <a:p>
@@ -32849,11 +32648,7 @@
             </a:r>
             <a:r>
               <a:rPr lang="en-US" dirty="0" smtClean="0"/>
-              <a:t> </a:t>
-            </a:r>
-            <a:r>
-              <a:rPr lang="en-US" dirty="0" smtClean="0"/>
-              <a:t>outlets</a:t>
+              <a:t> outlets</a:t>
             </a:r>
           </a:p>
           <a:p>
@@ -32862,7 +32657,6 @@
               <a:rPr lang="en-US" dirty="0" smtClean="0"/>
               <a:t>The outlet locations are stored in a list</a:t>
             </a:r>
-            <a:endParaRPr lang="en-US" dirty="0" smtClean="0"/>
           </a:p>
           <a:p>
             <a:pPr lvl="1"/>
@@ -32886,11 +32680,7 @@
             <a:pPr lvl="1"/>
             <a:r>
               <a:rPr lang="en-US" dirty="0" smtClean="0"/>
-              <a:t>Use search display templates to return search results</a:t>
-            </a:r>
-            <a:r>
-              <a:rPr lang="en-US" dirty="0" smtClean="0"/>
-              <a:t>.</a:t>
+              <a:t>Use search display templates to return search results.</a:t>
             </a:r>
           </a:p>
           <a:p>
@@ -33776,11 +33566,7 @@
             <a:pPr lvl="1"/>
             <a:r>
               <a:rPr lang="en-US" dirty="0" smtClean="0"/>
-              <a:t>Provides information on popular </a:t>
-            </a:r>
-            <a:r>
-              <a:rPr lang="en-US" dirty="0" smtClean="0"/>
-              <a:t>content</a:t>
+              <a:t>Provides information on popular content</a:t>
             </a:r>
           </a:p>
           <a:p>
@@ -52386,48 +52172,6 @@
 </file>
 
 <file path=customXml/item1.xml><?xml version="1.0" encoding="utf-8"?>
-<Control xmlns="http://schemas.microsoft.com/VisualStudio/2011/storyboarding/control">
-  <Id Name="System.Storyboarding.Backgrounds.WebBrowser" Revision="1" Stencil="System.Storyboarding.Backgrounds" StencilVersion="0.1"/>
-</Control>
-</file>
-
-<file path=customXml/item2.xml><?xml version="1.0" encoding="utf-8"?>
-<Control xmlns="http://schemas.microsoft.com/VisualStudio/2011/storyboarding/control">
-  <Id Name="System.Storyboarding.Backgrounds.WebBrowser" Revision="1" Stencil="System.Storyboarding.Backgrounds" StencilVersion="0.1"/>
-</Control>
-</file>
-
-<file path=customXml/item3.xml><?xml version="1.0" encoding="utf-8"?>
-<?mso-contentType ?>
-<FormTemplates xmlns="http://schemas.microsoft.com/sharepoint/v3/contenttype/forms">
-  <Display>DocumentLibraryForm</Display>
-  <Edit>DocumentLibraryForm</Edit>
-  <New>DocumentLibraryForm</New>
-</FormTemplates>
-</file>
-
-<file path=customXml/item4.xml><?xml version="1.0" encoding="utf-8"?>
-<Control xmlns="http://schemas.microsoft.com/VisualStudio/2011/storyboarding/control">
-  <Id Name="System.Storyboarding.Backgrounds.WebBrowser" Revision="1" Stencil="System.Storyboarding.Backgrounds" StencilVersion="0.1"/>
-</Control>
-</file>
-
-<file path=customXml/item5.xml><?xml version="1.0" encoding="utf-8"?>
-<p:properties xmlns:p="http://schemas.microsoft.com/office/2006/metadata/properties" xmlns:xsi="http://www.w3.org/2001/XMLSchema-instance" xmlns:pc="http://schemas.microsoft.com/office/infopath/2007/PartnerControls">
-  <documentManagement>
-    <SharedWithUsers xmlns="5ec9502b-addf-4716-883a-9e6742fd5109">
-      <UserInfo>
-        <DisplayName/>
-        <AccountId xsi:nil="true"/>
-        <AccountType/>
-      </UserInfo>
-    </SharedWithUsers>
-    <SharingHintHash xmlns="5ec9502b-addf-4716-883a-9e6742fd5109">-223225823</SharingHintHash>
-  </documentManagement>
-</p:properties>
-</file>
-
-<file path=customXml/item6.xml><?xml version="1.0" encoding="utf-8"?>
 <ct:contentTypeSchema xmlns:ct="http://schemas.microsoft.com/office/2006/metadata/contentType" xmlns:ma="http://schemas.microsoft.com/office/2006/metadata/properties/metaAttributes" ct:_="" ma:_="" ma:contentTypeName="Document" ma:contentTypeID="0x010100DD7BFE2324FCFB49A665688E9D54E8DB" ma:contentTypeVersion="2" ma:contentTypeDescription="Create a new document." ma:contentTypeScope="" ma:versionID="d40ecbfa05608dbb8df02efb84158178">
   <xsd:schema xmlns:xsd="http://www.w3.org/2001/XMLSchema" xmlns:xs="http://www.w3.org/2001/XMLSchema" xmlns:p="http://schemas.microsoft.com/office/2006/metadata/properties" xmlns:ns2="5ec9502b-addf-4716-883a-9e6742fd5109" targetNamespace="http://schemas.microsoft.com/office/2006/metadata/properties" ma:root="true" ma:fieldsID="c8929b4bbf02ed04f4fe894b226e94c0" ns2:_="">
     <xsd:import namespace="5ec9502b-addf-4716-883a-9e6742fd5109"/>
@@ -52573,55 +52317,49 @@
 </ct:contentTypeSchema>
 </file>
 
-<file path=customXml/itemProps1.xml><?xml version="1.0" encoding="utf-8"?>
-<ds:datastoreItem xmlns:ds="http://schemas.openxmlformats.org/officeDocument/2006/customXml" ds:itemID="{6769EEFD-0F61-4AA2-AE02-4E16ED5BCFE8}">
-  <ds:schemaRefs>
-    <ds:schemaRef ds:uri="http://schemas.microsoft.com/VisualStudio/2011/storyboarding/control"/>
-  </ds:schemaRefs>
-</ds:datastoreItem>
+<file path=customXml/item2.xml><?xml version="1.0" encoding="utf-8"?>
+<Control xmlns="http://schemas.microsoft.com/VisualStudio/2011/storyboarding/control">
+  <Id Name="System.Storyboarding.Backgrounds.WebBrowser" Revision="1" Stencil="System.Storyboarding.Backgrounds" StencilVersion="0.1"/>
+</Control>
 </file>
 
-<file path=customXml/itemProps2.xml><?xml version="1.0" encoding="utf-8"?>
-<ds:datastoreItem xmlns:ds="http://schemas.openxmlformats.org/officeDocument/2006/customXml" ds:itemID="{57ED2E3B-EB43-4252-8C73-98EA6ACC344E}">
-  <ds:schemaRefs>
-    <ds:schemaRef ds:uri="http://schemas.microsoft.com/VisualStudio/2011/storyboarding/control"/>
-  </ds:schemaRefs>
-</ds:datastoreItem>
+<file path=customXml/item3.xml><?xml version="1.0" encoding="utf-8"?>
+<Control xmlns="http://schemas.microsoft.com/VisualStudio/2011/storyboarding/control">
+  <Id Name="System.Storyboarding.Backgrounds.WebBrowser" Revision="1" Stencil="System.Storyboarding.Backgrounds" StencilVersion="0.1"/>
+</Control>
 </file>
 
-<file path=customXml/itemProps3.xml><?xml version="1.0" encoding="utf-8"?>
-<ds:datastoreItem xmlns:ds="http://schemas.openxmlformats.org/officeDocument/2006/customXml" ds:itemID="{B4606E04-852E-4880-8CD1-0B186F4087B1}">
-  <ds:schemaRefs>
-    <ds:schemaRef ds:uri="http://schemas.microsoft.com/sharepoint/v3/contenttype/forms"/>
-  </ds:schemaRefs>
-</ds:datastoreItem>
+<file path=customXml/item4.xml><?xml version="1.0" encoding="utf-8"?>
+<?mso-contentType ?>
+<FormTemplates xmlns="http://schemas.microsoft.com/sharepoint/v3/contenttype/forms">
+  <Display>DocumentLibraryForm</Display>
+  <Edit>DocumentLibraryForm</Edit>
+  <New>DocumentLibraryForm</New>
+</FormTemplates>
 </file>
 
-<file path=customXml/itemProps4.xml><?xml version="1.0" encoding="utf-8"?>
-<ds:datastoreItem xmlns:ds="http://schemas.openxmlformats.org/officeDocument/2006/customXml" ds:itemID="{CE030D2D-A334-4C40-95AD-E97580D89B11}">
-  <ds:schemaRefs>
-    <ds:schemaRef ds:uri="http://schemas.microsoft.com/VisualStudio/2011/storyboarding/control"/>
-  </ds:schemaRefs>
-</ds:datastoreItem>
+<file path=customXml/item5.xml><?xml version="1.0" encoding="utf-8"?>
+<Control xmlns="http://schemas.microsoft.com/VisualStudio/2011/storyboarding/control">
+  <Id Name="System.Storyboarding.Backgrounds.WebBrowser" Revision="1" Stencil="System.Storyboarding.Backgrounds" StencilVersion="0.1"/>
+</Control>
 </file>
 
-<file path=customXml/itemProps5.xml><?xml version="1.0" encoding="utf-8"?>
-<ds:datastoreItem xmlns:ds="http://schemas.openxmlformats.org/officeDocument/2006/customXml" ds:itemID="{F1AEA8A7-A694-4DB0-82AB-EF48F2E9B6F9}">
-  <ds:schemaRefs>
-    <ds:schemaRef ds:uri="http://schemas.microsoft.com/office/2006/metadata/properties"/>
-    <ds:schemaRef ds:uri="http://purl.org/dc/terms/"/>
-    <ds:schemaRef ds:uri="http://schemas.openxmlformats.org/package/2006/metadata/core-properties"/>
-    <ds:schemaRef ds:uri="5ec9502b-addf-4716-883a-9e6742fd5109"/>
-    <ds:schemaRef ds:uri="http://schemas.microsoft.com/office/2006/documentManagement/types"/>
-    <ds:schemaRef ds:uri="http://schemas.microsoft.com/office/infopath/2007/PartnerControls"/>
-    <ds:schemaRef ds:uri="http://purl.org/dc/elements/1.1/"/>
-    <ds:schemaRef ds:uri="http://www.w3.org/XML/1998/namespace"/>
-    <ds:schemaRef ds:uri="http://purl.org/dc/dcmitype/"/>
-  </ds:schemaRefs>
-</ds:datastoreItem>
+<file path=customXml/item6.xml><?xml version="1.0" encoding="utf-8"?>
+<p:properties xmlns:p="http://schemas.microsoft.com/office/2006/metadata/properties" xmlns:xsi="http://www.w3.org/2001/XMLSchema-instance" xmlns:pc="http://schemas.microsoft.com/office/infopath/2007/PartnerControls">
+  <documentManagement>
+    <SharedWithUsers xmlns="5ec9502b-addf-4716-883a-9e6742fd5109">
+      <UserInfo>
+        <DisplayName/>
+        <AccountId xsi:nil="true"/>
+        <AccountType/>
+      </UserInfo>
+    </SharedWithUsers>
+    <SharingHintHash xmlns="5ec9502b-addf-4716-883a-9e6742fd5109">-223225823</SharingHintHash>
+  </documentManagement>
+</p:properties>
 </file>
 
-<file path=customXml/itemProps6.xml><?xml version="1.0" encoding="utf-8"?>
+<file path=customXml/itemProps1.xml><?xml version="1.0" encoding="utf-8"?>
 <ds:datastoreItem xmlns:ds="http://schemas.openxmlformats.org/officeDocument/2006/customXml" ds:itemID="{F79724C6-F6AC-4965-8DDA-67169DE5A52B}">
   <ds:schemaRefs>
     <ds:schemaRef ds:uri="http://schemas.microsoft.com/office/2006/metadata/contentType"/>
@@ -52637,4 +52375,52 @@
     <ds:schemaRef ds:uri="http://schemas.microsoft.com/internal/obd"/>
   </ds:schemaRefs>
 </ds:datastoreItem>
+</file>
+
+<file path=customXml/itemProps2.xml><?xml version="1.0" encoding="utf-8"?>
+<ds:datastoreItem xmlns:ds="http://schemas.openxmlformats.org/officeDocument/2006/customXml" ds:itemID="{6769EEFD-0F61-4AA2-AE02-4E16ED5BCFE8}">
+  <ds:schemaRefs>
+    <ds:schemaRef ds:uri="http://schemas.microsoft.com/VisualStudio/2011/storyboarding/control"/>
+  </ds:schemaRefs>
+</ds:datastoreItem>
+</file>
+
+<file path=customXml/itemProps3.xml><?xml version="1.0" encoding="utf-8"?>
+<ds:datastoreItem xmlns:ds="http://schemas.openxmlformats.org/officeDocument/2006/customXml" ds:itemID="{57ED2E3B-EB43-4252-8C73-98EA6ACC344E}">
+  <ds:schemaRefs>
+    <ds:schemaRef ds:uri="http://schemas.microsoft.com/VisualStudio/2011/storyboarding/control"/>
+  </ds:schemaRefs>
+</ds:datastoreItem>
+</file>
+
+<file path=customXml/itemProps4.xml><?xml version="1.0" encoding="utf-8"?>
+<ds:datastoreItem xmlns:ds="http://schemas.openxmlformats.org/officeDocument/2006/customXml" ds:itemID="{B4606E04-852E-4880-8CD1-0B186F4087B1}">
+  <ds:schemaRefs>
+    <ds:schemaRef ds:uri="http://schemas.microsoft.com/sharepoint/v3/contenttype/forms"/>
+  </ds:schemaRefs>
+</ds:datastoreItem>
+</file>
+
+<file path=customXml/itemProps5.xml><?xml version="1.0" encoding="utf-8"?>
+<ds:datastoreItem xmlns:ds="http://schemas.openxmlformats.org/officeDocument/2006/customXml" ds:itemID="{CE030D2D-A334-4C40-95AD-E97580D89B11}">
+  <ds:schemaRefs>
+    <ds:schemaRef ds:uri="http://schemas.microsoft.com/VisualStudio/2011/storyboarding/control"/>
+  </ds:schemaRefs>
+</ds:datastoreItem>
+</file>
+
+<file path=customXml/itemProps6.xml><?xml version="1.0" encoding="utf-8"?>
+<ds:datastoreItem xmlns:ds="http://schemas.openxmlformats.org/officeDocument/2006/customXml" ds:itemID="{F1AEA8A7-A694-4DB0-82AB-EF48F2E9B6F9}">
+  <ds:schemaRefs>
+    <ds:schemaRef ds:uri="http://schemas.microsoft.com/office/2006/metadata/properties"/>
+    <ds:schemaRef ds:uri="http://purl.org/dc/terms/"/>
+    <ds:schemaRef ds:uri="http://schemas.openxmlformats.org/package/2006/metadata/core-properties"/>
+    <ds:schemaRef ds:uri="5ec9502b-addf-4716-883a-9e6742fd5109"/>
+    <ds:schemaRef ds:uri="http://schemas.microsoft.com/office/2006/documentManagement/types"/>
+    <ds:schemaRef ds:uri="http://schemas.microsoft.com/office/infopath/2007/PartnerControls"/>
+    <ds:schemaRef ds:uri="http://purl.org/dc/elements/1.1/"/>
+    <ds:schemaRef ds:uri="http://www.w3.org/XML/1998/namespace"/>
+    <ds:schemaRef ds:uri="http://purl.org/dc/dcmitype/"/>
+  </ds:schemaRefs>
+</ds:datastoreItem>
 </file>
--- a/PnP Transformation Process/Samples/PnP Transformation - Solution Assessment Report - Contoso.pptx
+++ b/PnP Transformation Process/Samples/PnP Transformation - Solution Assessment Report - Contoso.pptx
@@ -389,7 +389,7 @@
           <a:p>
             <a:fld id="{DE219B1A-AE41-483B-A766-69B9363DDA6A}" type="datetimeFigureOut">
               <a:rPr lang="en-US" smtClean="0"/>
-              <a:t>6/3/2015</a:t>
+              <a:t>6/5/2015</a:t>
             </a:fld>
             <a:endParaRPr lang="en-US"/>
           </a:p>
@@ -598,7 +598,7 @@
           <a:p>
             <a:fld id="{D51B1278-D92B-4AF3-A9C1-71DD298190CE}" type="datetimeFigureOut">
               <a:rPr lang="en-US" smtClean="0"/>
-              <a:t>6/3/2015</a:t>
+              <a:t>6/5/2015</a:t>
             </a:fld>
             <a:endParaRPr lang="en-US"/>
           </a:p>
@@ -1043,7 +1043,7 @@
                 </a:solidFill>
               </a:rPr>
               <a:pPr/>
-              <a:t>6/3/2015</a:t>
+              <a:t>6/5/2015</a:t>
             </a:fld>
             <a:endParaRPr lang="en-US" dirty="0">
               <a:solidFill>
@@ -1278,7 +1278,7 @@
           <a:p>
             <a:fld id="{4AE8C4F7-4397-4161-9F22-0B4AD96909C7}" type="datetime1">
               <a:rPr lang="en-US" smtClean="0"/>
-              <a:t>6/3/2015</a:t>
+              <a:t>6/5/2015</a:t>
             </a:fld>
             <a:endParaRPr lang="en-US"/>
           </a:p>
@@ -1484,7 +1484,7 @@
           <a:p>
             <a:fld id="{4AE8C4F7-4397-4161-9F22-0B4AD96909C7}" type="datetime1">
               <a:rPr lang="en-US" smtClean="0"/>
-              <a:t>6/3/2015</a:t>
+              <a:t>6/5/2015</a:t>
             </a:fld>
             <a:endParaRPr lang="en-US"/>
           </a:p>
@@ -1690,7 +1690,7 @@
           <a:p>
             <a:fld id="{4AE8C4F7-4397-4161-9F22-0B4AD96909C7}" type="datetime1">
               <a:rPr lang="en-US" smtClean="0"/>
-              <a:t>6/3/2015</a:t>
+              <a:t>6/5/2015</a:t>
             </a:fld>
             <a:endParaRPr lang="en-US"/>
           </a:p>
@@ -1900,7 +1900,7 @@
           <a:p>
             <a:fld id="{A7F9AB31-AA49-4548-9DAE-99E46893F7A3}" type="datetime1">
               <a:rPr lang="en-US" smtClean="0"/>
-              <a:t>6/3/2015</a:t>
+              <a:t>6/5/2015</a:t>
             </a:fld>
             <a:endParaRPr lang="en-US"/>
           </a:p>
@@ -2134,7 +2134,7 @@
           <a:p>
             <a:fld id="{D1138656-1104-4895-916A-3F46DB26BB9D}" type="datetime1">
               <a:rPr lang="en-US" smtClean="0"/>
-              <a:t>6/3/2015</a:t>
+              <a:t>6/5/2015</a:t>
             </a:fld>
             <a:endParaRPr lang="en-US"/>
           </a:p>
@@ -2340,7 +2340,7 @@
           <a:p>
             <a:fld id="{D1138656-1104-4895-916A-3F46DB26BB9D}" type="datetime1">
               <a:rPr lang="en-US" smtClean="0"/>
-              <a:t>6/3/2015</a:t>
+              <a:t>6/5/2015</a:t>
             </a:fld>
             <a:endParaRPr lang="en-US"/>
           </a:p>
@@ -2546,7 +2546,7 @@
           <a:p>
             <a:fld id="{D1138656-1104-4895-916A-3F46DB26BB9D}" type="datetime1">
               <a:rPr lang="en-US" smtClean="0"/>
-              <a:t>6/3/2015</a:t>
+              <a:t>6/5/2015</a:t>
             </a:fld>
             <a:endParaRPr lang="en-US"/>
           </a:p>
@@ -2752,7 +2752,7 @@
           <a:p>
             <a:fld id="{AA3AF75D-25C3-42E7-9971-69168E23937F}" type="datetime1">
               <a:rPr lang="en-US" smtClean="0"/>
-              <a:t>6/3/2015</a:t>
+              <a:t>6/5/2015</a:t>
             </a:fld>
             <a:endParaRPr lang="en-US"/>
           </a:p>
@@ -2958,7 +2958,7 @@
           <a:p>
             <a:fld id="{BE6AF0E1-8DCE-4BBE-B246-BFB736357904}" type="datetime1">
               <a:rPr lang="en-US" smtClean="0"/>
-              <a:t>6/3/2015</a:t>
+              <a:t>6/5/2015</a:t>
             </a:fld>
             <a:endParaRPr lang="en-US"/>
           </a:p>
@@ -3164,7 +3164,7 @@
           <a:p>
             <a:fld id="{AA3AF75D-25C3-42E7-9971-69168E23937F}" type="datetime1">
               <a:rPr lang="en-US" smtClean="0"/>
-              <a:t>6/3/2015</a:t>
+              <a:t>6/5/2015</a:t>
             </a:fld>
             <a:endParaRPr lang="en-US"/>
           </a:p>
@@ -3481,7 +3481,7 @@
           <a:p>
             <a:fld id="{309E6654-814A-4856-A67A-9683B5A2AE45}" type="datetime1">
               <a:rPr lang="en-US" smtClean="0"/>
-              <a:t>6/3/2015</a:t>
+              <a:t>6/5/2015</a:t>
             </a:fld>
             <a:endParaRPr lang="en-US"/>
           </a:p>
@@ -3687,7 +3687,7 @@
           <a:p>
             <a:fld id="{B8A7FB5A-0EC6-493F-BBA2-9886F4EE2DA7}" type="datetime1">
               <a:rPr lang="en-US" smtClean="0"/>
-              <a:t>6/3/2015</a:t>
+              <a:t>6/5/2015</a:t>
             </a:fld>
             <a:endParaRPr lang="en-US"/>
           </a:p>
@@ -3897,7 +3897,7 @@
           <a:p>
             <a:fld id="{CE1B21AF-5CDF-4A97-B0F4-5C0D3A9A2110}" type="datetime1">
               <a:rPr lang="en-US" smtClean="0"/>
-              <a:t>6/3/2015</a:t>
+              <a:t>6/5/2015</a:t>
             </a:fld>
             <a:endParaRPr lang="en-US"/>
           </a:p>
@@ -4355,7 +4355,7 @@
           <a:p>
             <a:fld id="{296C1CD7-3CE0-494C-9AEC-31D6728171B4}" type="datetime1">
               <a:rPr lang="en-US" smtClean="0"/>
-              <a:t>6/3/2015</a:t>
+              <a:t>6/5/2015</a:t>
             </a:fld>
             <a:endParaRPr lang="en-US"/>
           </a:p>
@@ -4689,7 +4689,7 @@
           <a:p>
             <a:fld id="{374D8680-9FDE-45BD-89DC-85FB6DA54DDA}" type="datetime1">
               <a:rPr lang="en-US" smtClean="0"/>
-              <a:t>6/3/2015</a:t>
+              <a:t>6/5/2015</a:t>
             </a:fld>
             <a:endParaRPr lang="en-US"/>
           </a:p>
@@ -4923,7 +4923,7 @@
           <a:p>
             <a:fld id="{E52A3622-CF2A-4CD0-83D5-292746669CDE}" type="datetime1">
               <a:rPr lang="en-US" smtClean="0"/>
-              <a:t>6/3/2015</a:t>
+              <a:t>6/5/2015</a:t>
             </a:fld>
             <a:endParaRPr lang="en-US" dirty="0"/>
           </a:p>
@@ -5129,7 +5129,7 @@
           <a:p>
             <a:fld id="{68473890-5369-4E69-B44C-90DD4CAB69AD}" type="datetime1">
               <a:rPr lang="en-US" smtClean="0"/>
-              <a:t>6/3/2015</a:t>
+              <a:t>6/5/2015</a:t>
             </a:fld>
             <a:endParaRPr lang="en-US"/>
           </a:p>
@@ -5379,7 +5379,7 @@
           <a:p>
             <a:fld id="{152427C8-1870-4D04-BF1C-4B85DC18AB6D}" type="datetime1">
               <a:rPr lang="en-US" smtClean="0"/>
-              <a:t>6/3/2015</a:t>
+              <a:t>6/5/2015</a:t>
             </a:fld>
             <a:endParaRPr lang="en-US"/>
           </a:p>
@@ -5593,7 +5593,7 @@
           <a:p>
             <a:fld id="{610543A5-0CF9-4E2E-A715-69AA16194555}" type="datetime1">
               <a:rPr lang="en-US" smtClean="0"/>
-              <a:t>6/3/2015</a:t>
+              <a:t>6/5/2015</a:t>
             </a:fld>
             <a:endParaRPr lang="en-US"/>
           </a:p>
@@ -5807,7 +5807,7 @@
           <a:p>
             <a:fld id="{719B440B-D65B-4D2A-9030-577938CDA5B7}" type="datetime1">
               <a:rPr lang="en-US" smtClean="0"/>
-              <a:t>6/3/2015</a:t>
+              <a:t>6/5/2015</a:t>
             </a:fld>
             <a:endParaRPr lang="en-US"/>
           </a:p>
@@ -19676,28 +19676,28 @@
                 <a:gridCol w="5965345">
                   <a:extLst>
                     <a:ext uri="{9D8B030D-6E8A-4147-A177-3AD203B41FA5}">
-                      <a16:colId xmlns:a16="http://schemas.microsoft.com/office/drawing/2014/main" xmlns="" val="20000"/>
+                      <a16:colId xmlns="" xmlns:a16="http://schemas.microsoft.com/office/drawing/2014/main" val="20000"/>
                     </a:ext>
                   </a:extLst>
                 </a:gridCol>
                 <a:gridCol w="568903">
                   <a:extLst>
                     <a:ext uri="{9D8B030D-6E8A-4147-A177-3AD203B41FA5}">
-                      <a16:colId xmlns:a16="http://schemas.microsoft.com/office/drawing/2014/main" xmlns="" val="20001"/>
+                      <a16:colId xmlns="" xmlns:a16="http://schemas.microsoft.com/office/drawing/2014/main" val="20001"/>
                     </a:ext>
                   </a:extLst>
                 </a:gridCol>
                 <a:gridCol w="520140">
                   <a:extLst>
                     <a:ext uri="{9D8B030D-6E8A-4147-A177-3AD203B41FA5}">
-                      <a16:colId xmlns:a16="http://schemas.microsoft.com/office/drawing/2014/main" xmlns="" val="20002"/>
+                      <a16:colId xmlns="" xmlns:a16="http://schemas.microsoft.com/office/drawing/2014/main" val="20002"/>
                     </a:ext>
                   </a:extLst>
                 </a:gridCol>
                 <a:gridCol w="520140">
                   <a:extLst>
                     <a:ext uri="{9D8B030D-6E8A-4147-A177-3AD203B41FA5}">
-                      <a16:colId xmlns:a16="http://schemas.microsoft.com/office/drawing/2014/main" xmlns="" val="2588272693"/>
+                      <a16:colId xmlns="" xmlns:a16="http://schemas.microsoft.com/office/drawing/2014/main" val="2588272693"/>
                     </a:ext>
                   </a:extLst>
                 </a:gridCol>
@@ -19803,7 +19803,7 @@
                 </a:tc>
                 <a:extLst>
                   <a:ext uri="{0D108BD9-81ED-4DB2-BD59-A6C34878D82A}">
-                    <a16:rowId xmlns:a16="http://schemas.microsoft.com/office/drawing/2014/main" xmlns="" val="10000"/>
+                    <a16:rowId xmlns="" xmlns:a16="http://schemas.microsoft.com/office/drawing/2014/main" val="10000"/>
                   </a:ext>
                 </a:extLst>
               </a:tr>
@@ -19920,7 +19920,7 @@
                 </a:tc>
                 <a:extLst>
                   <a:ext uri="{0D108BD9-81ED-4DB2-BD59-A6C34878D82A}">
-                    <a16:rowId xmlns:a16="http://schemas.microsoft.com/office/drawing/2014/main" xmlns="" val="10001"/>
+                    <a16:rowId xmlns="" xmlns:a16="http://schemas.microsoft.com/office/drawing/2014/main" val="10001"/>
                   </a:ext>
                 </a:extLst>
               </a:tr>
@@ -20042,7 +20042,7 @@
                 </a:tc>
                 <a:extLst>
                   <a:ext uri="{0D108BD9-81ED-4DB2-BD59-A6C34878D82A}">
-                    <a16:rowId xmlns:a16="http://schemas.microsoft.com/office/drawing/2014/main" xmlns="" val="10002"/>
+                    <a16:rowId xmlns="" xmlns:a16="http://schemas.microsoft.com/office/drawing/2014/main" val="10002"/>
                   </a:ext>
                 </a:extLst>
               </a:tr>
@@ -20164,7 +20164,7 @@
                 </a:tc>
                 <a:extLst>
                   <a:ext uri="{0D108BD9-81ED-4DB2-BD59-A6C34878D82A}">
-                    <a16:rowId xmlns:a16="http://schemas.microsoft.com/office/drawing/2014/main" xmlns="" val="10003"/>
+                    <a16:rowId xmlns="" xmlns:a16="http://schemas.microsoft.com/office/drawing/2014/main" val="10003"/>
                   </a:ext>
                 </a:extLst>
               </a:tr>
@@ -20286,7 +20286,7 @@
                 </a:tc>
                 <a:extLst>
                   <a:ext uri="{0D108BD9-81ED-4DB2-BD59-A6C34878D82A}">
-                    <a16:rowId xmlns:a16="http://schemas.microsoft.com/office/drawing/2014/main" xmlns="" val="10004"/>
+                    <a16:rowId xmlns="" xmlns:a16="http://schemas.microsoft.com/office/drawing/2014/main" val="10004"/>
                   </a:ext>
                 </a:extLst>
               </a:tr>
@@ -20408,7 +20408,7 @@
                 </a:tc>
                 <a:extLst>
                   <a:ext uri="{0D108BD9-81ED-4DB2-BD59-A6C34878D82A}">
-                    <a16:rowId xmlns:a16="http://schemas.microsoft.com/office/drawing/2014/main" xmlns="" val="10005"/>
+                    <a16:rowId xmlns="" xmlns:a16="http://schemas.microsoft.com/office/drawing/2014/main" val="10005"/>
                   </a:ext>
                 </a:extLst>
               </a:tr>
@@ -20530,7 +20530,7 @@
                 </a:tc>
                 <a:extLst>
                   <a:ext uri="{0D108BD9-81ED-4DB2-BD59-A6C34878D82A}">
-                    <a16:rowId xmlns:a16="http://schemas.microsoft.com/office/drawing/2014/main" xmlns="" val="10006"/>
+                    <a16:rowId xmlns="" xmlns:a16="http://schemas.microsoft.com/office/drawing/2014/main" val="10006"/>
                   </a:ext>
                 </a:extLst>
               </a:tr>
@@ -21820,28 +21820,28 @@
                 <a:gridCol w="5965345">
                   <a:extLst>
                     <a:ext uri="{9D8B030D-6E8A-4147-A177-3AD203B41FA5}">
-                      <a16:colId xmlns:a16="http://schemas.microsoft.com/office/drawing/2014/main" xmlns="" val="20000"/>
+                      <a16:colId xmlns="" xmlns:a16="http://schemas.microsoft.com/office/drawing/2014/main" val="20000"/>
                     </a:ext>
                   </a:extLst>
                 </a:gridCol>
                 <a:gridCol w="568903">
                   <a:extLst>
                     <a:ext uri="{9D8B030D-6E8A-4147-A177-3AD203B41FA5}">
-                      <a16:colId xmlns:a16="http://schemas.microsoft.com/office/drawing/2014/main" xmlns="" val="20001"/>
+                      <a16:colId xmlns="" xmlns:a16="http://schemas.microsoft.com/office/drawing/2014/main" val="20001"/>
                     </a:ext>
                   </a:extLst>
                 </a:gridCol>
                 <a:gridCol w="520140">
                   <a:extLst>
                     <a:ext uri="{9D8B030D-6E8A-4147-A177-3AD203B41FA5}">
-                      <a16:colId xmlns:a16="http://schemas.microsoft.com/office/drawing/2014/main" xmlns="" val="20002"/>
+                      <a16:colId xmlns="" xmlns:a16="http://schemas.microsoft.com/office/drawing/2014/main" val="20002"/>
                     </a:ext>
                   </a:extLst>
                 </a:gridCol>
                 <a:gridCol w="520140">
                   <a:extLst>
                     <a:ext uri="{9D8B030D-6E8A-4147-A177-3AD203B41FA5}">
-                      <a16:colId xmlns:a16="http://schemas.microsoft.com/office/drawing/2014/main" xmlns="" val="1173184688"/>
+                      <a16:colId xmlns="" xmlns:a16="http://schemas.microsoft.com/office/drawing/2014/main" val="1173184688"/>
                     </a:ext>
                   </a:extLst>
                 </a:gridCol>
@@ -21947,7 +21947,7 @@
                 </a:tc>
                 <a:extLst>
                   <a:ext uri="{0D108BD9-81ED-4DB2-BD59-A6C34878D82A}">
-                    <a16:rowId xmlns:a16="http://schemas.microsoft.com/office/drawing/2014/main" xmlns="" val="10000"/>
+                    <a16:rowId xmlns="" xmlns:a16="http://schemas.microsoft.com/office/drawing/2014/main" val="10000"/>
                   </a:ext>
                 </a:extLst>
               </a:tr>
@@ -22065,7 +22065,7 @@
                 </a:tc>
                 <a:extLst>
                   <a:ext uri="{0D108BD9-81ED-4DB2-BD59-A6C34878D82A}">
-                    <a16:rowId xmlns:a16="http://schemas.microsoft.com/office/drawing/2014/main" xmlns="" val="10002"/>
+                    <a16:rowId xmlns="" xmlns:a16="http://schemas.microsoft.com/office/drawing/2014/main" val="10002"/>
                   </a:ext>
                 </a:extLst>
               </a:tr>
@@ -22188,7 +22188,7 @@
                 </a:tc>
                 <a:extLst>
                   <a:ext uri="{0D108BD9-81ED-4DB2-BD59-A6C34878D82A}">
-                    <a16:rowId xmlns:a16="http://schemas.microsoft.com/office/drawing/2014/main" xmlns="" val="10003"/>
+                    <a16:rowId xmlns="" xmlns:a16="http://schemas.microsoft.com/office/drawing/2014/main" val="10003"/>
                   </a:ext>
                 </a:extLst>
               </a:tr>
@@ -22312,7 +22312,7 @@
                 </a:tc>
                 <a:extLst>
                   <a:ext uri="{0D108BD9-81ED-4DB2-BD59-A6C34878D82A}">
-                    <a16:rowId xmlns:a16="http://schemas.microsoft.com/office/drawing/2014/main" xmlns="" val="10004"/>
+                    <a16:rowId xmlns="" xmlns:a16="http://schemas.microsoft.com/office/drawing/2014/main" val="10004"/>
                   </a:ext>
                 </a:extLst>
               </a:tr>
@@ -22452,7 +22452,7 @@
                 </a:tc>
                 <a:extLst>
                   <a:ext uri="{0D108BD9-81ED-4DB2-BD59-A6C34878D82A}">
-                    <a16:rowId xmlns:a16="http://schemas.microsoft.com/office/drawing/2014/main" xmlns="" val="10005"/>
+                    <a16:rowId xmlns="" xmlns:a16="http://schemas.microsoft.com/office/drawing/2014/main" val="10005"/>
                   </a:ext>
                 </a:extLst>
               </a:tr>
@@ -23957,7 +23957,7 @@
                 <a:gridCol w="2373524">
                   <a:extLst>
                     <a:ext uri="{9D8B030D-6E8A-4147-A177-3AD203B41FA5}">
-                      <a16:colId xmlns="" xmlns:a16="http://schemas.microsoft.com/office/drawing/2014/main" val="20000"/>
+                      <a16:colId xmlns:a16="http://schemas.microsoft.com/office/drawing/2014/main" xmlns="" val="20000"/>
                     </a:ext>
                   </a:extLst>
                 </a:gridCol>
@@ -24020,7 +24020,7 @@
                 </a:tc>
                 <a:extLst>
                   <a:ext uri="{0D108BD9-81ED-4DB2-BD59-A6C34878D82A}">
-                    <a16:rowId xmlns="" xmlns:a16="http://schemas.microsoft.com/office/drawing/2014/main" val="10000"/>
+                    <a16:rowId xmlns:a16="http://schemas.microsoft.com/office/drawing/2014/main" xmlns="" val="10000"/>
                   </a:ext>
                 </a:extLst>
               </a:tr>
@@ -24081,7 +24081,7 @@
                 </a:tc>
                 <a:extLst>
                   <a:ext uri="{0D108BD9-81ED-4DB2-BD59-A6C34878D82A}">
-                    <a16:rowId xmlns="" xmlns:a16="http://schemas.microsoft.com/office/drawing/2014/main" val="10001"/>
+                    <a16:rowId xmlns:a16="http://schemas.microsoft.com/office/drawing/2014/main" xmlns="" val="10001"/>
                   </a:ext>
                 </a:extLst>
               </a:tr>
@@ -24151,7 +24151,7 @@
                 </a:tc>
                 <a:extLst>
                   <a:ext uri="{0D108BD9-81ED-4DB2-BD59-A6C34878D82A}">
-                    <a16:rowId xmlns="" xmlns:a16="http://schemas.microsoft.com/office/drawing/2014/main" val="10002"/>
+                    <a16:rowId xmlns:a16="http://schemas.microsoft.com/office/drawing/2014/main" xmlns="" val="10002"/>
                   </a:ext>
                 </a:extLst>
               </a:tr>
@@ -24229,7 +24229,7 @@
                 </a:tc>
                 <a:extLst>
                   <a:ext uri="{0D108BD9-81ED-4DB2-BD59-A6C34878D82A}">
-                    <a16:rowId xmlns="" xmlns:a16="http://schemas.microsoft.com/office/drawing/2014/main" val="10007"/>
+                    <a16:rowId xmlns:a16="http://schemas.microsoft.com/office/drawing/2014/main" xmlns="" val="10007"/>
                   </a:ext>
                 </a:extLst>
               </a:tr>
@@ -24811,7 +24811,7 @@
                 <a:gridCol w="2373524">
                   <a:extLst>
                     <a:ext uri="{9D8B030D-6E8A-4147-A177-3AD203B41FA5}">
-                      <a16:colId xmlns="" xmlns:a16="http://schemas.microsoft.com/office/drawing/2014/main" val="20000"/>
+                      <a16:colId xmlns:a16="http://schemas.microsoft.com/office/drawing/2014/main" xmlns="" val="20000"/>
                     </a:ext>
                   </a:extLst>
                 </a:gridCol>
@@ -24874,7 +24874,7 @@
                 </a:tc>
                 <a:extLst>
                   <a:ext uri="{0D108BD9-81ED-4DB2-BD59-A6C34878D82A}">
-                    <a16:rowId xmlns="" xmlns:a16="http://schemas.microsoft.com/office/drawing/2014/main" val="10000"/>
+                    <a16:rowId xmlns:a16="http://schemas.microsoft.com/office/drawing/2014/main" xmlns="" val="10000"/>
                   </a:ext>
                 </a:extLst>
               </a:tr>
@@ -24935,7 +24935,7 @@
                 </a:tc>
                 <a:extLst>
                   <a:ext uri="{0D108BD9-81ED-4DB2-BD59-A6C34878D82A}">
-                    <a16:rowId xmlns="" xmlns:a16="http://schemas.microsoft.com/office/drawing/2014/main" val="10001"/>
+                    <a16:rowId xmlns:a16="http://schemas.microsoft.com/office/drawing/2014/main" xmlns="" val="10001"/>
                   </a:ext>
                 </a:extLst>
               </a:tr>
@@ -25005,7 +25005,7 @@
                 </a:tc>
                 <a:extLst>
                   <a:ext uri="{0D108BD9-81ED-4DB2-BD59-A6C34878D82A}">
-                    <a16:rowId xmlns="" xmlns:a16="http://schemas.microsoft.com/office/drawing/2014/main" val="10002"/>
+                    <a16:rowId xmlns:a16="http://schemas.microsoft.com/office/drawing/2014/main" xmlns="" val="10002"/>
                   </a:ext>
                 </a:extLst>
               </a:tr>
@@ -25083,7 +25083,7 @@
                 </a:tc>
                 <a:extLst>
                   <a:ext uri="{0D108BD9-81ED-4DB2-BD59-A6C34878D82A}">
-                    <a16:rowId xmlns="" xmlns:a16="http://schemas.microsoft.com/office/drawing/2014/main" val="10007"/>
+                    <a16:rowId xmlns:a16="http://schemas.microsoft.com/office/drawing/2014/main" xmlns="" val="10007"/>
                   </a:ext>
                 </a:extLst>
               </a:tr>
@@ -25521,7 +25521,7 @@
                 <a:gridCol w="2373524">
                   <a:extLst>
                     <a:ext uri="{9D8B030D-6E8A-4147-A177-3AD203B41FA5}">
-                      <a16:colId xmlns="" xmlns:a16="http://schemas.microsoft.com/office/drawing/2014/main" val="20000"/>
+                      <a16:colId xmlns:a16="http://schemas.microsoft.com/office/drawing/2014/main" xmlns="" val="20000"/>
                     </a:ext>
                   </a:extLst>
                 </a:gridCol>
@@ -25584,7 +25584,7 @@
                 </a:tc>
                 <a:extLst>
                   <a:ext uri="{0D108BD9-81ED-4DB2-BD59-A6C34878D82A}">
-                    <a16:rowId xmlns="" xmlns:a16="http://schemas.microsoft.com/office/drawing/2014/main" val="10000"/>
+                    <a16:rowId xmlns:a16="http://schemas.microsoft.com/office/drawing/2014/main" xmlns="" val="10000"/>
                   </a:ext>
                 </a:extLst>
               </a:tr>
@@ -25645,7 +25645,7 @@
                 </a:tc>
                 <a:extLst>
                   <a:ext uri="{0D108BD9-81ED-4DB2-BD59-A6C34878D82A}">
-                    <a16:rowId xmlns="" xmlns:a16="http://schemas.microsoft.com/office/drawing/2014/main" val="10001"/>
+                    <a16:rowId xmlns:a16="http://schemas.microsoft.com/office/drawing/2014/main" xmlns="" val="10001"/>
                   </a:ext>
                 </a:extLst>
               </a:tr>
@@ -25715,7 +25715,7 @@
                 </a:tc>
                 <a:extLst>
                   <a:ext uri="{0D108BD9-81ED-4DB2-BD59-A6C34878D82A}">
-                    <a16:rowId xmlns="" xmlns:a16="http://schemas.microsoft.com/office/drawing/2014/main" val="10002"/>
+                    <a16:rowId xmlns:a16="http://schemas.microsoft.com/office/drawing/2014/main" xmlns="" val="10002"/>
                   </a:ext>
                 </a:extLst>
               </a:tr>
@@ -25793,7 +25793,7 @@
                 </a:tc>
                 <a:extLst>
                   <a:ext uri="{0D108BD9-81ED-4DB2-BD59-A6C34878D82A}">
-                    <a16:rowId xmlns="" xmlns:a16="http://schemas.microsoft.com/office/drawing/2014/main" val="10007"/>
+                    <a16:rowId xmlns:a16="http://schemas.microsoft.com/office/drawing/2014/main" xmlns="" val="10007"/>
                   </a:ext>
                 </a:extLst>
               </a:tr>
@@ -25974,64 +25974,45 @@
           <a:p>
             <a:pPr lvl="2"/>
             <a:r>
-              <a:rPr lang="en-US" sz="1800" dirty="0" smtClean="0"/>
-              <a:t>Prevent custom user actions</a:t>
+              <a:rPr lang="en-US" sz="1800" dirty="0"/>
+              <a:t>Prevent users from creating sites from the user interface.</a:t>
             </a:r>
           </a:p>
           <a:p>
             <a:pPr lvl="2"/>
             <a:r>
-              <a:rPr lang="en-US" sz="1800" dirty="0" smtClean="0"/>
-              <a:t>Prevent </a:t>
-            </a:r>
-            <a:r>
               <a:rPr lang="en-US" sz="1800" dirty="0"/>
-              <a:t>the </a:t>
-            </a:r>
-            <a:r>
-              <a:rPr lang="en-US" sz="1800" dirty="0" smtClean="0"/>
-              <a:t>users from using certain site templates </a:t>
+              <a:t>Prevent the users from using certain site templates </a:t>
             </a:r>
           </a:p>
           <a:p>
             <a:pPr lvl="2"/>
             <a:r>
-              <a:rPr lang="en-US" sz="1800" dirty="0" smtClean="0"/>
-              <a:t>Allows users to create sub sites through electronic requests</a:t>
+              <a:rPr lang="en-US" sz="1800" dirty="0"/>
+              <a:t>Allow users to create sub sites through electronic requests</a:t>
             </a:r>
           </a:p>
           <a:p>
             <a:pPr lvl="2"/>
             <a:r>
-              <a:rPr lang="en-US" sz="1800" dirty="0" smtClean="0"/>
-              <a:t>Hides the sites provisioned or requested by other users</a:t>
+              <a:rPr lang="en-US" sz="1800" dirty="0"/>
+              <a:t>Implement security around the sites so that they are visible only to the requestor</a:t>
             </a:r>
           </a:p>
           <a:p>
             <a:pPr lvl="2"/>
             <a:r>
-              <a:rPr lang="en-US" sz="1800" dirty="0" smtClean="0"/>
-              <a:t>Allows auto activation of some site features during site provision</a:t>
+              <a:rPr lang="en-US" sz="1800" dirty="0"/>
+              <a:t>Allow auto activation of some site features during site provision</a:t>
             </a:r>
           </a:p>
           <a:p>
             <a:pPr lvl="2"/>
             <a:r>
-              <a:rPr lang="en-US" sz="1800" dirty="0" smtClean="0"/>
-              <a:t>My Sites </a:t>
-            </a:r>
-            <a:r>
-              <a:rPr lang="en-US" sz="1800" dirty="0"/>
-              <a:t>are </a:t>
-            </a:r>
-            <a:r>
-              <a:rPr lang="en-US" sz="1800" dirty="0" smtClean="0"/>
-              <a:t>set to expire </a:t>
-            </a:r>
-            <a:r>
-              <a:rPr lang="en-US" sz="1800" dirty="0"/>
-              <a:t>after one year</a:t>
-            </a:r>
+              <a:rPr lang="en-US" sz="1800"/>
+              <a:t>My Sites should be set to expire after one year</a:t>
+            </a:r>
+            <a:endParaRPr lang="en-US" sz="1800" dirty="0"/>
           </a:p>
         </p:txBody>
       </p:sp>
@@ -26313,7 +26294,7 @@
                 <a:gridCol w="2373524">
                   <a:extLst>
                     <a:ext uri="{9D8B030D-6E8A-4147-A177-3AD203B41FA5}">
-                      <a16:colId xmlns="" xmlns:a16="http://schemas.microsoft.com/office/drawing/2014/main" val="20000"/>
+                      <a16:colId xmlns:a16="http://schemas.microsoft.com/office/drawing/2014/main" xmlns="" val="20000"/>
                     </a:ext>
                   </a:extLst>
                 </a:gridCol>
@@ -26376,7 +26357,7 @@
                 </a:tc>
                 <a:extLst>
                   <a:ext uri="{0D108BD9-81ED-4DB2-BD59-A6C34878D82A}">
-                    <a16:rowId xmlns="" xmlns:a16="http://schemas.microsoft.com/office/drawing/2014/main" val="10000"/>
+                    <a16:rowId xmlns:a16="http://schemas.microsoft.com/office/drawing/2014/main" xmlns="" val="10000"/>
                   </a:ext>
                 </a:extLst>
               </a:tr>
@@ -26437,7 +26418,7 @@
                 </a:tc>
                 <a:extLst>
                   <a:ext uri="{0D108BD9-81ED-4DB2-BD59-A6C34878D82A}">
-                    <a16:rowId xmlns="" xmlns:a16="http://schemas.microsoft.com/office/drawing/2014/main" val="10001"/>
+                    <a16:rowId xmlns:a16="http://schemas.microsoft.com/office/drawing/2014/main" xmlns="" val="10001"/>
                   </a:ext>
                 </a:extLst>
               </a:tr>
@@ -26507,7 +26488,7 @@
                 </a:tc>
                 <a:extLst>
                   <a:ext uri="{0D108BD9-81ED-4DB2-BD59-A6C34878D82A}">
-                    <a16:rowId xmlns="" xmlns:a16="http://schemas.microsoft.com/office/drawing/2014/main" val="10002"/>
+                    <a16:rowId xmlns:a16="http://schemas.microsoft.com/office/drawing/2014/main" xmlns="" val="10002"/>
                   </a:ext>
                 </a:extLst>
               </a:tr>
@@ -26585,7 +26566,7 @@
                 </a:tc>
                 <a:extLst>
                   <a:ext uri="{0D108BD9-81ED-4DB2-BD59-A6C34878D82A}">
-                    <a16:rowId xmlns="" xmlns:a16="http://schemas.microsoft.com/office/drawing/2014/main" val="10007"/>
+                    <a16:rowId xmlns:a16="http://schemas.microsoft.com/office/drawing/2014/main" xmlns="" val="10007"/>
                   </a:ext>
                 </a:extLst>
               </a:tr>
@@ -27084,7 +27065,7 @@
                 <a:gridCol w="2373524">
                   <a:extLst>
                     <a:ext uri="{9D8B030D-6E8A-4147-A177-3AD203B41FA5}">
-                      <a16:colId xmlns="" xmlns:a16="http://schemas.microsoft.com/office/drawing/2014/main" val="20000"/>
+                      <a16:colId xmlns:a16="http://schemas.microsoft.com/office/drawing/2014/main" xmlns="" val="20000"/>
                     </a:ext>
                   </a:extLst>
                 </a:gridCol>
@@ -27147,7 +27128,7 @@
                 </a:tc>
                 <a:extLst>
                   <a:ext uri="{0D108BD9-81ED-4DB2-BD59-A6C34878D82A}">
-                    <a16:rowId xmlns="" xmlns:a16="http://schemas.microsoft.com/office/drawing/2014/main" val="10000"/>
+                    <a16:rowId xmlns:a16="http://schemas.microsoft.com/office/drawing/2014/main" xmlns="" val="10000"/>
                   </a:ext>
                 </a:extLst>
               </a:tr>
@@ -27208,7 +27189,7 @@
                 </a:tc>
                 <a:extLst>
                   <a:ext uri="{0D108BD9-81ED-4DB2-BD59-A6C34878D82A}">
-                    <a16:rowId xmlns="" xmlns:a16="http://schemas.microsoft.com/office/drawing/2014/main" val="10001"/>
+                    <a16:rowId xmlns:a16="http://schemas.microsoft.com/office/drawing/2014/main" xmlns="" val="10001"/>
                   </a:ext>
                 </a:extLst>
               </a:tr>
@@ -27278,7 +27259,7 @@
                 </a:tc>
                 <a:extLst>
                   <a:ext uri="{0D108BD9-81ED-4DB2-BD59-A6C34878D82A}">
-                    <a16:rowId xmlns="" xmlns:a16="http://schemas.microsoft.com/office/drawing/2014/main" val="10002"/>
+                    <a16:rowId xmlns:a16="http://schemas.microsoft.com/office/drawing/2014/main" xmlns="" val="10002"/>
                   </a:ext>
                 </a:extLst>
               </a:tr>
@@ -27356,7 +27337,7 @@
                 </a:tc>
                 <a:extLst>
                   <a:ext uri="{0D108BD9-81ED-4DB2-BD59-A6C34878D82A}">
-                    <a16:rowId xmlns="" xmlns:a16="http://schemas.microsoft.com/office/drawing/2014/main" val="10007"/>
+                    <a16:rowId xmlns:a16="http://schemas.microsoft.com/office/drawing/2014/main" xmlns="" val="10007"/>
                   </a:ext>
                 </a:extLst>
               </a:tr>
@@ -28223,7 +28204,7 @@
                 <a:gridCol w="2373524">
                   <a:extLst>
                     <a:ext uri="{9D8B030D-6E8A-4147-A177-3AD203B41FA5}">
-                      <a16:colId xmlns="" xmlns:a16="http://schemas.microsoft.com/office/drawing/2014/main" val="20000"/>
+                      <a16:colId xmlns:a16="http://schemas.microsoft.com/office/drawing/2014/main" xmlns="" val="20000"/>
                     </a:ext>
                   </a:extLst>
                 </a:gridCol>
@@ -28286,7 +28267,7 @@
                 </a:tc>
                 <a:extLst>
                   <a:ext uri="{0D108BD9-81ED-4DB2-BD59-A6C34878D82A}">
-                    <a16:rowId xmlns="" xmlns:a16="http://schemas.microsoft.com/office/drawing/2014/main" val="10000"/>
+                    <a16:rowId xmlns:a16="http://schemas.microsoft.com/office/drawing/2014/main" xmlns="" val="10000"/>
                   </a:ext>
                 </a:extLst>
               </a:tr>
@@ -28347,7 +28328,7 @@
                 </a:tc>
                 <a:extLst>
                   <a:ext uri="{0D108BD9-81ED-4DB2-BD59-A6C34878D82A}">
-                    <a16:rowId xmlns="" xmlns:a16="http://schemas.microsoft.com/office/drawing/2014/main" val="10001"/>
+                    <a16:rowId xmlns:a16="http://schemas.microsoft.com/office/drawing/2014/main" xmlns="" val="10001"/>
                   </a:ext>
                 </a:extLst>
               </a:tr>
@@ -28417,7 +28398,7 @@
                 </a:tc>
                 <a:extLst>
                   <a:ext uri="{0D108BD9-81ED-4DB2-BD59-A6C34878D82A}">
-                    <a16:rowId xmlns="" xmlns:a16="http://schemas.microsoft.com/office/drawing/2014/main" val="10002"/>
+                    <a16:rowId xmlns:a16="http://schemas.microsoft.com/office/drawing/2014/main" xmlns="" val="10002"/>
                   </a:ext>
                 </a:extLst>
               </a:tr>
@@ -28495,7 +28476,7 @@
                 </a:tc>
                 <a:extLst>
                   <a:ext uri="{0D108BD9-81ED-4DB2-BD59-A6C34878D82A}">
-                    <a16:rowId xmlns="" xmlns:a16="http://schemas.microsoft.com/office/drawing/2014/main" val="10007"/>
+                    <a16:rowId xmlns:a16="http://schemas.microsoft.com/office/drawing/2014/main" xmlns="" val="10007"/>
                   </a:ext>
                 </a:extLst>
               </a:tr>
@@ -29433,7 +29414,7 @@
                 <a:gridCol w="2373524">
                   <a:extLst>
                     <a:ext uri="{9D8B030D-6E8A-4147-A177-3AD203B41FA5}">
-                      <a16:colId xmlns="" xmlns:a16="http://schemas.microsoft.com/office/drawing/2014/main" val="20000"/>
+                      <a16:colId xmlns:a16="http://schemas.microsoft.com/office/drawing/2014/main" xmlns="" val="20000"/>
                     </a:ext>
                   </a:extLst>
                 </a:gridCol>
@@ -29496,7 +29477,7 @@
                 </a:tc>
                 <a:extLst>
                   <a:ext uri="{0D108BD9-81ED-4DB2-BD59-A6C34878D82A}">
-                    <a16:rowId xmlns="" xmlns:a16="http://schemas.microsoft.com/office/drawing/2014/main" val="10000"/>
+                    <a16:rowId xmlns:a16="http://schemas.microsoft.com/office/drawing/2014/main" xmlns="" val="10000"/>
                   </a:ext>
                 </a:extLst>
               </a:tr>
@@ -29557,7 +29538,7 @@
                 </a:tc>
                 <a:extLst>
                   <a:ext uri="{0D108BD9-81ED-4DB2-BD59-A6C34878D82A}">
-                    <a16:rowId xmlns="" xmlns:a16="http://schemas.microsoft.com/office/drawing/2014/main" val="10001"/>
+                    <a16:rowId xmlns:a16="http://schemas.microsoft.com/office/drawing/2014/main" xmlns="" val="10001"/>
                   </a:ext>
                 </a:extLst>
               </a:tr>
@@ -29627,7 +29608,7 @@
                 </a:tc>
                 <a:extLst>
                   <a:ext uri="{0D108BD9-81ED-4DB2-BD59-A6C34878D82A}">
-                    <a16:rowId xmlns="" xmlns:a16="http://schemas.microsoft.com/office/drawing/2014/main" val="10002"/>
+                    <a16:rowId xmlns:a16="http://schemas.microsoft.com/office/drawing/2014/main" xmlns="" val="10002"/>
                   </a:ext>
                 </a:extLst>
               </a:tr>
@@ -29705,7 +29686,7 @@
                 </a:tc>
                 <a:extLst>
                   <a:ext uri="{0D108BD9-81ED-4DB2-BD59-A6C34878D82A}">
-                    <a16:rowId xmlns="" xmlns:a16="http://schemas.microsoft.com/office/drawing/2014/main" val="10007"/>
+                    <a16:rowId xmlns:a16="http://schemas.microsoft.com/office/drawing/2014/main" xmlns="" val="10007"/>
                   </a:ext>
                 </a:extLst>
               </a:tr>
@@ -30379,7 +30360,7 @@
                 <a:gridCol w="2373524">
                   <a:extLst>
                     <a:ext uri="{9D8B030D-6E8A-4147-A177-3AD203B41FA5}">
-                      <a16:colId xmlns="" xmlns:a16="http://schemas.microsoft.com/office/drawing/2014/main" val="20000"/>
+                      <a16:colId xmlns:a16="http://schemas.microsoft.com/office/drawing/2014/main" xmlns="" val="20000"/>
                     </a:ext>
                   </a:extLst>
                 </a:gridCol>
@@ -30442,7 +30423,7 @@
                 </a:tc>
                 <a:extLst>
                   <a:ext uri="{0D108BD9-81ED-4DB2-BD59-A6C34878D82A}">
-                    <a16:rowId xmlns="" xmlns:a16="http://schemas.microsoft.com/office/drawing/2014/main" val="10000"/>
+                    <a16:rowId xmlns:a16="http://schemas.microsoft.com/office/drawing/2014/main" xmlns="" val="10000"/>
                   </a:ext>
                 </a:extLst>
               </a:tr>
@@ -30503,7 +30484,7 @@
                 </a:tc>
                 <a:extLst>
                   <a:ext uri="{0D108BD9-81ED-4DB2-BD59-A6C34878D82A}">
-                    <a16:rowId xmlns="" xmlns:a16="http://schemas.microsoft.com/office/drawing/2014/main" val="10001"/>
+                    <a16:rowId xmlns:a16="http://schemas.microsoft.com/office/drawing/2014/main" xmlns="" val="10001"/>
                   </a:ext>
                 </a:extLst>
               </a:tr>
@@ -30573,7 +30554,7 @@
                 </a:tc>
                 <a:extLst>
                   <a:ext uri="{0D108BD9-81ED-4DB2-BD59-A6C34878D82A}">
-                    <a16:rowId xmlns="" xmlns:a16="http://schemas.microsoft.com/office/drawing/2014/main" val="10002"/>
+                    <a16:rowId xmlns:a16="http://schemas.microsoft.com/office/drawing/2014/main" xmlns="" val="10002"/>
                   </a:ext>
                 </a:extLst>
               </a:tr>
@@ -30651,7 +30632,7 @@
                 </a:tc>
                 <a:extLst>
                   <a:ext uri="{0D108BD9-81ED-4DB2-BD59-A6C34878D82A}">
-                    <a16:rowId xmlns="" xmlns:a16="http://schemas.microsoft.com/office/drawing/2014/main" val="10007"/>
+                    <a16:rowId xmlns:a16="http://schemas.microsoft.com/office/drawing/2014/main" xmlns="" val="10007"/>
                   </a:ext>
                 </a:extLst>
               </a:tr>
@@ -31401,7 +31382,7 @@
                 <a:gridCol w="2373524">
                   <a:extLst>
                     <a:ext uri="{9D8B030D-6E8A-4147-A177-3AD203B41FA5}">
-                      <a16:colId xmlns="" xmlns:a16="http://schemas.microsoft.com/office/drawing/2014/main" val="20000"/>
+                      <a16:colId xmlns:a16="http://schemas.microsoft.com/office/drawing/2014/main" xmlns="" val="20000"/>
                     </a:ext>
                   </a:extLst>
                 </a:gridCol>
@@ -31464,7 +31445,7 @@
                 </a:tc>
                 <a:extLst>
                   <a:ext uri="{0D108BD9-81ED-4DB2-BD59-A6C34878D82A}">
-                    <a16:rowId xmlns="" xmlns:a16="http://schemas.microsoft.com/office/drawing/2014/main" val="10000"/>
+                    <a16:rowId xmlns:a16="http://schemas.microsoft.com/office/drawing/2014/main" xmlns="" val="10000"/>
                   </a:ext>
                 </a:extLst>
               </a:tr>
@@ -31525,7 +31506,7 @@
                 </a:tc>
                 <a:extLst>
                   <a:ext uri="{0D108BD9-81ED-4DB2-BD59-A6C34878D82A}">
-                    <a16:rowId xmlns="" xmlns:a16="http://schemas.microsoft.com/office/drawing/2014/main" val="10001"/>
+                    <a16:rowId xmlns:a16="http://schemas.microsoft.com/office/drawing/2014/main" xmlns="" val="10001"/>
                   </a:ext>
                 </a:extLst>
               </a:tr>
@@ -31595,7 +31576,7 @@
                 </a:tc>
                 <a:extLst>
                   <a:ext uri="{0D108BD9-81ED-4DB2-BD59-A6C34878D82A}">
-                    <a16:rowId xmlns="" xmlns:a16="http://schemas.microsoft.com/office/drawing/2014/main" val="10002"/>
+                    <a16:rowId xmlns:a16="http://schemas.microsoft.com/office/drawing/2014/main" xmlns="" val="10002"/>
                   </a:ext>
                 </a:extLst>
               </a:tr>
@@ -31673,7 +31654,7 @@
                 </a:tc>
                 <a:extLst>
                   <a:ext uri="{0D108BD9-81ED-4DB2-BD59-A6C34878D82A}">
-                    <a16:rowId xmlns="" xmlns:a16="http://schemas.microsoft.com/office/drawing/2014/main" val="10007"/>
+                    <a16:rowId xmlns:a16="http://schemas.microsoft.com/office/drawing/2014/main" xmlns="" val="10007"/>
                   </a:ext>
                 </a:extLst>
               </a:tr>
@@ -32183,7 +32164,7 @@
                 <a:gridCol w="2373524">
                   <a:extLst>
                     <a:ext uri="{9D8B030D-6E8A-4147-A177-3AD203B41FA5}">
-                      <a16:colId xmlns="" xmlns:a16="http://schemas.microsoft.com/office/drawing/2014/main" val="20000"/>
+                      <a16:colId xmlns:a16="http://schemas.microsoft.com/office/drawing/2014/main" xmlns="" val="20000"/>
                     </a:ext>
                   </a:extLst>
                 </a:gridCol>
@@ -32246,7 +32227,7 @@
                 </a:tc>
                 <a:extLst>
                   <a:ext uri="{0D108BD9-81ED-4DB2-BD59-A6C34878D82A}">
-                    <a16:rowId xmlns="" xmlns:a16="http://schemas.microsoft.com/office/drawing/2014/main" val="10000"/>
+                    <a16:rowId xmlns:a16="http://schemas.microsoft.com/office/drawing/2014/main" xmlns="" val="10000"/>
                   </a:ext>
                 </a:extLst>
               </a:tr>
@@ -32307,7 +32288,7 @@
                 </a:tc>
                 <a:extLst>
                   <a:ext uri="{0D108BD9-81ED-4DB2-BD59-A6C34878D82A}">
-                    <a16:rowId xmlns="" xmlns:a16="http://schemas.microsoft.com/office/drawing/2014/main" val="10001"/>
+                    <a16:rowId xmlns:a16="http://schemas.microsoft.com/office/drawing/2014/main" xmlns="" val="10001"/>
                   </a:ext>
                 </a:extLst>
               </a:tr>
@@ -32377,7 +32358,7 @@
                 </a:tc>
                 <a:extLst>
                   <a:ext uri="{0D108BD9-81ED-4DB2-BD59-A6C34878D82A}">
-                    <a16:rowId xmlns="" xmlns:a16="http://schemas.microsoft.com/office/drawing/2014/main" val="10002"/>
+                    <a16:rowId xmlns:a16="http://schemas.microsoft.com/office/drawing/2014/main" xmlns="" val="10002"/>
                   </a:ext>
                 </a:extLst>
               </a:tr>
@@ -32455,7 +32436,7 @@
                 </a:tc>
                 <a:extLst>
                   <a:ext uri="{0D108BD9-81ED-4DB2-BD59-A6C34878D82A}">
-                    <a16:rowId xmlns="" xmlns:a16="http://schemas.microsoft.com/office/drawing/2014/main" val="10007"/>
+                    <a16:rowId xmlns:a16="http://schemas.microsoft.com/office/drawing/2014/main" xmlns="" val="10007"/>
                   </a:ext>
                 </a:extLst>
               </a:tr>
@@ -32742,7 +32723,7 @@
                 <a:gridCol w="2373524">
                   <a:extLst>
                     <a:ext uri="{9D8B030D-6E8A-4147-A177-3AD203B41FA5}">
-                      <a16:colId xmlns="" xmlns:a16="http://schemas.microsoft.com/office/drawing/2014/main" val="20000"/>
+                      <a16:colId xmlns:a16="http://schemas.microsoft.com/office/drawing/2014/main" xmlns="" val="20000"/>
                     </a:ext>
                   </a:extLst>
                 </a:gridCol>
@@ -32805,7 +32786,7 @@
                 </a:tc>
                 <a:extLst>
                   <a:ext uri="{0D108BD9-81ED-4DB2-BD59-A6C34878D82A}">
-                    <a16:rowId xmlns="" xmlns:a16="http://schemas.microsoft.com/office/drawing/2014/main" val="10000"/>
+                    <a16:rowId xmlns:a16="http://schemas.microsoft.com/office/drawing/2014/main" xmlns="" val="10000"/>
                   </a:ext>
                 </a:extLst>
               </a:tr>
@@ -32866,7 +32847,7 @@
                 </a:tc>
                 <a:extLst>
                   <a:ext uri="{0D108BD9-81ED-4DB2-BD59-A6C34878D82A}">
-                    <a16:rowId xmlns="" xmlns:a16="http://schemas.microsoft.com/office/drawing/2014/main" val="10001"/>
+                    <a16:rowId xmlns:a16="http://schemas.microsoft.com/office/drawing/2014/main" xmlns="" val="10001"/>
                   </a:ext>
                 </a:extLst>
               </a:tr>
@@ -32944,7 +32925,7 @@
                 </a:tc>
                 <a:extLst>
                   <a:ext uri="{0D108BD9-81ED-4DB2-BD59-A6C34878D82A}">
-                    <a16:rowId xmlns="" xmlns:a16="http://schemas.microsoft.com/office/drawing/2014/main" val="10002"/>
+                    <a16:rowId xmlns:a16="http://schemas.microsoft.com/office/drawing/2014/main" xmlns="" val="10002"/>
                   </a:ext>
                 </a:extLst>
               </a:tr>
@@ -33022,7 +33003,7 @@
                 </a:tc>
                 <a:extLst>
                   <a:ext uri="{0D108BD9-81ED-4DB2-BD59-A6C34878D82A}">
-                    <a16:rowId xmlns="" xmlns:a16="http://schemas.microsoft.com/office/drawing/2014/main" val="10007"/>
+                    <a16:rowId xmlns:a16="http://schemas.microsoft.com/office/drawing/2014/main" xmlns="" val="10007"/>
                   </a:ext>
                 </a:extLst>
               </a:tr>
@@ -33894,7 +33875,7 @@
                 <a:gridCol w="2373524">
                   <a:extLst>
                     <a:ext uri="{9D8B030D-6E8A-4147-A177-3AD203B41FA5}">
-                      <a16:colId xmlns="" xmlns:a16="http://schemas.microsoft.com/office/drawing/2014/main" val="20000"/>
+                      <a16:colId xmlns:a16="http://schemas.microsoft.com/office/drawing/2014/main" xmlns="" val="20000"/>
                     </a:ext>
                   </a:extLst>
                 </a:gridCol>
@@ -33957,7 +33938,7 @@
                 </a:tc>
                 <a:extLst>
                   <a:ext uri="{0D108BD9-81ED-4DB2-BD59-A6C34878D82A}">
-                    <a16:rowId xmlns="" xmlns:a16="http://schemas.microsoft.com/office/drawing/2014/main" val="10000"/>
+                    <a16:rowId xmlns:a16="http://schemas.microsoft.com/office/drawing/2014/main" xmlns="" val="10000"/>
                   </a:ext>
                 </a:extLst>
               </a:tr>
@@ -34018,7 +33999,7 @@
                 </a:tc>
                 <a:extLst>
                   <a:ext uri="{0D108BD9-81ED-4DB2-BD59-A6C34878D82A}">
-                    <a16:rowId xmlns="" xmlns:a16="http://schemas.microsoft.com/office/drawing/2014/main" val="10001"/>
+                    <a16:rowId xmlns:a16="http://schemas.microsoft.com/office/drawing/2014/main" xmlns="" val="10001"/>
                   </a:ext>
                 </a:extLst>
               </a:tr>
@@ -34088,7 +34069,7 @@
                 </a:tc>
                 <a:extLst>
                   <a:ext uri="{0D108BD9-81ED-4DB2-BD59-A6C34878D82A}">
-                    <a16:rowId xmlns="" xmlns:a16="http://schemas.microsoft.com/office/drawing/2014/main" val="10002"/>
+                    <a16:rowId xmlns:a16="http://schemas.microsoft.com/office/drawing/2014/main" xmlns="" val="10002"/>
                   </a:ext>
                 </a:extLst>
               </a:tr>
@@ -34166,7 +34147,7 @@
                 </a:tc>
                 <a:extLst>
                   <a:ext uri="{0D108BD9-81ED-4DB2-BD59-A6C34878D82A}">
-                    <a16:rowId xmlns="" xmlns:a16="http://schemas.microsoft.com/office/drawing/2014/main" val="10007"/>
+                    <a16:rowId xmlns:a16="http://schemas.microsoft.com/office/drawing/2014/main" xmlns="" val="10007"/>
                   </a:ext>
                 </a:extLst>
               </a:tr>
@@ -52172,6 +52153,12 @@
 </file>
 
 <file path=customXml/item1.xml><?xml version="1.0" encoding="utf-8"?>
+<Control xmlns="http://schemas.microsoft.com/VisualStudio/2011/storyboarding/control">
+  <Id Name="System.Storyboarding.Backgrounds.WebBrowser" Revision="1" Stencil="System.Storyboarding.Backgrounds" StencilVersion="0.1"/>
+</Control>
+</file>
+
+<file path=customXml/item2.xml><?xml version="1.0" encoding="utf-8"?>
 <ct:contentTypeSchema xmlns:ct="http://schemas.microsoft.com/office/2006/metadata/contentType" xmlns:ma="http://schemas.microsoft.com/office/2006/metadata/properties/metaAttributes" ct:_="" ma:_="" ma:contentTypeName="Document" ma:contentTypeID="0x010100DD7BFE2324FCFB49A665688E9D54E8DB" ma:contentTypeVersion="2" ma:contentTypeDescription="Create a new document." ma:contentTypeScope="" ma:versionID="d40ecbfa05608dbb8df02efb84158178">
   <xsd:schema xmlns:xsd="http://www.w3.org/2001/XMLSchema" xmlns:xs="http://www.w3.org/2001/XMLSchema" xmlns:p="http://schemas.microsoft.com/office/2006/metadata/properties" xmlns:ns2="5ec9502b-addf-4716-883a-9e6742fd5109" targetNamespace="http://schemas.microsoft.com/office/2006/metadata/properties" ma:root="true" ma:fieldsID="c8929b4bbf02ed04f4fe894b226e94c0" ns2:_="">
     <xsd:import namespace="5ec9502b-addf-4716-883a-9e6742fd5109"/>
@@ -52317,34 +52304,7 @@
 </ct:contentTypeSchema>
 </file>
 
-<file path=customXml/item2.xml><?xml version="1.0" encoding="utf-8"?>
-<Control xmlns="http://schemas.microsoft.com/VisualStudio/2011/storyboarding/control">
-  <Id Name="System.Storyboarding.Backgrounds.WebBrowser" Revision="1" Stencil="System.Storyboarding.Backgrounds" StencilVersion="0.1"/>
-</Control>
-</file>
-
 <file path=customXml/item3.xml><?xml version="1.0" encoding="utf-8"?>
-<Control xmlns="http://schemas.microsoft.com/VisualStudio/2011/storyboarding/control">
-  <Id Name="System.Storyboarding.Backgrounds.WebBrowser" Revision="1" Stencil="System.Storyboarding.Backgrounds" StencilVersion="0.1"/>
-</Control>
-</file>
-
-<file path=customXml/item4.xml><?xml version="1.0" encoding="utf-8"?>
-<?mso-contentType ?>
-<FormTemplates xmlns="http://schemas.microsoft.com/sharepoint/v3/contenttype/forms">
-  <Display>DocumentLibraryForm</Display>
-  <Edit>DocumentLibraryForm</Edit>
-  <New>DocumentLibraryForm</New>
-</FormTemplates>
-</file>
-
-<file path=customXml/item5.xml><?xml version="1.0" encoding="utf-8"?>
-<Control xmlns="http://schemas.microsoft.com/VisualStudio/2011/storyboarding/control">
-  <Id Name="System.Storyboarding.Backgrounds.WebBrowser" Revision="1" Stencil="System.Storyboarding.Backgrounds" StencilVersion="0.1"/>
-</Control>
-</file>
-
-<file path=customXml/item6.xml><?xml version="1.0" encoding="utf-8"?>
 <p:properties xmlns:p="http://schemas.microsoft.com/office/2006/metadata/properties" xmlns:xsi="http://www.w3.org/2001/XMLSchema-instance" xmlns:pc="http://schemas.microsoft.com/office/infopath/2007/PartnerControls">
   <documentManagement>
     <SharedWithUsers xmlns="5ec9502b-addf-4716-883a-9e6742fd5109">
@@ -52359,7 +52319,36 @@
 </p:properties>
 </file>
 
+<file path=customXml/item4.xml><?xml version="1.0" encoding="utf-8"?>
+<Control xmlns="http://schemas.microsoft.com/VisualStudio/2011/storyboarding/control">
+  <Id Name="System.Storyboarding.Backgrounds.WebBrowser" Revision="1" Stencil="System.Storyboarding.Backgrounds" StencilVersion="0.1"/>
+</Control>
+</file>
+
+<file path=customXml/item5.xml><?xml version="1.0" encoding="utf-8"?>
+<?mso-contentType ?>
+<FormTemplates xmlns="http://schemas.microsoft.com/sharepoint/v3/contenttype/forms">
+  <Display>DocumentLibraryForm</Display>
+  <Edit>DocumentLibraryForm</Edit>
+  <New>DocumentLibraryForm</New>
+</FormTemplates>
+</file>
+
+<file path=customXml/item6.xml><?xml version="1.0" encoding="utf-8"?>
+<Control xmlns="http://schemas.microsoft.com/VisualStudio/2011/storyboarding/control">
+  <Id Name="System.Storyboarding.Backgrounds.WebBrowser" Revision="1" Stencil="System.Storyboarding.Backgrounds" StencilVersion="0.1"/>
+</Control>
+</file>
+
 <file path=customXml/itemProps1.xml><?xml version="1.0" encoding="utf-8"?>
+<ds:datastoreItem xmlns:ds="http://schemas.openxmlformats.org/officeDocument/2006/customXml" ds:itemID="{6769EEFD-0F61-4AA2-AE02-4E16ED5BCFE8}">
+  <ds:schemaRefs>
+    <ds:schemaRef ds:uri="http://schemas.microsoft.com/VisualStudio/2011/storyboarding/control"/>
+  </ds:schemaRefs>
+</ds:datastoreItem>
+</file>
+
+<file path=customXml/itemProps2.xml><?xml version="1.0" encoding="utf-8"?>
 <ds:datastoreItem xmlns:ds="http://schemas.openxmlformats.org/officeDocument/2006/customXml" ds:itemID="{F79724C6-F6AC-4965-8DDA-67169DE5A52B}">
   <ds:schemaRefs>
     <ds:schemaRef ds:uri="http://schemas.microsoft.com/office/2006/metadata/contentType"/>
@@ -52377,39 +52366,7 @@
 </ds:datastoreItem>
 </file>
 
-<file path=customXml/itemProps2.xml><?xml version="1.0" encoding="utf-8"?>
-<ds:datastoreItem xmlns:ds="http://schemas.openxmlformats.org/officeDocument/2006/customXml" ds:itemID="{6769EEFD-0F61-4AA2-AE02-4E16ED5BCFE8}">
-  <ds:schemaRefs>
-    <ds:schemaRef ds:uri="http://schemas.microsoft.com/VisualStudio/2011/storyboarding/control"/>
-  </ds:schemaRefs>
-</ds:datastoreItem>
-</file>
-
 <file path=customXml/itemProps3.xml><?xml version="1.0" encoding="utf-8"?>
-<ds:datastoreItem xmlns:ds="http://schemas.openxmlformats.org/officeDocument/2006/customXml" ds:itemID="{57ED2E3B-EB43-4252-8C73-98EA6ACC344E}">
-  <ds:schemaRefs>
-    <ds:schemaRef ds:uri="http://schemas.microsoft.com/VisualStudio/2011/storyboarding/control"/>
-  </ds:schemaRefs>
-</ds:datastoreItem>
-</file>
-
-<file path=customXml/itemProps4.xml><?xml version="1.0" encoding="utf-8"?>
-<ds:datastoreItem xmlns:ds="http://schemas.openxmlformats.org/officeDocument/2006/customXml" ds:itemID="{B4606E04-852E-4880-8CD1-0B186F4087B1}">
-  <ds:schemaRefs>
-    <ds:schemaRef ds:uri="http://schemas.microsoft.com/sharepoint/v3/contenttype/forms"/>
-  </ds:schemaRefs>
-</ds:datastoreItem>
-</file>
-
-<file path=customXml/itemProps5.xml><?xml version="1.0" encoding="utf-8"?>
-<ds:datastoreItem xmlns:ds="http://schemas.openxmlformats.org/officeDocument/2006/customXml" ds:itemID="{CE030D2D-A334-4C40-95AD-E97580D89B11}">
-  <ds:schemaRefs>
-    <ds:schemaRef ds:uri="http://schemas.microsoft.com/VisualStudio/2011/storyboarding/control"/>
-  </ds:schemaRefs>
-</ds:datastoreItem>
-</file>
-
-<file path=customXml/itemProps6.xml><?xml version="1.0" encoding="utf-8"?>
 <ds:datastoreItem xmlns:ds="http://schemas.openxmlformats.org/officeDocument/2006/customXml" ds:itemID="{F1AEA8A7-A694-4DB0-82AB-EF48F2E9B6F9}">
   <ds:schemaRefs>
     <ds:schemaRef ds:uri="http://schemas.microsoft.com/office/2006/metadata/properties"/>
@@ -52423,4 +52380,28 @@
     <ds:schemaRef ds:uri="http://purl.org/dc/dcmitype/"/>
   </ds:schemaRefs>
 </ds:datastoreItem>
+</file>
+
+<file path=customXml/itemProps4.xml><?xml version="1.0" encoding="utf-8"?>
+<ds:datastoreItem xmlns:ds="http://schemas.openxmlformats.org/officeDocument/2006/customXml" ds:itemID="{CE030D2D-A334-4C40-95AD-E97580D89B11}">
+  <ds:schemaRefs>
+    <ds:schemaRef ds:uri="http://schemas.microsoft.com/VisualStudio/2011/storyboarding/control"/>
+  </ds:schemaRefs>
+</ds:datastoreItem>
+</file>
+
+<file path=customXml/itemProps5.xml><?xml version="1.0" encoding="utf-8"?>
+<ds:datastoreItem xmlns:ds="http://schemas.openxmlformats.org/officeDocument/2006/customXml" ds:itemID="{B4606E04-852E-4880-8CD1-0B186F4087B1}">
+  <ds:schemaRefs>
+    <ds:schemaRef ds:uri="http://schemas.microsoft.com/sharepoint/v3/contenttype/forms"/>
+  </ds:schemaRefs>
+</ds:datastoreItem>
+</file>
+
+<file path=customXml/itemProps6.xml><?xml version="1.0" encoding="utf-8"?>
+<ds:datastoreItem xmlns:ds="http://schemas.openxmlformats.org/officeDocument/2006/customXml" ds:itemID="{57ED2E3B-EB43-4252-8C73-98EA6ACC344E}">
+  <ds:schemaRefs>
+    <ds:schemaRef ds:uri="http://schemas.microsoft.com/VisualStudio/2011/storyboarding/control"/>
+  </ds:schemaRefs>
+</ds:datastoreItem>
 </file>